--- a/Shipment logistics analysis.pptx
+++ b/Shipment logistics analysis.pptx
@@ -6,6 +6,11 @@
   </p:sldMasterIdLst>
   <p:sldIdLst>
     <p:sldId id="256" r:id="rId2"/>
+    <p:sldId id="257" r:id="rId3"/>
+    <p:sldId id="258" r:id="rId4"/>
+    <p:sldId id="260" r:id="rId5"/>
+    <p:sldId id="261" r:id="rId6"/>
+    <p:sldId id="262" r:id="rId7"/>
   </p:sldIdLst>
   <p:sldSz cx="12192000" cy="6858000"/>
   <p:notesSz cx="6858000" cy="9144000"/>
@@ -105,6 +110,3049 @@
     </a:lvl9pPr>
   </p:defaultTextStyle>
 </p:presentation>
+</file>
+
+<file path=ppt/diagrams/colors1.xml><?xml version="1.0" encoding="utf-8"?>
+<dgm:colorsDef xmlns:dgm="http://schemas.openxmlformats.org/drawingml/2006/diagram" xmlns:a="http://schemas.openxmlformats.org/drawingml/2006/main" uniqueId="urn:microsoft.com/office/officeart/2018/5/colors/Iconchunking_neutralicontext_colorful1">
+  <dgm:title val=""/>
+  <dgm:desc val=""/>
+  <dgm:catLst>
+    <dgm:cat type="colorful" pri="10100"/>
+  </dgm:catLst>
+  <dgm:styleLbl name="node0">
+    <dgm:fillClrLst meth="repeat">
+      <a:schemeClr val="accent1"/>
+    </dgm:fillClrLst>
+    <dgm:linClrLst meth="repeat">
+      <a:schemeClr val="lt1"/>
+    </dgm:linClrLst>
+    <dgm:effectClrLst/>
+    <dgm:txLinClrLst/>
+    <dgm:txFillClrLst/>
+    <dgm:txEffectClrLst/>
+  </dgm:styleLbl>
+  <dgm:styleLbl name="node1">
+    <dgm:fillClrLst meth="repeat">
+      <a:schemeClr val="bg1"/>
+    </dgm:fillClrLst>
+    <dgm:linClrLst meth="repeat">
+      <a:schemeClr val="lt1">
+        <a:alpha val="0"/>
+      </a:schemeClr>
+    </dgm:linClrLst>
+    <dgm:effectClrLst/>
+    <dgm:txLinClrLst/>
+    <dgm:txFillClrLst meth="repeat">
+      <a:schemeClr val="dk1"/>
+    </dgm:txFillClrLst>
+    <dgm:txEffectClrLst/>
+  </dgm:styleLbl>
+  <dgm:styleLbl name="alignNode1">
+    <dgm:fillClrLst meth="repeat">
+      <a:schemeClr val="accent2"/>
+      <a:schemeClr val="accent3"/>
+      <a:schemeClr val="accent4"/>
+      <a:schemeClr val="accent5"/>
+      <a:schemeClr val="accent6"/>
+    </dgm:fillClrLst>
+    <dgm:linClrLst meth="repeat">
+      <a:schemeClr val="accent2"/>
+      <a:schemeClr val="accent3"/>
+      <a:schemeClr val="accent4"/>
+      <a:schemeClr val="accent5"/>
+      <a:schemeClr val="accent6"/>
+    </dgm:linClrLst>
+    <dgm:effectClrLst/>
+    <dgm:txLinClrLst/>
+    <dgm:txFillClrLst/>
+    <dgm:txEffectClrLst/>
+  </dgm:styleLbl>
+  <dgm:styleLbl name="lnNode1">
+    <dgm:fillClrLst meth="repeat">
+      <a:schemeClr val="accent2"/>
+      <a:schemeClr val="accent3"/>
+      <a:schemeClr val="accent4"/>
+      <a:schemeClr val="accent5"/>
+      <a:schemeClr val="accent6"/>
+    </dgm:fillClrLst>
+    <dgm:linClrLst meth="repeat">
+      <a:schemeClr val="lt1"/>
+    </dgm:linClrLst>
+    <dgm:effectClrLst/>
+    <dgm:txLinClrLst/>
+    <dgm:txFillClrLst/>
+    <dgm:txEffectClrLst/>
+  </dgm:styleLbl>
+  <dgm:styleLbl name="vennNode1">
+    <dgm:fillClrLst meth="repeat">
+      <a:schemeClr val="accent2">
+        <a:alpha val="50000"/>
+      </a:schemeClr>
+      <a:schemeClr val="accent3">
+        <a:alpha val="50000"/>
+      </a:schemeClr>
+      <a:schemeClr val="accent4">
+        <a:alpha val="50000"/>
+      </a:schemeClr>
+      <a:schemeClr val="accent5">
+        <a:alpha val="50000"/>
+      </a:schemeClr>
+      <a:schemeClr val="accent6">
+        <a:alpha val="50000"/>
+      </a:schemeClr>
+    </dgm:fillClrLst>
+    <dgm:linClrLst meth="repeat">
+      <a:schemeClr val="lt1"/>
+    </dgm:linClrLst>
+    <dgm:effectClrLst/>
+    <dgm:txLinClrLst/>
+    <dgm:txFillClrLst/>
+    <dgm:txEffectClrLst/>
+  </dgm:styleLbl>
+  <dgm:styleLbl name="node2">
+    <dgm:fillClrLst>
+      <a:schemeClr val="accent2"/>
+    </dgm:fillClrLst>
+    <dgm:linClrLst meth="repeat">
+      <a:schemeClr val="lt1"/>
+    </dgm:linClrLst>
+    <dgm:effectClrLst/>
+    <dgm:txLinClrLst/>
+    <dgm:txFillClrLst/>
+    <dgm:txEffectClrLst/>
+  </dgm:styleLbl>
+  <dgm:styleLbl name="node3">
+    <dgm:fillClrLst>
+      <a:schemeClr val="accent3"/>
+    </dgm:fillClrLst>
+    <dgm:linClrLst meth="repeat">
+      <a:schemeClr val="lt1"/>
+    </dgm:linClrLst>
+    <dgm:effectClrLst/>
+    <dgm:txLinClrLst/>
+    <dgm:txFillClrLst/>
+    <dgm:txEffectClrLst/>
+  </dgm:styleLbl>
+  <dgm:styleLbl name="node4">
+    <dgm:fillClrLst>
+      <a:schemeClr val="accent4"/>
+    </dgm:fillClrLst>
+    <dgm:linClrLst meth="repeat">
+      <a:schemeClr val="lt1"/>
+    </dgm:linClrLst>
+    <dgm:effectClrLst/>
+    <dgm:txLinClrLst/>
+    <dgm:txFillClrLst/>
+    <dgm:txEffectClrLst/>
+  </dgm:styleLbl>
+  <dgm:styleLbl name="fgImgPlace1">
+    <dgm:fillClrLst meth="repeat">
+      <a:schemeClr val="accent2">
+        <a:tint val="50000"/>
+      </a:schemeClr>
+      <a:schemeClr val="accent3">
+        <a:tint val="50000"/>
+      </a:schemeClr>
+      <a:schemeClr val="accent4">
+        <a:tint val="50000"/>
+      </a:schemeClr>
+      <a:schemeClr val="accent5">
+        <a:tint val="50000"/>
+      </a:schemeClr>
+      <a:schemeClr val="accent6">
+        <a:tint val="50000"/>
+      </a:schemeClr>
+    </dgm:fillClrLst>
+    <dgm:linClrLst meth="repeat">
+      <a:schemeClr val="lt1"/>
+    </dgm:linClrLst>
+    <dgm:effectClrLst/>
+    <dgm:txLinClrLst/>
+    <dgm:txFillClrLst meth="repeat">
+      <a:schemeClr val="lt1"/>
+    </dgm:txFillClrLst>
+    <dgm:txEffectClrLst/>
+  </dgm:styleLbl>
+  <dgm:styleLbl name="alignImgPlace1">
+    <dgm:fillClrLst>
+      <a:schemeClr val="accent1">
+        <a:tint val="50000"/>
+      </a:schemeClr>
+      <a:schemeClr val="accent2">
+        <a:tint val="20000"/>
+      </a:schemeClr>
+    </dgm:fillClrLst>
+    <dgm:linClrLst meth="repeat">
+      <a:schemeClr val="lt1"/>
+    </dgm:linClrLst>
+    <dgm:effectClrLst/>
+    <dgm:txLinClrLst/>
+    <dgm:txFillClrLst meth="repeat">
+      <a:schemeClr val="lt1"/>
+    </dgm:txFillClrLst>
+    <dgm:txEffectClrLst/>
+  </dgm:styleLbl>
+  <dgm:styleLbl name="bgImgPlace1">
+    <dgm:fillClrLst>
+      <a:schemeClr val="accent1">
+        <a:tint val="50000"/>
+      </a:schemeClr>
+      <a:schemeClr val="accent2">
+        <a:tint val="20000"/>
+      </a:schemeClr>
+    </dgm:fillClrLst>
+    <dgm:linClrLst meth="repeat">
+      <a:schemeClr val="lt1"/>
+    </dgm:linClrLst>
+    <dgm:effectClrLst/>
+    <dgm:txLinClrLst/>
+    <dgm:txFillClrLst meth="repeat">
+      <a:schemeClr val="lt1"/>
+    </dgm:txFillClrLst>
+    <dgm:txEffectClrLst/>
+  </dgm:styleLbl>
+  <dgm:styleLbl name="sibTrans2D1">
+    <dgm:fillClrLst meth="repeat">
+      <a:schemeClr val="accent2"/>
+      <a:schemeClr val="accent3"/>
+      <a:schemeClr val="accent4"/>
+      <a:schemeClr val="accent5"/>
+      <a:schemeClr val="accent6"/>
+    </dgm:fillClrLst>
+    <dgm:linClrLst meth="cycle">
+      <a:schemeClr val="lt1"/>
+    </dgm:linClrLst>
+    <dgm:effectClrLst/>
+    <dgm:txLinClrLst/>
+    <dgm:txFillClrLst/>
+    <dgm:txEffectClrLst/>
+  </dgm:styleLbl>
+  <dgm:styleLbl name="fgSibTrans2D1">
+    <dgm:fillClrLst meth="repeat">
+      <a:schemeClr val="accent2"/>
+      <a:schemeClr val="accent3"/>
+      <a:schemeClr val="accent4"/>
+      <a:schemeClr val="accent5"/>
+      <a:schemeClr val="accent6"/>
+    </dgm:fillClrLst>
+    <dgm:linClrLst meth="cycle">
+      <a:schemeClr val="lt1"/>
+    </dgm:linClrLst>
+    <dgm:effectClrLst/>
+    <dgm:txLinClrLst/>
+    <dgm:txFillClrLst meth="repeat">
+      <a:schemeClr val="lt1"/>
+    </dgm:txFillClrLst>
+    <dgm:txEffectClrLst/>
+  </dgm:styleLbl>
+  <dgm:styleLbl name="bgSibTrans2D1">
+    <dgm:fillClrLst meth="repeat">
+      <a:schemeClr val="accent2"/>
+      <a:schemeClr val="accent3"/>
+      <a:schemeClr val="accent4"/>
+      <a:schemeClr val="accent5"/>
+      <a:schemeClr val="accent6"/>
+    </dgm:fillClrLst>
+    <dgm:linClrLst meth="cycle">
+      <a:schemeClr val="lt1"/>
+    </dgm:linClrLst>
+    <dgm:effectClrLst/>
+    <dgm:txLinClrLst/>
+    <dgm:txFillClrLst meth="repeat">
+      <a:schemeClr val="lt1"/>
+    </dgm:txFillClrLst>
+    <dgm:txEffectClrLst/>
+  </dgm:styleLbl>
+  <dgm:styleLbl name="sibTrans1D1">
+    <dgm:fillClrLst meth="repeat">
+      <a:schemeClr val="accent2"/>
+      <a:schemeClr val="accent3"/>
+      <a:schemeClr val="accent4"/>
+      <a:schemeClr val="accent5"/>
+      <a:schemeClr val="accent6"/>
+    </dgm:fillClrLst>
+    <dgm:linClrLst meth="repeat">
+      <a:schemeClr val="accent2"/>
+      <a:schemeClr val="accent3"/>
+      <a:schemeClr val="accent4"/>
+      <a:schemeClr val="accent5"/>
+      <a:schemeClr val="accent6"/>
+    </dgm:linClrLst>
+    <dgm:effectClrLst/>
+    <dgm:txLinClrLst/>
+    <dgm:txFillClrLst meth="repeat">
+      <a:schemeClr val="tx1"/>
+    </dgm:txFillClrLst>
+    <dgm:txEffectClrLst/>
+  </dgm:styleLbl>
+  <dgm:styleLbl name="callout">
+    <dgm:fillClrLst meth="repeat">
+      <a:schemeClr val="accent2"/>
+    </dgm:fillClrLst>
+    <dgm:linClrLst meth="repeat">
+      <a:schemeClr val="accent2">
+        <a:tint val="50000"/>
+      </a:schemeClr>
+    </dgm:linClrLst>
+    <dgm:effectClrLst/>
+    <dgm:txLinClrLst/>
+    <dgm:txFillClrLst meth="repeat">
+      <a:schemeClr val="tx1"/>
+    </dgm:txFillClrLst>
+    <dgm:txEffectClrLst/>
+  </dgm:styleLbl>
+  <dgm:styleLbl name="asst0">
+    <dgm:fillClrLst meth="repeat">
+      <a:schemeClr val="accent1"/>
+    </dgm:fillClrLst>
+    <dgm:linClrLst meth="repeat">
+      <a:schemeClr val="lt1"/>
+    </dgm:linClrLst>
+    <dgm:effectClrLst/>
+    <dgm:txLinClrLst/>
+    <dgm:txFillClrLst/>
+    <dgm:txEffectClrLst/>
+  </dgm:styleLbl>
+  <dgm:styleLbl name="asst1">
+    <dgm:fillClrLst meth="repeat">
+      <a:schemeClr val="accent2"/>
+    </dgm:fillClrLst>
+    <dgm:linClrLst meth="repeat">
+      <a:schemeClr val="lt1"/>
+    </dgm:linClrLst>
+    <dgm:effectClrLst/>
+    <dgm:txLinClrLst/>
+    <dgm:txFillClrLst/>
+    <dgm:txEffectClrLst/>
+  </dgm:styleLbl>
+  <dgm:styleLbl name="asst2">
+    <dgm:fillClrLst>
+      <a:schemeClr val="accent3"/>
+    </dgm:fillClrLst>
+    <dgm:linClrLst meth="repeat">
+      <a:schemeClr val="lt1"/>
+    </dgm:linClrLst>
+    <dgm:effectClrLst/>
+    <dgm:txLinClrLst/>
+    <dgm:txFillClrLst/>
+    <dgm:txEffectClrLst/>
+  </dgm:styleLbl>
+  <dgm:styleLbl name="asst3">
+    <dgm:fillClrLst>
+      <a:schemeClr val="accent4"/>
+    </dgm:fillClrLst>
+    <dgm:linClrLst meth="repeat">
+      <a:schemeClr val="lt1"/>
+    </dgm:linClrLst>
+    <dgm:effectClrLst/>
+    <dgm:txLinClrLst/>
+    <dgm:txFillClrLst/>
+    <dgm:txEffectClrLst/>
+  </dgm:styleLbl>
+  <dgm:styleLbl name="asst4">
+    <dgm:fillClrLst>
+      <a:schemeClr val="accent5"/>
+    </dgm:fillClrLst>
+    <dgm:linClrLst meth="repeat">
+      <a:schemeClr val="lt1"/>
+    </dgm:linClrLst>
+    <dgm:effectClrLst/>
+    <dgm:txLinClrLst/>
+    <dgm:txFillClrLst/>
+    <dgm:txEffectClrLst/>
+  </dgm:styleLbl>
+  <dgm:styleLbl name="parChTrans2D1">
+    <dgm:fillClrLst meth="repeat">
+      <a:schemeClr val="accent2"/>
+    </dgm:fillClrLst>
+    <dgm:linClrLst meth="repeat">
+      <a:schemeClr val="lt1"/>
+    </dgm:linClrLst>
+    <dgm:effectClrLst/>
+    <dgm:txLinClrLst/>
+    <dgm:txFillClrLst meth="repeat">
+      <a:schemeClr val="lt1"/>
+    </dgm:txFillClrLst>
+    <dgm:txEffectClrLst/>
+  </dgm:styleLbl>
+  <dgm:styleLbl name="parChTrans2D2">
+    <dgm:fillClrLst meth="repeat">
+      <a:schemeClr val="accent3"/>
+    </dgm:fillClrLst>
+    <dgm:linClrLst meth="repeat">
+      <a:schemeClr val="lt1"/>
+    </dgm:linClrLst>
+    <dgm:effectClrLst/>
+    <dgm:txLinClrLst/>
+    <dgm:txFillClrLst/>
+    <dgm:txEffectClrLst/>
+  </dgm:styleLbl>
+  <dgm:styleLbl name="parChTrans2D3">
+    <dgm:fillClrLst meth="repeat">
+      <a:schemeClr val="accent4"/>
+    </dgm:fillClrLst>
+    <dgm:linClrLst meth="repeat">
+      <a:schemeClr val="lt1"/>
+    </dgm:linClrLst>
+    <dgm:effectClrLst/>
+    <dgm:txLinClrLst/>
+    <dgm:txFillClrLst/>
+    <dgm:txEffectClrLst/>
+  </dgm:styleLbl>
+  <dgm:styleLbl name="parChTrans2D4">
+    <dgm:fillClrLst meth="repeat">
+      <a:schemeClr val="accent5"/>
+    </dgm:fillClrLst>
+    <dgm:linClrLst meth="repeat">
+      <a:schemeClr val="lt1"/>
+    </dgm:linClrLst>
+    <dgm:effectClrLst/>
+    <dgm:txLinClrLst/>
+    <dgm:txFillClrLst meth="repeat">
+      <a:schemeClr val="lt1"/>
+    </dgm:txFillClrLst>
+    <dgm:txEffectClrLst/>
+  </dgm:styleLbl>
+  <dgm:styleLbl name="parChTrans1D1">
+    <dgm:fillClrLst meth="repeat">
+      <a:schemeClr val="accent2"/>
+    </dgm:fillClrLst>
+    <dgm:linClrLst meth="repeat">
+      <a:schemeClr val="accent1"/>
+    </dgm:linClrLst>
+    <dgm:effectClrLst/>
+    <dgm:txLinClrLst/>
+    <dgm:txFillClrLst meth="repeat">
+      <a:schemeClr val="tx1"/>
+    </dgm:txFillClrLst>
+    <dgm:txEffectClrLst/>
+  </dgm:styleLbl>
+  <dgm:styleLbl name="parChTrans1D2">
+    <dgm:fillClrLst meth="repeat">
+      <a:schemeClr val="accent3">
+        <a:tint val="90000"/>
+      </a:schemeClr>
+    </dgm:fillClrLst>
+    <dgm:linClrLst meth="repeat">
+      <a:schemeClr val="accent2"/>
+    </dgm:linClrLst>
+    <dgm:effectClrLst/>
+    <dgm:txLinClrLst/>
+    <dgm:txFillClrLst meth="repeat">
+      <a:schemeClr val="tx1"/>
+    </dgm:txFillClrLst>
+    <dgm:txEffectClrLst/>
+  </dgm:styleLbl>
+  <dgm:styleLbl name="parChTrans1D3">
+    <dgm:fillClrLst meth="repeat">
+      <a:schemeClr val="accent4">
+        <a:tint val="70000"/>
+      </a:schemeClr>
+    </dgm:fillClrLst>
+    <dgm:linClrLst meth="repeat">
+      <a:schemeClr val="accent3"/>
+    </dgm:linClrLst>
+    <dgm:effectClrLst/>
+    <dgm:txLinClrLst/>
+    <dgm:txFillClrLst meth="repeat">
+      <a:schemeClr val="tx1"/>
+    </dgm:txFillClrLst>
+    <dgm:txEffectClrLst/>
+  </dgm:styleLbl>
+  <dgm:styleLbl name="parChTrans1D4">
+    <dgm:fillClrLst meth="repeat">
+      <a:schemeClr val="accent5">
+        <a:tint val="50000"/>
+      </a:schemeClr>
+    </dgm:fillClrLst>
+    <dgm:linClrLst meth="repeat">
+      <a:schemeClr val="accent4"/>
+    </dgm:linClrLst>
+    <dgm:effectClrLst/>
+    <dgm:txLinClrLst/>
+    <dgm:txFillClrLst meth="repeat">
+      <a:schemeClr val="tx1"/>
+    </dgm:txFillClrLst>
+    <dgm:txEffectClrLst/>
+  </dgm:styleLbl>
+  <dgm:styleLbl name="fgAcc1">
+    <dgm:fillClrLst meth="repeat">
+      <a:schemeClr val="lt1">
+        <a:alpha val="90000"/>
+      </a:schemeClr>
+    </dgm:fillClrLst>
+    <dgm:linClrLst meth="repeat">
+      <a:schemeClr val="accent2"/>
+      <a:schemeClr val="accent3"/>
+      <a:schemeClr val="accent4"/>
+      <a:schemeClr val="accent5"/>
+      <a:schemeClr val="accent6"/>
+    </dgm:linClrLst>
+    <dgm:effectClrLst/>
+    <dgm:txLinClrLst/>
+    <dgm:txFillClrLst meth="repeat">
+      <a:schemeClr val="dk1"/>
+    </dgm:txFillClrLst>
+    <dgm:txEffectClrLst/>
+  </dgm:styleLbl>
+  <dgm:styleLbl name="conFgAcc1">
+    <dgm:fillClrLst meth="repeat">
+      <a:schemeClr val="lt1">
+        <a:alpha val="90000"/>
+      </a:schemeClr>
+    </dgm:fillClrLst>
+    <dgm:linClrLst meth="repeat">
+      <a:schemeClr val="accent2"/>
+      <a:schemeClr val="accent3"/>
+      <a:schemeClr val="accent4"/>
+      <a:schemeClr val="accent5"/>
+      <a:schemeClr val="accent6"/>
+    </dgm:linClrLst>
+    <dgm:effectClrLst/>
+    <dgm:txLinClrLst/>
+    <dgm:txFillClrLst meth="repeat">
+      <a:schemeClr val="dk1"/>
+    </dgm:txFillClrLst>
+    <dgm:txEffectClrLst/>
+  </dgm:styleLbl>
+  <dgm:styleLbl name="alignAcc1">
+    <dgm:fillClrLst meth="repeat">
+      <a:schemeClr val="lt1">
+        <a:alpha val="90000"/>
+      </a:schemeClr>
+    </dgm:fillClrLst>
+    <dgm:linClrLst meth="repeat">
+      <a:schemeClr val="accent2"/>
+      <a:schemeClr val="accent3"/>
+      <a:schemeClr val="accent4"/>
+      <a:schemeClr val="accent5"/>
+      <a:schemeClr val="accent6"/>
+    </dgm:linClrLst>
+    <dgm:effectClrLst/>
+    <dgm:txLinClrLst/>
+    <dgm:txFillClrLst meth="repeat">
+      <a:schemeClr val="dk1"/>
+    </dgm:txFillClrLst>
+    <dgm:txEffectClrLst/>
+  </dgm:styleLbl>
+  <dgm:styleLbl name="trAlignAcc1">
+    <dgm:fillClrLst meth="repeat">
+      <a:schemeClr val="lt1">
+        <a:alpha val="40000"/>
+      </a:schemeClr>
+    </dgm:fillClrLst>
+    <dgm:linClrLst meth="repeat">
+      <a:schemeClr val="accent1"/>
+    </dgm:linClrLst>
+    <dgm:effectClrLst/>
+    <dgm:txLinClrLst/>
+    <dgm:txFillClrLst meth="repeat">
+      <a:schemeClr val="dk1"/>
+    </dgm:txFillClrLst>
+    <dgm:txEffectClrLst/>
+  </dgm:styleLbl>
+  <dgm:styleLbl name="bgAcc1">
+    <dgm:fillClrLst meth="repeat">
+      <a:schemeClr val="lt1">
+        <a:alpha val="90000"/>
+      </a:schemeClr>
+    </dgm:fillClrLst>
+    <dgm:linClrLst meth="repeat">
+      <a:schemeClr val="accent2"/>
+      <a:schemeClr val="accent3"/>
+      <a:schemeClr val="accent4"/>
+      <a:schemeClr val="accent5"/>
+      <a:schemeClr val="accent6"/>
+    </dgm:linClrLst>
+    <dgm:effectClrLst/>
+    <dgm:txLinClrLst/>
+    <dgm:txFillClrLst meth="repeat">
+      <a:schemeClr val="dk1"/>
+    </dgm:txFillClrLst>
+    <dgm:txEffectClrLst/>
+  </dgm:styleLbl>
+  <dgm:styleLbl name="solidFgAcc1">
+    <dgm:fillClrLst meth="repeat">
+      <a:schemeClr val="lt1"/>
+    </dgm:fillClrLst>
+    <dgm:linClrLst meth="repeat">
+      <a:schemeClr val="accent2"/>
+      <a:schemeClr val="accent3"/>
+      <a:schemeClr val="accent4"/>
+      <a:schemeClr val="accent5"/>
+      <a:schemeClr val="accent6"/>
+    </dgm:linClrLst>
+    <dgm:effectClrLst/>
+    <dgm:txLinClrLst/>
+    <dgm:txFillClrLst meth="repeat">
+      <a:schemeClr val="dk1"/>
+    </dgm:txFillClrLst>
+    <dgm:txEffectClrLst/>
+  </dgm:styleLbl>
+  <dgm:styleLbl name="solidAlignAcc1">
+    <dgm:fillClrLst meth="repeat">
+      <a:schemeClr val="lt1"/>
+    </dgm:fillClrLst>
+    <dgm:linClrLst meth="repeat">
+      <a:schemeClr val="accent2"/>
+      <a:schemeClr val="accent3"/>
+      <a:schemeClr val="accent4"/>
+      <a:schemeClr val="accent5"/>
+      <a:schemeClr val="accent6"/>
+    </dgm:linClrLst>
+    <dgm:effectClrLst/>
+    <dgm:txLinClrLst/>
+    <dgm:txFillClrLst meth="repeat">
+      <a:schemeClr val="dk1"/>
+    </dgm:txFillClrLst>
+    <dgm:txEffectClrLst/>
+  </dgm:styleLbl>
+  <dgm:styleLbl name="solidBgAcc1">
+    <dgm:fillClrLst meth="repeat">
+      <a:schemeClr val="lt1"/>
+    </dgm:fillClrLst>
+    <dgm:linClrLst meth="repeat">
+      <a:schemeClr val="accent2"/>
+      <a:schemeClr val="accent3"/>
+      <a:schemeClr val="accent4"/>
+      <a:schemeClr val="accent5"/>
+      <a:schemeClr val="accent6"/>
+    </dgm:linClrLst>
+    <dgm:effectClrLst/>
+    <dgm:txLinClrLst/>
+    <dgm:txFillClrLst meth="repeat">
+      <a:schemeClr val="dk1"/>
+    </dgm:txFillClrLst>
+    <dgm:txEffectClrLst/>
+  </dgm:styleLbl>
+  <dgm:styleLbl name="fgAccFollowNode1">
+    <dgm:fillClrLst meth="repeat">
+      <a:schemeClr val="accent2">
+        <a:tint val="40000"/>
+        <a:alpha val="90000"/>
+      </a:schemeClr>
+      <a:schemeClr val="accent3">
+        <a:tint val="40000"/>
+        <a:alpha val="90000"/>
+      </a:schemeClr>
+      <a:schemeClr val="accent4">
+        <a:tint val="40000"/>
+        <a:alpha val="90000"/>
+      </a:schemeClr>
+      <a:schemeClr val="accent5">
+        <a:tint val="40000"/>
+        <a:alpha val="90000"/>
+      </a:schemeClr>
+      <a:schemeClr val="accent6">
+        <a:tint val="40000"/>
+        <a:alpha val="90000"/>
+      </a:schemeClr>
+    </dgm:fillClrLst>
+    <dgm:linClrLst meth="repeat">
+      <a:schemeClr val="accent2">
+        <a:tint val="40000"/>
+        <a:alpha val="90000"/>
+      </a:schemeClr>
+      <a:schemeClr val="accent3">
+        <a:tint val="40000"/>
+        <a:alpha val="90000"/>
+      </a:schemeClr>
+      <a:schemeClr val="accent4">
+        <a:tint val="40000"/>
+        <a:alpha val="90000"/>
+      </a:schemeClr>
+      <a:schemeClr val="accent5">
+        <a:tint val="40000"/>
+        <a:alpha val="90000"/>
+      </a:schemeClr>
+      <a:schemeClr val="accent6">
+        <a:tint val="40000"/>
+        <a:alpha val="90000"/>
+      </a:schemeClr>
+    </dgm:linClrLst>
+    <dgm:effectClrLst/>
+    <dgm:txLinClrLst/>
+    <dgm:txFillClrLst meth="repeat">
+      <a:schemeClr val="dk1"/>
+    </dgm:txFillClrLst>
+    <dgm:txEffectClrLst/>
+  </dgm:styleLbl>
+  <dgm:styleLbl name="alignAccFollowNode1">
+    <dgm:fillClrLst meth="repeat">
+      <a:schemeClr val="accent2">
+        <a:tint val="40000"/>
+        <a:alpha val="90000"/>
+      </a:schemeClr>
+      <a:schemeClr val="accent3">
+        <a:tint val="40000"/>
+        <a:alpha val="90000"/>
+      </a:schemeClr>
+      <a:schemeClr val="accent4">
+        <a:tint val="40000"/>
+        <a:alpha val="90000"/>
+      </a:schemeClr>
+      <a:schemeClr val="accent5">
+        <a:tint val="40000"/>
+        <a:alpha val="90000"/>
+      </a:schemeClr>
+      <a:schemeClr val="accent6">
+        <a:tint val="40000"/>
+        <a:alpha val="90000"/>
+      </a:schemeClr>
+    </dgm:fillClrLst>
+    <dgm:linClrLst meth="repeat">
+      <a:schemeClr val="accent2">
+        <a:tint val="40000"/>
+        <a:alpha val="90000"/>
+      </a:schemeClr>
+      <a:schemeClr val="accent3">
+        <a:tint val="40000"/>
+        <a:alpha val="90000"/>
+      </a:schemeClr>
+      <a:schemeClr val="accent4">
+        <a:tint val="40000"/>
+        <a:alpha val="90000"/>
+      </a:schemeClr>
+      <a:schemeClr val="accent5">
+        <a:tint val="40000"/>
+        <a:alpha val="90000"/>
+      </a:schemeClr>
+      <a:schemeClr val="accent6">
+        <a:tint val="40000"/>
+        <a:alpha val="90000"/>
+      </a:schemeClr>
+    </dgm:linClrLst>
+    <dgm:effectClrLst/>
+    <dgm:txLinClrLst/>
+    <dgm:txFillClrLst meth="repeat">
+      <a:schemeClr val="dk1"/>
+    </dgm:txFillClrLst>
+    <dgm:txEffectClrLst/>
+  </dgm:styleLbl>
+  <dgm:styleLbl name="bgAccFollowNode1">
+    <dgm:fillClrLst meth="repeat">
+      <a:schemeClr val="accent2">
+        <a:tint val="40000"/>
+        <a:alpha val="90000"/>
+      </a:schemeClr>
+      <a:schemeClr val="accent3">
+        <a:tint val="40000"/>
+        <a:alpha val="90000"/>
+      </a:schemeClr>
+      <a:schemeClr val="accent4">
+        <a:tint val="40000"/>
+        <a:alpha val="90000"/>
+      </a:schemeClr>
+      <a:schemeClr val="accent5">
+        <a:tint val="40000"/>
+        <a:alpha val="90000"/>
+      </a:schemeClr>
+      <a:schemeClr val="accent6">
+        <a:tint val="40000"/>
+        <a:alpha val="90000"/>
+      </a:schemeClr>
+    </dgm:fillClrLst>
+    <dgm:linClrLst meth="repeat">
+      <a:schemeClr val="accent2">
+        <a:tint val="40000"/>
+        <a:alpha val="90000"/>
+      </a:schemeClr>
+      <a:schemeClr val="accent3">
+        <a:tint val="40000"/>
+        <a:alpha val="90000"/>
+      </a:schemeClr>
+      <a:schemeClr val="accent4">
+        <a:tint val="40000"/>
+        <a:alpha val="90000"/>
+      </a:schemeClr>
+      <a:schemeClr val="accent5">
+        <a:tint val="40000"/>
+        <a:alpha val="90000"/>
+      </a:schemeClr>
+      <a:schemeClr val="accent6">
+        <a:tint val="40000"/>
+        <a:alpha val="90000"/>
+      </a:schemeClr>
+    </dgm:linClrLst>
+    <dgm:effectClrLst/>
+    <dgm:txLinClrLst/>
+    <dgm:txFillClrLst meth="repeat">
+      <a:schemeClr val="dk1"/>
+    </dgm:txFillClrLst>
+    <dgm:txEffectClrLst/>
+  </dgm:styleLbl>
+  <dgm:styleLbl name="fgAcc0">
+    <dgm:fillClrLst meth="repeat">
+      <a:schemeClr val="lt1">
+        <a:alpha val="90000"/>
+      </a:schemeClr>
+    </dgm:fillClrLst>
+    <dgm:linClrLst>
+      <a:schemeClr val="accent1"/>
+    </dgm:linClrLst>
+    <dgm:effectClrLst/>
+    <dgm:txLinClrLst/>
+    <dgm:txFillClrLst meth="repeat">
+      <a:schemeClr val="dk1"/>
+    </dgm:txFillClrLst>
+    <dgm:txEffectClrLst/>
+  </dgm:styleLbl>
+  <dgm:styleLbl name="fgAcc2">
+    <dgm:fillClrLst meth="repeat">
+      <a:schemeClr val="lt1">
+        <a:alpha val="90000"/>
+      </a:schemeClr>
+    </dgm:fillClrLst>
+    <dgm:linClrLst>
+      <a:schemeClr val="accent2"/>
+    </dgm:linClrLst>
+    <dgm:effectClrLst/>
+    <dgm:txLinClrLst/>
+    <dgm:txFillClrLst meth="repeat">
+      <a:schemeClr val="dk1"/>
+    </dgm:txFillClrLst>
+    <dgm:txEffectClrLst/>
+  </dgm:styleLbl>
+  <dgm:styleLbl name="fgAcc3">
+    <dgm:fillClrLst meth="repeat">
+      <a:schemeClr val="lt1">
+        <a:alpha val="90000"/>
+      </a:schemeClr>
+    </dgm:fillClrLst>
+    <dgm:linClrLst>
+      <a:schemeClr val="accent3"/>
+    </dgm:linClrLst>
+    <dgm:effectClrLst/>
+    <dgm:txLinClrLst/>
+    <dgm:txFillClrLst meth="repeat">
+      <a:schemeClr val="dk1"/>
+    </dgm:txFillClrLst>
+    <dgm:txEffectClrLst/>
+  </dgm:styleLbl>
+  <dgm:styleLbl name="fgAcc4">
+    <dgm:fillClrLst meth="repeat">
+      <a:schemeClr val="lt1">
+        <a:alpha val="90000"/>
+      </a:schemeClr>
+    </dgm:fillClrLst>
+    <dgm:linClrLst>
+      <a:schemeClr val="accent4"/>
+    </dgm:linClrLst>
+    <dgm:effectClrLst/>
+    <dgm:txLinClrLst/>
+    <dgm:txFillClrLst meth="repeat">
+      <a:schemeClr val="dk1"/>
+    </dgm:txFillClrLst>
+    <dgm:txEffectClrLst/>
+  </dgm:styleLbl>
+  <dgm:styleLbl name="bgShp">
+    <dgm:fillClrLst meth="repeat">
+      <a:schemeClr val="accent2"/>
+      <a:schemeClr val="accent3"/>
+      <a:schemeClr val="accent4"/>
+      <a:schemeClr val="accent5"/>
+      <a:schemeClr val="accent6"/>
+    </dgm:fillClrLst>
+    <dgm:linClrLst meth="repeat">
+      <a:schemeClr val="lt1">
+        <a:alpha val="0"/>
+      </a:schemeClr>
+    </dgm:linClrLst>
+    <dgm:effectClrLst/>
+    <dgm:txLinClrLst/>
+    <dgm:txFillClrLst/>
+    <dgm:txEffectClrLst/>
+  </dgm:styleLbl>
+  <dgm:styleLbl name="dkBgShp">
+    <dgm:fillClrLst meth="repeat">
+      <a:schemeClr val="accent2">
+        <a:shade val="90000"/>
+      </a:schemeClr>
+    </dgm:fillClrLst>
+    <dgm:linClrLst meth="repeat">
+      <a:schemeClr val="dk1"/>
+    </dgm:linClrLst>
+    <dgm:effectClrLst/>
+    <dgm:txLinClrLst/>
+    <dgm:txFillClrLst meth="repeat">
+      <a:schemeClr val="lt1"/>
+    </dgm:txFillClrLst>
+    <dgm:txEffectClrLst/>
+  </dgm:styleLbl>
+  <dgm:styleLbl name="trBgShp">
+    <dgm:fillClrLst meth="repeat">
+      <a:schemeClr val="accent1">
+        <a:tint val="50000"/>
+        <a:alpha val="40000"/>
+      </a:schemeClr>
+    </dgm:fillClrLst>
+    <dgm:linClrLst meth="repeat">
+      <a:schemeClr val="accent2"/>
+    </dgm:linClrLst>
+    <dgm:effectClrLst/>
+    <dgm:txLinClrLst/>
+    <dgm:txFillClrLst meth="repeat">
+      <a:schemeClr val="lt1"/>
+    </dgm:txFillClrLst>
+    <dgm:txEffectClrLst/>
+  </dgm:styleLbl>
+  <dgm:styleLbl name="fgShp">
+    <dgm:fillClrLst meth="repeat">
+      <a:schemeClr val="accent2">
+        <a:tint val="40000"/>
+      </a:schemeClr>
+    </dgm:fillClrLst>
+    <dgm:linClrLst meth="repeat">
+      <a:schemeClr val="lt1"/>
+    </dgm:linClrLst>
+    <dgm:effectClrLst/>
+    <dgm:txLinClrLst/>
+    <dgm:txFillClrLst meth="repeat">
+      <a:schemeClr val="dk1"/>
+    </dgm:txFillClrLst>
+    <dgm:txEffectClrLst/>
+  </dgm:styleLbl>
+  <dgm:styleLbl name="revTx">
+    <dgm:fillClrLst meth="repeat">
+      <a:schemeClr val="lt1">
+        <a:alpha val="0"/>
+      </a:schemeClr>
+    </dgm:fillClrLst>
+    <dgm:linClrLst meth="repeat">
+      <a:schemeClr val="dk1">
+        <a:alpha val="0"/>
+      </a:schemeClr>
+    </dgm:linClrLst>
+    <dgm:effectClrLst/>
+    <dgm:txLinClrLst/>
+    <dgm:txFillClrLst meth="repeat">
+      <a:schemeClr val="bg1"/>
+    </dgm:txFillClrLst>
+    <dgm:txEffectClrLst/>
+  </dgm:styleLbl>
+</dgm:colorsDef>
+</file>
+
+<file path=ppt/diagrams/data1.xml><?xml version="1.0" encoding="utf-8"?>
+<dgm:dataModel xmlns:dgm="http://schemas.openxmlformats.org/drawingml/2006/diagram" xmlns:a="http://schemas.openxmlformats.org/drawingml/2006/main">
+  <dgm:ptLst>
+    <dgm:pt modelId="{6A52B9DC-BFF7-4A3D-A551-5DB712AFA3AD}" type="doc">
+      <dgm:prSet loTypeId="urn:microsoft.com/office/officeart/2018/2/layout/IconVerticalSolidList" loCatId="icon" qsTypeId="urn:microsoft.com/office/officeart/2005/8/quickstyle/simple1" qsCatId="simple" csTypeId="urn:microsoft.com/office/officeart/2018/5/colors/Iconchunking_neutralicontext_colorful1" csCatId="colorful" phldr="1"/>
+      <dgm:spPr/>
+      <dgm:t>
+        <a:bodyPr/>
+        <a:lstStyle/>
+        <a:p>
+          <a:endParaRPr lang="en-US"/>
+        </a:p>
+      </dgm:t>
+    </dgm:pt>
+    <dgm:pt modelId="{068C2021-F21A-41EB-973D-4250D2884982}">
+      <dgm:prSet/>
+      <dgm:spPr/>
+      <dgm:t>
+        <a:bodyPr/>
+        <a:lstStyle/>
+        <a:p>
+          <a:r>
+            <a:rPr lang="en-GB"/>
+            <a:t>To analyse carrier performance using KPI’s such as on-time delivery of shipments </a:t>
+          </a:r>
+          <a:endParaRPr lang="en-US"/>
+        </a:p>
+      </dgm:t>
+    </dgm:pt>
+    <dgm:pt modelId="{BFF4366D-2C9C-42FF-92C4-D9E11D1E4273}" type="parTrans" cxnId="{CAD4B092-ABC9-401F-BBCB-B12E5ED053B7}">
+      <dgm:prSet/>
+      <dgm:spPr/>
+      <dgm:t>
+        <a:bodyPr/>
+        <a:lstStyle/>
+        <a:p>
+          <a:endParaRPr lang="en-US"/>
+        </a:p>
+      </dgm:t>
+    </dgm:pt>
+    <dgm:pt modelId="{EF524DA3-8C31-4012-A5A7-CE4A511788F3}" type="sibTrans" cxnId="{CAD4B092-ABC9-401F-BBCB-B12E5ED053B7}">
+      <dgm:prSet/>
+      <dgm:spPr/>
+      <dgm:t>
+        <a:bodyPr/>
+        <a:lstStyle/>
+        <a:p>
+          <a:endParaRPr lang="en-US"/>
+        </a:p>
+      </dgm:t>
+    </dgm:pt>
+    <dgm:pt modelId="{FB010786-00BF-4BE3-B381-53FFB152B370}">
+      <dgm:prSet/>
+      <dgm:spPr/>
+      <dgm:t>
+        <a:bodyPr/>
+        <a:lstStyle/>
+        <a:p>
+          <a:r>
+            <a:rPr lang="en-GB"/>
+            <a:t>To identify and mitigate the risks associated with potential delivery delays </a:t>
+          </a:r>
+          <a:endParaRPr lang="en-US"/>
+        </a:p>
+      </dgm:t>
+    </dgm:pt>
+    <dgm:pt modelId="{05525665-AE1B-4BC0-92F5-CEF3E8A5C57A}" type="parTrans" cxnId="{93F32332-5B50-483E-804A-5515CEA4DA3D}">
+      <dgm:prSet/>
+      <dgm:spPr/>
+      <dgm:t>
+        <a:bodyPr/>
+        <a:lstStyle/>
+        <a:p>
+          <a:endParaRPr lang="en-US"/>
+        </a:p>
+      </dgm:t>
+    </dgm:pt>
+    <dgm:pt modelId="{690D4AAC-95E9-47A1-B13C-E0F710175F18}" type="sibTrans" cxnId="{93F32332-5B50-483E-804A-5515CEA4DA3D}">
+      <dgm:prSet/>
+      <dgm:spPr/>
+      <dgm:t>
+        <a:bodyPr/>
+        <a:lstStyle/>
+        <a:p>
+          <a:endParaRPr lang="en-US"/>
+        </a:p>
+      </dgm:t>
+    </dgm:pt>
+    <dgm:pt modelId="{159AED7A-7088-4CB7-AA2E-080509F66531}">
+      <dgm:prSet/>
+      <dgm:spPr/>
+      <dgm:t>
+        <a:bodyPr/>
+        <a:lstStyle/>
+        <a:p>
+          <a:r>
+            <a:rPr lang="en-GB"/>
+            <a:t>To predict the likelihood of delay for shipments to improve timeliness of deliveries in the future</a:t>
+          </a:r>
+          <a:endParaRPr lang="en-US"/>
+        </a:p>
+      </dgm:t>
+    </dgm:pt>
+    <dgm:pt modelId="{516ED0F9-D7F6-40CE-B380-CCBC6C8D5717}" type="parTrans" cxnId="{13E14F4D-850B-4B9A-ACC0-7D588CF2EEE7}">
+      <dgm:prSet/>
+      <dgm:spPr/>
+      <dgm:t>
+        <a:bodyPr/>
+        <a:lstStyle/>
+        <a:p>
+          <a:endParaRPr lang="en-US"/>
+        </a:p>
+      </dgm:t>
+    </dgm:pt>
+    <dgm:pt modelId="{947ED4C9-B178-48C6-80A9-27B7E421F387}" type="sibTrans" cxnId="{13E14F4D-850B-4B9A-ACC0-7D588CF2EEE7}">
+      <dgm:prSet/>
+      <dgm:spPr/>
+      <dgm:t>
+        <a:bodyPr/>
+        <a:lstStyle/>
+        <a:p>
+          <a:endParaRPr lang="en-US"/>
+        </a:p>
+      </dgm:t>
+    </dgm:pt>
+    <dgm:pt modelId="{897F13A8-1E77-4F85-8BD0-B983267F7DFA}" type="pres">
+      <dgm:prSet presAssocID="{6A52B9DC-BFF7-4A3D-A551-5DB712AFA3AD}" presName="root" presStyleCnt="0">
+        <dgm:presLayoutVars>
+          <dgm:dir/>
+          <dgm:resizeHandles val="exact"/>
+        </dgm:presLayoutVars>
+      </dgm:prSet>
+      <dgm:spPr/>
+    </dgm:pt>
+    <dgm:pt modelId="{DB27A633-EFC7-4326-8E99-609B0B9410E7}" type="pres">
+      <dgm:prSet presAssocID="{068C2021-F21A-41EB-973D-4250D2884982}" presName="compNode" presStyleCnt="0"/>
+      <dgm:spPr/>
+    </dgm:pt>
+    <dgm:pt modelId="{EA705F5C-8395-489E-BD42-333A75D5451D}" type="pres">
+      <dgm:prSet presAssocID="{068C2021-F21A-41EB-973D-4250D2884982}" presName="bgRect" presStyleLbl="bgShp" presStyleIdx="0" presStyleCnt="3"/>
+      <dgm:spPr/>
+    </dgm:pt>
+    <dgm:pt modelId="{B1CA40D2-C483-4050-9D29-6EA0B70318AD}" type="pres">
+      <dgm:prSet presAssocID="{068C2021-F21A-41EB-973D-4250D2884982}" presName="iconRect" presStyleLbl="node1" presStyleIdx="0" presStyleCnt="3"/>
+      <dgm:spPr>
+        <a:blipFill>
+          <a:blip xmlns:r="http://schemas.openxmlformats.org/officeDocument/2006/relationships" r:embed="rId1">
+            <a:extLst>
+              <a:ext uri="{28A0092B-C50C-407E-A947-70E740481C1C}">
+                <a14:useLocalDpi xmlns:a14="http://schemas.microsoft.com/office/drawing/2010/main" val="0"/>
+              </a:ext>
+              <a:ext uri="{96DAC541-7B7A-43D3-8B79-37D633B846F1}">
+                <asvg:svgBlip xmlns:asvg="http://schemas.microsoft.com/office/drawing/2016/SVG/main" r:embed="rId2"/>
+              </a:ext>
+            </a:extLst>
+          </a:blip>
+          <a:stretch>
+            <a:fillRect/>
+          </a:stretch>
+        </a:blipFill>
+        <a:ln>
+          <a:noFill/>
+        </a:ln>
+      </dgm:spPr>
+      <dgm:extLst>
+        <a:ext uri="{E40237B7-FDA0-4F09-8148-C483321AD2D9}">
+          <dgm14:cNvPr xmlns:dgm14="http://schemas.microsoft.com/office/drawing/2010/diagram" id="0" name="" descr="Truck"/>
+        </a:ext>
+      </dgm:extLst>
+    </dgm:pt>
+    <dgm:pt modelId="{BD7455EB-0FE9-46C2-BF71-8A3DA5B32604}" type="pres">
+      <dgm:prSet presAssocID="{068C2021-F21A-41EB-973D-4250D2884982}" presName="spaceRect" presStyleCnt="0"/>
+      <dgm:spPr/>
+    </dgm:pt>
+    <dgm:pt modelId="{94918032-4A00-4537-BFAD-CD90E0660F18}" type="pres">
+      <dgm:prSet presAssocID="{068C2021-F21A-41EB-973D-4250D2884982}" presName="parTx" presStyleLbl="revTx" presStyleIdx="0" presStyleCnt="3">
+        <dgm:presLayoutVars>
+          <dgm:chMax val="0"/>
+          <dgm:chPref val="0"/>
+        </dgm:presLayoutVars>
+      </dgm:prSet>
+      <dgm:spPr/>
+    </dgm:pt>
+    <dgm:pt modelId="{7145C71C-E8D5-41AE-8F00-8575AC52F6DE}" type="pres">
+      <dgm:prSet presAssocID="{EF524DA3-8C31-4012-A5A7-CE4A511788F3}" presName="sibTrans" presStyleCnt="0"/>
+      <dgm:spPr/>
+    </dgm:pt>
+    <dgm:pt modelId="{C4651E05-8E85-4C83-AF56-2F855B774BF7}" type="pres">
+      <dgm:prSet presAssocID="{FB010786-00BF-4BE3-B381-53FFB152B370}" presName="compNode" presStyleCnt="0"/>
+      <dgm:spPr/>
+    </dgm:pt>
+    <dgm:pt modelId="{9EDA9069-8549-428D-BF54-B57300AE4897}" type="pres">
+      <dgm:prSet presAssocID="{FB010786-00BF-4BE3-B381-53FFB152B370}" presName="bgRect" presStyleLbl="bgShp" presStyleIdx="1" presStyleCnt="3"/>
+      <dgm:spPr/>
+    </dgm:pt>
+    <dgm:pt modelId="{C026965C-6132-4150-B36A-6CDE4025C3D3}" type="pres">
+      <dgm:prSet presAssocID="{FB010786-00BF-4BE3-B381-53FFB152B370}" presName="iconRect" presStyleLbl="node1" presStyleIdx="1" presStyleCnt="3"/>
+      <dgm:spPr>
+        <a:blipFill>
+          <a:blip xmlns:r="http://schemas.openxmlformats.org/officeDocument/2006/relationships" r:embed="rId3">
+            <a:extLst>
+              <a:ext uri="{28A0092B-C50C-407E-A947-70E740481C1C}">
+                <a14:useLocalDpi xmlns:a14="http://schemas.microsoft.com/office/drawing/2010/main" val="0"/>
+              </a:ext>
+              <a:ext uri="{96DAC541-7B7A-43D3-8B79-37D633B846F1}">
+                <asvg:svgBlip xmlns:asvg="http://schemas.microsoft.com/office/drawing/2016/SVG/main" r:embed="rId4"/>
+              </a:ext>
+            </a:extLst>
+          </a:blip>
+          <a:stretch>
+            <a:fillRect/>
+          </a:stretch>
+        </a:blipFill>
+        <a:ln>
+          <a:noFill/>
+        </a:ln>
+      </dgm:spPr>
+      <dgm:extLst>
+        <a:ext uri="{E40237B7-FDA0-4F09-8148-C483321AD2D9}">
+          <dgm14:cNvPr xmlns:dgm14="http://schemas.microsoft.com/office/drawing/2010/diagram" id="0" name="" descr="Warning"/>
+        </a:ext>
+      </dgm:extLst>
+    </dgm:pt>
+    <dgm:pt modelId="{0C8EF134-2378-44A9-8634-53EF3085618E}" type="pres">
+      <dgm:prSet presAssocID="{FB010786-00BF-4BE3-B381-53FFB152B370}" presName="spaceRect" presStyleCnt="0"/>
+      <dgm:spPr/>
+    </dgm:pt>
+    <dgm:pt modelId="{673D1ECF-48B1-4CEB-A71C-0B6536C465FE}" type="pres">
+      <dgm:prSet presAssocID="{FB010786-00BF-4BE3-B381-53FFB152B370}" presName="parTx" presStyleLbl="revTx" presStyleIdx="1" presStyleCnt="3">
+        <dgm:presLayoutVars>
+          <dgm:chMax val="0"/>
+          <dgm:chPref val="0"/>
+        </dgm:presLayoutVars>
+      </dgm:prSet>
+      <dgm:spPr/>
+    </dgm:pt>
+    <dgm:pt modelId="{456BE0CB-B1ED-4F23-947F-216D6708E608}" type="pres">
+      <dgm:prSet presAssocID="{690D4AAC-95E9-47A1-B13C-E0F710175F18}" presName="sibTrans" presStyleCnt="0"/>
+      <dgm:spPr/>
+    </dgm:pt>
+    <dgm:pt modelId="{DFA741D7-7081-457B-ACB0-BE20DD0B2A6A}" type="pres">
+      <dgm:prSet presAssocID="{159AED7A-7088-4CB7-AA2E-080509F66531}" presName="compNode" presStyleCnt="0"/>
+      <dgm:spPr/>
+    </dgm:pt>
+    <dgm:pt modelId="{36EEE49F-06D2-45DD-9114-9B1F55005B8F}" type="pres">
+      <dgm:prSet presAssocID="{159AED7A-7088-4CB7-AA2E-080509F66531}" presName="bgRect" presStyleLbl="bgShp" presStyleIdx="2" presStyleCnt="3"/>
+      <dgm:spPr/>
+    </dgm:pt>
+    <dgm:pt modelId="{C6E13996-D676-425F-9435-6B4619DE3884}" type="pres">
+      <dgm:prSet presAssocID="{159AED7A-7088-4CB7-AA2E-080509F66531}" presName="iconRect" presStyleLbl="node1" presStyleIdx="2" presStyleCnt="3"/>
+      <dgm:spPr>
+        <a:blipFill>
+          <a:blip xmlns:r="http://schemas.openxmlformats.org/officeDocument/2006/relationships" r:embed="rId5">
+            <a:extLst>
+              <a:ext uri="{28A0092B-C50C-407E-A947-70E740481C1C}">
+                <a14:useLocalDpi xmlns:a14="http://schemas.microsoft.com/office/drawing/2010/main" val="0"/>
+              </a:ext>
+              <a:ext uri="{96DAC541-7B7A-43D3-8B79-37D633B846F1}">
+                <asvg:svgBlip xmlns:asvg="http://schemas.microsoft.com/office/drawing/2016/SVG/main" r:embed="rId6"/>
+              </a:ext>
+            </a:extLst>
+          </a:blip>
+          <a:stretch>
+            <a:fillRect/>
+          </a:stretch>
+        </a:blipFill>
+        <a:ln>
+          <a:noFill/>
+        </a:ln>
+      </dgm:spPr>
+      <dgm:extLst>
+        <a:ext uri="{E40237B7-FDA0-4F09-8148-C483321AD2D9}">
+          <dgm14:cNvPr xmlns:dgm14="http://schemas.microsoft.com/office/drawing/2010/diagram" id="0" name="" descr="Stopwatch"/>
+        </a:ext>
+      </dgm:extLst>
+    </dgm:pt>
+    <dgm:pt modelId="{1EC06EDF-A360-4C2A-895C-A7C4A8AD9817}" type="pres">
+      <dgm:prSet presAssocID="{159AED7A-7088-4CB7-AA2E-080509F66531}" presName="spaceRect" presStyleCnt="0"/>
+      <dgm:spPr/>
+    </dgm:pt>
+    <dgm:pt modelId="{022692DA-80F1-4196-8F8D-B9DC42CE54D1}" type="pres">
+      <dgm:prSet presAssocID="{159AED7A-7088-4CB7-AA2E-080509F66531}" presName="parTx" presStyleLbl="revTx" presStyleIdx="2" presStyleCnt="3">
+        <dgm:presLayoutVars>
+          <dgm:chMax val="0"/>
+          <dgm:chPref val="0"/>
+        </dgm:presLayoutVars>
+      </dgm:prSet>
+      <dgm:spPr/>
+    </dgm:pt>
+  </dgm:ptLst>
+  <dgm:cxnLst>
+    <dgm:cxn modelId="{AF64972A-00CD-4C73-88AF-8F6F7A41EA60}" type="presOf" srcId="{068C2021-F21A-41EB-973D-4250D2884982}" destId="{94918032-4A00-4537-BFAD-CD90E0660F18}" srcOrd="0" destOrd="0" presId="urn:microsoft.com/office/officeart/2018/2/layout/IconVerticalSolidList"/>
+    <dgm:cxn modelId="{93F32332-5B50-483E-804A-5515CEA4DA3D}" srcId="{6A52B9DC-BFF7-4A3D-A551-5DB712AFA3AD}" destId="{FB010786-00BF-4BE3-B381-53FFB152B370}" srcOrd="1" destOrd="0" parTransId="{05525665-AE1B-4BC0-92F5-CEF3E8A5C57A}" sibTransId="{690D4AAC-95E9-47A1-B13C-E0F710175F18}"/>
+    <dgm:cxn modelId="{13E14F4D-850B-4B9A-ACC0-7D588CF2EEE7}" srcId="{6A52B9DC-BFF7-4A3D-A551-5DB712AFA3AD}" destId="{159AED7A-7088-4CB7-AA2E-080509F66531}" srcOrd="2" destOrd="0" parTransId="{516ED0F9-D7F6-40CE-B380-CCBC6C8D5717}" sibTransId="{947ED4C9-B178-48C6-80A9-27B7E421F387}"/>
+    <dgm:cxn modelId="{CAD4B092-ABC9-401F-BBCB-B12E5ED053B7}" srcId="{6A52B9DC-BFF7-4A3D-A551-5DB712AFA3AD}" destId="{068C2021-F21A-41EB-973D-4250D2884982}" srcOrd="0" destOrd="0" parTransId="{BFF4366D-2C9C-42FF-92C4-D9E11D1E4273}" sibTransId="{EF524DA3-8C31-4012-A5A7-CE4A511788F3}"/>
+    <dgm:cxn modelId="{C3A854A4-3CC2-41FF-AEDC-6E17B55FAC4A}" type="presOf" srcId="{6A52B9DC-BFF7-4A3D-A551-5DB712AFA3AD}" destId="{897F13A8-1E77-4F85-8BD0-B983267F7DFA}" srcOrd="0" destOrd="0" presId="urn:microsoft.com/office/officeart/2018/2/layout/IconVerticalSolidList"/>
+    <dgm:cxn modelId="{713293A8-267C-4D44-A987-DF9A137692B7}" type="presOf" srcId="{159AED7A-7088-4CB7-AA2E-080509F66531}" destId="{022692DA-80F1-4196-8F8D-B9DC42CE54D1}" srcOrd="0" destOrd="0" presId="urn:microsoft.com/office/officeart/2018/2/layout/IconVerticalSolidList"/>
+    <dgm:cxn modelId="{629565E4-4BB6-410C-BBD2-2D7291DBB30D}" type="presOf" srcId="{FB010786-00BF-4BE3-B381-53FFB152B370}" destId="{673D1ECF-48B1-4CEB-A71C-0B6536C465FE}" srcOrd="0" destOrd="0" presId="urn:microsoft.com/office/officeart/2018/2/layout/IconVerticalSolidList"/>
+    <dgm:cxn modelId="{1EE7B9FF-7482-4869-AD9A-552647D7265F}" type="presParOf" srcId="{897F13A8-1E77-4F85-8BD0-B983267F7DFA}" destId="{DB27A633-EFC7-4326-8E99-609B0B9410E7}" srcOrd="0" destOrd="0" presId="urn:microsoft.com/office/officeart/2018/2/layout/IconVerticalSolidList"/>
+    <dgm:cxn modelId="{EF9D45F6-8F4B-4AD4-9455-5377D67226F6}" type="presParOf" srcId="{DB27A633-EFC7-4326-8E99-609B0B9410E7}" destId="{EA705F5C-8395-489E-BD42-333A75D5451D}" srcOrd="0" destOrd="0" presId="urn:microsoft.com/office/officeart/2018/2/layout/IconVerticalSolidList"/>
+    <dgm:cxn modelId="{FB59F65F-8E8D-411B-99A2-55ACE19CCAEA}" type="presParOf" srcId="{DB27A633-EFC7-4326-8E99-609B0B9410E7}" destId="{B1CA40D2-C483-4050-9D29-6EA0B70318AD}" srcOrd="1" destOrd="0" presId="urn:microsoft.com/office/officeart/2018/2/layout/IconVerticalSolidList"/>
+    <dgm:cxn modelId="{A6CD49AB-C6E0-44FF-8B69-13AFB62D6F3C}" type="presParOf" srcId="{DB27A633-EFC7-4326-8E99-609B0B9410E7}" destId="{BD7455EB-0FE9-46C2-BF71-8A3DA5B32604}" srcOrd="2" destOrd="0" presId="urn:microsoft.com/office/officeart/2018/2/layout/IconVerticalSolidList"/>
+    <dgm:cxn modelId="{1B3249E7-A185-42ED-AD66-45E76DA922AA}" type="presParOf" srcId="{DB27A633-EFC7-4326-8E99-609B0B9410E7}" destId="{94918032-4A00-4537-BFAD-CD90E0660F18}" srcOrd="3" destOrd="0" presId="urn:microsoft.com/office/officeart/2018/2/layout/IconVerticalSolidList"/>
+    <dgm:cxn modelId="{1D0A985C-AEC6-4D7E-B09B-0DB48E27F614}" type="presParOf" srcId="{897F13A8-1E77-4F85-8BD0-B983267F7DFA}" destId="{7145C71C-E8D5-41AE-8F00-8575AC52F6DE}" srcOrd="1" destOrd="0" presId="urn:microsoft.com/office/officeart/2018/2/layout/IconVerticalSolidList"/>
+    <dgm:cxn modelId="{1C695879-3356-4C68-863D-394E12E07359}" type="presParOf" srcId="{897F13A8-1E77-4F85-8BD0-B983267F7DFA}" destId="{C4651E05-8E85-4C83-AF56-2F855B774BF7}" srcOrd="2" destOrd="0" presId="urn:microsoft.com/office/officeart/2018/2/layout/IconVerticalSolidList"/>
+    <dgm:cxn modelId="{4C98B35A-CF8D-414A-A0BA-EABD5EE4839C}" type="presParOf" srcId="{C4651E05-8E85-4C83-AF56-2F855B774BF7}" destId="{9EDA9069-8549-428D-BF54-B57300AE4897}" srcOrd="0" destOrd="0" presId="urn:microsoft.com/office/officeart/2018/2/layout/IconVerticalSolidList"/>
+    <dgm:cxn modelId="{B24F8ECA-6F7D-40A5-87DE-7BB04C6E98A8}" type="presParOf" srcId="{C4651E05-8E85-4C83-AF56-2F855B774BF7}" destId="{C026965C-6132-4150-B36A-6CDE4025C3D3}" srcOrd="1" destOrd="0" presId="urn:microsoft.com/office/officeart/2018/2/layout/IconVerticalSolidList"/>
+    <dgm:cxn modelId="{4DDA5405-76DD-4488-9BF6-5DD23FF5F549}" type="presParOf" srcId="{C4651E05-8E85-4C83-AF56-2F855B774BF7}" destId="{0C8EF134-2378-44A9-8634-53EF3085618E}" srcOrd="2" destOrd="0" presId="urn:microsoft.com/office/officeart/2018/2/layout/IconVerticalSolidList"/>
+    <dgm:cxn modelId="{9A2C1359-DB9F-4E87-8BAE-DBA8BA2D1BB8}" type="presParOf" srcId="{C4651E05-8E85-4C83-AF56-2F855B774BF7}" destId="{673D1ECF-48B1-4CEB-A71C-0B6536C465FE}" srcOrd="3" destOrd="0" presId="urn:microsoft.com/office/officeart/2018/2/layout/IconVerticalSolidList"/>
+    <dgm:cxn modelId="{F1B094BF-B6EA-4AF6-AC0E-DF3CA9A5F599}" type="presParOf" srcId="{897F13A8-1E77-4F85-8BD0-B983267F7DFA}" destId="{456BE0CB-B1ED-4F23-947F-216D6708E608}" srcOrd="3" destOrd="0" presId="urn:microsoft.com/office/officeart/2018/2/layout/IconVerticalSolidList"/>
+    <dgm:cxn modelId="{9BC8E6C7-C499-4E1B-B584-91A7D768CF01}" type="presParOf" srcId="{897F13A8-1E77-4F85-8BD0-B983267F7DFA}" destId="{DFA741D7-7081-457B-ACB0-BE20DD0B2A6A}" srcOrd="4" destOrd="0" presId="urn:microsoft.com/office/officeart/2018/2/layout/IconVerticalSolidList"/>
+    <dgm:cxn modelId="{4A774D25-9ABE-40BA-9965-CB2FC9E8E58E}" type="presParOf" srcId="{DFA741D7-7081-457B-ACB0-BE20DD0B2A6A}" destId="{36EEE49F-06D2-45DD-9114-9B1F55005B8F}" srcOrd="0" destOrd="0" presId="urn:microsoft.com/office/officeart/2018/2/layout/IconVerticalSolidList"/>
+    <dgm:cxn modelId="{CB56D6B4-0816-4F0D-A9BC-98AB15779E26}" type="presParOf" srcId="{DFA741D7-7081-457B-ACB0-BE20DD0B2A6A}" destId="{C6E13996-D676-425F-9435-6B4619DE3884}" srcOrd="1" destOrd="0" presId="urn:microsoft.com/office/officeart/2018/2/layout/IconVerticalSolidList"/>
+    <dgm:cxn modelId="{7E883D3B-3FC2-4163-8DD4-18D6F0AF8386}" type="presParOf" srcId="{DFA741D7-7081-457B-ACB0-BE20DD0B2A6A}" destId="{1EC06EDF-A360-4C2A-895C-A7C4A8AD9817}" srcOrd="2" destOrd="0" presId="urn:microsoft.com/office/officeart/2018/2/layout/IconVerticalSolidList"/>
+    <dgm:cxn modelId="{4D79CCCD-197E-4157-8750-8D9C18FFDE3A}" type="presParOf" srcId="{DFA741D7-7081-457B-ACB0-BE20DD0B2A6A}" destId="{022692DA-80F1-4196-8F8D-B9DC42CE54D1}" srcOrd="3" destOrd="0" presId="urn:microsoft.com/office/officeart/2018/2/layout/IconVerticalSolidList"/>
+  </dgm:cxnLst>
+  <dgm:bg/>
+  <dgm:whole/>
+  <dgm:extLst>
+    <a:ext uri="http://schemas.microsoft.com/office/drawing/2008/diagram">
+      <dsp:dataModelExt xmlns:dsp="http://schemas.microsoft.com/office/drawing/2008/diagram" relId="rId6" minVer="http://schemas.openxmlformats.org/drawingml/2006/diagram"/>
+    </a:ext>
+  </dgm:extLst>
+</dgm:dataModel>
+</file>
+
+<file path=ppt/diagrams/drawing1.xml><?xml version="1.0" encoding="utf-8"?>
+<dsp:drawing xmlns:dgm="http://schemas.openxmlformats.org/drawingml/2006/diagram" xmlns:dsp="http://schemas.microsoft.com/office/drawing/2008/diagram" xmlns:a="http://schemas.openxmlformats.org/drawingml/2006/main">
+  <dsp:spTree>
+    <dsp:nvGrpSpPr>
+      <dsp:cNvPr id="0" name=""/>
+      <dsp:cNvGrpSpPr/>
+    </dsp:nvGrpSpPr>
+    <dsp:grpSpPr/>
+    <dsp:sp modelId="{EA705F5C-8395-489E-BD42-333A75D5451D}">
+      <dsp:nvSpPr>
+        <dsp:cNvPr id="0" name=""/>
+        <dsp:cNvSpPr/>
+      </dsp:nvSpPr>
+      <dsp:spPr>
+        <a:xfrm>
+          <a:off x="0" y="651"/>
+          <a:ext cx="6651253" cy="1524988"/>
+        </a:xfrm>
+        <a:prstGeom prst="roundRect">
+          <a:avLst>
+            <a:gd name="adj" fmla="val 10000"/>
+          </a:avLst>
+        </a:prstGeom>
+        <a:solidFill>
+          <a:schemeClr val="accent2">
+            <a:hueOff val="0"/>
+            <a:satOff val="0"/>
+            <a:lumOff val="0"/>
+            <a:alphaOff val="0"/>
+          </a:schemeClr>
+        </a:solidFill>
+        <a:ln>
+          <a:noFill/>
+        </a:ln>
+        <a:effectLst/>
+      </dsp:spPr>
+      <dsp:style>
+        <a:lnRef idx="0">
+          <a:scrgbClr r="0" g="0" b="0"/>
+        </a:lnRef>
+        <a:fillRef idx="1">
+          <a:scrgbClr r="0" g="0" b="0"/>
+        </a:fillRef>
+        <a:effectRef idx="0">
+          <a:scrgbClr r="0" g="0" b="0"/>
+        </a:effectRef>
+        <a:fontRef idx="minor"/>
+      </dsp:style>
+    </dsp:sp>
+    <dsp:sp modelId="{B1CA40D2-C483-4050-9D29-6EA0B70318AD}">
+      <dsp:nvSpPr>
+        <dsp:cNvPr id="0" name=""/>
+        <dsp:cNvSpPr/>
+      </dsp:nvSpPr>
+      <dsp:spPr>
+        <a:xfrm>
+          <a:off x="461309" y="343774"/>
+          <a:ext cx="838743" cy="838743"/>
+        </a:xfrm>
+        <a:prstGeom prst="rect">
+          <a:avLst/>
+        </a:prstGeom>
+        <a:blipFill>
+          <a:blip xmlns:r="http://schemas.openxmlformats.org/officeDocument/2006/relationships" r:embed="rId1">
+            <a:extLst>
+              <a:ext uri="{28A0092B-C50C-407E-A947-70E740481C1C}">
+                <a14:useLocalDpi xmlns:a14="http://schemas.microsoft.com/office/drawing/2010/main" val="0"/>
+              </a:ext>
+              <a:ext uri="{96DAC541-7B7A-43D3-8B79-37D633B846F1}">
+                <asvg:svgBlip xmlns:asvg="http://schemas.microsoft.com/office/drawing/2016/SVG/main" r:embed="rId2"/>
+              </a:ext>
+            </a:extLst>
+          </a:blip>
+          <a:stretch>
+            <a:fillRect/>
+          </a:stretch>
+        </a:blipFill>
+        <a:ln w="12700" cap="flat" cmpd="sng" algn="ctr">
+          <a:noFill/>
+          <a:prstDash val="solid"/>
+          <a:miter lim="800000"/>
+        </a:ln>
+        <a:effectLst/>
+      </dsp:spPr>
+      <dsp:style>
+        <a:lnRef idx="2">
+          <a:scrgbClr r="0" g="0" b="0"/>
+        </a:lnRef>
+        <a:fillRef idx="1">
+          <a:scrgbClr r="0" g="0" b="0"/>
+        </a:fillRef>
+        <a:effectRef idx="0">
+          <a:scrgbClr r="0" g="0" b="0"/>
+        </a:effectRef>
+        <a:fontRef idx="minor">
+          <a:schemeClr val="lt1"/>
+        </a:fontRef>
+      </dsp:style>
+    </dsp:sp>
+    <dsp:sp modelId="{94918032-4A00-4537-BFAD-CD90E0660F18}">
+      <dsp:nvSpPr>
+        <dsp:cNvPr id="0" name=""/>
+        <dsp:cNvSpPr/>
+      </dsp:nvSpPr>
+      <dsp:spPr>
+        <a:xfrm>
+          <a:off x="1761361" y="651"/>
+          <a:ext cx="4889891" cy="1524988"/>
+        </a:xfrm>
+        <a:prstGeom prst="rect">
+          <a:avLst/>
+        </a:prstGeom>
+        <a:noFill/>
+        <a:ln>
+          <a:noFill/>
+        </a:ln>
+        <a:effectLst/>
+      </dsp:spPr>
+      <dsp:style>
+        <a:lnRef idx="0">
+          <a:scrgbClr r="0" g="0" b="0"/>
+        </a:lnRef>
+        <a:fillRef idx="0">
+          <a:scrgbClr r="0" g="0" b="0"/>
+        </a:fillRef>
+        <a:effectRef idx="0">
+          <a:scrgbClr r="0" g="0" b="0"/>
+        </a:effectRef>
+        <a:fontRef idx="minor"/>
+      </dsp:style>
+      <dsp:txBody>
+        <a:bodyPr spcFirstLastPara="0" vert="horz" wrap="square" lIns="161395" tIns="161395" rIns="161395" bIns="161395" numCol="1" spcCol="1270" anchor="ctr" anchorCtr="0">
+          <a:noAutofit/>
+        </a:bodyPr>
+        <a:lstStyle/>
+        <a:p>
+          <a:pPr marL="0" lvl="0" indent="0" algn="l" defTabSz="1066800">
+            <a:lnSpc>
+              <a:spcPct val="90000"/>
+            </a:lnSpc>
+            <a:spcBef>
+              <a:spcPct val="0"/>
+            </a:spcBef>
+            <a:spcAft>
+              <a:spcPct val="35000"/>
+            </a:spcAft>
+            <a:buNone/>
+          </a:pPr>
+          <a:r>
+            <a:rPr lang="en-GB" sz="2400" kern="1200"/>
+            <a:t>To analyse carrier performance using KPI’s such as on-time delivery of shipments </a:t>
+          </a:r>
+          <a:endParaRPr lang="en-US" sz="2400" kern="1200"/>
+        </a:p>
+      </dsp:txBody>
+      <dsp:txXfrm>
+        <a:off x="1761361" y="651"/>
+        <a:ext cx="4889891" cy="1524988"/>
+      </dsp:txXfrm>
+    </dsp:sp>
+    <dsp:sp modelId="{9EDA9069-8549-428D-BF54-B57300AE4897}">
+      <dsp:nvSpPr>
+        <dsp:cNvPr id="0" name=""/>
+        <dsp:cNvSpPr/>
+      </dsp:nvSpPr>
+      <dsp:spPr>
+        <a:xfrm>
+          <a:off x="0" y="1906887"/>
+          <a:ext cx="6651253" cy="1524988"/>
+        </a:xfrm>
+        <a:prstGeom prst="roundRect">
+          <a:avLst>
+            <a:gd name="adj" fmla="val 10000"/>
+          </a:avLst>
+        </a:prstGeom>
+        <a:solidFill>
+          <a:schemeClr val="accent3">
+            <a:hueOff val="0"/>
+            <a:satOff val="0"/>
+            <a:lumOff val="0"/>
+            <a:alphaOff val="0"/>
+          </a:schemeClr>
+        </a:solidFill>
+        <a:ln>
+          <a:noFill/>
+        </a:ln>
+        <a:effectLst/>
+      </dsp:spPr>
+      <dsp:style>
+        <a:lnRef idx="0">
+          <a:scrgbClr r="0" g="0" b="0"/>
+        </a:lnRef>
+        <a:fillRef idx="1">
+          <a:scrgbClr r="0" g="0" b="0"/>
+        </a:fillRef>
+        <a:effectRef idx="0">
+          <a:scrgbClr r="0" g="0" b="0"/>
+        </a:effectRef>
+        <a:fontRef idx="minor"/>
+      </dsp:style>
+    </dsp:sp>
+    <dsp:sp modelId="{C026965C-6132-4150-B36A-6CDE4025C3D3}">
+      <dsp:nvSpPr>
+        <dsp:cNvPr id="0" name=""/>
+        <dsp:cNvSpPr/>
+      </dsp:nvSpPr>
+      <dsp:spPr>
+        <a:xfrm>
+          <a:off x="461309" y="2250010"/>
+          <a:ext cx="838743" cy="838743"/>
+        </a:xfrm>
+        <a:prstGeom prst="rect">
+          <a:avLst/>
+        </a:prstGeom>
+        <a:blipFill>
+          <a:blip xmlns:r="http://schemas.openxmlformats.org/officeDocument/2006/relationships" r:embed="rId3">
+            <a:extLst>
+              <a:ext uri="{28A0092B-C50C-407E-A947-70E740481C1C}">
+                <a14:useLocalDpi xmlns:a14="http://schemas.microsoft.com/office/drawing/2010/main" val="0"/>
+              </a:ext>
+              <a:ext uri="{96DAC541-7B7A-43D3-8B79-37D633B846F1}">
+                <asvg:svgBlip xmlns:asvg="http://schemas.microsoft.com/office/drawing/2016/SVG/main" r:embed="rId4"/>
+              </a:ext>
+            </a:extLst>
+          </a:blip>
+          <a:stretch>
+            <a:fillRect/>
+          </a:stretch>
+        </a:blipFill>
+        <a:ln w="12700" cap="flat" cmpd="sng" algn="ctr">
+          <a:noFill/>
+          <a:prstDash val="solid"/>
+          <a:miter lim="800000"/>
+        </a:ln>
+        <a:effectLst/>
+      </dsp:spPr>
+      <dsp:style>
+        <a:lnRef idx="2">
+          <a:scrgbClr r="0" g="0" b="0"/>
+        </a:lnRef>
+        <a:fillRef idx="1">
+          <a:scrgbClr r="0" g="0" b="0"/>
+        </a:fillRef>
+        <a:effectRef idx="0">
+          <a:scrgbClr r="0" g="0" b="0"/>
+        </a:effectRef>
+        <a:fontRef idx="minor">
+          <a:schemeClr val="lt1"/>
+        </a:fontRef>
+      </dsp:style>
+    </dsp:sp>
+    <dsp:sp modelId="{673D1ECF-48B1-4CEB-A71C-0B6536C465FE}">
+      <dsp:nvSpPr>
+        <dsp:cNvPr id="0" name=""/>
+        <dsp:cNvSpPr/>
+      </dsp:nvSpPr>
+      <dsp:spPr>
+        <a:xfrm>
+          <a:off x="1761361" y="1906887"/>
+          <a:ext cx="4889891" cy="1524988"/>
+        </a:xfrm>
+        <a:prstGeom prst="rect">
+          <a:avLst/>
+        </a:prstGeom>
+        <a:noFill/>
+        <a:ln>
+          <a:noFill/>
+        </a:ln>
+        <a:effectLst/>
+      </dsp:spPr>
+      <dsp:style>
+        <a:lnRef idx="0">
+          <a:scrgbClr r="0" g="0" b="0"/>
+        </a:lnRef>
+        <a:fillRef idx="0">
+          <a:scrgbClr r="0" g="0" b="0"/>
+        </a:fillRef>
+        <a:effectRef idx="0">
+          <a:scrgbClr r="0" g="0" b="0"/>
+        </a:effectRef>
+        <a:fontRef idx="minor"/>
+      </dsp:style>
+      <dsp:txBody>
+        <a:bodyPr spcFirstLastPara="0" vert="horz" wrap="square" lIns="161395" tIns="161395" rIns="161395" bIns="161395" numCol="1" spcCol="1270" anchor="ctr" anchorCtr="0">
+          <a:noAutofit/>
+        </a:bodyPr>
+        <a:lstStyle/>
+        <a:p>
+          <a:pPr marL="0" lvl="0" indent="0" algn="l" defTabSz="1066800">
+            <a:lnSpc>
+              <a:spcPct val="90000"/>
+            </a:lnSpc>
+            <a:spcBef>
+              <a:spcPct val="0"/>
+            </a:spcBef>
+            <a:spcAft>
+              <a:spcPct val="35000"/>
+            </a:spcAft>
+            <a:buNone/>
+          </a:pPr>
+          <a:r>
+            <a:rPr lang="en-GB" sz="2400" kern="1200"/>
+            <a:t>To identify and mitigate the risks associated with potential delivery delays </a:t>
+          </a:r>
+          <a:endParaRPr lang="en-US" sz="2400" kern="1200"/>
+        </a:p>
+      </dsp:txBody>
+      <dsp:txXfrm>
+        <a:off x="1761361" y="1906887"/>
+        <a:ext cx="4889891" cy="1524988"/>
+      </dsp:txXfrm>
+    </dsp:sp>
+    <dsp:sp modelId="{36EEE49F-06D2-45DD-9114-9B1F55005B8F}">
+      <dsp:nvSpPr>
+        <dsp:cNvPr id="0" name=""/>
+        <dsp:cNvSpPr/>
+      </dsp:nvSpPr>
+      <dsp:spPr>
+        <a:xfrm>
+          <a:off x="0" y="3813123"/>
+          <a:ext cx="6651253" cy="1524988"/>
+        </a:xfrm>
+        <a:prstGeom prst="roundRect">
+          <a:avLst>
+            <a:gd name="adj" fmla="val 10000"/>
+          </a:avLst>
+        </a:prstGeom>
+        <a:solidFill>
+          <a:schemeClr val="accent4">
+            <a:hueOff val="0"/>
+            <a:satOff val="0"/>
+            <a:lumOff val="0"/>
+            <a:alphaOff val="0"/>
+          </a:schemeClr>
+        </a:solidFill>
+        <a:ln>
+          <a:noFill/>
+        </a:ln>
+        <a:effectLst/>
+      </dsp:spPr>
+      <dsp:style>
+        <a:lnRef idx="0">
+          <a:scrgbClr r="0" g="0" b="0"/>
+        </a:lnRef>
+        <a:fillRef idx="1">
+          <a:scrgbClr r="0" g="0" b="0"/>
+        </a:fillRef>
+        <a:effectRef idx="0">
+          <a:scrgbClr r="0" g="0" b="0"/>
+        </a:effectRef>
+        <a:fontRef idx="minor"/>
+      </dsp:style>
+    </dsp:sp>
+    <dsp:sp modelId="{C6E13996-D676-425F-9435-6B4619DE3884}">
+      <dsp:nvSpPr>
+        <dsp:cNvPr id="0" name=""/>
+        <dsp:cNvSpPr/>
+      </dsp:nvSpPr>
+      <dsp:spPr>
+        <a:xfrm>
+          <a:off x="461309" y="4156246"/>
+          <a:ext cx="838743" cy="838743"/>
+        </a:xfrm>
+        <a:prstGeom prst="rect">
+          <a:avLst/>
+        </a:prstGeom>
+        <a:blipFill>
+          <a:blip xmlns:r="http://schemas.openxmlformats.org/officeDocument/2006/relationships" r:embed="rId5">
+            <a:extLst>
+              <a:ext uri="{28A0092B-C50C-407E-A947-70E740481C1C}">
+                <a14:useLocalDpi xmlns:a14="http://schemas.microsoft.com/office/drawing/2010/main" val="0"/>
+              </a:ext>
+              <a:ext uri="{96DAC541-7B7A-43D3-8B79-37D633B846F1}">
+                <asvg:svgBlip xmlns:asvg="http://schemas.microsoft.com/office/drawing/2016/SVG/main" r:embed="rId6"/>
+              </a:ext>
+            </a:extLst>
+          </a:blip>
+          <a:stretch>
+            <a:fillRect/>
+          </a:stretch>
+        </a:blipFill>
+        <a:ln w="12700" cap="flat" cmpd="sng" algn="ctr">
+          <a:noFill/>
+          <a:prstDash val="solid"/>
+          <a:miter lim="800000"/>
+        </a:ln>
+        <a:effectLst/>
+      </dsp:spPr>
+      <dsp:style>
+        <a:lnRef idx="2">
+          <a:scrgbClr r="0" g="0" b="0"/>
+        </a:lnRef>
+        <a:fillRef idx="1">
+          <a:scrgbClr r="0" g="0" b="0"/>
+        </a:fillRef>
+        <a:effectRef idx="0">
+          <a:scrgbClr r="0" g="0" b="0"/>
+        </a:effectRef>
+        <a:fontRef idx="minor">
+          <a:schemeClr val="lt1"/>
+        </a:fontRef>
+      </dsp:style>
+    </dsp:sp>
+    <dsp:sp modelId="{022692DA-80F1-4196-8F8D-B9DC42CE54D1}">
+      <dsp:nvSpPr>
+        <dsp:cNvPr id="0" name=""/>
+        <dsp:cNvSpPr/>
+      </dsp:nvSpPr>
+      <dsp:spPr>
+        <a:xfrm>
+          <a:off x="1761361" y="3813123"/>
+          <a:ext cx="4889891" cy="1524988"/>
+        </a:xfrm>
+        <a:prstGeom prst="rect">
+          <a:avLst/>
+        </a:prstGeom>
+        <a:noFill/>
+        <a:ln>
+          <a:noFill/>
+        </a:ln>
+        <a:effectLst/>
+      </dsp:spPr>
+      <dsp:style>
+        <a:lnRef idx="0">
+          <a:scrgbClr r="0" g="0" b="0"/>
+        </a:lnRef>
+        <a:fillRef idx="0">
+          <a:scrgbClr r="0" g="0" b="0"/>
+        </a:fillRef>
+        <a:effectRef idx="0">
+          <a:scrgbClr r="0" g="0" b="0"/>
+        </a:effectRef>
+        <a:fontRef idx="minor"/>
+      </dsp:style>
+      <dsp:txBody>
+        <a:bodyPr spcFirstLastPara="0" vert="horz" wrap="square" lIns="161395" tIns="161395" rIns="161395" bIns="161395" numCol="1" spcCol="1270" anchor="ctr" anchorCtr="0">
+          <a:noAutofit/>
+        </a:bodyPr>
+        <a:lstStyle/>
+        <a:p>
+          <a:pPr marL="0" lvl="0" indent="0" algn="l" defTabSz="1066800">
+            <a:lnSpc>
+              <a:spcPct val="90000"/>
+            </a:lnSpc>
+            <a:spcBef>
+              <a:spcPct val="0"/>
+            </a:spcBef>
+            <a:spcAft>
+              <a:spcPct val="35000"/>
+            </a:spcAft>
+            <a:buNone/>
+          </a:pPr>
+          <a:r>
+            <a:rPr lang="en-GB" sz="2400" kern="1200"/>
+            <a:t>To predict the likelihood of delay for shipments to improve timeliness of deliveries in the future</a:t>
+          </a:r>
+          <a:endParaRPr lang="en-US" sz="2400" kern="1200"/>
+        </a:p>
+      </dsp:txBody>
+      <dsp:txXfrm>
+        <a:off x="1761361" y="3813123"/>
+        <a:ext cx="4889891" cy="1524988"/>
+      </dsp:txXfrm>
+    </dsp:sp>
+  </dsp:spTree>
+</dsp:drawing>
+</file>
+
+<file path=ppt/diagrams/layout1.xml><?xml version="1.0" encoding="utf-8"?>
+<dgm:layoutDef xmlns:dgm="http://schemas.openxmlformats.org/drawingml/2006/diagram" xmlns:a="http://schemas.openxmlformats.org/drawingml/2006/main" uniqueId="urn:microsoft.com/office/officeart/2018/2/layout/IconVerticalSolidList">
+  <dgm:title val="Icon Vertical Solid List"/>
+  <dgm:desc val="Use to show a series of visuals from top to bottom with Level 1 or Level 1 and Level 2 text grouped in a shape. Works best with icons or small pictures with lengthier descriptions."/>
+  <dgm:catLst>
+    <dgm:cat type="icon" pri="500"/>
+  </dgm:catLst>
+  <dgm:sampData useDef="1">
+    <dgm:dataModel>
+      <dgm:ptLst/>
+      <dgm:bg/>
+      <dgm:whole/>
+    </dgm:dataModel>
+  </dgm:sampData>
+  <dgm:styleData useDef="1">
+    <dgm:dataModel>
+      <dgm:ptLst/>
+      <dgm:bg/>
+      <dgm:whole/>
+    </dgm:dataModel>
+  </dgm:styleData>
+  <dgm:clrData useDef="1">
+    <dgm:dataModel>
+      <dgm:ptLst/>
+      <dgm:bg/>
+      <dgm:whole/>
+    </dgm:dataModel>
+  </dgm:clrData>
+  <dgm:layoutNode name="root">
+    <dgm:varLst>
+      <dgm:dir/>
+      <dgm:resizeHandles val="exact"/>
+    </dgm:varLst>
+    <dgm:choose name="Name0">
+      <dgm:if name="Name1" axis="self" func="var" arg="dir" op="equ" val="norm">
+        <dgm:alg type="lin">
+          <dgm:param type="linDir" val="fromT"/>
+          <dgm:param type="nodeHorzAlign" val="l"/>
+        </dgm:alg>
+      </dgm:if>
+      <dgm:else name="Name2">
+        <dgm:alg type="lin">
+          <dgm:param type="linDir" val="fromT"/>
+          <dgm:param type="nodeHorzAlign" val="r"/>
+        </dgm:alg>
+      </dgm:else>
+    </dgm:choose>
+    <dgm:shape xmlns:r="http://schemas.openxmlformats.org/officeDocument/2006/relationships" r:blip="">
+      <dgm:adjLst/>
+    </dgm:shape>
+    <dgm:presOf/>
+    <dgm:choose name="Name3">
+      <dgm:if name="Name4" axis="ch" ptType="node" func="cnt" op="lte" val="3">
+        <dgm:constrLst>
+          <dgm:constr type="h" for="ch" forName="compNode" refType="h" fact="0.3"/>
+          <dgm:constr type="w" for="ch" forName="compNode" refType="w"/>
+          <dgm:constr type="h" for="ch" forName="sibTrans" refType="h" refFor="ch" refForName="compNode" fact="0.25"/>
+          <dgm:constr type="primFontSz" for="des" forName="parTx" val="25"/>
+          <dgm:constr type="primFontSz" for="des" forName="desTx" refType="primFontSz" refFor="des" refForName="parTx" op="lte" fact="0.75"/>
+          <dgm:constr type="h" for="des" forName="compNode" op="equ"/>
+          <dgm:constr type="h" for="des" forName="bgRect" op="equ"/>
+          <dgm:constr type="h" for="des" forName="iconRect" op="equ"/>
+          <dgm:constr type="w" for="des" forName="iconRect" op="equ"/>
+          <dgm:constr type="h" for="des" forName="spaceRect" op="equ"/>
+          <dgm:constr type="h" for="des" forName="parTx" op="equ"/>
+          <dgm:constr type="h" for="des" forName="desTx" op="equ"/>
+        </dgm:constrLst>
+      </dgm:if>
+      <dgm:if name="Name5" axis="ch" ptType="node" func="cnt" op="lte" val="4">
+        <dgm:constrLst>
+          <dgm:constr type="h" for="ch" forName="compNode" refType="h" fact="0.3"/>
+          <dgm:constr type="w" for="ch" forName="compNode" refType="w"/>
+          <dgm:constr type="h" for="ch" forName="sibTrans" refType="h" refFor="ch" refForName="compNode" fact="0.25"/>
+          <dgm:constr type="primFontSz" for="des" forName="parTx" val="22"/>
+          <dgm:constr type="primFontSz" for="des" forName="desTx" refType="primFontSz" refFor="des" refForName="parTx" op="lte" fact="0.75"/>
+          <dgm:constr type="h" for="des" forName="compNode" op="equ"/>
+          <dgm:constr type="h" for="des" forName="bgRect" op="equ"/>
+          <dgm:constr type="h" for="des" forName="iconRect" op="equ"/>
+          <dgm:constr type="w" for="des" forName="iconRect" op="equ"/>
+          <dgm:constr type="h" for="des" forName="spaceRect" op="equ"/>
+          <dgm:constr type="h" for="des" forName="parTx" op="equ"/>
+          <dgm:constr type="h" for="des" forName="desTx" op="equ"/>
+        </dgm:constrLst>
+      </dgm:if>
+      <dgm:if name="Name6" axis="ch" ptType="node" func="cnt" op="lte" val="6">
+        <dgm:constrLst>
+          <dgm:constr type="h" for="ch" forName="compNode" refType="h" fact="0.3"/>
+          <dgm:constr type="w" for="ch" forName="compNode" refType="w"/>
+          <dgm:constr type="h" for="ch" forName="sibTrans" refType="h" refFor="ch" refForName="compNode" fact="0.25"/>
+          <dgm:constr type="primFontSz" for="des" forName="parTx" val="19"/>
+          <dgm:constr type="primFontSz" for="des" forName="desTx" refType="primFontSz" refFor="des" refForName="parTx" op="lte" fact="0.75"/>
+          <dgm:constr type="h" for="des" forName="compNode" op="equ"/>
+          <dgm:constr type="h" for="des" forName="bgRect" op="equ"/>
+          <dgm:constr type="h" for="des" forName="iconRect" op="equ"/>
+          <dgm:constr type="w" for="des" forName="iconRect" op="equ"/>
+          <dgm:constr type="h" for="des" forName="spaceRect" op="equ"/>
+          <dgm:constr type="h" for="des" forName="parTx" op="equ"/>
+          <dgm:constr type="h" for="des" forName="desTx" op="equ"/>
+        </dgm:constrLst>
+      </dgm:if>
+      <dgm:else name="Name7">
+        <dgm:constrLst>
+          <dgm:constr type="h" for="ch" forName="compNode" refType="h" fact="0.3"/>
+          <dgm:constr type="w" for="ch" forName="compNode" refType="w"/>
+          <dgm:constr type="h" for="ch" forName="sibTrans" refType="h" refFor="ch" refForName="compNode" fact="0.25"/>
+          <dgm:constr type="primFontSz" for="des" forName="parTx" val="16"/>
+          <dgm:constr type="primFontSz" for="des" forName="desTx" refType="primFontSz" refFor="des" refForName="parTx" op="lte" fact="0.75"/>
+          <dgm:constr type="h" for="des" forName="compNode" op="equ"/>
+          <dgm:constr type="h" for="des" forName="bgRect" op="equ"/>
+          <dgm:constr type="h" for="des" forName="iconRect" op="equ"/>
+          <dgm:constr type="w" for="des" forName="iconRect" op="equ"/>
+          <dgm:constr type="h" for="des" forName="spaceRect" op="equ"/>
+          <dgm:constr type="h" for="des" forName="parTx" op="equ"/>
+          <dgm:constr type="h" for="des" forName="desTx" op="equ"/>
+        </dgm:constrLst>
+      </dgm:else>
+    </dgm:choose>
+    <dgm:ruleLst>
+      <dgm:rule type="h" for="ch" forName="compNode" val="0" fact="NaN" max="NaN"/>
+    </dgm:ruleLst>
+    <dgm:forEach name="Name8" axis="ch" ptType="node">
+      <dgm:layoutNode name="compNode">
+        <dgm:alg type="composite"/>
+        <dgm:shape xmlns:r="http://schemas.openxmlformats.org/officeDocument/2006/relationships" r:blip="">
+          <dgm:adjLst/>
+        </dgm:shape>
+        <dgm:presOf axis="self"/>
+        <dgm:choose name="Name9">
+          <dgm:if name="Name10" axis="ch" ptType="node" func="cnt" op="gte" val="1">
+            <dgm:constrLst>
+              <dgm:constr type="w" for="ch" forName="bgRect" refType="w"/>
+              <dgm:constr type="h" for="ch" forName="bgRect" refType="h"/>
+              <dgm:constr type="l" for="ch" forName="bgRect"/>
+              <dgm:constr type="t" for="ch" forName="bgRect"/>
+              <dgm:constr type="h" for="ch" forName="iconRect" refType="h" fact="0.55"/>
+              <dgm:constr type="w" for="ch" forName="iconRect" refType="h" refFor="ch" refForName="iconRect"/>
+              <dgm:constr type="l" for="ch" forName="iconRect" refType="h" refFor="ch" refForName="iconRect" fact="0.55"/>
+              <dgm:constr type="ctrY" for="ch" forName="iconRect" refType="ctrY" refFor="ch" refForName="bgRect"/>
+              <dgm:constr type="w" for="ch" forName="spaceRect" refType="l" refFor="ch" refForName="iconRect"/>
+              <dgm:constr type="h" for="ch" forName="spaceRect" refType="h"/>
+              <dgm:constr type="l" for="ch" forName="spaceRect" refType="r" refFor="ch" refForName="iconRect"/>
+              <dgm:constr type="t" for="ch" forName="spaceRect"/>
+              <dgm:constr type="w" for="ch" forName="parTx" refType="w" fact="0.45"/>
+              <dgm:constr type="h" for="ch" forName="parTx" refType="h"/>
+              <dgm:constr type="l" for="ch" forName="parTx" refType="r" refFor="ch" refForName="spaceRect"/>
+              <dgm:constr type="t" for="ch" forName="parTx"/>
+              <dgm:constr type="h" for="ch" forName="desTx" refType="h"/>
+              <dgm:constr type="l" for="ch" forName="desTx" refType="r" refFor="ch" refForName="parTx"/>
+              <dgm:constr type="t" for="ch" forName="desTx"/>
+            </dgm:constrLst>
+          </dgm:if>
+          <dgm:else name="Name11">
+            <dgm:constrLst>
+              <dgm:constr type="w" for="ch" forName="bgRect" refType="w"/>
+              <dgm:constr type="h" for="ch" forName="bgRect" refType="h"/>
+              <dgm:constr type="l" for="ch" forName="bgRect"/>
+              <dgm:constr type="t" for="ch" forName="bgRect"/>
+              <dgm:constr type="h" for="ch" forName="iconRect" refType="h" fact="0.55"/>
+              <dgm:constr type="w" for="ch" forName="iconRect" refType="h" refFor="ch" refForName="iconRect"/>
+              <dgm:constr type="l" for="ch" forName="iconRect" refType="h" refFor="ch" refForName="iconRect" fact="0.55"/>
+              <dgm:constr type="ctrY" for="ch" forName="iconRect" refType="ctrY" refFor="ch" refForName="bgRect"/>
+              <dgm:constr type="w" for="ch" forName="spaceRect" refType="l" refFor="ch" refForName="iconRect"/>
+              <dgm:constr type="h" for="ch" forName="spaceRect" refType="h"/>
+              <dgm:constr type="l" for="ch" forName="spaceRect" refType="r" refFor="ch" refForName="iconRect"/>
+              <dgm:constr type="t" for="ch" forName="spaceRect"/>
+              <dgm:constr type="h" for="ch" forName="parTx" refType="h"/>
+              <dgm:constr type="l" for="ch" forName="parTx" refType="r" refFor="ch" refForName="spaceRect"/>
+              <dgm:constr type="t" for="ch" forName="parTx"/>
+            </dgm:constrLst>
+          </dgm:else>
+        </dgm:choose>
+        <dgm:ruleLst>
+          <dgm:rule type="h" val="INF" fact="NaN" max="NaN"/>
+        </dgm:ruleLst>
+        <dgm:layoutNode name="bgRect" styleLbl="bgShp">
+          <dgm:alg type="sp"/>
+          <dgm:shape xmlns:r="http://schemas.openxmlformats.org/officeDocument/2006/relationships" type="roundRect" r:blip="">
+            <dgm:adjLst>
+              <dgm:adj idx="1" val="0.1"/>
+            </dgm:adjLst>
+          </dgm:shape>
+          <dgm:presOf/>
+          <dgm:constrLst/>
+          <dgm:ruleLst/>
+        </dgm:layoutNode>
+        <dgm:layoutNode name="iconRect" styleLbl="node1">
+          <dgm:alg type="sp"/>
+          <dgm:shape xmlns:r="http://schemas.openxmlformats.org/officeDocument/2006/relationships" type="rect" r:blip="" blipPhldr="1">
+            <dgm:adjLst/>
+          </dgm:shape>
+          <dgm:presOf/>
+          <dgm:constrLst/>
+          <dgm:ruleLst/>
+        </dgm:layoutNode>
+        <dgm:layoutNode name="spaceRect">
+          <dgm:alg type="sp"/>
+          <dgm:shape xmlns:r="http://schemas.openxmlformats.org/officeDocument/2006/relationships" r:blip="">
+            <dgm:adjLst/>
+          </dgm:shape>
+          <dgm:presOf/>
+          <dgm:constrLst/>
+          <dgm:ruleLst/>
+        </dgm:layoutNode>
+        <dgm:layoutNode name="parTx" styleLbl="revTx">
+          <dgm:varLst>
+            <dgm:chMax val="0"/>
+            <dgm:chPref val="0"/>
+          </dgm:varLst>
+          <dgm:alg type="tx">
+            <dgm:param type="txAnchorVert" val="mid"/>
+            <dgm:param type="parTxLTRAlign" val="l"/>
+            <dgm:param type="shpTxLTRAlignCh" val="l"/>
+            <dgm:param type="parTxRTLAlign" val="r"/>
+            <dgm:param type="shpTxRTLAlignCh" val="r"/>
+          </dgm:alg>
+          <dgm:shape xmlns:r="http://schemas.openxmlformats.org/officeDocument/2006/relationships" type="rect" r:blip="">
+            <dgm:adjLst/>
+          </dgm:shape>
+          <dgm:presOf axis="self" ptType="node"/>
+          <dgm:constrLst>
+            <dgm:constr type="lMarg" refType="h" fact="0.3"/>
+            <dgm:constr type="rMarg" refType="h" fact="0.3"/>
+            <dgm:constr type="tMarg" refType="h" fact="0.3"/>
+            <dgm:constr type="bMarg" refType="h" fact="0.3"/>
+          </dgm:constrLst>
+          <dgm:ruleLst>
+            <dgm:rule type="primFontSz" val="14" fact="NaN" max="NaN"/>
+            <dgm:rule type="h" val="INF" fact="NaN" max="NaN"/>
+          </dgm:ruleLst>
+        </dgm:layoutNode>
+        <dgm:choose name="Name12">
+          <dgm:if name="Name13" axis="ch" ptType="node" func="cnt" op="gte" val="1">
+            <dgm:layoutNode name="desTx" styleLbl="revTx">
+              <dgm:varLst/>
+              <dgm:alg type="tx">
+                <dgm:param type="txAnchorVertCh" val="mid"/>
+                <dgm:param type="parTxLTRAlign" val="l"/>
+                <dgm:param type="shpTxLTRAlignCh" val="l"/>
+                <dgm:param type="parTxRTLAlign" val="r"/>
+                <dgm:param type="shpTxRTLAlignCh" val="r"/>
+                <dgm:param type="stBulletLvl" val="0"/>
+              </dgm:alg>
+              <dgm:shape xmlns:r="http://schemas.openxmlformats.org/officeDocument/2006/relationships" type="rect" r:blip="">
+                <dgm:adjLst/>
+              </dgm:shape>
+              <dgm:presOf axis="des" ptType="node"/>
+              <dgm:constrLst>
+                <dgm:constr type="primFontSz" val="18"/>
+                <dgm:constr type="secFontSz" refType="primFontSz"/>
+                <dgm:constr type="lMarg" refType="h" fact="0.3"/>
+                <dgm:constr type="rMarg" refType="h" fact="0.3"/>
+                <dgm:constr type="tMarg" refType="h" fact="0.3"/>
+                <dgm:constr type="bMarg" refType="h" fact="0.3"/>
+              </dgm:constrLst>
+              <dgm:ruleLst>
+                <dgm:rule type="primFontSz" val="11" fact="NaN" max="NaN"/>
+              </dgm:ruleLst>
+            </dgm:layoutNode>
+          </dgm:if>
+          <dgm:else name="Name14"/>
+        </dgm:choose>
+      </dgm:layoutNode>
+      <dgm:forEach name="Name15" axis="followSib" ptType="sibTrans" cnt="1">
+        <dgm:layoutNode name="sibTrans">
+          <dgm:alg type="sp"/>
+          <dgm:shape xmlns:r="http://schemas.openxmlformats.org/officeDocument/2006/relationships" r:blip="">
+            <dgm:adjLst/>
+          </dgm:shape>
+          <dgm:presOf axis="self"/>
+          <dgm:constrLst/>
+          <dgm:ruleLst/>
+        </dgm:layoutNode>
+      </dgm:forEach>
+    </dgm:forEach>
+  </dgm:layoutNode>
+  <dgm:extLst>
+    <a:ext uri="{68A01E43-0DF5-4B5B-8FA6-DAF915123BFB}">
+      <dgm1612:lstStyle xmlns:dgm1612="http://schemas.microsoft.com/office/drawing/2016/12/diagram">
+        <a:lvl1pPr>
+          <a:lnSpc>
+            <a:spcPct val="100000"/>
+          </a:lnSpc>
+        </a:lvl1pPr>
+        <a:lvl2pPr>
+          <a:lnSpc>
+            <a:spcPct val="100000"/>
+          </a:lnSpc>
+        </a:lvl2pPr>
+      </dgm1612:lstStyle>
+    </a:ext>
+  </dgm:extLst>
+</dgm:layoutDef>
+</file>
+
+<file path=ppt/diagrams/quickStyle1.xml><?xml version="1.0" encoding="utf-8"?>
+<dgm:styleDef xmlns:dgm="http://schemas.openxmlformats.org/drawingml/2006/diagram" xmlns:a="http://schemas.openxmlformats.org/drawingml/2006/main" uniqueId="urn:microsoft.com/office/officeart/2005/8/quickstyle/simple1">
+  <dgm:title val=""/>
+  <dgm:desc val=""/>
+  <dgm:catLst>
+    <dgm:cat type="simple" pri="10100"/>
+  </dgm:catLst>
+  <dgm:scene3d>
+    <a:camera prst="orthographicFront"/>
+    <a:lightRig rig="threePt" dir="t"/>
+  </dgm:scene3d>
+  <dgm:styleLbl name="node0">
+    <dgm:scene3d>
+      <a:camera prst="orthographicFront"/>
+      <a:lightRig rig="threePt" dir="t"/>
+    </dgm:scene3d>
+    <dgm:sp3d/>
+    <dgm:txPr/>
+    <dgm:style>
+      <a:lnRef idx="2">
+        <a:scrgbClr r="0" g="0" b="0"/>
+      </a:lnRef>
+      <a:fillRef idx="1">
+        <a:scrgbClr r="0" g="0" b="0"/>
+      </a:fillRef>
+      <a:effectRef idx="0">
+        <a:scrgbClr r="0" g="0" b="0"/>
+      </a:effectRef>
+      <a:fontRef idx="minor">
+        <a:schemeClr val="lt1"/>
+      </a:fontRef>
+    </dgm:style>
+  </dgm:styleLbl>
+  <dgm:styleLbl name="lnNode1">
+    <dgm:scene3d>
+      <a:camera prst="orthographicFront"/>
+      <a:lightRig rig="threePt" dir="t"/>
+    </dgm:scene3d>
+    <dgm:sp3d/>
+    <dgm:txPr/>
+    <dgm:style>
+      <a:lnRef idx="2">
+        <a:scrgbClr r="0" g="0" b="0"/>
+      </a:lnRef>
+      <a:fillRef idx="1">
+        <a:scrgbClr r="0" g="0" b="0"/>
+      </a:fillRef>
+      <a:effectRef idx="0">
+        <a:scrgbClr r="0" g="0" b="0"/>
+      </a:effectRef>
+      <a:fontRef idx="minor">
+        <a:schemeClr val="lt1"/>
+      </a:fontRef>
+    </dgm:style>
+  </dgm:styleLbl>
+  <dgm:styleLbl name="vennNode1">
+    <dgm:scene3d>
+      <a:camera prst="orthographicFront"/>
+      <a:lightRig rig="threePt" dir="t"/>
+    </dgm:scene3d>
+    <dgm:sp3d/>
+    <dgm:txPr/>
+    <dgm:style>
+      <a:lnRef idx="2">
+        <a:scrgbClr r="0" g="0" b="0"/>
+      </a:lnRef>
+      <a:fillRef idx="1">
+        <a:scrgbClr r="0" g="0" b="0"/>
+      </a:fillRef>
+      <a:effectRef idx="0">
+        <a:scrgbClr r="0" g="0" b="0"/>
+      </a:effectRef>
+      <a:fontRef idx="minor">
+        <a:schemeClr val="tx1"/>
+      </a:fontRef>
+    </dgm:style>
+  </dgm:styleLbl>
+  <dgm:styleLbl name="alignNode1">
+    <dgm:scene3d>
+      <a:camera prst="orthographicFront"/>
+      <a:lightRig rig="threePt" dir="t"/>
+    </dgm:scene3d>
+    <dgm:sp3d/>
+    <dgm:txPr/>
+    <dgm:style>
+      <a:lnRef idx="2">
+        <a:scrgbClr r="0" g="0" b="0"/>
+      </a:lnRef>
+      <a:fillRef idx="1">
+        <a:scrgbClr r="0" g="0" b="0"/>
+      </a:fillRef>
+      <a:effectRef idx="0">
+        <a:scrgbClr r="0" g="0" b="0"/>
+      </a:effectRef>
+      <a:fontRef idx="minor">
+        <a:schemeClr val="lt1"/>
+      </a:fontRef>
+    </dgm:style>
+  </dgm:styleLbl>
+  <dgm:styleLbl name="node1">
+    <dgm:scene3d>
+      <a:camera prst="orthographicFront"/>
+      <a:lightRig rig="threePt" dir="t"/>
+    </dgm:scene3d>
+    <dgm:sp3d/>
+    <dgm:txPr/>
+    <dgm:style>
+      <a:lnRef idx="2">
+        <a:scrgbClr r="0" g="0" b="0"/>
+      </a:lnRef>
+      <a:fillRef idx="1">
+        <a:scrgbClr r="0" g="0" b="0"/>
+      </a:fillRef>
+      <a:effectRef idx="0">
+        <a:scrgbClr r="0" g="0" b="0"/>
+      </a:effectRef>
+      <a:fontRef idx="minor">
+        <a:schemeClr val="lt1"/>
+      </a:fontRef>
+    </dgm:style>
+  </dgm:styleLbl>
+  <dgm:styleLbl name="node2">
+    <dgm:scene3d>
+      <a:camera prst="orthographicFront"/>
+      <a:lightRig rig="threePt" dir="t"/>
+    </dgm:scene3d>
+    <dgm:sp3d/>
+    <dgm:txPr/>
+    <dgm:style>
+      <a:lnRef idx="2">
+        <a:scrgbClr r="0" g="0" b="0"/>
+      </a:lnRef>
+      <a:fillRef idx="1">
+        <a:scrgbClr r="0" g="0" b="0"/>
+      </a:fillRef>
+      <a:effectRef idx="0">
+        <a:scrgbClr r="0" g="0" b="0"/>
+      </a:effectRef>
+      <a:fontRef idx="minor">
+        <a:schemeClr val="lt1"/>
+      </a:fontRef>
+    </dgm:style>
+  </dgm:styleLbl>
+  <dgm:styleLbl name="node3">
+    <dgm:scene3d>
+      <a:camera prst="orthographicFront"/>
+      <a:lightRig rig="threePt" dir="t"/>
+    </dgm:scene3d>
+    <dgm:sp3d/>
+    <dgm:txPr/>
+    <dgm:style>
+      <a:lnRef idx="2">
+        <a:scrgbClr r="0" g="0" b="0"/>
+      </a:lnRef>
+      <a:fillRef idx="1">
+        <a:scrgbClr r="0" g="0" b="0"/>
+      </a:fillRef>
+      <a:effectRef idx="0">
+        <a:scrgbClr r="0" g="0" b="0"/>
+      </a:effectRef>
+      <a:fontRef idx="minor">
+        <a:schemeClr val="lt1"/>
+      </a:fontRef>
+    </dgm:style>
+  </dgm:styleLbl>
+  <dgm:styleLbl name="node4">
+    <dgm:scene3d>
+      <a:camera prst="orthographicFront"/>
+      <a:lightRig rig="threePt" dir="t"/>
+    </dgm:scene3d>
+    <dgm:sp3d/>
+    <dgm:txPr/>
+    <dgm:style>
+      <a:lnRef idx="2">
+        <a:scrgbClr r="0" g="0" b="0"/>
+      </a:lnRef>
+      <a:fillRef idx="1">
+        <a:scrgbClr r="0" g="0" b="0"/>
+      </a:fillRef>
+      <a:effectRef idx="0">
+        <a:scrgbClr r="0" g="0" b="0"/>
+      </a:effectRef>
+      <a:fontRef idx="minor">
+        <a:schemeClr val="lt1"/>
+      </a:fontRef>
+    </dgm:style>
+  </dgm:styleLbl>
+  <dgm:styleLbl name="fgImgPlace1">
+    <dgm:scene3d>
+      <a:camera prst="orthographicFront"/>
+      <a:lightRig rig="threePt" dir="t"/>
+    </dgm:scene3d>
+    <dgm:sp3d/>
+    <dgm:txPr/>
+    <dgm:style>
+      <a:lnRef idx="2">
+        <a:scrgbClr r="0" g="0" b="0"/>
+      </a:lnRef>
+      <a:fillRef idx="1">
+        <a:scrgbClr r="0" g="0" b="0"/>
+      </a:fillRef>
+      <a:effectRef idx="0">
+        <a:scrgbClr r="0" g="0" b="0"/>
+      </a:effectRef>
+      <a:fontRef idx="minor"/>
+    </dgm:style>
+  </dgm:styleLbl>
+  <dgm:styleLbl name="alignImgPlace1">
+    <dgm:scene3d>
+      <a:camera prst="orthographicFront"/>
+      <a:lightRig rig="threePt" dir="t"/>
+    </dgm:scene3d>
+    <dgm:sp3d/>
+    <dgm:txPr/>
+    <dgm:style>
+      <a:lnRef idx="2">
+        <a:scrgbClr r="0" g="0" b="0"/>
+      </a:lnRef>
+      <a:fillRef idx="1">
+        <a:scrgbClr r="0" g="0" b="0"/>
+      </a:fillRef>
+      <a:effectRef idx="0">
+        <a:scrgbClr r="0" g="0" b="0"/>
+      </a:effectRef>
+      <a:fontRef idx="minor"/>
+    </dgm:style>
+  </dgm:styleLbl>
+  <dgm:styleLbl name="bgImgPlace1">
+    <dgm:scene3d>
+      <a:camera prst="orthographicFront"/>
+      <a:lightRig rig="threePt" dir="t"/>
+    </dgm:scene3d>
+    <dgm:sp3d/>
+    <dgm:txPr/>
+    <dgm:style>
+      <a:lnRef idx="2">
+        <a:scrgbClr r="0" g="0" b="0"/>
+      </a:lnRef>
+      <a:fillRef idx="1">
+        <a:scrgbClr r="0" g="0" b="0"/>
+      </a:fillRef>
+      <a:effectRef idx="0">
+        <a:scrgbClr r="0" g="0" b="0"/>
+      </a:effectRef>
+      <a:fontRef idx="minor"/>
+    </dgm:style>
+  </dgm:styleLbl>
+  <dgm:styleLbl name="sibTrans2D1">
+    <dgm:scene3d>
+      <a:camera prst="orthographicFront"/>
+      <a:lightRig rig="threePt" dir="t"/>
+    </dgm:scene3d>
+    <dgm:sp3d/>
+    <dgm:txPr/>
+    <dgm:style>
+      <a:lnRef idx="0">
+        <a:scrgbClr r="0" g="0" b="0"/>
+      </a:lnRef>
+      <a:fillRef idx="1">
+        <a:scrgbClr r="0" g="0" b="0"/>
+      </a:fillRef>
+      <a:effectRef idx="0">
+        <a:scrgbClr r="0" g="0" b="0"/>
+      </a:effectRef>
+      <a:fontRef idx="minor">
+        <a:schemeClr val="lt1"/>
+      </a:fontRef>
+    </dgm:style>
+  </dgm:styleLbl>
+  <dgm:styleLbl name="fgSibTrans2D1">
+    <dgm:scene3d>
+      <a:camera prst="orthographicFront"/>
+      <a:lightRig rig="threePt" dir="t"/>
+    </dgm:scene3d>
+    <dgm:sp3d/>
+    <dgm:txPr/>
+    <dgm:style>
+      <a:lnRef idx="0">
+        <a:scrgbClr r="0" g="0" b="0"/>
+      </a:lnRef>
+      <a:fillRef idx="1">
+        <a:scrgbClr r="0" g="0" b="0"/>
+      </a:fillRef>
+      <a:effectRef idx="0">
+        <a:scrgbClr r="0" g="0" b="0"/>
+      </a:effectRef>
+      <a:fontRef idx="minor">
+        <a:schemeClr val="lt1"/>
+      </a:fontRef>
+    </dgm:style>
+  </dgm:styleLbl>
+  <dgm:styleLbl name="bgSibTrans2D1">
+    <dgm:scene3d>
+      <a:camera prst="orthographicFront"/>
+      <a:lightRig rig="threePt" dir="t"/>
+    </dgm:scene3d>
+    <dgm:sp3d/>
+    <dgm:txPr/>
+    <dgm:style>
+      <a:lnRef idx="0">
+        <a:scrgbClr r="0" g="0" b="0"/>
+      </a:lnRef>
+      <a:fillRef idx="1">
+        <a:scrgbClr r="0" g="0" b="0"/>
+      </a:fillRef>
+      <a:effectRef idx="0">
+        <a:scrgbClr r="0" g="0" b="0"/>
+      </a:effectRef>
+      <a:fontRef idx="minor">
+        <a:schemeClr val="lt1"/>
+      </a:fontRef>
+    </dgm:style>
+  </dgm:styleLbl>
+  <dgm:styleLbl name="sibTrans1D1">
+    <dgm:scene3d>
+      <a:camera prst="orthographicFront"/>
+      <a:lightRig rig="threePt" dir="t"/>
+    </dgm:scene3d>
+    <dgm:sp3d/>
+    <dgm:txPr/>
+    <dgm:style>
+      <a:lnRef idx="1">
+        <a:scrgbClr r="0" g="0" b="0"/>
+      </a:lnRef>
+      <a:fillRef idx="0">
+        <a:scrgbClr r="0" g="0" b="0"/>
+      </a:fillRef>
+      <a:effectRef idx="0">
+        <a:scrgbClr r="0" g="0" b="0"/>
+      </a:effectRef>
+      <a:fontRef idx="minor"/>
+    </dgm:style>
+  </dgm:styleLbl>
+  <dgm:styleLbl name="callout">
+    <dgm:scene3d>
+      <a:camera prst="orthographicFront"/>
+      <a:lightRig rig="threePt" dir="t"/>
+    </dgm:scene3d>
+    <dgm:sp3d/>
+    <dgm:txPr/>
+    <dgm:style>
+      <a:lnRef idx="2">
+        <a:scrgbClr r="0" g="0" b="0"/>
+      </a:lnRef>
+      <a:fillRef idx="1">
+        <a:scrgbClr r="0" g="0" b="0"/>
+      </a:fillRef>
+      <a:effectRef idx="0">
+        <a:scrgbClr r="0" g="0" b="0"/>
+      </a:effectRef>
+      <a:fontRef idx="minor"/>
+    </dgm:style>
+  </dgm:styleLbl>
+  <dgm:styleLbl name="asst0">
+    <dgm:scene3d>
+      <a:camera prst="orthographicFront"/>
+      <a:lightRig rig="threePt" dir="t"/>
+    </dgm:scene3d>
+    <dgm:sp3d/>
+    <dgm:txPr/>
+    <dgm:style>
+      <a:lnRef idx="2">
+        <a:scrgbClr r="0" g="0" b="0"/>
+      </a:lnRef>
+      <a:fillRef idx="1">
+        <a:scrgbClr r="0" g="0" b="0"/>
+      </a:fillRef>
+      <a:effectRef idx="0">
+        <a:scrgbClr r="0" g="0" b="0"/>
+      </a:effectRef>
+      <a:fontRef idx="minor">
+        <a:schemeClr val="lt1"/>
+      </a:fontRef>
+    </dgm:style>
+  </dgm:styleLbl>
+  <dgm:styleLbl name="asst1">
+    <dgm:scene3d>
+      <a:camera prst="orthographicFront"/>
+      <a:lightRig rig="threePt" dir="t"/>
+    </dgm:scene3d>
+    <dgm:sp3d/>
+    <dgm:txPr/>
+    <dgm:style>
+      <a:lnRef idx="2">
+        <a:scrgbClr r="0" g="0" b="0"/>
+      </a:lnRef>
+      <a:fillRef idx="1">
+        <a:scrgbClr r="0" g="0" b="0"/>
+      </a:fillRef>
+      <a:effectRef idx="0">
+        <a:scrgbClr r="0" g="0" b="0"/>
+      </a:effectRef>
+      <a:fontRef idx="minor">
+        <a:schemeClr val="lt1"/>
+      </a:fontRef>
+    </dgm:style>
+  </dgm:styleLbl>
+  <dgm:styleLbl name="asst2">
+    <dgm:scene3d>
+      <a:camera prst="orthographicFront"/>
+      <a:lightRig rig="threePt" dir="t"/>
+    </dgm:scene3d>
+    <dgm:sp3d/>
+    <dgm:txPr/>
+    <dgm:style>
+      <a:lnRef idx="2">
+        <a:scrgbClr r="0" g="0" b="0"/>
+      </a:lnRef>
+      <a:fillRef idx="1">
+        <a:scrgbClr r="0" g="0" b="0"/>
+      </a:fillRef>
+      <a:effectRef idx="0">
+        <a:scrgbClr r="0" g="0" b="0"/>
+      </a:effectRef>
+      <a:fontRef idx="minor">
+        <a:schemeClr val="lt1"/>
+      </a:fontRef>
+    </dgm:style>
+  </dgm:styleLbl>
+  <dgm:styleLbl name="asst3">
+    <dgm:scene3d>
+      <a:camera prst="orthographicFront"/>
+      <a:lightRig rig="threePt" dir="t"/>
+    </dgm:scene3d>
+    <dgm:sp3d/>
+    <dgm:txPr/>
+    <dgm:style>
+      <a:lnRef idx="2">
+        <a:scrgbClr r="0" g="0" b="0"/>
+      </a:lnRef>
+      <a:fillRef idx="1">
+        <a:scrgbClr r="0" g="0" b="0"/>
+      </a:fillRef>
+      <a:effectRef idx="0">
+        <a:scrgbClr r="0" g="0" b="0"/>
+      </a:effectRef>
+      <a:fontRef idx="minor">
+        <a:schemeClr val="lt1"/>
+      </a:fontRef>
+    </dgm:style>
+  </dgm:styleLbl>
+  <dgm:styleLbl name="asst4">
+    <dgm:scene3d>
+      <a:camera prst="orthographicFront"/>
+      <a:lightRig rig="threePt" dir="t"/>
+    </dgm:scene3d>
+    <dgm:sp3d/>
+    <dgm:txPr/>
+    <dgm:style>
+      <a:lnRef idx="2">
+        <a:scrgbClr r="0" g="0" b="0"/>
+      </a:lnRef>
+      <a:fillRef idx="1">
+        <a:scrgbClr r="0" g="0" b="0"/>
+      </a:fillRef>
+      <a:effectRef idx="0">
+        <a:scrgbClr r="0" g="0" b="0"/>
+      </a:effectRef>
+      <a:fontRef idx="minor">
+        <a:schemeClr val="lt1"/>
+      </a:fontRef>
+    </dgm:style>
+  </dgm:styleLbl>
+  <dgm:styleLbl name="parChTrans2D1">
+    <dgm:scene3d>
+      <a:camera prst="orthographicFront"/>
+      <a:lightRig rig="threePt" dir="t"/>
+    </dgm:scene3d>
+    <dgm:sp3d/>
+    <dgm:txPr/>
+    <dgm:style>
+      <a:lnRef idx="2">
+        <a:scrgbClr r="0" g="0" b="0"/>
+      </a:lnRef>
+      <a:fillRef idx="1">
+        <a:scrgbClr r="0" g="0" b="0"/>
+      </a:fillRef>
+      <a:effectRef idx="0">
+        <a:scrgbClr r="0" g="0" b="0"/>
+      </a:effectRef>
+      <a:fontRef idx="minor">
+        <a:schemeClr val="lt1"/>
+      </a:fontRef>
+    </dgm:style>
+  </dgm:styleLbl>
+  <dgm:styleLbl name="parChTrans2D2">
+    <dgm:scene3d>
+      <a:camera prst="orthographicFront"/>
+      <a:lightRig rig="threePt" dir="t"/>
+    </dgm:scene3d>
+    <dgm:sp3d/>
+    <dgm:txPr/>
+    <dgm:style>
+      <a:lnRef idx="2">
+        <a:scrgbClr r="0" g="0" b="0"/>
+      </a:lnRef>
+      <a:fillRef idx="1">
+        <a:scrgbClr r="0" g="0" b="0"/>
+      </a:fillRef>
+      <a:effectRef idx="0">
+        <a:scrgbClr r="0" g="0" b="0"/>
+      </a:effectRef>
+      <a:fontRef idx="minor">
+        <a:schemeClr val="lt1"/>
+      </a:fontRef>
+    </dgm:style>
+  </dgm:styleLbl>
+  <dgm:styleLbl name="parChTrans2D3">
+    <dgm:scene3d>
+      <a:camera prst="orthographicFront"/>
+      <a:lightRig rig="threePt" dir="t"/>
+    </dgm:scene3d>
+    <dgm:sp3d/>
+    <dgm:txPr/>
+    <dgm:style>
+      <a:lnRef idx="2">
+        <a:scrgbClr r="0" g="0" b="0"/>
+      </a:lnRef>
+      <a:fillRef idx="1">
+        <a:scrgbClr r="0" g="0" b="0"/>
+      </a:fillRef>
+      <a:effectRef idx="0">
+        <a:scrgbClr r="0" g="0" b="0"/>
+      </a:effectRef>
+      <a:fontRef idx="minor">
+        <a:schemeClr val="lt1"/>
+      </a:fontRef>
+    </dgm:style>
+  </dgm:styleLbl>
+  <dgm:styleLbl name="parChTrans2D4">
+    <dgm:scene3d>
+      <a:camera prst="orthographicFront"/>
+      <a:lightRig rig="threePt" dir="t"/>
+    </dgm:scene3d>
+    <dgm:sp3d/>
+    <dgm:txPr/>
+    <dgm:style>
+      <a:lnRef idx="2">
+        <a:scrgbClr r="0" g="0" b="0"/>
+      </a:lnRef>
+      <a:fillRef idx="1">
+        <a:scrgbClr r="0" g="0" b="0"/>
+      </a:fillRef>
+      <a:effectRef idx="0">
+        <a:scrgbClr r="0" g="0" b="0"/>
+      </a:effectRef>
+      <a:fontRef idx="minor">
+        <a:schemeClr val="lt1"/>
+      </a:fontRef>
+    </dgm:style>
+  </dgm:styleLbl>
+  <dgm:styleLbl name="parChTrans1D1">
+    <dgm:scene3d>
+      <a:camera prst="orthographicFront"/>
+      <a:lightRig rig="threePt" dir="t"/>
+    </dgm:scene3d>
+    <dgm:sp3d/>
+    <dgm:txPr/>
+    <dgm:style>
+      <a:lnRef idx="2">
+        <a:scrgbClr r="0" g="0" b="0"/>
+      </a:lnRef>
+      <a:fillRef idx="0">
+        <a:scrgbClr r="0" g="0" b="0"/>
+      </a:fillRef>
+      <a:effectRef idx="0">
+        <a:scrgbClr r="0" g="0" b="0"/>
+      </a:effectRef>
+      <a:fontRef idx="minor"/>
+    </dgm:style>
+  </dgm:styleLbl>
+  <dgm:styleLbl name="parChTrans1D2">
+    <dgm:scene3d>
+      <a:camera prst="orthographicFront"/>
+      <a:lightRig rig="threePt" dir="t"/>
+    </dgm:scene3d>
+    <dgm:sp3d/>
+    <dgm:txPr/>
+    <dgm:style>
+      <a:lnRef idx="2">
+        <a:scrgbClr r="0" g="0" b="0"/>
+      </a:lnRef>
+      <a:fillRef idx="0">
+        <a:scrgbClr r="0" g="0" b="0"/>
+      </a:fillRef>
+      <a:effectRef idx="0">
+        <a:scrgbClr r="0" g="0" b="0"/>
+      </a:effectRef>
+      <a:fontRef idx="minor"/>
+    </dgm:style>
+  </dgm:styleLbl>
+  <dgm:styleLbl name="parChTrans1D3">
+    <dgm:scene3d>
+      <a:camera prst="orthographicFront"/>
+      <a:lightRig rig="threePt" dir="t"/>
+    </dgm:scene3d>
+    <dgm:sp3d/>
+    <dgm:txPr/>
+    <dgm:style>
+      <a:lnRef idx="2">
+        <a:scrgbClr r="0" g="0" b="0"/>
+      </a:lnRef>
+      <a:fillRef idx="0">
+        <a:scrgbClr r="0" g="0" b="0"/>
+      </a:fillRef>
+      <a:effectRef idx="0">
+        <a:scrgbClr r="0" g="0" b="0"/>
+      </a:effectRef>
+      <a:fontRef idx="minor"/>
+    </dgm:style>
+  </dgm:styleLbl>
+  <dgm:styleLbl name="parChTrans1D4">
+    <dgm:scene3d>
+      <a:camera prst="orthographicFront"/>
+      <a:lightRig rig="threePt" dir="t"/>
+    </dgm:scene3d>
+    <dgm:sp3d/>
+    <dgm:txPr/>
+    <dgm:style>
+      <a:lnRef idx="2">
+        <a:scrgbClr r="0" g="0" b="0"/>
+      </a:lnRef>
+      <a:fillRef idx="0">
+        <a:scrgbClr r="0" g="0" b="0"/>
+      </a:fillRef>
+      <a:effectRef idx="0">
+        <a:scrgbClr r="0" g="0" b="0"/>
+      </a:effectRef>
+      <a:fontRef idx="minor"/>
+    </dgm:style>
+  </dgm:styleLbl>
+  <dgm:styleLbl name="fgAcc1">
+    <dgm:scene3d>
+      <a:camera prst="orthographicFront"/>
+      <a:lightRig rig="threePt" dir="t"/>
+    </dgm:scene3d>
+    <dgm:sp3d/>
+    <dgm:txPr/>
+    <dgm:style>
+      <a:lnRef idx="2">
+        <a:scrgbClr r="0" g="0" b="0"/>
+      </a:lnRef>
+      <a:fillRef idx="1">
+        <a:scrgbClr r="0" g="0" b="0"/>
+      </a:fillRef>
+      <a:effectRef idx="0">
+        <a:scrgbClr r="0" g="0" b="0"/>
+      </a:effectRef>
+      <a:fontRef idx="minor"/>
+    </dgm:style>
+  </dgm:styleLbl>
+  <dgm:styleLbl name="conFgAcc1">
+    <dgm:scene3d>
+      <a:camera prst="orthographicFront"/>
+      <a:lightRig rig="threePt" dir="t"/>
+    </dgm:scene3d>
+    <dgm:sp3d/>
+    <dgm:txPr/>
+    <dgm:style>
+      <a:lnRef idx="2">
+        <a:scrgbClr r="0" g="0" b="0"/>
+      </a:lnRef>
+      <a:fillRef idx="1">
+        <a:scrgbClr r="0" g="0" b="0"/>
+      </a:fillRef>
+      <a:effectRef idx="0">
+        <a:scrgbClr r="0" g="0" b="0"/>
+      </a:effectRef>
+      <a:fontRef idx="minor"/>
+    </dgm:style>
+  </dgm:styleLbl>
+  <dgm:styleLbl name="alignAcc1">
+    <dgm:scene3d>
+      <a:camera prst="orthographicFront"/>
+      <a:lightRig rig="threePt" dir="t"/>
+    </dgm:scene3d>
+    <dgm:sp3d/>
+    <dgm:txPr/>
+    <dgm:style>
+      <a:lnRef idx="2">
+        <a:scrgbClr r="0" g="0" b="0"/>
+      </a:lnRef>
+      <a:fillRef idx="1">
+        <a:scrgbClr r="0" g="0" b="0"/>
+      </a:fillRef>
+      <a:effectRef idx="0">
+        <a:scrgbClr r="0" g="0" b="0"/>
+      </a:effectRef>
+      <a:fontRef idx="minor"/>
+    </dgm:style>
+  </dgm:styleLbl>
+  <dgm:styleLbl name="trAlignAcc1">
+    <dgm:scene3d>
+      <a:camera prst="orthographicFront"/>
+      <a:lightRig rig="threePt" dir="t"/>
+    </dgm:scene3d>
+    <dgm:sp3d/>
+    <dgm:txPr/>
+    <dgm:style>
+      <a:lnRef idx="1">
+        <a:scrgbClr r="0" g="0" b="0"/>
+      </a:lnRef>
+      <a:fillRef idx="1">
+        <a:scrgbClr r="0" g="0" b="0"/>
+      </a:fillRef>
+      <a:effectRef idx="0">
+        <a:scrgbClr r="0" g="0" b="0"/>
+      </a:effectRef>
+      <a:fontRef idx="minor"/>
+    </dgm:style>
+  </dgm:styleLbl>
+  <dgm:styleLbl name="bgAcc1">
+    <dgm:scene3d>
+      <a:camera prst="orthographicFront"/>
+      <a:lightRig rig="threePt" dir="t"/>
+    </dgm:scene3d>
+    <dgm:sp3d/>
+    <dgm:txPr/>
+    <dgm:style>
+      <a:lnRef idx="2">
+        <a:scrgbClr r="0" g="0" b="0"/>
+      </a:lnRef>
+      <a:fillRef idx="1">
+        <a:scrgbClr r="0" g="0" b="0"/>
+      </a:fillRef>
+      <a:effectRef idx="0">
+        <a:scrgbClr r="0" g="0" b="0"/>
+      </a:effectRef>
+      <a:fontRef idx="minor"/>
+    </dgm:style>
+  </dgm:styleLbl>
+  <dgm:styleLbl name="solidFgAcc1">
+    <dgm:scene3d>
+      <a:camera prst="orthographicFront"/>
+      <a:lightRig rig="threePt" dir="t"/>
+    </dgm:scene3d>
+    <dgm:sp3d/>
+    <dgm:txPr/>
+    <dgm:style>
+      <a:lnRef idx="2">
+        <a:scrgbClr r="0" g="0" b="0"/>
+      </a:lnRef>
+      <a:fillRef idx="1">
+        <a:scrgbClr r="0" g="0" b="0"/>
+      </a:fillRef>
+      <a:effectRef idx="0">
+        <a:scrgbClr r="0" g="0" b="0"/>
+      </a:effectRef>
+      <a:fontRef idx="minor"/>
+    </dgm:style>
+  </dgm:styleLbl>
+  <dgm:styleLbl name="solidAlignAcc1">
+    <dgm:scene3d>
+      <a:camera prst="orthographicFront"/>
+      <a:lightRig rig="threePt" dir="t"/>
+    </dgm:scene3d>
+    <dgm:sp3d/>
+    <dgm:txPr/>
+    <dgm:style>
+      <a:lnRef idx="2">
+        <a:scrgbClr r="0" g="0" b="0"/>
+      </a:lnRef>
+      <a:fillRef idx="1">
+        <a:scrgbClr r="0" g="0" b="0"/>
+      </a:fillRef>
+      <a:effectRef idx="0">
+        <a:scrgbClr r="0" g="0" b="0"/>
+      </a:effectRef>
+      <a:fontRef idx="minor"/>
+    </dgm:style>
+  </dgm:styleLbl>
+  <dgm:styleLbl name="solidBgAcc1">
+    <dgm:scene3d>
+      <a:camera prst="orthographicFront"/>
+      <a:lightRig rig="threePt" dir="t"/>
+    </dgm:scene3d>
+    <dgm:sp3d/>
+    <dgm:txPr/>
+    <dgm:style>
+      <a:lnRef idx="2">
+        <a:scrgbClr r="0" g="0" b="0"/>
+      </a:lnRef>
+      <a:fillRef idx="1">
+        <a:scrgbClr r="0" g="0" b="0"/>
+      </a:fillRef>
+      <a:effectRef idx="0">
+        <a:scrgbClr r="0" g="0" b="0"/>
+      </a:effectRef>
+      <a:fontRef idx="minor"/>
+    </dgm:style>
+  </dgm:styleLbl>
+  <dgm:styleLbl name="fgAccFollowNode1">
+    <dgm:scene3d>
+      <a:camera prst="orthographicFront"/>
+      <a:lightRig rig="threePt" dir="t"/>
+    </dgm:scene3d>
+    <dgm:sp3d/>
+    <dgm:txPr/>
+    <dgm:style>
+      <a:lnRef idx="2">
+        <a:scrgbClr r="0" g="0" b="0"/>
+      </a:lnRef>
+      <a:fillRef idx="1">
+        <a:scrgbClr r="0" g="0" b="0"/>
+      </a:fillRef>
+      <a:effectRef idx="0">
+        <a:scrgbClr r="0" g="0" b="0"/>
+      </a:effectRef>
+      <a:fontRef idx="minor"/>
+    </dgm:style>
+  </dgm:styleLbl>
+  <dgm:styleLbl name="alignAccFollowNode1">
+    <dgm:scene3d>
+      <a:camera prst="orthographicFront"/>
+      <a:lightRig rig="threePt" dir="t"/>
+    </dgm:scene3d>
+    <dgm:sp3d/>
+    <dgm:txPr/>
+    <dgm:style>
+      <a:lnRef idx="2">
+        <a:scrgbClr r="0" g="0" b="0"/>
+      </a:lnRef>
+      <a:fillRef idx="1">
+        <a:scrgbClr r="0" g="0" b="0"/>
+      </a:fillRef>
+      <a:effectRef idx="0">
+        <a:scrgbClr r="0" g="0" b="0"/>
+      </a:effectRef>
+      <a:fontRef idx="minor"/>
+    </dgm:style>
+  </dgm:styleLbl>
+  <dgm:styleLbl name="bgAccFollowNode1">
+    <dgm:scene3d>
+      <a:camera prst="orthographicFront"/>
+      <a:lightRig rig="threePt" dir="t"/>
+    </dgm:scene3d>
+    <dgm:sp3d/>
+    <dgm:txPr/>
+    <dgm:style>
+      <a:lnRef idx="2">
+        <a:scrgbClr r="0" g="0" b="0"/>
+      </a:lnRef>
+      <a:fillRef idx="1">
+        <a:scrgbClr r="0" g="0" b="0"/>
+      </a:fillRef>
+      <a:effectRef idx="0">
+        <a:scrgbClr r="0" g="0" b="0"/>
+      </a:effectRef>
+      <a:fontRef idx="minor"/>
+    </dgm:style>
+  </dgm:styleLbl>
+  <dgm:styleLbl name="fgAcc0">
+    <dgm:scene3d>
+      <a:camera prst="orthographicFront"/>
+      <a:lightRig rig="threePt" dir="t"/>
+    </dgm:scene3d>
+    <dgm:sp3d/>
+    <dgm:txPr/>
+    <dgm:style>
+      <a:lnRef idx="2">
+        <a:scrgbClr r="0" g="0" b="0"/>
+      </a:lnRef>
+      <a:fillRef idx="1">
+        <a:scrgbClr r="0" g="0" b="0"/>
+      </a:fillRef>
+      <a:effectRef idx="0">
+        <a:scrgbClr r="0" g="0" b="0"/>
+      </a:effectRef>
+      <a:fontRef idx="minor"/>
+    </dgm:style>
+  </dgm:styleLbl>
+  <dgm:styleLbl name="fgAcc2">
+    <dgm:scene3d>
+      <a:camera prst="orthographicFront"/>
+      <a:lightRig rig="threePt" dir="t"/>
+    </dgm:scene3d>
+    <dgm:sp3d/>
+    <dgm:txPr/>
+    <dgm:style>
+      <a:lnRef idx="2">
+        <a:scrgbClr r="0" g="0" b="0"/>
+      </a:lnRef>
+      <a:fillRef idx="1">
+        <a:scrgbClr r="0" g="0" b="0"/>
+      </a:fillRef>
+      <a:effectRef idx="0">
+        <a:scrgbClr r="0" g="0" b="0"/>
+      </a:effectRef>
+      <a:fontRef idx="minor"/>
+    </dgm:style>
+  </dgm:styleLbl>
+  <dgm:styleLbl name="fgAcc3">
+    <dgm:scene3d>
+      <a:camera prst="orthographicFront"/>
+      <a:lightRig rig="threePt" dir="t"/>
+    </dgm:scene3d>
+    <dgm:sp3d/>
+    <dgm:txPr/>
+    <dgm:style>
+      <a:lnRef idx="2">
+        <a:scrgbClr r="0" g="0" b="0"/>
+      </a:lnRef>
+      <a:fillRef idx="1">
+        <a:scrgbClr r="0" g="0" b="0"/>
+      </a:fillRef>
+      <a:effectRef idx="0">
+        <a:scrgbClr r="0" g="0" b="0"/>
+      </a:effectRef>
+      <a:fontRef idx="minor"/>
+    </dgm:style>
+  </dgm:styleLbl>
+  <dgm:styleLbl name="fgAcc4">
+    <dgm:scene3d>
+      <a:camera prst="orthographicFront"/>
+      <a:lightRig rig="threePt" dir="t"/>
+    </dgm:scene3d>
+    <dgm:sp3d/>
+    <dgm:txPr/>
+    <dgm:style>
+      <a:lnRef idx="2">
+        <a:scrgbClr r="0" g="0" b="0"/>
+      </a:lnRef>
+      <a:fillRef idx="1">
+        <a:scrgbClr r="0" g="0" b="0"/>
+      </a:fillRef>
+      <a:effectRef idx="0">
+        <a:scrgbClr r="0" g="0" b="0"/>
+      </a:effectRef>
+      <a:fontRef idx="minor"/>
+    </dgm:style>
+  </dgm:styleLbl>
+  <dgm:styleLbl name="bgShp">
+    <dgm:scene3d>
+      <a:camera prst="orthographicFront"/>
+      <a:lightRig rig="threePt" dir="t"/>
+    </dgm:scene3d>
+    <dgm:sp3d/>
+    <dgm:txPr/>
+    <dgm:style>
+      <a:lnRef idx="0">
+        <a:scrgbClr r="0" g="0" b="0"/>
+      </a:lnRef>
+      <a:fillRef idx="1">
+        <a:scrgbClr r="0" g="0" b="0"/>
+      </a:fillRef>
+      <a:effectRef idx="0">
+        <a:scrgbClr r="0" g="0" b="0"/>
+      </a:effectRef>
+      <a:fontRef idx="minor"/>
+    </dgm:style>
+  </dgm:styleLbl>
+  <dgm:styleLbl name="dkBgShp">
+    <dgm:scene3d>
+      <a:camera prst="orthographicFront"/>
+      <a:lightRig rig="threePt" dir="t"/>
+    </dgm:scene3d>
+    <dgm:sp3d/>
+    <dgm:txPr/>
+    <dgm:style>
+      <a:lnRef idx="0">
+        <a:scrgbClr r="0" g="0" b="0"/>
+      </a:lnRef>
+      <a:fillRef idx="1">
+        <a:scrgbClr r="0" g="0" b="0"/>
+      </a:fillRef>
+      <a:effectRef idx="0">
+        <a:scrgbClr r="0" g="0" b="0"/>
+      </a:effectRef>
+      <a:fontRef idx="minor"/>
+    </dgm:style>
+  </dgm:styleLbl>
+  <dgm:styleLbl name="trBgShp">
+    <dgm:scene3d>
+      <a:camera prst="orthographicFront"/>
+      <a:lightRig rig="threePt" dir="t"/>
+    </dgm:scene3d>
+    <dgm:sp3d/>
+    <dgm:txPr/>
+    <dgm:style>
+      <a:lnRef idx="0">
+        <a:scrgbClr r="0" g="0" b="0"/>
+      </a:lnRef>
+      <a:fillRef idx="1">
+        <a:scrgbClr r="0" g="0" b="0"/>
+      </a:fillRef>
+      <a:effectRef idx="0">
+        <a:scrgbClr r="0" g="0" b="0"/>
+      </a:effectRef>
+      <a:fontRef idx="minor"/>
+    </dgm:style>
+  </dgm:styleLbl>
+  <dgm:styleLbl name="fgShp">
+    <dgm:scene3d>
+      <a:camera prst="orthographicFront"/>
+      <a:lightRig rig="threePt" dir="t"/>
+    </dgm:scene3d>
+    <dgm:sp3d/>
+    <dgm:txPr/>
+    <dgm:style>
+      <a:lnRef idx="2">
+        <a:scrgbClr r="0" g="0" b="0"/>
+      </a:lnRef>
+      <a:fillRef idx="1">
+        <a:scrgbClr r="0" g="0" b="0"/>
+      </a:fillRef>
+      <a:effectRef idx="0">
+        <a:scrgbClr r="0" g="0" b="0"/>
+      </a:effectRef>
+      <a:fontRef idx="minor"/>
+    </dgm:style>
+  </dgm:styleLbl>
+  <dgm:styleLbl name="revTx">
+    <dgm:scene3d>
+      <a:camera prst="orthographicFront"/>
+      <a:lightRig rig="threePt" dir="t"/>
+    </dgm:scene3d>
+    <dgm:sp3d/>
+    <dgm:txPr/>
+    <dgm:style>
+      <a:lnRef idx="0">
+        <a:scrgbClr r="0" g="0" b="0"/>
+      </a:lnRef>
+      <a:fillRef idx="0">
+        <a:scrgbClr r="0" g="0" b="0"/>
+      </a:fillRef>
+      <a:effectRef idx="0">
+        <a:scrgbClr r="0" g="0" b="0"/>
+      </a:effectRef>
+      <a:fontRef idx="minor"/>
+    </dgm:style>
+  </dgm:styleLbl>
+</dgm:styleDef>
 </file>
 
 <file path=ppt/slideLayouts/slideLayout1.xml><?xml version="1.0" encoding="utf-8"?>
@@ -3482,14 +6530,14 @@
           <a:p>
             <a:pPr algn="l"/>
             <a:r>
-              <a:rPr lang="en-GB" sz="4000">
+              <a:rPr lang="en-GB" sz="4000" dirty="0">
                 <a:solidFill>
                   <a:schemeClr val="tx2"/>
                 </a:solidFill>
               </a:rPr>
               <a:t>Shipment logistics analysis</a:t>
             </a:r>
-            <a:endParaRPr lang="en-US" sz="4000">
+            <a:endParaRPr lang="en-US" sz="4000" dirty="0">
               <a:solidFill>
                 <a:schemeClr val="tx2"/>
               </a:solidFill>
@@ -5851,6 +8899,5001 @@
 </p:sld>
 </file>
 
+<file path=ppt/slides/slide2.xml><?xml version="1.0" encoding="utf-8"?>
+<p:sld xmlns:a="http://schemas.openxmlformats.org/drawingml/2006/main" xmlns:r="http://schemas.openxmlformats.org/officeDocument/2006/relationships" xmlns:p="http://schemas.openxmlformats.org/presentationml/2006/main">
+  <p:cSld>
+    <p:bg>
+      <p:bgPr>
+        <a:solidFill>
+          <a:schemeClr val="bg1"/>
+        </a:solidFill>
+        <a:effectLst/>
+      </p:bgPr>
+    </p:bg>
+    <p:spTree>
+      <p:nvGrpSpPr>
+        <p:cNvPr id="1" name=""/>
+        <p:cNvGrpSpPr/>
+        <p:nvPr/>
+      </p:nvGrpSpPr>
+      <p:grpSpPr>
+        <a:xfrm>
+          <a:off x="0" y="0"/>
+          <a:ext cx="0" cy="0"/>
+          <a:chOff x="0" y="0"/>
+          <a:chExt cx="0" cy="0"/>
+        </a:xfrm>
+      </p:grpSpPr>
+      <p:sp useBgFill="1">
+        <p:nvSpPr>
+          <p:cNvPr id="9" name="Rectangle 8">
+            <a:extLst>
+              <a:ext uri="{FF2B5EF4-FFF2-40B4-BE49-F238E27FC236}">
+                <a16:creationId xmlns:a16="http://schemas.microsoft.com/office/drawing/2014/main" id="{98DED6BC-9A3E-48D4-AD7C-A56D63F547E8}"/>
+              </a:ext>
+              <a:ext uri="{C183D7F6-B498-43B3-948B-1728B52AA6E4}">
+                <adec:decorative xmlns:adec="http://schemas.microsoft.com/office/drawing/2017/decorative" val="1"/>
+              </a:ext>
+            </a:extLst>
+          </p:cNvPr>
+          <p:cNvSpPr>
+            <a:spLocks noGrp="1" noRot="1" noChangeAspect="1" noMove="1" noResize="1" noEditPoints="1" noAdjustHandles="1" noChangeArrowheads="1" noChangeShapeType="1" noTextEdit="1"/>
+          </p:cNvSpPr>
+          <p:nvPr>
+            <p:extLst>
+              <p:ext uri="{386F3935-93C4-4BCD-93E2-E3B085C9AB24}">
+                <p16:designElem xmlns:p16="http://schemas.microsoft.com/office/powerpoint/2015/main" val="1"/>
+              </p:ext>
+            </p:extLst>
+          </p:nvPr>
+        </p:nvSpPr>
+        <p:spPr>
+          <a:xfrm>
+            <a:off x="0" y="0"/>
+            <a:ext cx="12188952" cy="6858000"/>
+          </a:xfrm>
+          <a:prstGeom prst="rect">
+            <a:avLst/>
+          </a:prstGeom>
+          <a:ln>
+            <a:noFill/>
+          </a:ln>
+        </p:spPr>
+        <p:style>
+          <a:lnRef idx="2">
+            <a:schemeClr val="accent1">
+              <a:shade val="50000"/>
+            </a:schemeClr>
+          </a:lnRef>
+          <a:fillRef idx="1">
+            <a:schemeClr val="accent1"/>
+          </a:fillRef>
+          <a:effectRef idx="0">
+            <a:schemeClr val="accent1"/>
+          </a:effectRef>
+          <a:fontRef idx="minor">
+            <a:schemeClr val="lt1"/>
+          </a:fontRef>
+        </p:style>
+        <p:txBody>
+          <a:bodyPr rtlCol="0" anchor="ctr"/>
+          <a:lstStyle/>
+          <a:p>
+            <a:pPr algn="ctr"/>
+            <a:endParaRPr lang="en-US"/>
+          </a:p>
+        </p:txBody>
+      </p:sp>
+      <p:sp>
+        <p:nvSpPr>
+          <p:cNvPr id="11" name="Freeform: Shape 10">
+            <a:extLst>
+              <a:ext uri="{FF2B5EF4-FFF2-40B4-BE49-F238E27FC236}">
+                <a16:creationId xmlns:a16="http://schemas.microsoft.com/office/drawing/2014/main" id="{6B6E033A-DB2E-49B8-B600-B38E0C280263}"/>
+              </a:ext>
+              <a:ext uri="{C183D7F6-B498-43B3-948B-1728B52AA6E4}">
+                <adec:decorative xmlns:adec="http://schemas.microsoft.com/office/drawing/2017/decorative" val="1"/>
+              </a:ext>
+            </a:extLst>
+          </p:cNvPr>
+          <p:cNvSpPr>
+            <a:spLocks noGrp="1" noRot="1" noChangeAspect="1" noMove="1" noResize="1" noEditPoints="1" noAdjustHandles="1" noChangeArrowheads="1" noChangeShapeType="1" noTextEdit="1"/>
+          </p:cNvSpPr>
+          <p:nvPr>
+            <p:extLst>
+              <p:ext uri="{386F3935-93C4-4BCD-93E2-E3B085C9AB24}">
+                <p16:designElem xmlns:p16="http://schemas.microsoft.com/office/powerpoint/2015/main" val="1"/>
+              </p:ext>
+            </p:extLst>
+          </p:nvPr>
+        </p:nvSpPr>
+        <p:spPr>
+          <a:xfrm>
+            <a:off x="173235" y="1371600"/>
+            <a:ext cx="4529312" cy="3589977"/>
+          </a:xfrm>
+          <a:custGeom>
+            <a:avLst/>
+            <a:gdLst>
+              <a:gd name="connsiteX0" fmla="*/ 5462602 w 5470628"/>
+              <a:gd name="connsiteY0" fmla="*/ 1413608 h 3193741"/>
+              <a:gd name="connsiteX1" fmla="*/ 5465724 w 5470628"/>
+              <a:gd name="connsiteY1" fmla="*/ 1421881 h 3193741"/>
+              <a:gd name="connsiteX2" fmla="*/ 5465025 w 5470628"/>
+              <a:gd name="connsiteY2" fmla="*/ 1466556 h 3193741"/>
+              <a:gd name="connsiteX3" fmla="*/ 5463208 w 5470628"/>
+              <a:gd name="connsiteY3" fmla="*/ 1466226 h 3193741"/>
+              <a:gd name="connsiteX4" fmla="*/ 5463242 w 5470628"/>
+              <a:gd name="connsiteY4" fmla="*/ 1451866 h 3193741"/>
+              <a:gd name="connsiteX5" fmla="*/ 5462894 w 5470628"/>
+              <a:gd name="connsiteY5" fmla="*/ 1423194 h 3193741"/>
+              <a:gd name="connsiteX6" fmla="*/ 5461417 w 5470628"/>
+              <a:gd name="connsiteY6" fmla="*/ 1391849 h 3193741"/>
+              <a:gd name="connsiteX7" fmla="*/ 5462246 w 5470628"/>
+              <a:gd name="connsiteY7" fmla="*/ 1401944 h 3193741"/>
+              <a:gd name="connsiteX8" fmla="*/ 5462602 w 5470628"/>
+              <a:gd name="connsiteY8" fmla="*/ 1413608 h 3193741"/>
+              <a:gd name="connsiteX9" fmla="*/ 5459078 w 5470628"/>
+              <a:gd name="connsiteY9" fmla="*/ 1404268 h 3193741"/>
+              <a:gd name="connsiteX10" fmla="*/ 5460137 w 5470628"/>
+              <a:gd name="connsiteY10" fmla="*/ 1393780 h 3193741"/>
+              <a:gd name="connsiteX11" fmla="*/ 5461417 w 5470628"/>
+              <a:gd name="connsiteY11" fmla="*/ 1391849 h 3193741"/>
+              <a:gd name="connsiteX12" fmla="*/ 614271 w 5470628"/>
+              <a:gd name="connsiteY12" fmla="*/ 1052206 h 3193741"/>
+              <a:gd name="connsiteX13" fmla="*/ 611497 w 5470628"/>
+              <a:gd name="connsiteY13" fmla="*/ 1055389 h 3193741"/>
+              <a:gd name="connsiteX14" fmla="*/ 630277 w 5470628"/>
+              <a:gd name="connsiteY14" fmla="*/ 1065215 h 3193741"/>
+              <a:gd name="connsiteX15" fmla="*/ 651856 w 5470628"/>
+              <a:gd name="connsiteY15" fmla="*/ 1067584 h 3193741"/>
+              <a:gd name="connsiteX16" fmla="*/ 614271 w 5470628"/>
+              <a:gd name="connsiteY16" fmla="*/ 1052206 h 3193741"/>
+              <a:gd name="connsiteX17" fmla="*/ 810628 w 5470628"/>
+              <a:gd name="connsiteY17" fmla="*/ 695550 h 3193741"/>
+              <a:gd name="connsiteX18" fmla="*/ 1033084 w 5470628"/>
+              <a:gd name="connsiteY18" fmla="*/ 791270 h 3193741"/>
+              <a:gd name="connsiteX19" fmla="*/ 1036153 w 5470628"/>
+              <a:gd name="connsiteY19" fmla="*/ 788050 h 3193741"/>
+              <a:gd name="connsiteX20" fmla="*/ 810628 w 5470628"/>
+              <a:gd name="connsiteY20" fmla="*/ 695550 h 3193741"/>
+              <a:gd name="connsiteX21" fmla="*/ 4850908 w 5470628"/>
+              <a:gd name="connsiteY21" fmla="*/ 727 h 3193741"/>
+              <a:gd name="connsiteX22" fmla="*/ 4858584 w 5470628"/>
+              <a:gd name="connsiteY22" fmla="*/ 13795 h 3193741"/>
+              <a:gd name="connsiteX23" fmla="*/ 4843408 w 5470628"/>
+              <a:gd name="connsiteY23" fmla="*/ 37224 h 3193741"/>
+              <a:gd name="connsiteX24" fmla="*/ 4871062 w 5470628"/>
+              <a:gd name="connsiteY24" fmla="*/ 78954 h 3193741"/>
+              <a:gd name="connsiteX25" fmla="*/ 4989038 w 5470628"/>
+              <a:gd name="connsiteY25" fmla="*/ 66799 h 3193741"/>
+              <a:gd name="connsiteX26" fmla="*/ 5002636 w 5470628"/>
+              <a:gd name="connsiteY26" fmla="*/ 79388 h 3193741"/>
+              <a:gd name="connsiteX27" fmla="*/ 5008332 w 5470628"/>
+              <a:gd name="connsiteY27" fmla="*/ 140859 h 3193741"/>
+              <a:gd name="connsiteX28" fmla="*/ 5014326 w 5470628"/>
+              <a:gd name="connsiteY28" fmla="*/ 155555 h 3193741"/>
+              <a:gd name="connsiteX29" fmla="*/ 5030704 w 5470628"/>
+              <a:gd name="connsiteY29" fmla="*/ 221190 h 3193741"/>
+              <a:gd name="connsiteX30" fmla="*/ 5097262 w 5470628"/>
+              <a:gd name="connsiteY30" fmla="*/ 317759 h 3193741"/>
+              <a:gd name="connsiteX31" fmla="*/ 5165084 w 5470628"/>
+              <a:gd name="connsiteY31" fmla="*/ 373367 h 3193741"/>
+              <a:gd name="connsiteX32" fmla="*/ 5174137 w 5470628"/>
+              <a:gd name="connsiteY32" fmla="*/ 389353 h 3193741"/>
+              <a:gd name="connsiteX33" fmla="*/ 5192507 w 5470628"/>
+              <a:gd name="connsiteY33" fmla="*/ 453561 h 3193741"/>
+              <a:gd name="connsiteX34" fmla="*/ 5187160 w 5470628"/>
+              <a:gd name="connsiteY34" fmla="*/ 467732 h 3193741"/>
+              <a:gd name="connsiteX35" fmla="*/ 5160106 w 5470628"/>
+              <a:gd name="connsiteY35" fmla="*/ 486904 h 3193741"/>
+              <a:gd name="connsiteX36" fmla="*/ 5138948 w 5470628"/>
+              <a:gd name="connsiteY36" fmla="*/ 528614 h 3193741"/>
+              <a:gd name="connsiteX37" fmla="*/ 5097016 w 5470628"/>
+              <a:gd name="connsiteY37" fmla="*/ 589923 h 3193741"/>
+              <a:gd name="connsiteX38" fmla="*/ 5075869 w 5470628"/>
+              <a:gd name="connsiteY38" fmla="*/ 608381 h 3193741"/>
+              <a:gd name="connsiteX39" fmla="*/ 5093172 w 5470628"/>
+              <a:gd name="connsiteY39" fmla="*/ 618385 h 3193741"/>
+              <a:gd name="connsiteX40" fmla="*/ 5153518 w 5470628"/>
+              <a:gd name="connsiteY40" fmla="*/ 687474 h 3193741"/>
+              <a:gd name="connsiteX41" fmla="*/ 5074984 w 5470628"/>
+              <a:gd name="connsiteY41" fmla="*/ 776941 h 3193741"/>
+              <a:gd name="connsiteX42" fmla="*/ 5033348 w 5470628"/>
+              <a:gd name="connsiteY42" fmla="*/ 805473 h 3193741"/>
+              <a:gd name="connsiteX43" fmla="*/ 5116847 w 5470628"/>
+              <a:gd name="connsiteY43" fmla="*/ 803426 h 3193741"/>
+              <a:gd name="connsiteX44" fmla="*/ 5147902 w 5470628"/>
+              <a:gd name="connsiteY44" fmla="*/ 833118 h 3193741"/>
+              <a:gd name="connsiteX45" fmla="*/ 5161665 w 5470628"/>
+              <a:gd name="connsiteY45" fmla="*/ 848297 h 3193741"/>
+              <a:gd name="connsiteX46" fmla="*/ 5246520 w 5470628"/>
+              <a:gd name="connsiteY46" fmla="*/ 942412 h 3193741"/>
+              <a:gd name="connsiteX47" fmla="*/ 5235368 w 5470628"/>
+              <a:gd name="connsiteY47" fmla="*/ 972946 h 3193741"/>
+              <a:gd name="connsiteX48" fmla="*/ 5113739 w 5470628"/>
+              <a:gd name="connsiteY48" fmla="*/ 1128845 h 3193741"/>
+              <a:gd name="connsiteX49" fmla="*/ 5255034 w 5470628"/>
+              <a:gd name="connsiteY49" fmla="*/ 1151117 h 3193741"/>
+              <a:gd name="connsiteX50" fmla="*/ 5267513 w 5470628"/>
+              <a:gd name="connsiteY50" fmla="*/ 1216275 h 3193741"/>
+              <a:gd name="connsiteX51" fmla="*/ 5343113 w 5470628"/>
+              <a:gd name="connsiteY51" fmla="*/ 1281854 h 3193741"/>
+              <a:gd name="connsiteX52" fmla="*/ 5452014 w 5470628"/>
+              <a:gd name="connsiteY52" fmla="*/ 1385543 h 3193741"/>
+              <a:gd name="connsiteX53" fmla="*/ 5459078 w 5470628"/>
+              <a:gd name="connsiteY53" fmla="*/ 1404268 h 3193741"/>
+              <a:gd name="connsiteX54" fmla="*/ 5458838 w 5470628"/>
+              <a:gd name="connsiteY54" fmla="*/ 1406644 h 3193741"/>
+              <a:gd name="connsiteX55" fmla="*/ 5455752 w 5470628"/>
+              <a:gd name="connsiteY55" fmla="*/ 1450751 h 3193741"/>
+              <a:gd name="connsiteX56" fmla="*/ 5454594 w 5470628"/>
+              <a:gd name="connsiteY56" fmla="*/ 1464662 h 3193741"/>
+              <a:gd name="connsiteX57" fmla="*/ 5447215 w 5470628"/>
+              <a:gd name="connsiteY57" fmla="*/ 1463321 h 3193741"/>
+              <a:gd name="connsiteX58" fmla="*/ 5433934 w 5470628"/>
+              <a:gd name="connsiteY58" fmla="*/ 1458428 h 3193741"/>
+              <a:gd name="connsiteX59" fmla="*/ 5424276 w 5470628"/>
+              <a:gd name="connsiteY59" fmla="*/ 1477014 h 3193741"/>
+              <a:gd name="connsiteX60" fmla="*/ 5444628 w 5470628"/>
+              <a:gd name="connsiteY60" fmla="*/ 1511562 h 3193741"/>
+              <a:gd name="connsiteX61" fmla="*/ 5453752 w 5470628"/>
+              <a:gd name="connsiteY61" fmla="*/ 1474786 h 3193741"/>
+              <a:gd name="connsiteX62" fmla="*/ 5454594 w 5470628"/>
+              <a:gd name="connsiteY62" fmla="*/ 1464662 h 3193741"/>
+              <a:gd name="connsiteX63" fmla="*/ 5463208 w 5470628"/>
+              <a:gd name="connsiteY63" fmla="*/ 1466226 h 3193741"/>
+              <a:gd name="connsiteX64" fmla="*/ 5463164 w 5470628"/>
+              <a:gd name="connsiteY64" fmla="*/ 1484226 h 3193741"/>
+              <a:gd name="connsiteX65" fmla="*/ 5456160 w 5470628"/>
+              <a:gd name="connsiteY65" fmla="*/ 1575885 h 3193741"/>
+              <a:gd name="connsiteX66" fmla="*/ 5345636 w 5470628"/>
+              <a:gd name="connsiteY66" fmla="*/ 1714543 h 3193741"/>
+              <a:gd name="connsiteX67" fmla="*/ 5251319 w 5470628"/>
+              <a:gd name="connsiteY67" fmla="*/ 1775792 h 3193741"/>
+              <a:gd name="connsiteX68" fmla="*/ 5043512 w 5470628"/>
+              <a:gd name="connsiteY68" fmla="*/ 2027305 h 3193741"/>
+              <a:gd name="connsiteX69" fmla="*/ 4978144 w 5470628"/>
+              <a:gd name="connsiteY69" fmla="*/ 2108535 h 3193741"/>
+              <a:gd name="connsiteX70" fmla="*/ 5031476 w 5470628"/>
+              <a:gd name="connsiteY70" fmla="*/ 2128173 h 3193741"/>
+              <a:gd name="connsiteX71" fmla="*/ 4937389 w 5470628"/>
+              <a:gd name="connsiteY71" fmla="*/ 2216441 h 3193741"/>
+              <a:gd name="connsiteX72" fmla="*/ 4826122 w 5470628"/>
+              <a:gd name="connsiteY72" fmla="*/ 2315331 h 3193741"/>
+              <a:gd name="connsiteX73" fmla="*/ 2544647 w 5470628"/>
+              <a:gd name="connsiteY73" fmla="*/ 3190975 h 3193741"/>
+              <a:gd name="connsiteX74" fmla="*/ 1328257 w 5470628"/>
+              <a:gd name="connsiteY74" fmla="*/ 3153006 h 3193741"/>
+              <a:gd name="connsiteX75" fmla="*/ 977943 w 5470628"/>
+              <a:gd name="connsiteY75" fmla="*/ 3082502 h 3193741"/>
+              <a:gd name="connsiteX76" fmla="*/ 854473 w 5470628"/>
+              <a:gd name="connsiteY76" fmla="*/ 2994250 h 3193741"/>
+              <a:gd name="connsiteX77" fmla="*/ 811593 w 5470628"/>
+              <a:gd name="connsiteY77" fmla="*/ 2970498 h 3193741"/>
+              <a:gd name="connsiteX78" fmla="*/ 707024 w 5470628"/>
+              <a:gd name="connsiteY78" fmla="*/ 2945439 h 3193741"/>
+              <a:gd name="connsiteX79" fmla="*/ 523487 w 5470628"/>
+              <a:gd name="connsiteY79" fmla="*/ 2886053 h 3193741"/>
+              <a:gd name="connsiteX80" fmla="*/ 587884 w 5470628"/>
+              <a:gd name="connsiteY80" fmla="*/ 2859746 h 3193741"/>
+              <a:gd name="connsiteX81" fmla="*/ 779426 w 5470628"/>
+              <a:gd name="connsiteY81" fmla="*/ 2885897 h 3193741"/>
+              <a:gd name="connsiteX82" fmla="*/ 917288 w 5470628"/>
+              <a:gd name="connsiteY82" fmla="*/ 2882248 h 3193741"/>
+              <a:gd name="connsiteX83" fmla="*/ 718684 w 5470628"/>
+              <a:gd name="connsiteY83" fmla="*/ 2819941 h 3193741"/>
+              <a:gd name="connsiteX84" fmla="*/ 524650 w 5470628"/>
+              <a:gd name="connsiteY84" fmla="*/ 2731220 h 3193741"/>
+              <a:gd name="connsiteX85" fmla="*/ 670138 w 5470628"/>
+              <a:gd name="connsiteY85" fmla="*/ 2735189 h 3193741"/>
+              <a:gd name="connsiteX86" fmla="*/ 675382 w 5470628"/>
+              <a:gd name="connsiteY86" fmla="*/ 2719369 h 3193741"/>
+              <a:gd name="connsiteX87" fmla="*/ 542021 w 5470628"/>
+              <a:gd name="connsiteY87" fmla="*/ 2601946 h 3193741"/>
+              <a:gd name="connsiteX88" fmla="*/ 476895 w 5470628"/>
+              <a:gd name="connsiteY88" fmla="*/ 2555976 h 3193741"/>
+              <a:gd name="connsiteX89" fmla="*/ 188751 w 5470628"/>
+              <a:gd name="connsiteY89" fmla="*/ 2428830 h 3193741"/>
+              <a:gd name="connsiteX90" fmla="*/ 456762 w 5470628"/>
+              <a:gd name="connsiteY90" fmla="*/ 2468731 h 3193741"/>
+              <a:gd name="connsiteX91" fmla="*/ 174514 w 5470628"/>
+              <a:gd name="connsiteY91" fmla="*/ 2345378 h 3193741"/>
+              <a:gd name="connsiteX92" fmla="*/ 38827 w 5470628"/>
+              <a:gd name="connsiteY92" fmla="*/ 2303685 h 3193741"/>
+              <a:gd name="connsiteX93" fmla="*/ 3281 w 5470628"/>
+              <a:gd name="connsiteY93" fmla="*/ 2273587 h 3193741"/>
+              <a:gd name="connsiteX94" fmla="*/ 61590 w 5470628"/>
+              <a:gd name="connsiteY94" fmla="*/ 2259170 h 3193741"/>
+              <a:gd name="connsiteX95" fmla="*/ 242291 w 5470628"/>
+              <a:gd name="connsiteY95" fmla="*/ 2250569 h 3193741"/>
+              <a:gd name="connsiteX96" fmla="*/ 13205 w 5470628"/>
+              <a:gd name="connsiteY96" fmla="*/ 2172263 h 3193741"/>
+              <a:gd name="connsiteX97" fmla="*/ 180810 w 5470628"/>
+              <a:gd name="connsiteY97" fmla="*/ 2168333 h 3193741"/>
+              <a:gd name="connsiteX98" fmla="*/ 226020 w 5470628"/>
+              <a:gd name="connsiteY98" fmla="*/ 2121100 h 3193741"/>
+              <a:gd name="connsiteX99" fmla="*/ 299145 w 5470628"/>
+              <a:gd name="connsiteY99" fmla="*/ 2044862 h 3193741"/>
+              <a:gd name="connsiteX100" fmla="*/ 350236 w 5470628"/>
+              <a:gd name="connsiteY100" fmla="*/ 2001187 h 3193741"/>
+              <a:gd name="connsiteX101" fmla="*/ 365223 w 5470628"/>
+              <a:gd name="connsiteY101" fmla="*/ 1881218 h 3193741"/>
+              <a:gd name="connsiteX102" fmla="*/ 310707 w 5470628"/>
+              <a:gd name="connsiteY102" fmla="*/ 1758752 h 3193741"/>
+              <a:gd name="connsiteX103" fmla="*/ 181659 w 5470628"/>
+              <a:gd name="connsiteY103" fmla="*/ 1709137 h 3193741"/>
+              <a:gd name="connsiteX104" fmla="*/ 213063 w 5470628"/>
+              <a:gd name="connsiteY104" fmla="*/ 1632021 h 3193741"/>
+              <a:gd name="connsiteX105" fmla="*/ 481390 w 5470628"/>
+              <a:gd name="connsiteY105" fmla="*/ 1644125 h 3193741"/>
+              <a:gd name="connsiteX106" fmla="*/ 68930 w 5470628"/>
+              <a:gd name="connsiteY106" fmla="*/ 1457537 h 3193741"/>
+              <a:gd name="connsiteX107" fmla="*/ 135138 w 5470628"/>
+              <a:gd name="connsiteY107" fmla="*/ 1440976 h 3193741"/>
+              <a:gd name="connsiteX108" fmla="*/ 131611 w 5470628"/>
+              <a:gd name="connsiteY108" fmla="*/ 1427642 h 3193741"/>
+              <a:gd name="connsiteX109" fmla="*/ 130443 w 5470628"/>
+              <a:gd name="connsiteY109" fmla="*/ 1343795 h 3193741"/>
+              <a:gd name="connsiteX110" fmla="*/ 138930 w 5470628"/>
+              <a:gd name="connsiteY110" fmla="*/ 1304094 h 3193741"/>
+              <a:gd name="connsiteX111" fmla="*/ 118409 w 5470628"/>
+              <a:gd name="connsiteY111" fmla="*/ 1262212 h 3193741"/>
+              <a:gd name="connsiteX112" fmla="*/ 421410 w 5470628"/>
+              <a:gd name="connsiteY112" fmla="*/ 1304757 h 3193741"/>
+              <a:gd name="connsiteX113" fmla="*/ 655702 w 5470628"/>
+              <a:gd name="connsiteY113" fmla="*/ 1291801 h 3193741"/>
+              <a:gd name="connsiteX114" fmla="*/ 648299 w 5470628"/>
+              <a:gd name="connsiteY114" fmla="*/ 1287715 h 3193741"/>
+              <a:gd name="connsiteX115" fmla="*/ 531027 w 5470628"/>
+              <a:gd name="connsiteY115" fmla="*/ 1193967 h 3193741"/>
+              <a:gd name="connsiteX116" fmla="*/ 526433 w 5470628"/>
+              <a:gd name="connsiteY116" fmla="*/ 1191913 h 3193741"/>
+              <a:gd name="connsiteX117" fmla="*/ 504666 w 5470628"/>
+              <a:gd name="connsiteY117" fmla="*/ 1177230 h 3193741"/>
+              <a:gd name="connsiteX118" fmla="*/ 482307 w 5470628"/>
+              <a:gd name="connsiteY118" fmla="*/ 1162618 h 3193741"/>
+              <a:gd name="connsiteX119" fmla="*/ 479029 w 5470628"/>
+              <a:gd name="connsiteY119" fmla="*/ 1162540 h 3193741"/>
+              <a:gd name="connsiteX120" fmla="*/ 447663 w 5470628"/>
+              <a:gd name="connsiteY120" fmla="*/ 1132649 h 3193741"/>
+              <a:gd name="connsiteX121" fmla="*/ 438547 w 5470628"/>
+              <a:gd name="connsiteY121" fmla="*/ 1110977 h 3193741"/>
+              <a:gd name="connsiteX122" fmla="*/ 405343 w 5470628"/>
+              <a:gd name="connsiteY122" fmla="*/ 1089612 h 3193741"/>
+              <a:gd name="connsiteX123" fmla="*/ 371373 w 5470628"/>
+              <a:gd name="connsiteY123" fmla="*/ 1070238 h 3193741"/>
+              <a:gd name="connsiteX124" fmla="*/ 290358 w 5470628"/>
+              <a:gd name="connsiteY124" fmla="*/ 1059884 h 3193741"/>
+              <a:gd name="connsiteX125" fmla="*/ 235140 w 5470628"/>
+              <a:gd name="connsiteY125" fmla="*/ 1029322 h 3193741"/>
+              <a:gd name="connsiteX126" fmla="*/ 300494 w 5470628"/>
+              <a:gd name="connsiteY126" fmla="*/ 1032083 h 3193741"/>
+              <a:gd name="connsiteX127" fmla="*/ 239661 w 5470628"/>
+              <a:gd name="connsiteY127" fmla="*/ 997457 h 3193741"/>
+              <a:gd name="connsiteX128" fmla="*/ 204788 w 5470628"/>
+              <a:gd name="connsiteY128" fmla="*/ 959211 h 3193741"/>
+              <a:gd name="connsiteX129" fmla="*/ 207583 w 5470628"/>
+              <a:gd name="connsiteY129" fmla="*/ 947009 h 3193741"/>
+              <a:gd name="connsiteX130" fmla="*/ 223061 w 5470628"/>
+              <a:gd name="connsiteY130" fmla="*/ 947033 h 3193741"/>
+              <a:gd name="connsiteX131" fmla="*/ 280015 w 5470628"/>
+              <a:gd name="connsiteY131" fmla="*/ 972164 h 3193741"/>
+              <a:gd name="connsiteX132" fmla="*/ 353948 w 5470628"/>
+              <a:gd name="connsiteY132" fmla="*/ 1006865 h 3193741"/>
+              <a:gd name="connsiteX133" fmla="*/ 240466 w 5470628"/>
+              <a:gd name="connsiteY133" fmla="*/ 939943 h 3193741"/>
+              <a:gd name="connsiteX134" fmla="*/ 158812 w 5470628"/>
+              <a:gd name="connsiteY134" fmla="*/ 891467 h 3193741"/>
+              <a:gd name="connsiteX135" fmla="*/ 139551 w 5470628"/>
+              <a:gd name="connsiteY135" fmla="*/ 855364 h 3193741"/>
+              <a:gd name="connsiteX136" fmla="*/ 145731 w 5470628"/>
+              <a:gd name="connsiteY136" fmla="*/ 844888 h 3193741"/>
+              <a:gd name="connsiteX137" fmla="*/ 158154 w 5470628"/>
+              <a:gd name="connsiteY137" fmla="*/ 848366 h 3193741"/>
+              <a:gd name="connsiteX138" fmla="*/ 169370 w 5470628"/>
+              <a:gd name="connsiteY138" fmla="*/ 856260 h 3193741"/>
+              <a:gd name="connsiteX139" fmla="*/ 288295 w 5470628"/>
+              <a:gd name="connsiteY139" fmla="*/ 915169 h 3193741"/>
+              <a:gd name="connsiteX140" fmla="*/ 462694 w 5470628"/>
+              <a:gd name="connsiteY140" fmla="*/ 994643 h 3193741"/>
+              <a:gd name="connsiteX141" fmla="*/ 531910 w 5470628"/>
+              <a:gd name="connsiteY141" fmla="*/ 1006664 h 3193741"/>
+              <a:gd name="connsiteX142" fmla="*/ 333940 w 5470628"/>
+              <a:gd name="connsiteY142" fmla="*/ 893507 h 3193741"/>
+              <a:gd name="connsiteX143" fmla="*/ 181443 w 5470628"/>
+              <a:gd name="connsiteY143" fmla="*/ 746608 h 3193741"/>
+              <a:gd name="connsiteX144" fmla="*/ 162678 w 5470628"/>
+              <a:gd name="connsiteY144" fmla="*/ 737018 h 3193741"/>
+              <a:gd name="connsiteX145" fmla="*/ 156307 w 5470628"/>
+              <a:gd name="connsiteY145" fmla="*/ 730435 h 3193741"/>
+              <a:gd name="connsiteX146" fmla="*/ 117227 w 5470628"/>
+              <a:gd name="connsiteY146" fmla="*/ 677515 h 3193741"/>
+              <a:gd name="connsiteX147" fmla="*/ 113655 w 5470628"/>
+              <a:gd name="connsiteY147" fmla="*/ 663474 h 3193741"/>
+              <a:gd name="connsiteX148" fmla="*/ 115226 w 5470628"/>
+              <a:gd name="connsiteY148" fmla="*/ 636712 h 3193741"/>
+              <a:gd name="connsiteX149" fmla="*/ 105067 w 5470628"/>
+              <a:gd name="connsiteY149" fmla="*/ 622046 h 3193741"/>
+              <a:gd name="connsiteX150" fmla="*/ 104113 w 5470628"/>
+              <a:gd name="connsiteY150" fmla="*/ 611722 h 3193741"/>
+              <a:gd name="connsiteX151" fmla="*/ 118895 w 5470628"/>
+              <a:gd name="connsiteY151" fmla="*/ 610169 h 3193741"/>
+              <a:gd name="connsiteX152" fmla="*/ 163095 w 5470628"/>
+              <a:gd name="connsiteY152" fmla="*/ 640642 h 3193741"/>
+              <a:gd name="connsiteX153" fmla="*/ 185766 w 5470628"/>
+              <a:gd name="connsiteY153" fmla="*/ 641454 h 3193741"/>
+              <a:gd name="connsiteX154" fmla="*/ 212892 w 5470628"/>
+              <a:gd name="connsiteY154" fmla="*/ 637457 h 3193741"/>
+              <a:gd name="connsiteX155" fmla="*/ 223932 w 5470628"/>
+              <a:gd name="connsiteY155" fmla="*/ 647271 h 3193741"/>
+              <a:gd name="connsiteX156" fmla="*/ 287167 w 5470628"/>
+              <a:gd name="connsiteY156" fmla="*/ 691571 h 3193741"/>
+              <a:gd name="connsiteX157" fmla="*/ 330380 w 5470628"/>
+              <a:gd name="connsiteY157" fmla="*/ 692506 h 3193741"/>
+              <a:gd name="connsiteX158" fmla="*/ 296172 w 5470628"/>
+              <a:gd name="connsiteY158" fmla="*/ 688108 h 3193741"/>
+              <a:gd name="connsiteX159" fmla="*/ 286974 w 5470628"/>
+              <a:gd name="connsiteY159" fmla="*/ 674512 h 3193741"/>
+              <a:gd name="connsiteX160" fmla="*/ 286166 w 5470628"/>
+              <a:gd name="connsiteY160" fmla="*/ 661798 h 3193741"/>
+              <a:gd name="connsiteX161" fmla="*/ 236268 w 5470628"/>
+              <a:gd name="connsiteY161" fmla="*/ 635338 h 3193741"/>
+              <a:gd name="connsiteX162" fmla="*/ 231734 w 5470628"/>
+              <a:gd name="connsiteY162" fmla="*/ 634225 h 3193741"/>
+              <a:gd name="connsiteX163" fmla="*/ 221253 w 5470628"/>
+              <a:gd name="connsiteY163" fmla="*/ 623870 h 3193741"/>
+              <a:gd name="connsiteX164" fmla="*/ 237564 w 5470628"/>
+              <a:gd name="connsiteY164" fmla="*/ 613590 h 3193741"/>
+              <a:gd name="connsiteX165" fmla="*/ 282259 w 5470628"/>
+              <a:gd name="connsiteY165" fmla="*/ 619091 h 3193741"/>
+              <a:gd name="connsiteX166" fmla="*/ 370630 w 5470628"/>
+              <a:gd name="connsiteY166" fmla="*/ 665566 h 3193741"/>
+              <a:gd name="connsiteX167" fmla="*/ 498017 w 5470628"/>
+              <a:gd name="connsiteY167" fmla="*/ 740532 h 3193741"/>
+              <a:gd name="connsiteX168" fmla="*/ 918036 w 5470628"/>
+              <a:gd name="connsiteY168" fmla="*/ 924307 h 3193741"/>
+              <a:gd name="connsiteX169" fmla="*/ 1079304 w 5470628"/>
+              <a:gd name="connsiteY169" fmla="*/ 984494 h 3193741"/>
+              <a:gd name="connsiteX170" fmla="*/ 1079935 w 5470628"/>
+              <a:gd name="connsiteY170" fmla="*/ 980383 h 3193741"/>
+              <a:gd name="connsiteX171" fmla="*/ 1079695 w 5470628"/>
+              <a:gd name="connsiteY171" fmla="*/ 976616 h 3193741"/>
+              <a:gd name="connsiteX172" fmla="*/ 966178 w 5470628"/>
+              <a:gd name="connsiteY172" fmla="*/ 937219 h 3193741"/>
+              <a:gd name="connsiteX173" fmla="*/ 720106 w 5470628"/>
+              <a:gd name="connsiteY173" fmla="*/ 807112 h 3193741"/>
+              <a:gd name="connsiteX174" fmla="*/ 698823 w 5470628"/>
+              <a:gd name="connsiteY174" fmla="*/ 804708 h 3193741"/>
+              <a:gd name="connsiteX175" fmla="*/ 664513 w 5470628"/>
+              <a:gd name="connsiteY175" fmla="*/ 784663 h 3193741"/>
+              <a:gd name="connsiteX176" fmla="*/ 660380 w 5470628"/>
+              <a:gd name="connsiteY176" fmla="*/ 771165 h 3193741"/>
+              <a:gd name="connsiteX177" fmla="*/ 584959 w 5470628"/>
+              <a:gd name="connsiteY177" fmla="*/ 722409 h 3193741"/>
+              <a:gd name="connsiteX178" fmla="*/ 435649 w 5470628"/>
+              <a:gd name="connsiteY178" fmla="*/ 639659 h 3193741"/>
+              <a:gd name="connsiteX179" fmla="*/ 404944 w 5470628"/>
+              <a:gd name="connsiteY179" fmla="*/ 606128 h 3193741"/>
+              <a:gd name="connsiteX180" fmla="*/ 408476 w 5470628"/>
+              <a:gd name="connsiteY180" fmla="*/ 591466 h 3193741"/>
+              <a:gd name="connsiteX181" fmla="*/ 425225 w 5470628"/>
+              <a:gd name="connsiteY181" fmla="*/ 592759 h 3193741"/>
+              <a:gd name="connsiteX182" fmla="*/ 487115 w 5470628"/>
+              <a:gd name="connsiteY182" fmla="*/ 620614 h 3193741"/>
+              <a:gd name="connsiteX183" fmla="*/ 550277 w 5470628"/>
+              <a:gd name="connsiteY183" fmla="*/ 649738 h 3193741"/>
+              <a:gd name="connsiteX184" fmla="*/ 544421 w 5470628"/>
+              <a:gd name="connsiteY184" fmla="*/ 641907 h 3193741"/>
+              <a:gd name="connsiteX185" fmla="*/ 431905 w 5470628"/>
+              <a:gd name="connsiteY185" fmla="*/ 580799 h 3193741"/>
+              <a:gd name="connsiteX186" fmla="*/ 351177 w 5470628"/>
+              <a:gd name="connsiteY186" fmla="*/ 528177 h 3193741"/>
+              <a:gd name="connsiteX187" fmla="*/ 339749 w 5470628"/>
+              <a:gd name="connsiteY187" fmla="*/ 498244 h 3193741"/>
+              <a:gd name="connsiteX188" fmla="*/ 346313 w 5470628"/>
+              <a:gd name="connsiteY188" fmla="*/ 489145 h 3193741"/>
+              <a:gd name="connsiteX189" fmla="*/ 356579 w 5470628"/>
+              <a:gd name="connsiteY189" fmla="*/ 491460 h 3193741"/>
+              <a:gd name="connsiteX190" fmla="*/ 371505 w 5470628"/>
+              <a:gd name="connsiteY190" fmla="*/ 501516 h 3193741"/>
+              <a:gd name="connsiteX191" fmla="*/ 476275 w 5470628"/>
+              <a:gd name="connsiteY191" fmla="*/ 553122 h 3193741"/>
+              <a:gd name="connsiteX192" fmla="*/ 649952 w 5470628"/>
+              <a:gd name="connsiteY192" fmla="*/ 635294 h 3193741"/>
+              <a:gd name="connsiteX193" fmla="*/ 727161 w 5470628"/>
+              <a:gd name="connsiteY193" fmla="*/ 651328 h 3193741"/>
+              <a:gd name="connsiteX194" fmla="*/ 722417 w 5470628"/>
+              <a:gd name="connsiteY194" fmla="*/ 646921 h 3193741"/>
+              <a:gd name="connsiteX195" fmla="*/ 546079 w 5470628"/>
+              <a:gd name="connsiteY195" fmla="*/ 546328 h 3193741"/>
+              <a:gd name="connsiteX196" fmla="*/ 378182 w 5470628"/>
+              <a:gd name="connsiteY196" fmla="*/ 386585 h 3193741"/>
+              <a:gd name="connsiteX197" fmla="*/ 370158 w 5470628"/>
+              <a:gd name="connsiteY197" fmla="*/ 382100 h 3193741"/>
+              <a:gd name="connsiteX198" fmla="*/ 357861 w 5470628"/>
+              <a:gd name="connsiteY198" fmla="*/ 371252 h 3193741"/>
+              <a:gd name="connsiteX199" fmla="*/ 331313 w 5470628"/>
+              <a:gd name="connsiteY199" fmla="*/ 328203 h 3193741"/>
+              <a:gd name="connsiteX200" fmla="*/ 319354 w 5470628"/>
+              <a:gd name="connsiteY200" fmla="*/ 299282 h 3193741"/>
+              <a:gd name="connsiteX201" fmla="*/ 319682 w 5470628"/>
+              <a:gd name="connsiteY201" fmla="*/ 285719 h 3193741"/>
+              <a:gd name="connsiteX202" fmla="*/ 306391 w 5470628"/>
+              <a:gd name="connsiteY202" fmla="*/ 268585 h 3193741"/>
+              <a:gd name="connsiteX203" fmla="*/ 303294 w 5470628"/>
+              <a:gd name="connsiteY203" fmla="*/ 257334 h 3193741"/>
+              <a:gd name="connsiteX204" fmla="*/ 319242 w 5470628"/>
+              <a:gd name="connsiteY204" fmla="*/ 255403 h 3193741"/>
+              <a:gd name="connsiteX205" fmla="*/ 364093 w 5470628"/>
+              <a:gd name="connsiteY205" fmla="*/ 286745 h 3193741"/>
+              <a:gd name="connsiteX206" fmla="*/ 385301 w 5470628"/>
+              <a:gd name="connsiteY206" fmla="*/ 287973 h 3193741"/>
+              <a:gd name="connsiteX207" fmla="*/ 417598 w 5470628"/>
+              <a:gd name="connsiteY207" fmla="*/ 285722 h 3193741"/>
+              <a:gd name="connsiteX208" fmla="*/ 440155 w 5470628"/>
+              <a:gd name="connsiteY208" fmla="*/ 308139 h 3193741"/>
+              <a:gd name="connsiteX209" fmla="*/ 534406 w 5470628"/>
+              <a:gd name="connsiteY209" fmla="*/ 339430 h 3193741"/>
+              <a:gd name="connsiteX210" fmla="*/ 495633 w 5470628"/>
+              <a:gd name="connsiteY210" fmla="*/ 333450 h 3193741"/>
+              <a:gd name="connsiteX211" fmla="*/ 486289 w 5470628"/>
+              <a:gd name="connsiteY211" fmla="*/ 322243 h 3193741"/>
+              <a:gd name="connsiteX212" fmla="*/ 484000 w 5470628"/>
+              <a:gd name="connsiteY212" fmla="*/ 304964 h 3193741"/>
+              <a:gd name="connsiteX213" fmla="*/ 436911 w 5470628"/>
+              <a:gd name="connsiteY213" fmla="*/ 280536 h 3193741"/>
+              <a:gd name="connsiteX214" fmla="*/ 426865 w 5470628"/>
+              <a:gd name="connsiteY214" fmla="*/ 277007 h 3193741"/>
+              <a:gd name="connsiteX215" fmla="*/ 420654 w 5470628"/>
+              <a:gd name="connsiteY215" fmla="*/ 268269 h 3193741"/>
+              <a:gd name="connsiteX216" fmla="*/ 432329 w 5470628"/>
+              <a:gd name="connsiteY216" fmla="*/ 259975 h 3193741"/>
+              <a:gd name="connsiteX217" fmla="*/ 447672 w 5470628"/>
+              <a:gd name="connsiteY217" fmla="*/ 257879 h 3193741"/>
+              <a:gd name="connsiteX218" fmla="*/ 502242 w 5470628"/>
+              <a:gd name="connsiteY218" fmla="*/ 273572 h 3193741"/>
+              <a:gd name="connsiteX219" fmla="*/ 659874 w 5470628"/>
+              <a:gd name="connsiteY219" fmla="*/ 365516 h 3193741"/>
+              <a:gd name="connsiteX220" fmla="*/ 829177 w 5470628"/>
+              <a:gd name="connsiteY220" fmla="*/ 444421 h 3193741"/>
+              <a:gd name="connsiteX221" fmla="*/ 1231903 w 5470628"/>
+              <a:gd name="connsiteY221" fmla="*/ 613682 h 3193741"/>
+              <a:gd name="connsiteX222" fmla="*/ 1911736 w 5470628"/>
+              <a:gd name="connsiteY222" fmla="*/ 685084 h 3193741"/>
+              <a:gd name="connsiteX223" fmla="*/ 2564313 w 5470628"/>
+              <a:gd name="connsiteY223" fmla="*/ 632143 h 3193741"/>
+              <a:gd name="connsiteX224" fmla="*/ 2657304 w 5470628"/>
+              <a:gd name="connsiteY224" fmla="*/ 624913 h 3193741"/>
+              <a:gd name="connsiteX225" fmla="*/ 4235818 w 5470628"/>
+              <a:gd name="connsiteY225" fmla="*/ 259339 h 3193741"/>
+              <a:gd name="connsiteX226" fmla="*/ 4460331 w 5470628"/>
+              <a:gd name="connsiteY226" fmla="*/ 176864 h 3193741"/>
+              <a:gd name="connsiteX227" fmla="*/ 4499578 w 5470628"/>
+              <a:gd name="connsiteY227" fmla="*/ 186791 h 3193741"/>
+              <a:gd name="connsiteX228" fmla="*/ 4514640 w 5470628"/>
+              <a:gd name="connsiteY228" fmla="*/ 188841 h 3193741"/>
+              <a:gd name="connsiteX229" fmla="*/ 4516523 w 5470628"/>
+              <a:gd name="connsiteY229" fmla="*/ 189988 h 3193741"/>
+              <a:gd name="connsiteX230" fmla="*/ 4518126 w 5470628"/>
+              <a:gd name="connsiteY230" fmla="*/ 189316 h 3193741"/>
+              <a:gd name="connsiteX231" fmla="*/ 4514640 w 5470628"/>
+              <a:gd name="connsiteY231" fmla="*/ 188841 h 3193741"/>
+              <a:gd name="connsiteX232" fmla="*/ 4511569 w 5470628"/>
+              <a:gd name="connsiteY232" fmla="*/ 186970 h 3193741"/>
+              <a:gd name="connsiteX233" fmla="*/ 4510888 w 5470628"/>
+              <a:gd name="connsiteY233" fmla="*/ 180943 h 3193741"/>
+              <a:gd name="connsiteX234" fmla="*/ 4531865 w 5470628"/>
+              <a:gd name="connsiteY234" fmla="*/ 155151 h 3193741"/>
+              <a:gd name="connsiteX235" fmla="*/ 4573441 w 5470628"/>
+              <a:gd name="connsiteY235" fmla="*/ 139676 h 3193741"/>
+              <a:gd name="connsiteX236" fmla="*/ 4594964 w 5470628"/>
+              <a:gd name="connsiteY236" fmla="*/ 145847 h 3193741"/>
+              <a:gd name="connsiteX237" fmla="*/ 4623059 w 5470628"/>
+              <a:gd name="connsiteY237" fmla="*/ 152410 h 3193741"/>
+              <a:gd name="connsiteX238" fmla="*/ 4748356 w 5470628"/>
+              <a:gd name="connsiteY238" fmla="*/ 68192 h 3193741"/>
+              <a:gd name="connsiteX239" fmla="*/ 4833812 w 5470628"/>
+              <a:gd name="connsiteY239" fmla="*/ 8017 h 3193741"/>
+              <a:gd name="connsiteX240" fmla="*/ 4850908 w 5470628"/>
+              <a:gd name="connsiteY240" fmla="*/ 727 h 3193741"/>
+            </a:gdLst>
+            <a:ahLst/>
+            <a:cxnLst>
+              <a:cxn ang="0">
+                <a:pos x="connsiteX0" y="connsiteY0"/>
+              </a:cxn>
+              <a:cxn ang="0">
+                <a:pos x="connsiteX1" y="connsiteY1"/>
+              </a:cxn>
+              <a:cxn ang="0">
+                <a:pos x="connsiteX2" y="connsiteY2"/>
+              </a:cxn>
+              <a:cxn ang="0">
+                <a:pos x="connsiteX3" y="connsiteY3"/>
+              </a:cxn>
+              <a:cxn ang="0">
+                <a:pos x="connsiteX4" y="connsiteY4"/>
+              </a:cxn>
+              <a:cxn ang="0">
+                <a:pos x="connsiteX5" y="connsiteY5"/>
+              </a:cxn>
+              <a:cxn ang="0">
+                <a:pos x="connsiteX6" y="connsiteY6"/>
+              </a:cxn>
+              <a:cxn ang="0">
+                <a:pos x="connsiteX7" y="connsiteY7"/>
+              </a:cxn>
+              <a:cxn ang="0">
+                <a:pos x="connsiteX8" y="connsiteY8"/>
+              </a:cxn>
+              <a:cxn ang="0">
+                <a:pos x="connsiteX9" y="connsiteY9"/>
+              </a:cxn>
+              <a:cxn ang="0">
+                <a:pos x="connsiteX10" y="connsiteY10"/>
+              </a:cxn>
+              <a:cxn ang="0">
+                <a:pos x="connsiteX11" y="connsiteY11"/>
+              </a:cxn>
+              <a:cxn ang="0">
+                <a:pos x="connsiteX12" y="connsiteY12"/>
+              </a:cxn>
+              <a:cxn ang="0">
+                <a:pos x="connsiteX13" y="connsiteY13"/>
+              </a:cxn>
+              <a:cxn ang="0">
+                <a:pos x="connsiteX14" y="connsiteY14"/>
+              </a:cxn>
+              <a:cxn ang="0">
+                <a:pos x="connsiteX15" y="connsiteY15"/>
+              </a:cxn>
+              <a:cxn ang="0">
+                <a:pos x="connsiteX16" y="connsiteY16"/>
+              </a:cxn>
+              <a:cxn ang="0">
+                <a:pos x="connsiteX17" y="connsiteY17"/>
+              </a:cxn>
+              <a:cxn ang="0">
+                <a:pos x="connsiteX18" y="connsiteY18"/>
+              </a:cxn>
+              <a:cxn ang="0">
+                <a:pos x="connsiteX19" y="connsiteY19"/>
+              </a:cxn>
+              <a:cxn ang="0">
+                <a:pos x="connsiteX20" y="connsiteY20"/>
+              </a:cxn>
+              <a:cxn ang="0">
+                <a:pos x="connsiteX21" y="connsiteY21"/>
+              </a:cxn>
+              <a:cxn ang="0">
+                <a:pos x="connsiteX22" y="connsiteY22"/>
+              </a:cxn>
+              <a:cxn ang="0">
+                <a:pos x="connsiteX23" y="connsiteY23"/>
+              </a:cxn>
+              <a:cxn ang="0">
+                <a:pos x="connsiteX24" y="connsiteY24"/>
+              </a:cxn>
+              <a:cxn ang="0">
+                <a:pos x="connsiteX25" y="connsiteY25"/>
+              </a:cxn>
+              <a:cxn ang="0">
+                <a:pos x="connsiteX26" y="connsiteY26"/>
+              </a:cxn>
+              <a:cxn ang="0">
+                <a:pos x="connsiteX27" y="connsiteY27"/>
+              </a:cxn>
+              <a:cxn ang="0">
+                <a:pos x="connsiteX28" y="connsiteY28"/>
+              </a:cxn>
+              <a:cxn ang="0">
+                <a:pos x="connsiteX29" y="connsiteY29"/>
+              </a:cxn>
+              <a:cxn ang="0">
+                <a:pos x="connsiteX30" y="connsiteY30"/>
+              </a:cxn>
+              <a:cxn ang="0">
+                <a:pos x="connsiteX31" y="connsiteY31"/>
+              </a:cxn>
+              <a:cxn ang="0">
+                <a:pos x="connsiteX32" y="connsiteY32"/>
+              </a:cxn>
+              <a:cxn ang="0">
+                <a:pos x="connsiteX33" y="connsiteY33"/>
+              </a:cxn>
+              <a:cxn ang="0">
+                <a:pos x="connsiteX34" y="connsiteY34"/>
+              </a:cxn>
+              <a:cxn ang="0">
+                <a:pos x="connsiteX35" y="connsiteY35"/>
+              </a:cxn>
+              <a:cxn ang="0">
+                <a:pos x="connsiteX36" y="connsiteY36"/>
+              </a:cxn>
+              <a:cxn ang="0">
+                <a:pos x="connsiteX37" y="connsiteY37"/>
+              </a:cxn>
+              <a:cxn ang="0">
+                <a:pos x="connsiteX38" y="connsiteY38"/>
+              </a:cxn>
+              <a:cxn ang="0">
+                <a:pos x="connsiteX39" y="connsiteY39"/>
+              </a:cxn>
+              <a:cxn ang="0">
+                <a:pos x="connsiteX40" y="connsiteY40"/>
+              </a:cxn>
+              <a:cxn ang="0">
+                <a:pos x="connsiteX41" y="connsiteY41"/>
+              </a:cxn>
+              <a:cxn ang="0">
+                <a:pos x="connsiteX42" y="connsiteY42"/>
+              </a:cxn>
+              <a:cxn ang="0">
+                <a:pos x="connsiteX43" y="connsiteY43"/>
+              </a:cxn>
+              <a:cxn ang="0">
+                <a:pos x="connsiteX44" y="connsiteY44"/>
+              </a:cxn>
+              <a:cxn ang="0">
+                <a:pos x="connsiteX45" y="connsiteY45"/>
+              </a:cxn>
+              <a:cxn ang="0">
+                <a:pos x="connsiteX46" y="connsiteY46"/>
+              </a:cxn>
+              <a:cxn ang="0">
+                <a:pos x="connsiteX47" y="connsiteY47"/>
+              </a:cxn>
+              <a:cxn ang="0">
+                <a:pos x="connsiteX48" y="connsiteY48"/>
+              </a:cxn>
+              <a:cxn ang="0">
+                <a:pos x="connsiteX49" y="connsiteY49"/>
+              </a:cxn>
+              <a:cxn ang="0">
+                <a:pos x="connsiteX50" y="connsiteY50"/>
+              </a:cxn>
+              <a:cxn ang="0">
+                <a:pos x="connsiteX51" y="connsiteY51"/>
+              </a:cxn>
+              <a:cxn ang="0">
+                <a:pos x="connsiteX52" y="connsiteY52"/>
+              </a:cxn>
+              <a:cxn ang="0">
+                <a:pos x="connsiteX53" y="connsiteY53"/>
+              </a:cxn>
+              <a:cxn ang="0">
+                <a:pos x="connsiteX54" y="connsiteY54"/>
+              </a:cxn>
+              <a:cxn ang="0">
+                <a:pos x="connsiteX55" y="connsiteY55"/>
+              </a:cxn>
+              <a:cxn ang="0">
+                <a:pos x="connsiteX56" y="connsiteY56"/>
+              </a:cxn>
+              <a:cxn ang="0">
+                <a:pos x="connsiteX57" y="connsiteY57"/>
+              </a:cxn>
+              <a:cxn ang="0">
+                <a:pos x="connsiteX58" y="connsiteY58"/>
+              </a:cxn>
+              <a:cxn ang="0">
+                <a:pos x="connsiteX59" y="connsiteY59"/>
+              </a:cxn>
+              <a:cxn ang="0">
+                <a:pos x="connsiteX60" y="connsiteY60"/>
+              </a:cxn>
+              <a:cxn ang="0">
+                <a:pos x="connsiteX61" y="connsiteY61"/>
+              </a:cxn>
+              <a:cxn ang="0">
+                <a:pos x="connsiteX62" y="connsiteY62"/>
+              </a:cxn>
+              <a:cxn ang="0">
+                <a:pos x="connsiteX63" y="connsiteY63"/>
+              </a:cxn>
+              <a:cxn ang="0">
+                <a:pos x="connsiteX64" y="connsiteY64"/>
+              </a:cxn>
+              <a:cxn ang="0">
+                <a:pos x="connsiteX65" y="connsiteY65"/>
+              </a:cxn>
+              <a:cxn ang="0">
+                <a:pos x="connsiteX66" y="connsiteY66"/>
+              </a:cxn>
+              <a:cxn ang="0">
+                <a:pos x="connsiteX67" y="connsiteY67"/>
+              </a:cxn>
+              <a:cxn ang="0">
+                <a:pos x="connsiteX68" y="connsiteY68"/>
+              </a:cxn>
+              <a:cxn ang="0">
+                <a:pos x="connsiteX69" y="connsiteY69"/>
+              </a:cxn>
+              <a:cxn ang="0">
+                <a:pos x="connsiteX70" y="connsiteY70"/>
+              </a:cxn>
+              <a:cxn ang="0">
+                <a:pos x="connsiteX71" y="connsiteY71"/>
+              </a:cxn>
+              <a:cxn ang="0">
+                <a:pos x="connsiteX72" y="connsiteY72"/>
+              </a:cxn>
+              <a:cxn ang="0">
+                <a:pos x="connsiteX73" y="connsiteY73"/>
+              </a:cxn>
+              <a:cxn ang="0">
+                <a:pos x="connsiteX74" y="connsiteY74"/>
+              </a:cxn>
+              <a:cxn ang="0">
+                <a:pos x="connsiteX75" y="connsiteY75"/>
+              </a:cxn>
+              <a:cxn ang="0">
+                <a:pos x="connsiteX76" y="connsiteY76"/>
+              </a:cxn>
+              <a:cxn ang="0">
+                <a:pos x="connsiteX77" y="connsiteY77"/>
+              </a:cxn>
+              <a:cxn ang="0">
+                <a:pos x="connsiteX78" y="connsiteY78"/>
+              </a:cxn>
+              <a:cxn ang="0">
+                <a:pos x="connsiteX79" y="connsiteY79"/>
+              </a:cxn>
+              <a:cxn ang="0">
+                <a:pos x="connsiteX80" y="connsiteY80"/>
+              </a:cxn>
+              <a:cxn ang="0">
+                <a:pos x="connsiteX81" y="connsiteY81"/>
+              </a:cxn>
+              <a:cxn ang="0">
+                <a:pos x="connsiteX82" y="connsiteY82"/>
+              </a:cxn>
+              <a:cxn ang="0">
+                <a:pos x="connsiteX83" y="connsiteY83"/>
+              </a:cxn>
+              <a:cxn ang="0">
+                <a:pos x="connsiteX84" y="connsiteY84"/>
+              </a:cxn>
+              <a:cxn ang="0">
+                <a:pos x="connsiteX85" y="connsiteY85"/>
+              </a:cxn>
+              <a:cxn ang="0">
+                <a:pos x="connsiteX86" y="connsiteY86"/>
+              </a:cxn>
+              <a:cxn ang="0">
+                <a:pos x="connsiteX87" y="connsiteY87"/>
+              </a:cxn>
+              <a:cxn ang="0">
+                <a:pos x="connsiteX88" y="connsiteY88"/>
+              </a:cxn>
+              <a:cxn ang="0">
+                <a:pos x="connsiteX89" y="connsiteY89"/>
+              </a:cxn>
+              <a:cxn ang="0">
+                <a:pos x="connsiteX90" y="connsiteY90"/>
+              </a:cxn>
+              <a:cxn ang="0">
+                <a:pos x="connsiteX91" y="connsiteY91"/>
+              </a:cxn>
+              <a:cxn ang="0">
+                <a:pos x="connsiteX92" y="connsiteY92"/>
+              </a:cxn>
+              <a:cxn ang="0">
+                <a:pos x="connsiteX93" y="connsiteY93"/>
+              </a:cxn>
+              <a:cxn ang="0">
+                <a:pos x="connsiteX94" y="connsiteY94"/>
+              </a:cxn>
+              <a:cxn ang="0">
+                <a:pos x="connsiteX95" y="connsiteY95"/>
+              </a:cxn>
+              <a:cxn ang="0">
+                <a:pos x="connsiteX96" y="connsiteY96"/>
+              </a:cxn>
+              <a:cxn ang="0">
+                <a:pos x="connsiteX97" y="connsiteY97"/>
+              </a:cxn>
+              <a:cxn ang="0">
+                <a:pos x="connsiteX98" y="connsiteY98"/>
+              </a:cxn>
+              <a:cxn ang="0">
+                <a:pos x="connsiteX99" y="connsiteY99"/>
+              </a:cxn>
+              <a:cxn ang="0">
+                <a:pos x="connsiteX100" y="connsiteY100"/>
+              </a:cxn>
+              <a:cxn ang="0">
+                <a:pos x="connsiteX101" y="connsiteY101"/>
+              </a:cxn>
+              <a:cxn ang="0">
+                <a:pos x="connsiteX102" y="connsiteY102"/>
+              </a:cxn>
+              <a:cxn ang="0">
+                <a:pos x="connsiteX103" y="connsiteY103"/>
+              </a:cxn>
+              <a:cxn ang="0">
+                <a:pos x="connsiteX104" y="connsiteY104"/>
+              </a:cxn>
+              <a:cxn ang="0">
+                <a:pos x="connsiteX105" y="connsiteY105"/>
+              </a:cxn>
+              <a:cxn ang="0">
+                <a:pos x="connsiteX106" y="connsiteY106"/>
+              </a:cxn>
+              <a:cxn ang="0">
+                <a:pos x="connsiteX107" y="connsiteY107"/>
+              </a:cxn>
+              <a:cxn ang="0">
+                <a:pos x="connsiteX108" y="connsiteY108"/>
+              </a:cxn>
+              <a:cxn ang="0">
+                <a:pos x="connsiteX109" y="connsiteY109"/>
+              </a:cxn>
+              <a:cxn ang="0">
+                <a:pos x="connsiteX110" y="connsiteY110"/>
+              </a:cxn>
+              <a:cxn ang="0">
+                <a:pos x="connsiteX111" y="connsiteY111"/>
+              </a:cxn>
+              <a:cxn ang="0">
+                <a:pos x="connsiteX112" y="connsiteY112"/>
+              </a:cxn>
+              <a:cxn ang="0">
+                <a:pos x="connsiteX113" y="connsiteY113"/>
+              </a:cxn>
+              <a:cxn ang="0">
+                <a:pos x="connsiteX114" y="connsiteY114"/>
+              </a:cxn>
+              <a:cxn ang="0">
+                <a:pos x="connsiteX115" y="connsiteY115"/>
+              </a:cxn>
+              <a:cxn ang="0">
+                <a:pos x="connsiteX116" y="connsiteY116"/>
+              </a:cxn>
+              <a:cxn ang="0">
+                <a:pos x="connsiteX117" y="connsiteY117"/>
+              </a:cxn>
+              <a:cxn ang="0">
+                <a:pos x="connsiteX118" y="connsiteY118"/>
+              </a:cxn>
+              <a:cxn ang="0">
+                <a:pos x="connsiteX119" y="connsiteY119"/>
+              </a:cxn>
+              <a:cxn ang="0">
+                <a:pos x="connsiteX120" y="connsiteY120"/>
+              </a:cxn>
+              <a:cxn ang="0">
+                <a:pos x="connsiteX121" y="connsiteY121"/>
+              </a:cxn>
+              <a:cxn ang="0">
+                <a:pos x="connsiteX122" y="connsiteY122"/>
+              </a:cxn>
+              <a:cxn ang="0">
+                <a:pos x="connsiteX123" y="connsiteY123"/>
+              </a:cxn>
+              <a:cxn ang="0">
+                <a:pos x="connsiteX124" y="connsiteY124"/>
+              </a:cxn>
+              <a:cxn ang="0">
+                <a:pos x="connsiteX125" y="connsiteY125"/>
+              </a:cxn>
+              <a:cxn ang="0">
+                <a:pos x="connsiteX126" y="connsiteY126"/>
+              </a:cxn>
+              <a:cxn ang="0">
+                <a:pos x="connsiteX127" y="connsiteY127"/>
+              </a:cxn>
+              <a:cxn ang="0">
+                <a:pos x="connsiteX128" y="connsiteY128"/>
+              </a:cxn>
+              <a:cxn ang="0">
+                <a:pos x="connsiteX129" y="connsiteY129"/>
+              </a:cxn>
+              <a:cxn ang="0">
+                <a:pos x="connsiteX130" y="connsiteY130"/>
+              </a:cxn>
+              <a:cxn ang="0">
+                <a:pos x="connsiteX131" y="connsiteY131"/>
+              </a:cxn>
+              <a:cxn ang="0">
+                <a:pos x="connsiteX132" y="connsiteY132"/>
+              </a:cxn>
+              <a:cxn ang="0">
+                <a:pos x="connsiteX133" y="connsiteY133"/>
+              </a:cxn>
+              <a:cxn ang="0">
+                <a:pos x="connsiteX134" y="connsiteY134"/>
+              </a:cxn>
+              <a:cxn ang="0">
+                <a:pos x="connsiteX135" y="connsiteY135"/>
+              </a:cxn>
+              <a:cxn ang="0">
+                <a:pos x="connsiteX136" y="connsiteY136"/>
+              </a:cxn>
+              <a:cxn ang="0">
+                <a:pos x="connsiteX137" y="connsiteY137"/>
+              </a:cxn>
+              <a:cxn ang="0">
+                <a:pos x="connsiteX138" y="connsiteY138"/>
+              </a:cxn>
+              <a:cxn ang="0">
+                <a:pos x="connsiteX139" y="connsiteY139"/>
+              </a:cxn>
+              <a:cxn ang="0">
+                <a:pos x="connsiteX140" y="connsiteY140"/>
+              </a:cxn>
+              <a:cxn ang="0">
+                <a:pos x="connsiteX141" y="connsiteY141"/>
+              </a:cxn>
+              <a:cxn ang="0">
+                <a:pos x="connsiteX142" y="connsiteY142"/>
+              </a:cxn>
+              <a:cxn ang="0">
+                <a:pos x="connsiteX143" y="connsiteY143"/>
+              </a:cxn>
+              <a:cxn ang="0">
+                <a:pos x="connsiteX144" y="connsiteY144"/>
+              </a:cxn>
+              <a:cxn ang="0">
+                <a:pos x="connsiteX145" y="connsiteY145"/>
+              </a:cxn>
+              <a:cxn ang="0">
+                <a:pos x="connsiteX146" y="connsiteY146"/>
+              </a:cxn>
+              <a:cxn ang="0">
+                <a:pos x="connsiteX147" y="connsiteY147"/>
+              </a:cxn>
+              <a:cxn ang="0">
+                <a:pos x="connsiteX148" y="connsiteY148"/>
+              </a:cxn>
+              <a:cxn ang="0">
+                <a:pos x="connsiteX149" y="connsiteY149"/>
+              </a:cxn>
+              <a:cxn ang="0">
+                <a:pos x="connsiteX150" y="connsiteY150"/>
+              </a:cxn>
+              <a:cxn ang="0">
+                <a:pos x="connsiteX151" y="connsiteY151"/>
+              </a:cxn>
+              <a:cxn ang="0">
+                <a:pos x="connsiteX152" y="connsiteY152"/>
+              </a:cxn>
+              <a:cxn ang="0">
+                <a:pos x="connsiteX153" y="connsiteY153"/>
+              </a:cxn>
+              <a:cxn ang="0">
+                <a:pos x="connsiteX154" y="connsiteY154"/>
+              </a:cxn>
+              <a:cxn ang="0">
+                <a:pos x="connsiteX155" y="connsiteY155"/>
+              </a:cxn>
+              <a:cxn ang="0">
+                <a:pos x="connsiteX156" y="connsiteY156"/>
+              </a:cxn>
+              <a:cxn ang="0">
+                <a:pos x="connsiteX157" y="connsiteY157"/>
+              </a:cxn>
+              <a:cxn ang="0">
+                <a:pos x="connsiteX158" y="connsiteY158"/>
+              </a:cxn>
+              <a:cxn ang="0">
+                <a:pos x="connsiteX159" y="connsiteY159"/>
+              </a:cxn>
+              <a:cxn ang="0">
+                <a:pos x="connsiteX160" y="connsiteY160"/>
+              </a:cxn>
+              <a:cxn ang="0">
+                <a:pos x="connsiteX161" y="connsiteY161"/>
+              </a:cxn>
+              <a:cxn ang="0">
+                <a:pos x="connsiteX162" y="connsiteY162"/>
+              </a:cxn>
+              <a:cxn ang="0">
+                <a:pos x="connsiteX163" y="connsiteY163"/>
+              </a:cxn>
+              <a:cxn ang="0">
+                <a:pos x="connsiteX164" y="connsiteY164"/>
+              </a:cxn>
+              <a:cxn ang="0">
+                <a:pos x="connsiteX165" y="connsiteY165"/>
+              </a:cxn>
+              <a:cxn ang="0">
+                <a:pos x="connsiteX166" y="connsiteY166"/>
+              </a:cxn>
+              <a:cxn ang="0">
+                <a:pos x="connsiteX167" y="connsiteY167"/>
+              </a:cxn>
+              <a:cxn ang="0">
+                <a:pos x="connsiteX168" y="connsiteY168"/>
+              </a:cxn>
+              <a:cxn ang="0">
+                <a:pos x="connsiteX169" y="connsiteY169"/>
+              </a:cxn>
+              <a:cxn ang="0">
+                <a:pos x="connsiteX170" y="connsiteY170"/>
+              </a:cxn>
+              <a:cxn ang="0">
+                <a:pos x="connsiteX171" y="connsiteY171"/>
+              </a:cxn>
+              <a:cxn ang="0">
+                <a:pos x="connsiteX172" y="connsiteY172"/>
+              </a:cxn>
+              <a:cxn ang="0">
+                <a:pos x="connsiteX173" y="connsiteY173"/>
+              </a:cxn>
+              <a:cxn ang="0">
+                <a:pos x="connsiteX174" y="connsiteY174"/>
+              </a:cxn>
+              <a:cxn ang="0">
+                <a:pos x="connsiteX175" y="connsiteY175"/>
+              </a:cxn>
+              <a:cxn ang="0">
+                <a:pos x="connsiteX176" y="connsiteY176"/>
+              </a:cxn>
+              <a:cxn ang="0">
+                <a:pos x="connsiteX177" y="connsiteY177"/>
+              </a:cxn>
+              <a:cxn ang="0">
+                <a:pos x="connsiteX178" y="connsiteY178"/>
+              </a:cxn>
+              <a:cxn ang="0">
+                <a:pos x="connsiteX179" y="connsiteY179"/>
+              </a:cxn>
+              <a:cxn ang="0">
+                <a:pos x="connsiteX180" y="connsiteY180"/>
+              </a:cxn>
+              <a:cxn ang="0">
+                <a:pos x="connsiteX181" y="connsiteY181"/>
+              </a:cxn>
+              <a:cxn ang="0">
+                <a:pos x="connsiteX182" y="connsiteY182"/>
+              </a:cxn>
+              <a:cxn ang="0">
+                <a:pos x="connsiteX183" y="connsiteY183"/>
+              </a:cxn>
+              <a:cxn ang="0">
+                <a:pos x="connsiteX184" y="connsiteY184"/>
+              </a:cxn>
+              <a:cxn ang="0">
+                <a:pos x="connsiteX185" y="connsiteY185"/>
+              </a:cxn>
+              <a:cxn ang="0">
+                <a:pos x="connsiteX186" y="connsiteY186"/>
+              </a:cxn>
+              <a:cxn ang="0">
+                <a:pos x="connsiteX187" y="connsiteY187"/>
+              </a:cxn>
+              <a:cxn ang="0">
+                <a:pos x="connsiteX188" y="connsiteY188"/>
+              </a:cxn>
+              <a:cxn ang="0">
+                <a:pos x="connsiteX189" y="connsiteY189"/>
+              </a:cxn>
+              <a:cxn ang="0">
+                <a:pos x="connsiteX190" y="connsiteY190"/>
+              </a:cxn>
+              <a:cxn ang="0">
+                <a:pos x="connsiteX191" y="connsiteY191"/>
+              </a:cxn>
+              <a:cxn ang="0">
+                <a:pos x="connsiteX192" y="connsiteY192"/>
+              </a:cxn>
+              <a:cxn ang="0">
+                <a:pos x="connsiteX193" y="connsiteY193"/>
+              </a:cxn>
+              <a:cxn ang="0">
+                <a:pos x="connsiteX194" y="connsiteY194"/>
+              </a:cxn>
+              <a:cxn ang="0">
+                <a:pos x="connsiteX195" y="connsiteY195"/>
+              </a:cxn>
+              <a:cxn ang="0">
+                <a:pos x="connsiteX196" y="connsiteY196"/>
+              </a:cxn>
+              <a:cxn ang="0">
+                <a:pos x="connsiteX197" y="connsiteY197"/>
+              </a:cxn>
+              <a:cxn ang="0">
+                <a:pos x="connsiteX198" y="connsiteY198"/>
+              </a:cxn>
+              <a:cxn ang="0">
+                <a:pos x="connsiteX199" y="connsiteY199"/>
+              </a:cxn>
+              <a:cxn ang="0">
+                <a:pos x="connsiteX200" y="connsiteY200"/>
+              </a:cxn>
+              <a:cxn ang="0">
+                <a:pos x="connsiteX201" y="connsiteY201"/>
+              </a:cxn>
+              <a:cxn ang="0">
+                <a:pos x="connsiteX202" y="connsiteY202"/>
+              </a:cxn>
+              <a:cxn ang="0">
+                <a:pos x="connsiteX203" y="connsiteY203"/>
+              </a:cxn>
+              <a:cxn ang="0">
+                <a:pos x="connsiteX204" y="connsiteY204"/>
+              </a:cxn>
+              <a:cxn ang="0">
+                <a:pos x="connsiteX205" y="connsiteY205"/>
+              </a:cxn>
+              <a:cxn ang="0">
+                <a:pos x="connsiteX206" y="connsiteY206"/>
+              </a:cxn>
+              <a:cxn ang="0">
+                <a:pos x="connsiteX207" y="connsiteY207"/>
+              </a:cxn>
+              <a:cxn ang="0">
+                <a:pos x="connsiteX208" y="connsiteY208"/>
+              </a:cxn>
+              <a:cxn ang="0">
+                <a:pos x="connsiteX209" y="connsiteY209"/>
+              </a:cxn>
+              <a:cxn ang="0">
+                <a:pos x="connsiteX210" y="connsiteY210"/>
+              </a:cxn>
+              <a:cxn ang="0">
+                <a:pos x="connsiteX211" y="connsiteY211"/>
+              </a:cxn>
+              <a:cxn ang="0">
+                <a:pos x="connsiteX212" y="connsiteY212"/>
+              </a:cxn>
+              <a:cxn ang="0">
+                <a:pos x="connsiteX213" y="connsiteY213"/>
+              </a:cxn>
+              <a:cxn ang="0">
+                <a:pos x="connsiteX214" y="connsiteY214"/>
+              </a:cxn>
+              <a:cxn ang="0">
+                <a:pos x="connsiteX215" y="connsiteY215"/>
+              </a:cxn>
+              <a:cxn ang="0">
+                <a:pos x="connsiteX216" y="connsiteY216"/>
+              </a:cxn>
+              <a:cxn ang="0">
+                <a:pos x="connsiteX217" y="connsiteY217"/>
+              </a:cxn>
+              <a:cxn ang="0">
+                <a:pos x="connsiteX218" y="connsiteY218"/>
+              </a:cxn>
+              <a:cxn ang="0">
+                <a:pos x="connsiteX219" y="connsiteY219"/>
+              </a:cxn>
+              <a:cxn ang="0">
+                <a:pos x="connsiteX220" y="connsiteY220"/>
+              </a:cxn>
+              <a:cxn ang="0">
+                <a:pos x="connsiteX221" y="connsiteY221"/>
+              </a:cxn>
+              <a:cxn ang="0">
+                <a:pos x="connsiteX222" y="connsiteY222"/>
+              </a:cxn>
+              <a:cxn ang="0">
+                <a:pos x="connsiteX223" y="connsiteY223"/>
+              </a:cxn>
+              <a:cxn ang="0">
+                <a:pos x="connsiteX224" y="connsiteY224"/>
+              </a:cxn>
+              <a:cxn ang="0">
+                <a:pos x="connsiteX225" y="connsiteY225"/>
+              </a:cxn>
+              <a:cxn ang="0">
+                <a:pos x="connsiteX226" y="connsiteY226"/>
+              </a:cxn>
+              <a:cxn ang="0">
+                <a:pos x="connsiteX227" y="connsiteY227"/>
+              </a:cxn>
+              <a:cxn ang="0">
+                <a:pos x="connsiteX228" y="connsiteY228"/>
+              </a:cxn>
+              <a:cxn ang="0">
+                <a:pos x="connsiteX229" y="connsiteY229"/>
+              </a:cxn>
+              <a:cxn ang="0">
+                <a:pos x="connsiteX230" y="connsiteY230"/>
+              </a:cxn>
+              <a:cxn ang="0">
+                <a:pos x="connsiteX231" y="connsiteY231"/>
+              </a:cxn>
+              <a:cxn ang="0">
+                <a:pos x="connsiteX232" y="connsiteY232"/>
+              </a:cxn>
+              <a:cxn ang="0">
+                <a:pos x="connsiteX233" y="connsiteY233"/>
+              </a:cxn>
+              <a:cxn ang="0">
+                <a:pos x="connsiteX234" y="connsiteY234"/>
+              </a:cxn>
+              <a:cxn ang="0">
+                <a:pos x="connsiteX235" y="connsiteY235"/>
+              </a:cxn>
+              <a:cxn ang="0">
+                <a:pos x="connsiteX236" y="connsiteY236"/>
+              </a:cxn>
+              <a:cxn ang="0">
+                <a:pos x="connsiteX237" y="connsiteY237"/>
+              </a:cxn>
+              <a:cxn ang="0">
+                <a:pos x="connsiteX238" y="connsiteY238"/>
+              </a:cxn>
+              <a:cxn ang="0">
+                <a:pos x="connsiteX239" y="connsiteY239"/>
+              </a:cxn>
+              <a:cxn ang="0">
+                <a:pos x="connsiteX240" y="connsiteY240"/>
+              </a:cxn>
+            </a:cxnLst>
+            <a:rect l="l" t="t" r="r" b="b"/>
+            <a:pathLst>
+              <a:path w="5470628" h="3193741">
+                <a:moveTo>
+                  <a:pt x="5462602" y="1413608"/>
+                </a:moveTo>
+                <a:lnTo>
+                  <a:pt x="5465724" y="1421881"/>
+                </a:lnTo>
+                <a:cubicBezTo>
+                  <a:pt x="5472118" y="1444281"/>
+                  <a:pt x="5472640" y="1461744"/>
+                  <a:pt x="5465025" y="1466556"/>
+                </a:cubicBezTo>
+                <a:lnTo>
+                  <a:pt x="5463208" y="1466226"/>
+                </a:lnTo>
+                <a:lnTo>
+                  <a:pt x="5463242" y="1451866"/>
+                </a:lnTo>
+                <a:cubicBezTo>
+                  <a:pt x="5463190" y="1441487"/>
+                  <a:pt x="5463068" y="1431722"/>
+                  <a:pt x="5462894" y="1423194"/>
+                </a:cubicBezTo>
+                <a:close/>
+                <a:moveTo>
+                  <a:pt x="5461417" y="1391849"/>
+                </a:moveTo>
+                <a:cubicBezTo>
+                  <a:pt x="5461710" y="1392940"/>
+                  <a:pt x="5461992" y="1396513"/>
+                  <a:pt x="5462246" y="1401944"/>
+                </a:cubicBezTo>
+                <a:lnTo>
+                  <a:pt x="5462602" y="1413608"/>
+                </a:lnTo>
+                <a:lnTo>
+                  <a:pt x="5459078" y="1404268"/>
+                </a:lnTo>
+                <a:lnTo>
+                  <a:pt x="5460137" y="1393780"/>
+                </a:lnTo>
+                <a:cubicBezTo>
+                  <a:pt x="5460561" y="1391114"/>
+                  <a:pt x="5460982" y="1390270"/>
+                  <a:pt x="5461417" y="1391849"/>
+                </a:cubicBezTo>
+                <a:close/>
+                <a:moveTo>
+                  <a:pt x="614271" y="1052206"/>
+                </a:moveTo>
+                <a:cubicBezTo>
+                  <a:pt x="613444" y="1053256"/>
+                  <a:pt x="612323" y="1054339"/>
+                  <a:pt x="611497" y="1055389"/>
+                </a:cubicBezTo>
+                <a:cubicBezTo>
+                  <a:pt x="617673" y="1058912"/>
+                  <a:pt x="624115" y="1061928"/>
+                  <a:pt x="630277" y="1065215"/>
+                </a:cubicBezTo>
+                <a:cubicBezTo>
+                  <a:pt x="637469" y="1066004"/>
+                  <a:pt x="644958" y="1066759"/>
+                  <a:pt x="651856" y="1067584"/>
+                </a:cubicBezTo>
+                <a:cubicBezTo>
+                  <a:pt x="639327" y="1062458"/>
+                  <a:pt x="626799" y="1057332"/>
+                  <a:pt x="614271" y="1052206"/>
+                </a:cubicBezTo>
+                <a:close/>
+                <a:moveTo>
+                  <a:pt x="810628" y="695550"/>
+                </a:moveTo>
+                <a:cubicBezTo>
+                  <a:pt x="873537" y="739416"/>
+                  <a:pt x="951215" y="767494"/>
+                  <a:pt x="1033084" y="791270"/>
+                </a:cubicBezTo>
+                <a:cubicBezTo>
+                  <a:pt x="1034205" y="790184"/>
+                  <a:pt x="1035031" y="789136"/>
+                  <a:pt x="1036153" y="788050"/>
+                </a:cubicBezTo>
+                <a:cubicBezTo>
+                  <a:pt x="960983" y="757296"/>
+                  <a:pt x="885798" y="726306"/>
+                  <a:pt x="810628" y="695550"/>
+                </a:cubicBezTo>
+                <a:close/>
+                <a:moveTo>
+                  <a:pt x="4850908" y="727"/>
+                </a:moveTo>
+                <a:cubicBezTo>
+                  <a:pt x="4858191" y="2929"/>
+                  <a:pt x="4860543" y="7152"/>
+                  <a:pt x="4858584" y="13795"/>
+                </a:cubicBezTo>
+                <a:cubicBezTo>
+                  <a:pt x="4855845" y="22194"/>
+                  <a:pt x="4850092" y="30008"/>
+                  <a:pt x="4843408" y="37224"/>
+                </a:cubicBezTo>
+                <a:cubicBezTo>
+                  <a:pt x="4812232" y="71132"/>
+                  <a:pt x="4827067" y="79774"/>
+                  <a:pt x="4871062" y="78954"/>
+                </a:cubicBezTo>
+                <a:cubicBezTo>
+                  <a:pt x="4910302" y="78234"/>
+                  <a:pt x="4949507" y="72299"/>
+                  <a:pt x="4989038" y="66799"/>
+                </a:cubicBezTo>
+                <a:cubicBezTo>
+                  <a:pt x="5008500" y="63967"/>
+                  <a:pt x="5009491" y="65509"/>
+                  <a:pt x="5002636" y="79388"/>
+                </a:cubicBezTo>
+                <a:cubicBezTo>
+                  <a:pt x="4991594" y="102315"/>
+                  <a:pt x="4990844" y="123285"/>
+                  <a:pt x="5008332" y="140859"/>
+                </a:cubicBezTo>
+                <a:cubicBezTo>
+                  <a:pt x="5012456" y="144868"/>
+                  <a:pt x="5015428" y="149491"/>
+                  <a:pt x="5014326" y="155555"/>
+                </a:cubicBezTo>
+                <a:cubicBezTo>
+                  <a:pt x="5009356" y="180357"/>
+                  <a:pt x="5019874" y="200674"/>
+                  <a:pt x="5030704" y="221190"/>
+                </a:cubicBezTo>
+                <a:cubicBezTo>
+                  <a:pt x="5048958" y="255517"/>
+                  <a:pt x="5072099" y="287116"/>
+                  <a:pt x="5097262" y="317759"/>
+                </a:cubicBezTo>
+                <a:cubicBezTo>
+                  <a:pt x="5115004" y="339336"/>
+                  <a:pt x="5126222" y="365974"/>
+                  <a:pt x="5165084" y="373367"/>
+                </a:cubicBezTo>
+                <a:cubicBezTo>
+                  <a:pt x="5174420" y="375083"/>
+                  <a:pt x="5177498" y="381353"/>
+                  <a:pt x="5174137" y="389353"/>
+                </a:cubicBezTo>
+                <a:cubicBezTo>
+                  <a:pt x="5163026" y="415847"/>
+                  <a:pt x="5172067" y="436343"/>
+                  <a:pt x="5192507" y="453561"/>
+                </a:cubicBezTo>
+                <a:cubicBezTo>
+                  <a:pt x="5199734" y="459565"/>
+                  <a:pt x="5197020" y="463690"/>
+                  <a:pt x="5187160" y="467732"/>
+                </a:cubicBezTo>
+                <a:cubicBezTo>
+                  <a:pt x="5175836" y="472188"/>
+                  <a:pt x="5167025" y="478711"/>
+                  <a:pt x="5160106" y="486904"/>
+                </a:cubicBezTo>
+                <a:cubicBezTo>
+                  <a:pt x="5148744" y="500143"/>
+                  <a:pt x="5143396" y="514315"/>
+                  <a:pt x="5138948" y="528614"/>
+                </a:cubicBezTo>
+                <a:cubicBezTo>
+                  <a:pt x="5132042" y="551041"/>
+                  <a:pt x="5123894" y="572670"/>
+                  <a:pt x="5097016" y="589923"/>
+                </a:cubicBezTo>
+                <a:cubicBezTo>
+                  <a:pt x="5089016" y="595163"/>
+                  <a:pt x="5082598" y="601872"/>
+                  <a:pt x="5075869" y="608381"/>
+                </a:cubicBezTo>
+                <a:cubicBezTo>
+                  <a:pt x="5078016" y="614052"/>
+                  <a:pt x="5083322" y="617918"/>
+                  <a:pt x="5093172" y="618385"/>
+                </a:cubicBezTo>
+                <a:cubicBezTo>
+                  <a:pt x="5155867" y="621469"/>
+                  <a:pt x="5153088" y="652648"/>
+                  <a:pt x="5153518" y="687474"/>
+                </a:cubicBezTo>
+                <a:cubicBezTo>
+                  <a:pt x="5154177" y="730575"/>
+                  <a:pt x="5118812" y="754787"/>
+                  <a:pt x="5074984" y="776941"/>
+                </a:cubicBezTo>
+                <a:cubicBezTo>
+                  <a:pt x="5059986" y="784451"/>
+                  <a:pt x="5038116" y="786863"/>
+                  <a:pt x="5033348" y="805473"/>
+                </a:cubicBezTo>
+                <a:cubicBezTo>
+                  <a:pt x="5059529" y="819384"/>
+                  <a:pt x="5089376" y="802009"/>
+                  <a:pt x="5116847" y="803426"/>
+                </a:cubicBezTo>
+                <a:cubicBezTo>
+                  <a:pt x="5139548" y="804709"/>
+                  <a:pt x="5176330" y="798120"/>
+                  <a:pt x="5147902" y="833118"/>
+                </a:cubicBezTo>
+                <a:cubicBezTo>
+                  <a:pt x="5139626" y="843373"/>
+                  <a:pt x="5150382" y="848714"/>
+                  <a:pt x="5161665" y="848297"/>
+                </a:cubicBezTo>
+                <a:cubicBezTo>
+                  <a:pt x="5253064" y="844106"/>
+                  <a:pt x="5215170" y="912756"/>
+                  <a:pt x="5246520" y="942412"/>
+                </a:cubicBezTo>
+                <a:cubicBezTo>
+                  <a:pt x="5255359" y="950358"/>
+                  <a:pt x="5247812" y="967405"/>
+                  <a:pt x="5235368" y="972946"/>
+                </a:cubicBezTo>
+                <a:cubicBezTo>
+                  <a:pt x="5156387" y="1008610"/>
+                  <a:pt x="5149354" y="1071149"/>
+                  <a:pt x="5113739" y="1128845"/>
+                </a:cubicBezTo>
+                <a:cubicBezTo>
+                  <a:pt x="5157305" y="1144685"/>
+                  <a:pt x="5208388" y="1143005"/>
+                  <a:pt x="5255034" y="1151117"/>
+                </a:cubicBezTo>
+                <a:cubicBezTo>
+                  <a:pt x="5303482" y="1159484"/>
+                  <a:pt x="5304156" y="1170079"/>
+                  <a:pt x="5267513" y="1216275"/>
+                </a:cubicBezTo>
+                <a:cubicBezTo>
+                  <a:pt x="5370269" y="1212844"/>
+                  <a:pt x="5370269" y="1212844"/>
+                  <a:pt x="5343113" y="1281854"/>
+                </a:cubicBezTo>
+                <a:cubicBezTo>
+                  <a:pt x="5386272" y="1279593"/>
+                  <a:pt x="5428618" y="1334726"/>
+                  <a:pt x="5452014" y="1385543"/>
+                </a:cubicBezTo>
+                <a:lnTo>
+                  <a:pt x="5459078" y="1404268"/>
+                </a:lnTo>
+                <a:lnTo>
+                  <a:pt x="5458838" y="1406644"/>
+                </a:lnTo>
+                <a:cubicBezTo>
+                  <a:pt x="5457942" y="1418063"/>
+                  <a:pt x="5456960" y="1434367"/>
+                  <a:pt x="5455752" y="1450751"/>
+                </a:cubicBezTo>
+                <a:lnTo>
+                  <a:pt x="5454594" y="1464662"/>
+                </a:lnTo>
+                <a:lnTo>
+                  <a:pt x="5447215" y="1463321"/>
+                </a:lnTo>
+                <a:cubicBezTo>
+                  <a:pt x="5441256" y="1459714"/>
+                  <a:pt x="5437002" y="1458345"/>
+                  <a:pt x="5433934" y="1458428"/>
+                </a:cubicBezTo>
+                <a:cubicBezTo>
+                  <a:pt x="5424728" y="1458676"/>
+                  <a:pt x="5426188" y="1471978"/>
+                  <a:pt x="5424276" y="1477014"/>
+                </a:cubicBezTo>
+                <a:cubicBezTo>
+                  <a:pt x="5417851" y="1492977"/>
+                  <a:pt x="5433852" y="1501241"/>
+                  <a:pt x="5444628" y="1511562"/>
+                </a:cubicBezTo>
+                <a:cubicBezTo>
+                  <a:pt x="5448663" y="1515344"/>
+                  <a:pt x="5451544" y="1497678"/>
+                  <a:pt x="5453752" y="1474786"/>
+                </a:cubicBezTo>
+                <a:lnTo>
+                  <a:pt x="5454594" y="1464662"/>
+                </a:lnTo>
+                <a:lnTo>
+                  <a:pt x="5463208" y="1466226"/>
+                </a:lnTo>
+                <a:lnTo>
+                  <a:pt x="5463164" y="1484226"/>
+                </a:lnTo>
+                <a:cubicBezTo>
+                  <a:pt x="5462722" y="1528173"/>
+                  <a:pt x="5460824" y="1571999"/>
+                  <a:pt x="5456160" y="1575885"/>
+                </a:cubicBezTo>
+                <a:cubicBezTo>
+                  <a:pt x="5406708" y="1617226"/>
+                  <a:pt x="5442751" y="1692579"/>
+                  <a:pt x="5345636" y="1714543"/>
+                </a:cubicBezTo>
+                <a:cubicBezTo>
+                  <a:pt x="5301930" y="1724583"/>
+                  <a:pt x="5282493" y="1755882"/>
+                  <a:pt x="5251319" y="1775792"/>
+                </a:cubicBezTo>
+                <a:cubicBezTo>
+                  <a:pt x="5142610" y="1844714"/>
+                  <a:pt x="5072132" y="1925140"/>
+                  <a:pt x="5043512" y="2027305"/>
+                </a:cubicBezTo>
+                <a:cubicBezTo>
+                  <a:pt x="5035488" y="2055562"/>
+                  <a:pt x="5000258" y="2081893"/>
+                  <a:pt x="4978144" y="2108535"/>
+                </a:cubicBezTo>
+                <a:cubicBezTo>
+                  <a:pt x="4990785" y="2124798"/>
+                  <a:pt x="5050411" y="2079615"/>
+                  <a:pt x="5031476" y="2128173"/>
+                </a:cubicBezTo>
+                <a:cubicBezTo>
+                  <a:pt x="5017138" y="2164787"/>
+                  <a:pt x="4975973" y="2191363"/>
+                  <a:pt x="4937389" y="2216441"/>
+                </a:cubicBezTo>
+                <a:cubicBezTo>
+                  <a:pt x="4893079" y="2245058"/>
+                  <a:pt x="4843760" y="2269776"/>
+                  <a:pt x="4826122" y="2315331"/>
+                </a:cubicBezTo>
+                <a:cubicBezTo>
+                  <a:pt x="4822276" y="2325050"/>
+                  <a:pt x="3896510" y="3112888"/>
+                  <a:pt x="2544647" y="3190975"/>
+                </a:cubicBezTo>
+                <a:cubicBezTo>
+                  <a:pt x="2323734" y="3203734"/>
+                  <a:pt x="1445947" y="3169121"/>
+                  <a:pt x="1328257" y="3153006"/>
+                </a:cubicBezTo>
+                <a:cubicBezTo>
+                  <a:pt x="1207258" y="3136344"/>
+                  <a:pt x="1101756" y="3091943"/>
+                  <a:pt x="977943" y="3082502"/>
+                </a:cubicBezTo>
+                <a:cubicBezTo>
+                  <a:pt x="912454" y="3077622"/>
+                  <a:pt x="848655" y="3061861"/>
+                  <a:pt x="854473" y="2994250"/>
+                </a:cubicBezTo>
+                <a:cubicBezTo>
+                  <a:pt x="856228" y="2975057"/>
+                  <a:pt x="838125" y="2961827"/>
+                  <a:pt x="811593" y="2970498"/>
+                </a:cubicBezTo>
+                <a:cubicBezTo>
+                  <a:pt x="761454" y="2987010"/>
+                  <a:pt x="736680" y="2962489"/>
+                  <a:pt x="707024" y="2945439"/>
+                </a:cubicBezTo>
+                <a:cubicBezTo>
+                  <a:pt x="654509" y="2915262"/>
+                  <a:pt x="603913" y="2882480"/>
+                  <a:pt x="523487" y="2886053"/>
+                </a:cubicBezTo>
+                <a:cubicBezTo>
+                  <a:pt x="537017" y="2855468"/>
+                  <a:pt x="563587" y="2856758"/>
+                  <a:pt x="587884" y="2859746"/>
+                </a:cubicBezTo>
+                <a:cubicBezTo>
+                  <a:pt x="652090" y="2867866"/>
+                  <a:pt x="715235" y="2878012"/>
+                  <a:pt x="779426" y="2885897"/>
+                </a:cubicBezTo>
+                <a:cubicBezTo>
+                  <a:pt x="821123" y="2891048"/>
+                  <a:pt x="863074" y="2900202"/>
+                  <a:pt x="917288" y="2882248"/>
+                </a:cubicBezTo>
+                <a:cubicBezTo>
+                  <a:pt x="866364" y="2830288"/>
+                  <a:pt x="785092" y="2829930"/>
+                  <a:pt x="718684" y="2819941"/>
+                </a:cubicBezTo>
+                <a:cubicBezTo>
+                  <a:pt x="635747" y="2807447"/>
+                  <a:pt x="584925" y="2771133"/>
+                  <a:pt x="524650" y="2731220"/>
+                </a:cubicBezTo>
+                <a:cubicBezTo>
+                  <a:pt x="584180" y="2712621"/>
+                  <a:pt x="623299" y="2742760"/>
+                  <a:pt x="670138" y="2735189"/>
+                </a:cubicBezTo>
+                <a:cubicBezTo>
+                  <a:pt x="672406" y="2728745"/>
+                  <a:pt x="675988" y="2719532"/>
+                  <a:pt x="675382" y="2719369"/>
+                </a:cubicBezTo>
+                <a:cubicBezTo>
+                  <a:pt x="596666" y="2703042"/>
+                  <a:pt x="557844" y="2658869"/>
+                  <a:pt x="542021" y="2601946"/>
+                </a:cubicBezTo>
+                <a:cubicBezTo>
+                  <a:pt x="533902" y="2572560"/>
+                  <a:pt x="505246" y="2566541"/>
+                  <a:pt x="476895" y="2555976"/>
+                </a:cubicBezTo>
+                <a:cubicBezTo>
+                  <a:pt x="377189" y="2518466"/>
+                  <a:pt x="272496" y="2486779"/>
+                  <a:pt x="188751" y="2428830"/>
+                </a:cubicBezTo>
+                <a:cubicBezTo>
+                  <a:pt x="280875" y="2426687"/>
+                  <a:pt x="357216" y="2461808"/>
+                  <a:pt x="456762" y="2468731"/>
+                </a:cubicBezTo>
+                <a:cubicBezTo>
+                  <a:pt x="373794" y="2404281"/>
+                  <a:pt x="269816" y="2379152"/>
+                  <a:pt x="174514" y="2345378"/>
+                </a:cubicBezTo>
+                <a:cubicBezTo>
+                  <a:pt x="130977" y="2330009"/>
+                  <a:pt x="90329" y="2308598"/>
+                  <a:pt x="38827" y="2303685"/>
+                </a:cubicBezTo>
+                <a:cubicBezTo>
+                  <a:pt x="20556" y="2301864"/>
+                  <a:pt x="-10092" y="2297272"/>
+                  <a:pt x="3281" y="2273587"/>
+                </a:cubicBezTo>
+                <a:cubicBezTo>
+                  <a:pt x="14533" y="2253956"/>
+                  <a:pt x="39095" y="2256437"/>
+                  <a:pt x="61590" y="2259170"/>
+                </a:cubicBezTo>
+                <a:cubicBezTo>
+                  <a:pt x="115591" y="2265916"/>
+                  <a:pt x="170539" y="2259497"/>
+                  <a:pt x="242291" y="2250569"/>
+                </a:cubicBezTo>
+                <a:cubicBezTo>
+                  <a:pt x="178223" y="2197829"/>
+                  <a:pt x="68904" y="2229102"/>
+                  <a:pt x="13205" y="2172263"/>
+                </a:cubicBezTo>
+                <a:cubicBezTo>
+                  <a:pt x="77196" y="2153598"/>
+                  <a:pt x="128251" y="2170191"/>
+                  <a:pt x="180810" y="2168333"/>
+                </a:cubicBezTo>
+                <a:cubicBezTo>
+                  <a:pt x="228319" y="2166612"/>
+                  <a:pt x="239444" y="2154350"/>
+                  <a:pt x="226020" y="2121100"/>
+                </a:cubicBezTo>
+                <a:cubicBezTo>
+                  <a:pt x="205165" y="2069293"/>
+                  <a:pt x="229388" y="2038364"/>
+                  <a:pt x="299145" y="2044862"/>
+                </a:cubicBezTo>
+                <a:cubicBezTo>
+                  <a:pt x="363822" y="2051027"/>
+                  <a:pt x="369032" y="2029991"/>
+                  <a:pt x="350236" y="2001187"/>
+                </a:cubicBezTo>
+                <a:cubicBezTo>
+                  <a:pt x="322862" y="1959187"/>
+                  <a:pt x="348423" y="1921214"/>
+                  <a:pt x="365223" y="1881218"/>
+                </a:cubicBezTo>
+                <a:cubicBezTo>
+                  <a:pt x="390527" y="1820499"/>
+                  <a:pt x="376326" y="1793748"/>
+                  <a:pt x="310707" y="1758752"/>
+                </a:cubicBezTo>
+                <a:cubicBezTo>
+                  <a:pt x="273754" y="1739265"/>
+                  <a:pt x="234367" y="1723631"/>
+                  <a:pt x="181659" y="1709137"/>
+                </a:cubicBezTo>
+                <a:cubicBezTo>
+                  <a:pt x="299387" y="1683727"/>
+                  <a:pt x="172918" y="1660608"/>
+                  <a:pt x="213063" y="1632021"/>
+                </a:cubicBezTo>
+                <a:cubicBezTo>
+                  <a:pt x="296030" y="1612244"/>
+                  <a:pt x="369047" y="1679323"/>
+                  <a:pt x="481390" y="1644125"/>
+                </a:cubicBezTo>
+                <a:cubicBezTo>
+                  <a:pt x="336659" y="1595935"/>
+                  <a:pt x="176348" y="1532074"/>
+                  <a:pt x="68930" y="1457537"/>
+                </a:cubicBezTo>
+                <a:cubicBezTo>
+                  <a:pt x="91299" y="1434897"/>
+                  <a:pt x="115799" y="1450436"/>
+                  <a:pt x="135138" y="1440976"/>
+                </a:cubicBezTo>
+                <a:cubicBezTo>
+                  <a:pt x="133952" y="1436374"/>
+                  <a:pt x="135290" y="1429332"/>
+                  <a:pt x="131611" y="1427642"/>
+                </a:cubicBezTo>
+                <a:cubicBezTo>
+                  <a:pt x="52402" y="1389548"/>
+                  <a:pt x="51441" y="1388478"/>
+                  <a:pt x="130443" y="1343795"/>
+                </a:cubicBezTo>
+                <a:cubicBezTo>
+                  <a:pt x="158017" y="1328118"/>
+                  <a:pt x="154966" y="1317573"/>
+                  <a:pt x="138930" y="1304094"/>
+                </a:cubicBezTo>
+                <a:cubicBezTo>
+                  <a:pt x="127608" y="1294551"/>
+                  <a:pt x="113720" y="1286742"/>
+                  <a:pt x="118409" y="1262212"/>
+                </a:cubicBezTo>
+                <a:cubicBezTo>
+                  <a:pt x="164937" y="1287183"/>
+                  <a:pt x="383505" y="1312432"/>
+                  <a:pt x="421410" y="1304757"/>
+                </a:cubicBezTo>
+                <a:cubicBezTo>
+                  <a:pt x="464009" y="1296037"/>
+                  <a:pt x="610877" y="1288926"/>
+                  <a:pt x="655702" y="1291801"/>
+                </a:cubicBezTo>
+                <a:cubicBezTo>
+                  <a:pt x="653235" y="1290438"/>
+                  <a:pt x="650767" y="1289077"/>
+                  <a:pt x="648299" y="1287715"/>
+                </a:cubicBezTo>
+                <a:cubicBezTo>
+                  <a:pt x="603999" y="1260339"/>
+                  <a:pt x="559107" y="1233035"/>
+                  <a:pt x="531027" y="1193967"/>
+                </a:cubicBezTo>
+                <a:cubicBezTo>
+                  <a:pt x="529741" y="1192462"/>
+                  <a:pt x="529061" y="1191120"/>
+                  <a:pt x="526433" y="1191913"/>
+                </a:cubicBezTo>
+                <a:cubicBezTo>
+                  <a:pt x="503415" y="1199684"/>
+                  <a:pt x="505590" y="1187083"/>
+                  <a:pt x="504666" y="1177230"/>
+                </a:cubicBezTo>
+                <a:cubicBezTo>
+                  <a:pt x="503726" y="1167141"/>
+                  <a:pt x="499378" y="1159602"/>
+                  <a:pt x="482307" y="1162618"/>
+                </a:cubicBezTo>
+                <a:cubicBezTo>
+                  <a:pt x="481421" y="1162726"/>
+                  <a:pt x="480226" y="1162633"/>
+                  <a:pt x="479029" y="1162540"/>
+                </a:cubicBezTo>
+                <a:cubicBezTo>
+                  <a:pt x="470949" y="1161859"/>
+                  <a:pt x="444139" y="1138059"/>
+                  <a:pt x="447663" y="1132649"/>
+                </a:cubicBezTo>
+                <a:cubicBezTo>
+                  <a:pt x="455539" y="1120781"/>
+                  <a:pt x="446335" y="1116439"/>
+                  <a:pt x="438547" y="1110977"/>
+                </a:cubicBezTo>
+                <a:cubicBezTo>
+                  <a:pt x="427656" y="1103517"/>
+                  <a:pt x="416795" y="1096529"/>
+                  <a:pt x="405343" y="1089612"/>
+                </a:cubicBezTo>
+                <a:cubicBezTo>
+                  <a:pt x="394202" y="1082895"/>
+                  <a:pt x="382794" y="1076684"/>
+                  <a:pt x="371373" y="1070238"/>
+                </a:cubicBezTo>
+                <a:cubicBezTo>
+                  <a:pt x="344889" y="1065616"/>
+                  <a:pt x="318169" y="1061972"/>
+                  <a:pt x="290358" y="1059884"/>
+                </a:cubicBezTo>
+                <a:cubicBezTo>
+                  <a:pt x="269709" y="1058114"/>
+                  <a:pt x="246624" y="1055453"/>
+                  <a:pt x="235140" y="1029322"/>
+                </a:cubicBezTo>
+                <a:cubicBezTo>
+                  <a:pt x="256895" y="1029771"/>
+                  <a:pt x="278695" y="1030927"/>
+                  <a:pt x="300494" y="1032083"/>
+                </a:cubicBezTo>
+                <a:cubicBezTo>
+                  <a:pt x="279542" y="1020860"/>
+                  <a:pt x="259181" y="1009565"/>
+                  <a:pt x="239661" y="997457"/>
+                </a:cubicBezTo>
+                <a:cubicBezTo>
+                  <a:pt x="223540" y="987309"/>
+                  <a:pt x="210281" y="975391"/>
+                  <a:pt x="204788" y="959211"/>
+                </a:cubicBezTo>
+                <a:cubicBezTo>
+                  <a:pt x="203337" y="955117"/>
+                  <a:pt x="202166" y="950750"/>
+                  <a:pt x="207583" y="947009"/>
+                </a:cubicBezTo>
+                <a:cubicBezTo>
+                  <a:pt x="213561" y="942727"/>
+                  <a:pt x="218466" y="944980"/>
+                  <a:pt x="223061" y="947033"/>
+                </a:cubicBezTo>
+                <a:cubicBezTo>
+                  <a:pt x="242046" y="955410"/>
+                  <a:pt x="261311" y="963516"/>
+                  <a:pt x="280015" y="972164"/>
+                </a:cubicBezTo>
+                <a:cubicBezTo>
+                  <a:pt x="304852" y="983629"/>
+                  <a:pt x="329408" y="995365"/>
+                  <a:pt x="353948" y="1006865"/>
+                </a:cubicBezTo>
+                <a:cubicBezTo>
+                  <a:pt x="319294" y="981405"/>
+                  <a:pt x="281290" y="959435"/>
+                  <a:pt x="240466" y="939943"/>
+                </a:cubicBezTo>
+                <a:cubicBezTo>
+                  <a:pt x="210990" y="925718"/>
+                  <a:pt x="181514" y="911494"/>
+                  <a:pt x="158812" y="891467"/>
+                </a:cubicBezTo>
+                <a:cubicBezTo>
+                  <a:pt x="147166" y="881489"/>
+                  <a:pt x="141336" y="869384"/>
+                  <a:pt x="139551" y="855364"/>
+                </a:cubicBezTo>
+                <a:cubicBezTo>
+                  <a:pt x="139312" y="851597"/>
+                  <a:pt x="139634" y="847287"/>
+                  <a:pt x="145731" y="844888"/>
+                </a:cubicBezTo>
+                <a:cubicBezTo>
+                  <a:pt x="151843" y="842724"/>
+                  <a:pt x="155581" y="845356"/>
+                  <a:pt x="158154" y="848366"/>
+                </a:cubicBezTo>
+                <a:cubicBezTo>
+                  <a:pt x="161052" y="851811"/>
+                  <a:pt x="164496" y="854479"/>
+                  <a:pt x="169370" y="856260"/>
+                </a:cubicBezTo>
+                <a:cubicBezTo>
+                  <a:pt x="212096" y="872913"/>
+                  <a:pt x="249775" y="894448"/>
+                  <a:pt x="288295" y="915169"/>
+                </a:cubicBezTo>
+                <a:cubicBezTo>
+                  <a:pt x="343452" y="944788"/>
+                  <a:pt x="397769" y="975222"/>
+                  <a:pt x="462694" y="994643"/>
+                </a:cubicBezTo>
+                <a:cubicBezTo>
+                  <a:pt x="487260" y="1001870"/>
+                  <a:pt x="512622" y="1007575"/>
+                  <a:pt x="531910" y="1006664"/>
+                </a:cubicBezTo>
+                <a:cubicBezTo>
+                  <a:pt x="460990" y="972547"/>
+                  <a:pt x="394087" y="936046"/>
+                  <a:pt x="333940" y="893507"/>
+                </a:cubicBezTo>
+                <a:cubicBezTo>
+                  <a:pt x="273173" y="850568"/>
+                  <a:pt x="219876" y="803403"/>
+                  <a:pt x="181443" y="746608"/>
+                </a:cubicBezTo>
+                <a:cubicBezTo>
+                  <a:pt x="177494" y="740681"/>
+                  <a:pt x="175038" y="734810"/>
+                  <a:pt x="162678" y="737018"/>
+                </a:cubicBezTo>
+                <a:cubicBezTo>
+                  <a:pt x="157082" y="737933"/>
+                  <a:pt x="155070" y="734381"/>
+                  <a:pt x="156307" y="730435"/>
+                </a:cubicBezTo>
+                <a:cubicBezTo>
+                  <a:pt x="164051" y="702450"/>
+                  <a:pt x="145532" y="687373"/>
+                  <a:pt x="117227" y="677515"/>
+                </a:cubicBezTo>
+                <a:cubicBezTo>
+                  <a:pt x="108392" y="674314"/>
+                  <a:pt x="107546" y="670384"/>
+                  <a:pt x="113655" y="663474"/>
+                </a:cubicBezTo>
+                <a:cubicBezTo>
+                  <a:pt x="121976" y="653926"/>
+                  <a:pt x="120506" y="644851"/>
+                  <a:pt x="115226" y="636712"/>
+                </a:cubicBezTo>
+                <a:cubicBezTo>
+                  <a:pt x="112224" y="631619"/>
+                  <a:pt x="108350" y="626868"/>
+                  <a:pt x="105067" y="622046"/>
+                </a:cubicBezTo>
+                <a:cubicBezTo>
+                  <a:pt x="102790" y="619000"/>
+                  <a:pt x="99022" y="615897"/>
+                  <a:pt x="104113" y="611722"/>
+                </a:cubicBezTo>
+                <a:cubicBezTo>
+                  <a:pt x="108939" y="608053"/>
+                  <a:pt x="114081" y="609328"/>
+                  <a:pt x="118895" y="610169"/>
+                </a:cubicBezTo>
+                <a:cubicBezTo>
+                  <a:pt x="142040" y="613772"/>
+                  <a:pt x="156094" y="624170"/>
+                  <a:pt x="163095" y="640642"/>
+                </a:cubicBezTo>
+                <a:cubicBezTo>
+                  <a:pt x="168334" y="652819"/>
+                  <a:pt x="173104" y="652953"/>
+                  <a:pt x="185766" y="641454"/>
+                </a:cubicBezTo>
+                <a:cubicBezTo>
+                  <a:pt x="195327" y="632704"/>
+                  <a:pt x="204232" y="632337"/>
+                  <a:pt x="212892" y="637457"/>
+                </a:cubicBezTo>
+                <a:cubicBezTo>
+                  <a:pt x="217516" y="639981"/>
+                  <a:pt x="220444" y="643897"/>
+                  <a:pt x="223932" y="647271"/>
+                </a:cubicBezTo>
+                <a:cubicBezTo>
+                  <a:pt x="241420" y="664845"/>
+                  <a:pt x="259762" y="681841"/>
+                  <a:pt x="287167" y="691571"/>
+                </a:cubicBezTo>
+                <a:cubicBezTo>
+                  <a:pt x="299355" y="696027"/>
+                  <a:pt x="312354" y="699197"/>
+                  <a:pt x="330380" y="692506"/>
+                </a:cubicBezTo>
+                <a:cubicBezTo>
+                  <a:pt x="318517" y="688486"/>
+                  <a:pt x="306954" y="689175"/>
+                  <a:pt x="296172" y="688108"/>
+                </a:cubicBezTo>
+                <a:cubicBezTo>
+                  <a:pt x="285390" y="687041"/>
+                  <a:pt x="279539" y="683953"/>
+                  <a:pt x="286974" y="674512"/>
+                </a:cubicBezTo>
+                <a:cubicBezTo>
+                  <a:pt x="291105" y="669267"/>
+                  <a:pt x="290555" y="665301"/>
+                  <a:pt x="286166" y="661798"/>
+                </a:cubicBezTo>
+                <a:cubicBezTo>
+                  <a:pt x="272052" y="650459"/>
+                  <a:pt x="264416" y="633352"/>
+                  <a:pt x="236268" y="635338"/>
+                </a:cubicBezTo>
+                <a:cubicBezTo>
+                  <a:pt x="234792" y="635517"/>
+                  <a:pt x="233255" y="634754"/>
+                  <a:pt x="231734" y="634225"/>
+                </a:cubicBezTo>
+                <a:cubicBezTo>
+                  <a:pt x="225957" y="632316"/>
+                  <a:pt x="219575" y="630241"/>
+                  <a:pt x="221253" y="623870"/>
+                </a:cubicBezTo>
+                <a:cubicBezTo>
+                  <a:pt x="223227" y="617462"/>
+                  <a:pt x="230816" y="615119"/>
+                  <a:pt x="237564" y="613590"/>
+                </a:cubicBezTo>
+                <a:cubicBezTo>
+                  <a:pt x="254884" y="609831"/>
+                  <a:pt x="268844" y="614072"/>
+                  <a:pt x="282259" y="619091"/>
+                </a:cubicBezTo>
+                <a:cubicBezTo>
+                  <a:pt x="314893" y="631509"/>
+                  <a:pt x="342201" y="649080"/>
+                  <a:pt x="370630" y="665566"/>
+                </a:cubicBezTo>
+                <a:cubicBezTo>
+                  <a:pt x="413275" y="690295"/>
+                  <a:pt x="451153" y="719635"/>
+                  <a:pt x="498017" y="740532"/>
+                </a:cubicBezTo>
+                <a:cubicBezTo>
+                  <a:pt x="637369" y="802423"/>
+                  <a:pt x="774774" y="866448"/>
+                  <a:pt x="918036" y="924307"/>
+                </a:cubicBezTo>
+                <a:cubicBezTo>
+                  <a:pt x="970882" y="945666"/>
+                  <a:pt x="1024819" y="965469"/>
+                  <a:pt x="1079304" y="984494"/>
+                </a:cubicBezTo>
+                <a:cubicBezTo>
+                  <a:pt x="1079509" y="983045"/>
+                  <a:pt x="1079744" y="982067"/>
+                  <a:pt x="1079935" y="980383"/>
+                </a:cubicBezTo>
+                <a:cubicBezTo>
+                  <a:pt x="1079860" y="979206"/>
+                  <a:pt x="1079770" y="977793"/>
+                  <a:pt x="1079695" y="976616"/>
+                </a:cubicBezTo>
+                <a:cubicBezTo>
+                  <a:pt x="1041139" y="964679"/>
+                  <a:pt x="1003098" y="951491"/>
+                  <a:pt x="966178" y="937219"/>
+                </a:cubicBezTo>
+                <a:cubicBezTo>
+                  <a:pt x="875541" y="901932"/>
+                  <a:pt x="791930" y="860100"/>
+                  <a:pt x="720106" y="807112"/>
+                </a:cubicBezTo>
+                <a:cubicBezTo>
+                  <a:pt x="714181" y="802848"/>
+                  <a:pt x="707904" y="802421"/>
+                  <a:pt x="698823" y="804708"/>
+                </a:cubicBezTo>
+                <a:cubicBezTo>
+                  <a:pt x="669544" y="812288"/>
+                  <a:pt x="659939" y="806334"/>
+                  <a:pt x="664513" y="784663"/>
+                </a:cubicBezTo>
+                <a:cubicBezTo>
+                  <a:pt x="665660" y="779304"/>
+                  <a:pt x="665686" y="775031"/>
+                  <a:pt x="660380" y="771165"/>
+                </a:cubicBezTo>
+                <a:cubicBezTo>
+                  <a:pt x="636661" y="753871"/>
+                  <a:pt x="611807" y="737427"/>
+                  <a:pt x="584959" y="722409"/>
+                </a:cubicBezTo>
+                <a:cubicBezTo>
+                  <a:pt x="535282" y="694735"/>
+                  <a:pt x="482226" y="670082"/>
+                  <a:pt x="435649" y="639659"/>
+                </a:cubicBezTo>
+                <a:cubicBezTo>
+                  <a:pt x="421965" y="630403"/>
+                  <a:pt x="411440" y="619340"/>
+                  <a:pt x="404944" y="606128"/>
+                </a:cubicBezTo>
+                <a:cubicBezTo>
+                  <a:pt x="402872" y="601635"/>
+                  <a:pt x="401613" y="595856"/>
+                  <a:pt x="408476" y="591466"/>
+                </a:cubicBezTo>
+                <a:cubicBezTo>
+                  <a:pt x="415044" y="587111"/>
+                  <a:pt x="420320" y="590506"/>
+                  <a:pt x="425225" y="592759"/>
+                </a:cubicBezTo>
+                <a:cubicBezTo>
+                  <a:pt x="445746" y="601899"/>
+                  <a:pt x="466578" y="611238"/>
+                  <a:pt x="487115" y="620614"/>
+                </a:cubicBezTo>
+                <a:cubicBezTo>
+                  <a:pt x="507947" y="629954"/>
+                  <a:pt x="528514" y="639800"/>
+                  <a:pt x="550277" y="649738"/>
+                </a:cubicBezTo>
+                <a:cubicBezTo>
+                  <a:pt x="551408" y="644145"/>
+                  <a:pt x="546904" y="643504"/>
+                  <a:pt x="544421" y="641907"/>
+                </a:cubicBezTo>
+                <a:cubicBezTo>
+                  <a:pt x="509355" y="619344"/>
+                  <a:pt x="471190" y="599529"/>
+                  <a:pt x="431905" y="580799"/>
+                </a:cubicBezTo>
+                <a:cubicBezTo>
+                  <a:pt x="401512" y="566211"/>
+                  <a:pt x="371947" y="550574"/>
+                  <a:pt x="351177" y="528177"/>
+                </a:cubicBezTo>
+                <a:cubicBezTo>
+                  <a:pt x="343180" y="519419"/>
+                  <a:pt x="338696" y="509759"/>
+                  <a:pt x="339749" y="498244"/>
+                </a:cubicBezTo>
+                <a:cubicBezTo>
+                  <a:pt x="340115" y="494641"/>
+                  <a:pt x="340481" y="491037"/>
+                  <a:pt x="346313" y="489145"/>
+                </a:cubicBezTo>
+                <a:cubicBezTo>
+                  <a:pt x="350979" y="487631"/>
+                  <a:pt x="354067" y="489392"/>
+                  <a:pt x="356579" y="491460"/>
+                </a:cubicBezTo>
+                <a:cubicBezTo>
+                  <a:pt x="360984" y="495197"/>
+                  <a:pt x="365388" y="498934"/>
+                  <a:pt x="371505" y="501516"/>
+                </a:cubicBezTo>
+                <a:cubicBezTo>
+                  <a:pt x="408203" y="517000"/>
+                  <a:pt x="442659" y="534654"/>
+                  <a:pt x="476275" y="553122"/>
+                </a:cubicBezTo>
+                <a:cubicBezTo>
+                  <a:pt x="531461" y="583213"/>
+                  <a:pt x="586103" y="614082"/>
+                  <a:pt x="649952" y="635294"/>
+                </a:cubicBezTo>
+                <a:cubicBezTo>
+                  <a:pt x="673972" y="643298"/>
+                  <a:pt x="698805" y="650018"/>
+                  <a:pt x="727161" y="651328"/>
+                </a:cubicBezTo>
+                <a:cubicBezTo>
+                  <a:pt x="726126" y="649081"/>
+                  <a:pt x="724263" y="647883"/>
+                  <a:pt x="722417" y="646921"/>
+                </a:cubicBezTo>
+                <a:cubicBezTo>
+                  <a:pt x="660627" y="615969"/>
+                  <a:pt x="600830" y="583590"/>
+                  <a:pt x="546079" y="546328"/>
+                </a:cubicBezTo>
+                <a:cubicBezTo>
+                  <a:pt x="478576" y="500409"/>
+                  <a:pt x="420223" y="448637"/>
+                  <a:pt x="378182" y="386585"/>
+                </a:cubicBezTo>
+                <a:cubicBezTo>
+                  <a:pt x="376229" y="383975"/>
+                  <a:pt x="374884" y="381528"/>
+                  <a:pt x="370158" y="382100"/>
+                </a:cubicBezTo>
+                <a:cubicBezTo>
+                  <a:pt x="358064" y="383802"/>
+                  <a:pt x="356583" y="379236"/>
+                  <a:pt x="357861" y="371252"/>
+                </a:cubicBezTo>
+                <a:cubicBezTo>
+                  <a:pt x="361373" y="351608"/>
+                  <a:pt x="352380" y="336565"/>
+                  <a:pt x="331313" y="328203"/>
+                </a:cubicBezTo>
+                <a:cubicBezTo>
+                  <a:pt x="316037" y="321986"/>
+                  <a:pt x="303183" y="316425"/>
+                  <a:pt x="319354" y="299282"/>
+                </a:cubicBezTo>
+                <a:cubicBezTo>
+                  <a:pt x="323265" y="295249"/>
+                  <a:pt x="321459" y="290249"/>
+                  <a:pt x="319682" y="285719"/>
+                </a:cubicBezTo>
+                <a:cubicBezTo>
+                  <a:pt x="317166" y="278905"/>
+                  <a:pt x="312080" y="273828"/>
+                  <a:pt x="306391" y="268585"/>
+                </a:cubicBezTo>
+                <a:cubicBezTo>
+                  <a:pt x="303227" y="265647"/>
+                  <a:pt x="299399" y="261602"/>
+                  <a:pt x="303294" y="257334"/>
+                </a:cubicBezTo>
+                <a:cubicBezTo>
+                  <a:pt x="307735" y="252289"/>
+                  <a:pt x="314131" y="254598"/>
+                  <a:pt x="319242" y="255403"/>
+                </a:cubicBezTo>
+                <a:cubicBezTo>
+                  <a:pt x="342683" y="258970"/>
+                  <a:pt x="357062" y="269803"/>
+                  <a:pt x="364093" y="286745"/>
+                </a:cubicBezTo>
+                <a:cubicBezTo>
+                  <a:pt x="368651" y="297582"/>
+                  <a:pt x="374307" y="297608"/>
+                  <a:pt x="385301" y="287973"/>
+                </a:cubicBezTo>
+                <a:cubicBezTo>
+                  <a:pt x="397712" y="277216"/>
+                  <a:pt x="408079" y="276436"/>
+                  <a:pt x="417598" y="285722"/>
+                </a:cubicBezTo>
+                <a:cubicBezTo>
+                  <a:pt x="425226" y="293339"/>
+                  <a:pt x="431406" y="301607"/>
+                  <a:pt x="440155" y="308139"/>
+                </a:cubicBezTo>
+                <a:cubicBezTo>
+                  <a:pt x="463623" y="326175"/>
+                  <a:pt x="485720" y="346039"/>
+                  <a:pt x="534406" y="339430"/>
+                </a:cubicBezTo>
+                <a:cubicBezTo>
+                  <a:pt x="520872" y="332528"/>
+                  <a:pt x="507316" y="334645"/>
+                  <a:pt x="495633" y="333450"/>
+                </a:cubicBezTo>
+                <a:cubicBezTo>
+                  <a:pt x="487244" y="332567"/>
+                  <a:pt x="478750" y="330037"/>
+                  <a:pt x="486289" y="322243"/>
+                </a:cubicBezTo>
+                <a:cubicBezTo>
+                  <a:pt x="494951" y="313365"/>
+                  <a:pt x="489365" y="309771"/>
+                  <a:pt x="484000" y="304964"/>
+                </a:cubicBezTo>
+                <a:cubicBezTo>
+                  <a:pt x="471673" y="293645"/>
+                  <a:pt x="461604" y="280392"/>
+                  <a:pt x="436911" y="280536"/>
+                </a:cubicBezTo>
+                <a:cubicBezTo>
+                  <a:pt x="433041" y="280530"/>
+                  <a:pt x="429923" y="278297"/>
+                  <a:pt x="426865" y="277007"/>
+                </a:cubicBezTo>
+                <a:cubicBezTo>
+                  <a:pt x="422581" y="275154"/>
+                  <a:pt x="418872" y="272993"/>
+                  <a:pt x="420654" y="268269"/>
+                </a:cubicBezTo>
+                <a:cubicBezTo>
+                  <a:pt x="422468" y="264016"/>
+                  <a:pt x="426748" y="261125"/>
+                  <a:pt x="432329" y="259975"/>
+                </a:cubicBezTo>
+                <a:cubicBezTo>
+                  <a:pt x="437320" y="258895"/>
+                  <a:pt x="442621" y="258016"/>
+                  <a:pt x="447672" y="257879"/>
+                </a:cubicBezTo>
+                <a:cubicBezTo>
+                  <a:pt x="470223" y="256809"/>
+                  <a:pt x="486254" y="265543"/>
+                  <a:pt x="502242" y="273572"/>
+                </a:cubicBezTo>
+                <a:cubicBezTo>
+                  <a:pt x="558179" y="301436"/>
+                  <a:pt x="607891" y="334326"/>
+                  <a:pt x="659874" y="365516"/>
+                </a:cubicBezTo>
+                <a:cubicBezTo>
+                  <a:pt x="711842" y="396471"/>
+                  <a:pt x="772192" y="418818"/>
+                  <a:pt x="829177" y="444421"/>
+                </a:cubicBezTo>
+                <a:cubicBezTo>
+                  <a:pt x="960626" y="503711"/>
+                  <a:pt x="1092650" y="562693"/>
+                  <a:pt x="1231903" y="613682"/>
+                </a:cubicBezTo>
+                <a:cubicBezTo>
+                  <a:pt x="1368099" y="663381"/>
+                  <a:pt x="1823141" y="686561"/>
+                  <a:pt x="1911736" y="685084"/>
+                </a:cubicBezTo>
+                <a:cubicBezTo>
+                  <a:pt x="2024994" y="682992"/>
+                  <a:pt x="2291986" y="655399"/>
+                  <a:pt x="2564313" y="632143"/>
+                </a:cubicBezTo>
+                <a:cubicBezTo>
+                  <a:pt x="2595089" y="629364"/>
+                  <a:pt x="2625288" y="626893"/>
+                  <a:pt x="2657304" y="624913"/>
+                </a:cubicBezTo>
+                <a:cubicBezTo>
+                  <a:pt x="3564401" y="568191"/>
+                  <a:pt x="4203594" y="276765"/>
+                  <a:pt x="4235818" y="259339"/>
+                </a:cubicBezTo>
+                <a:cubicBezTo>
+                  <a:pt x="4287616" y="231474"/>
+                  <a:pt x="4460006" y="176429"/>
+                  <a:pt x="4460331" y="176864"/>
+                </a:cubicBezTo>
+                <a:cubicBezTo>
+                  <a:pt x="4464175" y="181144"/>
+                  <a:pt x="4483735" y="184529"/>
+                  <a:pt x="4499578" y="186791"/>
+                </a:cubicBezTo>
+                <a:lnTo>
+                  <a:pt x="4514640" y="188841"/>
+                </a:lnTo>
+                <a:lnTo>
+                  <a:pt x="4516523" y="189988"/>
+                </a:lnTo>
+                <a:cubicBezTo>
+                  <a:pt x="4522035" y="190091"/>
+                  <a:pt x="4521760" y="189857"/>
+                  <a:pt x="4518126" y="189316"/>
+                </a:cubicBezTo>
+                <a:lnTo>
+                  <a:pt x="4514640" y="188841"/>
+                </a:lnTo>
+                <a:lnTo>
+                  <a:pt x="4511569" y="186970"/>
+                </a:lnTo>
+                <a:cubicBezTo>
+                  <a:pt x="4510788" y="185226"/>
+                  <a:pt x="4510719" y="182981"/>
+                  <a:pt x="4510888" y="180943"/>
+                </a:cubicBezTo>
+                <a:cubicBezTo>
+                  <a:pt x="4511690" y="170169"/>
+                  <a:pt x="4517648" y="160906"/>
+                  <a:pt x="4531865" y="155151"/>
+                </a:cubicBezTo>
+                <a:cubicBezTo>
+                  <a:pt x="4545507" y="149703"/>
+                  <a:pt x="4559473" y="144689"/>
+                  <a:pt x="4573441" y="139676"/>
+                </a:cubicBezTo>
+                <a:cubicBezTo>
+                  <a:pt x="4585075" y="135420"/>
+                  <a:pt x="4593048" y="134454"/>
+                  <a:pt x="4594964" y="145847"/>
+                </a:cubicBezTo>
+                <a:cubicBezTo>
+                  <a:pt x="4596879" y="157242"/>
+                  <a:pt x="4613452" y="160454"/>
+                  <a:pt x="4623059" y="152410"/>
+                </a:cubicBezTo>
+                <a:cubicBezTo>
+                  <a:pt x="4660632" y="120811"/>
+                  <a:pt x="4705757" y="95654"/>
+                  <a:pt x="4748356" y="68192"/>
+                </a:cubicBezTo>
+                <a:cubicBezTo>
+                  <a:pt x="4778098" y="49168"/>
+                  <a:pt x="4809406" y="31378"/>
+                  <a:pt x="4833812" y="8017"/>
+                </a:cubicBezTo>
+                <a:cubicBezTo>
+                  <a:pt x="4838299" y="3678"/>
+                  <a:pt x="4842399" y="-2039"/>
+                  <a:pt x="4850908" y="727"/>
+                </a:cubicBezTo>
+                <a:close/>
+              </a:path>
+            </a:pathLst>
+          </a:custGeom>
+          <a:solidFill>
+            <a:schemeClr val="bg2">
+              <a:alpha val="50000"/>
+            </a:schemeClr>
+          </a:solidFill>
+          <a:ln w="32707" cap="flat">
+            <a:noFill/>
+            <a:prstDash val="solid"/>
+            <a:miter/>
+          </a:ln>
+        </p:spPr>
+        <p:txBody>
+          <a:bodyPr wrap="square" rtlCol="0" anchor="ctr">
+            <a:noAutofit/>
+          </a:bodyPr>
+          <a:lstStyle/>
+          <a:p>
+            <a:pPr algn="ctr"/>
+            <a:endParaRPr lang="en-US">
+              <a:solidFill>
+                <a:schemeClr val="tx1"/>
+              </a:solidFill>
+            </a:endParaRPr>
+          </a:p>
+        </p:txBody>
+      </p:sp>
+      <p:sp>
+        <p:nvSpPr>
+          <p:cNvPr id="2" name="Title 1">
+            <a:extLst>
+              <a:ext uri="{FF2B5EF4-FFF2-40B4-BE49-F238E27FC236}">
+                <a16:creationId xmlns:a16="http://schemas.microsoft.com/office/drawing/2014/main" id="{C209C4B2-8AB1-CB3A-A743-7E1A32C4CE1B}"/>
+              </a:ext>
+            </a:extLst>
+          </p:cNvPr>
+          <p:cNvSpPr>
+            <a:spLocks noGrp="1"/>
+          </p:cNvSpPr>
+          <p:nvPr>
+            <p:ph type="title"/>
+          </p:nvPr>
+        </p:nvSpPr>
+        <p:spPr>
+          <a:xfrm>
+            <a:off x="1000941" y="685801"/>
+            <a:ext cx="3494859" cy="5491162"/>
+          </a:xfrm>
+        </p:spPr>
+        <p:txBody>
+          <a:bodyPr>
+            <a:normAutofit/>
+          </a:bodyPr>
+          <a:lstStyle/>
+          <a:p>
+            <a:r>
+              <a:rPr lang="en-GB" dirty="0"/>
+              <a:t>Objectives</a:t>
+            </a:r>
+            <a:endParaRPr lang="en-US" dirty="0"/>
+          </a:p>
+        </p:txBody>
+      </p:sp>
+      <p:graphicFrame>
+        <p:nvGraphicFramePr>
+          <p:cNvPr id="5" name="Content Placeholder 2">
+            <a:extLst>
+              <a:ext uri="{FF2B5EF4-FFF2-40B4-BE49-F238E27FC236}">
+                <a16:creationId xmlns:a16="http://schemas.microsoft.com/office/drawing/2014/main" id="{D0EB5F7F-6872-AEF0-1863-4BF7B9FD1A8A}"/>
+              </a:ext>
+            </a:extLst>
+          </p:cNvPr>
+          <p:cNvGraphicFramePr>
+            <a:graphicFrameLocks noGrp="1"/>
+          </p:cNvGraphicFramePr>
+          <p:nvPr>
+            <p:ph idx="1"/>
+            <p:extLst>
+              <p:ext uri="{D42A27DB-BD31-4B8C-83A1-F6EECF244321}">
+                <p14:modId xmlns:p14="http://schemas.microsoft.com/office/powerpoint/2010/main" val="2643381677"/>
+              </p:ext>
+            </p:extLst>
+          </p:nvPr>
+        </p:nvGraphicFramePr>
+        <p:xfrm>
+          <a:off x="4702547" y="838199"/>
+          <a:ext cx="6651253" cy="5338764"/>
+        </p:xfrm>
+        <a:graphic>
+          <a:graphicData uri="http://schemas.openxmlformats.org/drawingml/2006/diagram">
+            <dgm:relIds xmlns:dgm="http://schemas.openxmlformats.org/drawingml/2006/diagram" xmlns:r="http://schemas.openxmlformats.org/officeDocument/2006/relationships" r:dm="rId2" r:lo="rId3" r:qs="rId4" r:cs="rId5"/>
+          </a:graphicData>
+        </a:graphic>
+      </p:graphicFrame>
+    </p:spTree>
+    <p:extLst>
+      <p:ext uri="{BB962C8B-B14F-4D97-AF65-F5344CB8AC3E}">
+        <p14:creationId xmlns:p14="http://schemas.microsoft.com/office/powerpoint/2010/main" val="77808462"/>
+      </p:ext>
+    </p:extLst>
+  </p:cSld>
+  <p:clrMapOvr>
+    <a:masterClrMapping/>
+  </p:clrMapOvr>
+</p:sld>
+</file>
+
+<file path=ppt/slides/slide3.xml><?xml version="1.0" encoding="utf-8"?>
+<p:sld xmlns:a="http://schemas.openxmlformats.org/drawingml/2006/main" xmlns:r="http://schemas.openxmlformats.org/officeDocument/2006/relationships" xmlns:p="http://schemas.openxmlformats.org/presentationml/2006/main">
+  <p:cSld>
+    <p:bg>
+      <p:bgPr>
+        <a:solidFill>
+          <a:schemeClr val="bg1"/>
+        </a:solidFill>
+        <a:effectLst/>
+      </p:bgPr>
+    </p:bg>
+    <p:spTree>
+      <p:nvGrpSpPr>
+        <p:cNvPr id="1" name=""/>
+        <p:cNvGrpSpPr/>
+        <p:nvPr/>
+      </p:nvGrpSpPr>
+      <p:grpSpPr>
+        <a:xfrm>
+          <a:off x="0" y="0"/>
+          <a:ext cx="0" cy="0"/>
+          <a:chOff x="0" y="0"/>
+          <a:chExt cx="0" cy="0"/>
+        </a:xfrm>
+      </p:grpSpPr>
+      <p:sp useBgFill="1">
+        <p:nvSpPr>
+          <p:cNvPr id="24" name="Rectangle 23">
+            <a:extLst>
+              <a:ext uri="{FF2B5EF4-FFF2-40B4-BE49-F238E27FC236}">
+                <a16:creationId xmlns:a16="http://schemas.microsoft.com/office/drawing/2014/main" id="{45D37F4E-DDB4-456B-97E0-9937730A039F}"/>
+              </a:ext>
+              <a:ext uri="{C183D7F6-B498-43B3-948B-1728B52AA6E4}">
+                <adec:decorative xmlns:adec="http://schemas.microsoft.com/office/drawing/2017/decorative" val="1"/>
+              </a:ext>
+            </a:extLst>
+          </p:cNvPr>
+          <p:cNvSpPr>
+            <a:spLocks noGrp="1" noRot="1" noChangeAspect="1" noMove="1" noResize="1" noEditPoints="1" noAdjustHandles="1" noChangeArrowheads="1" noChangeShapeType="1" noTextEdit="1"/>
+          </p:cNvSpPr>
+          <p:nvPr>
+            <p:extLst>
+              <p:ext uri="{386F3935-93C4-4BCD-93E2-E3B085C9AB24}">
+                <p16:designElem xmlns:p16="http://schemas.microsoft.com/office/powerpoint/2015/main" val="1"/>
+              </p:ext>
+            </p:extLst>
+          </p:nvPr>
+        </p:nvSpPr>
+        <p:spPr>
+          <a:xfrm>
+            <a:off x="0" y="0"/>
+            <a:ext cx="12188952" cy="6858000"/>
+          </a:xfrm>
+          <a:prstGeom prst="rect">
+            <a:avLst/>
+          </a:prstGeom>
+          <a:ln>
+            <a:noFill/>
+          </a:ln>
+        </p:spPr>
+        <p:style>
+          <a:lnRef idx="2">
+            <a:schemeClr val="accent1">
+              <a:shade val="50000"/>
+            </a:schemeClr>
+          </a:lnRef>
+          <a:fillRef idx="1">
+            <a:schemeClr val="accent1"/>
+          </a:fillRef>
+          <a:effectRef idx="0">
+            <a:schemeClr val="accent1"/>
+          </a:effectRef>
+          <a:fontRef idx="minor">
+            <a:schemeClr val="lt1"/>
+          </a:fontRef>
+        </p:style>
+        <p:txBody>
+          <a:bodyPr rtlCol="0" anchor="ctr"/>
+          <a:lstStyle/>
+          <a:p>
+            <a:pPr algn="ctr"/>
+            <a:endParaRPr lang="en-US"/>
+          </a:p>
+        </p:txBody>
+      </p:sp>
+      <p:sp>
+        <p:nvSpPr>
+          <p:cNvPr id="2" name="Title 1">
+            <a:extLst>
+              <a:ext uri="{FF2B5EF4-FFF2-40B4-BE49-F238E27FC236}">
+                <a16:creationId xmlns:a16="http://schemas.microsoft.com/office/drawing/2014/main" id="{31BC6D9B-DE87-F81F-23D7-000790C11162}"/>
+              </a:ext>
+            </a:extLst>
+          </p:cNvPr>
+          <p:cNvSpPr>
+            <a:spLocks noGrp="1"/>
+          </p:cNvSpPr>
+          <p:nvPr>
+            <p:ph type="title"/>
+          </p:nvPr>
+        </p:nvSpPr>
+        <p:spPr>
+          <a:xfrm>
+            <a:off x="572493" y="238539"/>
+            <a:ext cx="11018520" cy="1434415"/>
+          </a:xfrm>
+        </p:spPr>
+        <p:txBody>
+          <a:bodyPr anchor="b">
+            <a:normAutofit/>
+          </a:bodyPr>
+          <a:lstStyle/>
+          <a:p>
+            <a:r>
+              <a:rPr lang="en-GB" sz="5400"/>
+              <a:t>Timeliness of deliveries</a:t>
+            </a:r>
+            <a:endParaRPr lang="en-US" sz="5400"/>
+          </a:p>
+        </p:txBody>
+      </p:sp>
+      <p:sp>
+        <p:nvSpPr>
+          <p:cNvPr id="26" name="sketchy line">
+            <a:extLst>
+              <a:ext uri="{FF2B5EF4-FFF2-40B4-BE49-F238E27FC236}">
+                <a16:creationId xmlns:a16="http://schemas.microsoft.com/office/drawing/2014/main" id="{B2DD41CD-8F47-4F56-AD12-4E2FF7696987}"/>
+              </a:ext>
+              <a:ext uri="{C183D7F6-B498-43B3-948B-1728B52AA6E4}">
+                <adec:decorative xmlns:adec="http://schemas.microsoft.com/office/drawing/2017/decorative" val="1"/>
+              </a:ext>
+            </a:extLst>
+          </p:cNvPr>
+          <p:cNvSpPr>
+            <a:spLocks noGrp="1" noRot="1" noChangeAspect="1" noMove="1" noResize="1" noEditPoints="1" noAdjustHandles="1" noChangeArrowheads="1" noChangeShapeType="1" noTextEdit="1"/>
+          </p:cNvSpPr>
+          <p:nvPr>
+            <p:extLst>
+              <p:ext uri="{386F3935-93C4-4BCD-93E2-E3B085C9AB24}">
+                <p16:designElem xmlns:p16="http://schemas.microsoft.com/office/powerpoint/2015/main" val="1"/>
+              </p:ext>
+            </p:extLst>
+          </p:nvPr>
+        </p:nvSpPr>
+        <p:spPr>
+          <a:xfrm>
+            <a:off x="572493" y="1681544"/>
+            <a:ext cx="10972800" cy="18288"/>
+          </a:xfrm>
+          <a:custGeom>
+            <a:avLst/>
+            <a:gdLst>
+              <a:gd name="connsiteX0" fmla="*/ 0 w 10972800"/>
+              <a:gd name="connsiteY0" fmla="*/ 0 h 18288"/>
+              <a:gd name="connsiteX1" fmla="*/ 356616 w 10972800"/>
+              <a:gd name="connsiteY1" fmla="*/ 0 h 18288"/>
+              <a:gd name="connsiteX2" fmla="*/ 1042416 w 10972800"/>
+              <a:gd name="connsiteY2" fmla="*/ 0 h 18288"/>
+              <a:gd name="connsiteX3" fmla="*/ 1947672 w 10972800"/>
+              <a:gd name="connsiteY3" fmla="*/ 0 h 18288"/>
+              <a:gd name="connsiteX4" fmla="*/ 2633472 w 10972800"/>
+              <a:gd name="connsiteY4" fmla="*/ 0 h 18288"/>
+              <a:gd name="connsiteX5" fmla="*/ 2990088 w 10972800"/>
+              <a:gd name="connsiteY5" fmla="*/ 0 h 18288"/>
+              <a:gd name="connsiteX6" fmla="*/ 3456432 w 10972800"/>
+              <a:gd name="connsiteY6" fmla="*/ 0 h 18288"/>
+              <a:gd name="connsiteX7" fmla="*/ 4361688 w 10972800"/>
+              <a:gd name="connsiteY7" fmla="*/ 0 h 18288"/>
+              <a:gd name="connsiteX8" fmla="*/ 5266944 w 10972800"/>
+              <a:gd name="connsiteY8" fmla="*/ 0 h 18288"/>
+              <a:gd name="connsiteX9" fmla="*/ 6172200 w 10972800"/>
+              <a:gd name="connsiteY9" fmla="*/ 0 h 18288"/>
+              <a:gd name="connsiteX10" fmla="*/ 6528816 w 10972800"/>
+              <a:gd name="connsiteY10" fmla="*/ 0 h 18288"/>
+              <a:gd name="connsiteX11" fmla="*/ 7214616 w 10972800"/>
+              <a:gd name="connsiteY11" fmla="*/ 0 h 18288"/>
+              <a:gd name="connsiteX12" fmla="*/ 7790688 w 10972800"/>
+              <a:gd name="connsiteY12" fmla="*/ 0 h 18288"/>
+              <a:gd name="connsiteX13" fmla="*/ 8147304 w 10972800"/>
+              <a:gd name="connsiteY13" fmla="*/ 0 h 18288"/>
+              <a:gd name="connsiteX14" fmla="*/ 9052560 w 10972800"/>
+              <a:gd name="connsiteY14" fmla="*/ 0 h 18288"/>
+              <a:gd name="connsiteX15" fmla="*/ 9409176 w 10972800"/>
+              <a:gd name="connsiteY15" fmla="*/ 0 h 18288"/>
+              <a:gd name="connsiteX16" fmla="*/ 9765792 w 10972800"/>
+              <a:gd name="connsiteY16" fmla="*/ 0 h 18288"/>
+              <a:gd name="connsiteX17" fmla="*/ 10341864 w 10972800"/>
+              <a:gd name="connsiteY17" fmla="*/ 0 h 18288"/>
+              <a:gd name="connsiteX18" fmla="*/ 10972800 w 10972800"/>
+              <a:gd name="connsiteY18" fmla="*/ 0 h 18288"/>
+              <a:gd name="connsiteX19" fmla="*/ 10972800 w 10972800"/>
+              <a:gd name="connsiteY19" fmla="*/ 18288 h 18288"/>
+              <a:gd name="connsiteX20" fmla="*/ 10177272 w 10972800"/>
+              <a:gd name="connsiteY20" fmla="*/ 18288 h 18288"/>
+              <a:gd name="connsiteX21" fmla="*/ 9820656 w 10972800"/>
+              <a:gd name="connsiteY21" fmla="*/ 18288 h 18288"/>
+              <a:gd name="connsiteX22" fmla="*/ 9464040 w 10972800"/>
+              <a:gd name="connsiteY22" fmla="*/ 18288 h 18288"/>
+              <a:gd name="connsiteX23" fmla="*/ 8778240 w 10972800"/>
+              <a:gd name="connsiteY23" fmla="*/ 18288 h 18288"/>
+              <a:gd name="connsiteX24" fmla="*/ 8421624 w 10972800"/>
+              <a:gd name="connsiteY24" fmla="*/ 18288 h 18288"/>
+              <a:gd name="connsiteX25" fmla="*/ 7735824 w 10972800"/>
+              <a:gd name="connsiteY25" fmla="*/ 18288 h 18288"/>
+              <a:gd name="connsiteX26" fmla="*/ 6940296 w 10972800"/>
+              <a:gd name="connsiteY26" fmla="*/ 18288 h 18288"/>
+              <a:gd name="connsiteX27" fmla="*/ 6254496 w 10972800"/>
+              <a:gd name="connsiteY27" fmla="*/ 18288 h 18288"/>
+              <a:gd name="connsiteX28" fmla="*/ 5458968 w 10972800"/>
+              <a:gd name="connsiteY28" fmla="*/ 18288 h 18288"/>
+              <a:gd name="connsiteX29" fmla="*/ 4663440 w 10972800"/>
+              <a:gd name="connsiteY29" fmla="*/ 18288 h 18288"/>
+              <a:gd name="connsiteX30" fmla="*/ 4306824 w 10972800"/>
+              <a:gd name="connsiteY30" fmla="*/ 18288 h 18288"/>
+              <a:gd name="connsiteX31" fmla="*/ 3840480 w 10972800"/>
+              <a:gd name="connsiteY31" fmla="*/ 18288 h 18288"/>
+              <a:gd name="connsiteX32" fmla="*/ 3264408 w 10972800"/>
+              <a:gd name="connsiteY32" fmla="*/ 18288 h 18288"/>
+              <a:gd name="connsiteX33" fmla="*/ 2578608 w 10972800"/>
+              <a:gd name="connsiteY33" fmla="*/ 18288 h 18288"/>
+              <a:gd name="connsiteX34" fmla="*/ 1673352 w 10972800"/>
+              <a:gd name="connsiteY34" fmla="*/ 18288 h 18288"/>
+              <a:gd name="connsiteX35" fmla="*/ 877824 w 10972800"/>
+              <a:gd name="connsiteY35" fmla="*/ 18288 h 18288"/>
+              <a:gd name="connsiteX36" fmla="*/ 0 w 10972800"/>
+              <a:gd name="connsiteY36" fmla="*/ 18288 h 18288"/>
+              <a:gd name="connsiteX37" fmla="*/ 0 w 10972800"/>
+              <a:gd name="connsiteY37" fmla="*/ 0 h 18288"/>
+            </a:gdLst>
+            <a:ahLst/>
+            <a:cxnLst>
+              <a:cxn ang="0">
+                <a:pos x="connsiteX0" y="connsiteY0"/>
+              </a:cxn>
+              <a:cxn ang="0">
+                <a:pos x="connsiteX1" y="connsiteY1"/>
+              </a:cxn>
+              <a:cxn ang="0">
+                <a:pos x="connsiteX2" y="connsiteY2"/>
+              </a:cxn>
+              <a:cxn ang="0">
+                <a:pos x="connsiteX3" y="connsiteY3"/>
+              </a:cxn>
+              <a:cxn ang="0">
+                <a:pos x="connsiteX4" y="connsiteY4"/>
+              </a:cxn>
+              <a:cxn ang="0">
+                <a:pos x="connsiteX5" y="connsiteY5"/>
+              </a:cxn>
+              <a:cxn ang="0">
+                <a:pos x="connsiteX6" y="connsiteY6"/>
+              </a:cxn>
+              <a:cxn ang="0">
+                <a:pos x="connsiteX7" y="connsiteY7"/>
+              </a:cxn>
+              <a:cxn ang="0">
+                <a:pos x="connsiteX8" y="connsiteY8"/>
+              </a:cxn>
+              <a:cxn ang="0">
+                <a:pos x="connsiteX9" y="connsiteY9"/>
+              </a:cxn>
+              <a:cxn ang="0">
+                <a:pos x="connsiteX10" y="connsiteY10"/>
+              </a:cxn>
+              <a:cxn ang="0">
+                <a:pos x="connsiteX11" y="connsiteY11"/>
+              </a:cxn>
+              <a:cxn ang="0">
+                <a:pos x="connsiteX12" y="connsiteY12"/>
+              </a:cxn>
+              <a:cxn ang="0">
+                <a:pos x="connsiteX13" y="connsiteY13"/>
+              </a:cxn>
+              <a:cxn ang="0">
+                <a:pos x="connsiteX14" y="connsiteY14"/>
+              </a:cxn>
+              <a:cxn ang="0">
+                <a:pos x="connsiteX15" y="connsiteY15"/>
+              </a:cxn>
+              <a:cxn ang="0">
+                <a:pos x="connsiteX16" y="connsiteY16"/>
+              </a:cxn>
+              <a:cxn ang="0">
+                <a:pos x="connsiteX17" y="connsiteY17"/>
+              </a:cxn>
+              <a:cxn ang="0">
+                <a:pos x="connsiteX18" y="connsiteY18"/>
+              </a:cxn>
+              <a:cxn ang="0">
+                <a:pos x="connsiteX19" y="connsiteY19"/>
+              </a:cxn>
+              <a:cxn ang="0">
+                <a:pos x="connsiteX20" y="connsiteY20"/>
+              </a:cxn>
+              <a:cxn ang="0">
+                <a:pos x="connsiteX21" y="connsiteY21"/>
+              </a:cxn>
+              <a:cxn ang="0">
+                <a:pos x="connsiteX22" y="connsiteY22"/>
+              </a:cxn>
+              <a:cxn ang="0">
+                <a:pos x="connsiteX23" y="connsiteY23"/>
+              </a:cxn>
+              <a:cxn ang="0">
+                <a:pos x="connsiteX24" y="connsiteY24"/>
+              </a:cxn>
+              <a:cxn ang="0">
+                <a:pos x="connsiteX25" y="connsiteY25"/>
+              </a:cxn>
+              <a:cxn ang="0">
+                <a:pos x="connsiteX26" y="connsiteY26"/>
+              </a:cxn>
+              <a:cxn ang="0">
+                <a:pos x="connsiteX27" y="connsiteY27"/>
+              </a:cxn>
+              <a:cxn ang="0">
+                <a:pos x="connsiteX28" y="connsiteY28"/>
+              </a:cxn>
+              <a:cxn ang="0">
+                <a:pos x="connsiteX29" y="connsiteY29"/>
+              </a:cxn>
+              <a:cxn ang="0">
+                <a:pos x="connsiteX30" y="connsiteY30"/>
+              </a:cxn>
+              <a:cxn ang="0">
+                <a:pos x="connsiteX31" y="connsiteY31"/>
+              </a:cxn>
+              <a:cxn ang="0">
+                <a:pos x="connsiteX32" y="connsiteY32"/>
+              </a:cxn>
+              <a:cxn ang="0">
+                <a:pos x="connsiteX33" y="connsiteY33"/>
+              </a:cxn>
+              <a:cxn ang="0">
+                <a:pos x="connsiteX34" y="connsiteY34"/>
+              </a:cxn>
+              <a:cxn ang="0">
+                <a:pos x="connsiteX35" y="connsiteY35"/>
+              </a:cxn>
+              <a:cxn ang="0">
+                <a:pos x="connsiteX36" y="connsiteY36"/>
+              </a:cxn>
+              <a:cxn ang="0">
+                <a:pos x="connsiteX37" y="connsiteY37"/>
+              </a:cxn>
+            </a:cxnLst>
+            <a:rect l="l" t="t" r="r" b="b"/>
+            <a:pathLst>
+              <a:path w="10972800" h="18288" fill="none" extrusionOk="0">
+                <a:moveTo>
+                  <a:pt x="0" y="0"/>
+                </a:moveTo>
+                <a:cubicBezTo>
+                  <a:pt x="165916" y="-1866"/>
+                  <a:pt x="188720" y="13756"/>
+                  <a:pt x="356616" y="0"/>
+                </a:cubicBezTo>
+                <a:cubicBezTo>
+                  <a:pt x="524512" y="-13756"/>
+                  <a:pt x="734781" y="8922"/>
+                  <a:pt x="1042416" y="0"/>
+                </a:cubicBezTo>
+                <a:cubicBezTo>
+                  <a:pt x="1350051" y="-8922"/>
+                  <a:pt x="1595982" y="-26315"/>
+                  <a:pt x="1947672" y="0"/>
+                </a:cubicBezTo>
+                <a:cubicBezTo>
+                  <a:pt x="2299362" y="26315"/>
+                  <a:pt x="2292691" y="-19526"/>
+                  <a:pt x="2633472" y="0"/>
+                </a:cubicBezTo>
+                <a:cubicBezTo>
+                  <a:pt x="2974253" y="19526"/>
+                  <a:pt x="2857309" y="10773"/>
+                  <a:pt x="2990088" y="0"/>
+                </a:cubicBezTo>
+                <a:cubicBezTo>
+                  <a:pt x="3122867" y="-10773"/>
+                  <a:pt x="3359343" y="7194"/>
+                  <a:pt x="3456432" y="0"/>
+                </a:cubicBezTo>
+                <a:cubicBezTo>
+                  <a:pt x="3553521" y="-7194"/>
+                  <a:pt x="4136258" y="5108"/>
+                  <a:pt x="4361688" y="0"/>
+                </a:cubicBezTo>
+                <a:cubicBezTo>
+                  <a:pt x="4587118" y="-5108"/>
+                  <a:pt x="4992424" y="-42958"/>
+                  <a:pt x="5266944" y="0"/>
+                </a:cubicBezTo>
+                <a:cubicBezTo>
+                  <a:pt x="5541464" y="42958"/>
+                  <a:pt x="5882966" y="-3430"/>
+                  <a:pt x="6172200" y="0"/>
+                </a:cubicBezTo>
+                <a:cubicBezTo>
+                  <a:pt x="6461434" y="3430"/>
+                  <a:pt x="6432127" y="6688"/>
+                  <a:pt x="6528816" y="0"/>
+                </a:cubicBezTo>
+                <a:cubicBezTo>
+                  <a:pt x="6625505" y="-6688"/>
+                  <a:pt x="6916805" y="-436"/>
+                  <a:pt x="7214616" y="0"/>
+                </a:cubicBezTo>
+                <a:cubicBezTo>
+                  <a:pt x="7512427" y="436"/>
+                  <a:pt x="7626159" y="-6909"/>
+                  <a:pt x="7790688" y="0"/>
+                </a:cubicBezTo>
+                <a:cubicBezTo>
+                  <a:pt x="7955217" y="6909"/>
+                  <a:pt x="8048891" y="15307"/>
+                  <a:pt x="8147304" y="0"/>
+                </a:cubicBezTo>
+                <a:cubicBezTo>
+                  <a:pt x="8245717" y="-15307"/>
+                  <a:pt x="8645618" y="-11734"/>
+                  <a:pt x="9052560" y="0"/>
+                </a:cubicBezTo>
+                <a:cubicBezTo>
+                  <a:pt x="9459502" y="11734"/>
+                  <a:pt x="9320584" y="8388"/>
+                  <a:pt x="9409176" y="0"/>
+                </a:cubicBezTo>
+                <a:cubicBezTo>
+                  <a:pt x="9497768" y="-8388"/>
+                  <a:pt x="9644192" y="8379"/>
+                  <a:pt x="9765792" y="0"/>
+                </a:cubicBezTo>
+                <a:cubicBezTo>
+                  <a:pt x="9887392" y="-8379"/>
+                  <a:pt x="10105220" y="-12663"/>
+                  <a:pt x="10341864" y="0"/>
+                </a:cubicBezTo>
+                <a:cubicBezTo>
+                  <a:pt x="10578508" y="12663"/>
+                  <a:pt x="10773103" y="-5786"/>
+                  <a:pt x="10972800" y="0"/>
+                </a:cubicBezTo>
+                <a:cubicBezTo>
+                  <a:pt x="10972146" y="8818"/>
+                  <a:pt x="10972240" y="13823"/>
+                  <a:pt x="10972800" y="18288"/>
+                </a:cubicBezTo>
+                <a:cubicBezTo>
+                  <a:pt x="10588778" y="31598"/>
+                  <a:pt x="10543381" y="-12698"/>
+                  <a:pt x="10177272" y="18288"/>
+                </a:cubicBezTo>
+                <a:cubicBezTo>
+                  <a:pt x="9811163" y="49274"/>
+                  <a:pt x="9996817" y="25662"/>
+                  <a:pt x="9820656" y="18288"/>
+                </a:cubicBezTo>
+                <a:cubicBezTo>
+                  <a:pt x="9644495" y="10914"/>
+                  <a:pt x="9607007" y="31631"/>
+                  <a:pt x="9464040" y="18288"/>
+                </a:cubicBezTo>
+                <a:cubicBezTo>
+                  <a:pt x="9321073" y="4945"/>
+                  <a:pt x="9114189" y="28940"/>
+                  <a:pt x="8778240" y="18288"/>
+                </a:cubicBezTo>
+                <a:cubicBezTo>
+                  <a:pt x="8442291" y="7636"/>
+                  <a:pt x="8594763" y="987"/>
+                  <a:pt x="8421624" y="18288"/>
+                </a:cubicBezTo>
+                <a:cubicBezTo>
+                  <a:pt x="8248485" y="35589"/>
+                  <a:pt x="7929515" y="37573"/>
+                  <a:pt x="7735824" y="18288"/>
+                </a:cubicBezTo>
+                <a:cubicBezTo>
+                  <a:pt x="7542133" y="-997"/>
+                  <a:pt x="7252504" y="33858"/>
+                  <a:pt x="6940296" y="18288"/>
+                </a:cubicBezTo>
+                <a:cubicBezTo>
+                  <a:pt x="6628088" y="2718"/>
+                  <a:pt x="6528503" y="48389"/>
+                  <a:pt x="6254496" y="18288"/>
+                </a:cubicBezTo>
+                <a:cubicBezTo>
+                  <a:pt x="5980489" y="-11813"/>
+                  <a:pt x="5695784" y="-3740"/>
+                  <a:pt x="5458968" y="18288"/>
+                </a:cubicBezTo>
+                <a:cubicBezTo>
+                  <a:pt x="5222152" y="40316"/>
+                  <a:pt x="5010751" y="19095"/>
+                  <a:pt x="4663440" y="18288"/>
+                </a:cubicBezTo>
+                <a:cubicBezTo>
+                  <a:pt x="4316129" y="17481"/>
+                  <a:pt x="4425552" y="1606"/>
+                  <a:pt x="4306824" y="18288"/>
+                </a:cubicBezTo>
+                <a:cubicBezTo>
+                  <a:pt x="4188096" y="34970"/>
+                  <a:pt x="3941535" y="7481"/>
+                  <a:pt x="3840480" y="18288"/>
+                </a:cubicBezTo>
+                <a:cubicBezTo>
+                  <a:pt x="3739425" y="29095"/>
+                  <a:pt x="3402388" y="17641"/>
+                  <a:pt x="3264408" y="18288"/>
+                </a:cubicBezTo>
+                <a:cubicBezTo>
+                  <a:pt x="3126428" y="18935"/>
+                  <a:pt x="2776779" y="9983"/>
+                  <a:pt x="2578608" y="18288"/>
+                </a:cubicBezTo>
+                <a:cubicBezTo>
+                  <a:pt x="2380437" y="26593"/>
+                  <a:pt x="1909468" y="25818"/>
+                  <a:pt x="1673352" y="18288"/>
+                </a:cubicBezTo>
+                <a:cubicBezTo>
+                  <a:pt x="1437236" y="10758"/>
+                  <a:pt x="1131180" y="49884"/>
+                  <a:pt x="877824" y="18288"/>
+                </a:cubicBezTo>
+                <a:cubicBezTo>
+                  <a:pt x="624468" y="-13308"/>
+                  <a:pt x="206753" y="2195"/>
+                  <a:pt x="0" y="18288"/>
+                </a:cubicBezTo>
+                <a:cubicBezTo>
+                  <a:pt x="313" y="10654"/>
+                  <a:pt x="-263" y="4056"/>
+                  <a:pt x="0" y="0"/>
+                </a:cubicBezTo>
+                <a:close/>
+              </a:path>
+              <a:path w="10972800" h="18288" stroke="0" extrusionOk="0">
+                <a:moveTo>
+                  <a:pt x="0" y="0"/>
+                </a:moveTo>
+                <a:cubicBezTo>
+                  <a:pt x="164017" y="-17675"/>
+                  <a:pt x="309425" y="9913"/>
+                  <a:pt x="466344" y="0"/>
+                </a:cubicBezTo>
+                <a:cubicBezTo>
+                  <a:pt x="623263" y="-9913"/>
+                  <a:pt x="659300" y="-14524"/>
+                  <a:pt x="822960" y="0"/>
+                </a:cubicBezTo>
+                <a:cubicBezTo>
+                  <a:pt x="986620" y="14524"/>
+                  <a:pt x="1105222" y="-16481"/>
+                  <a:pt x="1289304" y="0"/>
+                </a:cubicBezTo>
+                <a:cubicBezTo>
+                  <a:pt x="1473386" y="16481"/>
+                  <a:pt x="1693223" y="26161"/>
+                  <a:pt x="1975104" y="0"/>
+                </a:cubicBezTo>
+                <a:cubicBezTo>
+                  <a:pt x="2256985" y="-26161"/>
+                  <a:pt x="2435781" y="23061"/>
+                  <a:pt x="2770632" y="0"/>
+                </a:cubicBezTo>
+                <a:cubicBezTo>
+                  <a:pt x="3105483" y="-23061"/>
+                  <a:pt x="3247479" y="-44011"/>
+                  <a:pt x="3675888" y="0"/>
+                </a:cubicBezTo>
+                <a:cubicBezTo>
+                  <a:pt x="4104297" y="44011"/>
+                  <a:pt x="4280918" y="4017"/>
+                  <a:pt x="4581144" y="0"/>
+                </a:cubicBezTo>
+                <a:cubicBezTo>
+                  <a:pt x="4881370" y="-4017"/>
+                  <a:pt x="5021699" y="-11889"/>
+                  <a:pt x="5157216" y="0"/>
+                </a:cubicBezTo>
+                <a:cubicBezTo>
+                  <a:pt x="5292733" y="11889"/>
+                  <a:pt x="5603398" y="-17698"/>
+                  <a:pt x="5952744" y="0"/>
+                </a:cubicBezTo>
+                <a:cubicBezTo>
+                  <a:pt x="6302090" y="17698"/>
+                  <a:pt x="6353093" y="-11909"/>
+                  <a:pt x="6638544" y="0"/>
+                </a:cubicBezTo>
+                <a:cubicBezTo>
+                  <a:pt x="6923995" y="11909"/>
+                  <a:pt x="7053404" y="21630"/>
+                  <a:pt x="7214616" y="0"/>
+                </a:cubicBezTo>
+                <a:cubicBezTo>
+                  <a:pt x="7375828" y="-21630"/>
+                  <a:pt x="7837963" y="3886"/>
+                  <a:pt x="8010144" y="0"/>
+                </a:cubicBezTo>
+                <a:cubicBezTo>
+                  <a:pt x="8182325" y="-3886"/>
+                  <a:pt x="8224183" y="16009"/>
+                  <a:pt x="8366760" y="0"/>
+                </a:cubicBezTo>
+                <a:cubicBezTo>
+                  <a:pt x="8509337" y="-16009"/>
+                  <a:pt x="8687920" y="-5720"/>
+                  <a:pt x="8942832" y="0"/>
+                </a:cubicBezTo>
+                <a:cubicBezTo>
+                  <a:pt x="9197744" y="5720"/>
+                  <a:pt x="9368437" y="20479"/>
+                  <a:pt x="9628632" y="0"/>
+                </a:cubicBezTo>
+                <a:cubicBezTo>
+                  <a:pt x="9888827" y="-20479"/>
+                  <a:pt x="10560858" y="-20746"/>
+                  <a:pt x="10972800" y="0"/>
+                </a:cubicBezTo>
+                <a:cubicBezTo>
+                  <a:pt x="10972186" y="5722"/>
+                  <a:pt x="10972980" y="12495"/>
+                  <a:pt x="10972800" y="18288"/>
+                </a:cubicBezTo>
+                <a:cubicBezTo>
+                  <a:pt x="10786146" y="12536"/>
+                  <a:pt x="10623717" y="14033"/>
+                  <a:pt x="10506456" y="18288"/>
+                </a:cubicBezTo>
+                <a:cubicBezTo>
+                  <a:pt x="10389195" y="22543"/>
+                  <a:pt x="10296178" y="20107"/>
+                  <a:pt x="10149840" y="18288"/>
+                </a:cubicBezTo>
+                <a:cubicBezTo>
+                  <a:pt x="10003502" y="16469"/>
+                  <a:pt x="9767530" y="28891"/>
+                  <a:pt x="9464040" y="18288"/>
+                </a:cubicBezTo>
+                <a:cubicBezTo>
+                  <a:pt x="9160550" y="7685"/>
+                  <a:pt x="9229050" y="2659"/>
+                  <a:pt x="8997696" y="18288"/>
+                </a:cubicBezTo>
+                <a:cubicBezTo>
+                  <a:pt x="8766342" y="33917"/>
+                  <a:pt x="8340136" y="34864"/>
+                  <a:pt x="8092440" y="18288"/>
+                </a:cubicBezTo>
+                <a:cubicBezTo>
+                  <a:pt x="7844744" y="1712"/>
+                  <a:pt x="7863720" y="27405"/>
+                  <a:pt x="7735824" y="18288"/>
+                </a:cubicBezTo>
+                <a:cubicBezTo>
+                  <a:pt x="7607928" y="9171"/>
+                  <a:pt x="7323619" y="461"/>
+                  <a:pt x="7050024" y="18288"/>
+                </a:cubicBezTo>
+                <a:cubicBezTo>
+                  <a:pt x="6776429" y="36115"/>
+                  <a:pt x="6787899" y="28206"/>
+                  <a:pt x="6693408" y="18288"/>
+                </a:cubicBezTo>
+                <a:cubicBezTo>
+                  <a:pt x="6598917" y="8370"/>
+                  <a:pt x="6395231" y="19114"/>
+                  <a:pt x="6227064" y="18288"/>
+                </a:cubicBezTo>
+                <a:cubicBezTo>
+                  <a:pt x="6058897" y="17462"/>
+                  <a:pt x="5618582" y="1091"/>
+                  <a:pt x="5431536" y="18288"/>
+                </a:cubicBezTo>
+                <a:cubicBezTo>
+                  <a:pt x="5244490" y="35485"/>
+                  <a:pt x="4729797" y="-9650"/>
+                  <a:pt x="4526280" y="18288"/>
+                </a:cubicBezTo>
+                <a:cubicBezTo>
+                  <a:pt x="4322763" y="46226"/>
+                  <a:pt x="4216797" y="756"/>
+                  <a:pt x="4059936" y="18288"/>
+                </a:cubicBezTo>
+                <a:cubicBezTo>
+                  <a:pt x="3903075" y="35820"/>
+                  <a:pt x="3537912" y="42098"/>
+                  <a:pt x="3374136" y="18288"/>
+                </a:cubicBezTo>
+                <a:cubicBezTo>
+                  <a:pt x="3210360" y="-5522"/>
+                  <a:pt x="3126842" y="39135"/>
+                  <a:pt x="2907792" y="18288"/>
+                </a:cubicBezTo>
+                <a:cubicBezTo>
+                  <a:pt x="2688742" y="-2559"/>
+                  <a:pt x="2490436" y="34100"/>
+                  <a:pt x="2112264" y="18288"/>
+                </a:cubicBezTo>
+                <a:cubicBezTo>
+                  <a:pt x="1734092" y="2476"/>
+                  <a:pt x="1744622" y="-7274"/>
+                  <a:pt x="1536192" y="18288"/>
+                </a:cubicBezTo>
+                <a:cubicBezTo>
+                  <a:pt x="1327762" y="43850"/>
+                  <a:pt x="1189025" y="6435"/>
+                  <a:pt x="1069848" y="18288"/>
+                </a:cubicBezTo>
+                <a:cubicBezTo>
+                  <a:pt x="950671" y="30141"/>
+                  <a:pt x="858345" y="33684"/>
+                  <a:pt x="713232" y="18288"/>
+                </a:cubicBezTo>
+                <a:cubicBezTo>
+                  <a:pt x="568119" y="2892"/>
+                  <a:pt x="250292" y="5410"/>
+                  <a:pt x="0" y="18288"/>
+                </a:cubicBezTo>
+                <a:cubicBezTo>
+                  <a:pt x="465" y="13062"/>
+                  <a:pt x="-894" y="9029"/>
+                  <a:pt x="0" y="0"/>
+                </a:cubicBezTo>
+                <a:close/>
+              </a:path>
+            </a:pathLst>
+          </a:custGeom>
+          <a:solidFill>
+            <a:schemeClr val="accent2">
+              <a:alpha val="75000"/>
+            </a:schemeClr>
+          </a:solidFill>
+          <a:ln w="44450" cap="rnd">
+            <a:solidFill>
+              <a:schemeClr val="accent2">
+                <a:alpha val="75000"/>
+              </a:schemeClr>
+            </a:solidFill>
+            <a:round/>
+            <a:extLst>
+              <a:ext uri="{C807C97D-BFC1-408E-A445-0C87EB9F89A2}">
+                <ask:lineSketchStyleProps xmlns:ask="http://schemas.microsoft.com/office/drawing/2018/sketchyshapes" sd="2727557108">
+                  <a:prstGeom prst="rect">
+                    <a:avLst/>
+                  </a:prstGeom>
+                  <ask:type>
+                    <ask:lineSketchFreehand/>
+                  </ask:type>
+                </ask:lineSketchStyleProps>
+              </a:ext>
+            </a:extLst>
+          </a:ln>
+        </p:spPr>
+        <p:style>
+          <a:lnRef idx="2">
+            <a:schemeClr val="accent1">
+              <a:shade val="50000"/>
+            </a:schemeClr>
+          </a:lnRef>
+          <a:fillRef idx="1">
+            <a:schemeClr val="accent1"/>
+          </a:fillRef>
+          <a:effectRef idx="0">
+            <a:schemeClr val="accent1"/>
+          </a:effectRef>
+          <a:fontRef idx="minor">
+            <a:schemeClr val="lt1"/>
+          </a:fontRef>
+        </p:style>
+        <p:txBody>
+          <a:bodyPr rtlCol="0" anchor="ctr"/>
+          <a:lstStyle/>
+          <a:p>
+            <a:pPr algn="ctr"/>
+            <a:endParaRPr lang="en-US"/>
+          </a:p>
+        </p:txBody>
+      </p:sp>
+      <p:sp>
+        <p:nvSpPr>
+          <p:cNvPr id="21" name="Content Placeholder 20">
+            <a:extLst>
+              <a:ext uri="{FF2B5EF4-FFF2-40B4-BE49-F238E27FC236}">
+                <a16:creationId xmlns:a16="http://schemas.microsoft.com/office/drawing/2014/main" id="{336136D2-8CEB-BEC2-603E-BD4651813218}"/>
+              </a:ext>
+            </a:extLst>
+          </p:cNvPr>
+          <p:cNvSpPr>
+            <a:spLocks noGrp="1"/>
+          </p:cNvSpPr>
+          <p:nvPr>
+            <p:ph idx="1"/>
+          </p:nvPr>
+        </p:nvSpPr>
+        <p:spPr>
+          <a:xfrm>
+            <a:off x="572493" y="2071316"/>
+            <a:ext cx="6713552" cy="4119172"/>
+          </a:xfrm>
+        </p:spPr>
+        <p:txBody>
+          <a:bodyPr anchor="t">
+            <a:normAutofit/>
+          </a:bodyPr>
+          <a:lstStyle/>
+          <a:p>
+            <a:r>
+              <a:rPr lang="en-GB" sz="2200" dirty="0"/>
+              <a:t>84% of shipments met the on-time delivery threshold (arriving no later than 30 minutes past the last delivery scheduled time) between October 1</a:t>
+            </a:r>
+            <a:r>
+              <a:rPr lang="en-GB" sz="2200" baseline="30000" dirty="0"/>
+              <a:t>st</a:t>
+            </a:r>
+            <a:r>
+              <a:rPr lang="en-GB" sz="2200" dirty="0"/>
+              <a:t>  and December 31</a:t>
+            </a:r>
+            <a:r>
+              <a:rPr lang="en-GB" sz="2200" baseline="30000" dirty="0"/>
+              <a:t>st</a:t>
+            </a:r>
+            <a:r>
+              <a:rPr lang="en-GB" sz="2200" dirty="0"/>
+              <a:t> 2023</a:t>
+            </a:r>
+          </a:p>
+          <a:p>
+            <a:r>
+              <a:rPr lang="en-GB" sz="2200" dirty="0"/>
+              <a:t>There is also a consistent percentage of late and on-time deliveries between those months</a:t>
+            </a:r>
+          </a:p>
+          <a:p>
+            <a:r>
+              <a:rPr lang="en-GB" sz="2200" dirty="0"/>
+              <a:t>The analysis showed that geographical data and vehicle size were the most significant factors </a:t>
+            </a:r>
+            <a:endParaRPr lang="en-US" sz="2200" dirty="0"/>
+          </a:p>
+        </p:txBody>
+      </p:sp>
+      <p:pic>
+        <p:nvPicPr>
+          <p:cNvPr id="9" name="Content Placeholder 8" descr="A graph with blue and red bars&#10;&#10;Description automatically generated">
+            <a:extLst>
+              <a:ext uri="{FF2B5EF4-FFF2-40B4-BE49-F238E27FC236}">
+                <a16:creationId xmlns:a16="http://schemas.microsoft.com/office/drawing/2014/main" id="{976E6772-32DD-8068-E80B-43BB7D879296}"/>
+              </a:ext>
+            </a:extLst>
+          </p:cNvPr>
+          <p:cNvPicPr>
+            <a:picLocks noChangeAspect="1"/>
+          </p:cNvPicPr>
+          <p:nvPr/>
+        </p:nvPicPr>
+        <p:blipFill rotWithShape="1">
+          <a:blip r:embed="rId2">
+            <a:extLst>
+              <a:ext uri="{28A0092B-C50C-407E-A947-70E740481C1C}">
+                <a14:useLocalDpi xmlns:a14="http://schemas.microsoft.com/office/drawing/2010/main" val="0"/>
+              </a:ext>
+            </a:extLst>
+          </a:blip>
+          <a:srcRect l="901" r="2891" b="-3"/>
+          <a:stretch/>
+        </p:blipFill>
+        <p:spPr>
+          <a:xfrm>
+            <a:off x="7675658" y="2093976"/>
+            <a:ext cx="3941064" cy="4096512"/>
+          </a:xfrm>
+          <a:prstGeom prst="rect">
+            <a:avLst/>
+          </a:prstGeom>
+        </p:spPr>
+      </p:pic>
+    </p:spTree>
+    <p:extLst>
+      <p:ext uri="{BB962C8B-B14F-4D97-AF65-F5344CB8AC3E}">
+        <p14:creationId xmlns:p14="http://schemas.microsoft.com/office/powerpoint/2010/main" val="3901842482"/>
+      </p:ext>
+    </p:extLst>
+  </p:cSld>
+  <p:clrMapOvr>
+    <a:masterClrMapping/>
+  </p:clrMapOvr>
+</p:sld>
+</file>
+
+<file path=ppt/slides/slide4.xml><?xml version="1.0" encoding="utf-8"?>
+<p:sld xmlns:a="http://schemas.openxmlformats.org/drawingml/2006/main" xmlns:r="http://schemas.openxmlformats.org/officeDocument/2006/relationships" xmlns:p="http://schemas.openxmlformats.org/presentationml/2006/main">
+  <p:cSld>
+    <p:bg>
+      <p:bgPr>
+        <a:solidFill>
+          <a:schemeClr val="bg1"/>
+        </a:solidFill>
+        <a:effectLst/>
+      </p:bgPr>
+    </p:bg>
+    <p:spTree>
+      <p:nvGrpSpPr>
+        <p:cNvPr id="1" name=""/>
+        <p:cNvGrpSpPr/>
+        <p:nvPr/>
+      </p:nvGrpSpPr>
+      <p:grpSpPr>
+        <a:xfrm>
+          <a:off x="0" y="0"/>
+          <a:ext cx="0" cy="0"/>
+          <a:chOff x="0" y="0"/>
+          <a:chExt cx="0" cy="0"/>
+        </a:xfrm>
+      </p:grpSpPr>
+      <p:sp useBgFill="1">
+        <p:nvSpPr>
+          <p:cNvPr id="31" name="Rectangle 30">
+            <a:extLst>
+              <a:ext uri="{FF2B5EF4-FFF2-40B4-BE49-F238E27FC236}">
+                <a16:creationId xmlns:a16="http://schemas.microsoft.com/office/drawing/2014/main" id="{743AA782-23D1-4521-8CAD-47662984AA08}"/>
+              </a:ext>
+              <a:ext uri="{C183D7F6-B498-43B3-948B-1728B52AA6E4}">
+                <adec:decorative xmlns:adec="http://schemas.microsoft.com/office/drawing/2017/decorative" val="1"/>
+              </a:ext>
+            </a:extLst>
+          </p:cNvPr>
+          <p:cNvSpPr>
+            <a:spLocks noGrp="1" noRot="1" noChangeAspect="1" noMove="1" noResize="1" noEditPoints="1" noAdjustHandles="1" noChangeArrowheads="1" noChangeShapeType="1" noTextEdit="1"/>
+          </p:cNvSpPr>
+          <p:nvPr>
+            <p:extLst>
+              <p:ext uri="{386F3935-93C4-4BCD-93E2-E3B085C9AB24}">
+                <p16:designElem xmlns:p16="http://schemas.microsoft.com/office/powerpoint/2015/main" val="1"/>
+              </p:ext>
+            </p:extLst>
+          </p:nvPr>
+        </p:nvSpPr>
+        <p:spPr>
+          <a:xfrm>
+            <a:off x="0" y="0"/>
+            <a:ext cx="12192000" cy="6858000"/>
+          </a:xfrm>
+          <a:prstGeom prst="rect">
+            <a:avLst/>
+          </a:prstGeom>
+          <a:ln>
+            <a:noFill/>
+          </a:ln>
+        </p:spPr>
+        <p:style>
+          <a:lnRef idx="2">
+            <a:schemeClr val="accent1">
+              <a:shade val="50000"/>
+            </a:schemeClr>
+          </a:lnRef>
+          <a:fillRef idx="1">
+            <a:schemeClr val="accent1"/>
+          </a:fillRef>
+          <a:effectRef idx="0">
+            <a:schemeClr val="accent1"/>
+          </a:effectRef>
+          <a:fontRef idx="minor">
+            <a:schemeClr val="lt1"/>
+          </a:fontRef>
+        </p:style>
+        <p:txBody>
+          <a:bodyPr rtlCol="0" anchor="ctr"/>
+          <a:lstStyle/>
+          <a:p>
+            <a:pPr algn="ctr"/>
+            <a:endParaRPr lang="en-US"/>
+          </a:p>
+        </p:txBody>
+      </p:sp>
+      <p:sp>
+        <p:nvSpPr>
+          <p:cNvPr id="2" name="Title 1">
+            <a:extLst>
+              <a:ext uri="{FF2B5EF4-FFF2-40B4-BE49-F238E27FC236}">
+                <a16:creationId xmlns:a16="http://schemas.microsoft.com/office/drawing/2014/main" id="{31BC6D9B-DE87-F81F-23D7-000790C11162}"/>
+              </a:ext>
+            </a:extLst>
+          </p:cNvPr>
+          <p:cNvSpPr>
+            <a:spLocks noGrp="1"/>
+          </p:cNvSpPr>
+          <p:nvPr>
+            <p:ph type="title"/>
+          </p:nvPr>
+        </p:nvSpPr>
+        <p:spPr>
+          <a:xfrm>
+            <a:off x="630936" y="640080"/>
+            <a:ext cx="4818888" cy="1481328"/>
+          </a:xfrm>
+        </p:spPr>
+        <p:txBody>
+          <a:bodyPr anchor="b">
+            <a:normAutofit/>
+          </a:bodyPr>
+          <a:lstStyle/>
+          <a:p>
+            <a:r>
+              <a:rPr lang="en-GB" sz="5000"/>
+              <a:t>Analysing potential delays</a:t>
+            </a:r>
+            <a:endParaRPr lang="en-US" sz="5000"/>
+          </a:p>
+        </p:txBody>
+      </p:sp>
+      <p:sp>
+        <p:nvSpPr>
+          <p:cNvPr id="33" name="sketch line">
+            <a:extLst>
+              <a:ext uri="{FF2B5EF4-FFF2-40B4-BE49-F238E27FC236}">
+                <a16:creationId xmlns:a16="http://schemas.microsoft.com/office/drawing/2014/main" id="{650D18FE-0824-4A46-B22C-A86B52E5780A}"/>
+              </a:ext>
+              <a:ext uri="{C183D7F6-B498-43B3-948B-1728B52AA6E4}">
+                <adec:decorative xmlns:adec="http://schemas.microsoft.com/office/drawing/2017/decorative" val="1"/>
+              </a:ext>
+            </a:extLst>
+          </p:cNvPr>
+          <p:cNvSpPr>
+            <a:spLocks noGrp="1" noRot="1" noChangeAspect="1" noMove="1" noResize="1" noEditPoints="1" noAdjustHandles="1" noChangeArrowheads="1" noChangeShapeType="1" noTextEdit="1"/>
+          </p:cNvSpPr>
+          <p:nvPr>
+            <p:extLst>
+              <p:ext uri="{386F3935-93C4-4BCD-93E2-E3B085C9AB24}">
+                <p16:designElem xmlns:p16="http://schemas.microsoft.com/office/powerpoint/2015/main" val="1"/>
+              </p:ext>
+            </p:extLst>
+          </p:nvPr>
+        </p:nvSpPr>
+        <p:spPr>
+          <a:xfrm>
+            <a:off x="643278" y="2372868"/>
+            <a:ext cx="3255095" cy="18288"/>
+          </a:xfrm>
+          <a:custGeom>
+            <a:avLst/>
+            <a:gdLst>
+              <a:gd name="connsiteX0" fmla="*/ 0 w 3255095"/>
+              <a:gd name="connsiteY0" fmla="*/ 0 h 18288"/>
+              <a:gd name="connsiteX1" fmla="*/ 618468 w 3255095"/>
+              <a:gd name="connsiteY1" fmla="*/ 0 h 18288"/>
+              <a:gd name="connsiteX2" fmla="*/ 1269487 w 3255095"/>
+              <a:gd name="connsiteY2" fmla="*/ 0 h 18288"/>
+              <a:gd name="connsiteX3" fmla="*/ 1953057 w 3255095"/>
+              <a:gd name="connsiteY3" fmla="*/ 0 h 18288"/>
+              <a:gd name="connsiteX4" fmla="*/ 2636627 w 3255095"/>
+              <a:gd name="connsiteY4" fmla="*/ 0 h 18288"/>
+              <a:gd name="connsiteX5" fmla="*/ 3255095 w 3255095"/>
+              <a:gd name="connsiteY5" fmla="*/ 0 h 18288"/>
+              <a:gd name="connsiteX6" fmla="*/ 3255095 w 3255095"/>
+              <a:gd name="connsiteY6" fmla="*/ 18288 h 18288"/>
+              <a:gd name="connsiteX7" fmla="*/ 2538974 w 3255095"/>
+              <a:gd name="connsiteY7" fmla="*/ 18288 h 18288"/>
+              <a:gd name="connsiteX8" fmla="*/ 1822853 w 3255095"/>
+              <a:gd name="connsiteY8" fmla="*/ 18288 h 18288"/>
+              <a:gd name="connsiteX9" fmla="*/ 1171834 w 3255095"/>
+              <a:gd name="connsiteY9" fmla="*/ 18288 h 18288"/>
+              <a:gd name="connsiteX10" fmla="*/ 0 w 3255095"/>
+              <a:gd name="connsiteY10" fmla="*/ 18288 h 18288"/>
+              <a:gd name="connsiteX11" fmla="*/ 0 w 3255095"/>
+              <a:gd name="connsiteY11" fmla="*/ 0 h 18288"/>
+            </a:gdLst>
+            <a:ahLst/>
+            <a:cxnLst>
+              <a:cxn ang="0">
+                <a:pos x="connsiteX0" y="connsiteY0"/>
+              </a:cxn>
+              <a:cxn ang="0">
+                <a:pos x="connsiteX1" y="connsiteY1"/>
+              </a:cxn>
+              <a:cxn ang="0">
+                <a:pos x="connsiteX2" y="connsiteY2"/>
+              </a:cxn>
+              <a:cxn ang="0">
+                <a:pos x="connsiteX3" y="connsiteY3"/>
+              </a:cxn>
+              <a:cxn ang="0">
+                <a:pos x="connsiteX4" y="connsiteY4"/>
+              </a:cxn>
+              <a:cxn ang="0">
+                <a:pos x="connsiteX5" y="connsiteY5"/>
+              </a:cxn>
+              <a:cxn ang="0">
+                <a:pos x="connsiteX6" y="connsiteY6"/>
+              </a:cxn>
+              <a:cxn ang="0">
+                <a:pos x="connsiteX7" y="connsiteY7"/>
+              </a:cxn>
+              <a:cxn ang="0">
+                <a:pos x="connsiteX8" y="connsiteY8"/>
+              </a:cxn>
+              <a:cxn ang="0">
+                <a:pos x="connsiteX9" y="connsiteY9"/>
+              </a:cxn>
+              <a:cxn ang="0">
+                <a:pos x="connsiteX10" y="connsiteY10"/>
+              </a:cxn>
+              <a:cxn ang="0">
+                <a:pos x="connsiteX11" y="connsiteY11"/>
+              </a:cxn>
+            </a:cxnLst>
+            <a:rect l="l" t="t" r="r" b="b"/>
+            <a:pathLst>
+              <a:path w="3255095" h="18288" fill="none" extrusionOk="0">
+                <a:moveTo>
+                  <a:pt x="0" y="0"/>
+                </a:moveTo>
+                <a:cubicBezTo>
+                  <a:pt x="240201" y="-22123"/>
+                  <a:pt x="462021" y="-19623"/>
+                  <a:pt x="618468" y="0"/>
+                </a:cubicBezTo>
+                <a:cubicBezTo>
+                  <a:pt x="774915" y="19623"/>
+                  <a:pt x="974734" y="2035"/>
+                  <a:pt x="1269487" y="0"/>
+                </a:cubicBezTo>
+                <a:cubicBezTo>
+                  <a:pt x="1564240" y="-2035"/>
+                  <a:pt x="1733579" y="10639"/>
+                  <a:pt x="1953057" y="0"/>
+                </a:cubicBezTo>
+                <a:cubicBezTo>
+                  <a:pt x="2172535" y="-10639"/>
+                  <a:pt x="2453962" y="14018"/>
+                  <a:pt x="2636627" y="0"/>
+                </a:cubicBezTo>
+                <a:cubicBezTo>
+                  <a:pt x="2819292" y="-14018"/>
+                  <a:pt x="3121375" y="5399"/>
+                  <a:pt x="3255095" y="0"/>
+                </a:cubicBezTo>
+                <a:cubicBezTo>
+                  <a:pt x="3254386" y="8157"/>
+                  <a:pt x="3254682" y="12125"/>
+                  <a:pt x="3255095" y="18288"/>
+                </a:cubicBezTo>
+                <a:cubicBezTo>
+                  <a:pt x="3088545" y="23203"/>
+                  <a:pt x="2687475" y="7419"/>
+                  <a:pt x="2538974" y="18288"/>
+                </a:cubicBezTo>
+                <a:cubicBezTo>
+                  <a:pt x="2390473" y="29157"/>
+                  <a:pt x="2137381" y="-8959"/>
+                  <a:pt x="1822853" y="18288"/>
+                </a:cubicBezTo>
+                <a:cubicBezTo>
+                  <a:pt x="1508325" y="45535"/>
+                  <a:pt x="1466437" y="20385"/>
+                  <a:pt x="1171834" y="18288"/>
+                </a:cubicBezTo>
+                <a:cubicBezTo>
+                  <a:pt x="877231" y="16191"/>
+                  <a:pt x="561097" y="37643"/>
+                  <a:pt x="0" y="18288"/>
+                </a:cubicBezTo>
+                <a:cubicBezTo>
+                  <a:pt x="-46" y="12483"/>
+                  <a:pt x="-203" y="6491"/>
+                  <a:pt x="0" y="0"/>
+                </a:cubicBezTo>
+                <a:close/>
+              </a:path>
+              <a:path w="3255095" h="18288" stroke="0" extrusionOk="0">
+                <a:moveTo>
+                  <a:pt x="0" y="0"/>
+                </a:moveTo>
+                <a:cubicBezTo>
+                  <a:pt x="291965" y="19429"/>
+                  <a:pt x="363155" y="8568"/>
+                  <a:pt x="618468" y="0"/>
+                </a:cubicBezTo>
+                <a:cubicBezTo>
+                  <a:pt x="873781" y="-8568"/>
+                  <a:pt x="904459" y="-19505"/>
+                  <a:pt x="1171834" y="0"/>
+                </a:cubicBezTo>
+                <a:cubicBezTo>
+                  <a:pt x="1439209" y="19505"/>
+                  <a:pt x="1744369" y="9790"/>
+                  <a:pt x="1887955" y="0"/>
+                </a:cubicBezTo>
+                <a:cubicBezTo>
+                  <a:pt x="2031541" y="-9790"/>
+                  <a:pt x="2346378" y="21240"/>
+                  <a:pt x="2506423" y="0"/>
+                </a:cubicBezTo>
+                <a:cubicBezTo>
+                  <a:pt x="2666468" y="-21240"/>
+                  <a:pt x="2990257" y="30414"/>
+                  <a:pt x="3255095" y="0"/>
+                </a:cubicBezTo>
+                <a:cubicBezTo>
+                  <a:pt x="3254831" y="4493"/>
+                  <a:pt x="3255479" y="9472"/>
+                  <a:pt x="3255095" y="18288"/>
+                </a:cubicBezTo>
+                <a:cubicBezTo>
+                  <a:pt x="3120743" y="16690"/>
+                  <a:pt x="2759628" y="42462"/>
+                  <a:pt x="2604076" y="18288"/>
+                </a:cubicBezTo>
+                <a:cubicBezTo>
+                  <a:pt x="2448524" y="-5886"/>
+                  <a:pt x="2184336" y="19599"/>
+                  <a:pt x="1887955" y="18288"/>
+                </a:cubicBezTo>
+                <a:cubicBezTo>
+                  <a:pt x="1591574" y="16977"/>
+                  <a:pt x="1548845" y="6870"/>
+                  <a:pt x="1334589" y="18288"/>
+                </a:cubicBezTo>
+                <a:cubicBezTo>
+                  <a:pt x="1120333" y="29706"/>
+                  <a:pt x="996014" y="9662"/>
+                  <a:pt x="683570" y="18288"/>
+                </a:cubicBezTo>
+                <a:cubicBezTo>
+                  <a:pt x="371126" y="26914"/>
+                  <a:pt x="198687" y="16167"/>
+                  <a:pt x="0" y="18288"/>
+                </a:cubicBezTo>
+                <a:cubicBezTo>
+                  <a:pt x="843" y="9577"/>
+                  <a:pt x="371" y="6900"/>
+                  <a:pt x="0" y="0"/>
+                </a:cubicBezTo>
+                <a:close/>
+              </a:path>
+            </a:pathLst>
+          </a:custGeom>
+          <a:solidFill>
+            <a:schemeClr val="accent2"/>
+          </a:solidFill>
+          <a:ln w="38100" cap="rnd">
+            <a:solidFill>
+              <a:schemeClr val="accent2"/>
+            </a:solidFill>
+            <a:round/>
+            <a:extLst>
+              <a:ext uri="{C807C97D-BFC1-408E-A445-0C87EB9F89A2}">
+                <ask:lineSketchStyleProps xmlns:ask="http://schemas.microsoft.com/office/drawing/2018/sketchyshapes" sd="1219033472">
+                  <a:prstGeom prst="rect">
+                    <a:avLst/>
+                  </a:prstGeom>
+                  <ask:type>
+                    <ask:lineSketchFreehand/>
+                  </ask:type>
+                </ask:lineSketchStyleProps>
+              </a:ext>
+            </a:extLst>
+          </a:ln>
+        </p:spPr>
+        <p:style>
+          <a:lnRef idx="2">
+            <a:schemeClr val="accent1">
+              <a:shade val="50000"/>
+            </a:schemeClr>
+          </a:lnRef>
+          <a:fillRef idx="1">
+            <a:schemeClr val="accent1"/>
+          </a:fillRef>
+          <a:effectRef idx="0">
+            <a:schemeClr val="accent1"/>
+          </a:effectRef>
+          <a:fontRef idx="minor">
+            <a:schemeClr val="lt1"/>
+          </a:fontRef>
+        </p:style>
+        <p:txBody>
+          <a:bodyPr rtlCol="0" anchor="ctr"/>
+          <a:lstStyle/>
+          <a:p>
+            <a:pPr algn="ctr"/>
+            <a:endParaRPr lang="en-US"/>
+          </a:p>
+        </p:txBody>
+      </p:sp>
+      <p:sp>
+        <p:nvSpPr>
+          <p:cNvPr id="6" name="Content Placeholder 20">
+            <a:extLst>
+              <a:ext uri="{FF2B5EF4-FFF2-40B4-BE49-F238E27FC236}">
+                <a16:creationId xmlns:a16="http://schemas.microsoft.com/office/drawing/2014/main" id="{85DD22B4-73F5-2C8F-C1D5-ECFD1E3292C9}"/>
+              </a:ext>
+            </a:extLst>
+          </p:cNvPr>
+          <p:cNvSpPr>
+            <a:spLocks noGrp="1"/>
+          </p:cNvSpPr>
+          <p:nvPr>
+            <p:ph idx="1"/>
+          </p:nvPr>
+        </p:nvSpPr>
+        <p:spPr>
+          <a:xfrm>
+            <a:off x="630936" y="2660904"/>
+            <a:ext cx="4818888" cy="3547872"/>
+          </a:xfrm>
+        </p:spPr>
+        <p:txBody>
+          <a:bodyPr anchor="t">
+            <a:normAutofit/>
+          </a:bodyPr>
+          <a:lstStyle/>
+          <a:p>
+            <a:r>
+              <a:rPr lang="en-GB" sz="2000" dirty="0"/>
+              <a:t>There were reported significant delays of deliveries during the period between October 1</a:t>
+            </a:r>
+            <a:r>
+              <a:rPr lang="en-GB" sz="2000" baseline="30000" dirty="0"/>
+              <a:t>st</a:t>
+            </a:r>
+            <a:r>
+              <a:rPr lang="en-GB" sz="2000" dirty="0"/>
+              <a:t> and December 31</a:t>
+            </a:r>
+            <a:r>
+              <a:rPr lang="en-GB" sz="2000" baseline="30000" dirty="0"/>
+              <a:t>st</a:t>
+            </a:r>
+            <a:r>
+              <a:rPr lang="en-GB" sz="2000" dirty="0"/>
+              <a:t> 2023</a:t>
+            </a:r>
+          </a:p>
+          <a:p>
+            <a:r>
+              <a:rPr lang="en-GB" sz="2000" dirty="0"/>
+              <a:t>The average delay of shipments has shown to reduce by approximately a half between those months</a:t>
+            </a:r>
+          </a:p>
+          <a:p>
+            <a:r>
+              <a:rPr lang="en-GB" sz="2000" dirty="0"/>
+              <a:t>One key method of reducing the impact of potential delays is by notifying shippers in advance (30 minutes before the last scheduled time)</a:t>
+            </a:r>
+          </a:p>
+          <a:p>
+            <a:endParaRPr lang="en-US" sz="2000" dirty="0"/>
+          </a:p>
+        </p:txBody>
+      </p:sp>
+      <p:pic>
+        <p:nvPicPr>
+          <p:cNvPr id="5" name="Content Placeholder 8" descr="A graph of a number of black rectangular objects&#10;&#10;Description automatically generated with medium confidence">
+            <a:extLst>
+              <a:ext uri="{FF2B5EF4-FFF2-40B4-BE49-F238E27FC236}">
+                <a16:creationId xmlns:a16="http://schemas.microsoft.com/office/drawing/2014/main" id="{8E09A9F0-5040-A660-AE3A-DA09E6A2E8CB}"/>
+              </a:ext>
+            </a:extLst>
+          </p:cNvPr>
+          <p:cNvPicPr>
+            <a:picLocks noChangeAspect="1"/>
+          </p:cNvPicPr>
+          <p:nvPr/>
+        </p:nvPicPr>
+        <p:blipFill>
+          <a:blip r:embed="rId2">
+            <a:extLst>
+              <a:ext uri="{28A0092B-C50C-407E-A947-70E740481C1C}">
+                <a14:useLocalDpi xmlns:a14="http://schemas.microsoft.com/office/drawing/2010/main" val="0"/>
+              </a:ext>
+            </a:extLst>
+          </a:blip>
+          <a:stretch>
+            <a:fillRect/>
+          </a:stretch>
+        </p:blipFill>
+        <p:spPr>
+          <a:xfrm>
+            <a:off x="6099048" y="1743542"/>
+            <a:ext cx="5458968" cy="3370916"/>
+          </a:xfrm>
+          <a:prstGeom prst="rect">
+            <a:avLst/>
+          </a:prstGeom>
+        </p:spPr>
+      </p:pic>
+    </p:spTree>
+    <p:extLst>
+      <p:ext uri="{BB962C8B-B14F-4D97-AF65-F5344CB8AC3E}">
+        <p14:creationId xmlns:p14="http://schemas.microsoft.com/office/powerpoint/2010/main" val="3513134218"/>
+      </p:ext>
+    </p:extLst>
+  </p:cSld>
+  <p:clrMapOvr>
+    <a:masterClrMapping/>
+  </p:clrMapOvr>
+</p:sld>
+</file>
+
+<file path=ppt/slides/slide5.xml><?xml version="1.0" encoding="utf-8"?>
+<p:sld xmlns:a="http://schemas.openxmlformats.org/drawingml/2006/main" xmlns:r="http://schemas.openxmlformats.org/officeDocument/2006/relationships" xmlns:p="http://schemas.openxmlformats.org/presentationml/2006/main">
+  <p:cSld>
+    <p:bg>
+      <p:bgPr>
+        <a:solidFill>
+          <a:schemeClr val="bg1"/>
+        </a:solidFill>
+        <a:effectLst/>
+      </p:bgPr>
+    </p:bg>
+    <p:spTree>
+      <p:nvGrpSpPr>
+        <p:cNvPr id="1" name=""/>
+        <p:cNvGrpSpPr/>
+        <p:nvPr/>
+      </p:nvGrpSpPr>
+      <p:grpSpPr>
+        <a:xfrm>
+          <a:off x="0" y="0"/>
+          <a:ext cx="0" cy="0"/>
+          <a:chOff x="0" y="0"/>
+          <a:chExt cx="0" cy="0"/>
+        </a:xfrm>
+      </p:grpSpPr>
+      <p:sp useBgFill="1">
+        <p:nvSpPr>
+          <p:cNvPr id="40" name="Rectangle 39">
+            <a:extLst>
+              <a:ext uri="{FF2B5EF4-FFF2-40B4-BE49-F238E27FC236}">
+                <a16:creationId xmlns:a16="http://schemas.microsoft.com/office/drawing/2014/main" id="{69D47016-023F-44BD-981C-50E7A10A6609}"/>
+              </a:ext>
+              <a:ext uri="{C183D7F6-B498-43B3-948B-1728B52AA6E4}">
+                <adec:decorative xmlns:adec="http://schemas.microsoft.com/office/drawing/2017/decorative" val="1"/>
+              </a:ext>
+            </a:extLst>
+          </p:cNvPr>
+          <p:cNvSpPr>
+            <a:spLocks noGrp="1" noRot="1" noChangeAspect="1" noMove="1" noResize="1" noEditPoints="1" noAdjustHandles="1" noChangeArrowheads="1" noChangeShapeType="1" noTextEdit="1"/>
+          </p:cNvSpPr>
+          <p:nvPr>
+            <p:extLst>
+              <p:ext uri="{386F3935-93C4-4BCD-93E2-E3B085C9AB24}">
+                <p16:designElem xmlns:p16="http://schemas.microsoft.com/office/powerpoint/2015/main" val="1"/>
+              </p:ext>
+            </p:extLst>
+          </p:nvPr>
+        </p:nvSpPr>
+        <p:spPr>
+          <a:xfrm>
+            <a:off x="0" y="0"/>
+            <a:ext cx="12188952" cy="6858000"/>
+          </a:xfrm>
+          <a:prstGeom prst="rect">
+            <a:avLst/>
+          </a:prstGeom>
+          <a:ln>
+            <a:noFill/>
+          </a:ln>
+        </p:spPr>
+        <p:style>
+          <a:lnRef idx="2">
+            <a:schemeClr val="accent1">
+              <a:shade val="50000"/>
+            </a:schemeClr>
+          </a:lnRef>
+          <a:fillRef idx="1">
+            <a:schemeClr val="accent1"/>
+          </a:fillRef>
+          <a:effectRef idx="0">
+            <a:schemeClr val="accent1"/>
+          </a:effectRef>
+          <a:fontRef idx="minor">
+            <a:schemeClr val="lt1"/>
+          </a:fontRef>
+        </p:style>
+        <p:txBody>
+          <a:bodyPr rtlCol="0" anchor="ctr"/>
+          <a:lstStyle/>
+          <a:p>
+            <a:pPr algn="ctr"/>
+            <a:endParaRPr lang="en-US" dirty="0"/>
+          </a:p>
+        </p:txBody>
+      </p:sp>
+      <p:sp>
+        <p:nvSpPr>
+          <p:cNvPr id="2" name="Title 1">
+            <a:extLst>
+              <a:ext uri="{FF2B5EF4-FFF2-40B4-BE49-F238E27FC236}">
+                <a16:creationId xmlns:a16="http://schemas.microsoft.com/office/drawing/2014/main" id="{AB9F58CF-544E-62AE-CBD7-107D79D47B4D}"/>
+              </a:ext>
+            </a:extLst>
+          </p:cNvPr>
+          <p:cNvSpPr>
+            <a:spLocks noGrp="1"/>
+          </p:cNvSpPr>
+          <p:nvPr>
+            <p:ph type="title"/>
+          </p:nvPr>
+        </p:nvSpPr>
+        <p:spPr>
+          <a:xfrm>
+            <a:off x="630936" y="457200"/>
+            <a:ext cx="4343400" cy="1929384"/>
+          </a:xfrm>
+        </p:spPr>
+        <p:txBody>
+          <a:bodyPr anchor="ctr">
+            <a:normAutofit/>
+          </a:bodyPr>
+          <a:lstStyle/>
+          <a:p>
+            <a:r>
+              <a:rPr lang="en-GB"/>
+              <a:t>Predicting the likelihood of delay for shipments</a:t>
+            </a:r>
+            <a:endParaRPr lang="en-US"/>
+          </a:p>
+        </p:txBody>
+      </p:sp>
+      <p:sp>
+        <p:nvSpPr>
+          <p:cNvPr id="42" name="sketchy line">
+            <a:extLst>
+              <a:ext uri="{FF2B5EF4-FFF2-40B4-BE49-F238E27FC236}">
+                <a16:creationId xmlns:a16="http://schemas.microsoft.com/office/drawing/2014/main" id="{6D8B37B0-0682-433E-BC8D-498C04ABD9A7}"/>
+              </a:ext>
+              <a:ext uri="{C183D7F6-B498-43B3-948B-1728B52AA6E4}">
+                <adec:decorative xmlns:adec="http://schemas.microsoft.com/office/drawing/2017/decorative" val="1"/>
+              </a:ext>
+            </a:extLst>
+          </p:cNvPr>
+          <p:cNvSpPr>
+            <a:spLocks noGrp="1" noRot="1" noChangeAspect="1" noMove="1" noResize="1" noEditPoints="1" noAdjustHandles="1" noChangeArrowheads="1" noChangeShapeType="1" noTextEdit="1"/>
+          </p:cNvSpPr>
+          <p:nvPr>
+            <p:extLst>
+              <p:ext uri="{386F3935-93C4-4BCD-93E2-E3B085C9AB24}">
+                <p16:designElem xmlns:p16="http://schemas.microsoft.com/office/powerpoint/2015/main" val="1"/>
+              </p:ext>
+            </p:extLst>
+          </p:nvPr>
+        </p:nvSpPr>
+        <p:spPr>
+          <a:xfrm rot="5400000">
+            <a:off x="4471415" y="1412748"/>
+            <a:ext cx="1554480" cy="18288"/>
+          </a:xfrm>
+          <a:custGeom>
+            <a:avLst/>
+            <a:gdLst>
+              <a:gd name="connsiteX0" fmla="*/ 0 w 1554480"/>
+              <a:gd name="connsiteY0" fmla="*/ 0 h 18288"/>
+              <a:gd name="connsiteX1" fmla="*/ 549250 w 1554480"/>
+              <a:gd name="connsiteY1" fmla="*/ 0 h 18288"/>
+              <a:gd name="connsiteX2" fmla="*/ 1082954 w 1554480"/>
+              <a:gd name="connsiteY2" fmla="*/ 0 h 18288"/>
+              <a:gd name="connsiteX3" fmla="*/ 1554480 w 1554480"/>
+              <a:gd name="connsiteY3" fmla="*/ 0 h 18288"/>
+              <a:gd name="connsiteX4" fmla="*/ 1554480 w 1554480"/>
+              <a:gd name="connsiteY4" fmla="*/ 18288 h 18288"/>
+              <a:gd name="connsiteX5" fmla="*/ 1067410 w 1554480"/>
+              <a:gd name="connsiteY5" fmla="*/ 18288 h 18288"/>
+              <a:gd name="connsiteX6" fmla="*/ 549250 w 1554480"/>
+              <a:gd name="connsiteY6" fmla="*/ 18288 h 18288"/>
+              <a:gd name="connsiteX7" fmla="*/ 0 w 1554480"/>
+              <a:gd name="connsiteY7" fmla="*/ 18288 h 18288"/>
+              <a:gd name="connsiteX8" fmla="*/ 0 w 1554480"/>
+              <a:gd name="connsiteY8" fmla="*/ 0 h 18288"/>
+            </a:gdLst>
+            <a:ahLst/>
+            <a:cxnLst>
+              <a:cxn ang="0">
+                <a:pos x="connsiteX0" y="connsiteY0"/>
+              </a:cxn>
+              <a:cxn ang="0">
+                <a:pos x="connsiteX1" y="connsiteY1"/>
+              </a:cxn>
+              <a:cxn ang="0">
+                <a:pos x="connsiteX2" y="connsiteY2"/>
+              </a:cxn>
+              <a:cxn ang="0">
+                <a:pos x="connsiteX3" y="connsiteY3"/>
+              </a:cxn>
+              <a:cxn ang="0">
+                <a:pos x="connsiteX4" y="connsiteY4"/>
+              </a:cxn>
+              <a:cxn ang="0">
+                <a:pos x="connsiteX5" y="connsiteY5"/>
+              </a:cxn>
+              <a:cxn ang="0">
+                <a:pos x="connsiteX6" y="connsiteY6"/>
+              </a:cxn>
+              <a:cxn ang="0">
+                <a:pos x="connsiteX7" y="connsiteY7"/>
+              </a:cxn>
+              <a:cxn ang="0">
+                <a:pos x="connsiteX8" y="connsiteY8"/>
+              </a:cxn>
+            </a:cxnLst>
+            <a:rect l="l" t="t" r="r" b="b"/>
+            <a:pathLst>
+              <a:path w="1554480" h="18288" fill="none" extrusionOk="0">
+                <a:moveTo>
+                  <a:pt x="0" y="0"/>
+                </a:moveTo>
+                <a:cubicBezTo>
+                  <a:pt x="114141" y="-19864"/>
+                  <a:pt x="345055" y="-1657"/>
+                  <a:pt x="549250" y="0"/>
+                </a:cubicBezTo>
+                <a:cubicBezTo>
+                  <a:pt x="753445" y="1657"/>
+                  <a:pt x="862292" y="-5674"/>
+                  <a:pt x="1082954" y="0"/>
+                </a:cubicBezTo>
+                <a:cubicBezTo>
+                  <a:pt x="1303616" y="5674"/>
+                  <a:pt x="1363530" y="4537"/>
+                  <a:pt x="1554480" y="0"/>
+                </a:cubicBezTo>
+                <a:cubicBezTo>
+                  <a:pt x="1554963" y="7176"/>
+                  <a:pt x="1553909" y="13682"/>
+                  <a:pt x="1554480" y="18288"/>
+                </a:cubicBezTo>
+                <a:cubicBezTo>
+                  <a:pt x="1338847" y="6127"/>
+                  <a:pt x="1215066" y="37851"/>
+                  <a:pt x="1067410" y="18288"/>
+                </a:cubicBezTo>
+                <a:cubicBezTo>
+                  <a:pt x="919754" y="-1275"/>
+                  <a:pt x="800465" y="3080"/>
+                  <a:pt x="549250" y="18288"/>
+                </a:cubicBezTo>
+                <a:cubicBezTo>
+                  <a:pt x="298035" y="33496"/>
+                  <a:pt x="158868" y="22769"/>
+                  <a:pt x="0" y="18288"/>
+                </a:cubicBezTo>
+                <a:cubicBezTo>
+                  <a:pt x="-655" y="13237"/>
+                  <a:pt x="709" y="4645"/>
+                  <a:pt x="0" y="0"/>
+                </a:cubicBezTo>
+                <a:close/>
+              </a:path>
+              <a:path w="1554480" h="18288" stroke="0" extrusionOk="0">
+                <a:moveTo>
+                  <a:pt x="0" y="0"/>
+                </a:moveTo>
+                <a:cubicBezTo>
+                  <a:pt x="249941" y="-58"/>
+                  <a:pt x="367334" y="23448"/>
+                  <a:pt x="502615" y="0"/>
+                </a:cubicBezTo>
+                <a:cubicBezTo>
+                  <a:pt x="637897" y="-23448"/>
+                  <a:pt x="813653" y="-20418"/>
+                  <a:pt x="974141" y="0"/>
+                </a:cubicBezTo>
+                <a:cubicBezTo>
+                  <a:pt x="1134629" y="20418"/>
+                  <a:pt x="1268772" y="6288"/>
+                  <a:pt x="1554480" y="0"/>
+                </a:cubicBezTo>
+                <a:cubicBezTo>
+                  <a:pt x="1554917" y="7222"/>
+                  <a:pt x="1555359" y="13299"/>
+                  <a:pt x="1554480" y="18288"/>
+                </a:cubicBezTo>
+                <a:cubicBezTo>
+                  <a:pt x="1336087" y="12172"/>
+                  <a:pt x="1310024" y="19759"/>
+                  <a:pt x="1067410" y="18288"/>
+                </a:cubicBezTo>
+                <a:cubicBezTo>
+                  <a:pt x="824796" y="16818"/>
+                  <a:pt x="787902" y="34647"/>
+                  <a:pt x="518160" y="18288"/>
+                </a:cubicBezTo>
+                <a:cubicBezTo>
+                  <a:pt x="248418" y="1930"/>
+                  <a:pt x="133160" y="9205"/>
+                  <a:pt x="0" y="18288"/>
+                </a:cubicBezTo>
+                <a:cubicBezTo>
+                  <a:pt x="-643" y="9451"/>
+                  <a:pt x="-340" y="7114"/>
+                  <a:pt x="0" y="0"/>
+                </a:cubicBezTo>
+                <a:close/>
+              </a:path>
+            </a:pathLst>
+          </a:custGeom>
+          <a:solidFill>
+            <a:schemeClr val="accent2"/>
+          </a:solidFill>
+          <a:ln w="41275" cap="rnd">
+            <a:solidFill>
+              <a:schemeClr val="accent2"/>
+            </a:solidFill>
+            <a:round/>
+            <a:extLst>
+              <a:ext uri="{C807C97D-BFC1-408E-A445-0C87EB9F89A2}">
+                <ask:lineSketchStyleProps xmlns:ask="http://schemas.microsoft.com/office/drawing/2018/sketchyshapes" sd="1219033472">
+                  <a:prstGeom prst="rect">
+                    <a:avLst/>
+                  </a:prstGeom>
+                  <ask:type>
+                    <ask:lineSketchFreehand/>
+                  </ask:type>
+                </ask:lineSketchStyleProps>
+              </a:ext>
+            </a:extLst>
+          </a:ln>
+        </p:spPr>
+        <p:style>
+          <a:lnRef idx="2">
+            <a:schemeClr val="accent1">
+              <a:shade val="50000"/>
+            </a:schemeClr>
+          </a:lnRef>
+          <a:fillRef idx="1">
+            <a:schemeClr val="accent1"/>
+          </a:fillRef>
+          <a:effectRef idx="0">
+            <a:schemeClr val="accent1"/>
+          </a:effectRef>
+          <a:fontRef idx="minor">
+            <a:schemeClr val="lt1"/>
+          </a:fontRef>
+        </p:style>
+        <p:txBody>
+          <a:bodyPr rtlCol="0" anchor="ctr"/>
+          <a:lstStyle/>
+          <a:p>
+            <a:pPr algn="ctr"/>
+            <a:endParaRPr lang="en-US"/>
+          </a:p>
+        </p:txBody>
+      </p:sp>
+      <p:sp>
+        <p:nvSpPr>
+          <p:cNvPr id="13" name="Content Placeholder 12">
+            <a:extLst>
+              <a:ext uri="{FF2B5EF4-FFF2-40B4-BE49-F238E27FC236}">
+                <a16:creationId xmlns:a16="http://schemas.microsoft.com/office/drawing/2014/main" id="{E34AEB49-2E85-5D0A-57AE-7ECC65076C23}"/>
+              </a:ext>
+            </a:extLst>
+          </p:cNvPr>
+          <p:cNvSpPr>
+            <a:spLocks noGrp="1"/>
+          </p:cNvSpPr>
+          <p:nvPr>
+            <p:ph idx="1"/>
+          </p:nvPr>
+        </p:nvSpPr>
+        <p:spPr>
+          <a:xfrm>
+            <a:off x="5541263" y="457200"/>
+            <a:ext cx="6007608" cy="1929384"/>
+          </a:xfrm>
+        </p:spPr>
+        <p:txBody>
+          <a:bodyPr anchor="ctr">
+            <a:normAutofit fontScale="92500"/>
+          </a:bodyPr>
+          <a:lstStyle/>
+          <a:p>
+            <a:r>
+              <a:rPr lang="en-GB" sz="2200" dirty="0"/>
+              <a:t>A logistical regression model was fit on the shipment data to predict the likelihood of delay of shipments</a:t>
+            </a:r>
+          </a:p>
+          <a:p>
+            <a:r>
+              <a:rPr lang="en-GB" sz="2200" dirty="0"/>
+              <a:t>McFadden’s R squared of 0.12, AUC of 0.74</a:t>
+            </a:r>
+          </a:p>
+          <a:p>
+            <a:r>
+              <a:rPr lang="en-GB" sz="2200" dirty="0"/>
+              <a:t>The model was then tested out on new shipment bookings data</a:t>
+            </a:r>
+          </a:p>
+          <a:p>
+            <a:endParaRPr lang="en-US" sz="2200" dirty="0"/>
+          </a:p>
+        </p:txBody>
+      </p:sp>
+      <p:pic>
+        <p:nvPicPr>
+          <p:cNvPr id="11" name="Picture 10" descr="A screenshot of a computer&#10;&#10;Description automatically generated">
+            <a:extLst>
+              <a:ext uri="{FF2B5EF4-FFF2-40B4-BE49-F238E27FC236}">
+                <a16:creationId xmlns:a16="http://schemas.microsoft.com/office/drawing/2014/main" id="{A6A65F0B-6907-E6EB-6B9B-CD38FA83CF1F}"/>
+              </a:ext>
+            </a:extLst>
+          </p:cNvPr>
+          <p:cNvPicPr>
+            <a:picLocks noChangeAspect="1"/>
+          </p:cNvPicPr>
+          <p:nvPr/>
+        </p:nvPicPr>
+        <p:blipFill>
+          <a:blip r:embed="rId2"/>
+          <a:stretch>
+            <a:fillRect/>
+          </a:stretch>
+        </p:blipFill>
+        <p:spPr>
+          <a:xfrm>
+            <a:off x="466344" y="2624961"/>
+            <a:ext cx="5468112" cy="3567942"/>
+          </a:xfrm>
+          <a:prstGeom prst="rect">
+            <a:avLst/>
+          </a:prstGeom>
+        </p:spPr>
+      </p:pic>
+      <p:pic>
+        <p:nvPicPr>
+          <p:cNvPr id="9" name="Content Placeholder 8" descr="A graph of a graph&#10;&#10;Description automatically generated with medium confidence">
+            <a:extLst>
+              <a:ext uri="{FF2B5EF4-FFF2-40B4-BE49-F238E27FC236}">
+                <a16:creationId xmlns:a16="http://schemas.microsoft.com/office/drawing/2014/main" id="{F75443CD-44FB-87A5-079B-8B4DD010A810}"/>
+              </a:ext>
+            </a:extLst>
+          </p:cNvPr>
+          <p:cNvPicPr>
+            <a:picLocks noChangeAspect="1"/>
+          </p:cNvPicPr>
+          <p:nvPr/>
+        </p:nvPicPr>
+        <p:blipFill>
+          <a:blip r:embed="rId3"/>
+          <a:stretch>
+            <a:fillRect/>
+          </a:stretch>
+        </p:blipFill>
+        <p:spPr>
+          <a:xfrm>
+            <a:off x="6254496" y="2720653"/>
+            <a:ext cx="5468112" cy="3376558"/>
+          </a:xfrm>
+          <a:prstGeom prst="rect">
+            <a:avLst/>
+          </a:prstGeom>
+        </p:spPr>
+      </p:pic>
+    </p:spTree>
+    <p:extLst>
+      <p:ext uri="{BB962C8B-B14F-4D97-AF65-F5344CB8AC3E}">
+        <p14:creationId xmlns:p14="http://schemas.microsoft.com/office/powerpoint/2010/main" val="1900295113"/>
+      </p:ext>
+    </p:extLst>
+  </p:cSld>
+  <p:clrMapOvr>
+    <a:masterClrMapping/>
+  </p:clrMapOvr>
+</p:sld>
+</file>
+
+<file path=ppt/slides/slide6.xml><?xml version="1.0" encoding="utf-8"?>
+<p:sld xmlns:a="http://schemas.openxmlformats.org/drawingml/2006/main" xmlns:r="http://schemas.openxmlformats.org/officeDocument/2006/relationships" xmlns:p="http://schemas.openxmlformats.org/presentationml/2006/main">
+  <p:cSld>
+    <p:bg>
+      <p:bgPr>
+        <a:solidFill>
+          <a:schemeClr val="bg1"/>
+        </a:solidFill>
+        <a:effectLst/>
+      </p:bgPr>
+    </p:bg>
+    <p:spTree>
+      <p:nvGrpSpPr>
+        <p:cNvPr id="1" name=""/>
+        <p:cNvGrpSpPr/>
+        <p:nvPr/>
+      </p:nvGrpSpPr>
+      <p:grpSpPr>
+        <a:xfrm>
+          <a:off x="0" y="0"/>
+          <a:ext cx="0" cy="0"/>
+          <a:chOff x="0" y="0"/>
+          <a:chExt cx="0" cy="0"/>
+        </a:xfrm>
+      </p:grpSpPr>
+      <p:sp useBgFill="1">
+        <p:nvSpPr>
+          <p:cNvPr id="29" name="Rectangle 28">
+            <a:extLst>
+              <a:ext uri="{FF2B5EF4-FFF2-40B4-BE49-F238E27FC236}">
+                <a16:creationId xmlns:a16="http://schemas.microsoft.com/office/drawing/2014/main" id="{7B831B6F-405A-4B47-B9BB-5CA88F285844}"/>
+              </a:ext>
+              <a:ext uri="{C183D7F6-B498-43B3-948B-1728B52AA6E4}">
+                <adec:decorative xmlns:adec="http://schemas.microsoft.com/office/drawing/2017/decorative" val="1"/>
+              </a:ext>
+            </a:extLst>
+          </p:cNvPr>
+          <p:cNvSpPr>
+            <a:spLocks noGrp="1" noRot="1" noChangeAspect="1" noMove="1" noResize="1" noEditPoints="1" noAdjustHandles="1" noChangeArrowheads="1" noChangeShapeType="1" noTextEdit="1"/>
+          </p:cNvSpPr>
+          <p:nvPr>
+            <p:extLst>
+              <p:ext uri="{386F3935-93C4-4BCD-93E2-E3B085C9AB24}">
+                <p16:designElem xmlns:p16="http://schemas.microsoft.com/office/powerpoint/2015/main" val="1"/>
+              </p:ext>
+            </p:extLst>
+          </p:nvPr>
+        </p:nvSpPr>
+        <p:spPr>
+          <a:xfrm>
+            <a:off x="0" y="0"/>
+            <a:ext cx="12192000" cy="6858000"/>
+          </a:xfrm>
+          <a:prstGeom prst="rect">
+            <a:avLst/>
+          </a:prstGeom>
+          <a:ln>
+            <a:noFill/>
+          </a:ln>
+        </p:spPr>
+        <p:style>
+          <a:lnRef idx="2">
+            <a:schemeClr val="accent1">
+              <a:shade val="50000"/>
+            </a:schemeClr>
+          </a:lnRef>
+          <a:fillRef idx="1">
+            <a:schemeClr val="accent1"/>
+          </a:fillRef>
+          <a:effectRef idx="0">
+            <a:schemeClr val="accent1"/>
+          </a:effectRef>
+          <a:fontRef idx="minor">
+            <a:schemeClr val="lt1"/>
+          </a:fontRef>
+        </p:style>
+        <p:txBody>
+          <a:bodyPr rtlCol="0" anchor="ctr"/>
+          <a:lstStyle/>
+          <a:p>
+            <a:pPr algn="ctr"/>
+            <a:endParaRPr lang="en-US"/>
+          </a:p>
+        </p:txBody>
+      </p:sp>
+      <p:sp>
+        <p:nvSpPr>
+          <p:cNvPr id="2" name="Title 1">
+            <a:extLst>
+              <a:ext uri="{FF2B5EF4-FFF2-40B4-BE49-F238E27FC236}">
+                <a16:creationId xmlns:a16="http://schemas.microsoft.com/office/drawing/2014/main" id="{4A05932B-301B-5D5D-2024-CCC5A4F78558}"/>
+              </a:ext>
+            </a:extLst>
+          </p:cNvPr>
+          <p:cNvSpPr>
+            <a:spLocks noGrp="1"/>
+          </p:cNvSpPr>
+          <p:nvPr>
+            <p:ph type="title"/>
+          </p:nvPr>
+        </p:nvSpPr>
+        <p:spPr>
+          <a:xfrm>
+            <a:off x="6739128" y="638089"/>
+            <a:ext cx="4818888" cy="1476801"/>
+          </a:xfrm>
+        </p:spPr>
+        <p:txBody>
+          <a:bodyPr vert="horz" lIns="91440" tIns="45720" rIns="91440" bIns="45720" rtlCol="0" anchor="b">
+            <a:normAutofit/>
+          </a:bodyPr>
+          <a:lstStyle/>
+          <a:p>
+            <a:r>
+              <a:rPr lang="en-GB" sz="5400" dirty="0"/>
+              <a:t>K</a:t>
+            </a:r>
+            <a:r>
+              <a:rPr lang="en-US" sz="5400" dirty="0" err="1"/>
+              <a:t>ey</a:t>
+            </a:r>
+            <a:r>
+              <a:rPr lang="en-US" sz="5400" dirty="0"/>
+              <a:t> Takeaways</a:t>
+            </a:r>
+            <a:endParaRPr lang="en-US" sz="5400" kern="1200" dirty="0">
+              <a:latin typeface="+mj-lt"/>
+              <a:ea typeface="+mj-ea"/>
+              <a:cs typeface="+mj-cs"/>
+            </a:endParaRPr>
+          </a:p>
+        </p:txBody>
+      </p:sp>
+      <p:pic>
+        <p:nvPicPr>
+          <p:cNvPr id="7" name="Graphic 6" descr="Gavel">
+            <a:extLst>
+              <a:ext uri="{FF2B5EF4-FFF2-40B4-BE49-F238E27FC236}">
+                <a16:creationId xmlns:a16="http://schemas.microsoft.com/office/drawing/2014/main" id="{E74A9B8F-F659-1591-D18C-C5896FB37E6A}"/>
+              </a:ext>
+            </a:extLst>
+          </p:cNvPr>
+          <p:cNvPicPr>
+            <a:picLocks noChangeAspect="1"/>
+          </p:cNvPicPr>
+          <p:nvPr/>
+        </p:nvPicPr>
+        <p:blipFill>
+          <a:blip r:embed="rId2">
+            <a:extLst>
+              <a:ext uri="{28A0092B-C50C-407E-A947-70E740481C1C}">
+                <a14:useLocalDpi xmlns:a14="http://schemas.microsoft.com/office/drawing/2010/main" val="0"/>
+              </a:ext>
+              <a:ext uri="{96DAC541-7B7A-43D3-8B79-37D633B846F1}">
+                <asvg:svgBlip xmlns:asvg="http://schemas.microsoft.com/office/drawing/2016/SVG/main" r:embed="rId3"/>
+              </a:ext>
+            </a:extLst>
+          </a:blip>
+          <a:stretch>
+            <a:fillRect/>
+          </a:stretch>
+        </p:blipFill>
+        <p:spPr>
+          <a:xfrm>
+            <a:off x="630936" y="699516"/>
+            <a:ext cx="5458968" cy="5458968"/>
+          </a:xfrm>
+          <a:prstGeom prst="rect">
+            <a:avLst/>
+          </a:prstGeom>
+        </p:spPr>
+      </p:pic>
+      <p:sp>
+        <p:nvSpPr>
+          <p:cNvPr id="31" name="sketch line">
+            <a:extLst>
+              <a:ext uri="{FF2B5EF4-FFF2-40B4-BE49-F238E27FC236}">
+                <a16:creationId xmlns:a16="http://schemas.microsoft.com/office/drawing/2014/main" id="{953EE71A-6488-4203-A7C4-77102FD0DCCA}"/>
+              </a:ext>
+              <a:ext uri="{C183D7F6-B498-43B3-948B-1728B52AA6E4}">
+                <adec:decorative xmlns:adec="http://schemas.microsoft.com/office/drawing/2017/decorative" val="1"/>
+              </a:ext>
+            </a:extLst>
+          </p:cNvPr>
+          <p:cNvSpPr>
+            <a:spLocks noGrp="1" noRot="1" noChangeAspect="1" noMove="1" noResize="1" noEditPoints="1" noAdjustHandles="1" noChangeArrowheads="1" noChangeShapeType="1" noTextEdit="1"/>
+          </p:cNvSpPr>
+          <p:nvPr>
+            <p:extLst>
+              <p:ext uri="{386F3935-93C4-4BCD-93E2-E3B085C9AB24}">
+                <p16:designElem xmlns:p16="http://schemas.microsoft.com/office/powerpoint/2015/main" val="1"/>
+              </p:ext>
+            </p:extLst>
+          </p:nvPr>
+        </p:nvSpPr>
+        <p:spPr>
+          <a:xfrm>
+            <a:off x="6739128" y="2372868"/>
+            <a:ext cx="3255095" cy="18288"/>
+          </a:xfrm>
+          <a:custGeom>
+            <a:avLst/>
+            <a:gdLst>
+              <a:gd name="connsiteX0" fmla="*/ 0 w 3255095"/>
+              <a:gd name="connsiteY0" fmla="*/ 0 h 18288"/>
+              <a:gd name="connsiteX1" fmla="*/ 618468 w 3255095"/>
+              <a:gd name="connsiteY1" fmla="*/ 0 h 18288"/>
+              <a:gd name="connsiteX2" fmla="*/ 1269487 w 3255095"/>
+              <a:gd name="connsiteY2" fmla="*/ 0 h 18288"/>
+              <a:gd name="connsiteX3" fmla="*/ 1953057 w 3255095"/>
+              <a:gd name="connsiteY3" fmla="*/ 0 h 18288"/>
+              <a:gd name="connsiteX4" fmla="*/ 2636627 w 3255095"/>
+              <a:gd name="connsiteY4" fmla="*/ 0 h 18288"/>
+              <a:gd name="connsiteX5" fmla="*/ 3255095 w 3255095"/>
+              <a:gd name="connsiteY5" fmla="*/ 0 h 18288"/>
+              <a:gd name="connsiteX6" fmla="*/ 3255095 w 3255095"/>
+              <a:gd name="connsiteY6" fmla="*/ 18288 h 18288"/>
+              <a:gd name="connsiteX7" fmla="*/ 2538974 w 3255095"/>
+              <a:gd name="connsiteY7" fmla="*/ 18288 h 18288"/>
+              <a:gd name="connsiteX8" fmla="*/ 1822853 w 3255095"/>
+              <a:gd name="connsiteY8" fmla="*/ 18288 h 18288"/>
+              <a:gd name="connsiteX9" fmla="*/ 1171834 w 3255095"/>
+              <a:gd name="connsiteY9" fmla="*/ 18288 h 18288"/>
+              <a:gd name="connsiteX10" fmla="*/ 0 w 3255095"/>
+              <a:gd name="connsiteY10" fmla="*/ 18288 h 18288"/>
+              <a:gd name="connsiteX11" fmla="*/ 0 w 3255095"/>
+              <a:gd name="connsiteY11" fmla="*/ 0 h 18288"/>
+            </a:gdLst>
+            <a:ahLst/>
+            <a:cxnLst>
+              <a:cxn ang="0">
+                <a:pos x="connsiteX0" y="connsiteY0"/>
+              </a:cxn>
+              <a:cxn ang="0">
+                <a:pos x="connsiteX1" y="connsiteY1"/>
+              </a:cxn>
+              <a:cxn ang="0">
+                <a:pos x="connsiteX2" y="connsiteY2"/>
+              </a:cxn>
+              <a:cxn ang="0">
+                <a:pos x="connsiteX3" y="connsiteY3"/>
+              </a:cxn>
+              <a:cxn ang="0">
+                <a:pos x="connsiteX4" y="connsiteY4"/>
+              </a:cxn>
+              <a:cxn ang="0">
+                <a:pos x="connsiteX5" y="connsiteY5"/>
+              </a:cxn>
+              <a:cxn ang="0">
+                <a:pos x="connsiteX6" y="connsiteY6"/>
+              </a:cxn>
+              <a:cxn ang="0">
+                <a:pos x="connsiteX7" y="connsiteY7"/>
+              </a:cxn>
+              <a:cxn ang="0">
+                <a:pos x="connsiteX8" y="connsiteY8"/>
+              </a:cxn>
+              <a:cxn ang="0">
+                <a:pos x="connsiteX9" y="connsiteY9"/>
+              </a:cxn>
+              <a:cxn ang="0">
+                <a:pos x="connsiteX10" y="connsiteY10"/>
+              </a:cxn>
+              <a:cxn ang="0">
+                <a:pos x="connsiteX11" y="connsiteY11"/>
+              </a:cxn>
+            </a:cxnLst>
+            <a:rect l="l" t="t" r="r" b="b"/>
+            <a:pathLst>
+              <a:path w="3255095" h="18288" fill="none" extrusionOk="0">
+                <a:moveTo>
+                  <a:pt x="0" y="0"/>
+                </a:moveTo>
+                <a:cubicBezTo>
+                  <a:pt x="240201" y="-22123"/>
+                  <a:pt x="462021" y="-19623"/>
+                  <a:pt x="618468" y="0"/>
+                </a:cubicBezTo>
+                <a:cubicBezTo>
+                  <a:pt x="774915" y="19623"/>
+                  <a:pt x="974734" y="2035"/>
+                  <a:pt x="1269487" y="0"/>
+                </a:cubicBezTo>
+                <a:cubicBezTo>
+                  <a:pt x="1564240" y="-2035"/>
+                  <a:pt x="1733579" y="10639"/>
+                  <a:pt x="1953057" y="0"/>
+                </a:cubicBezTo>
+                <a:cubicBezTo>
+                  <a:pt x="2172535" y="-10639"/>
+                  <a:pt x="2453962" y="14018"/>
+                  <a:pt x="2636627" y="0"/>
+                </a:cubicBezTo>
+                <a:cubicBezTo>
+                  <a:pt x="2819292" y="-14018"/>
+                  <a:pt x="3121375" y="5399"/>
+                  <a:pt x="3255095" y="0"/>
+                </a:cubicBezTo>
+                <a:cubicBezTo>
+                  <a:pt x="3254386" y="8157"/>
+                  <a:pt x="3254682" y="12125"/>
+                  <a:pt x="3255095" y="18288"/>
+                </a:cubicBezTo>
+                <a:cubicBezTo>
+                  <a:pt x="3088545" y="23203"/>
+                  <a:pt x="2687475" y="7419"/>
+                  <a:pt x="2538974" y="18288"/>
+                </a:cubicBezTo>
+                <a:cubicBezTo>
+                  <a:pt x="2390473" y="29157"/>
+                  <a:pt x="2137381" y="-8959"/>
+                  <a:pt x="1822853" y="18288"/>
+                </a:cubicBezTo>
+                <a:cubicBezTo>
+                  <a:pt x="1508325" y="45535"/>
+                  <a:pt x="1466437" y="20385"/>
+                  <a:pt x="1171834" y="18288"/>
+                </a:cubicBezTo>
+                <a:cubicBezTo>
+                  <a:pt x="877231" y="16191"/>
+                  <a:pt x="561097" y="37643"/>
+                  <a:pt x="0" y="18288"/>
+                </a:cubicBezTo>
+                <a:cubicBezTo>
+                  <a:pt x="-46" y="12483"/>
+                  <a:pt x="-203" y="6491"/>
+                  <a:pt x="0" y="0"/>
+                </a:cubicBezTo>
+                <a:close/>
+              </a:path>
+              <a:path w="3255095" h="18288" stroke="0" extrusionOk="0">
+                <a:moveTo>
+                  <a:pt x="0" y="0"/>
+                </a:moveTo>
+                <a:cubicBezTo>
+                  <a:pt x="291965" y="19429"/>
+                  <a:pt x="363155" y="8568"/>
+                  <a:pt x="618468" y="0"/>
+                </a:cubicBezTo>
+                <a:cubicBezTo>
+                  <a:pt x="873781" y="-8568"/>
+                  <a:pt x="904459" y="-19505"/>
+                  <a:pt x="1171834" y="0"/>
+                </a:cubicBezTo>
+                <a:cubicBezTo>
+                  <a:pt x="1439209" y="19505"/>
+                  <a:pt x="1744369" y="9790"/>
+                  <a:pt x="1887955" y="0"/>
+                </a:cubicBezTo>
+                <a:cubicBezTo>
+                  <a:pt x="2031541" y="-9790"/>
+                  <a:pt x="2346378" y="21240"/>
+                  <a:pt x="2506423" y="0"/>
+                </a:cubicBezTo>
+                <a:cubicBezTo>
+                  <a:pt x="2666468" y="-21240"/>
+                  <a:pt x="2990257" y="30414"/>
+                  <a:pt x="3255095" y="0"/>
+                </a:cubicBezTo>
+                <a:cubicBezTo>
+                  <a:pt x="3254831" y="4493"/>
+                  <a:pt x="3255479" y="9472"/>
+                  <a:pt x="3255095" y="18288"/>
+                </a:cubicBezTo>
+                <a:cubicBezTo>
+                  <a:pt x="3120743" y="16690"/>
+                  <a:pt x="2759628" y="42462"/>
+                  <a:pt x="2604076" y="18288"/>
+                </a:cubicBezTo>
+                <a:cubicBezTo>
+                  <a:pt x="2448524" y="-5886"/>
+                  <a:pt x="2184336" y="19599"/>
+                  <a:pt x="1887955" y="18288"/>
+                </a:cubicBezTo>
+                <a:cubicBezTo>
+                  <a:pt x="1591574" y="16977"/>
+                  <a:pt x="1548845" y="6870"/>
+                  <a:pt x="1334589" y="18288"/>
+                </a:cubicBezTo>
+                <a:cubicBezTo>
+                  <a:pt x="1120333" y="29706"/>
+                  <a:pt x="996014" y="9662"/>
+                  <a:pt x="683570" y="18288"/>
+                </a:cubicBezTo>
+                <a:cubicBezTo>
+                  <a:pt x="371126" y="26914"/>
+                  <a:pt x="198687" y="16167"/>
+                  <a:pt x="0" y="18288"/>
+                </a:cubicBezTo>
+                <a:cubicBezTo>
+                  <a:pt x="843" y="9577"/>
+                  <a:pt x="371" y="6900"/>
+                  <a:pt x="0" y="0"/>
+                </a:cubicBezTo>
+                <a:close/>
+              </a:path>
+            </a:pathLst>
+          </a:custGeom>
+          <a:solidFill>
+            <a:schemeClr val="accent2"/>
+          </a:solidFill>
+          <a:ln w="38100" cap="rnd">
+            <a:solidFill>
+              <a:schemeClr val="accent2"/>
+            </a:solidFill>
+            <a:round/>
+            <a:extLst>
+              <a:ext uri="{C807C97D-BFC1-408E-A445-0C87EB9F89A2}">
+                <ask:lineSketchStyleProps xmlns:ask="http://schemas.microsoft.com/office/drawing/2018/sketchyshapes" sd="1219033472">
+                  <a:prstGeom prst="rect">
+                    <a:avLst/>
+                  </a:prstGeom>
+                  <ask:type>
+                    <ask:lineSketchFreehand/>
+                  </ask:type>
+                </ask:lineSketchStyleProps>
+              </a:ext>
+            </a:extLst>
+          </a:ln>
+        </p:spPr>
+        <p:style>
+          <a:lnRef idx="2">
+            <a:schemeClr val="accent1">
+              <a:shade val="50000"/>
+            </a:schemeClr>
+          </a:lnRef>
+          <a:fillRef idx="1">
+            <a:schemeClr val="accent1"/>
+          </a:fillRef>
+          <a:effectRef idx="0">
+            <a:schemeClr val="accent1"/>
+          </a:effectRef>
+          <a:fontRef idx="minor">
+            <a:schemeClr val="lt1"/>
+          </a:fontRef>
+        </p:style>
+        <p:txBody>
+          <a:bodyPr rtlCol="0" anchor="ctr"/>
+          <a:lstStyle/>
+          <a:p>
+            <a:pPr algn="ctr"/>
+            <a:endParaRPr lang="en-US"/>
+          </a:p>
+        </p:txBody>
+      </p:sp>
+      <p:sp>
+        <p:nvSpPr>
+          <p:cNvPr id="4" name="Content Placeholder 12">
+            <a:extLst>
+              <a:ext uri="{FF2B5EF4-FFF2-40B4-BE49-F238E27FC236}">
+                <a16:creationId xmlns:a16="http://schemas.microsoft.com/office/drawing/2014/main" id="{C78A91EE-0A9C-EA81-67D9-EADFC7F9616B}"/>
+              </a:ext>
+            </a:extLst>
+          </p:cNvPr>
+          <p:cNvSpPr>
+            <a:spLocks noGrp="1"/>
+          </p:cNvSpPr>
+          <p:nvPr>
+            <p:ph idx="1"/>
+          </p:nvPr>
+        </p:nvSpPr>
+        <p:spPr>
+          <a:xfrm>
+            <a:off x="6739128" y="2664886"/>
+            <a:ext cx="4818888" cy="3550789"/>
+          </a:xfrm>
+        </p:spPr>
+        <p:txBody>
+          <a:bodyPr anchor="t">
+            <a:normAutofit/>
+          </a:bodyPr>
+          <a:lstStyle/>
+          <a:p>
+            <a:r>
+              <a:rPr lang="en-GB" sz="2200" dirty="0"/>
+              <a:t>Evidential strong carrier performance of shipments with reduced delays over time</a:t>
+            </a:r>
+          </a:p>
+          <a:p>
+            <a:r>
+              <a:rPr lang="en-GB" sz="2200" dirty="0"/>
+              <a:t>Suggested next steps involve:</a:t>
+            </a:r>
+            <a:endParaRPr lang="en-GB" sz="1800" dirty="0"/>
+          </a:p>
+          <a:p>
+            <a:pPr lvl="1"/>
+            <a:r>
+              <a:rPr lang="en-GB" sz="1800" dirty="0"/>
+              <a:t>Improve the accuracy of the predictive model</a:t>
+            </a:r>
+          </a:p>
+          <a:p>
+            <a:pPr lvl="1"/>
+            <a:r>
+              <a:rPr lang="en-GB" sz="1800" dirty="0"/>
+              <a:t>Identify and implement methods to mitigate risks of delay, i.e. notifying shippers in advance</a:t>
+            </a:r>
+          </a:p>
+          <a:p>
+            <a:pPr lvl="1"/>
+            <a:r>
+              <a:rPr lang="en-GB" sz="1800" dirty="0"/>
+              <a:t>Analyse more historical data from previous years</a:t>
+            </a:r>
+          </a:p>
+        </p:txBody>
+      </p:sp>
+    </p:spTree>
+    <p:extLst>
+      <p:ext uri="{BB962C8B-B14F-4D97-AF65-F5344CB8AC3E}">
+        <p14:creationId xmlns:p14="http://schemas.microsoft.com/office/powerpoint/2010/main" val="121580605"/>
+      </p:ext>
+    </p:extLst>
+  </p:cSld>
+  <p:clrMapOvr>
+    <a:masterClrMapping/>
+  </p:clrMapOvr>
+</p:sld>
+</file>
+
 <file path=ppt/theme/theme1.xml><?xml version="1.0" encoding="utf-8"?>
 <a:theme xmlns:a="http://schemas.openxmlformats.org/drawingml/2006/main" name="Office Theme">
   <a:themeElements>

--- a/Shipment logistics analysis.pptx
+++ b/Shipment logistics analysis.pptx
@@ -6,6 +6,11 @@
   </p:sldMasterIdLst>
   <p:sldIdLst>
     <p:sldId id="256" r:id="rId2"/>
+    <p:sldId id="257" r:id="rId3"/>
+    <p:sldId id="258" r:id="rId4"/>
+    <p:sldId id="260" r:id="rId5"/>
+    <p:sldId id="261" r:id="rId6"/>
+    <p:sldId id="262" r:id="rId7"/>
   </p:sldIdLst>
   <p:sldSz cx="12192000" cy="6858000"/>
   <p:notesSz cx="6858000" cy="9144000"/>
@@ -104,7 +109,3055 @@
       </a:defRPr>
     </a:lvl9pPr>
   </p:defaultTextStyle>
+  <p:extLst>
+    <p:ext uri="{EFAFB233-063F-42B5-8137-9DF3F51BA10A}">
+      <p15:sldGuideLst xmlns:p15="http://schemas.microsoft.com/office/powerpoint/2012/main"/>
+    </p:ext>
+  </p:extLst>
 </p:presentation>
+</file>
+
+<file path=ppt/diagrams/colors1.xml><?xml version="1.0" encoding="utf-8"?>
+<dgm:colorsDef xmlns:dgm="http://schemas.openxmlformats.org/drawingml/2006/diagram" xmlns:a="http://schemas.openxmlformats.org/drawingml/2006/main" uniqueId="urn:microsoft.com/office/officeart/2018/5/colors/Iconchunking_neutralicontext_colorful1">
+  <dgm:title val=""/>
+  <dgm:desc val=""/>
+  <dgm:catLst>
+    <dgm:cat type="colorful" pri="10100"/>
+  </dgm:catLst>
+  <dgm:styleLbl name="node0">
+    <dgm:fillClrLst meth="repeat">
+      <a:schemeClr val="accent1"/>
+    </dgm:fillClrLst>
+    <dgm:linClrLst meth="repeat">
+      <a:schemeClr val="lt1"/>
+    </dgm:linClrLst>
+    <dgm:effectClrLst/>
+    <dgm:txLinClrLst/>
+    <dgm:txFillClrLst/>
+    <dgm:txEffectClrLst/>
+  </dgm:styleLbl>
+  <dgm:styleLbl name="node1">
+    <dgm:fillClrLst meth="repeat">
+      <a:schemeClr val="bg1"/>
+    </dgm:fillClrLst>
+    <dgm:linClrLst meth="repeat">
+      <a:schemeClr val="lt1">
+        <a:alpha val="0"/>
+      </a:schemeClr>
+    </dgm:linClrLst>
+    <dgm:effectClrLst/>
+    <dgm:txLinClrLst/>
+    <dgm:txFillClrLst meth="repeat">
+      <a:schemeClr val="dk1"/>
+    </dgm:txFillClrLst>
+    <dgm:txEffectClrLst/>
+  </dgm:styleLbl>
+  <dgm:styleLbl name="alignNode1">
+    <dgm:fillClrLst meth="repeat">
+      <a:schemeClr val="accent2"/>
+      <a:schemeClr val="accent3"/>
+      <a:schemeClr val="accent4"/>
+      <a:schemeClr val="accent5"/>
+      <a:schemeClr val="accent6"/>
+    </dgm:fillClrLst>
+    <dgm:linClrLst meth="repeat">
+      <a:schemeClr val="accent2"/>
+      <a:schemeClr val="accent3"/>
+      <a:schemeClr val="accent4"/>
+      <a:schemeClr val="accent5"/>
+      <a:schemeClr val="accent6"/>
+    </dgm:linClrLst>
+    <dgm:effectClrLst/>
+    <dgm:txLinClrLst/>
+    <dgm:txFillClrLst/>
+    <dgm:txEffectClrLst/>
+  </dgm:styleLbl>
+  <dgm:styleLbl name="lnNode1">
+    <dgm:fillClrLst meth="repeat">
+      <a:schemeClr val="accent2"/>
+      <a:schemeClr val="accent3"/>
+      <a:schemeClr val="accent4"/>
+      <a:schemeClr val="accent5"/>
+      <a:schemeClr val="accent6"/>
+    </dgm:fillClrLst>
+    <dgm:linClrLst meth="repeat">
+      <a:schemeClr val="lt1"/>
+    </dgm:linClrLst>
+    <dgm:effectClrLst/>
+    <dgm:txLinClrLst/>
+    <dgm:txFillClrLst/>
+    <dgm:txEffectClrLst/>
+  </dgm:styleLbl>
+  <dgm:styleLbl name="vennNode1">
+    <dgm:fillClrLst meth="repeat">
+      <a:schemeClr val="accent2">
+        <a:alpha val="50000"/>
+      </a:schemeClr>
+      <a:schemeClr val="accent3">
+        <a:alpha val="50000"/>
+      </a:schemeClr>
+      <a:schemeClr val="accent4">
+        <a:alpha val="50000"/>
+      </a:schemeClr>
+      <a:schemeClr val="accent5">
+        <a:alpha val="50000"/>
+      </a:schemeClr>
+      <a:schemeClr val="accent6">
+        <a:alpha val="50000"/>
+      </a:schemeClr>
+    </dgm:fillClrLst>
+    <dgm:linClrLst meth="repeat">
+      <a:schemeClr val="lt1"/>
+    </dgm:linClrLst>
+    <dgm:effectClrLst/>
+    <dgm:txLinClrLst/>
+    <dgm:txFillClrLst/>
+    <dgm:txEffectClrLst/>
+  </dgm:styleLbl>
+  <dgm:styleLbl name="node2">
+    <dgm:fillClrLst>
+      <a:schemeClr val="accent2"/>
+    </dgm:fillClrLst>
+    <dgm:linClrLst meth="repeat">
+      <a:schemeClr val="lt1"/>
+    </dgm:linClrLst>
+    <dgm:effectClrLst/>
+    <dgm:txLinClrLst/>
+    <dgm:txFillClrLst/>
+    <dgm:txEffectClrLst/>
+  </dgm:styleLbl>
+  <dgm:styleLbl name="node3">
+    <dgm:fillClrLst>
+      <a:schemeClr val="accent3"/>
+    </dgm:fillClrLst>
+    <dgm:linClrLst meth="repeat">
+      <a:schemeClr val="lt1"/>
+    </dgm:linClrLst>
+    <dgm:effectClrLst/>
+    <dgm:txLinClrLst/>
+    <dgm:txFillClrLst/>
+    <dgm:txEffectClrLst/>
+  </dgm:styleLbl>
+  <dgm:styleLbl name="node4">
+    <dgm:fillClrLst>
+      <a:schemeClr val="accent4"/>
+    </dgm:fillClrLst>
+    <dgm:linClrLst meth="repeat">
+      <a:schemeClr val="lt1"/>
+    </dgm:linClrLst>
+    <dgm:effectClrLst/>
+    <dgm:txLinClrLst/>
+    <dgm:txFillClrLst/>
+    <dgm:txEffectClrLst/>
+  </dgm:styleLbl>
+  <dgm:styleLbl name="fgImgPlace1">
+    <dgm:fillClrLst meth="repeat">
+      <a:schemeClr val="accent2">
+        <a:tint val="50000"/>
+      </a:schemeClr>
+      <a:schemeClr val="accent3">
+        <a:tint val="50000"/>
+      </a:schemeClr>
+      <a:schemeClr val="accent4">
+        <a:tint val="50000"/>
+      </a:schemeClr>
+      <a:schemeClr val="accent5">
+        <a:tint val="50000"/>
+      </a:schemeClr>
+      <a:schemeClr val="accent6">
+        <a:tint val="50000"/>
+      </a:schemeClr>
+    </dgm:fillClrLst>
+    <dgm:linClrLst meth="repeat">
+      <a:schemeClr val="lt1"/>
+    </dgm:linClrLst>
+    <dgm:effectClrLst/>
+    <dgm:txLinClrLst/>
+    <dgm:txFillClrLst meth="repeat">
+      <a:schemeClr val="lt1"/>
+    </dgm:txFillClrLst>
+    <dgm:txEffectClrLst/>
+  </dgm:styleLbl>
+  <dgm:styleLbl name="alignImgPlace1">
+    <dgm:fillClrLst>
+      <a:schemeClr val="accent1">
+        <a:tint val="50000"/>
+      </a:schemeClr>
+      <a:schemeClr val="accent2">
+        <a:tint val="20000"/>
+      </a:schemeClr>
+    </dgm:fillClrLst>
+    <dgm:linClrLst meth="repeat">
+      <a:schemeClr val="lt1"/>
+    </dgm:linClrLst>
+    <dgm:effectClrLst/>
+    <dgm:txLinClrLst/>
+    <dgm:txFillClrLst meth="repeat">
+      <a:schemeClr val="lt1"/>
+    </dgm:txFillClrLst>
+    <dgm:txEffectClrLst/>
+  </dgm:styleLbl>
+  <dgm:styleLbl name="bgImgPlace1">
+    <dgm:fillClrLst>
+      <a:schemeClr val="accent1">
+        <a:tint val="50000"/>
+      </a:schemeClr>
+      <a:schemeClr val="accent2">
+        <a:tint val="20000"/>
+      </a:schemeClr>
+    </dgm:fillClrLst>
+    <dgm:linClrLst meth="repeat">
+      <a:schemeClr val="lt1"/>
+    </dgm:linClrLst>
+    <dgm:effectClrLst/>
+    <dgm:txLinClrLst/>
+    <dgm:txFillClrLst meth="repeat">
+      <a:schemeClr val="lt1"/>
+    </dgm:txFillClrLst>
+    <dgm:txEffectClrLst/>
+  </dgm:styleLbl>
+  <dgm:styleLbl name="sibTrans2D1">
+    <dgm:fillClrLst meth="repeat">
+      <a:schemeClr val="accent2"/>
+      <a:schemeClr val="accent3"/>
+      <a:schemeClr val="accent4"/>
+      <a:schemeClr val="accent5"/>
+      <a:schemeClr val="accent6"/>
+    </dgm:fillClrLst>
+    <dgm:linClrLst meth="cycle">
+      <a:schemeClr val="lt1"/>
+    </dgm:linClrLst>
+    <dgm:effectClrLst/>
+    <dgm:txLinClrLst/>
+    <dgm:txFillClrLst/>
+    <dgm:txEffectClrLst/>
+  </dgm:styleLbl>
+  <dgm:styleLbl name="fgSibTrans2D1">
+    <dgm:fillClrLst meth="repeat">
+      <a:schemeClr val="accent2"/>
+      <a:schemeClr val="accent3"/>
+      <a:schemeClr val="accent4"/>
+      <a:schemeClr val="accent5"/>
+      <a:schemeClr val="accent6"/>
+    </dgm:fillClrLst>
+    <dgm:linClrLst meth="cycle">
+      <a:schemeClr val="lt1"/>
+    </dgm:linClrLst>
+    <dgm:effectClrLst/>
+    <dgm:txLinClrLst/>
+    <dgm:txFillClrLst meth="repeat">
+      <a:schemeClr val="lt1"/>
+    </dgm:txFillClrLst>
+    <dgm:txEffectClrLst/>
+  </dgm:styleLbl>
+  <dgm:styleLbl name="bgSibTrans2D1">
+    <dgm:fillClrLst meth="repeat">
+      <a:schemeClr val="accent2"/>
+      <a:schemeClr val="accent3"/>
+      <a:schemeClr val="accent4"/>
+      <a:schemeClr val="accent5"/>
+      <a:schemeClr val="accent6"/>
+    </dgm:fillClrLst>
+    <dgm:linClrLst meth="cycle">
+      <a:schemeClr val="lt1"/>
+    </dgm:linClrLst>
+    <dgm:effectClrLst/>
+    <dgm:txLinClrLst/>
+    <dgm:txFillClrLst meth="repeat">
+      <a:schemeClr val="lt1"/>
+    </dgm:txFillClrLst>
+    <dgm:txEffectClrLst/>
+  </dgm:styleLbl>
+  <dgm:styleLbl name="sibTrans1D1">
+    <dgm:fillClrLst meth="repeat">
+      <a:schemeClr val="accent2"/>
+      <a:schemeClr val="accent3"/>
+      <a:schemeClr val="accent4"/>
+      <a:schemeClr val="accent5"/>
+      <a:schemeClr val="accent6"/>
+    </dgm:fillClrLst>
+    <dgm:linClrLst meth="repeat">
+      <a:schemeClr val="accent2"/>
+      <a:schemeClr val="accent3"/>
+      <a:schemeClr val="accent4"/>
+      <a:schemeClr val="accent5"/>
+      <a:schemeClr val="accent6"/>
+    </dgm:linClrLst>
+    <dgm:effectClrLst/>
+    <dgm:txLinClrLst/>
+    <dgm:txFillClrLst meth="repeat">
+      <a:schemeClr val="tx1"/>
+    </dgm:txFillClrLst>
+    <dgm:txEffectClrLst/>
+  </dgm:styleLbl>
+  <dgm:styleLbl name="callout">
+    <dgm:fillClrLst meth="repeat">
+      <a:schemeClr val="accent2"/>
+    </dgm:fillClrLst>
+    <dgm:linClrLst meth="repeat">
+      <a:schemeClr val="accent2">
+        <a:tint val="50000"/>
+      </a:schemeClr>
+    </dgm:linClrLst>
+    <dgm:effectClrLst/>
+    <dgm:txLinClrLst/>
+    <dgm:txFillClrLst meth="repeat">
+      <a:schemeClr val="tx1"/>
+    </dgm:txFillClrLst>
+    <dgm:txEffectClrLst/>
+  </dgm:styleLbl>
+  <dgm:styleLbl name="asst0">
+    <dgm:fillClrLst meth="repeat">
+      <a:schemeClr val="accent1"/>
+    </dgm:fillClrLst>
+    <dgm:linClrLst meth="repeat">
+      <a:schemeClr val="lt1"/>
+    </dgm:linClrLst>
+    <dgm:effectClrLst/>
+    <dgm:txLinClrLst/>
+    <dgm:txFillClrLst/>
+    <dgm:txEffectClrLst/>
+  </dgm:styleLbl>
+  <dgm:styleLbl name="asst1">
+    <dgm:fillClrLst meth="repeat">
+      <a:schemeClr val="accent2"/>
+    </dgm:fillClrLst>
+    <dgm:linClrLst meth="repeat">
+      <a:schemeClr val="lt1"/>
+    </dgm:linClrLst>
+    <dgm:effectClrLst/>
+    <dgm:txLinClrLst/>
+    <dgm:txFillClrLst/>
+    <dgm:txEffectClrLst/>
+  </dgm:styleLbl>
+  <dgm:styleLbl name="asst2">
+    <dgm:fillClrLst>
+      <a:schemeClr val="accent3"/>
+    </dgm:fillClrLst>
+    <dgm:linClrLst meth="repeat">
+      <a:schemeClr val="lt1"/>
+    </dgm:linClrLst>
+    <dgm:effectClrLst/>
+    <dgm:txLinClrLst/>
+    <dgm:txFillClrLst/>
+    <dgm:txEffectClrLst/>
+  </dgm:styleLbl>
+  <dgm:styleLbl name="asst3">
+    <dgm:fillClrLst>
+      <a:schemeClr val="accent4"/>
+    </dgm:fillClrLst>
+    <dgm:linClrLst meth="repeat">
+      <a:schemeClr val="lt1"/>
+    </dgm:linClrLst>
+    <dgm:effectClrLst/>
+    <dgm:txLinClrLst/>
+    <dgm:txFillClrLst/>
+    <dgm:txEffectClrLst/>
+  </dgm:styleLbl>
+  <dgm:styleLbl name="asst4">
+    <dgm:fillClrLst>
+      <a:schemeClr val="accent5"/>
+    </dgm:fillClrLst>
+    <dgm:linClrLst meth="repeat">
+      <a:schemeClr val="lt1"/>
+    </dgm:linClrLst>
+    <dgm:effectClrLst/>
+    <dgm:txLinClrLst/>
+    <dgm:txFillClrLst/>
+    <dgm:txEffectClrLst/>
+  </dgm:styleLbl>
+  <dgm:styleLbl name="parChTrans2D1">
+    <dgm:fillClrLst meth="repeat">
+      <a:schemeClr val="accent2"/>
+    </dgm:fillClrLst>
+    <dgm:linClrLst meth="repeat">
+      <a:schemeClr val="lt1"/>
+    </dgm:linClrLst>
+    <dgm:effectClrLst/>
+    <dgm:txLinClrLst/>
+    <dgm:txFillClrLst meth="repeat">
+      <a:schemeClr val="lt1"/>
+    </dgm:txFillClrLst>
+    <dgm:txEffectClrLst/>
+  </dgm:styleLbl>
+  <dgm:styleLbl name="parChTrans2D2">
+    <dgm:fillClrLst meth="repeat">
+      <a:schemeClr val="accent3"/>
+    </dgm:fillClrLst>
+    <dgm:linClrLst meth="repeat">
+      <a:schemeClr val="lt1"/>
+    </dgm:linClrLst>
+    <dgm:effectClrLst/>
+    <dgm:txLinClrLst/>
+    <dgm:txFillClrLst/>
+    <dgm:txEffectClrLst/>
+  </dgm:styleLbl>
+  <dgm:styleLbl name="parChTrans2D3">
+    <dgm:fillClrLst meth="repeat">
+      <a:schemeClr val="accent4"/>
+    </dgm:fillClrLst>
+    <dgm:linClrLst meth="repeat">
+      <a:schemeClr val="lt1"/>
+    </dgm:linClrLst>
+    <dgm:effectClrLst/>
+    <dgm:txLinClrLst/>
+    <dgm:txFillClrLst/>
+    <dgm:txEffectClrLst/>
+  </dgm:styleLbl>
+  <dgm:styleLbl name="parChTrans2D4">
+    <dgm:fillClrLst meth="repeat">
+      <a:schemeClr val="accent5"/>
+    </dgm:fillClrLst>
+    <dgm:linClrLst meth="repeat">
+      <a:schemeClr val="lt1"/>
+    </dgm:linClrLst>
+    <dgm:effectClrLst/>
+    <dgm:txLinClrLst/>
+    <dgm:txFillClrLst meth="repeat">
+      <a:schemeClr val="lt1"/>
+    </dgm:txFillClrLst>
+    <dgm:txEffectClrLst/>
+  </dgm:styleLbl>
+  <dgm:styleLbl name="parChTrans1D1">
+    <dgm:fillClrLst meth="repeat">
+      <a:schemeClr val="accent2"/>
+    </dgm:fillClrLst>
+    <dgm:linClrLst meth="repeat">
+      <a:schemeClr val="accent1"/>
+    </dgm:linClrLst>
+    <dgm:effectClrLst/>
+    <dgm:txLinClrLst/>
+    <dgm:txFillClrLst meth="repeat">
+      <a:schemeClr val="tx1"/>
+    </dgm:txFillClrLst>
+    <dgm:txEffectClrLst/>
+  </dgm:styleLbl>
+  <dgm:styleLbl name="parChTrans1D2">
+    <dgm:fillClrLst meth="repeat">
+      <a:schemeClr val="accent3">
+        <a:tint val="90000"/>
+      </a:schemeClr>
+    </dgm:fillClrLst>
+    <dgm:linClrLst meth="repeat">
+      <a:schemeClr val="accent2"/>
+    </dgm:linClrLst>
+    <dgm:effectClrLst/>
+    <dgm:txLinClrLst/>
+    <dgm:txFillClrLst meth="repeat">
+      <a:schemeClr val="tx1"/>
+    </dgm:txFillClrLst>
+    <dgm:txEffectClrLst/>
+  </dgm:styleLbl>
+  <dgm:styleLbl name="parChTrans1D3">
+    <dgm:fillClrLst meth="repeat">
+      <a:schemeClr val="accent4">
+        <a:tint val="70000"/>
+      </a:schemeClr>
+    </dgm:fillClrLst>
+    <dgm:linClrLst meth="repeat">
+      <a:schemeClr val="accent3"/>
+    </dgm:linClrLst>
+    <dgm:effectClrLst/>
+    <dgm:txLinClrLst/>
+    <dgm:txFillClrLst meth="repeat">
+      <a:schemeClr val="tx1"/>
+    </dgm:txFillClrLst>
+    <dgm:txEffectClrLst/>
+  </dgm:styleLbl>
+  <dgm:styleLbl name="parChTrans1D4">
+    <dgm:fillClrLst meth="repeat">
+      <a:schemeClr val="accent5">
+        <a:tint val="50000"/>
+      </a:schemeClr>
+    </dgm:fillClrLst>
+    <dgm:linClrLst meth="repeat">
+      <a:schemeClr val="accent4"/>
+    </dgm:linClrLst>
+    <dgm:effectClrLst/>
+    <dgm:txLinClrLst/>
+    <dgm:txFillClrLst meth="repeat">
+      <a:schemeClr val="tx1"/>
+    </dgm:txFillClrLst>
+    <dgm:txEffectClrLst/>
+  </dgm:styleLbl>
+  <dgm:styleLbl name="fgAcc1">
+    <dgm:fillClrLst meth="repeat">
+      <a:schemeClr val="lt1">
+        <a:alpha val="90000"/>
+      </a:schemeClr>
+    </dgm:fillClrLst>
+    <dgm:linClrLst meth="repeat">
+      <a:schemeClr val="accent2"/>
+      <a:schemeClr val="accent3"/>
+      <a:schemeClr val="accent4"/>
+      <a:schemeClr val="accent5"/>
+      <a:schemeClr val="accent6"/>
+    </dgm:linClrLst>
+    <dgm:effectClrLst/>
+    <dgm:txLinClrLst/>
+    <dgm:txFillClrLst meth="repeat">
+      <a:schemeClr val="dk1"/>
+    </dgm:txFillClrLst>
+    <dgm:txEffectClrLst/>
+  </dgm:styleLbl>
+  <dgm:styleLbl name="conFgAcc1">
+    <dgm:fillClrLst meth="repeat">
+      <a:schemeClr val="lt1">
+        <a:alpha val="90000"/>
+      </a:schemeClr>
+    </dgm:fillClrLst>
+    <dgm:linClrLst meth="repeat">
+      <a:schemeClr val="accent2"/>
+      <a:schemeClr val="accent3"/>
+      <a:schemeClr val="accent4"/>
+      <a:schemeClr val="accent5"/>
+      <a:schemeClr val="accent6"/>
+    </dgm:linClrLst>
+    <dgm:effectClrLst/>
+    <dgm:txLinClrLst/>
+    <dgm:txFillClrLst meth="repeat">
+      <a:schemeClr val="dk1"/>
+    </dgm:txFillClrLst>
+    <dgm:txEffectClrLst/>
+  </dgm:styleLbl>
+  <dgm:styleLbl name="alignAcc1">
+    <dgm:fillClrLst meth="repeat">
+      <a:schemeClr val="lt1">
+        <a:alpha val="90000"/>
+      </a:schemeClr>
+    </dgm:fillClrLst>
+    <dgm:linClrLst meth="repeat">
+      <a:schemeClr val="accent2"/>
+      <a:schemeClr val="accent3"/>
+      <a:schemeClr val="accent4"/>
+      <a:schemeClr val="accent5"/>
+      <a:schemeClr val="accent6"/>
+    </dgm:linClrLst>
+    <dgm:effectClrLst/>
+    <dgm:txLinClrLst/>
+    <dgm:txFillClrLst meth="repeat">
+      <a:schemeClr val="dk1"/>
+    </dgm:txFillClrLst>
+    <dgm:txEffectClrLst/>
+  </dgm:styleLbl>
+  <dgm:styleLbl name="trAlignAcc1">
+    <dgm:fillClrLst meth="repeat">
+      <a:schemeClr val="lt1">
+        <a:alpha val="40000"/>
+      </a:schemeClr>
+    </dgm:fillClrLst>
+    <dgm:linClrLst meth="repeat">
+      <a:schemeClr val="accent1"/>
+    </dgm:linClrLst>
+    <dgm:effectClrLst/>
+    <dgm:txLinClrLst/>
+    <dgm:txFillClrLst meth="repeat">
+      <a:schemeClr val="dk1"/>
+    </dgm:txFillClrLst>
+    <dgm:txEffectClrLst/>
+  </dgm:styleLbl>
+  <dgm:styleLbl name="bgAcc1">
+    <dgm:fillClrLst meth="repeat">
+      <a:schemeClr val="lt1">
+        <a:alpha val="90000"/>
+      </a:schemeClr>
+    </dgm:fillClrLst>
+    <dgm:linClrLst meth="repeat">
+      <a:schemeClr val="accent2"/>
+      <a:schemeClr val="accent3"/>
+      <a:schemeClr val="accent4"/>
+      <a:schemeClr val="accent5"/>
+      <a:schemeClr val="accent6"/>
+    </dgm:linClrLst>
+    <dgm:effectClrLst/>
+    <dgm:txLinClrLst/>
+    <dgm:txFillClrLst meth="repeat">
+      <a:schemeClr val="dk1"/>
+    </dgm:txFillClrLst>
+    <dgm:txEffectClrLst/>
+  </dgm:styleLbl>
+  <dgm:styleLbl name="solidFgAcc1">
+    <dgm:fillClrLst meth="repeat">
+      <a:schemeClr val="lt1"/>
+    </dgm:fillClrLst>
+    <dgm:linClrLst meth="repeat">
+      <a:schemeClr val="accent2"/>
+      <a:schemeClr val="accent3"/>
+      <a:schemeClr val="accent4"/>
+      <a:schemeClr val="accent5"/>
+      <a:schemeClr val="accent6"/>
+    </dgm:linClrLst>
+    <dgm:effectClrLst/>
+    <dgm:txLinClrLst/>
+    <dgm:txFillClrLst meth="repeat">
+      <a:schemeClr val="dk1"/>
+    </dgm:txFillClrLst>
+    <dgm:txEffectClrLst/>
+  </dgm:styleLbl>
+  <dgm:styleLbl name="solidAlignAcc1">
+    <dgm:fillClrLst meth="repeat">
+      <a:schemeClr val="lt1"/>
+    </dgm:fillClrLst>
+    <dgm:linClrLst meth="repeat">
+      <a:schemeClr val="accent2"/>
+      <a:schemeClr val="accent3"/>
+      <a:schemeClr val="accent4"/>
+      <a:schemeClr val="accent5"/>
+      <a:schemeClr val="accent6"/>
+    </dgm:linClrLst>
+    <dgm:effectClrLst/>
+    <dgm:txLinClrLst/>
+    <dgm:txFillClrLst meth="repeat">
+      <a:schemeClr val="dk1"/>
+    </dgm:txFillClrLst>
+    <dgm:txEffectClrLst/>
+  </dgm:styleLbl>
+  <dgm:styleLbl name="solidBgAcc1">
+    <dgm:fillClrLst meth="repeat">
+      <a:schemeClr val="lt1"/>
+    </dgm:fillClrLst>
+    <dgm:linClrLst meth="repeat">
+      <a:schemeClr val="accent2"/>
+      <a:schemeClr val="accent3"/>
+      <a:schemeClr val="accent4"/>
+      <a:schemeClr val="accent5"/>
+      <a:schemeClr val="accent6"/>
+    </dgm:linClrLst>
+    <dgm:effectClrLst/>
+    <dgm:txLinClrLst/>
+    <dgm:txFillClrLst meth="repeat">
+      <a:schemeClr val="dk1"/>
+    </dgm:txFillClrLst>
+    <dgm:txEffectClrLst/>
+  </dgm:styleLbl>
+  <dgm:styleLbl name="fgAccFollowNode1">
+    <dgm:fillClrLst meth="repeat">
+      <a:schemeClr val="accent2">
+        <a:tint val="40000"/>
+        <a:alpha val="90000"/>
+      </a:schemeClr>
+      <a:schemeClr val="accent3">
+        <a:tint val="40000"/>
+        <a:alpha val="90000"/>
+      </a:schemeClr>
+      <a:schemeClr val="accent4">
+        <a:tint val="40000"/>
+        <a:alpha val="90000"/>
+      </a:schemeClr>
+      <a:schemeClr val="accent5">
+        <a:tint val="40000"/>
+        <a:alpha val="90000"/>
+      </a:schemeClr>
+      <a:schemeClr val="accent6">
+        <a:tint val="40000"/>
+        <a:alpha val="90000"/>
+      </a:schemeClr>
+    </dgm:fillClrLst>
+    <dgm:linClrLst meth="repeat">
+      <a:schemeClr val="accent2">
+        <a:tint val="40000"/>
+        <a:alpha val="90000"/>
+      </a:schemeClr>
+      <a:schemeClr val="accent3">
+        <a:tint val="40000"/>
+        <a:alpha val="90000"/>
+      </a:schemeClr>
+      <a:schemeClr val="accent4">
+        <a:tint val="40000"/>
+        <a:alpha val="90000"/>
+      </a:schemeClr>
+      <a:schemeClr val="accent5">
+        <a:tint val="40000"/>
+        <a:alpha val="90000"/>
+      </a:schemeClr>
+      <a:schemeClr val="accent6">
+        <a:tint val="40000"/>
+        <a:alpha val="90000"/>
+      </a:schemeClr>
+    </dgm:linClrLst>
+    <dgm:effectClrLst/>
+    <dgm:txLinClrLst/>
+    <dgm:txFillClrLst meth="repeat">
+      <a:schemeClr val="dk1"/>
+    </dgm:txFillClrLst>
+    <dgm:txEffectClrLst/>
+  </dgm:styleLbl>
+  <dgm:styleLbl name="alignAccFollowNode1">
+    <dgm:fillClrLst meth="repeat">
+      <a:schemeClr val="accent2">
+        <a:tint val="40000"/>
+        <a:alpha val="90000"/>
+      </a:schemeClr>
+      <a:schemeClr val="accent3">
+        <a:tint val="40000"/>
+        <a:alpha val="90000"/>
+      </a:schemeClr>
+      <a:schemeClr val="accent4">
+        <a:tint val="40000"/>
+        <a:alpha val="90000"/>
+      </a:schemeClr>
+      <a:schemeClr val="accent5">
+        <a:tint val="40000"/>
+        <a:alpha val="90000"/>
+      </a:schemeClr>
+      <a:schemeClr val="accent6">
+        <a:tint val="40000"/>
+        <a:alpha val="90000"/>
+      </a:schemeClr>
+    </dgm:fillClrLst>
+    <dgm:linClrLst meth="repeat">
+      <a:schemeClr val="accent2">
+        <a:tint val="40000"/>
+        <a:alpha val="90000"/>
+      </a:schemeClr>
+      <a:schemeClr val="accent3">
+        <a:tint val="40000"/>
+        <a:alpha val="90000"/>
+      </a:schemeClr>
+      <a:schemeClr val="accent4">
+        <a:tint val="40000"/>
+        <a:alpha val="90000"/>
+      </a:schemeClr>
+      <a:schemeClr val="accent5">
+        <a:tint val="40000"/>
+        <a:alpha val="90000"/>
+      </a:schemeClr>
+      <a:schemeClr val="accent6">
+        <a:tint val="40000"/>
+        <a:alpha val="90000"/>
+      </a:schemeClr>
+    </dgm:linClrLst>
+    <dgm:effectClrLst/>
+    <dgm:txLinClrLst/>
+    <dgm:txFillClrLst meth="repeat">
+      <a:schemeClr val="dk1"/>
+    </dgm:txFillClrLst>
+    <dgm:txEffectClrLst/>
+  </dgm:styleLbl>
+  <dgm:styleLbl name="bgAccFollowNode1">
+    <dgm:fillClrLst meth="repeat">
+      <a:schemeClr val="accent2">
+        <a:tint val="40000"/>
+        <a:alpha val="90000"/>
+      </a:schemeClr>
+      <a:schemeClr val="accent3">
+        <a:tint val="40000"/>
+        <a:alpha val="90000"/>
+      </a:schemeClr>
+      <a:schemeClr val="accent4">
+        <a:tint val="40000"/>
+        <a:alpha val="90000"/>
+      </a:schemeClr>
+      <a:schemeClr val="accent5">
+        <a:tint val="40000"/>
+        <a:alpha val="90000"/>
+      </a:schemeClr>
+      <a:schemeClr val="accent6">
+        <a:tint val="40000"/>
+        <a:alpha val="90000"/>
+      </a:schemeClr>
+    </dgm:fillClrLst>
+    <dgm:linClrLst meth="repeat">
+      <a:schemeClr val="accent2">
+        <a:tint val="40000"/>
+        <a:alpha val="90000"/>
+      </a:schemeClr>
+      <a:schemeClr val="accent3">
+        <a:tint val="40000"/>
+        <a:alpha val="90000"/>
+      </a:schemeClr>
+      <a:schemeClr val="accent4">
+        <a:tint val="40000"/>
+        <a:alpha val="90000"/>
+      </a:schemeClr>
+      <a:schemeClr val="accent5">
+        <a:tint val="40000"/>
+        <a:alpha val="90000"/>
+      </a:schemeClr>
+      <a:schemeClr val="accent6">
+        <a:tint val="40000"/>
+        <a:alpha val="90000"/>
+      </a:schemeClr>
+    </dgm:linClrLst>
+    <dgm:effectClrLst/>
+    <dgm:txLinClrLst/>
+    <dgm:txFillClrLst meth="repeat">
+      <a:schemeClr val="dk1"/>
+    </dgm:txFillClrLst>
+    <dgm:txEffectClrLst/>
+  </dgm:styleLbl>
+  <dgm:styleLbl name="fgAcc0">
+    <dgm:fillClrLst meth="repeat">
+      <a:schemeClr val="lt1">
+        <a:alpha val="90000"/>
+      </a:schemeClr>
+    </dgm:fillClrLst>
+    <dgm:linClrLst>
+      <a:schemeClr val="accent1"/>
+    </dgm:linClrLst>
+    <dgm:effectClrLst/>
+    <dgm:txLinClrLst/>
+    <dgm:txFillClrLst meth="repeat">
+      <a:schemeClr val="dk1"/>
+    </dgm:txFillClrLst>
+    <dgm:txEffectClrLst/>
+  </dgm:styleLbl>
+  <dgm:styleLbl name="fgAcc2">
+    <dgm:fillClrLst meth="repeat">
+      <a:schemeClr val="lt1">
+        <a:alpha val="90000"/>
+      </a:schemeClr>
+    </dgm:fillClrLst>
+    <dgm:linClrLst>
+      <a:schemeClr val="accent2"/>
+    </dgm:linClrLst>
+    <dgm:effectClrLst/>
+    <dgm:txLinClrLst/>
+    <dgm:txFillClrLst meth="repeat">
+      <a:schemeClr val="dk1"/>
+    </dgm:txFillClrLst>
+    <dgm:txEffectClrLst/>
+  </dgm:styleLbl>
+  <dgm:styleLbl name="fgAcc3">
+    <dgm:fillClrLst meth="repeat">
+      <a:schemeClr val="lt1">
+        <a:alpha val="90000"/>
+      </a:schemeClr>
+    </dgm:fillClrLst>
+    <dgm:linClrLst>
+      <a:schemeClr val="accent3"/>
+    </dgm:linClrLst>
+    <dgm:effectClrLst/>
+    <dgm:txLinClrLst/>
+    <dgm:txFillClrLst meth="repeat">
+      <a:schemeClr val="dk1"/>
+    </dgm:txFillClrLst>
+    <dgm:txEffectClrLst/>
+  </dgm:styleLbl>
+  <dgm:styleLbl name="fgAcc4">
+    <dgm:fillClrLst meth="repeat">
+      <a:schemeClr val="lt1">
+        <a:alpha val="90000"/>
+      </a:schemeClr>
+    </dgm:fillClrLst>
+    <dgm:linClrLst>
+      <a:schemeClr val="accent4"/>
+    </dgm:linClrLst>
+    <dgm:effectClrLst/>
+    <dgm:txLinClrLst/>
+    <dgm:txFillClrLst meth="repeat">
+      <a:schemeClr val="dk1"/>
+    </dgm:txFillClrLst>
+    <dgm:txEffectClrLst/>
+  </dgm:styleLbl>
+  <dgm:styleLbl name="bgShp">
+    <dgm:fillClrLst meth="repeat">
+      <a:schemeClr val="accent2"/>
+      <a:schemeClr val="accent3"/>
+      <a:schemeClr val="accent4"/>
+      <a:schemeClr val="accent5"/>
+      <a:schemeClr val="accent6"/>
+    </dgm:fillClrLst>
+    <dgm:linClrLst meth="repeat">
+      <a:schemeClr val="lt1">
+        <a:alpha val="0"/>
+      </a:schemeClr>
+    </dgm:linClrLst>
+    <dgm:effectClrLst/>
+    <dgm:txLinClrLst/>
+    <dgm:txFillClrLst/>
+    <dgm:txEffectClrLst/>
+  </dgm:styleLbl>
+  <dgm:styleLbl name="dkBgShp">
+    <dgm:fillClrLst meth="repeat">
+      <a:schemeClr val="accent2">
+        <a:shade val="90000"/>
+      </a:schemeClr>
+    </dgm:fillClrLst>
+    <dgm:linClrLst meth="repeat">
+      <a:schemeClr val="dk1"/>
+    </dgm:linClrLst>
+    <dgm:effectClrLst/>
+    <dgm:txLinClrLst/>
+    <dgm:txFillClrLst meth="repeat">
+      <a:schemeClr val="lt1"/>
+    </dgm:txFillClrLst>
+    <dgm:txEffectClrLst/>
+  </dgm:styleLbl>
+  <dgm:styleLbl name="trBgShp">
+    <dgm:fillClrLst meth="repeat">
+      <a:schemeClr val="accent1">
+        <a:tint val="50000"/>
+        <a:alpha val="40000"/>
+      </a:schemeClr>
+    </dgm:fillClrLst>
+    <dgm:linClrLst meth="repeat">
+      <a:schemeClr val="accent2"/>
+    </dgm:linClrLst>
+    <dgm:effectClrLst/>
+    <dgm:txLinClrLst/>
+    <dgm:txFillClrLst meth="repeat">
+      <a:schemeClr val="lt1"/>
+    </dgm:txFillClrLst>
+    <dgm:txEffectClrLst/>
+  </dgm:styleLbl>
+  <dgm:styleLbl name="fgShp">
+    <dgm:fillClrLst meth="repeat">
+      <a:schemeClr val="accent2">
+        <a:tint val="40000"/>
+      </a:schemeClr>
+    </dgm:fillClrLst>
+    <dgm:linClrLst meth="repeat">
+      <a:schemeClr val="lt1"/>
+    </dgm:linClrLst>
+    <dgm:effectClrLst/>
+    <dgm:txLinClrLst/>
+    <dgm:txFillClrLst meth="repeat">
+      <a:schemeClr val="dk1"/>
+    </dgm:txFillClrLst>
+    <dgm:txEffectClrLst/>
+  </dgm:styleLbl>
+  <dgm:styleLbl name="revTx">
+    <dgm:fillClrLst meth="repeat">
+      <a:schemeClr val="lt1">
+        <a:alpha val="0"/>
+      </a:schemeClr>
+    </dgm:fillClrLst>
+    <dgm:linClrLst meth="repeat">
+      <a:schemeClr val="dk1">
+        <a:alpha val="0"/>
+      </a:schemeClr>
+    </dgm:linClrLst>
+    <dgm:effectClrLst/>
+    <dgm:txLinClrLst/>
+    <dgm:txFillClrLst meth="repeat">
+      <a:schemeClr val="bg1"/>
+    </dgm:txFillClrLst>
+    <dgm:txEffectClrLst/>
+  </dgm:styleLbl>
+</dgm:colorsDef>
+</file>
+
+<file path=ppt/diagrams/data1.xml><?xml version="1.0" encoding="utf-8"?>
+<dgm:dataModel xmlns:dgm="http://schemas.openxmlformats.org/drawingml/2006/diagram" xmlns:a="http://schemas.openxmlformats.org/drawingml/2006/main">
+  <dgm:ptLst>
+    <dgm:pt modelId="{6A52B9DC-BFF7-4A3D-A551-5DB712AFA3AD}" type="doc">
+      <dgm:prSet loTypeId="urn:microsoft.com/office/officeart/2018/2/layout/IconVerticalSolidList" loCatId="icon" qsTypeId="urn:microsoft.com/office/officeart/2005/8/quickstyle/simple1" qsCatId="simple" csTypeId="urn:microsoft.com/office/officeart/2018/5/colors/Iconchunking_neutralicontext_colorful1" csCatId="colorful" phldr="1"/>
+      <dgm:spPr/>
+      <dgm:t>
+        <a:bodyPr/>
+        <a:lstStyle/>
+        <a:p>
+          <a:endParaRPr lang="en-US"/>
+        </a:p>
+      </dgm:t>
+    </dgm:pt>
+    <dgm:pt modelId="{068C2021-F21A-41EB-973D-4250D2884982}">
+      <dgm:prSet/>
+      <dgm:spPr/>
+      <dgm:t>
+        <a:bodyPr/>
+        <a:lstStyle/>
+        <a:p>
+          <a:r>
+            <a:rPr lang="en-GB"/>
+            <a:t>To analyse carrier performance using KPI’s such as on-time delivery of shipments </a:t>
+          </a:r>
+          <a:endParaRPr lang="en-US"/>
+        </a:p>
+      </dgm:t>
+    </dgm:pt>
+    <dgm:pt modelId="{BFF4366D-2C9C-42FF-92C4-D9E11D1E4273}" type="parTrans" cxnId="{CAD4B092-ABC9-401F-BBCB-B12E5ED053B7}">
+      <dgm:prSet/>
+      <dgm:spPr/>
+      <dgm:t>
+        <a:bodyPr/>
+        <a:lstStyle/>
+        <a:p>
+          <a:endParaRPr lang="en-US"/>
+        </a:p>
+      </dgm:t>
+    </dgm:pt>
+    <dgm:pt modelId="{EF524DA3-8C31-4012-A5A7-CE4A511788F3}" type="sibTrans" cxnId="{CAD4B092-ABC9-401F-BBCB-B12E5ED053B7}">
+      <dgm:prSet/>
+      <dgm:spPr/>
+      <dgm:t>
+        <a:bodyPr/>
+        <a:lstStyle/>
+        <a:p>
+          <a:endParaRPr lang="en-US"/>
+        </a:p>
+      </dgm:t>
+    </dgm:pt>
+    <dgm:pt modelId="{FB010786-00BF-4BE3-B381-53FFB152B370}">
+      <dgm:prSet/>
+      <dgm:spPr/>
+      <dgm:t>
+        <a:bodyPr/>
+        <a:lstStyle/>
+        <a:p>
+          <a:r>
+            <a:rPr lang="en-GB"/>
+            <a:t>To identify and mitigate the risks associated with potential delivery delays </a:t>
+          </a:r>
+          <a:endParaRPr lang="en-US"/>
+        </a:p>
+      </dgm:t>
+    </dgm:pt>
+    <dgm:pt modelId="{05525665-AE1B-4BC0-92F5-CEF3E8A5C57A}" type="parTrans" cxnId="{93F32332-5B50-483E-804A-5515CEA4DA3D}">
+      <dgm:prSet/>
+      <dgm:spPr/>
+      <dgm:t>
+        <a:bodyPr/>
+        <a:lstStyle/>
+        <a:p>
+          <a:endParaRPr lang="en-US"/>
+        </a:p>
+      </dgm:t>
+    </dgm:pt>
+    <dgm:pt modelId="{690D4AAC-95E9-47A1-B13C-E0F710175F18}" type="sibTrans" cxnId="{93F32332-5B50-483E-804A-5515CEA4DA3D}">
+      <dgm:prSet/>
+      <dgm:spPr/>
+      <dgm:t>
+        <a:bodyPr/>
+        <a:lstStyle/>
+        <a:p>
+          <a:endParaRPr lang="en-US"/>
+        </a:p>
+      </dgm:t>
+    </dgm:pt>
+    <dgm:pt modelId="{159AED7A-7088-4CB7-AA2E-080509F66531}">
+      <dgm:prSet/>
+      <dgm:spPr/>
+      <dgm:t>
+        <a:bodyPr/>
+        <a:lstStyle/>
+        <a:p>
+          <a:r>
+            <a:rPr lang="en-GB"/>
+            <a:t>To predict the likelihood of delay for shipments to improve timeliness of deliveries in the future</a:t>
+          </a:r>
+          <a:endParaRPr lang="en-US"/>
+        </a:p>
+      </dgm:t>
+    </dgm:pt>
+    <dgm:pt modelId="{516ED0F9-D7F6-40CE-B380-CCBC6C8D5717}" type="parTrans" cxnId="{13E14F4D-850B-4B9A-ACC0-7D588CF2EEE7}">
+      <dgm:prSet/>
+      <dgm:spPr/>
+      <dgm:t>
+        <a:bodyPr/>
+        <a:lstStyle/>
+        <a:p>
+          <a:endParaRPr lang="en-US"/>
+        </a:p>
+      </dgm:t>
+    </dgm:pt>
+    <dgm:pt modelId="{947ED4C9-B178-48C6-80A9-27B7E421F387}" type="sibTrans" cxnId="{13E14F4D-850B-4B9A-ACC0-7D588CF2EEE7}">
+      <dgm:prSet/>
+      <dgm:spPr/>
+      <dgm:t>
+        <a:bodyPr/>
+        <a:lstStyle/>
+        <a:p>
+          <a:endParaRPr lang="en-US"/>
+        </a:p>
+      </dgm:t>
+    </dgm:pt>
+    <dgm:pt modelId="{897F13A8-1E77-4F85-8BD0-B983267F7DFA}" type="pres">
+      <dgm:prSet presAssocID="{6A52B9DC-BFF7-4A3D-A551-5DB712AFA3AD}" presName="root" presStyleCnt="0">
+        <dgm:presLayoutVars>
+          <dgm:dir/>
+          <dgm:resizeHandles val="exact"/>
+        </dgm:presLayoutVars>
+      </dgm:prSet>
+      <dgm:spPr/>
+    </dgm:pt>
+    <dgm:pt modelId="{DB27A633-EFC7-4326-8E99-609B0B9410E7}" type="pres">
+      <dgm:prSet presAssocID="{068C2021-F21A-41EB-973D-4250D2884982}" presName="compNode" presStyleCnt="0"/>
+      <dgm:spPr/>
+    </dgm:pt>
+    <dgm:pt modelId="{EA705F5C-8395-489E-BD42-333A75D5451D}" type="pres">
+      <dgm:prSet presAssocID="{068C2021-F21A-41EB-973D-4250D2884982}" presName="bgRect" presStyleLbl="bgShp" presStyleIdx="0" presStyleCnt="3"/>
+      <dgm:spPr/>
+    </dgm:pt>
+    <dgm:pt modelId="{B1CA40D2-C483-4050-9D29-6EA0B70318AD}" type="pres">
+      <dgm:prSet presAssocID="{068C2021-F21A-41EB-973D-4250D2884982}" presName="iconRect" presStyleLbl="node1" presStyleIdx="0" presStyleCnt="3"/>
+      <dgm:spPr>
+        <a:blipFill>
+          <a:blip xmlns:r="http://schemas.openxmlformats.org/officeDocument/2006/relationships" r:embed="rId1">
+            <a:extLst>
+              <a:ext uri="{28A0092B-C50C-407E-A947-70E740481C1C}">
+                <a14:useLocalDpi xmlns:a14="http://schemas.microsoft.com/office/drawing/2010/main" val="0"/>
+              </a:ext>
+              <a:ext uri="{96DAC541-7B7A-43D3-8B79-37D633B846F1}">
+                <asvg:svgBlip xmlns:asvg="http://schemas.microsoft.com/office/drawing/2016/SVG/main" r:embed="rId2"/>
+              </a:ext>
+            </a:extLst>
+          </a:blip>
+          <a:stretch>
+            <a:fillRect/>
+          </a:stretch>
+        </a:blipFill>
+        <a:ln>
+          <a:noFill/>
+        </a:ln>
+      </dgm:spPr>
+      <dgm:extLst>
+        <a:ext uri="{E40237B7-FDA0-4F09-8148-C483321AD2D9}">
+          <dgm14:cNvPr xmlns:dgm14="http://schemas.microsoft.com/office/drawing/2010/diagram" id="0" name="" descr="Truck"/>
+        </a:ext>
+      </dgm:extLst>
+    </dgm:pt>
+    <dgm:pt modelId="{BD7455EB-0FE9-46C2-BF71-8A3DA5B32604}" type="pres">
+      <dgm:prSet presAssocID="{068C2021-F21A-41EB-973D-4250D2884982}" presName="spaceRect" presStyleCnt="0"/>
+      <dgm:spPr/>
+    </dgm:pt>
+    <dgm:pt modelId="{94918032-4A00-4537-BFAD-CD90E0660F18}" type="pres">
+      <dgm:prSet presAssocID="{068C2021-F21A-41EB-973D-4250D2884982}" presName="parTx" presStyleLbl="revTx" presStyleIdx="0" presStyleCnt="3">
+        <dgm:presLayoutVars>
+          <dgm:chMax val="0"/>
+          <dgm:chPref val="0"/>
+        </dgm:presLayoutVars>
+      </dgm:prSet>
+      <dgm:spPr/>
+    </dgm:pt>
+    <dgm:pt modelId="{7145C71C-E8D5-41AE-8F00-8575AC52F6DE}" type="pres">
+      <dgm:prSet presAssocID="{EF524DA3-8C31-4012-A5A7-CE4A511788F3}" presName="sibTrans" presStyleCnt="0"/>
+      <dgm:spPr/>
+    </dgm:pt>
+    <dgm:pt modelId="{C4651E05-8E85-4C83-AF56-2F855B774BF7}" type="pres">
+      <dgm:prSet presAssocID="{FB010786-00BF-4BE3-B381-53FFB152B370}" presName="compNode" presStyleCnt="0"/>
+      <dgm:spPr/>
+    </dgm:pt>
+    <dgm:pt modelId="{9EDA9069-8549-428D-BF54-B57300AE4897}" type="pres">
+      <dgm:prSet presAssocID="{FB010786-00BF-4BE3-B381-53FFB152B370}" presName="bgRect" presStyleLbl="bgShp" presStyleIdx="1" presStyleCnt="3"/>
+      <dgm:spPr/>
+    </dgm:pt>
+    <dgm:pt modelId="{C026965C-6132-4150-B36A-6CDE4025C3D3}" type="pres">
+      <dgm:prSet presAssocID="{FB010786-00BF-4BE3-B381-53FFB152B370}" presName="iconRect" presStyleLbl="node1" presStyleIdx="1" presStyleCnt="3"/>
+      <dgm:spPr>
+        <a:blipFill>
+          <a:blip xmlns:r="http://schemas.openxmlformats.org/officeDocument/2006/relationships" r:embed="rId3">
+            <a:extLst>
+              <a:ext uri="{28A0092B-C50C-407E-A947-70E740481C1C}">
+                <a14:useLocalDpi xmlns:a14="http://schemas.microsoft.com/office/drawing/2010/main" val="0"/>
+              </a:ext>
+              <a:ext uri="{96DAC541-7B7A-43D3-8B79-37D633B846F1}">
+                <asvg:svgBlip xmlns:asvg="http://schemas.microsoft.com/office/drawing/2016/SVG/main" r:embed="rId4"/>
+              </a:ext>
+            </a:extLst>
+          </a:blip>
+          <a:stretch>
+            <a:fillRect/>
+          </a:stretch>
+        </a:blipFill>
+        <a:ln>
+          <a:noFill/>
+        </a:ln>
+      </dgm:spPr>
+      <dgm:extLst>
+        <a:ext uri="{E40237B7-FDA0-4F09-8148-C483321AD2D9}">
+          <dgm14:cNvPr xmlns:dgm14="http://schemas.microsoft.com/office/drawing/2010/diagram" id="0" name="" descr="Warning"/>
+        </a:ext>
+      </dgm:extLst>
+    </dgm:pt>
+    <dgm:pt modelId="{0C8EF134-2378-44A9-8634-53EF3085618E}" type="pres">
+      <dgm:prSet presAssocID="{FB010786-00BF-4BE3-B381-53FFB152B370}" presName="spaceRect" presStyleCnt="0"/>
+      <dgm:spPr/>
+    </dgm:pt>
+    <dgm:pt modelId="{673D1ECF-48B1-4CEB-A71C-0B6536C465FE}" type="pres">
+      <dgm:prSet presAssocID="{FB010786-00BF-4BE3-B381-53FFB152B370}" presName="parTx" presStyleLbl="revTx" presStyleIdx="1" presStyleCnt="3">
+        <dgm:presLayoutVars>
+          <dgm:chMax val="0"/>
+          <dgm:chPref val="0"/>
+        </dgm:presLayoutVars>
+      </dgm:prSet>
+      <dgm:spPr/>
+    </dgm:pt>
+    <dgm:pt modelId="{456BE0CB-B1ED-4F23-947F-216D6708E608}" type="pres">
+      <dgm:prSet presAssocID="{690D4AAC-95E9-47A1-B13C-E0F710175F18}" presName="sibTrans" presStyleCnt="0"/>
+      <dgm:spPr/>
+    </dgm:pt>
+    <dgm:pt modelId="{DFA741D7-7081-457B-ACB0-BE20DD0B2A6A}" type="pres">
+      <dgm:prSet presAssocID="{159AED7A-7088-4CB7-AA2E-080509F66531}" presName="compNode" presStyleCnt="0"/>
+      <dgm:spPr/>
+    </dgm:pt>
+    <dgm:pt modelId="{36EEE49F-06D2-45DD-9114-9B1F55005B8F}" type="pres">
+      <dgm:prSet presAssocID="{159AED7A-7088-4CB7-AA2E-080509F66531}" presName="bgRect" presStyleLbl="bgShp" presStyleIdx="2" presStyleCnt="3"/>
+      <dgm:spPr/>
+    </dgm:pt>
+    <dgm:pt modelId="{C6E13996-D676-425F-9435-6B4619DE3884}" type="pres">
+      <dgm:prSet presAssocID="{159AED7A-7088-4CB7-AA2E-080509F66531}" presName="iconRect" presStyleLbl="node1" presStyleIdx="2" presStyleCnt="3"/>
+      <dgm:spPr>
+        <a:blipFill>
+          <a:blip xmlns:r="http://schemas.openxmlformats.org/officeDocument/2006/relationships" r:embed="rId5">
+            <a:extLst>
+              <a:ext uri="{28A0092B-C50C-407E-A947-70E740481C1C}">
+                <a14:useLocalDpi xmlns:a14="http://schemas.microsoft.com/office/drawing/2010/main" val="0"/>
+              </a:ext>
+              <a:ext uri="{96DAC541-7B7A-43D3-8B79-37D633B846F1}">
+                <asvg:svgBlip xmlns:asvg="http://schemas.microsoft.com/office/drawing/2016/SVG/main" r:embed="rId6"/>
+              </a:ext>
+            </a:extLst>
+          </a:blip>
+          <a:stretch>
+            <a:fillRect/>
+          </a:stretch>
+        </a:blipFill>
+        <a:ln>
+          <a:noFill/>
+        </a:ln>
+      </dgm:spPr>
+      <dgm:extLst>
+        <a:ext uri="{E40237B7-FDA0-4F09-8148-C483321AD2D9}">
+          <dgm14:cNvPr xmlns:dgm14="http://schemas.microsoft.com/office/drawing/2010/diagram" id="0" name="" descr="Stopwatch"/>
+        </a:ext>
+      </dgm:extLst>
+    </dgm:pt>
+    <dgm:pt modelId="{1EC06EDF-A360-4C2A-895C-A7C4A8AD9817}" type="pres">
+      <dgm:prSet presAssocID="{159AED7A-7088-4CB7-AA2E-080509F66531}" presName="spaceRect" presStyleCnt="0"/>
+      <dgm:spPr/>
+    </dgm:pt>
+    <dgm:pt modelId="{022692DA-80F1-4196-8F8D-B9DC42CE54D1}" type="pres">
+      <dgm:prSet presAssocID="{159AED7A-7088-4CB7-AA2E-080509F66531}" presName="parTx" presStyleLbl="revTx" presStyleIdx="2" presStyleCnt="3">
+        <dgm:presLayoutVars>
+          <dgm:chMax val="0"/>
+          <dgm:chPref val="0"/>
+        </dgm:presLayoutVars>
+      </dgm:prSet>
+      <dgm:spPr/>
+    </dgm:pt>
+  </dgm:ptLst>
+  <dgm:cxnLst>
+    <dgm:cxn modelId="{AF64972A-00CD-4C73-88AF-8F6F7A41EA60}" type="presOf" srcId="{068C2021-F21A-41EB-973D-4250D2884982}" destId="{94918032-4A00-4537-BFAD-CD90E0660F18}" srcOrd="0" destOrd="0" presId="urn:microsoft.com/office/officeart/2018/2/layout/IconVerticalSolidList"/>
+    <dgm:cxn modelId="{93F32332-5B50-483E-804A-5515CEA4DA3D}" srcId="{6A52B9DC-BFF7-4A3D-A551-5DB712AFA3AD}" destId="{FB010786-00BF-4BE3-B381-53FFB152B370}" srcOrd="1" destOrd="0" parTransId="{05525665-AE1B-4BC0-92F5-CEF3E8A5C57A}" sibTransId="{690D4AAC-95E9-47A1-B13C-E0F710175F18}"/>
+    <dgm:cxn modelId="{13E14F4D-850B-4B9A-ACC0-7D588CF2EEE7}" srcId="{6A52B9DC-BFF7-4A3D-A551-5DB712AFA3AD}" destId="{159AED7A-7088-4CB7-AA2E-080509F66531}" srcOrd="2" destOrd="0" parTransId="{516ED0F9-D7F6-40CE-B380-CCBC6C8D5717}" sibTransId="{947ED4C9-B178-48C6-80A9-27B7E421F387}"/>
+    <dgm:cxn modelId="{CAD4B092-ABC9-401F-BBCB-B12E5ED053B7}" srcId="{6A52B9DC-BFF7-4A3D-A551-5DB712AFA3AD}" destId="{068C2021-F21A-41EB-973D-4250D2884982}" srcOrd="0" destOrd="0" parTransId="{BFF4366D-2C9C-42FF-92C4-D9E11D1E4273}" sibTransId="{EF524DA3-8C31-4012-A5A7-CE4A511788F3}"/>
+    <dgm:cxn modelId="{C3A854A4-3CC2-41FF-AEDC-6E17B55FAC4A}" type="presOf" srcId="{6A52B9DC-BFF7-4A3D-A551-5DB712AFA3AD}" destId="{897F13A8-1E77-4F85-8BD0-B983267F7DFA}" srcOrd="0" destOrd="0" presId="urn:microsoft.com/office/officeart/2018/2/layout/IconVerticalSolidList"/>
+    <dgm:cxn modelId="{713293A8-267C-4D44-A987-DF9A137692B7}" type="presOf" srcId="{159AED7A-7088-4CB7-AA2E-080509F66531}" destId="{022692DA-80F1-4196-8F8D-B9DC42CE54D1}" srcOrd="0" destOrd="0" presId="urn:microsoft.com/office/officeart/2018/2/layout/IconVerticalSolidList"/>
+    <dgm:cxn modelId="{629565E4-4BB6-410C-BBD2-2D7291DBB30D}" type="presOf" srcId="{FB010786-00BF-4BE3-B381-53FFB152B370}" destId="{673D1ECF-48B1-4CEB-A71C-0B6536C465FE}" srcOrd="0" destOrd="0" presId="urn:microsoft.com/office/officeart/2018/2/layout/IconVerticalSolidList"/>
+    <dgm:cxn modelId="{1EE7B9FF-7482-4869-AD9A-552647D7265F}" type="presParOf" srcId="{897F13A8-1E77-4F85-8BD0-B983267F7DFA}" destId="{DB27A633-EFC7-4326-8E99-609B0B9410E7}" srcOrd="0" destOrd="0" presId="urn:microsoft.com/office/officeart/2018/2/layout/IconVerticalSolidList"/>
+    <dgm:cxn modelId="{EF9D45F6-8F4B-4AD4-9455-5377D67226F6}" type="presParOf" srcId="{DB27A633-EFC7-4326-8E99-609B0B9410E7}" destId="{EA705F5C-8395-489E-BD42-333A75D5451D}" srcOrd="0" destOrd="0" presId="urn:microsoft.com/office/officeart/2018/2/layout/IconVerticalSolidList"/>
+    <dgm:cxn modelId="{FB59F65F-8E8D-411B-99A2-55ACE19CCAEA}" type="presParOf" srcId="{DB27A633-EFC7-4326-8E99-609B0B9410E7}" destId="{B1CA40D2-C483-4050-9D29-6EA0B70318AD}" srcOrd="1" destOrd="0" presId="urn:microsoft.com/office/officeart/2018/2/layout/IconVerticalSolidList"/>
+    <dgm:cxn modelId="{A6CD49AB-C6E0-44FF-8B69-13AFB62D6F3C}" type="presParOf" srcId="{DB27A633-EFC7-4326-8E99-609B0B9410E7}" destId="{BD7455EB-0FE9-46C2-BF71-8A3DA5B32604}" srcOrd="2" destOrd="0" presId="urn:microsoft.com/office/officeart/2018/2/layout/IconVerticalSolidList"/>
+    <dgm:cxn modelId="{1B3249E7-A185-42ED-AD66-45E76DA922AA}" type="presParOf" srcId="{DB27A633-EFC7-4326-8E99-609B0B9410E7}" destId="{94918032-4A00-4537-BFAD-CD90E0660F18}" srcOrd="3" destOrd="0" presId="urn:microsoft.com/office/officeart/2018/2/layout/IconVerticalSolidList"/>
+    <dgm:cxn modelId="{1D0A985C-AEC6-4D7E-B09B-0DB48E27F614}" type="presParOf" srcId="{897F13A8-1E77-4F85-8BD0-B983267F7DFA}" destId="{7145C71C-E8D5-41AE-8F00-8575AC52F6DE}" srcOrd="1" destOrd="0" presId="urn:microsoft.com/office/officeart/2018/2/layout/IconVerticalSolidList"/>
+    <dgm:cxn modelId="{1C695879-3356-4C68-863D-394E12E07359}" type="presParOf" srcId="{897F13A8-1E77-4F85-8BD0-B983267F7DFA}" destId="{C4651E05-8E85-4C83-AF56-2F855B774BF7}" srcOrd="2" destOrd="0" presId="urn:microsoft.com/office/officeart/2018/2/layout/IconVerticalSolidList"/>
+    <dgm:cxn modelId="{4C98B35A-CF8D-414A-A0BA-EABD5EE4839C}" type="presParOf" srcId="{C4651E05-8E85-4C83-AF56-2F855B774BF7}" destId="{9EDA9069-8549-428D-BF54-B57300AE4897}" srcOrd="0" destOrd="0" presId="urn:microsoft.com/office/officeart/2018/2/layout/IconVerticalSolidList"/>
+    <dgm:cxn modelId="{B24F8ECA-6F7D-40A5-87DE-7BB04C6E98A8}" type="presParOf" srcId="{C4651E05-8E85-4C83-AF56-2F855B774BF7}" destId="{C026965C-6132-4150-B36A-6CDE4025C3D3}" srcOrd="1" destOrd="0" presId="urn:microsoft.com/office/officeart/2018/2/layout/IconVerticalSolidList"/>
+    <dgm:cxn modelId="{4DDA5405-76DD-4488-9BF6-5DD23FF5F549}" type="presParOf" srcId="{C4651E05-8E85-4C83-AF56-2F855B774BF7}" destId="{0C8EF134-2378-44A9-8634-53EF3085618E}" srcOrd="2" destOrd="0" presId="urn:microsoft.com/office/officeart/2018/2/layout/IconVerticalSolidList"/>
+    <dgm:cxn modelId="{9A2C1359-DB9F-4E87-8BAE-DBA8BA2D1BB8}" type="presParOf" srcId="{C4651E05-8E85-4C83-AF56-2F855B774BF7}" destId="{673D1ECF-48B1-4CEB-A71C-0B6536C465FE}" srcOrd="3" destOrd="0" presId="urn:microsoft.com/office/officeart/2018/2/layout/IconVerticalSolidList"/>
+    <dgm:cxn modelId="{F1B094BF-B6EA-4AF6-AC0E-DF3CA9A5F599}" type="presParOf" srcId="{897F13A8-1E77-4F85-8BD0-B983267F7DFA}" destId="{456BE0CB-B1ED-4F23-947F-216D6708E608}" srcOrd="3" destOrd="0" presId="urn:microsoft.com/office/officeart/2018/2/layout/IconVerticalSolidList"/>
+    <dgm:cxn modelId="{9BC8E6C7-C499-4E1B-B584-91A7D768CF01}" type="presParOf" srcId="{897F13A8-1E77-4F85-8BD0-B983267F7DFA}" destId="{DFA741D7-7081-457B-ACB0-BE20DD0B2A6A}" srcOrd="4" destOrd="0" presId="urn:microsoft.com/office/officeart/2018/2/layout/IconVerticalSolidList"/>
+    <dgm:cxn modelId="{4A774D25-9ABE-40BA-9965-CB2FC9E8E58E}" type="presParOf" srcId="{DFA741D7-7081-457B-ACB0-BE20DD0B2A6A}" destId="{36EEE49F-06D2-45DD-9114-9B1F55005B8F}" srcOrd="0" destOrd="0" presId="urn:microsoft.com/office/officeart/2018/2/layout/IconVerticalSolidList"/>
+    <dgm:cxn modelId="{CB56D6B4-0816-4F0D-A9BC-98AB15779E26}" type="presParOf" srcId="{DFA741D7-7081-457B-ACB0-BE20DD0B2A6A}" destId="{C6E13996-D676-425F-9435-6B4619DE3884}" srcOrd="1" destOrd="0" presId="urn:microsoft.com/office/officeart/2018/2/layout/IconVerticalSolidList"/>
+    <dgm:cxn modelId="{7E883D3B-3FC2-4163-8DD4-18D6F0AF8386}" type="presParOf" srcId="{DFA741D7-7081-457B-ACB0-BE20DD0B2A6A}" destId="{1EC06EDF-A360-4C2A-895C-A7C4A8AD9817}" srcOrd="2" destOrd="0" presId="urn:microsoft.com/office/officeart/2018/2/layout/IconVerticalSolidList"/>
+    <dgm:cxn modelId="{4D79CCCD-197E-4157-8750-8D9C18FFDE3A}" type="presParOf" srcId="{DFA741D7-7081-457B-ACB0-BE20DD0B2A6A}" destId="{022692DA-80F1-4196-8F8D-B9DC42CE54D1}" srcOrd="3" destOrd="0" presId="urn:microsoft.com/office/officeart/2018/2/layout/IconVerticalSolidList"/>
+  </dgm:cxnLst>
+  <dgm:bg/>
+  <dgm:whole/>
+  <dgm:extLst>
+    <a:ext uri="http://schemas.microsoft.com/office/drawing/2008/diagram">
+      <dsp:dataModelExt xmlns:dsp="http://schemas.microsoft.com/office/drawing/2008/diagram" relId="rId6" minVer="http://schemas.openxmlformats.org/drawingml/2006/diagram"/>
+    </a:ext>
+  </dgm:extLst>
+</dgm:dataModel>
+</file>
+
+<file path=ppt/diagrams/drawing1.xml><?xml version="1.0" encoding="utf-8"?>
+<dsp:drawing xmlns:dgm="http://schemas.openxmlformats.org/drawingml/2006/diagram" xmlns:dsp="http://schemas.microsoft.com/office/drawing/2008/diagram" xmlns:a="http://schemas.openxmlformats.org/drawingml/2006/main">
+  <dsp:spTree>
+    <dsp:nvGrpSpPr>
+      <dsp:cNvPr id="0" name=""/>
+      <dsp:cNvGrpSpPr/>
+    </dsp:nvGrpSpPr>
+    <dsp:grpSpPr/>
+    <dsp:sp modelId="{EA705F5C-8395-489E-BD42-333A75D5451D}">
+      <dsp:nvSpPr>
+        <dsp:cNvPr id="0" name=""/>
+        <dsp:cNvSpPr/>
+      </dsp:nvSpPr>
+      <dsp:spPr>
+        <a:xfrm>
+          <a:off x="0" y="651"/>
+          <a:ext cx="6651253" cy="1524988"/>
+        </a:xfrm>
+        <a:prstGeom prst="roundRect">
+          <a:avLst>
+            <a:gd name="adj" fmla="val 10000"/>
+          </a:avLst>
+        </a:prstGeom>
+        <a:solidFill>
+          <a:schemeClr val="accent2">
+            <a:hueOff val="0"/>
+            <a:satOff val="0"/>
+            <a:lumOff val="0"/>
+            <a:alphaOff val="0"/>
+          </a:schemeClr>
+        </a:solidFill>
+        <a:ln>
+          <a:noFill/>
+        </a:ln>
+        <a:effectLst/>
+      </dsp:spPr>
+      <dsp:style>
+        <a:lnRef idx="0">
+          <a:scrgbClr r="0" g="0" b="0"/>
+        </a:lnRef>
+        <a:fillRef idx="1">
+          <a:scrgbClr r="0" g="0" b="0"/>
+        </a:fillRef>
+        <a:effectRef idx="0">
+          <a:scrgbClr r="0" g="0" b="0"/>
+        </a:effectRef>
+        <a:fontRef idx="minor"/>
+      </dsp:style>
+    </dsp:sp>
+    <dsp:sp modelId="{B1CA40D2-C483-4050-9D29-6EA0B70318AD}">
+      <dsp:nvSpPr>
+        <dsp:cNvPr id="0" name=""/>
+        <dsp:cNvSpPr/>
+      </dsp:nvSpPr>
+      <dsp:spPr>
+        <a:xfrm>
+          <a:off x="461309" y="343774"/>
+          <a:ext cx="838743" cy="838743"/>
+        </a:xfrm>
+        <a:prstGeom prst="rect">
+          <a:avLst/>
+        </a:prstGeom>
+        <a:blipFill>
+          <a:blip xmlns:r="http://schemas.openxmlformats.org/officeDocument/2006/relationships" r:embed="rId1">
+            <a:extLst>
+              <a:ext uri="{28A0092B-C50C-407E-A947-70E740481C1C}">
+                <a14:useLocalDpi xmlns:a14="http://schemas.microsoft.com/office/drawing/2010/main" val="0"/>
+              </a:ext>
+              <a:ext uri="{96DAC541-7B7A-43D3-8B79-37D633B846F1}">
+                <asvg:svgBlip xmlns:asvg="http://schemas.microsoft.com/office/drawing/2016/SVG/main" r:embed="rId2"/>
+              </a:ext>
+            </a:extLst>
+          </a:blip>
+          <a:stretch>
+            <a:fillRect/>
+          </a:stretch>
+        </a:blipFill>
+        <a:ln w="12700" cap="flat" cmpd="sng" algn="ctr">
+          <a:noFill/>
+          <a:prstDash val="solid"/>
+          <a:miter lim="800000"/>
+        </a:ln>
+        <a:effectLst/>
+      </dsp:spPr>
+      <dsp:style>
+        <a:lnRef idx="2">
+          <a:scrgbClr r="0" g="0" b="0"/>
+        </a:lnRef>
+        <a:fillRef idx="1">
+          <a:scrgbClr r="0" g="0" b="0"/>
+        </a:fillRef>
+        <a:effectRef idx="0">
+          <a:scrgbClr r="0" g="0" b="0"/>
+        </a:effectRef>
+        <a:fontRef idx="minor">
+          <a:schemeClr val="lt1"/>
+        </a:fontRef>
+      </dsp:style>
+    </dsp:sp>
+    <dsp:sp modelId="{94918032-4A00-4537-BFAD-CD90E0660F18}">
+      <dsp:nvSpPr>
+        <dsp:cNvPr id="0" name=""/>
+        <dsp:cNvSpPr/>
+      </dsp:nvSpPr>
+      <dsp:spPr>
+        <a:xfrm>
+          <a:off x="1761361" y="651"/>
+          <a:ext cx="4889891" cy="1524988"/>
+        </a:xfrm>
+        <a:prstGeom prst="rect">
+          <a:avLst/>
+        </a:prstGeom>
+        <a:noFill/>
+        <a:ln>
+          <a:noFill/>
+        </a:ln>
+        <a:effectLst/>
+      </dsp:spPr>
+      <dsp:style>
+        <a:lnRef idx="0">
+          <a:scrgbClr r="0" g="0" b="0"/>
+        </a:lnRef>
+        <a:fillRef idx="0">
+          <a:scrgbClr r="0" g="0" b="0"/>
+        </a:fillRef>
+        <a:effectRef idx="0">
+          <a:scrgbClr r="0" g="0" b="0"/>
+        </a:effectRef>
+        <a:fontRef idx="minor"/>
+      </dsp:style>
+      <dsp:txBody>
+        <a:bodyPr spcFirstLastPara="0" vert="horz" wrap="square" lIns="161395" tIns="161395" rIns="161395" bIns="161395" numCol="1" spcCol="1270" anchor="ctr" anchorCtr="0">
+          <a:noAutofit/>
+        </a:bodyPr>
+        <a:lstStyle/>
+        <a:p>
+          <a:pPr marL="0" lvl="0" indent="0" algn="l" defTabSz="1066800">
+            <a:lnSpc>
+              <a:spcPct val="90000"/>
+            </a:lnSpc>
+            <a:spcBef>
+              <a:spcPct val="0"/>
+            </a:spcBef>
+            <a:spcAft>
+              <a:spcPct val="35000"/>
+            </a:spcAft>
+            <a:buNone/>
+          </a:pPr>
+          <a:r>
+            <a:rPr lang="en-GB" sz="2400" kern="1200"/>
+            <a:t>To analyse carrier performance using KPI’s such as on-time delivery of shipments </a:t>
+          </a:r>
+          <a:endParaRPr lang="en-US" sz="2400" kern="1200"/>
+        </a:p>
+      </dsp:txBody>
+      <dsp:txXfrm>
+        <a:off x="1761361" y="651"/>
+        <a:ext cx="4889891" cy="1524988"/>
+      </dsp:txXfrm>
+    </dsp:sp>
+    <dsp:sp modelId="{9EDA9069-8549-428D-BF54-B57300AE4897}">
+      <dsp:nvSpPr>
+        <dsp:cNvPr id="0" name=""/>
+        <dsp:cNvSpPr/>
+      </dsp:nvSpPr>
+      <dsp:spPr>
+        <a:xfrm>
+          <a:off x="0" y="1906887"/>
+          <a:ext cx="6651253" cy="1524988"/>
+        </a:xfrm>
+        <a:prstGeom prst="roundRect">
+          <a:avLst>
+            <a:gd name="adj" fmla="val 10000"/>
+          </a:avLst>
+        </a:prstGeom>
+        <a:solidFill>
+          <a:schemeClr val="accent3">
+            <a:hueOff val="0"/>
+            <a:satOff val="0"/>
+            <a:lumOff val="0"/>
+            <a:alphaOff val="0"/>
+          </a:schemeClr>
+        </a:solidFill>
+        <a:ln>
+          <a:noFill/>
+        </a:ln>
+        <a:effectLst/>
+      </dsp:spPr>
+      <dsp:style>
+        <a:lnRef idx="0">
+          <a:scrgbClr r="0" g="0" b="0"/>
+        </a:lnRef>
+        <a:fillRef idx="1">
+          <a:scrgbClr r="0" g="0" b="0"/>
+        </a:fillRef>
+        <a:effectRef idx="0">
+          <a:scrgbClr r="0" g="0" b="0"/>
+        </a:effectRef>
+        <a:fontRef idx="minor"/>
+      </dsp:style>
+    </dsp:sp>
+    <dsp:sp modelId="{C026965C-6132-4150-B36A-6CDE4025C3D3}">
+      <dsp:nvSpPr>
+        <dsp:cNvPr id="0" name=""/>
+        <dsp:cNvSpPr/>
+      </dsp:nvSpPr>
+      <dsp:spPr>
+        <a:xfrm>
+          <a:off x="461309" y="2250010"/>
+          <a:ext cx="838743" cy="838743"/>
+        </a:xfrm>
+        <a:prstGeom prst="rect">
+          <a:avLst/>
+        </a:prstGeom>
+        <a:blipFill>
+          <a:blip xmlns:r="http://schemas.openxmlformats.org/officeDocument/2006/relationships" r:embed="rId3">
+            <a:extLst>
+              <a:ext uri="{28A0092B-C50C-407E-A947-70E740481C1C}">
+                <a14:useLocalDpi xmlns:a14="http://schemas.microsoft.com/office/drawing/2010/main" val="0"/>
+              </a:ext>
+              <a:ext uri="{96DAC541-7B7A-43D3-8B79-37D633B846F1}">
+                <asvg:svgBlip xmlns:asvg="http://schemas.microsoft.com/office/drawing/2016/SVG/main" r:embed="rId4"/>
+              </a:ext>
+            </a:extLst>
+          </a:blip>
+          <a:stretch>
+            <a:fillRect/>
+          </a:stretch>
+        </a:blipFill>
+        <a:ln w="12700" cap="flat" cmpd="sng" algn="ctr">
+          <a:noFill/>
+          <a:prstDash val="solid"/>
+          <a:miter lim="800000"/>
+        </a:ln>
+        <a:effectLst/>
+      </dsp:spPr>
+      <dsp:style>
+        <a:lnRef idx="2">
+          <a:scrgbClr r="0" g="0" b="0"/>
+        </a:lnRef>
+        <a:fillRef idx="1">
+          <a:scrgbClr r="0" g="0" b="0"/>
+        </a:fillRef>
+        <a:effectRef idx="0">
+          <a:scrgbClr r="0" g="0" b="0"/>
+        </a:effectRef>
+        <a:fontRef idx="minor">
+          <a:schemeClr val="lt1"/>
+        </a:fontRef>
+      </dsp:style>
+    </dsp:sp>
+    <dsp:sp modelId="{673D1ECF-48B1-4CEB-A71C-0B6536C465FE}">
+      <dsp:nvSpPr>
+        <dsp:cNvPr id="0" name=""/>
+        <dsp:cNvSpPr/>
+      </dsp:nvSpPr>
+      <dsp:spPr>
+        <a:xfrm>
+          <a:off x="1761361" y="1906887"/>
+          <a:ext cx="4889891" cy="1524988"/>
+        </a:xfrm>
+        <a:prstGeom prst="rect">
+          <a:avLst/>
+        </a:prstGeom>
+        <a:noFill/>
+        <a:ln>
+          <a:noFill/>
+        </a:ln>
+        <a:effectLst/>
+      </dsp:spPr>
+      <dsp:style>
+        <a:lnRef idx="0">
+          <a:scrgbClr r="0" g="0" b="0"/>
+        </a:lnRef>
+        <a:fillRef idx="0">
+          <a:scrgbClr r="0" g="0" b="0"/>
+        </a:fillRef>
+        <a:effectRef idx="0">
+          <a:scrgbClr r="0" g="0" b="0"/>
+        </a:effectRef>
+        <a:fontRef idx="minor"/>
+      </dsp:style>
+      <dsp:txBody>
+        <a:bodyPr spcFirstLastPara="0" vert="horz" wrap="square" lIns="161395" tIns="161395" rIns="161395" bIns="161395" numCol="1" spcCol="1270" anchor="ctr" anchorCtr="0">
+          <a:noAutofit/>
+        </a:bodyPr>
+        <a:lstStyle/>
+        <a:p>
+          <a:pPr marL="0" lvl="0" indent="0" algn="l" defTabSz="1066800">
+            <a:lnSpc>
+              <a:spcPct val="90000"/>
+            </a:lnSpc>
+            <a:spcBef>
+              <a:spcPct val="0"/>
+            </a:spcBef>
+            <a:spcAft>
+              <a:spcPct val="35000"/>
+            </a:spcAft>
+            <a:buNone/>
+          </a:pPr>
+          <a:r>
+            <a:rPr lang="en-GB" sz="2400" kern="1200"/>
+            <a:t>To identify and mitigate the risks associated with potential delivery delays </a:t>
+          </a:r>
+          <a:endParaRPr lang="en-US" sz="2400" kern="1200"/>
+        </a:p>
+      </dsp:txBody>
+      <dsp:txXfrm>
+        <a:off x="1761361" y="1906887"/>
+        <a:ext cx="4889891" cy="1524988"/>
+      </dsp:txXfrm>
+    </dsp:sp>
+    <dsp:sp modelId="{36EEE49F-06D2-45DD-9114-9B1F55005B8F}">
+      <dsp:nvSpPr>
+        <dsp:cNvPr id="0" name=""/>
+        <dsp:cNvSpPr/>
+      </dsp:nvSpPr>
+      <dsp:spPr>
+        <a:xfrm>
+          <a:off x="0" y="3813123"/>
+          <a:ext cx="6651253" cy="1524988"/>
+        </a:xfrm>
+        <a:prstGeom prst="roundRect">
+          <a:avLst>
+            <a:gd name="adj" fmla="val 10000"/>
+          </a:avLst>
+        </a:prstGeom>
+        <a:solidFill>
+          <a:schemeClr val="accent4">
+            <a:hueOff val="0"/>
+            <a:satOff val="0"/>
+            <a:lumOff val="0"/>
+            <a:alphaOff val="0"/>
+          </a:schemeClr>
+        </a:solidFill>
+        <a:ln>
+          <a:noFill/>
+        </a:ln>
+        <a:effectLst/>
+      </dsp:spPr>
+      <dsp:style>
+        <a:lnRef idx="0">
+          <a:scrgbClr r="0" g="0" b="0"/>
+        </a:lnRef>
+        <a:fillRef idx="1">
+          <a:scrgbClr r="0" g="0" b="0"/>
+        </a:fillRef>
+        <a:effectRef idx="0">
+          <a:scrgbClr r="0" g="0" b="0"/>
+        </a:effectRef>
+        <a:fontRef idx="minor"/>
+      </dsp:style>
+    </dsp:sp>
+    <dsp:sp modelId="{C6E13996-D676-425F-9435-6B4619DE3884}">
+      <dsp:nvSpPr>
+        <dsp:cNvPr id="0" name=""/>
+        <dsp:cNvSpPr/>
+      </dsp:nvSpPr>
+      <dsp:spPr>
+        <a:xfrm>
+          <a:off x="461309" y="4156246"/>
+          <a:ext cx="838743" cy="838743"/>
+        </a:xfrm>
+        <a:prstGeom prst="rect">
+          <a:avLst/>
+        </a:prstGeom>
+        <a:blipFill>
+          <a:blip xmlns:r="http://schemas.openxmlformats.org/officeDocument/2006/relationships" r:embed="rId5">
+            <a:extLst>
+              <a:ext uri="{28A0092B-C50C-407E-A947-70E740481C1C}">
+                <a14:useLocalDpi xmlns:a14="http://schemas.microsoft.com/office/drawing/2010/main" val="0"/>
+              </a:ext>
+              <a:ext uri="{96DAC541-7B7A-43D3-8B79-37D633B846F1}">
+                <asvg:svgBlip xmlns:asvg="http://schemas.microsoft.com/office/drawing/2016/SVG/main" r:embed="rId6"/>
+              </a:ext>
+            </a:extLst>
+          </a:blip>
+          <a:stretch>
+            <a:fillRect/>
+          </a:stretch>
+        </a:blipFill>
+        <a:ln w="12700" cap="flat" cmpd="sng" algn="ctr">
+          <a:noFill/>
+          <a:prstDash val="solid"/>
+          <a:miter lim="800000"/>
+        </a:ln>
+        <a:effectLst/>
+      </dsp:spPr>
+      <dsp:style>
+        <a:lnRef idx="2">
+          <a:scrgbClr r="0" g="0" b="0"/>
+        </a:lnRef>
+        <a:fillRef idx="1">
+          <a:scrgbClr r="0" g="0" b="0"/>
+        </a:fillRef>
+        <a:effectRef idx="0">
+          <a:scrgbClr r="0" g="0" b="0"/>
+        </a:effectRef>
+        <a:fontRef idx="minor">
+          <a:schemeClr val="lt1"/>
+        </a:fontRef>
+      </dsp:style>
+    </dsp:sp>
+    <dsp:sp modelId="{022692DA-80F1-4196-8F8D-B9DC42CE54D1}">
+      <dsp:nvSpPr>
+        <dsp:cNvPr id="0" name=""/>
+        <dsp:cNvSpPr/>
+      </dsp:nvSpPr>
+      <dsp:spPr>
+        <a:xfrm>
+          <a:off x="1761361" y="3813123"/>
+          <a:ext cx="4889891" cy="1524988"/>
+        </a:xfrm>
+        <a:prstGeom prst="rect">
+          <a:avLst/>
+        </a:prstGeom>
+        <a:noFill/>
+        <a:ln>
+          <a:noFill/>
+        </a:ln>
+        <a:effectLst/>
+      </dsp:spPr>
+      <dsp:style>
+        <a:lnRef idx="0">
+          <a:scrgbClr r="0" g="0" b="0"/>
+        </a:lnRef>
+        <a:fillRef idx="0">
+          <a:scrgbClr r="0" g="0" b="0"/>
+        </a:fillRef>
+        <a:effectRef idx="0">
+          <a:scrgbClr r="0" g="0" b="0"/>
+        </a:effectRef>
+        <a:fontRef idx="minor"/>
+      </dsp:style>
+      <dsp:txBody>
+        <a:bodyPr spcFirstLastPara="0" vert="horz" wrap="square" lIns="161395" tIns="161395" rIns="161395" bIns="161395" numCol="1" spcCol="1270" anchor="ctr" anchorCtr="0">
+          <a:noAutofit/>
+        </a:bodyPr>
+        <a:lstStyle/>
+        <a:p>
+          <a:pPr marL="0" lvl="0" indent="0" algn="l" defTabSz="1066800">
+            <a:lnSpc>
+              <a:spcPct val="90000"/>
+            </a:lnSpc>
+            <a:spcBef>
+              <a:spcPct val="0"/>
+            </a:spcBef>
+            <a:spcAft>
+              <a:spcPct val="35000"/>
+            </a:spcAft>
+            <a:buNone/>
+          </a:pPr>
+          <a:r>
+            <a:rPr lang="en-GB" sz="2400" kern="1200"/>
+            <a:t>To predict the likelihood of delay for shipments to improve timeliness of deliveries in the future</a:t>
+          </a:r>
+          <a:endParaRPr lang="en-US" sz="2400" kern="1200"/>
+        </a:p>
+      </dsp:txBody>
+      <dsp:txXfrm>
+        <a:off x="1761361" y="3813123"/>
+        <a:ext cx="4889891" cy="1524988"/>
+      </dsp:txXfrm>
+    </dsp:sp>
+  </dsp:spTree>
+</dsp:drawing>
+</file>
+
+<file path=ppt/diagrams/layout1.xml><?xml version="1.0" encoding="utf-8"?>
+<dgm:layoutDef xmlns:dgm="http://schemas.openxmlformats.org/drawingml/2006/diagram" xmlns:a="http://schemas.openxmlformats.org/drawingml/2006/main" uniqueId="urn:microsoft.com/office/officeart/2018/2/layout/IconVerticalSolidList">
+  <dgm:title val="Icon Vertical Solid List"/>
+  <dgm:desc val="Use to show a series of visuals from top to bottom with Level 1 or Level 1 and Level 2 text grouped in a shape. Works best with icons or small pictures with lengthier descriptions."/>
+  <dgm:catLst>
+    <dgm:cat type="icon" pri="500"/>
+  </dgm:catLst>
+  <dgm:sampData useDef="1">
+    <dgm:dataModel>
+      <dgm:ptLst/>
+      <dgm:bg/>
+      <dgm:whole/>
+    </dgm:dataModel>
+  </dgm:sampData>
+  <dgm:styleData useDef="1">
+    <dgm:dataModel>
+      <dgm:ptLst/>
+      <dgm:bg/>
+      <dgm:whole/>
+    </dgm:dataModel>
+  </dgm:styleData>
+  <dgm:clrData useDef="1">
+    <dgm:dataModel>
+      <dgm:ptLst/>
+      <dgm:bg/>
+      <dgm:whole/>
+    </dgm:dataModel>
+  </dgm:clrData>
+  <dgm:layoutNode name="root">
+    <dgm:varLst>
+      <dgm:dir/>
+      <dgm:resizeHandles val="exact"/>
+    </dgm:varLst>
+    <dgm:choose name="Name0">
+      <dgm:if name="Name1" axis="self" func="var" arg="dir" op="equ" val="norm">
+        <dgm:alg type="lin">
+          <dgm:param type="linDir" val="fromT"/>
+          <dgm:param type="nodeHorzAlign" val="l"/>
+        </dgm:alg>
+      </dgm:if>
+      <dgm:else name="Name2">
+        <dgm:alg type="lin">
+          <dgm:param type="linDir" val="fromT"/>
+          <dgm:param type="nodeHorzAlign" val="r"/>
+        </dgm:alg>
+      </dgm:else>
+    </dgm:choose>
+    <dgm:shape xmlns:r="http://schemas.openxmlformats.org/officeDocument/2006/relationships" r:blip="">
+      <dgm:adjLst/>
+    </dgm:shape>
+    <dgm:presOf/>
+    <dgm:choose name="Name3">
+      <dgm:if name="Name4" axis="ch" ptType="node" func="cnt" op="lte" val="3">
+        <dgm:constrLst>
+          <dgm:constr type="h" for="ch" forName="compNode" refType="h" fact="0.3"/>
+          <dgm:constr type="w" for="ch" forName="compNode" refType="w"/>
+          <dgm:constr type="h" for="ch" forName="sibTrans" refType="h" refFor="ch" refForName="compNode" fact="0.25"/>
+          <dgm:constr type="primFontSz" for="des" forName="parTx" val="25"/>
+          <dgm:constr type="primFontSz" for="des" forName="desTx" refType="primFontSz" refFor="des" refForName="parTx" op="lte" fact="0.75"/>
+          <dgm:constr type="h" for="des" forName="compNode" op="equ"/>
+          <dgm:constr type="h" for="des" forName="bgRect" op="equ"/>
+          <dgm:constr type="h" for="des" forName="iconRect" op="equ"/>
+          <dgm:constr type="w" for="des" forName="iconRect" op="equ"/>
+          <dgm:constr type="h" for="des" forName="spaceRect" op="equ"/>
+          <dgm:constr type="h" for="des" forName="parTx" op="equ"/>
+          <dgm:constr type="h" for="des" forName="desTx" op="equ"/>
+        </dgm:constrLst>
+      </dgm:if>
+      <dgm:if name="Name5" axis="ch" ptType="node" func="cnt" op="lte" val="4">
+        <dgm:constrLst>
+          <dgm:constr type="h" for="ch" forName="compNode" refType="h" fact="0.3"/>
+          <dgm:constr type="w" for="ch" forName="compNode" refType="w"/>
+          <dgm:constr type="h" for="ch" forName="sibTrans" refType="h" refFor="ch" refForName="compNode" fact="0.25"/>
+          <dgm:constr type="primFontSz" for="des" forName="parTx" val="22"/>
+          <dgm:constr type="primFontSz" for="des" forName="desTx" refType="primFontSz" refFor="des" refForName="parTx" op="lte" fact="0.75"/>
+          <dgm:constr type="h" for="des" forName="compNode" op="equ"/>
+          <dgm:constr type="h" for="des" forName="bgRect" op="equ"/>
+          <dgm:constr type="h" for="des" forName="iconRect" op="equ"/>
+          <dgm:constr type="w" for="des" forName="iconRect" op="equ"/>
+          <dgm:constr type="h" for="des" forName="spaceRect" op="equ"/>
+          <dgm:constr type="h" for="des" forName="parTx" op="equ"/>
+          <dgm:constr type="h" for="des" forName="desTx" op="equ"/>
+        </dgm:constrLst>
+      </dgm:if>
+      <dgm:if name="Name6" axis="ch" ptType="node" func="cnt" op="lte" val="6">
+        <dgm:constrLst>
+          <dgm:constr type="h" for="ch" forName="compNode" refType="h" fact="0.3"/>
+          <dgm:constr type="w" for="ch" forName="compNode" refType="w"/>
+          <dgm:constr type="h" for="ch" forName="sibTrans" refType="h" refFor="ch" refForName="compNode" fact="0.25"/>
+          <dgm:constr type="primFontSz" for="des" forName="parTx" val="19"/>
+          <dgm:constr type="primFontSz" for="des" forName="desTx" refType="primFontSz" refFor="des" refForName="parTx" op="lte" fact="0.75"/>
+          <dgm:constr type="h" for="des" forName="compNode" op="equ"/>
+          <dgm:constr type="h" for="des" forName="bgRect" op="equ"/>
+          <dgm:constr type="h" for="des" forName="iconRect" op="equ"/>
+          <dgm:constr type="w" for="des" forName="iconRect" op="equ"/>
+          <dgm:constr type="h" for="des" forName="spaceRect" op="equ"/>
+          <dgm:constr type="h" for="des" forName="parTx" op="equ"/>
+          <dgm:constr type="h" for="des" forName="desTx" op="equ"/>
+        </dgm:constrLst>
+      </dgm:if>
+      <dgm:else name="Name7">
+        <dgm:constrLst>
+          <dgm:constr type="h" for="ch" forName="compNode" refType="h" fact="0.3"/>
+          <dgm:constr type="w" for="ch" forName="compNode" refType="w"/>
+          <dgm:constr type="h" for="ch" forName="sibTrans" refType="h" refFor="ch" refForName="compNode" fact="0.25"/>
+          <dgm:constr type="primFontSz" for="des" forName="parTx" val="16"/>
+          <dgm:constr type="primFontSz" for="des" forName="desTx" refType="primFontSz" refFor="des" refForName="parTx" op="lte" fact="0.75"/>
+          <dgm:constr type="h" for="des" forName="compNode" op="equ"/>
+          <dgm:constr type="h" for="des" forName="bgRect" op="equ"/>
+          <dgm:constr type="h" for="des" forName="iconRect" op="equ"/>
+          <dgm:constr type="w" for="des" forName="iconRect" op="equ"/>
+          <dgm:constr type="h" for="des" forName="spaceRect" op="equ"/>
+          <dgm:constr type="h" for="des" forName="parTx" op="equ"/>
+          <dgm:constr type="h" for="des" forName="desTx" op="equ"/>
+        </dgm:constrLst>
+      </dgm:else>
+    </dgm:choose>
+    <dgm:ruleLst>
+      <dgm:rule type="h" for="ch" forName="compNode" val="0" fact="NaN" max="NaN"/>
+    </dgm:ruleLst>
+    <dgm:forEach name="Name8" axis="ch" ptType="node">
+      <dgm:layoutNode name="compNode">
+        <dgm:alg type="composite"/>
+        <dgm:shape xmlns:r="http://schemas.openxmlformats.org/officeDocument/2006/relationships" r:blip="">
+          <dgm:adjLst/>
+        </dgm:shape>
+        <dgm:presOf axis="self"/>
+        <dgm:choose name="Name9">
+          <dgm:if name="Name10" axis="ch" ptType="node" func="cnt" op="gte" val="1">
+            <dgm:constrLst>
+              <dgm:constr type="w" for="ch" forName="bgRect" refType="w"/>
+              <dgm:constr type="h" for="ch" forName="bgRect" refType="h"/>
+              <dgm:constr type="l" for="ch" forName="bgRect"/>
+              <dgm:constr type="t" for="ch" forName="bgRect"/>
+              <dgm:constr type="h" for="ch" forName="iconRect" refType="h" fact="0.55"/>
+              <dgm:constr type="w" for="ch" forName="iconRect" refType="h" refFor="ch" refForName="iconRect"/>
+              <dgm:constr type="l" for="ch" forName="iconRect" refType="h" refFor="ch" refForName="iconRect" fact="0.55"/>
+              <dgm:constr type="ctrY" for="ch" forName="iconRect" refType="ctrY" refFor="ch" refForName="bgRect"/>
+              <dgm:constr type="w" for="ch" forName="spaceRect" refType="l" refFor="ch" refForName="iconRect"/>
+              <dgm:constr type="h" for="ch" forName="spaceRect" refType="h"/>
+              <dgm:constr type="l" for="ch" forName="spaceRect" refType="r" refFor="ch" refForName="iconRect"/>
+              <dgm:constr type="t" for="ch" forName="spaceRect"/>
+              <dgm:constr type="w" for="ch" forName="parTx" refType="w" fact="0.45"/>
+              <dgm:constr type="h" for="ch" forName="parTx" refType="h"/>
+              <dgm:constr type="l" for="ch" forName="parTx" refType="r" refFor="ch" refForName="spaceRect"/>
+              <dgm:constr type="t" for="ch" forName="parTx"/>
+              <dgm:constr type="h" for="ch" forName="desTx" refType="h"/>
+              <dgm:constr type="l" for="ch" forName="desTx" refType="r" refFor="ch" refForName="parTx"/>
+              <dgm:constr type="t" for="ch" forName="desTx"/>
+            </dgm:constrLst>
+          </dgm:if>
+          <dgm:else name="Name11">
+            <dgm:constrLst>
+              <dgm:constr type="w" for="ch" forName="bgRect" refType="w"/>
+              <dgm:constr type="h" for="ch" forName="bgRect" refType="h"/>
+              <dgm:constr type="l" for="ch" forName="bgRect"/>
+              <dgm:constr type="t" for="ch" forName="bgRect"/>
+              <dgm:constr type="h" for="ch" forName="iconRect" refType="h" fact="0.55"/>
+              <dgm:constr type="w" for="ch" forName="iconRect" refType="h" refFor="ch" refForName="iconRect"/>
+              <dgm:constr type="l" for="ch" forName="iconRect" refType="h" refFor="ch" refForName="iconRect" fact="0.55"/>
+              <dgm:constr type="ctrY" for="ch" forName="iconRect" refType="ctrY" refFor="ch" refForName="bgRect"/>
+              <dgm:constr type="w" for="ch" forName="spaceRect" refType="l" refFor="ch" refForName="iconRect"/>
+              <dgm:constr type="h" for="ch" forName="spaceRect" refType="h"/>
+              <dgm:constr type="l" for="ch" forName="spaceRect" refType="r" refFor="ch" refForName="iconRect"/>
+              <dgm:constr type="t" for="ch" forName="spaceRect"/>
+              <dgm:constr type="h" for="ch" forName="parTx" refType="h"/>
+              <dgm:constr type="l" for="ch" forName="parTx" refType="r" refFor="ch" refForName="spaceRect"/>
+              <dgm:constr type="t" for="ch" forName="parTx"/>
+            </dgm:constrLst>
+          </dgm:else>
+        </dgm:choose>
+        <dgm:ruleLst>
+          <dgm:rule type="h" val="INF" fact="NaN" max="NaN"/>
+        </dgm:ruleLst>
+        <dgm:layoutNode name="bgRect" styleLbl="bgShp">
+          <dgm:alg type="sp"/>
+          <dgm:shape xmlns:r="http://schemas.openxmlformats.org/officeDocument/2006/relationships" type="roundRect" r:blip="">
+            <dgm:adjLst>
+              <dgm:adj idx="1" val="0.1"/>
+            </dgm:adjLst>
+          </dgm:shape>
+          <dgm:presOf/>
+          <dgm:constrLst/>
+          <dgm:ruleLst/>
+        </dgm:layoutNode>
+        <dgm:layoutNode name="iconRect" styleLbl="node1">
+          <dgm:alg type="sp"/>
+          <dgm:shape xmlns:r="http://schemas.openxmlformats.org/officeDocument/2006/relationships" type="rect" r:blip="" blipPhldr="1">
+            <dgm:adjLst/>
+          </dgm:shape>
+          <dgm:presOf/>
+          <dgm:constrLst/>
+          <dgm:ruleLst/>
+        </dgm:layoutNode>
+        <dgm:layoutNode name="spaceRect">
+          <dgm:alg type="sp"/>
+          <dgm:shape xmlns:r="http://schemas.openxmlformats.org/officeDocument/2006/relationships" r:blip="">
+            <dgm:adjLst/>
+          </dgm:shape>
+          <dgm:presOf/>
+          <dgm:constrLst/>
+          <dgm:ruleLst/>
+        </dgm:layoutNode>
+        <dgm:layoutNode name="parTx" styleLbl="revTx">
+          <dgm:varLst>
+            <dgm:chMax val="0"/>
+            <dgm:chPref val="0"/>
+          </dgm:varLst>
+          <dgm:alg type="tx">
+            <dgm:param type="txAnchorVert" val="mid"/>
+            <dgm:param type="parTxLTRAlign" val="l"/>
+            <dgm:param type="shpTxLTRAlignCh" val="l"/>
+            <dgm:param type="parTxRTLAlign" val="r"/>
+            <dgm:param type="shpTxRTLAlignCh" val="r"/>
+          </dgm:alg>
+          <dgm:shape xmlns:r="http://schemas.openxmlformats.org/officeDocument/2006/relationships" type="rect" r:blip="">
+            <dgm:adjLst/>
+          </dgm:shape>
+          <dgm:presOf axis="self" ptType="node"/>
+          <dgm:constrLst>
+            <dgm:constr type="lMarg" refType="h" fact="0.3"/>
+            <dgm:constr type="rMarg" refType="h" fact="0.3"/>
+            <dgm:constr type="tMarg" refType="h" fact="0.3"/>
+            <dgm:constr type="bMarg" refType="h" fact="0.3"/>
+          </dgm:constrLst>
+          <dgm:ruleLst>
+            <dgm:rule type="primFontSz" val="14" fact="NaN" max="NaN"/>
+            <dgm:rule type="h" val="INF" fact="NaN" max="NaN"/>
+          </dgm:ruleLst>
+        </dgm:layoutNode>
+        <dgm:choose name="Name12">
+          <dgm:if name="Name13" axis="ch" ptType="node" func="cnt" op="gte" val="1">
+            <dgm:layoutNode name="desTx" styleLbl="revTx">
+              <dgm:varLst/>
+              <dgm:alg type="tx">
+                <dgm:param type="txAnchorVertCh" val="mid"/>
+                <dgm:param type="parTxLTRAlign" val="l"/>
+                <dgm:param type="shpTxLTRAlignCh" val="l"/>
+                <dgm:param type="parTxRTLAlign" val="r"/>
+                <dgm:param type="shpTxRTLAlignCh" val="r"/>
+                <dgm:param type="stBulletLvl" val="0"/>
+              </dgm:alg>
+              <dgm:shape xmlns:r="http://schemas.openxmlformats.org/officeDocument/2006/relationships" type="rect" r:blip="">
+                <dgm:adjLst/>
+              </dgm:shape>
+              <dgm:presOf axis="des" ptType="node"/>
+              <dgm:constrLst>
+                <dgm:constr type="primFontSz" val="18"/>
+                <dgm:constr type="secFontSz" refType="primFontSz"/>
+                <dgm:constr type="lMarg" refType="h" fact="0.3"/>
+                <dgm:constr type="rMarg" refType="h" fact="0.3"/>
+                <dgm:constr type="tMarg" refType="h" fact="0.3"/>
+                <dgm:constr type="bMarg" refType="h" fact="0.3"/>
+              </dgm:constrLst>
+              <dgm:ruleLst>
+                <dgm:rule type="primFontSz" val="11" fact="NaN" max="NaN"/>
+              </dgm:ruleLst>
+            </dgm:layoutNode>
+          </dgm:if>
+          <dgm:else name="Name14"/>
+        </dgm:choose>
+      </dgm:layoutNode>
+      <dgm:forEach name="Name15" axis="followSib" ptType="sibTrans" cnt="1">
+        <dgm:layoutNode name="sibTrans">
+          <dgm:alg type="sp"/>
+          <dgm:shape xmlns:r="http://schemas.openxmlformats.org/officeDocument/2006/relationships" r:blip="">
+            <dgm:adjLst/>
+          </dgm:shape>
+          <dgm:presOf axis="self"/>
+          <dgm:constrLst/>
+          <dgm:ruleLst/>
+        </dgm:layoutNode>
+      </dgm:forEach>
+    </dgm:forEach>
+  </dgm:layoutNode>
+  <dgm:extLst>
+    <a:ext uri="{68A01E43-0DF5-4B5B-8FA6-DAF915123BFB}">
+      <dgm1612:lstStyle xmlns:dgm1612="http://schemas.microsoft.com/office/drawing/2016/12/diagram">
+        <a:lvl1pPr>
+          <a:lnSpc>
+            <a:spcPct val="100000"/>
+          </a:lnSpc>
+        </a:lvl1pPr>
+        <a:lvl2pPr>
+          <a:lnSpc>
+            <a:spcPct val="100000"/>
+          </a:lnSpc>
+        </a:lvl2pPr>
+      </dgm1612:lstStyle>
+    </a:ext>
+  </dgm:extLst>
+</dgm:layoutDef>
+</file>
+
+<file path=ppt/diagrams/quickStyle1.xml><?xml version="1.0" encoding="utf-8"?>
+<dgm:styleDef xmlns:dgm="http://schemas.openxmlformats.org/drawingml/2006/diagram" xmlns:a="http://schemas.openxmlformats.org/drawingml/2006/main" uniqueId="urn:microsoft.com/office/officeart/2005/8/quickstyle/simple1">
+  <dgm:title val=""/>
+  <dgm:desc val=""/>
+  <dgm:catLst>
+    <dgm:cat type="simple" pri="10100"/>
+  </dgm:catLst>
+  <dgm:scene3d>
+    <a:camera prst="orthographicFront"/>
+    <a:lightRig rig="threePt" dir="t"/>
+  </dgm:scene3d>
+  <dgm:styleLbl name="node0">
+    <dgm:scene3d>
+      <a:camera prst="orthographicFront"/>
+      <a:lightRig rig="threePt" dir="t"/>
+    </dgm:scene3d>
+    <dgm:sp3d/>
+    <dgm:txPr/>
+    <dgm:style>
+      <a:lnRef idx="2">
+        <a:scrgbClr r="0" g="0" b="0"/>
+      </a:lnRef>
+      <a:fillRef idx="1">
+        <a:scrgbClr r="0" g="0" b="0"/>
+      </a:fillRef>
+      <a:effectRef idx="0">
+        <a:scrgbClr r="0" g="0" b="0"/>
+      </a:effectRef>
+      <a:fontRef idx="minor">
+        <a:schemeClr val="lt1"/>
+      </a:fontRef>
+    </dgm:style>
+  </dgm:styleLbl>
+  <dgm:styleLbl name="lnNode1">
+    <dgm:scene3d>
+      <a:camera prst="orthographicFront"/>
+      <a:lightRig rig="threePt" dir="t"/>
+    </dgm:scene3d>
+    <dgm:sp3d/>
+    <dgm:txPr/>
+    <dgm:style>
+      <a:lnRef idx="2">
+        <a:scrgbClr r="0" g="0" b="0"/>
+      </a:lnRef>
+      <a:fillRef idx="1">
+        <a:scrgbClr r="0" g="0" b="0"/>
+      </a:fillRef>
+      <a:effectRef idx="0">
+        <a:scrgbClr r="0" g="0" b="0"/>
+      </a:effectRef>
+      <a:fontRef idx="minor">
+        <a:schemeClr val="lt1"/>
+      </a:fontRef>
+    </dgm:style>
+  </dgm:styleLbl>
+  <dgm:styleLbl name="vennNode1">
+    <dgm:scene3d>
+      <a:camera prst="orthographicFront"/>
+      <a:lightRig rig="threePt" dir="t"/>
+    </dgm:scene3d>
+    <dgm:sp3d/>
+    <dgm:txPr/>
+    <dgm:style>
+      <a:lnRef idx="2">
+        <a:scrgbClr r="0" g="0" b="0"/>
+      </a:lnRef>
+      <a:fillRef idx="1">
+        <a:scrgbClr r="0" g="0" b="0"/>
+      </a:fillRef>
+      <a:effectRef idx="0">
+        <a:scrgbClr r="0" g="0" b="0"/>
+      </a:effectRef>
+      <a:fontRef idx="minor">
+        <a:schemeClr val="tx1"/>
+      </a:fontRef>
+    </dgm:style>
+  </dgm:styleLbl>
+  <dgm:styleLbl name="alignNode1">
+    <dgm:scene3d>
+      <a:camera prst="orthographicFront"/>
+      <a:lightRig rig="threePt" dir="t"/>
+    </dgm:scene3d>
+    <dgm:sp3d/>
+    <dgm:txPr/>
+    <dgm:style>
+      <a:lnRef idx="2">
+        <a:scrgbClr r="0" g="0" b="0"/>
+      </a:lnRef>
+      <a:fillRef idx="1">
+        <a:scrgbClr r="0" g="0" b="0"/>
+      </a:fillRef>
+      <a:effectRef idx="0">
+        <a:scrgbClr r="0" g="0" b="0"/>
+      </a:effectRef>
+      <a:fontRef idx="minor">
+        <a:schemeClr val="lt1"/>
+      </a:fontRef>
+    </dgm:style>
+  </dgm:styleLbl>
+  <dgm:styleLbl name="node1">
+    <dgm:scene3d>
+      <a:camera prst="orthographicFront"/>
+      <a:lightRig rig="threePt" dir="t"/>
+    </dgm:scene3d>
+    <dgm:sp3d/>
+    <dgm:txPr/>
+    <dgm:style>
+      <a:lnRef idx="2">
+        <a:scrgbClr r="0" g="0" b="0"/>
+      </a:lnRef>
+      <a:fillRef idx="1">
+        <a:scrgbClr r="0" g="0" b="0"/>
+      </a:fillRef>
+      <a:effectRef idx="0">
+        <a:scrgbClr r="0" g="0" b="0"/>
+      </a:effectRef>
+      <a:fontRef idx="minor">
+        <a:schemeClr val="lt1"/>
+      </a:fontRef>
+    </dgm:style>
+  </dgm:styleLbl>
+  <dgm:styleLbl name="node2">
+    <dgm:scene3d>
+      <a:camera prst="orthographicFront"/>
+      <a:lightRig rig="threePt" dir="t"/>
+    </dgm:scene3d>
+    <dgm:sp3d/>
+    <dgm:txPr/>
+    <dgm:style>
+      <a:lnRef idx="2">
+        <a:scrgbClr r="0" g="0" b="0"/>
+      </a:lnRef>
+      <a:fillRef idx="1">
+        <a:scrgbClr r="0" g="0" b="0"/>
+      </a:fillRef>
+      <a:effectRef idx="0">
+        <a:scrgbClr r="0" g="0" b="0"/>
+      </a:effectRef>
+      <a:fontRef idx="minor">
+        <a:schemeClr val="lt1"/>
+      </a:fontRef>
+    </dgm:style>
+  </dgm:styleLbl>
+  <dgm:styleLbl name="node3">
+    <dgm:scene3d>
+      <a:camera prst="orthographicFront"/>
+      <a:lightRig rig="threePt" dir="t"/>
+    </dgm:scene3d>
+    <dgm:sp3d/>
+    <dgm:txPr/>
+    <dgm:style>
+      <a:lnRef idx="2">
+        <a:scrgbClr r="0" g="0" b="0"/>
+      </a:lnRef>
+      <a:fillRef idx="1">
+        <a:scrgbClr r="0" g="0" b="0"/>
+      </a:fillRef>
+      <a:effectRef idx="0">
+        <a:scrgbClr r="0" g="0" b="0"/>
+      </a:effectRef>
+      <a:fontRef idx="minor">
+        <a:schemeClr val="lt1"/>
+      </a:fontRef>
+    </dgm:style>
+  </dgm:styleLbl>
+  <dgm:styleLbl name="node4">
+    <dgm:scene3d>
+      <a:camera prst="orthographicFront"/>
+      <a:lightRig rig="threePt" dir="t"/>
+    </dgm:scene3d>
+    <dgm:sp3d/>
+    <dgm:txPr/>
+    <dgm:style>
+      <a:lnRef idx="2">
+        <a:scrgbClr r="0" g="0" b="0"/>
+      </a:lnRef>
+      <a:fillRef idx="1">
+        <a:scrgbClr r="0" g="0" b="0"/>
+      </a:fillRef>
+      <a:effectRef idx="0">
+        <a:scrgbClr r="0" g="0" b="0"/>
+      </a:effectRef>
+      <a:fontRef idx="minor">
+        <a:schemeClr val="lt1"/>
+      </a:fontRef>
+    </dgm:style>
+  </dgm:styleLbl>
+  <dgm:styleLbl name="fgImgPlace1">
+    <dgm:scene3d>
+      <a:camera prst="orthographicFront"/>
+      <a:lightRig rig="threePt" dir="t"/>
+    </dgm:scene3d>
+    <dgm:sp3d/>
+    <dgm:txPr/>
+    <dgm:style>
+      <a:lnRef idx="2">
+        <a:scrgbClr r="0" g="0" b="0"/>
+      </a:lnRef>
+      <a:fillRef idx="1">
+        <a:scrgbClr r="0" g="0" b="0"/>
+      </a:fillRef>
+      <a:effectRef idx="0">
+        <a:scrgbClr r="0" g="0" b="0"/>
+      </a:effectRef>
+      <a:fontRef idx="minor"/>
+    </dgm:style>
+  </dgm:styleLbl>
+  <dgm:styleLbl name="alignImgPlace1">
+    <dgm:scene3d>
+      <a:camera prst="orthographicFront"/>
+      <a:lightRig rig="threePt" dir="t"/>
+    </dgm:scene3d>
+    <dgm:sp3d/>
+    <dgm:txPr/>
+    <dgm:style>
+      <a:lnRef idx="2">
+        <a:scrgbClr r="0" g="0" b="0"/>
+      </a:lnRef>
+      <a:fillRef idx="1">
+        <a:scrgbClr r="0" g="0" b="0"/>
+      </a:fillRef>
+      <a:effectRef idx="0">
+        <a:scrgbClr r="0" g="0" b="0"/>
+      </a:effectRef>
+      <a:fontRef idx="minor"/>
+    </dgm:style>
+  </dgm:styleLbl>
+  <dgm:styleLbl name="bgImgPlace1">
+    <dgm:scene3d>
+      <a:camera prst="orthographicFront"/>
+      <a:lightRig rig="threePt" dir="t"/>
+    </dgm:scene3d>
+    <dgm:sp3d/>
+    <dgm:txPr/>
+    <dgm:style>
+      <a:lnRef idx="2">
+        <a:scrgbClr r="0" g="0" b="0"/>
+      </a:lnRef>
+      <a:fillRef idx="1">
+        <a:scrgbClr r="0" g="0" b="0"/>
+      </a:fillRef>
+      <a:effectRef idx="0">
+        <a:scrgbClr r="0" g="0" b="0"/>
+      </a:effectRef>
+      <a:fontRef idx="minor"/>
+    </dgm:style>
+  </dgm:styleLbl>
+  <dgm:styleLbl name="sibTrans2D1">
+    <dgm:scene3d>
+      <a:camera prst="orthographicFront"/>
+      <a:lightRig rig="threePt" dir="t"/>
+    </dgm:scene3d>
+    <dgm:sp3d/>
+    <dgm:txPr/>
+    <dgm:style>
+      <a:lnRef idx="0">
+        <a:scrgbClr r="0" g="0" b="0"/>
+      </a:lnRef>
+      <a:fillRef idx="1">
+        <a:scrgbClr r="0" g="0" b="0"/>
+      </a:fillRef>
+      <a:effectRef idx="0">
+        <a:scrgbClr r="0" g="0" b="0"/>
+      </a:effectRef>
+      <a:fontRef idx="minor">
+        <a:schemeClr val="lt1"/>
+      </a:fontRef>
+    </dgm:style>
+  </dgm:styleLbl>
+  <dgm:styleLbl name="fgSibTrans2D1">
+    <dgm:scene3d>
+      <a:camera prst="orthographicFront"/>
+      <a:lightRig rig="threePt" dir="t"/>
+    </dgm:scene3d>
+    <dgm:sp3d/>
+    <dgm:txPr/>
+    <dgm:style>
+      <a:lnRef idx="0">
+        <a:scrgbClr r="0" g="0" b="0"/>
+      </a:lnRef>
+      <a:fillRef idx="1">
+        <a:scrgbClr r="0" g="0" b="0"/>
+      </a:fillRef>
+      <a:effectRef idx="0">
+        <a:scrgbClr r="0" g="0" b="0"/>
+      </a:effectRef>
+      <a:fontRef idx="minor">
+        <a:schemeClr val="lt1"/>
+      </a:fontRef>
+    </dgm:style>
+  </dgm:styleLbl>
+  <dgm:styleLbl name="bgSibTrans2D1">
+    <dgm:scene3d>
+      <a:camera prst="orthographicFront"/>
+      <a:lightRig rig="threePt" dir="t"/>
+    </dgm:scene3d>
+    <dgm:sp3d/>
+    <dgm:txPr/>
+    <dgm:style>
+      <a:lnRef idx="0">
+        <a:scrgbClr r="0" g="0" b="0"/>
+      </a:lnRef>
+      <a:fillRef idx="1">
+        <a:scrgbClr r="0" g="0" b="0"/>
+      </a:fillRef>
+      <a:effectRef idx="0">
+        <a:scrgbClr r="0" g="0" b="0"/>
+      </a:effectRef>
+      <a:fontRef idx="minor">
+        <a:schemeClr val="lt1"/>
+      </a:fontRef>
+    </dgm:style>
+  </dgm:styleLbl>
+  <dgm:styleLbl name="sibTrans1D1">
+    <dgm:scene3d>
+      <a:camera prst="orthographicFront"/>
+      <a:lightRig rig="threePt" dir="t"/>
+    </dgm:scene3d>
+    <dgm:sp3d/>
+    <dgm:txPr/>
+    <dgm:style>
+      <a:lnRef idx="1">
+        <a:scrgbClr r="0" g="0" b="0"/>
+      </a:lnRef>
+      <a:fillRef idx="0">
+        <a:scrgbClr r="0" g="0" b="0"/>
+      </a:fillRef>
+      <a:effectRef idx="0">
+        <a:scrgbClr r="0" g="0" b="0"/>
+      </a:effectRef>
+      <a:fontRef idx="minor"/>
+    </dgm:style>
+  </dgm:styleLbl>
+  <dgm:styleLbl name="callout">
+    <dgm:scene3d>
+      <a:camera prst="orthographicFront"/>
+      <a:lightRig rig="threePt" dir="t"/>
+    </dgm:scene3d>
+    <dgm:sp3d/>
+    <dgm:txPr/>
+    <dgm:style>
+      <a:lnRef idx="2">
+        <a:scrgbClr r="0" g="0" b="0"/>
+      </a:lnRef>
+      <a:fillRef idx="1">
+        <a:scrgbClr r="0" g="0" b="0"/>
+      </a:fillRef>
+      <a:effectRef idx="0">
+        <a:scrgbClr r="0" g="0" b="0"/>
+      </a:effectRef>
+      <a:fontRef idx="minor"/>
+    </dgm:style>
+  </dgm:styleLbl>
+  <dgm:styleLbl name="asst0">
+    <dgm:scene3d>
+      <a:camera prst="orthographicFront"/>
+      <a:lightRig rig="threePt" dir="t"/>
+    </dgm:scene3d>
+    <dgm:sp3d/>
+    <dgm:txPr/>
+    <dgm:style>
+      <a:lnRef idx="2">
+        <a:scrgbClr r="0" g="0" b="0"/>
+      </a:lnRef>
+      <a:fillRef idx="1">
+        <a:scrgbClr r="0" g="0" b="0"/>
+      </a:fillRef>
+      <a:effectRef idx="0">
+        <a:scrgbClr r="0" g="0" b="0"/>
+      </a:effectRef>
+      <a:fontRef idx="minor">
+        <a:schemeClr val="lt1"/>
+      </a:fontRef>
+    </dgm:style>
+  </dgm:styleLbl>
+  <dgm:styleLbl name="asst1">
+    <dgm:scene3d>
+      <a:camera prst="orthographicFront"/>
+      <a:lightRig rig="threePt" dir="t"/>
+    </dgm:scene3d>
+    <dgm:sp3d/>
+    <dgm:txPr/>
+    <dgm:style>
+      <a:lnRef idx="2">
+        <a:scrgbClr r="0" g="0" b="0"/>
+      </a:lnRef>
+      <a:fillRef idx="1">
+        <a:scrgbClr r="0" g="0" b="0"/>
+      </a:fillRef>
+      <a:effectRef idx="0">
+        <a:scrgbClr r="0" g="0" b="0"/>
+      </a:effectRef>
+      <a:fontRef idx="minor">
+        <a:schemeClr val="lt1"/>
+      </a:fontRef>
+    </dgm:style>
+  </dgm:styleLbl>
+  <dgm:styleLbl name="asst2">
+    <dgm:scene3d>
+      <a:camera prst="orthographicFront"/>
+      <a:lightRig rig="threePt" dir="t"/>
+    </dgm:scene3d>
+    <dgm:sp3d/>
+    <dgm:txPr/>
+    <dgm:style>
+      <a:lnRef idx="2">
+        <a:scrgbClr r="0" g="0" b="0"/>
+      </a:lnRef>
+      <a:fillRef idx="1">
+        <a:scrgbClr r="0" g="0" b="0"/>
+      </a:fillRef>
+      <a:effectRef idx="0">
+        <a:scrgbClr r="0" g="0" b="0"/>
+      </a:effectRef>
+      <a:fontRef idx="minor">
+        <a:schemeClr val="lt1"/>
+      </a:fontRef>
+    </dgm:style>
+  </dgm:styleLbl>
+  <dgm:styleLbl name="asst3">
+    <dgm:scene3d>
+      <a:camera prst="orthographicFront"/>
+      <a:lightRig rig="threePt" dir="t"/>
+    </dgm:scene3d>
+    <dgm:sp3d/>
+    <dgm:txPr/>
+    <dgm:style>
+      <a:lnRef idx="2">
+        <a:scrgbClr r="0" g="0" b="0"/>
+      </a:lnRef>
+      <a:fillRef idx="1">
+        <a:scrgbClr r="0" g="0" b="0"/>
+      </a:fillRef>
+      <a:effectRef idx="0">
+        <a:scrgbClr r="0" g="0" b="0"/>
+      </a:effectRef>
+      <a:fontRef idx="minor">
+        <a:schemeClr val="lt1"/>
+      </a:fontRef>
+    </dgm:style>
+  </dgm:styleLbl>
+  <dgm:styleLbl name="asst4">
+    <dgm:scene3d>
+      <a:camera prst="orthographicFront"/>
+      <a:lightRig rig="threePt" dir="t"/>
+    </dgm:scene3d>
+    <dgm:sp3d/>
+    <dgm:txPr/>
+    <dgm:style>
+      <a:lnRef idx="2">
+        <a:scrgbClr r="0" g="0" b="0"/>
+      </a:lnRef>
+      <a:fillRef idx="1">
+        <a:scrgbClr r="0" g="0" b="0"/>
+      </a:fillRef>
+      <a:effectRef idx="0">
+        <a:scrgbClr r="0" g="0" b="0"/>
+      </a:effectRef>
+      <a:fontRef idx="minor">
+        <a:schemeClr val="lt1"/>
+      </a:fontRef>
+    </dgm:style>
+  </dgm:styleLbl>
+  <dgm:styleLbl name="parChTrans2D1">
+    <dgm:scene3d>
+      <a:camera prst="orthographicFront"/>
+      <a:lightRig rig="threePt" dir="t"/>
+    </dgm:scene3d>
+    <dgm:sp3d/>
+    <dgm:txPr/>
+    <dgm:style>
+      <a:lnRef idx="2">
+        <a:scrgbClr r="0" g="0" b="0"/>
+      </a:lnRef>
+      <a:fillRef idx="1">
+        <a:scrgbClr r="0" g="0" b="0"/>
+      </a:fillRef>
+      <a:effectRef idx="0">
+        <a:scrgbClr r="0" g="0" b="0"/>
+      </a:effectRef>
+      <a:fontRef idx="minor">
+        <a:schemeClr val="lt1"/>
+      </a:fontRef>
+    </dgm:style>
+  </dgm:styleLbl>
+  <dgm:styleLbl name="parChTrans2D2">
+    <dgm:scene3d>
+      <a:camera prst="orthographicFront"/>
+      <a:lightRig rig="threePt" dir="t"/>
+    </dgm:scene3d>
+    <dgm:sp3d/>
+    <dgm:txPr/>
+    <dgm:style>
+      <a:lnRef idx="2">
+        <a:scrgbClr r="0" g="0" b="0"/>
+      </a:lnRef>
+      <a:fillRef idx="1">
+        <a:scrgbClr r="0" g="0" b="0"/>
+      </a:fillRef>
+      <a:effectRef idx="0">
+        <a:scrgbClr r="0" g="0" b="0"/>
+      </a:effectRef>
+      <a:fontRef idx="minor">
+        <a:schemeClr val="lt1"/>
+      </a:fontRef>
+    </dgm:style>
+  </dgm:styleLbl>
+  <dgm:styleLbl name="parChTrans2D3">
+    <dgm:scene3d>
+      <a:camera prst="orthographicFront"/>
+      <a:lightRig rig="threePt" dir="t"/>
+    </dgm:scene3d>
+    <dgm:sp3d/>
+    <dgm:txPr/>
+    <dgm:style>
+      <a:lnRef idx="2">
+        <a:scrgbClr r="0" g="0" b="0"/>
+      </a:lnRef>
+      <a:fillRef idx="1">
+        <a:scrgbClr r="0" g="0" b="0"/>
+      </a:fillRef>
+      <a:effectRef idx="0">
+        <a:scrgbClr r="0" g="0" b="0"/>
+      </a:effectRef>
+      <a:fontRef idx="minor">
+        <a:schemeClr val="lt1"/>
+      </a:fontRef>
+    </dgm:style>
+  </dgm:styleLbl>
+  <dgm:styleLbl name="parChTrans2D4">
+    <dgm:scene3d>
+      <a:camera prst="orthographicFront"/>
+      <a:lightRig rig="threePt" dir="t"/>
+    </dgm:scene3d>
+    <dgm:sp3d/>
+    <dgm:txPr/>
+    <dgm:style>
+      <a:lnRef idx="2">
+        <a:scrgbClr r="0" g="0" b="0"/>
+      </a:lnRef>
+      <a:fillRef idx="1">
+        <a:scrgbClr r="0" g="0" b="0"/>
+      </a:fillRef>
+      <a:effectRef idx="0">
+        <a:scrgbClr r="0" g="0" b="0"/>
+      </a:effectRef>
+      <a:fontRef idx="minor">
+        <a:schemeClr val="lt1"/>
+      </a:fontRef>
+    </dgm:style>
+  </dgm:styleLbl>
+  <dgm:styleLbl name="parChTrans1D1">
+    <dgm:scene3d>
+      <a:camera prst="orthographicFront"/>
+      <a:lightRig rig="threePt" dir="t"/>
+    </dgm:scene3d>
+    <dgm:sp3d/>
+    <dgm:txPr/>
+    <dgm:style>
+      <a:lnRef idx="2">
+        <a:scrgbClr r="0" g="0" b="0"/>
+      </a:lnRef>
+      <a:fillRef idx="0">
+        <a:scrgbClr r="0" g="0" b="0"/>
+      </a:fillRef>
+      <a:effectRef idx="0">
+        <a:scrgbClr r="0" g="0" b="0"/>
+      </a:effectRef>
+      <a:fontRef idx="minor"/>
+    </dgm:style>
+  </dgm:styleLbl>
+  <dgm:styleLbl name="parChTrans1D2">
+    <dgm:scene3d>
+      <a:camera prst="orthographicFront"/>
+      <a:lightRig rig="threePt" dir="t"/>
+    </dgm:scene3d>
+    <dgm:sp3d/>
+    <dgm:txPr/>
+    <dgm:style>
+      <a:lnRef idx="2">
+        <a:scrgbClr r="0" g="0" b="0"/>
+      </a:lnRef>
+      <a:fillRef idx="0">
+        <a:scrgbClr r="0" g="0" b="0"/>
+      </a:fillRef>
+      <a:effectRef idx="0">
+        <a:scrgbClr r="0" g="0" b="0"/>
+      </a:effectRef>
+      <a:fontRef idx="minor"/>
+    </dgm:style>
+  </dgm:styleLbl>
+  <dgm:styleLbl name="parChTrans1D3">
+    <dgm:scene3d>
+      <a:camera prst="orthographicFront"/>
+      <a:lightRig rig="threePt" dir="t"/>
+    </dgm:scene3d>
+    <dgm:sp3d/>
+    <dgm:txPr/>
+    <dgm:style>
+      <a:lnRef idx="2">
+        <a:scrgbClr r="0" g="0" b="0"/>
+      </a:lnRef>
+      <a:fillRef idx="0">
+        <a:scrgbClr r="0" g="0" b="0"/>
+      </a:fillRef>
+      <a:effectRef idx="0">
+        <a:scrgbClr r="0" g="0" b="0"/>
+      </a:effectRef>
+      <a:fontRef idx="minor"/>
+    </dgm:style>
+  </dgm:styleLbl>
+  <dgm:styleLbl name="parChTrans1D4">
+    <dgm:scene3d>
+      <a:camera prst="orthographicFront"/>
+      <a:lightRig rig="threePt" dir="t"/>
+    </dgm:scene3d>
+    <dgm:sp3d/>
+    <dgm:txPr/>
+    <dgm:style>
+      <a:lnRef idx="2">
+        <a:scrgbClr r="0" g="0" b="0"/>
+      </a:lnRef>
+      <a:fillRef idx="0">
+        <a:scrgbClr r="0" g="0" b="0"/>
+      </a:fillRef>
+      <a:effectRef idx="0">
+        <a:scrgbClr r="0" g="0" b="0"/>
+      </a:effectRef>
+      <a:fontRef idx="minor"/>
+    </dgm:style>
+  </dgm:styleLbl>
+  <dgm:styleLbl name="fgAcc1">
+    <dgm:scene3d>
+      <a:camera prst="orthographicFront"/>
+      <a:lightRig rig="threePt" dir="t"/>
+    </dgm:scene3d>
+    <dgm:sp3d/>
+    <dgm:txPr/>
+    <dgm:style>
+      <a:lnRef idx="2">
+        <a:scrgbClr r="0" g="0" b="0"/>
+      </a:lnRef>
+      <a:fillRef idx="1">
+        <a:scrgbClr r="0" g="0" b="0"/>
+      </a:fillRef>
+      <a:effectRef idx="0">
+        <a:scrgbClr r="0" g="0" b="0"/>
+      </a:effectRef>
+      <a:fontRef idx="minor"/>
+    </dgm:style>
+  </dgm:styleLbl>
+  <dgm:styleLbl name="conFgAcc1">
+    <dgm:scene3d>
+      <a:camera prst="orthographicFront"/>
+      <a:lightRig rig="threePt" dir="t"/>
+    </dgm:scene3d>
+    <dgm:sp3d/>
+    <dgm:txPr/>
+    <dgm:style>
+      <a:lnRef idx="2">
+        <a:scrgbClr r="0" g="0" b="0"/>
+      </a:lnRef>
+      <a:fillRef idx="1">
+        <a:scrgbClr r="0" g="0" b="0"/>
+      </a:fillRef>
+      <a:effectRef idx="0">
+        <a:scrgbClr r="0" g="0" b="0"/>
+      </a:effectRef>
+      <a:fontRef idx="minor"/>
+    </dgm:style>
+  </dgm:styleLbl>
+  <dgm:styleLbl name="alignAcc1">
+    <dgm:scene3d>
+      <a:camera prst="orthographicFront"/>
+      <a:lightRig rig="threePt" dir="t"/>
+    </dgm:scene3d>
+    <dgm:sp3d/>
+    <dgm:txPr/>
+    <dgm:style>
+      <a:lnRef idx="2">
+        <a:scrgbClr r="0" g="0" b="0"/>
+      </a:lnRef>
+      <a:fillRef idx="1">
+        <a:scrgbClr r="0" g="0" b="0"/>
+      </a:fillRef>
+      <a:effectRef idx="0">
+        <a:scrgbClr r="0" g="0" b="0"/>
+      </a:effectRef>
+      <a:fontRef idx="minor"/>
+    </dgm:style>
+  </dgm:styleLbl>
+  <dgm:styleLbl name="trAlignAcc1">
+    <dgm:scene3d>
+      <a:camera prst="orthographicFront"/>
+      <a:lightRig rig="threePt" dir="t"/>
+    </dgm:scene3d>
+    <dgm:sp3d/>
+    <dgm:txPr/>
+    <dgm:style>
+      <a:lnRef idx="1">
+        <a:scrgbClr r="0" g="0" b="0"/>
+      </a:lnRef>
+      <a:fillRef idx="1">
+        <a:scrgbClr r="0" g="0" b="0"/>
+      </a:fillRef>
+      <a:effectRef idx="0">
+        <a:scrgbClr r="0" g="0" b="0"/>
+      </a:effectRef>
+      <a:fontRef idx="minor"/>
+    </dgm:style>
+  </dgm:styleLbl>
+  <dgm:styleLbl name="bgAcc1">
+    <dgm:scene3d>
+      <a:camera prst="orthographicFront"/>
+      <a:lightRig rig="threePt" dir="t"/>
+    </dgm:scene3d>
+    <dgm:sp3d/>
+    <dgm:txPr/>
+    <dgm:style>
+      <a:lnRef idx="2">
+        <a:scrgbClr r="0" g="0" b="0"/>
+      </a:lnRef>
+      <a:fillRef idx="1">
+        <a:scrgbClr r="0" g="0" b="0"/>
+      </a:fillRef>
+      <a:effectRef idx="0">
+        <a:scrgbClr r="0" g="0" b="0"/>
+      </a:effectRef>
+      <a:fontRef idx="minor"/>
+    </dgm:style>
+  </dgm:styleLbl>
+  <dgm:styleLbl name="solidFgAcc1">
+    <dgm:scene3d>
+      <a:camera prst="orthographicFront"/>
+      <a:lightRig rig="threePt" dir="t"/>
+    </dgm:scene3d>
+    <dgm:sp3d/>
+    <dgm:txPr/>
+    <dgm:style>
+      <a:lnRef idx="2">
+        <a:scrgbClr r="0" g="0" b="0"/>
+      </a:lnRef>
+      <a:fillRef idx="1">
+        <a:scrgbClr r="0" g="0" b="0"/>
+      </a:fillRef>
+      <a:effectRef idx="0">
+        <a:scrgbClr r="0" g="0" b="0"/>
+      </a:effectRef>
+      <a:fontRef idx="minor"/>
+    </dgm:style>
+  </dgm:styleLbl>
+  <dgm:styleLbl name="solidAlignAcc1">
+    <dgm:scene3d>
+      <a:camera prst="orthographicFront"/>
+      <a:lightRig rig="threePt" dir="t"/>
+    </dgm:scene3d>
+    <dgm:sp3d/>
+    <dgm:txPr/>
+    <dgm:style>
+      <a:lnRef idx="2">
+        <a:scrgbClr r="0" g="0" b="0"/>
+      </a:lnRef>
+      <a:fillRef idx="1">
+        <a:scrgbClr r="0" g="0" b="0"/>
+      </a:fillRef>
+      <a:effectRef idx="0">
+        <a:scrgbClr r="0" g="0" b="0"/>
+      </a:effectRef>
+      <a:fontRef idx="minor"/>
+    </dgm:style>
+  </dgm:styleLbl>
+  <dgm:styleLbl name="solidBgAcc1">
+    <dgm:scene3d>
+      <a:camera prst="orthographicFront"/>
+      <a:lightRig rig="threePt" dir="t"/>
+    </dgm:scene3d>
+    <dgm:sp3d/>
+    <dgm:txPr/>
+    <dgm:style>
+      <a:lnRef idx="2">
+        <a:scrgbClr r="0" g="0" b="0"/>
+      </a:lnRef>
+      <a:fillRef idx="1">
+        <a:scrgbClr r="0" g="0" b="0"/>
+      </a:fillRef>
+      <a:effectRef idx="0">
+        <a:scrgbClr r="0" g="0" b="0"/>
+      </a:effectRef>
+      <a:fontRef idx="minor"/>
+    </dgm:style>
+  </dgm:styleLbl>
+  <dgm:styleLbl name="fgAccFollowNode1">
+    <dgm:scene3d>
+      <a:camera prst="orthographicFront"/>
+      <a:lightRig rig="threePt" dir="t"/>
+    </dgm:scene3d>
+    <dgm:sp3d/>
+    <dgm:txPr/>
+    <dgm:style>
+      <a:lnRef idx="2">
+        <a:scrgbClr r="0" g="0" b="0"/>
+      </a:lnRef>
+      <a:fillRef idx="1">
+        <a:scrgbClr r="0" g="0" b="0"/>
+      </a:fillRef>
+      <a:effectRef idx="0">
+        <a:scrgbClr r="0" g="0" b="0"/>
+      </a:effectRef>
+      <a:fontRef idx="minor"/>
+    </dgm:style>
+  </dgm:styleLbl>
+  <dgm:styleLbl name="alignAccFollowNode1">
+    <dgm:scene3d>
+      <a:camera prst="orthographicFront"/>
+      <a:lightRig rig="threePt" dir="t"/>
+    </dgm:scene3d>
+    <dgm:sp3d/>
+    <dgm:txPr/>
+    <dgm:style>
+      <a:lnRef idx="2">
+        <a:scrgbClr r="0" g="0" b="0"/>
+      </a:lnRef>
+      <a:fillRef idx="1">
+        <a:scrgbClr r="0" g="0" b="0"/>
+      </a:fillRef>
+      <a:effectRef idx="0">
+        <a:scrgbClr r="0" g="0" b="0"/>
+      </a:effectRef>
+      <a:fontRef idx="minor"/>
+    </dgm:style>
+  </dgm:styleLbl>
+  <dgm:styleLbl name="bgAccFollowNode1">
+    <dgm:scene3d>
+      <a:camera prst="orthographicFront"/>
+      <a:lightRig rig="threePt" dir="t"/>
+    </dgm:scene3d>
+    <dgm:sp3d/>
+    <dgm:txPr/>
+    <dgm:style>
+      <a:lnRef idx="2">
+        <a:scrgbClr r="0" g="0" b="0"/>
+      </a:lnRef>
+      <a:fillRef idx="1">
+        <a:scrgbClr r="0" g="0" b="0"/>
+      </a:fillRef>
+      <a:effectRef idx="0">
+        <a:scrgbClr r="0" g="0" b="0"/>
+      </a:effectRef>
+      <a:fontRef idx="minor"/>
+    </dgm:style>
+  </dgm:styleLbl>
+  <dgm:styleLbl name="fgAcc0">
+    <dgm:scene3d>
+      <a:camera prst="orthographicFront"/>
+      <a:lightRig rig="threePt" dir="t"/>
+    </dgm:scene3d>
+    <dgm:sp3d/>
+    <dgm:txPr/>
+    <dgm:style>
+      <a:lnRef idx="2">
+        <a:scrgbClr r="0" g="0" b="0"/>
+      </a:lnRef>
+      <a:fillRef idx="1">
+        <a:scrgbClr r="0" g="0" b="0"/>
+      </a:fillRef>
+      <a:effectRef idx="0">
+        <a:scrgbClr r="0" g="0" b="0"/>
+      </a:effectRef>
+      <a:fontRef idx="minor"/>
+    </dgm:style>
+  </dgm:styleLbl>
+  <dgm:styleLbl name="fgAcc2">
+    <dgm:scene3d>
+      <a:camera prst="orthographicFront"/>
+      <a:lightRig rig="threePt" dir="t"/>
+    </dgm:scene3d>
+    <dgm:sp3d/>
+    <dgm:txPr/>
+    <dgm:style>
+      <a:lnRef idx="2">
+        <a:scrgbClr r="0" g="0" b="0"/>
+      </a:lnRef>
+      <a:fillRef idx="1">
+        <a:scrgbClr r="0" g="0" b="0"/>
+      </a:fillRef>
+      <a:effectRef idx="0">
+        <a:scrgbClr r="0" g="0" b="0"/>
+      </a:effectRef>
+      <a:fontRef idx="minor"/>
+    </dgm:style>
+  </dgm:styleLbl>
+  <dgm:styleLbl name="fgAcc3">
+    <dgm:scene3d>
+      <a:camera prst="orthographicFront"/>
+      <a:lightRig rig="threePt" dir="t"/>
+    </dgm:scene3d>
+    <dgm:sp3d/>
+    <dgm:txPr/>
+    <dgm:style>
+      <a:lnRef idx="2">
+        <a:scrgbClr r="0" g="0" b="0"/>
+      </a:lnRef>
+      <a:fillRef idx="1">
+        <a:scrgbClr r="0" g="0" b="0"/>
+      </a:fillRef>
+      <a:effectRef idx="0">
+        <a:scrgbClr r="0" g="0" b="0"/>
+      </a:effectRef>
+      <a:fontRef idx="minor"/>
+    </dgm:style>
+  </dgm:styleLbl>
+  <dgm:styleLbl name="fgAcc4">
+    <dgm:scene3d>
+      <a:camera prst="orthographicFront"/>
+      <a:lightRig rig="threePt" dir="t"/>
+    </dgm:scene3d>
+    <dgm:sp3d/>
+    <dgm:txPr/>
+    <dgm:style>
+      <a:lnRef idx="2">
+        <a:scrgbClr r="0" g="0" b="0"/>
+      </a:lnRef>
+      <a:fillRef idx="1">
+        <a:scrgbClr r="0" g="0" b="0"/>
+      </a:fillRef>
+      <a:effectRef idx="0">
+        <a:scrgbClr r="0" g="0" b="0"/>
+      </a:effectRef>
+      <a:fontRef idx="minor"/>
+    </dgm:style>
+  </dgm:styleLbl>
+  <dgm:styleLbl name="bgShp">
+    <dgm:scene3d>
+      <a:camera prst="orthographicFront"/>
+      <a:lightRig rig="threePt" dir="t"/>
+    </dgm:scene3d>
+    <dgm:sp3d/>
+    <dgm:txPr/>
+    <dgm:style>
+      <a:lnRef idx="0">
+        <a:scrgbClr r="0" g="0" b="0"/>
+      </a:lnRef>
+      <a:fillRef idx="1">
+        <a:scrgbClr r="0" g="0" b="0"/>
+      </a:fillRef>
+      <a:effectRef idx="0">
+        <a:scrgbClr r="0" g="0" b="0"/>
+      </a:effectRef>
+      <a:fontRef idx="minor"/>
+    </dgm:style>
+  </dgm:styleLbl>
+  <dgm:styleLbl name="dkBgShp">
+    <dgm:scene3d>
+      <a:camera prst="orthographicFront"/>
+      <a:lightRig rig="threePt" dir="t"/>
+    </dgm:scene3d>
+    <dgm:sp3d/>
+    <dgm:txPr/>
+    <dgm:style>
+      <a:lnRef idx="0">
+        <a:scrgbClr r="0" g="0" b="0"/>
+      </a:lnRef>
+      <a:fillRef idx="1">
+        <a:scrgbClr r="0" g="0" b="0"/>
+      </a:fillRef>
+      <a:effectRef idx="0">
+        <a:scrgbClr r="0" g="0" b="0"/>
+      </a:effectRef>
+      <a:fontRef idx="minor"/>
+    </dgm:style>
+  </dgm:styleLbl>
+  <dgm:styleLbl name="trBgShp">
+    <dgm:scene3d>
+      <a:camera prst="orthographicFront"/>
+      <a:lightRig rig="threePt" dir="t"/>
+    </dgm:scene3d>
+    <dgm:sp3d/>
+    <dgm:txPr/>
+    <dgm:style>
+      <a:lnRef idx="0">
+        <a:scrgbClr r="0" g="0" b="0"/>
+      </a:lnRef>
+      <a:fillRef idx="1">
+        <a:scrgbClr r="0" g="0" b="0"/>
+      </a:fillRef>
+      <a:effectRef idx="0">
+        <a:scrgbClr r="0" g="0" b="0"/>
+      </a:effectRef>
+      <a:fontRef idx="minor"/>
+    </dgm:style>
+  </dgm:styleLbl>
+  <dgm:styleLbl name="fgShp">
+    <dgm:scene3d>
+      <a:camera prst="orthographicFront"/>
+      <a:lightRig rig="threePt" dir="t"/>
+    </dgm:scene3d>
+    <dgm:sp3d/>
+    <dgm:txPr/>
+    <dgm:style>
+      <a:lnRef idx="2">
+        <a:scrgbClr r="0" g="0" b="0"/>
+      </a:lnRef>
+      <a:fillRef idx="1">
+        <a:scrgbClr r="0" g="0" b="0"/>
+      </a:fillRef>
+      <a:effectRef idx="0">
+        <a:scrgbClr r="0" g="0" b="0"/>
+      </a:effectRef>
+      <a:fontRef idx="minor"/>
+    </dgm:style>
+  </dgm:styleLbl>
+  <dgm:styleLbl name="revTx">
+    <dgm:scene3d>
+      <a:camera prst="orthographicFront"/>
+      <a:lightRig rig="threePt" dir="t"/>
+    </dgm:scene3d>
+    <dgm:sp3d/>
+    <dgm:txPr/>
+    <dgm:style>
+      <a:lnRef idx="0">
+        <a:scrgbClr r="0" g="0" b="0"/>
+      </a:lnRef>
+      <a:fillRef idx="0">
+        <a:scrgbClr r="0" g="0" b="0"/>
+      </a:fillRef>
+      <a:effectRef idx="0">
+        <a:scrgbClr r="0" g="0" b="0"/>
+      </a:effectRef>
+      <a:fontRef idx="minor"/>
+    </dgm:style>
+  </dgm:styleLbl>
+</dgm:styleDef>
 </file>
 
 <file path=ppt/slideLayouts/slideLayout1.xml><?xml version="1.0" encoding="utf-8"?>
@@ -3482,14 +6535,14 @@
           <a:p>
             <a:pPr algn="l"/>
             <a:r>
-              <a:rPr lang="en-GB" sz="4000">
+              <a:rPr lang="en-GB" sz="4000" dirty="0">
                 <a:solidFill>
                   <a:schemeClr val="tx2"/>
                 </a:solidFill>
               </a:rPr>
               <a:t>Shipment logistics analysis</a:t>
             </a:r>
-            <a:endParaRPr lang="en-US" sz="4000">
+            <a:endParaRPr lang="en-US" sz="4000" dirty="0">
               <a:solidFill>
                 <a:schemeClr val="tx2"/>
               </a:solidFill>
@@ -5851,6 +8904,5001 @@
 </p:sld>
 </file>
 
+<file path=ppt/slides/slide2.xml><?xml version="1.0" encoding="utf-8"?>
+<p:sld xmlns:a="http://schemas.openxmlformats.org/drawingml/2006/main" xmlns:r="http://schemas.openxmlformats.org/officeDocument/2006/relationships" xmlns:p="http://schemas.openxmlformats.org/presentationml/2006/main">
+  <p:cSld>
+    <p:bg>
+      <p:bgPr>
+        <a:solidFill>
+          <a:schemeClr val="bg1"/>
+        </a:solidFill>
+        <a:effectLst/>
+      </p:bgPr>
+    </p:bg>
+    <p:spTree>
+      <p:nvGrpSpPr>
+        <p:cNvPr id="1" name=""/>
+        <p:cNvGrpSpPr/>
+        <p:nvPr/>
+      </p:nvGrpSpPr>
+      <p:grpSpPr>
+        <a:xfrm>
+          <a:off x="0" y="0"/>
+          <a:ext cx="0" cy="0"/>
+          <a:chOff x="0" y="0"/>
+          <a:chExt cx="0" cy="0"/>
+        </a:xfrm>
+      </p:grpSpPr>
+      <p:sp useBgFill="1">
+        <p:nvSpPr>
+          <p:cNvPr id="9" name="Rectangle 8">
+            <a:extLst>
+              <a:ext uri="{FF2B5EF4-FFF2-40B4-BE49-F238E27FC236}">
+                <a16:creationId xmlns:a16="http://schemas.microsoft.com/office/drawing/2014/main" id="{98DED6BC-9A3E-48D4-AD7C-A56D63F547E8}"/>
+              </a:ext>
+              <a:ext uri="{C183D7F6-B498-43B3-948B-1728B52AA6E4}">
+                <adec:decorative xmlns:adec="http://schemas.microsoft.com/office/drawing/2017/decorative" val="1"/>
+              </a:ext>
+            </a:extLst>
+          </p:cNvPr>
+          <p:cNvSpPr>
+            <a:spLocks noGrp="1" noRot="1" noChangeAspect="1" noMove="1" noResize="1" noEditPoints="1" noAdjustHandles="1" noChangeArrowheads="1" noChangeShapeType="1" noTextEdit="1"/>
+          </p:cNvSpPr>
+          <p:nvPr>
+            <p:extLst>
+              <p:ext uri="{386F3935-93C4-4BCD-93E2-E3B085C9AB24}">
+                <p16:designElem xmlns:p16="http://schemas.microsoft.com/office/powerpoint/2015/main" val="1"/>
+              </p:ext>
+            </p:extLst>
+          </p:nvPr>
+        </p:nvSpPr>
+        <p:spPr>
+          <a:xfrm>
+            <a:off x="0" y="0"/>
+            <a:ext cx="12188952" cy="6858000"/>
+          </a:xfrm>
+          <a:prstGeom prst="rect">
+            <a:avLst/>
+          </a:prstGeom>
+          <a:ln>
+            <a:noFill/>
+          </a:ln>
+        </p:spPr>
+        <p:style>
+          <a:lnRef idx="2">
+            <a:schemeClr val="accent1">
+              <a:shade val="50000"/>
+            </a:schemeClr>
+          </a:lnRef>
+          <a:fillRef idx="1">
+            <a:schemeClr val="accent1"/>
+          </a:fillRef>
+          <a:effectRef idx="0">
+            <a:schemeClr val="accent1"/>
+          </a:effectRef>
+          <a:fontRef idx="minor">
+            <a:schemeClr val="lt1"/>
+          </a:fontRef>
+        </p:style>
+        <p:txBody>
+          <a:bodyPr rtlCol="0" anchor="ctr"/>
+          <a:lstStyle/>
+          <a:p>
+            <a:pPr algn="ctr"/>
+            <a:endParaRPr lang="en-US"/>
+          </a:p>
+        </p:txBody>
+      </p:sp>
+      <p:sp>
+        <p:nvSpPr>
+          <p:cNvPr id="11" name="Freeform: Shape 10">
+            <a:extLst>
+              <a:ext uri="{FF2B5EF4-FFF2-40B4-BE49-F238E27FC236}">
+                <a16:creationId xmlns:a16="http://schemas.microsoft.com/office/drawing/2014/main" id="{6B6E033A-DB2E-49B8-B600-B38E0C280263}"/>
+              </a:ext>
+              <a:ext uri="{C183D7F6-B498-43B3-948B-1728B52AA6E4}">
+                <adec:decorative xmlns:adec="http://schemas.microsoft.com/office/drawing/2017/decorative" val="1"/>
+              </a:ext>
+            </a:extLst>
+          </p:cNvPr>
+          <p:cNvSpPr>
+            <a:spLocks noGrp="1" noRot="1" noChangeAspect="1" noMove="1" noResize="1" noEditPoints="1" noAdjustHandles="1" noChangeArrowheads="1" noChangeShapeType="1" noTextEdit="1"/>
+          </p:cNvSpPr>
+          <p:nvPr>
+            <p:extLst>
+              <p:ext uri="{386F3935-93C4-4BCD-93E2-E3B085C9AB24}">
+                <p16:designElem xmlns:p16="http://schemas.microsoft.com/office/powerpoint/2015/main" val="1"/>
+              </p:ext>
+            </p:extLst>
+          </p:nvPr>
+        </p:nvSpPr>
+        <p:spPr>
+          <a:xfrm>
+            <a:off x="173235" y="1371600"/>
+            <a:ext cx="4529312" cy="3589977"/>
+          </a:xfrm>
+          <a:custGeom>
+            <a:avLst/>
+            <a:gdLst>
+              <a:gd name="connsiteX0" fmla="*/ 5462602 w 5470628"/>
+              <a:gd name="connsiteY0" fmla="*/ 1413608 h 3193741"/>
+              <a:gd name="connsiteX1" fmla="*/ 5465724 w 5470628"/>
+              <a:gd name="connsiteY1" fmla="*/ 1421881 h 3193741"/>
+              <a:gd name="connsiteX2" fmla="*/ 5465025 w 5470628"/>
+              <a:gd name="connsiteY2" fmla="*/ 1466556 h 3193741"/>
+              <a:gd name="connsiteX3" fmla="*/ 5463208 w 5470628"/>
+              <a:gd name="connsiteY3" fmla="*/ 1466226 h 3193741"/>
+              <a:gd name="connsiteX4" fmla="*/ 5463242 w 5470628"/>
+              <a:gd name="connsiteY4" fmla="*/ 1451866 h 3193741"/>
+              <a:gd name="connsiteX5" fmla="*/ 5462894 w 5470628"/>
+              <a:gd name="connsiteY5" fmla="*/ 1423194 h 3193741"/>
+              <a:gd name="connsiteX6" fmla="*/ 5461417 w 5470628"/>
+              <a:gd name="connsiteY6" fmla="*/ 1391849 h 3193741"/>
+              <a:gd name="connsiteX7" fmla="*/ 5462246 w 5470628"/>
+              <a:gd name="connsiteY7" fmla="*/ 1401944 h 3193741"/>
+              <a:gd name="connsiteX8" fmla="*/ 5462602 w 5470628"/>
+              <a:gd name="connsiteY8" fmla="*/ 1413608 h 3193741"/>
+              <a:gd name="connsiteX9" fmla="*/ 5459078 w 5470628"/>
+              <a:gd name="connsiteY9" fmla="*/ 1404268 h 3193741"/>
+              <a:gd name="connsiteX10" fmla="*/ 5460137 w 5470628"/>
+              <a:gd name="connsiteY10" fmla="*/ 1393780 h 3193741"/>
+              <a:gd name="connsiteX11" fmla="*/ 5461417 w 5470628"/>
+              <a:gd name="connsiteY11" fmla="*/ 1391849 h 3193741"/>
+              <a:gd name="connsiteX12" fmla="*/ 614271 w 5470628"/>
+              <a:gd name="connsiteY12" fmla="*/ 1052206 h 3193741"/>
+              <a:gd name="connsiteX13" fmla="*/ 611497 w 5470628"/>
+              <a:gd name="connsiteY13" fmla="*/ 1055389 h 3193741"/>
+              <a:gd name="connsiteX14" fmla="*/ 630277 w 5470628"/>
+              <a:gd name="connsiteY14" fmla="*/ 1065215 h 3193741"/>
+              <a:gd name="connsiteX15" fmla="*/ 651856 w 5470628"/>
+              <a:gd name="connsiteY15" fmla="*/ 1067584 h 3193741"/>
+              <a:gd name="connsiteX16" fmla="*/ 614271 w 5470628"/>
+              <a:gd name="connsiteY16" fmla="*/ 1052206 h 3193741"/>
+              <a:gd name="connsiteX17" fmla="*/ 810628 w 5470628"/>
+              <a:gd name="connsiteY17" fmla="*/ 695550 h 3193741"/>
+              <a:gd name="connsiteX18" fmla="*/ 1033084 w 5470628"/>
+              <a:gd name="connsiteY18" fmla="*/ 791270 h 3193741"/>
+              <a:gd name="connsiteX19" fmla="*/ 1036153 w 5470628"/>
+              <a:gd name="connsiteY19" fmla="*/ 788050 h 3193741"/>
+              <a:gd name="connsiteX20" fmla="*/ 810628 w 5470628"/>
+              <a:gd name="connsiteY20" fmla="*/ 695550 h 3193741"/>
+              <a:gd name="connsiteX21" fmla="*/ 4850908 w 5470628"/>
+              <a:gd name="connsiteY21" fmla="*/ 727 h 3193741"/>
+              <a:gd name="connsiteX22" fmla="*/ 4858584 w 5470628"/>
+              <a:gd name="connsiteY22" fmla="*/ 13795 h 3193741"/>
+              <a:gd name="connsiteX23" fmla="*/ 4843408 w 5470628"/>
+              <a:gd name="connsiteY23" fmla="*/ 37224 h 3193741"/>
+              <a:gd name="connsiteX24" fmla="*/ 4871062 w 5470628"/>
+              <a:gd name="connsiteY24" fmla="*/ 78954 h 3193741"/>
+              <a:gd name="connsiteX25" fmla="*/ 4989038 w 5470628"/>
+              <a:gd name="connsiteY25" fmla="*/ 66799 h 3193741"/>
+              <a:gd name="connsiteX26" fmla="*/ 5002636 w 5470628"/>
+              <a:gd name="connsiteY26" fmla="*/ 79388 h 3193741"/>
+              <a:gd name="connsiteX27" fmla="*/ 5008332 w 5470628"/>
+              <a:gd name="connsiteY27" fmla="*/ 140859 h 3193741"/>
+              <a:gd name="connsiteX28" fmla="*/ 5014326 w 5470628"/>
+              <a:gd name="connsiteY28" fmla="*/ 155555 h 3193741"/>
+              <a:gd name="connsiteX29" fmla="*/ 5030704 w 5470628"/>
+              <a:gd name="connsiteY29" fmla="*/ 221190 h 3193741"/>
+              <a:gd name="connsiteX30" fmla="*/ 5097262 w 5470628"/>
+              <a:gd name="connsiteY30" fmla="*/ 317759 h 3193741"/>
+              <a:gd name="connsiteX31" fmla="*/ 5165084 w 5470628"/>
+              <a:gd name="connsiteY31" fmla="*/ 373367 h 3193741"/>
+              <a:gd name="connsiteX32" fmla="*/ 5174137 w 5470628"/>
+              <a:gd name="connsiteY32" fmla="*/ 389353 h 3193741"/>
+              <a:gd name="connsiteX33" fmla="*/ 5192507 w 5470628"/>
+              <a:gd name="connsiteY33" fmla="*/ 453561 h 3193741"/>
+              <a:gd name="connsiteX34" fmla="*/ 5187160 w 5470628"/>
+              <a:gd name="connsiteY34" fmla="*/ 467732 h 3193741"/>
+              <a:gd name="connsiteX35" fmla="*/ 5160106 w 5470628"/>
+              <a:gd name="connsiteY35" fmla="*/ 486904 h 3193741"/>
+              <a:gd name="connsiteX36" fmla="*/ 5138948 w 5470628"/>
+              <a:gd name="connsiteY36" fmla="*/ 528614 h 3193741"/>
+              <a:gd name="connsiteX37" fmla="*/ 5097016 w 5470628"/>
+              <a:gd name="connsiteY37" fmla="*/ 589923 h 3193741"/>
+              <a:gd name="connsiteX38" fmla="*/ 5075869 w 5470628"/>
+              <a:gd name="connsiteY38" fmla="*/ 608381 h 3193741"/>
+              <a:gd name="connsiteX39" fmla="*/ 5093172 w 5470628"/>
+              <a:gd name="connsiteY39" fmla="*/ 618385 h 3193741"/>
+              <a:gd name="connsiteX40" fmla="*/ 5153518 w 5470628"/>
+              <a:gd name="connsiteY40" fmla="*/ 687474 h 3193741"/>
+              <a:gd name="connsiteX41" fmla="*/ 5074984 w 5470628"/>
+              <a:gd name="connsiteY41" fmla="*/ 776941 h 3193741"/>
+              <a:gd name="connsiteX42" fmla="*/ 5033348 w 5470628"/>
+              <a:gd name="connsiteY42" fmla="*/ 805473 h 3193741"/>
+              <a:gd name="connsiteX43" fmla="*/ 5116847 w 5470628"/>
+              <a:gd name="connsiteY43" fmla="*/ 803426 h 3193741"/>
+              <a:gd name="connsiteX44" fmla="*/ 5147902 w 5470628"/>
+              <a:gd name="connsiteY44" fmla="*/ 833118 h 3193741"/>
+              <a:gd name="connsiteX45" fmla="*/ 5161665 w 5470628"/>
+              <a:gd name="connsiteY45" fmla="*/ 848297 h 3193741"/>
+              <a:gd name="connsiteX46" fmla="*/ 5246520 w 5470628"/>
+              <a:gd name="connsiteY46" fmla="*/ 942412 h 3193741"/>
+              <a:gd name="connsiteX47" fmla="*/ 5235368 w 5470628"/>
+              <a:gd name="connsiteY47" fmla="*/ 972946 h 3193741"/>
+              <a:gd name="connsiteX48" fmla="*/ 5113739 w 5470628"/>
+              <a:gd name="connsiteY48" fmla="*/ 1128845 h 3193741"/>
+              <a:gd name="connsiteX49" fmla="*/ 5255034 w 5470628"/>
+              <a:gd name="connsiteY49" fmla="*/ 1151117 h 3193741"/>
+              <a:gd name="connsiteX50" fmla="*/ 5267513 w 5470628"/>
+              <a:gd name="connsiteY50" fmla="*/ 1216275 h 3193741"/>
+              <a:gd name="connsiteX51" fmla="*/ 5343113 w 5470628"/>
+              <a:gd name="connsiteY51" fmla="*/ 1281854 h 3193741"/>
+              <a:gd name="connsiteX52" fmla="*/ 5452014 w 5470628"/>
+              <a:gd name="connsiteY52" fmla="*/ 1385543 h 3193741"/>
+              <a:gd name="connsiteX53" fmla="*/ 5459078 w 5470628"/>
+              <a:gd name="connsiteY53" fmla="*/ 1404268 h 3193741"/>
+              <a:gd name="connsiteX54" fmla="*/ 5458838 w 5470628"/>
+              <a:gd name="connsiteY54" fmla="*/ 1406644 h 3193741"/>
+              <a:gd name="connsiteX55" fmla="*/ 5455752 w 5470628"/>
+              <a:gd name="connsiteY55" fmla="*/ 1450751 h 3193741"/>
+              <a:gd name="connsiteX56" fmla="*/ 5454594 w 5470628"/>
+              <a:gd name="connsiteY56" fmla="*/ 1464662 h 3193741"/>
+              <a:gd name="connsiteX57" fmla="*/ 5447215 w 5470628"/>
+              <a:gd name="connsiteY57" fmla="*/ 1463321 h 3193741"/>
+              <a:gd name="connsiteX58" fmla="*/ 5433934 w 5470628"/>
+              <a:gd name="connsiteY58" fmla="*/ 1458428 h 3193741"/>
+              <a:gd name="connsiteX59" fmla="*/ 5424276 w 5470628"/>
+              <a:gd name="connsiteY59" fmla="*/ 1477014 h 3193741"/>
+              <a:gd name="connsiteX60" fmla="*/ 5444628 w 5470628"/>
+              <a:gd name="connsiteY60" fmla="*/ 1511562 h 3193741"/>
+              <a:gd name="connsiteX61" fmla="*/ 5453752 w 5470628"/>
+              <a:gd name="connsiteY61" fmla="*/ 1474786 h 3193741"/>
+              <a:gd name="connsiteX62" fmla="*/ 5454594 w 5470628"/>
+              <a:gd name="connsiteY62" fmla="*/ 1464662 h 3193741"/>
+              <a:gd name="connsiteX63" fmla="*/ 5463208 w 5470628"/>
+              <a:gd name="connsiteY63" fmla="*/ 1466226 h 3193741"/>
+              <a:gd name="connsiteX64" fmla="*/ 5463164 w 5470628"/>
+              <a:gd name="connsiteY64" fmla="*/ 1484226 h 3193741"/>
+              <a:gd name="connsiteX65" fmla="*/ 5456160 w 5470628"/>
+              <a:gd name="connsiteY65" fmla="*/ 1575885 h 3193741"/>
+              <a:gd name="connsiteX66" fmla="*/ 5345636 w 5470628"/>
+              <a:gd name="connsiteY66" fmla="*/ 1714543 h 3193741"/>
+              <a:gd name="connsiteX67" fmla="*/ 5251319 w 5470628"/>
+              <a:gd name="connsiteY67" fmla="*/ 1775792 h 3193741"/>
+              <a:gd name="connsiteX68" fmla="*/ 5043512 w 5470628"/>
+              <a:gd name="connsiteY68" fmla="*/ 2027305 h 3193741"/>
+              <a:gd name="connsiteX69" fmla="*/ 4978144 w 5470628"/>
+              <a:gd name="connsiteY69" fmla="*/ 2108535 h 3193741"/>
+              <a:gd name="connsiteX70" fmla="*/ 5031476 w 5470628"/>
+              <a:gd name="connsiteY70" fmla="*/ 2128173 h 3193741"/>
+              <a:gd name="connsiteX71" fmla="*/ 4937389 w 5470628"/>
+              <a:gd name="connsiteY71" fmla="*/ 2216441 h 3193741"/>
+              <a:gd name="connsiteX72" fmla="*/ 4826122 w 5470628"/>
+              <a:gd name="connsiteY72" fmla="*/ 2315331 h 3193741"/>
+              <a:gd name="connsiteX73" fmla="*/ 2544647 w 5470628"/>
+              <a:gd name="connsiteY73" fmla="*/ 3190975 h 3193741"/>
+              <a:gd name="connsiteX74" fmla="*/ 1328257 w 5470628"/>
+              <a:gd name="connsiteY74" fmla="*/ 3153006 h 3193741"/>
+              <a:gd name="connsiteX75" fmla="*/ 977943 w 5470628"/>
+              <a:gd name="connsiteY75" fmla="*/ 3082502 h 3193741"/>
+              <a:gd name="connsiteX76" fmla="*/ 854473 w 5470628"/>
+              <a:gd name="connsiteY76" fmla="*/ 2994250 h 3193741"/>
+              <a:gd name="connsiteX77" fmla="*/ 811593 w 5470628"/>
+              <a:gd name="connsiteY77" fmla="*/ 2970498 h 3193741"/>
+              <a:gd name="connsiteX78" fmla="*/ 707024 w 5470628"/>
+              <a:gd name="connsiteY78" fmla="*/ 2945439 h 3193741"/>
+              <a:gd name="connsiteX79" fmla="*/ 523487 w 5470628"/>
+              <a:gd name="connsiteY79" fmla="*/ 2886053 h 3193741"/>
+              <a:gd name="connsiteX80" fmla="*/ 587884 w 5470628"/>
+              <a:gd name="connsiteY80" fmla="*/ 2859746 h 3193741"/>
+              <a:gd name="connsiteX81" fmla="*/ 779426 w 5470628"/>
+              <a:gd name="connsiteY81" fmla="*/ 2885897 h 3193741"/>
+              <a:gd name="connsiteX82" fmla="*/ 917288 w 5470628"/>
+              <a:gd name="connsiteY82" fmla="*/ 2882248 h 3193741"/>
+              <a:gd name="connsiteX83" fmla="*/ 718684 w 5470628"/>
+              <a:gd name="connsiteY83" fmla="*/ 2819941 h 3193741"/>
+              <a:gd name="connsiteX84" fmla="*/ 524650 w 5470628"/>
+              <a:gd name="connsiteY84" fmla="*/ 2731220 h 3193741"/>
+              <a:gd name="connsiteX85" fmla="*/ 670138 w 5470628"/>
+              <a:gd name="connsiteY85" fmla="*/ 2735189 h 3193741"/>
+              <a:gd name="connsiteX86" fmla="*/ 675382 w 5470628"/>
+              <a:gd name="connsiteY86" fmla="*/ 2719369 h 3193741"/>
+              <a:gd name="connsiteX87" fmla="*/ 542021 w 5470628"/>
+              <a:gd name="connsiteY87" fmla="*/ 2601946 h 3193741"/>
+              <a:gd name="connsiteX88" fmla="*/ 476895 w 5470628"/>
+              <a:gd name="connsiteY88" fmla="*/ 2555976 h 3193741"/>
+              <a:gd name="connsiteX89" fmla="*/ 188751 w 5470628"/>
+              <a:gd name="connsiteY89" fmla="*/ 2428830 h 3193741"/>
+              <a:gd name="connsiteX90" fmla="*/ 456762 w 5470628"/>
+              <a:gd name="connsiteY90" fmla="*/ 2468731 h 3193741"/>
+              <a:gd name="connsiteX91" fmla="*/ 174514 w 5470628"/>
+              <a:gd name="connsiteY91" fmla="*/ 2345378 h 3193741"/>
+              <a:gd name="connsiteX92" fmla="*/ 38827 w 5470628"/>
+              <a:gd name="connsiteY92" fmla="*/ 2303685 h 3193741"/>
+              <a:gd name="connsiteX93" fmla="*/ 3281 w 5470628"/>
+              <a:gd name="connsiteY93" fmla="*/ 2273587 h 3193741"/>
+              <a:gd name="connsiteX94" fmla="*/ 61590 w 5470628"/>
+              <a:gd name="connsiteY94" fmla="*/ 2259170 h 3193741"/>
+              <a:gd name="connsiteX95" fmla="*/ 242291 w 5470628"/>
+              <a:gd name="connsiteY95" fmla="*/ 2250569 h 3193741"/>
+              <a:gd name="connsiteX96" fmla="*/ 13205 w 5470628"/>
+              <a:gd name="connsiteY96" fmla="*/ 2172263 h 3193741"/>
+              <a:gd name="connsiteX97" fmla="*/ 180810 w 5470628"/>
+              <a:gd name="connsiteY97" fmla="*/ 2168333 h 3193741"/>
+              <a:gd name="connsiteX98" fmla="*/ 226020 w 5470628"/>
+              <a:gd name="connsiteY98" fmla="*/ 2121100 h 3193741"/>
+              <a:gd name="connsiteX99" fmla="*/ 299145 w 5470628"/>
+              <a:gd name="connsiteY99" fmla="*/ 2044862 h 3193741"/>
+              <a:gd name="connsiteX100" fmla="*/ 350236 w 5470628"/>
+              <a:gd name="connsiteY100" fmla="*/ 2001187 h 3193741"/>
+              <a:gd name="connsiteX101" fmla="*/ 365223 w 5470628"/>
+              <a:gd name="connsiteY101" fmla="*/ 1881218 h 3193741"/>
+              <a:gd name="connsiteX102" fmla="*/ 310707 w 5470628"/>
+              <a:gd name="connsiteY102" fmla="*/ 1758752 h 3193741"/>
+              <a:gd name="connsiteX103" fmla="*/ 181659 w 5470628"/>
+              <a:gd name="connsiteY103" fmla="*/ 1709137 h 3193741"/>
+              <a:gd name="connsiteX104" fmla="*/ 213063 w 5470628"/>
+              <a:gd name="connsiteY104" fmla="*/ 1632021 h 3193741"/>
+              <a:gd name="connsiteX105" fmla="*/ 481390 w 5470628"/>
+              <a:gd name="connsiteY105" fmla="*/ 1644125 h 3193741"/>
+              <a:gd name="connsiteX106" fmla="*/ 68930 w 5470628"/>
+              <a:gd name="connsiteY106" fmla="*/ 1457537 h 3193741"/>
+              <a:gd name="connsiteX107" fmla="*/ 135138 w 5470628"/>
+              <a:gd name="connsiteY107" fmla="*/ 1440976 h 3193741"/>
+              <a:gd name="connsiteX108" fmla="*/ 131611 w 5470628"/>
+              <a:gd name="connsiteY108" fmla="*/ 1427642 h 3193741"/>
+              <a:gd name="connsiteX109" fmla="*/ 130443 w 5470628"/>
+              <a:gd name="connsiteY109" fmla="*/ 1343795 h 3193741"/>
+              <a:gd name="connsiteX110" fmla="*/ 138930 w 5470628"/>
+              <a:gd name="connsiteY110" fmla="*/ 1304094 h 3193741"/>
+              <a:gd name="connsiteX111" fmla="*/ 118409 w 5470628"/>
+              <a:gd name="connsiteY111" fmla="*/ 1262212 h 3193741"/>
+              <a:gd name="connsiteX112" fmla="*/ 421410 w 5470628"/>
+              <a:gd name="connsiteY112" fmla="*/ 1304757 h 3193741"/>
+              <a:gd name="connsiteX113" fmla="*/ 655702 w 5470628"/>
+              <a:gd name="connsiteY113" fmla="*/ 1291801 h 3193741"/>
+              <a:gd name="connsiteX114" fmla="*/ 648299 w 5470628"/>
+              <a:gd name="connsiteY114" fmla="*/ 1287715 h 3193741"/>
+              <a:gd name="connsiteX115" fmla="*/ 531027 w 5470628"/>
+              <a:gd name="connsiteY115" fmla="*/ 1193967 h 3193741"/>
+              <a:gd name="connsiteX116" fmla="*/ 526433 w 5470628"/>
+              <a:gd name="connsiteY116" fmla="*/ 1191913 h 3193741"/>
+              <a:gd name="connsiteX117" fmla="*/ 504666 w 5470628"/>
+              <a:gd name="connsiteY117" fmla="*/ 1177230 h 3193741"/>
+              <a:gd name="connsiteX118" fmla="*/ 482307 w 5470628"/>
+              <a:gd name="connsiteY118" fmla="*/ 1162618 h 3193741"/>
+              <a:gd name="connsiteX119" fmla="*/ 479029 w 5470628"/>
+              <a:gd name="connsiteY119" fmla="*/ 1162540 h 3193741"/>
+              <a:gd name="connsiteX120" fmla="*/ 447663 w 5470628"/>
+              <a:gd name="connsiteY120" fmla="*/ 1132649 h 3193741"/>
+              <a:gd name="connsiteX121" fmla="*/ 438547 w 5470628"/>
+              <a:gd name="connsiteY121" fmla="*/ 1110977 h 3193741"/>
+              <a:gd name="connsiteX122" fmla="*/ 405343 w 5470628"/>
+              <a:gd name="connsiteY122" fmla="*/ 1089612 h 3193741"/>
+              <a:gd name="connsiteX123" fmla="*/ 371373 w 5470628"/>
+              <a:gd name="connsiteY123" fmla="*/ 1070238 h 3193741"/>
+              <a:gd name="connsiteX124" fmla="*/ 290358 w 5470628"/>
+              <a:gd name="connsiteY124" fmla="*/ 1059884 h 3193741"/>
+              <a:gd name="connsiteX125" fmla="*/ 235140 w 5470628"/>
+              <a:gd name="connsiteY125" fmla="*/ 1029322 h 3193741"/>
+              <a:gd name="connsiteX126" fmla="*/ 300494 w 5470628"/>
+              <a:gd name="connsiteY126" fmla="*/ 1032083 h 3193741"/>
+              <a:gd name="connsiteX127" fmla="*/ 239661 w 5470628"/>
+              <a:gd name="connsiteY127" fmla="*/ 997457 h 3193741"/>
+              <a:gd name="connsiteX128" fmla="*/ 204788 w 5470628"/>
+              <a:gd name="connsiteY128" fmla="*/ 959211 h 3193741"/>
+              <a:gd name="connsiteX129" fmla="*/ 207583 w 5470628"/>
+              <a:gd name="connsiteY129" fmla="*/ 947009 h 3193741"/>
+              <a:gd name="connsiteX130" fmla="*/ 223061 w 5470628"/>
+              <a:gd name="connsiteY130" fmla="*/ 947033 h 3193741"/>
+              <a:gd name="connsiteX131" fmla="*/ 280015 w 5470628"/>
+              <a:gd name="connsiteY131" fmla="*/ 972164 h 3193741"/>
+              <a:gd name="connsiteX132" fmla="*/ 353948 w 5470628"/>
+              <a:gd name="connsiteY132" fmla="*/ 1006865 h 3193741"/>
+              <a:gd name="connsiteX133" fmla="*/ 240466 w 5470628"/>
+              <a:gd name="connsiteY133" fmla="*/ 939943 h 3193741"/>
+              <a:gd name="connsiteX134" fmla="*/ 158812 w 5470628"/>
+              <a:gd name="connsiteY134" fmla="*/ 891467 h 3193741"/>
+              <a:gd name="connsiteX135" fmla="*/ 139551 w 5470628"/>
+              <a:gd name="connsiteY135" fmla="*/ 855364 h 3193741"/>
+              <a:gd name="connsiteX136" fmla="*/ 145731 w 5470628"/>
+              <a:gd name="connsiteY136" fmla="*/ 844888 h 3193741"/>
+              <a:gd name="connsiteX137" fmla="*/ 158154 w 5470628"/>
+              <a:gd name="connsiteY137" fmla="*/ 848366 h 3193741"/>
+              <a:gd name="connsiteX138" fmla="*/ 169370 w 5470628"/>
+              <a:gd name="connsiteY138" fmla="*/ 856260 h 3193741"/>
+              <a:gd name="connsiteX139" fmla="*/ 288295 w 5470628"/>
+              <a:gd name="connsiteY139" fmla="*/ 915169 h 3193741"/>
+              <a:gd name="connsiteX140" fmla="*/ 462694 w 5470628"/>
+              <a:gd name="connsiteY140" fmla="*/ 994643 h 3193741"/>
+              <a:gd name="connsiteX141" fmla="*/ 531910 w 5470628"/>
+              <a:gd name="connsiteY141" fmla="*/ 1006664 h 3193741"/>
+              <a:gd name="connsiteX142" fmla="*/ 333940 w 5470628"/>
+              <a:gd name="connsiteY142" fmla="*/ 893507 h 3193741"/>
+              <a:gd name="connsiteX143" fmla="*/ 181443 w 5470628"/>
+              <a:gd name="connsiteY143" fmla="*/ 746608 h 3193741"/>
+              <a:gd name="connsiteX144" fmla="*/ 162678 w 5470628"/>
+              <a:gd name="connsiteY144" fmla="*/ 737018 h 3193741"/>
+              <a:gd name="connsiteX145" fmla="*/ 156307 w 5470628"/>
+              <a:gd name="connsiteY145" fmla="*/ 730435 h 3193741"/>
+              <a:gd name="connsiteX146" fmla="*/ 117227 w 5470628"/>
+              <a:gd name="connsiteY146" fmla="*/ 677515 h 3193741"/>
+              <a:gd name="connsiteX147" fmla="*/ 113655 w 5470628"/>
+              <a:gd name="connsiteY147" fmla="*/ 663474 h 3193741"/>
+              <a:gd name="connsiteX148" fmla="*/ 115226 w 5470628"/>
+              <a:gd name="connsiteY148" fmla="*/ 636712 h 3193741"/>
+              <a:gd name="connsiteX149" fmla="*/ 105067 w 5470628"/>
+              <a:gd name="connsiteY149" fmla="*/ 622046 h 3193741"/>
+              <a:gd name="connsiteX150" fmla="*/ 104113 w 5470628"/>
+              <a:gd name="connsiteY150" fmla="*/ 611722 h 3193741"/>
+              <a:gd name="connsiteX151" fmla="*/ 118895 w 5470628"/>
+              <a:gd name="connsiteY151" fmla="*/ 610169 h 3193741"/>
+              <a:gd name="connsiteX152" fmla="*/ 163095 w 5470628"/>
+              <a:gd name="connsiteY152" fmla="*/ 640642 h 3193741"/>
+              <a:gd name="connsiteX153" fmla="*/ 185766 w 5470628"/>
+              <a:gd name="connsiteY153" fmla="*/ 641454 h 3193741"/>
+              <a:gd name="connsiteX154" fmla="*/ 212892 w 5470628"/>
+              <a:gd name="connsiteY154" fmla="*/ 637457 h 3193741"/>
+              <a:gd name="connsiteX155" fmla="*/ 223932 w 5470628"/>
+              <a:gd name="connsiteY155" fmla="*/ 647271 h 3193741"/>
+              <a:gd name="connsiteX156" fmla="*/ 287167 w 5470628"/>
+              <a:gd name="connsiteY156" fmla="*/ 691571 h 3193741"/>
+              <a:gd name="connsiteX157" fmla="*/ 330380 w 5470628"/>
+              <a:gd name="connsiteY157" fmla="*/ 692506 h 3193741"/>
+              <a:gd name="connsiteX158" fmla="*/ 296172 w 5470628"/>
+              <a:gd name="connsiteY158" fmla="*/ 688108 h 3193741"/>
+              <a:gd name="connsiteX159" fmla="*/ 286974 w 5470628"/>
+              <a:gd name="connsiteY159" fmla="*/ 674512 h 3193741"/>
+              <a:gd name="connsiteX160" fmla="*/ 286166 w 5470628"/>
+              <a:gd name="connsiteY160" fmla="*/ 661798 h 3193741"/>
+              <a:gd name="connsiteX161" fmla="*/ 236268 w 5470628"/>
+              <a:gd name="connsiteY161" fmla="*/ 635338 h 3193741"/>
+              <a:gd name="connsiteX162" fmla="*/ 231734 w 5470628"/>
+              <a:gd name="connsiteY162" fmla="*/ 634225 h 3193741"/>
+              <a:gd name="connsiteX163" fmla="*/ 221253 w 5470628"/>
+              <a:gd name="connsiteY163" fmla="*/ 623870 h 3193741"/>
+              <a:gd name="connsiteX164" fmla="*/ 237564 w 5470628"/>
+              <a:gd name="connsiteY164" fmla="*/ 613590 h 3193741"/>
+              <a:gd name="connsiteX165" fmla="*/ 282259 w 5470628"/>
+              <a:gd name="connsiteY165" fmla="*/ 619091 h 3193741"/>
+              <a:gd name="connsiteX166" fmla="*/ 370630 w 5470628"/>
+              <a:gd name="connsiteY166" fmla="*/ 665566 h 3193741"/>
+              <a:gd name="connsiteX167" fmla="*/ 498017 w 5470628"/>
+              <a:gd name="connsiteY167" fmla="*/ 740532 h 3193741"/>
+              <a:gd name="connsiteX168" fmla="*/ 918036 w 5470628"/>
+              <a:gd name="connsiteY168" fmla="*/ 924307 h 3193741"/>
+              <a:gd name="connsiteX169" fmla="*/ 1079304 w 5470628"/>
+              <a:gd name="connsiteY169" fmla="*/ 984494 h 3193741"/>
+              <a:gd name="connsiteX170" fmla="*/ 1079935 w 5470628"/>
+              <a:gd name="connsiteY170" fmla="*/ 980383 h 3193741"/>
+              <a:gd name="connsiteX171" fmla="*/ 1079695 w 5470628"/>
+              <a:gd name="connsiteY171" fmla="*/ 976616 h 3193741"/>
+              <a:gd name="connsiteX172" fmla="*/ 966178 w 5470628"/>
+              <a:gd name="connsiteY172" fmla="*/ 937219 h 3193741"/>
+              <a:gd name="connsiteX173" fmla="*/ 720106 w 5470628"/>
+              <a:gd name="connsiteY173" fmla="*/ 807112 h 3193741"/>
+              <a:gd name="connsiteX174" fmla="*/ 698823 w 5470628"/>
+              <a:gd name="connsiteY174" fmla="*/ 804708 h 3193741"/>
+              <a:gd name="connsiteX175" fmla="*/ 664513 w 5470628"/>
+              <a:gd name="connsiteY175" fmla="*/ 784663 h 3193741"/>
+              <a:gd name="connsiteX176" fmla="*/ 660380 w 5470628"/>
+              <a:gd name="connsiteY176" fmla="*/ 771165 h 3193741"/>
+              <a:gd name="connsiteX177" fmla="*/ 584959 w 5470628"/>
+              <a:gd name="connsiteY177" fmla="*/ 722409 h 3193741"/>
+              <a:gd name="connsiteX178" fmla="*/ 435649 w 5470628"/>
+              <a:gd name="connsiteY178" fmla="*/ 639659 h 3193741"/>
+              <a:gd name="connsiteX179" fmla="*/ 404944 w 5470628"/>
+              <a:gd name="connsiteY179" fmla="*/ 606128 h 3193741"/>
+              <a:gd name="connsiteX180" fmla="*/ 408476 w 5470628"/>
+              <a:gd name="connsiteY180" fmla="*/ 591466 h 3193741"/>
+              <a:gd name="connsiteX181" fmla="*/ 425225 w 5470628"/>
+              <a:gd name="connsiteY181" fmla="*/ 592759 h 3193741"/>
+              <a:gd name="connsiteX182" fmla="*/ 487115 w 5470628"/>
+              <a:gd name="connsiteY182" fmla="*/ 620614 h 3193741"/>
+              <a:gd name="connsiteX183" fmla="*/ 550277 w 5470628"/>
+              <a:gd name="connsiteY183" fmla="*/ 649738 h 3193741"/>
+              <a:gd name="connsiteX184" fmla="*/ 544421 w 5470628"/>
+              <a:gd name="connsiteY184" fmla="*/ 641907 h 3193741"/>
+              <a:gd name="connsiteX185" fmla="*/ 431905 w 5470628"/>
+              <a:gd name="connsiteY185" fmla="*/ 580799 h 3193741"/>
+              <a:gd name="connsiteX186" fmla="*/ 351177 w 5470628"/>
+              <a:gd name="connsiteY186" fmla="*/ 528177 h 3193741"/>
+              <a:gd name="connsiteX187" fmla="*/ 339749 w 5470628"/>
+              <a:gd name="connsiteY187" fmla="*/ 498244 h 3193741"/>
+              <a:gd name="connsiteX188" fmla="*/ 346313 w 5470628"/>
+              <a:gd name="connsiteY188" fmla="*/ 489145 h 3193741"/>
+              <a:gd name="connsiteX189" fmla="*/ 356579 w 5470628"/>
+              <a:gd name="connsiteY189" fmla="*/ 491460 h 3193741"/>
+              <a:gd name="connsiteX190" fmla="*/ 371505 w 5470628"/>
+              <a:gd name="connsiteY190" fmla="*/ 501516 h 3193741"/>
+              <a:gd name="connsiteX191" fmla="*/ 476275 w 5470628"/>
+              <a:gd name="connsiteY191" fmla="*/ 553122 h 3193741"/>
+              <a:gd name="connsiteX192" fmla="*/ 649952 w 5470628"/>
+              <a:gd name="connsiteY192" fmla="*/ 635294 h 3193741"/>
+              <a:gd name="connsiteX193" fmla="*/ 727161 w 5470628"/>
+              <a:gd name="connsiteY193" fmla="*/ 651328 h 3193741"/>
+              <a:gd name="connsiteX194" fmla="*/ 722417 w 5470628"/>
+              <a:gd name="connsiteY194" fmla="*/ 646921 h 3193741"/>
+              <a:gd name="connsiteX195" fmla="*/ 546079 w 5470628"/>
+              <a:gd name="connsiteY195" fmla="*/ 546328 h 3193741"/>
+              <a:gd name="connsiteX196" fmla="*/ 378182 w 5470628"/>
+              <a:gd name="connsiteY196" fmla="*/ 386585 h 3193741"/>
+              <a:gd name="connsiteX197" fmla="*/ 370158 w 5470628"/>
+              <a:gd name="connsiteY197" fmla="*/ 382100 h 3193741"/>
+              <a:gd name="connsiteX198" fmla="*/ 357861 w 5470628"/>
+              <a:gd name="connsiteY198" fmla="*/ 371252 h 3193741"/>
+              <a:gd name="connsiteX199" fmla="*/ 331313 w 5470628"/>
+              <a:gd name="connsiteY199" fmla="*/ 328203 h 3193741"/>
+              <a:gd name="connsiteX200" fmla="*/ 319354 w 5470628"/>
+              <a:gd name="connsiteY200" fmla="*/ 299282 h 3193741"/>
+              <a:gd name="connsiteX201" fmla="*/ 319682 w 5470628"/>
+              <a:gd name="connsiteY201" fmla="*/ 285719 h 3193741"/>
+              <a:gd name="connsiteX202" fmla="*/ 306391 w 5470628"/>
+              <a:gd name="connsiteY202" fmla="*/ 268585 h 3193741"/>
+              <a:gd name="connsiteX203" fmla="*/ 303294 w 5470628"/>
+              <a:gd name="connsiteY203" fmla="*/ 257334 h 3193741"/>
+              <a:gd name="connsiteX204" fmla="*/ 319242 w 5470628"/>
+              <a:gd name="connsiteY204" fmla="*/ 255403 h 3193741"/>
+              <a:gd name="connsiteX205" fmla="*/ 364093 w 5470628"/>
+              <a:gd name="connsiteY205" fmla="*/ 286745 h 3193741"/>
+              <a:gd name="connsiteX206" fmla="*/ 385301 w 5470628"/>
+              <a:gd name="connsiteY206" fmla="*/ 287973 h 3193741"/>
+              <a:gd name="connsiteX207" fmla="*/ 417598 w 5470628"/>
+              <a:gd name="connsiteY207" fmla="*/ 285722 h 3193741"/>
+              <a:gd name="connsiteX208" fmla="*/ 440155 w 5470628"/>
+              <a:gd name="connsiteY208" fmla="*/ 308139 h 3193741"/>
+              <a:gd name="connsiteX209" fmla="*/ 534406 w 5470628"/>
+              <a:gd name="connsiteY209" fmla="*/ 339430 h 3193741"/>
+              <a:gd name="connsiteX210" fmla="*/ 495633 w 5470628"/>
+              <a:gd name="connsiteY210" fmla="*/ 333450 h 3193741"/>
+              <a:gd name="connsiteX211" fmla="*/ 486289 w 5470628"/>
+              <a:gd name="connsiteY211" fmla="*/ 322243 h 3193741"/>
+              <a:gd name="connsiteX212" fmla="*/ 484000 w 5470628"/>
+              <a:gd name="connsiteY212" fmla="*/ 304964 h 3193741"/>
+              <a:gd name="connsiteX213" fmla="*/ 436911 w 5470628"/>
+              <a:gd name="connsiteY213" fmla="*/ 280536 h 3193741"/>
+              <a:gd name="connsiteX214" fmla="*/ 426865 w 5470628"/>
+              <a:gd name="connsiteY214" fmla="*/ 277007 h 3193741"/>
+              <a:gd name="connsiteX215" fmla="*/ 420654 w 5470628"/>
+              <a:gd name="connsiteY215" fmla="*/ 268269 h 3193741"/>
+              <a:gd name="connsiteX216" fmla="*/ 432329 w 5470628"/>
+              <a:gd name="connsiteY216" fmla="*/ 259975 h 3193741"/>
+              <a:gd name="connsiteX217" fmla="*/ 447672 w 5470628"/>
+              <a:gd name="connsiteY217" fmla="*/ 257879 h 3193741"/>
+              <a:gd name="connsiteX218" fmla="*/ 502242 w 5470628"/>
+              <a:gd name="connsiteY218" fmla="*/ 273572 h 3193741"/>
+              <a:gd name="connsiteX219" fmla="*/ 659874 w 5470628"/>
+              <a:gd name="connsiteY219" fmla="*/ 365516 h 3193741"/>
+              <a:gd name="connsiteX220" fmla="*/ 829177 w 5470628"/>
+              <a:gd name="connsiteY220" fmla="*/ 444421 h 3193741"/>
+              <a:gd name="connsiteX221" fmla="*/ 1231903 w 5470628"/>
+              <a:gd name="connsiteY221" fmla="*/ 613682 h 3193741"/>
+              <a:gd name="connsiteX222" fmla="*/ 1911736 w 5470628"/>
+              <a:gd name="connsiteY222" fmla="*/ 685084 h 3193741"/>
+              <a:gd name="connsiteX223" fmla="*/ 2564313 w 5470628"/>
+              <a:gd name="connsiteY223" fmla="*/ 632143 h 3193741"/>
+              <a:gd name="connsiteX224" fmla="*/ 2657304 w 5470628"/>
+              <a:gd name="connsiteY224" fmla="*/ 624913 h 3193741"/>
+              <a:gd name="connsiteX225" fmla="*/ 4235818 w 5470628"/>
+              <a:gd name="connsiteY225" fmla="*/ 259339 h 3193741"/>
+              <a:gd name="connsiteX226" fmla="*/ 4460331 w 5470628"/>
+              <a:gd name="connsiteY226" fmla="*/ 176864 h 3193741"/>
+              <a:gd name="connsiteX227" fmla="*/ 4499578 w 5470628"/>
+              <a:gd name="connsiteY227" fmla="*/ 186791 h 3193741"/>
+              <a:gd name="connsiteX228" fmla="*/ 4514640 w 5470628"/>
+              <a:gd name="connsiteY228" fmla="*/ 188841 h 3193741"/>
+              <a:gd name="connsiteX229" fmla="*/ 4516523 w 5470628"/>
+              <a:gd name="connsiteY229" fmla="*/ 189988 h 3193741"/>
+              <a:gd name="connsiteX230" fmla="*/ 4518126 w 5470628"/>
+              <a:gd name="connsiteY230" fmla="*/ 189316 h 3193741"/>
+              <a:gd name="connsiteX231" fmla="*/ 4514640 w 5470628"/>
+              <a:gd name="connsiteY231" fmla="*/ 188841 h 3193741"/>
+              <a:gd name="connsiteX232" fmla="*/ 4511569 w 5470628"/>
+              <a:gd name="connsiteY232" fmla="*/ 186970 h 3193741"/>
+              <a:gd name="connsiteX233" fmla="*/ 4510888 w 5470628"/>
+              <a:gd name="connsiteY233" fmla="*/ 180943 h 3193741"/>
+              <a:gd name="connsiteX234" fmla="*/ 4531865 w 5470628"/>
+              <a:gd name="connsiteY234" fmla="*/ 155151 h 3193741"/>
+              <a:gd name="connsiteX235" fmla="*/ 4573441 w 5470628"/>
+              <a:gd name="connsiteY235" fmla="*/ 139676 h 3193741"/>
+              <a:gd name="connsiteX236" fmla="*/ 4594964 w 5470628"/>
+              <a:gd name="connsiteY236" fmla="*/ 145847 h 3193741"/>
+              <a:gd name="connsiteX237" fmla="*/ 4623059 w 5470628"/>
+              <a:gd name="connsiteY237" fmla="*/ 152410 h 3193741"/>
+              <a:gd name="connsiteX238" fmla="*/ 4748356 w 5470628"/>
+              <a:gd name="connsiteY238" fmla="*/ 68192 h 3193741"/>
+              <a:gd name="connsiteX239" fmla="*/ 4833812 w 5470628"/>
+              <a:gd name="connsiteY239" fmla="*/ 8017 h 3193741"/>
+              <a:gd name="connsiteX240" fmla="*/ 4850908 w 5470628"/>
+              <a:gd name="connsiteY240" fmla="*/ 727 h 3193741"/>
+            </a:gdLst>
+            <a:ahLst/>
+            <a:cxnLst>
+              <a:cxn ang="0">
+                <a:pos x="connsiteX0" y="connsiteY0"/>
+              </a:cxn>
+              <a:cxn ang="0">
+                <a:pos x="connsiteX1" y="connsiteY1"/>
+              </a:cxn>
+              <a:cxn ang="0">
+                <a:pos x="connsiteX2" y="connsiteY2"/>
+              </a:cxn>
+              <a:cxn ang="0">
+                <a:pos x="connsiteX3" y="connsiteY3"/>
+              </a:cxn>
+              <a:cxn ang="0">
+                <a:pos x="connsiteX4" y="connsiteY4"/>
+              </a:cxn>
+              <a:cxn ang="0">
+                <a:pos x="connsiteX5" y="connsiteY5"/>
+              </a:cxn>
+              <a:cxn ang="0">
+                <a:pos x="connsiteX6" y="connsiteY6"/>
+              </a:cxn>
+              <a:cxn ang="0">
+                <a:pos x="connsiteX7" y="connsiteY7"/>
+              </a:cxn>
+              <a:cxn ang="0">
+                <a:pos x="connsiteX8" y="connsiteY8"/>
+              </a:cxn>
+              <a:cxn ang="0">
+                <a:pos x="connsiteX9" y="connsiteY9"/>
+              </a:cxn>
+              <a:cxn ang="0">
+                <a:pos x="connsiteX10" y="connsiteY10"/>
+              </a:cxn>
+              <a:cxn ang="0">
+                <a:pos x="connsiteX11" y="connsiteY11"/>
+              </a:cxn>
+              <a:cxn ang="0">
+                <a:pos x="connsiteX12" y="connsiteY12"/>
+              </a:cxn>
+              <a:cxn ang="0">
+                <a:pos x="connsiteX13" y="connsiteY13"/>
+              </a:cxn>
+              <a:cxn ang="0">
+                <a:pos x="connsiteX14" y="connsiteY14"/>
+              </a:cxn>
+              <a:cxn ang="0">
+                <a:pos x="connsiteX15" y="connsiteY15"/>
+              </a:cxn>
+              <a:cxn ang="0">
+                <a:pos x="connsiteX16" y="connsiteY16"/>
+              </a:cxn>
+              <a:cxn ang="0">
+                <a:pos x="connsiteX17" y="connsiteY17"/>
+              </a:cxn>
+              <a:cxn ang="0">
+                <a:pos x="connsiteX18" y="connsiteY18"/>
+              </a:cxn>
+              <a:cxn ang="0">
+                <a:pos x="connsiteX19" y="connsiteY19"/>
+              </a:cxn>
+              <a:cxn ang="0">
+                <a:pos x="connsiteX20" y="connsiteY20"/>
+              </a:cxn>
+              <a:cxn ang="0">
+                <a:pos x="connsiteX21" y="connsiteY21"/>
+              </a:cxn>
+              <a:cxn ang="0">
+                <a:pos x="connsiteX22" y="connsiteY22"/>
+              </a:cxn>
+              <a:cxn ang="0">
+                <a:pos x="connsiteX23" y="connsiteY23"/>
+              </a:cxn>
+              <a:cxn ang="0">
+                <a:pos x="connsiteX24" y="connsiteY24"/>
+              </a:cxn>
+              <a:cxn ang="0">
+                <a:pos x="connsiteX25" y="connsiteY25"/>
+              </a:cxn>
+              <a:cxn ang="0">
+                <a:pos x="connsiteX26" y="connsiteY26"/>
+              </a:cxn>
+              <a:cxn ang="0">
+                <a:pos x="connsiteX27" y="connsiteY27"/>
+              </a:cxn>
+              <a:cxn ang="0">
+                <a:pos x="connsiteX28" y="connsiteY28"/>
+              </a:cxn>
+              <a:cxn ang="0">
+                <a:pos x="connsiteX29" y="connsiteY29"/>
+              </a:cxn>
+              <a:cxn ang="0">
+                <a:pos x="connsiteX30" y="connsiteY30"/>
+              </a:cxn>
+              <a:cxn ang="0">
+                <a:pos x="connsiteX31" y="connsiteY31"/>
+              </a:cxn>
+              <a:cxn ang="0">
+                <a:pos x="connsiteX32" y="connsiteY32"/>
+              </a:cxn>
+              <a:cxn ang="0">
+                <a:pos x="connsiteX33" y="connsiteY33"/>
+              </a:cxn>
+              <a:cxn ang="0">
+                <a:pos x="connsiteX34" y="connsiteY34"/>
+              </a:cxn>
+              <a:cxn ang="0">
+                <a:pos x="connsiteX35" y="connsiteY35"/>
+              </a:cxn>
+              <a:cxn ang="0">
+                <a:pos x="connsiteX36" y="connsiteY36"/>
+              </a:cxn>
+              <a:cxn ang="0">
+                <a:pos x="connsiteX37" y="connsiteY37"/>
+              </a:cxn>
+              <a:cxn ang="0">
+                <a:pos x="connsiteX38" y="connsiteY38"/>
+              </a:cxn>
+              <a:cxn ang="0">
+                <a:pos x="connsiteX39" y="connsiteY39"/>
+              </a:cxn>
+              <a:cxn ang="0">
+                <a:pos x="connsiteX40" y="connsiteY40"/>
+              </a:cxn>
+              <a:cxn ang="0">
+                <a:pos x="connsiteX41" y="connsiteY41"/>
+              </a:cxn>
+              <a:cxn ang="0">
+                <a:pos x="connsiteX42" y="connsiteY42"/>
+              </a:cxn>
+              <a:cxn ang="0">
+                <a:pos x="connsiteX43" y="connsiteY43"/>
+              </a:cxn>
+              <a:cxn ang="0">
+                <a:pos x="connsiteX44" y="connsiteY44"/>
+              </a:cxn>
+              <a:cxn ang="0">
+                <a:pos x="connsiteX45" y="connsiteY45"/>
+              </a:cxn>
+              <a:cxn ang="0">
+                <a:pos x="connsiteX46" y="connsiteY46"/>
+              </a:cxn>
+              <a:cxn ang="0">
+                <a:pos x="connsiteX47" y="connsiteY47"/>
+              </a:cxn>
+              <a:cxn ang="0">
+                <a:pos x="connsiteX48" y="connsiteY48"/>
+              </a:cxn>
+              <a:cxn ang="0">
+                <a:pos x="connsiteX49" y="connsiteY49"/>
+              </a:cxn>
+              <a:cxn ang="0">
+                <a:pos x="connsiteX50" y="connsiteY50"/>
+              </a:cxn>
+              <a:cxn ang="0">
+                <a:pos x="connsiteX51" y="connsiteY51"/>
+              </a:cxn>
+              <a:cxn ang="0">
+                <a:pos x="connsiteX52" y="connsiteY52"/>
+              </a:cxn>
+              <a:cxn ang="0">
+                <a:pos x="connsiteX53" y="connsiteY53"/>
+              </a:cxn>
+              <a:cxn ang="0">
+                <a:pos x="connsiteX54" y="connsiteY54"/>
+              </a:cxn>
+              <a:cxn ang="0">
+                <a:pos x="connsiteX55" y="connsiteY55"/>
+              </a:cxn>
+              <a:cxn ang="0">
+                <a:pos x="connsiteX56" y="connsiteY56"/>
+              </a:cxn>
+              <a:cxn ang="0">
+                <a:pos x="connsiteX57" y="connsiteY57"/>
+              </a:cxn>
+              <a:cxn ang="0">
+                <a:pos x="connsiteX58" y="connsiteY58"/>
+              </a:cxn>
+              <a:cxn ang="0">
+                <a:pos x="connsiteX59" y="connsiteY59"/>
+              </a:cxn>
+              <a:cxn ang="0">
+                <a:pos x="connsiteX60" y="connsiteY60"/>
+              </a:cxn>
+              <a:cxn ang="0">
+                <a:pos x="connsiteX61" y="connsiteY61"/>
+              </a:cxn>
+              <a:cxn ang="0">
+                <a:pos x="connsiteX62" y="connsiteY62"/>
+              </a:cxn>
+              <a:cxn ang="0">
+                <a:pos x="connsiteX63" y="connsiteY63"/>
+              </a:cxn>
+              <a:cxn ang="0">
+                <a:pos x="connsiteX64" y="connsiteY64"/>
+              </a:cxn>
+              <a:cxn ang="0">
+                <a:pos x="connsiteX65" y="connsiteY65"/>
+              </a:cxn>
+              <a:cxn ang="0">
+                <a:pos x="connsiteX66" y="connsiteY66"/>
+              </a:cxn>
+              <a:cxn ang="0">
+                <a:pos x="connsiteX67" y="connsiteY67"/>
+              </a:cxn>
+              <a:cxn ang="0">
+                <a:pos x="connsiteX68" y="connsiteY68"/>
+              </a:cxn>
+              <a:cxn ang="0">
+                <a:pos x="connsiteX69" y="connsiteY69"/>
+              </a:cxn>
+              <a:cxn ang="0">
+                <a:pos x="connsiteX70" y="connsiteY70"/>
+              </a:cxn>
+              <a:cxn ang="0">
+                <a:pos x="connsiteX71" y="connsiteY71"/>
+              </a:cxn>
+              <a:cxn ang="0">
+                <a:pos x="connsiteX72" y="connsiteY72"/>
+              </a:cxn>
+              <a:cxn ang="0">
+                <a:pos x="connsiteX73" y="connsiteY73"/>
+              </a:cxn>
+              <a:cxn ang="0">
+                <a:pos x="connsiteX74" y="connsiteY74"/>
+              </a:cxn>
+              <a:cxn ang="0">
+                <a:pos x="connsiteX75" y="connsiteY75"/>
+              </a:cxn>
+              <a:cxn ang="0">
+                <a:pos x="connsiteX76" y="connsiteY76"/>
+              </a:cxn>
+              <a:cxn ang="0">
+                <a:pos x="connsiteX77" y="connsiteY77"/>
+              </a:cxn>
+              <a:cxn ang="0">
+                <a:pos x="connsiteX78" y="connsiteY78"/>
+              </a:cxn>
+              <a:cxn ang="0">
+                <a:pos x="connsiteX79" y="connsiteY79"/>
+              </a:cxn>
+              <a:cxn ang="0">
+                <a:pos x="connsiteX80" y="connsiteY80"/>
+              </a:cxn>
+              <a:cxn ang="0">
+                <a:pos x="connsiteX81" y="connsiteY81"/>
+              </a:cxn>
+              <a:cxn ang="0">
+                <a:pos x="connsiteX82" y="connsiteY82"/>
+              </a:cxn>
+              <a:cxn ang="0">
+                <a:pos x="connsiteX83" y="connsiteY83"/>
+              </a:cxn>
+              <a:cxn ang="0">
+                <a:pos x="connsiteX84" y="connsiteY84"/>
+              </a:cxn>
+              <a:cxn ang="0">
+                <a:pos x="connsiteX85" y="connsiteY85"/>
+              </a:cxn>
+              <a:cxn ang="0">
+                <a:pos x="connsiteX86" y="connsiteY86"/>
+              </a:cxn>
+              <a:cxn ang="0">
+                <a:pos x="connsiteX87" y="connsiteY87"/>
+              </a:cxn>
+              <a:cxn ang="0">
+                <a:pos x="connsiteX88" y="connsiteY88"/>
+              </a:cxn>
+              <a:cxn ang="0">
+                <a:pos x="connsiteX89" y="connsiteY89"/>
+              </a:cxn>
+              <a:cxn ang="0">
+                <a:pos x="connsiteX90" y="connsiteY90"/>
+              </a:cxn>
+              <a:cxn ang="0">
+                <a:pos x="connsiteX91" y="connsiteY91"/>
+              </a:cxn>
+              <a:cxn ang="0">
+                <a:pos x="connsiteX92" y="connsiteY92"/>
+              </a:cxn>
+              <a:cxn ang="0">
+                <a:pos x="connsiteX93" y="connsiteY93"/>
+              </a:cxn>
+              <a:cxn ang="0">
+                <a:pos x="connsiteX94" y="connsiteY94"/>
+              </a:cxn>
+              <a:cxn ang="0">
+                <a:pos x="connsiteX95" y="connsiteY95"/>
+              </a:cxn>
+              <a:cxn ang="0">
+                <a:pos x="connsiteX96" y="connsiteY96"/>
+              </a:cxn>
+              <a:cxn ang="0">
+                <a:pos x="connsiteX97" y="connsiteY97"/>
+              </a:cxn>
+              <a:cxn ang="0">
+                <a:pos x="connsiteX98" y="connsiteY98"/>
+              </a:cxn>
+              <a:cxn ang="0">
+                <a:pos x="connsiteX99" y="connsiteY99"/>
+              </a:cxn>
+              <a:cxn ang="0">
+                <a:pos x="connsiteX100" y="connsiteY100"/>
+              </a:cxn>
+              <a:cxn ang="0">
+                <a:pos x="connsiteX101" y="connsiteY101"/>
+              </a:cxn>
+              <a:cxn ang="0">
+                <a:pos x="connsiteX102" y="connsiteY102"/>
+              </a:cxn>
+              <a:cxn ang="0">
+                <a:pos x="connsiteX103" y="connsiteY103"/>
+              </a:cxn>
+              <a:cxn ang="0">
+                <a:pos x="connsiteX104" y="connsiteY104"/>
+              </a:cxn>
+              <a:cxn ang="0">
+                <a:pos x="connsiteX105" y="connsiteY105"/>
+              </a:cxn>
+              <a:cxn ang="0">
+                <a:pos x="connsiteX106" y="connsiteY106"/>
+              </a:cxn>
+              <a:cxn ang="0">
+                <a:pos x="connsiteX107" y="connsiteY107"/>
+              </a:cxn>
+              <a:cxn ang="0">
+                <a:pos x="connsiteX108" y="connsiteY108"/>
+              </a:cxn>
+              <a:cxn ang="0">
+                <a:pos x="connsiteX109" y="connsiteY109"/>
+              </a:cxn>
+              <a:cxn ang="0">
+                <a:pos x="connsiteX110" y="connsiteY110"/>
+              </a:cxn>
+              <a:cxn ang="0">
+                <a:pos x="connsiteX111" y="connsiteY111"/>
+              </a:cxn>
+              <a:cxn ang="0">
+                <a:pos x="connsiteX112" y="connsiteY112"/>
+              </a:cxn>
+              <a:cxn ang="0">
+                <a:pos x="connsiteX113" y="connsiteY113"/>
+              </a:cxn>
+              <a:cxn ang="0">
+                <a:pos x="connsiteX114" y="connsiteY114"/>
+              </a:cxn>
+              <a:cxn ang="0">
+                <a:pos x="connsiteX115" y="connsiteY115"/>
+              </a:cxn>
+              <a:cxn ang="0">
+                <a:pos x="connsiteX116" y="connsiteY116"/>
+              </a:cxn>
+              <a:cxn ang="0">
+                <a:pos x="connsiteX117" y="connsiteY117"/>
+              </a:cxn>
+              <a:cxn ang="0">
+                <a:pos x="connsiteX118" y="connsiteY118"/>
+              </a:cxn>
+              <a:cxn ang="0">
+                <a:pos x="connsiteX119" y="connsiteY119"/>
+              </a:cxn>
+              <a:cxn ang="0">
+                <a:pos x="connsiteX120" y="connsiteY120"/>
+              </a:cxn>
+              <a:cxn ang="0">
+                <a:pos x="connsiteX121" y="connsiteY121"/>
+              </a:cxn>
+              <a:cxn ang="0">
+                <a:pos x="connsiteX122" y="connsiteY122"/>
+              </a:cxn>
+              <a:cxn ang="0">
+                <a:pos x="connsiteX123" y="connsiteY123"/>
+              </a:cxn>
+              <a:cxn ang="0">
+                <a:pos x="connsiteX124" y="connsiteY124"/>
+              </a:cxn>
+              <a:cxn ang="0">
+                <a:pos x="connsiteX125" y="connsiteY125"/>
+              </a:cxn>
+              <a:cxn ang="0">
+                <a:pos x="connsiteX126" y="connsiteY126"/>
+              </a:cxn>
+              <a:cxn ang="0">
+                <a:pos x="connsiteX127" y="connsiteY127"/>
+              </a:cxn>
+              <a:cxn ang="0">
+                <a:pos x="connsiteX128" y="connsiteY128"/>
+              </a:cxn>
+              <a:cxn ang="0">
+                <a:pos x="connsiteX129" y="connsiteY129"/>
+              </a:cxn>
+              <a:cxn ang="0">
+                <a:pos x="connsiteX130" y="connsiteY130"/>
+              </a:cxn>
+              <a:cxn ang="0">
+                <a:pos x="connsiteX131" y="connsiteY131"/>
+              </a:cxn>
+              <a:cxn ang="0">
+                <a:pos x="connsiteX132" y="connsiteY132"/>
+              </a:cxn>
+              <a:cxn ang="0">
+                <a:pos x="connsiteX133" y="connsiteY133"/>
+              </a:cxn>
+              <a:cxn ang="0">
+                <a:pos x="connsiteX134" y="connsiteY134"/>
+              </a:cxn>
+              <a:cxn ang="0">
+                <a:pos x="connsiteX135" y="connsiteY135"/>
+              </a:cxn>
+              <a:cxn ang="0">
+                <a:pos x="connsiteX136" y="connsiteY136"/>
+              </a:cxn>
+              <a:cxn ang="0">
+                <a:pos x="connsiteX137" y="connsiteY137"/>
+              </a:cxn>
+              <a:cxn ang="0">
+                <a:pos x="connsiteX138" y="connsiteY138"/>
+              </a:cxn>
+              <a:cxn ang="0">
+                <a:pos x="connsiteX139" y="connsiteY139"/>
+              </a:cxn>
+              <a:cxn ang="0">
+                <a:pos x="connsiteX140" y="connsiteY140"/>
+              </a:cxn>
+              <a:cxn ang="0">
+                <a:pos x="connsiteX141" y="connsiteY141"/>
+              </a:cxn>
+              <a:cxn ang="0">
+                <a:pos x="connsiteX142" y="connsiteY142"/>
+              </a:cxn>
+              <a:cxn ang="0">
+                <a:pos x="connsiteX143" y="connsiteY143"/>
+              </a:cxn>
+              <a:cxn ang="0">
+                <a:pos x="connsiteX144" y="connsiteY144"/>
+              </a:cxn>
+              <a:cxn ang="0">
+                <a:pos x="connsiteX145" y="connsiteY145"/>
+              </a:cxn>
+              <a:cxn ang="0">
+                <a:pos x="connsiteX146" y="connsiteY146"/>
+              </a:cxn>
+              <a:cxn ang="0">
+                <a:pos x="connsiteX147" y="connsiteY147"/>
+              </a:cxn>
+              <a:cxn ang="0">
+                <a:pos x="connsiteX148" y="connsiteY148"/>
+              </a:cxn>
+              <a:cxn ang="0">
+                <a:pos x="connsiteX149" y="connsiteY149"/>
+              </a:cxn>
+              <a:cxn ang="0">
+                <a:pos x="connsiteX150" y="connsiteY150"/>
+              </a:cxn>
+              <a:cxn ang="0">
+                <a:pos x="connsiteX151" y="connsiteY151"/>
+              </a:cxn>
+              <a:cxn ang="0">
+                <a:pos x="connsiteX152" y="connsiteY152"/>
+              </a:cxn>
+              <a:cxn ang="0">
+                <a:pos x="connsiteX153" y="connsiteY153"/>
+              </a:cxn>
+              <a:cxn ang="0">
+                <a:pos x="connsiteX154" y="connsiteY154"/>
+              </a:cxn>
+              <a:cxn ang="0">
+                <a:pos x="connsiteX155" y="connsiteY155"/>
+              </a:cxn>
+              <a:cxn ang="0">
+                <a:pos x="connsiteX156" y="connsiteY156"/>
+              </a:cxn>
+              <a:cxn ang="0">
+                <a:pos x="connsiteX157" y="connsiteY157"/>
+              </a:cxn>
+              <a:cxn ang="0">
+                <a:pos x="connsiteX158" y="connsiteY158"/>
+              </a:cxn>
+              <a:cxn ang="0">
+                <a:pos x="connsiteX159" y="connsiteY159"/>
+              </a:cxn>
+              <a:cxn ang="0">
+                <a:pos x="connsiteX160" y="connsiteY160"/>
+              </a:cxn>
+              <a:cxn ang="0">
+                <a:pos x="connsiteX161" y="connsiteY161"/>
+              </a:cxn>
+              <a:cxn ang="0">
+                <a:pos x="connsiteX162" y="connsiteY162"/>
+              </a:cxn>
+              <a:cxn ang="0">
+                <a:pos x="connsiteX163" y="connsiteY163"/>
+              </a:cxn>
+              <a:cxn ang="0">
+                <a:pos x="connsiteX164" y="connsiteY164"/>
+              </a:cxn>
+              <a:cxn ang="0">
+                <a:pos x="connsiteX165" y="connsiteY165"/>
+              </a:cxn>
+              <a:cxn ang="0">
+                <a:pos x="connsiteX166" y="connsiteY166"/>
+              </a:cxn>
+              <a:cxn ang="0">
+                <a:pos x="connsiteX167" y="connsiteY167"/>
+              </a:cxn>
+              <a:cxn ang="0">
+                <a:pos x="connsiteX168" y="connsiteY168"/>
+              </a:cxn>
+              <a:cxn ang="0">
+                <a:pos x="connsiteX169" y="connsiteY169"/>
+              </a:cxn>
+              <a:cxn ang="0">
+                <a:pos x="connsiteX170" y="connsiteY170"/>
+              </a:cxn>
+              <a:cxn ang="0">
+                <a:pos x="connsiteX171" y="connsiteY171"/>
+              </a:cxn>
+              <a:cxn ang="0">
+                <a:pos x="connsiteX172" y="connsiteY172"/>
+              </a:cxn>
+              <a:cxn ang="0">
+                <a:pos x="connsiteX173" y="connsiteY173"/>
+              </a:cxn>
+              <a:cxn ang="0">
+                <a:pos x="connsiteX174" y="connsiteY174"/>
+              </a:cxn>
+              <a:cxn ang="0">
+                <a:pos x="connsiteX175" y="connsiteY175"/>
+              </a:cxn>
+              <a:cxn ang="0">
+                <a:pos x="connsiteX176" y="connsiteY176"/>
+              </a:cxn>
+              <a:cxn ang="0">
+                <a:pos x="connsiteX177" y="connsiteY177"/>
+              </a:cxn>
+              <a:cxn ang="0">
+                <a:pos x="connsiteX178" y="connsiteY178"/>
+              </a:cxn>
+              <a:cxn ang="0">
+                <a:pos x="connsiteX179" y="connsiteY179"/>
+              </a:cxn>
+              <a:cxn ang="0">
+                <a:pos x="connsiteX180" y="connsiteY180"/>
+              </a:cxn>
+              <a:cxn ang="0">
+                <a:pos x="connsiteX181" y="connsiteY181"/>
+              </a:cxn>
+              <a:cxn ang="0">
+                <a:pos x="connsiteX182" y="connsiteY182"/>
+              </a:cxn>
+              <a:cxn ang="0">
+                <a:pos x="connsiteX183" y="connsiteY183"/>
+              </a:cxn>
+              <a:cxn ang="0">
+                <a:pos x="connsiteX184" y="connsiteY184"/>
+              </a:cxn>
+              <a:cxn ang="0">
+                <a:pos x="connsiteX185" y="connsiteY185"/>
+              </a:cxn>
+              <a:cxn ang="0">
+                <a:pos x="connsiteX186" y="connsiteY186"/>
+              </a:cxn>
+              <a:cxn ang="0">
+                <a:pos x="connsiteX187" y="connsiteY187"/>
+              </a:cxn>
+              <a:cxn ang="0">
+                <a:pos x="connsiteX188" y="connsiteY188"/>
+              </a:cxn>
+              <a:cxn ang="0">
+                <a:pos x="connsiteX189" y="connsiteY189"/>
+              </a:cxn>
+              <a:cxn ang="0">
+                <a:pos x="connsiteX190" y="connsiteY190"/>
+              </a:cxn>
+              <a:cxn ang="0">
+                <a:pos x="connsiteX191" y="connsiteY191"/>
+              </a:cxn>
+              <a:cxn ang="0">
+                <a:pos x="connsiteX192" y="connsiteY192"/>
+              </a:cxn>
+              <a:cxn ang="0">
+                <a:pos x="connsiteX193" y="connsiteY193"/>
+              </a:cxn>
+              <a:cxn ang="0">
+                <a:pos x="connsiteX194" y="connsiteY194"/>
+              </a:cxn>
+              <a:cxn ang="0">
+                <a:pos x="connsiteX195" y="connsiteY195"/>
+              </a:cxn>
+              <a:cxn ang="0">
+                <a:pos x="connsiteX196" y="connsiteY196"/>
+              </a:cxn>
+              <a:cxn ang="0">
+                <a:pos x="connsiteX197" y="connsiteY197"/>
+              </a:cxn>
+              <a:cxn ang="0">
+                <a:pos x="connsiteX198" y="connsiteY198"/>
+              </a:cxn>
+              <a:cxn ang="0">
+                <a:pos x="connsiteX199" y="connsiteY199"/>
+              </a:cxn>
+              <a:cxn ang="0">
+                <a:pos x="connsiteX200" y="connsiteY200"/>
+              </a:cxn>
+              <a:cxn ang="0">
+                <a:pos x="connsiteX201" y="connsiteY201"/>
+              </a:cxn>
+              <a:cxn ang="0">
+                <a:pos x="connsiteX202" y="connsiteY202"/>
+              </a:cxn>
+              <a:cxn ang="0">
+                <a:pos x="connsiteX203" y="connsiteY203"/>
+              </a:cxn>
+              <a:cxn ang="0">
+                <a:pos x="connsiteX204" y="connsiteY204"/>
+              </a:cxn>
+              <a:cxn ang="0">
+                <a:pos x="connsiteX205" y="connsiteY205"/>
+              </a:cxn>
+              <a:cxn ang="0">
+                <a:pos x="connsiteX206" y="connsiteY206"/>
+              </a:cxn>
+              <a:cxn ang="0">
+                <a:pos x="connsiteX207" y="connsiteY207"/>
+              </a:cxn>
+              <a:cxn ang="0">
+                <a:pos x="connsiteX208" y="connsiteY208"/>
+              </a:cxn>
+              <a:cxn ang="0">
+                <a:pos x="connsiteX209" y="connsiteY209"/>
+              </a:cxn>
+              <a:cxn ang="0">
+                <a:pos x="connsiteX210" y="connsiteY210"/>
+              </a:cxn>
+              <a:cxn ang="0">
+                <a:pos x="connsiteX211" y="connsiteY211"/>
+              </a:cxn>
+              <a:cxn ang="0">
+                <a:pos x="connsiteX212" y="connsiteY212"/>
+              </a:cxn>
+              <a:cxn ang="0">
+                <a:pos x="connsiteX213" y="connsiteY213"/>
+              </a:cxn>
+              <a:cxn ang="0">
+                <a:pos x="connsiteX214" y="connsiteY214"/>
+              </a:cxn>
+              <a:cxn ang="0">
+                <a:pos x="connsiteX215" y="connsiteY215"/>
+              </a:cxn>
+              <a:cxn ang="0">
+                <a:pos x="connsiteX216" y="connsiteY216"/>
+              </a:cxn>
+              <a:cxn ang="0">
+                <a:pos x="connsiteX217" y="connsiteY217"/>
+              </a:cxn>
+              <a:cxn ang="0">
+                <a:pos x="connsiteX218" y="connsiteY218"/>
+              </a:cxn>
+              <a:cxn ang="0">
+                <a:pos x="connsiteX219" y="connsiteY219"/>
+              </a:cxn>
+              <a:cxn ang="0">
+                <a:pos x="connsiteX220" y="connsiteY220"/>
+              </a:cxn>
+              <a:cxn ang="0">
+                <a:pos x="connsiteX221" y="connsiteY221"/>
+              </a:cxn>
+              <a:cxn ang="0">
+                <a:pos x="connsiteX222" y="connsiteY222"/>
+              </a:cxn>
+              <a:cxn ang="0">
+                <a:pos x="connsiteX223" y="connsiteY223"/>
+              </a:cxn>
+              <a:cxn ang="0">
+                <a:pos x="connsiteX224" y="connsiteY224"/>
+              </a:cxn>
+              <a:cxn ang="0">
+                <a:pos x="connsiteX225" y="connsiteY225"/>
+              </a:cxn>
+              <a:cxn ang="0">
+                <a:pos x="connsiteX226" y="connsiteY226"/>
+              </a:cxn>
+              <a:cxn ang="0">
+                <a:pos x="connsiteX227" y="connsiteY227"/>
+              </a:cxn>
+              <a:cxn ang="0">
+                <a:pos x="connsiteX228" y="connsiteY228"/>
+              </a:cxn>
+              <a:cxn ang="0">
+                <a:pos x="connsiteX229" y="connsiteY229"/>
+              </a:cxn>
+              <a:cxn ang="0">
+                <a:pos x="connsiteX230" y="connsiteY230"/>
+              </a:cxn>
+              <a:cxn ang="0">
+                <a:pos x="connsiteX231" y="connsiteY231"/>
+              </a:cxn>
+              <a:cxn ang="0">
+                <a:pos x="connsiteX232" y="connsiteY232"/>
+              </a:cxn>
+              <a:cxn ang="0">
+                <a:pos x="connsiteX233" y="connsiteY233"/>
+              </a:cxn>
+              <a:cxn ang="0">
+                <a:pos x="connsiteX234" y="connsiteY234"/>
+              </a:cxn>
+              <a:cxn ang="0">
+                <a:pos x="connsiteX235" y="connsiteY235"/>
+              </a:cxn>
+              <a:cxn ang="0">
+                <a:pos x="connsiteX236" y="connsiteY236"/>
+              </a:cxn>
+              <a:cxn ang="0">
+                <a:pos x="connsiteX237" y="connsiteY237"/>
+              </a:cxn>
+              <a:cxn ang="0">
+                <a:pos x="connsiteX238" y="connsiteY238"/>
+              </a:cxn>
+              <a:cxn ang="0">
+                <a:pos x="connsiteX239" y="connsiteY239"/>
+              </a:cxn>
+              <a:cxn ang="0">
+                <a:pos x="connsiteX240" y="connsiteY240"/>
+              </a:cxn>
+            </a:cxnLst>
+            <a:rect l="l" t="t" r="r" b="b"/>
+            <a:pathLst>
+              <a:path w="5470628" h="3193741">
+                <a:moveTo>
+                  <a:pt x="5462602" y="1413608"/>
+                </a:moveTo>
+                <a:lnTo>
+                  <a:pt x="5465724" y="1421881"/>
+                </a:lnTo>
+                <a:cubicBezTo>
+                  <a:pt x="5472118" y="1444281"/>
+                  <a:pt x="5472640" y="1461744"/>
+                  <a:pt x="5465025" y="1466556"/>
+                </a:cubicBezTo>
+                <a:lnTo>
+                  <a:pt x="5463208" y="1466226"/>
+                </a:lnTo>
+                <a:lnTo>
+                  <a:pt x="5463242" y="1451866"/>
+                </a:lnTo>
+                <a:cubicBezTo>
+                  <a:pt x="5463190" y="1441487"/>
+                  <a:pt x="5463068" y="1431722"/>
+                  <a:pt x="5462894" y="1423194"/>
+                </a:cubicBezTo>
+                <a:close/>
+                <a:moveTo>
+                  <a:pt x="5461417" y="1391849"/>
+                </a:moveTo>
+                <a:cubicBezTo>
+                  <a:pt x="5461710" y="1392940"/>
+                  <a:pt x="5461992" y="1396513"/>
+                  <a:pt x="5462246" y="1401944"/>
+                </a:cubicBezTo>
+                <a:lnTo>
+                  <a:pt x="5462602" y="1413608"/>
+                </a:lnTo>
+                <a:lnTo>
+                  <a:pt x="5459078" y="1404268"/>
+                </a:lnTo>
+                <a:lnTo>
+                  <a:pt x="5460137" y="1393780"/>
+                </a:lnTo>
+                <a:cubicBezTo>
+                  <a:pt x="5460561" y="1391114"/>
+                  <a:pt x="5460982" y="1390270"/>
+                  <a:pt x="5461417" y="1391849"/>
+                </a:cubicBezTo>
+                <a:close/>
+                <a:moveTo>
+                  <a:pt x="614271" y="1052206"/>
+                </a:moveTo>
+                <a:cubicBezTo>
+                  <a:pt x="613444" y="1053256"/>
+                  <a:pt x="612323" y="1054339"/>
+                  <a:pt x="611497" y="1055389"/>
+                </a:cubicBezTo>
+                <a:cubicBezTo>
+                  <a:pt x="617673" y="1058912"/>
+                  <a:pt x="624115" y="1061928"/>
+                  <a:pt x="630277" y="1065215"/>
+                </a:cubicBezTo>
+                <a:cubicBezTo>
+                  <a:pt x="637469" y="1066004"/>
+                  <a:pt x="644958" y="1066759"/>
+                  <a:pt x="651856" y="1067584"/>
+                </a:cubicBezTo>
+                <a:cubicBezTo>
+                  <a:pt x="639327" y="1062458"/>
+                  <a:pt x="626799" y="1057332"/>
+                  <a:pt x="614271" y="1052206"/>
+                </a:cubicBezTo>
+                <a:close/>
+                <a:moveTo>
+                  <a:pt x="810628" y="695550"/>
+                </a:moveTo>
+                <a:cubicBezTo>
+                  <a:pt x="873537" y="739416"/>
+                  <a:pt x="951215" y="767494"/>
+                  <a:pt x="1033084" y="791270"/>
+                </a:cubicBezTo>
+                <a:cubicBezTo>
+                  <a:pt x="1034205" y="790184"/>
+                  <a:pt x="1035031" y="789136"/>
+                  <a:pt x="1036153" y="788050"/>
+                </a:cubicBezTo>
+                <a:cubicBezTo>
+                  <a:pt x="960983" y="757296"/>
+                  <a:pt x="885798" y="726306"/>
+                  <a:pt x="810628" y="695550"/>
+                </a:cubicBezTo>
+                <a:close/>
+                <a:moveTo>
+                  <a:pt x="4850908" y="727"/>
+                </a:moveTo>
+                <a:cubicBezTo>
+                  <a:pt x="4858191" y="2929"/>
+                  <a:pt x="4860543" y="7152"/>
+                  <a:pt x="4858584" y="13795"/>
+                </a:cubicBezTo>
+                <a:cubicBezTo>
+                  <a:pt x="4855845" y="22194"/>
+                  <a:pt x="4850092" y="30008"/>
+                  <a:pt x="4843408" y="37224"/>
+                </a:cubicBezTo>
+                <a:cubicBezTo>
+                  <a:pt x="4812232" y="71132"/>
+                  <a:pt x="4827067" y="79774"/>
+                  <a:pt x="4871062" y="78954"/>
+                </a:cubicBezTo>
+                <a:cubicBezTo>
+                  <a:pt x="4910302" y="78234"/>
+                  <a:pt x="4949507" y="72299"/>
+                  <a:pt x="4989038" y="66799"/>
+                </a:cubicBezTo>
+                <a:cubicBezTo>
+                  <a:pt x="5008500" y="63967"/>
+                  <a:pt x="5009491" y="65509"/>
+                  <a:pt x="5002636" y="79388"/>
+                </a:cubicBezTo>
+                <a:cubicBezTo>
+                  <a:pt x="4991594" y="102315"/>
+                  <a:pt x="4990844" y="123285"/>
+                  <a:pt x="5008332" y="140859"/>
+                </a:cubicBezTo>
+                <a:cubicBezTo>
+                  <a:pt x="5012456" y="144868"/>
+                  <a:pt x="5015428" y="149491"/>
+                  <a:pt x="5014326" y="155555"/>
+                </a:cubicBezTo>
+                <a:cubicBezTo>
+                  <a:pt x="5009356" y="180357"/>
+                  <a:pt x="5019874" y="200674"/>
+                  <a:pt x="5030704" y="221190"/>
+                </a:cubicBezTo>
+                <a:cubicBezTo>
+                  <a:pt x="5048958" y="255517"/>
+                  <a:pt x="5072099" y="287116"/>
+                  <a:pt x="5097262" y="317759"/>
+                </a:cubicBezTo>
+                <a:cubicBezTo>
+                  <a:pt x="5115004" y="339336"/>
+                  <a:pt x="5126222" y="365974"/>
+                  <a:pt x="5165084" y="373367"/>
+                </a:cubicBezTo>
+                <a:cubicBezTo>
+                  <a:pt x="5174420" y="375083"/>
+                  <a:pt x="5177498" y="381353"/>
+                  <a:pt x="5174137" y="389353"/>
+                </a:cubicBezTo>
+                <a:cubicBezTo>
+                  <a:pt x="5163026" y="415847"/>
+                  <a:pt x="5172067" y="436343"/>
+                  <a:pt x="5192507" y="453561"/>
+                </a:cubicBezTo>
+                <a:cubicBezTo>
+                  <a:pt x="5199734" y="459565"/>
+                  <a:pt x="5197020" y="463690"/>
+                  <a:pt x="5187160" y="467732"/>
+                </a:cubicBezTo>
+                <a:cubicBezTo>
+                  <a:pt x="5175836" y="472188"/>
+                  <a:pt x="5167025" y="478711"/>
+                  <a:pt x="5160106" y="486904"/>
+                </a:cubicBezTo>
+                <a:cubicBezTo>
+                  <a:pt x="5148744" y="500143"/>
+                  <a:pt x="5143396" y="514315"/>
+                  <a:pt x="5138948" y="528614"/>
+                </a:cubicBezTo>
+                <a:cubicBezTo>
+                  <a:pt x="5132042" y="551041"/>
+                  <a:pt x="5123894" y="572670"/>
+                  <a:pt x="5097016" y="589923"/>
+                </a:cubicBezTo>
+                <a:cubicBezTo>
+                  <a:pt x="5089016" y="595163"/>
+                  <a:pt x="5082598" y="601872"/>
+                  <a:pt x="5075869" y="608381"/>
+                </a:cubicBezTo>
+                <a:cubicBezTo>
+                  <a:pt x="5078016" y="614052"/>
+                  <a:pt x="5083322" y="617918"/>
+                  <a:pt x="5093172" y="618385"/>
+                </a:cubicBezTo>
+                <a:cubicBezTo>
+                  <a:pt x="5155867" y="621469"/>
+                  <a:pt x="5153088" y="652648"/>
+                  <a:pt x="5153518" y="687474"/>
+                </a:cubicBezTo>
+                <a:cubicBezTo>
+                  <a:pt x="5154177" y="730575"/>
+                  <a:pt x="5118812" y="754787"/>
+                  <a:pt x="5074984" y="776941"/>
+                </a:cubicBezTo>
+                <a:cubicBezTo>
+                  <a:pt x="5059986" y="784451"/>
+                  <a:pt x="5038116" y="786863"/>
+                  <a:pt x="5033348" y="805473"/>
+                </a:cubicBezTo>
+                <a:cubicBezTo>
+                  <a:pt x="5059529" y="819384"/>
+                  <a:pt x="5089376" y="802009"/>
+                  <a:pt x="5116847" y="803426"/>
+                </a:cubicBezTo>
+                <a:cubicBezTo>
+                  <a:pt x="5139548" y="804709"/>
+                  <a:pt x="5176330" y="798120"/>
+                  <a:pt x="5147902" y="833118"/>
+                </a:cubicBezTo>
+                <a:cubicBezTo>
+                  <a:pt x="5139626" y="843373"/>
+                  <a:pt x="5150382" y="848714"/>
+                  <a:pt x="5161665" y="848297"/>
+                </a:cubicBezTo>
+                <a:cubicBezTo>
+                  <a:pt x="5253064" y="844106"/>
+                  <a:pt x="5215170" y="912756"/>
+                  <a:pt x="5246520" y="942412"/>
+                </a:cubicBezTo>
+                <a:cubicBezTo>
+                  <a:pt x="5255359" y="950358"/>
+                  <a:pt x="5247812" y="967405"/>
+                  <a:pt x="5235368" y="972946"/>
+                </a:cubicBezTo>
+                <a:cubicBezTo>
+                  <a:pt x="5156387" y="1008610"/>
+                  <a:pt x="5149354" y="1071149"/>
+                  <a:pt x="5113739" y="1128845"/>
+                </a:cubicBezTo>
+                <a:cubicBezTo>
+                  <a:pt x="5157305" y="1144685"/>
+                  <a:pt x="5208388" y="1143005"/>
+                  <a:pt x="5255034" y="1151117"/>
+                </a:cubicBezTo>
+                <a:cubicBezTo>
+                  <a:pt x="5303482" y="1159484"/>
+                  <a:pt x="5304156" y="1170079"/>
+                  <a:pt x="5267513" y="1216275"/>
+                </a:cubicBezTo>
+                <a:cubicBezTo>
+                  <a:pt x="5370269" y="1212844"/>
+                  <a:pt x="5370269" y="1212844"/>
+                  <a:pt x="5343113" y="1281854"/>
+                </a:cubicBezTo>
+                <a:cubicBezTo>
+                  <a:pt x="5386272" y="1279593"/>
+                  <a:pt x="5428618" y="1334726"/>
+                  <a:pt x="5452014" y="1385543"/>
+                </a:cubicBezTo>
+                <a:lnTo>
+                  <a:pt x="5459078" y="1404268"/>
+                </a:lnTo>
+                <a:lnTo>
+                  <a:pt x="5458838" y="1406644"/>
+                </a:lnTo>
+                <a:cubicBezTo>
+                  <a:pt x="5457942" y="1418063"/>
+                  <a:pt x="5456960" y="1434367"/>
+                  <a:pt x="5455752" y="1450751"/>
+                </a:cubicBezTo>
+                <a:lnTo>
+                  <a:pt x="5454594" y="1464662"/>
+                </a:lnTo>
+                <a:lnTo>
+                  <a:pt x="5447215" y="1463321"/>
+                </a:lnTo>
+                <a:cubicBezTo>
+                  <a:pt x="5441256" y="1459714"/>
+                  <a:pt x="5437002" y="1458345"/>
+                  <a:pt x="5433934" y="1458428"/>
+                </a:cubicBezTo>
+                <a:cubicBezTo>
+                  <a:pt x="5424728" y="1458676"/>
+                  <a:pt x="5426188" y="1471978"/>
+                  <a:pt x="5424276" y="1477014"/>
+                </a:cubicBezTo>
+                <a:cubicBezTo>
+                  <a:pt x="5417851" y="1492977"/>
+                  <a:pt x="5433852" y="1501241"/>
+                  <a:pt x="5444628" y="1511562"/>
+                </a:cubicBezTo>
+                <a:cubicBezTo>
+                  <a:pt x="5448663" y="1515344"/>
+                  <a:pt x="5451544" y="1497678"/>
+                  <a:pt x="5453752" y="1474786"/>
+                </a:cubicBezTo>
+                <a:lnTo>
+                  <a:pt x="5454594" y="1464662"/>
+                </a:lnTo>
+                <a:lnTo>
+                  <a:pt x="5463208" y="1466226"/>
+                </a:lnTo>
+                <a:lnTo>
+                  <a:pt x="5463164" y="1484226"/>
+                </a:lnTo>
+                <a:cubicBezTo>
+                  <a:pt x="5462722" y="1528173"/>
+                  <a:pt x="5460824" y="1571999"/>
+                  <a:pt x="5456160" y="1575885"/>
+                </a:cubicBezTo>
+                <a:cubicBezTo>
+                  <a:pt x="5406708" y="1617226"/>
+                  <a:pt x="5442751" y="1692579"/>
+                  <a:pt x="5345636" y="1714543"/>
+                </a:cubicBezTo>
+                <a:cubicBezTo>
+                  <a:pt x="5301930" y="1724583"/>
+                  <a:pt x="5282493" y="1755882"/>
+                  <a:pt x="5251319" y="1775792"/>
+                </a:cubicBezTo>
+                <a:cubicBezTo>
+                  <a:pt x="5142610" y="1844714"/>
+                  <a:pt x="5072132" y="1925140"/>
+                  <a:pt x="5043512" y="2027305"/>
+                </a:cubicBezTo>
+                <a:cubicBezTo>
+                  <a:pt x="5035488" y="2055562"/>
+                  <a:pt x="5000258" y="2081893"/>
+                  <a:pt x="4978144" y="2108535"/>
+                </a:cubicBezTo>
+                <a:cubicBezTo>
+                  <a:pt x="4990785" y="2124798"/>
+                  <a:pt x="5050411" y="2079615"/>
+                  <a:pt x="5031476" y="2128173"/>
+                </a:cubicBezTo>
+                <a:cubicBezTo>
+                  <a:pt x="5017138" y="2164787"/>
+                  <a:pt x="4975973" y="2191363"/>
+                  <a:pt x="4937389" y="2216441"/>
+                </a:cubicBezTo>
+                <a:cubicBezTo>
+                  <a:pt x="4893079" y="2245058"/>
+                  <a:pt x="4843760" y="2269776"/>
+                  <a:pt x="4826122" y="2315331"/>
+                </a:cubicBezTo>
+                <a:cubicBezTo>
+                  <a:pt x="4822276" y="2325050"/>
+                  <a:pt x="3896510" y="3112888"/>
+                  <a:pt x="2544647" y="3190975"/>
+                </a:cubicBezTo>
+                <a:cubicBezTo>
+                  <a:pt x="2323734" y="3203734"/>
+                  <a:pt x="1445947" y="3169121"/>
+                  <a:pt x="1328257" y="3153006"/>
+                </a:cubicBezTo>
+                <a:cubicBezTo>
+                  <a:pt x="1207258" y="3136344"/>
+                  <a:pt x="1101756" y="3091943"/>
+                  <a:pt x="977943" y="3082502"/>
+                </a:cubicBezTo>
+                <a:cubicBezTo>
+                  <a:pt x="912454" y="3077622"/>
+                  <a:pt x="848655" y="3061861"/>
+                  <a:pt x="854473" y="2994250"/>
+                </a:cubicBezTo>
+                <a:cubicBezTo>
+                  <a:pt x="856228" y="2975057"/>
+                  <a:pt x="838125" y="2961827"/>
+                  <a:pt x="811593" y="2970498"/>
+                </a:cubicBezTo>
+                <a:cubicBezTo>
+                  <a:pt x="761454" y="2987010"/>
+                  <a:pt x="736680" y="2962489"/>
+                  <a:pt x="707024" y="2945439"/>
+                </a:cubicBezTo>
+                <a:cubicBezTo>
+                  <a:pt x="654509" y="2915262"/>
+                  <a:pt x="603913" y="2882480"/>
+                  <a:pt x="523487" y="2886053"/>
+                </a:cubicBezTo>
+                <a:cubicBezTo>
+                  <a:pt x="537017" y="2855468"/>
+                  <a:pt x="563587" y="2856758"/>
+                  <a:pt x="587884" y="2859746"/>
+                </a:cubicBezTo>
+                <a:cubicBezTo>
+                  <a:pt x="652090" y="2867866"/>
+                  <a:pt x="715235" y="2878012"/>
+                  <a:pt x="779426" y="2885897"/>
+                </a:cubicBezTo>
+                <a:cubicBezTo>
+                  <a:pt x="821123" y="2891048"/>
+                  <a:pt x="863074" y="2900202"/>
+                  <a:pt x="917288" y="2882248"/>
+                </a:cubicBezTo>
+                <a:cubicBezTo>
+                  <a:pt x="866364" y="2830288"/>
+                  <a:pt x="785092" y="2829930"/>
+                  <a:pt x="718684" y="2819941"/>
+                </a:cubicBezTo>
+                <a:cubicBezTo>
+                  <a:pt x="635747" y="2807447"/>
+                  <a:pt x="584925" y="2771133"/>
+                  <a:pt x="524650" y="2731220"/>
+                </a:cubicBezTo>
+                <a:cubicBezTo>
+                  <a:pt x="584180" y="2712621"/>
+                  <a:pt x="623299" y="2742760"/>
+                  <a:pt x="670138" y="2735189"/>
+                </a:cubicBezTo>
+                <a:cubicBezTo>
+                  <a:pt x="672406" y="2728745"/>
+                  <a:pt x="675988" y="2719532"/>
+                  <a:pt x="675382" y="2719369"/>
+                </a:cubicBezTo>
+                <a:cubicBezTo>
+                  <a:pt x="596666" y="2703042"/>
+                  <a:pt x="557844" y="2658869"/>
+                  <a:pt x="542021" y="2601946"/>
+                </a:cubicBezTo>
+                <a:cubicBezTo>
+                  <a:pt x="533902" y="2572560"/>
+                  <a:pt x="505246" y="2566541"/>
+                  <a:pt x="476895" y="2555976"/>
+                </a:cubicBezTo>
+                <a:cubicBezTo>
+                  <a:pt x="377189" y="2518466"/>
+                  <a:pt x="272496" y="2486779"/>
+                  <a:pt x="188751" y="2428830"/>
+                </a:cubicBezTo>
+                <a:cubicBezTo>
+                  <a:pt x="280875" y="2426687"/>
+                  <a:pt x="357216" y="2461808"/>
+                  <a:pt x="456762" y="2468731"/>
+                </a:cubicBezTo>
+                <a:cubicBezTo>
+                  <a:pt x="373794" y="2404281"/>
+                  <a:pt x="269816" y="2379152"/>
+                  <a:pt x="174514" y="2345378"/>
+                </a:cubicBezTo>
+                <a:cubicBezTo>
+                  <a:pt x="130977" y="2330009"/>
+                  <a:pt x="90329" y="2308598"/>
+                  <a:pt x="38827" y="2303685"/>
+                </a:cubicBezTo>
+                <a:cubicBezTo>
+                  <a:pt x="20556" y="2301864"/>
+                  <a:pt x="-10092" y="2297272"/>
+                  <a:pt x="3281" y="2273587"/>
+                </a:cubicBezTo>
+                <a:cubicBezTo>
+                  <a:pt x="14533" y="2253956"/>
+                  <a:pt x="39095" y="2256437"/>
+                  <a:pt x="61590" y="2259170"/>
+                </a:cubicBezTo>
+                <a:cubicBezTo>
+                  <a:pt x="115591" y="2265916"/>
+                  <a:pt x="170539" y="2259497"/>
+                  <a:pt x="242291" y="2250569"/>
+                </a:cubicBezTo>
+                <a:cubicBezTo>
+                  <a:pt x="178223" y="2197829"/>
+                  <a:pt x="68904" y="2229102"/>
+                  <a:pt x="13205" y="2172263"/>
+                </a:cubicBezTo>
+                <a:cubicBezTo>
+                  <a:pt x="77196" y="2153598"/>
+                  <a:pt x="128251" y="2170191"/>
+                  <a:pt x="180810" y="2168333"/>
+                </a:cubicBezTo>
+                <a:cubicBezTo>
+                  <a:pt x="228319" y="2166612"/>
+                  <a:pt x="239444" y="2154350"/>
+                  <a:pt x="226020" y="2121100"/>
+                </a:cubicBezTo>
+                <a:cubicBezTo>
+                  <a:pt x="205165" y="2069293"/>
+                  <a:pt x="229388" y="2038364"/>
+                  <a:pt x="299145" y="2044862"/>
+                </a:cubicBezTo>
+                <a:cubicBezTo>
+                  <a:pt x="363822" y="2051027"/>
+                  <a:pt x="369032" y="2029991"/>
+                  <a:pt x="350236" y="2001187"/>
+                </a:cubicBezTo>
+                <a:cubicBezTo>
+                  <a:pt x="322862" y="1959187"/>
+                  <a:pt x="348423" y="1921214"/>
+                  <a:pt x="365223" y="1881218"/>
+                </a:cubicBezTo>
+                <a:cubicBezTo>
+                  <a:pt x="390527" y="1820499"/>
+                  <a:pt x="376326" y="1793748"/>
+                  <a:pt x="310707" y="1758752"/>
+                </a:cubicBezTo>
+                <a:cubicBezTo>
+                  <a:pt x="273754" y="1739265"/>
+                  <a:pt x="234367" y="1723631"/>
+                  <a:pt x="181659" y="1709137"/>
+                </a:cubicBezTo>
+                <a:cubicBezTo>
+                  <a:pt x="299387" y="1683727"/>
+                  <a:pt x="172918" y="1660608"/>
+                  <a:pt x="213063" y="1632021"/>
+                </a:cubicBezTo>
+                <a:cubicBezTo>
+                  <a:pt x="296030" y="1612244"/>
+                  <a:pt x="369047" y="1679323"/>
+                  <a:pt x="481390" y="1644125"/>
+                </a:cubicBezTo>
+                <a:cubicBezTo>
+                  <a:pt x="336659" y="1595935"/>
+                  <a:pt x="176348" y="1532074"/>
+                  <a:pt x="68930" y="1457537"/>
+                </a:cubicBezTo>
+                <a:cubicBezTo>
+                  <a:pt x="91299" y="1434897"/>
+                  <a:pt x="115799" y="1450436"/>
+                  <a:pt x="135138" y="1440976"/>
+                </a:cubicBezTo>
+                <a:cubicBezTo>
+                  <a:pt x="133952" y="1436374"/>
+                  <a:pt x="135290" y="1429332"/>
+                  <a:pt x="131611" y="1427642"/>
+                </a:cubicBezTo>
+                <a:cubicBezTo>
+                  <a:pt x="52402" y="1389548"/>
+                  <a:pt x="51441" y="1388478"/>
+                  <a:pt x="130443" y="1343795"/>
+                </a:cubicBezTo>
+                <a:cubicBezTo>
+                  <a:pt x="158017" y="1328118"/>
+                  <a:pt x="154966" y="1317573"/>
+                  <a:pt x="138930" y="1304094"/>
+                </a:cubicBezTo>
+                <a:cubicBezTo>
+                  <a:pt x="127608" y="1294551"/>
+                  <a:pt x="113720" y="1286742"/>
+                  <a:pt x="118409" y="1262212"/>
+                </a:cubicBezTo>
+                <a:cubicBezTo>
+                  <a:pt x="164937" y="1287183"/>
+                  <a:pt x="383505" y="1312432"/>
+                  <a:pt x="421410" y="1304757"/>
+                </a:cubicBezTo>
+                <a:cubicBezTo>
+                  <a:pt x="464009" y="1296037"/>
+                  <a:pt x="610877" y="1288926"/>
+                  <a:pt x="655702" y="1291801"/>
+                </a:cubicBezTo>
+                <a:cubicBezTo>
+                  <a:pt x="653235" y="1290438"/>
+                  <a:pt x="650767" y="1289077"/>
+                  <a:pt x="648299" y="1287715"/>
+                </a:cubicBezTo>
+                <a:cubicBezTo>
+                  <a:pt x="603999" y="1260339"/>
+                  <a:pt x="559107" y="1233035"/>
+                  <a:pt x="531027" y="1193967"/>
+                </a:cubicBezTo>
+                <a:cubicBezTo>
+                  <a:pt x="529741" y="1192462"/>
+                  <a:pt x="529061" y="1191120"/>
+                  <a:pt x="526433" y="1191913"/>
+                </a:cubicBezTo>
+                <a:cubicBezTo>
+                  <a:pt x="503415" y="1199684"/>
+                  <a:pt x="505590" y="1187083"/>
+                  <a:pt x="504666" y="1177230"/>
+                </a:cubicBezTo>
+                <a:cubicBezTo>
+                  <a:pt x="503726" y="1167141"/>
+                  <a:pt x="499378" y="1159602"/>
+                  <a:pt x="482307" y="1162618"/>
+                </a:cubicBezTo>
+                <a:cubicBezTo>
+                  <a:pt x="481421" y="1162726"/>
+                  <a:pt x="480226" y="1162633"/>
+                  <a:pt x="479029" y="1162540"/>
+                </a:cubicBezTo>
+                <a:cubicBezTo>
+                  <a:pt x="470949" y="1161859"/>
+                  <a:pt x="444139" y="1138059"/>
+                  <a:pt x="447663" y="1132649"/>
+                </a:cubicBezTo>
+                <a:cubicBezTo>
+                  <a:pt x="455539" y="1120781"/>
+                  <a:pt x="446335" y="1116439"/>
+                  <a:pt x="438547" y="1110977"/>
+                </a:cubicBezTo>
+                <a:cubicBezTo>
+                  <a:pt x="427656" y="1103517"/>
+                  <a:pt x="416795" y="1096529"/>
+                  <a:pt x="405343" y="1089612"/>
+                </a:cubicBezTo>
+                <a:cubicBezTo>
+                  <a:pt x="394202" y="1082895"/>
+                  <a:pt x="382794" y="1076684"/>
+                  <a:pt x="371373" y="1070238"/>
+                </a:cubicBezTo>
+                <a:cubicBezTo>
+                  <a:pt x="344889" y="1065616"/>
+                  <a:pt x="318169" y="1061972"/>
+                  <a:pt x="290358" y="1059884"/>
+                </a:cubicBezTo>
+                <a:cubicBezTo>
+                  <a:pt x="269709" y="1058114"/>
+                  <a:pt x="246624" y="1055453"/>
+                  <a:pt x="235140" y="1029322"/>
+                </a:cubicBezTo>
+                <a:cubicBezTo>
+                  <a:pt x="256895" y="1029771"/>
+                  <a:pt x="278695" y="1030927"/>
+                  <a:pt x="300494" y="1032083"/>
+                </a:cubicBezTo>
+                <a:cubicBezTo>
+                  <a:pt x="279542" y="1020860"/>
+                  <a:pt x="259181" y="1009565"/>
+                  <a:pt x="239661" y="997457"/>
+                </a:cubicBezTo>
+                <a:cubicBezTo>
+                  <a:pt x="223540" y="987309"/>
+                  <a:pt x="210281" y="975391"/>
+                  <a:pt x="204788" y="959211"/>
+                </a:cubicBezTo>
+                <a:cubicBezTo>
+                  <a:pt x="203337" y="955117"/>
+                  <a:pt x="202166" y="950750"/>
+                  <a:pt x="207583" y="947009"/>
+                </a:cubicBezTo>
+                <a:cubicBezTo>
+                  <a:pt x="213561" y="942727"/>
+                  <a:pt x="218466" y="944980"/>
+                  <a:pt x="223061" y="947033"/>
+                </a:cubicBezTo>
+                <a:cubicBezTo>
+                  <a:pt x="242046" y="955410"/>
+                  <a:pt x="261311" y="963516"/>
+                  <a:pt x="280015" y="972164"/>
+                </a:cubicBezTo>
+                <a:cubicBezTo>
+                  <a:pt x="304852" y="983629"/>
+                  <a:pt x="329408" y="995365"/>
+                  <a:pt x="353948" y="1006865"/>
+                </a:cubicBezTo>
+                <a:cubicBezTo>
+                  <a:pt x="319294" y="981405"/>
+                  <a:pt x="281290" y="959435"/>
+                  <a:pt x="240466" y="939943"/>
+                </a:cubicBezTo>
+                <a:cubicBezTo>
+                  <a:pt x="210990" y="925718"/>
+                  <a:pt x="181514" y="911494"/>
+                  <a:pt x="158812" y="891467"/>
+                </a:cubicBezTo>
+                <a:cubicBezTo>
+                  <a:pt x="147166" y="881489"/>
+                  <a:pt x="141336" y="869384"/>
+                  <a:pt x="139551" y="855364"/>
+                </a:cubicBezTo>
+                <a:cubicBezTo>
+                  <a:pt x="139312" y="851597"/>
+                  <a:pt x="139634" y="847287"/>
+                  <a:pt x="145731" y="844888"/>
+                </a:cubicBezTo>
+                <a:cubicBezTo>
+                  <a:pt x="151843" y="842724"/>
+                  <a:pt x="155581" y="845356"/>
+                  <a:pt x="158154" y="848366"/>
+                </a:cubicBezTo>
+                <a:cubicBezTo>
+                  <a:pt x="161052" y="851811"/>
+                  <a:pt x="164496" y="854479"/>
+                  <a:pt x="169370" y="856260"/>
+                </a:cubicBezTo>
+                <a:cubicBezTo>
+                  <a:pt x="212096" y="872913"/>
+                  <a:pt x="249775" y="894448"/>
+                  <a:pt x="288295" y="915169"/>
+                </a:cubicBezTo>
+                <a:cubicBezTo>
+                  <a:pt x="343452" y="944788"/>
+                  <a:pt x="397769" y="975222"/>
+                  <a:pt x="462694" y="994643"/>
+                </a:cubicBezTo>
+                <a:cubicBezTo>
+                  <a:pt x="487260" y="1001870"/>
+                  <a:pt x="512622" y="1007575"/>
+                  <a:pt x="531910" y="1006664"/>
+                </a:cubicBezTo>
+                <a:cubicBezTo>
+                  <a:pt x="460990" y="972547"/>
+                  <a:pt x="394087" y="936046"/>
+                  <a:pt x="333940" y="893507"/>
+                </a:cubicBezTo>
+                <a:cubicBezTo>
+                  <a:pt x="273173" y="850568"/>
+                  <a:pt x="219876" y="803403"/>
+                  <a:pt x="181443" y="746608"/>
+                </a:cubicBezTo>
+                <a:cubicBezTo>
+                  <a:pt x="177494" y="740681"/>
+                  <a:pt x="175038" y="734810"/>
+                  <a:pt x="162678" y="737018"/>
+                </a:cubicBezTo>
+                <a:cubicBezTo>
+                  <a:pt x="157082" y="737933"/>
+                  <a:pt x="155070" y="734381"/>
+                  <a:pt x="156307" y="730435"/>
+                </a:cubicBezTo>
+                <a:cubicBezTo>
+                  <a:pt x="164051" y="702450"/>
+                  <a:pt x="145532" y="687373"/>
+                  <a:pt x="117227" y="677515"/>
+                </a:cubicBezTo>
+                <a:cubicBezTo>
+                  <a:pt x="108392" y="674314"/>
+                  <a:pt x="107546" y="670384"/>
+                  <a:pt x="113655" y="663474"/>
+                </a:cubicBezTo>
+                <a:cubicBezTo>
+                  <a:pt x="121976" y="653926"/>
+                  <a:pt x="120506" y="644851"/>
+                  <a:pt x="115226" y="636712"/>
+                </a:cubicBezTo>
+                <a:cubicBezTo>
+                  <a:pt x="112224" y="631619"/>
+                  <a:pt x="108350" y="626868"/>
+                  <a:pt x="105067" y="622046"/>
+                </a:cubicBezTo>
+                <a:cubicBezTo>
+                  <a:pt x="102790" y="619000"/>
+                  <a:pt x="99022" y="615897"/>
+                  <a:pt x="104113" y="611722"/>
+                </a:cubicBezTo>
+                <a:cubicBezTo>
+                  <a:pt x="108939" y="608053"/>
+                  <a:pt x="114081" y="609328"/>
+                  <a:pt x="118895" y="610169"/>
+                </a:cubicBezTo>
+                <a:cubicBezTo>
+                  <a:pt x="142040" y="613772"/>
+                  <a:pt x="156094" y="624170"/>
+                  <a:pt x="163095" y="640642"/>
+                </a:cubicBezTo>
+                <a:cubicBezTo>
+                  <a:pt x="168334" y="652819"/>
+                  <a:pt x="173104" y="652953"/>
+                  <a:pt x="185766" y="641454"/>
+                </a:cubicBezTo>
+                <a:cubicBezTo>
+                  <a:pt x="195327" y="632704"/>
+                  <a:pt x="204232" y="632337"/>
+                  <a:pt x="212892" y="637457"/>
+                </a:cubicBezTo>
+                <a:cubicBezTo>
+                  <a:pt x="217516" y="639981"/>
+                  <a:pt x="220444" y="643897"/>
+                  <a:pt x="223932" y="647271"/>
+                </a:cubicBezTo>
+                <a:cubicBezTo>
+                  <a:pt x="241420" y="664845"/>
+                  <a:pt x="259762" y="681841"/>
+                  <a:pt x="287167" y="691571"/>
+                </a:cubicBezTo>
+                <a:cubicBezTo>
+                  <a:pt x="299355" y="696027"/>
+                  <a:pt x="312354" y="699197"/>
+                  <a:pt x="330380" y="692506"/>
+                </a:cubicBezTo>
+                <a:cubicBezTo>
+                  <a:pt x="318517" y="688486"/>
+                  <a:pt x="306954" y="689175"/>
+                  <a:pt x="296172" y="688108"/>
+                </a:cubicBezTo>
+                <a:cubicBezTo>
+                  <a:pt x="285390" y="687041"/>
+                  <a:pt x="279539" y="683953"/>
+                  <a:pt x="286974" y="674512"/>
+                </a:cubicBezTo>
+                <a:cubicBezTo>
+                  <a:pt x="291105" y="669267"/>
+                  <a:pt x="290555" y="665301"/>
+                  <a:pt x="286166" y="661798"/>
+                </a:cubicBezTo>
+                <a:cubicBezTo>
+                  <a:pt x="272052" y="650459"/>
+                  <a:pt x="264416" y="633352"/>
+                  <a:pt x="236268" y="635338"/>
+                </a:cubicBezTo>
+                <a:cubicBezTo>
+                  <a:pt x="234792" y="635517"/>
+                  <a:pt x="233255" y="634754"/>
+                  <a:pt x="231734" y="634225"/>
+                </a:cubicBezTo>
+                <a:cubicBezTo>
+                  <a:pt x="225957" y="632316"/>
+                  <a:pt x="219575" y="630241"/>
+                  <a:pt x="221253" y="623870"/>
+                </a:cubicBezTo>
+                <a:cubicBezTo>
+                  <a:pt x="223227" y="617462"/>
+                  <a:pt x="230816" y="615119"/>
+                  <a:pt x="237564" y="613590"/>
+                </a:cubicBezTo>
+                <a:cubicBezTo>
+                  <a:pt x="254884" y="609831"/>
+                  <a:pt x="268844" y="614072"/>
+                  <a:pt x="282259" y="619091"/>
+                </a:cubicBezTo>
+                <a:cubicBezTo>
+                  <a:pt x="314893" y="631509"/>
+                  <a:pt x="342201" y="649080"/>
+                  <a:pt x="370630" y="665566"/>
+                </a:cubicBezTo>
+                <a:cubicBezTo>
+                  <a:pt x="413275" y="690295"/>
+                  <a:pt x="451153" y="719635"/>
+                  <a:pt x="498017" y="740532"/>
+                </a:cubicBezTo>
+                <a:cubicBezTo>
+                  <a:pt x="637369" y="802423"/>
+                  <a:pt x="774774" y="866448"/>
+                  <a:pt x="918036" y="924307"/>
+                </a:cubicBezTo>
+                <a:cubicBezTo>
+                  <a:pt x="970882" y="945666"/>
+                  <a:pt x="1024819" y="965469"/>
+                  <a:pt x="1079304" y="984494"/>
+                </a:cubicBezTo>
+                <a:cubicBezTo>
+                  <a:pt x="1079509" y="983045"/>
+                  <a:pt x="1079744" y="982067"/>
+                  <a:pt x="1079935" y="980383"/>
+                </a:cubicBezTo>
+                <a:cubicBezTo>
+                  <a:pt x="1079860" y="979206"/>
+                  <a:pt x="1079770" y="977793"/>
+                  <a:pt x="1079695" y="976616"/>
+                </a:cubicBezTo>
+                <a:cubicBezTo>
+                  <a:pt x="1041139" y="964679"/>
+                  <a:pt x="1003098" y="951491"/>
+                  <a:pt x="966178" y="937219"/>
+                </a:cubicBezTo>
+                <a:cubicBezTo>
+                  <a:pt x="875541" y="901932"/>
+                  <a:pt x="791930" y="860100"/>
+                  <a:pt x="720106" y="807112"/>
+                </a:cubicBezTo>
+                <a:cubicBezTo>
+                  <a:pt x="714181" y="802848"/>
+                  <a:pt x="707904" y="802421"/>
+                  <a:pt x="698823" y="804708"/>
+                </a:cubicBezTo>
+                <a:cubicBezTo>
+                  <a:pt x="669544" y="812288"/>
+                  <a:pt x="659939" y="806334"/>
+                  <a:pt x="664513" y="784663"/>
+                </a:cubicBezTo>
+                <a:cubicBezTo>
+                  <a:pt x="665660" y="779304"/>
+                  <a:pt x="665686" y="775031"/>
+                  <a:pt x="660380" y="771165"/>
+                </a:cubicBezTo>
+                <a:cubicBezTo>
+                  <a:pt x="636661" y="753871"/>
+                  <a:pt x="611807" y="737427"/>
+                  <a:pt x="584959" y="722409"/>
+                </a:cubicBezTo>
+                <a:cubicBezTo>
+                  <a:pt x="535282" y="694735"/>
+                  <a:pt x="482226" y="670082"/>
+                  <a:pt x="435649" y="639659"/>
+                </a:cubicBezTo>
+                <a:cubicBezTo>
+                  <a:pt x="421965" y="630403"/>
+                  <a:pt x="411440" y="619340"/>
+                  <a:pt x="404944" y="606128"/>
+                </a:cubicBezTo>
+                <a:cubicBezTo>
+                  <a:pt x="402872" y="601635"/>
+                  <a:pt x="401613" y="595856"/>
+                  <a:pt x="408476" y="591466"/>
+                </a:cubicBezTo>
+                <a:cubicBezTo>
+                  <a:pt x="415044" y="587111"/>
+                  <a:pt x="420320" y="590506"/>
+                  <a:pt x="425225" y="592759"/>
+                </a:cubicBezTo>
+                <a:cubicBezTo>
+                  <a:pt x="445746" y="601899"/>
+                  <a:pt x="466578" y="611238"/>
+                  <a:pt x="487115" y="620614"/>
+                </a:cubicBezTo>
+                <a:cubicBezTo>
+                  <a:pt x="507947" y="629954"/>
+                  <a:pt x="528514" y="639800"/>
+                  <a:pt x="550277" y="649738"/>
+                </a:cubicBezTo>
+                <a:cubicBezTo>
+                  <a:pt x="551408" y="644145"/>
+                  <a:pt x="546904" y="643504"/>
+                  <a:pt x="544421" y="641907"/>
+                </a:cubicBezTo>
+                <a:cubicBezTo>
+                  <a:pt x="509355" y="619344"/>
+                  <a:pt x="471190" y="599529"/>
+                  <a:pt x="431905" y="580799"/>
+                </a:cubicBezTo>
+                <a:cubicBezTo>
+                  <a:pt x="401512" y="566211"/>
+                  <a:pt x="371947" y="550574"/>
+                  <a:pt x="351177" y="528177"/>
+                </a:cubicBezTo>
+                <a:cubicBezTo>
+                  <a:pt x="343180" y="519419"/>
+                  <a:pt x="338696" y="509759"/>
+                  <a:pt x="339749" y="498244"/>
+                </a:cubicBezTo>
+                <a:cubicBezTo>
+                  <a:pt x="340115" y="494641"/>
+                  <a:pt x="340481" y="491037"/>
+                  <a:pt x="346313" y="489145"/>
+                </a:cubicBezTo>
+                <a:cubicBezTo>
+                  <a:pt x="350979" y="487631"/>
+                  <a:pt x="354067" y="489392"/>
+                  <a:pt x="356579" y="491460"/>
+                </a:cubicBezTo>
+                <a:cubicBezTo>
+                  <a:pt x="360984" y="495197"/>
+                  <a:pt x="365388" y="498934"/>
+                  <a:pt x="371505" y="501516"/>
+                </a:cubicBezTo>
+                <a:cubicBezTo>
+                  <a:pt x="408203" y="517000"/>
+                  <a:pt x="442659" y="534654"/>
+                  <a:pt x="476275" y="553122"/>
+                </a:cubicBezTo>
+                <a:cubicBezTo>
+                  <a:pt x="531461" y="583213"/>
+                  <a:pt x="586103" y="614082"/>
+                  <a:pt x="649952" y="635294"/>
+                </a:cubicBezTo>
+                <a:cubicBezTo>
+                  <a:pt x="673972" y="643298"/>
+                  <a:pt x="698805" y="650018"/>
+                  <a:pt x="727161" y="651328"/>
+                </a:cubicBezTo>
+                <a:cubicBezTo>
+                  <a:pt x="726126" y="649081"/>
+                  <a:pt x="724263" y="647883"/>
+                  <a:pt x="722417" y="646921"/>
+                </a:cubicBezTo>
+                <a:cubicBezTo>
+                  <a:pt x="660627" y="615969"/>
+                  <a:pt x="600830" y="583590"/>
+                  <a:pt x="546079" y="546328"/>
+                </a:cubicBezTo>
+                <a:cubicBezTo>
+                  <a:pt x="478576" y="500409"/>
+                  <a:pt x="420223" y="448637"/>
+                  <a:pt x="378182" y="386585"/>
+                </a:cubicBezTo>
+                <a:cubicBezTo>
+                  <a:pt x="376229" y="383975"/>
+                  <a:pt x="374884" y="381528"/>
+                  <a:pt x="370158" y="382100"/>
+                </a:cubicBezTo>
+                <a:cubicBezTo>
+                  <a:pt x="358064" y="383802"/>
+                  <a:pt x="356583" y="379236"/>
+                  <a:pt x="357861" y="371252"/>
+                </a:cubicBezTo>
+                <a:cubicBezTo>
+                  <a:pt x="361373" y="351608"/>
+                  <a:pt x="352380" y="336565"/>
+                  <a:pt x="331313" y="328203"/>
+                </a:cubicBezTo>
+                <a:cubicBezTo>
+                  <a:pt x="316037" y="321986"/>
+                  <a:pt x="303183" y="316425"/>
+                  <a:pt x="319354" y="299282"/>
+                </a:cubicBezTo>
+                <a:cubicBezTo>
+                  <a:pt x="323265" y="295249"/>
+                  <a:pt x="321459" y="290249"/>
+                  <a:pt x="319682" y="285719"/>
+                </a:cubicBezTo>
+                <a:cubicBezTo>
+                  <a:pt x="317166" y="278905"/>
+                  <a:pt x="312080" y="273828"/>
+                  <a:pt x="306391" y="268585"/>
+                </a:cubicBezTo>
+                <a:cubicBezTo>
+                  <a:pt x="303227" y="265647"/>
+                  <a:pt x="299399" y="261602"/>
+                  <a:pt x="303294" y="257334"/>
+                </a:cubicBezTo>
+                <a:cubicBezTo>
+                  <a:pt x="307735" y="252289"/>
+                  <a:pt x="314131" y="254598"/>
+                  <a:pt x="319242" y="255403"/>
+                </a:cubicBezTo>
+                <a:cubicBezTo>
+                  <a:pt x="342683" y="258970"/>
+                  <a:pt x="357062" y="269803"/>
+                  <a:pt x="364093" y="286745"/>
+                </a:cubicBezTo>
+                <a:cubicBezTo>
+                  <a:pt x="368651" y="297582"/>
+                  <a:pt x="374307" y="297608"/>
+                  <a:pt x="385301" y="287973"/>
+                </a:cubicBezTo>
+                <a:cubicBezTo>
+                  <a:pt x="397712" y="277216"/>
+                  <a:pt x="408079" y="276436"/>
+                  <a:pt x="417598" y="285722"/>
+                </a:cubicBezTo>
+                <a:cubicBezTo>
+                  <a:pt x="425226" y="293339"/>
+                  <a:pt x="431406" y="301607"/>
+                  <a:pt x="440155" y="308139"/>
+                </a:cubicBezTo>
+                <a:cubicBezTo>
+                  <a:pt x="463623" y="326175"/>
+                  <a:pt x="485720" y="346039"/>
+                  <a:pt x="534406" y="339430"/>
+                </a:cubicBezTo>
+                <a:cubicBezTo>
+                  <a:pt x="520872" y="332528"/>
+                  <a:pt x="507316" y="334645"/>
+                  <a:pt x="495633" y="333450"/>
+                </a:cubicBezTo>
+                <a:cubicBezTo>
+                  <a:pt x="487244" y="332567"/>
+                  <a:pt x="478750" y="330037"/>
+                  <a:pt x="486289" y="322243"/>
+                </a:cubicBezTo>
+                <a:cubicBezTo>
+                  <a:pt x="494951" y="313365"/>
+                  <a:pt x="489365" y="309771"/>
+                  <a:pt x="484000" y="304964"/>
+                </a:cubicBezTo>
+                <a:cubicBezTo>
+                  <a:pt x="471673" y="293645"/>
+                  <a:pt x="461604" y="280392"/>
+                  <a:pt x="436911" y="280536"/>
+                </a:cubicBezTo>
+                <a:cubicBezTo>
+                  <a:pt x="433041" y="280530"/>
+                  <a:pt x="429923" y="278297"/>
+                  <a:pt x="426865" y="277007"/>
+                </a:cubicBezTo>
+                <a:cubicBezTo>
+                  <a:pt x="422581" y="275154"/>
+                  <a:pt x="418872" y="272993"/>
+                  <a:pt x="420654" y="268269"/>
+                </a:cubicBezTo>
+                <a:cubicBezTo>
+                  <a:pt x="422468" y="264016"/>
+                  <a:pt x="426748" y="261125"/>
+                  <a:pt x="432329" y="259975"/>
+                </a:cubicBezTo>
+                <a:cubicBezTo>
+                  <a:pt x="437320" y="258895"/>
+                  <a:pt x="442621" y="258016"/>
+                  <a:pt x="447672" y="257879"/>
+                </a:cubicBezTo>
+                <a:cubicBezTo>
+                  <a:pt x="470223" y="256809"/>
+                  <a:pt x="486254" y="265543"/>
+                  <a:pt x="502242" y="273572"/>
+                </a:cubicBezTo>
+                <a:cubicBezTo>
+                  <a:pt x="558179" y="301436"/>
+                  <a:pt x="607891" y="334326"/>
+                  <a:pt x="659874" y="365516"/>
+                </a:cubicBezTo>
+                <a:cubicBezTo>
+                  <a:pt x="711842" y="396471"/>
+                  <a:pt x="772192" y="418818"/>
+                  <a:pt x="829177" y="444421"/>
+                </a:cubicBezTo>
+                <a:cubicBezTo>
+                  <a:pt x="960626" y="503711"/>
+                  <a:pt x="1092650" y="562693"/>
+                  <a:pt x="1231903" y="613682"/>
+                </a:cubicBezTo>
+                <a:cubicBezTo>
+                  <a:pt x="1368099" y="663381"/>
+                  <a:pt x="1823141" y="686561"/>
+                  <a:pt x="1911736" y="685084"/>
+                </a:cubicBezTo>
+                <a:cubicBezTo>
+                  <a:pt x="2024994" y="682992"/>
+                  <a:pt x="2291986" y="655399"/>
+                  <a:pt x="2564313" y="632143"/>
+                </a:cubicBezTo>
+                <a:cubicBezTo>
+                  <a:pt x="2595089" y="629364"/>
+                  <a:pt x="2625288" y="626893"/>
+                  <a:pt x="2657304" y="624913"/>
+                </a:cubicBezTo>
+                <a:cubicBezTo>
+                  <a:pt x="3564401" y="568191"/>
+                  <a:pt x="4203594" y="276765"/>
+                  <a:pt x="4235818" y="259339"/>
+                </a:cubicBezTo>
+                <a:cubicBezTo>
+                  <a:pt x="4287616" y="231474"/>
+                  <a:pt x="4460006" y="176429"/>
+                  <a:pt x="4460331" y="176864"/>
+                </a:cubicBezTo>
+                <a:cubicBezTo>
+                  <a:pt x="4464175" y="181144"/>
+                  <a:pt x="4483735" y="184529"/>
+                  <a:pt x="4499578" y="186791"/>
+                </a:cubicBezTo>
+                <a:lnTo>
+                  <a:pt x="4514640" y="188841"/>
+                </a:lnTo>
+                <a:lnTo>
+                  <a:pt x="4516523" y="189988"/>
+                </a:lnTo>
+                <a:cubicBezTo>
+                  <a:pt x="4522035" y="190091"/>
+                  <a:pt x="4521760" y="189857"/>
+                  <a:pt x="4518126" y="189316"/>
+                </a:cubicBezTo>
+                <a:lnTo>
+                  <a:pt x="4514640" y="188841"/>
+                </a:lnTo>
+                <a:lnTo>
+                  <a:pt x="4511569" y="186970"/>
+                </a:lnTo>
+                <a:cubicBezTo>
+                  <a:pt x="4510788" y="185226"/>
+                  <a:pt x="4510719" y="182981"/>
+                  <a:pt x="4510888" y="180943"/>
+                </a:cubicBezTo>
+                <a:cubicBezTo>
+                  <a:pt x="4511690" y="170169"/>
+                  <a:pt x="4517648" y="160906"/>
+                  <a:pt x="4531865" y="155151"/>
+                </a:cubicBezTo>
+                <a:cubicBezTo>
+                  <a:pt x="4545507" y="149703"/>
+                  <a:pt x="4559473" y="144689"/>
+                  <a:pt x="4573441" y="139676"/>
+                </a:cubicBezTo>
+                <a:cubicBezTo>
+                  <a:pt x="4585075" y="135420"/>
+                  <a:pt x="4593048" y="134454"/>
+                  <a:pt x="4594964" y="145847"/>
+                </a:cubicBezTo>
+                <a:cubicBezTo>
+                  <a:pt x="4596879" y="157242"/>
+                  <a:pt x="4613452" y="160454"/>
+                  <a:pt x="4623059" y="152410"/>
+                </a:cubicBezTo>
+                <a:cubicBezTo>
+                  <a:pt x="4660632" y="120811"/>
+                  <a:pt x="4705757" y="95654"/>
+                  <a:pt x="4748356" y="68192"/>
+                </a:cubicBezTo>
+                <a:cubicBezTo>
+                  <a:pt x="4778098" y="49168"/>
+                  <a:pt x="4809406" y="31378"/>
+                  <a:pt x="4833812" y="8017"/>
+                </a:cubicBezTo>
+                <a:cubicBezTo>
+                  <a:pt x="4838299" y="3678"/>
+                  <a:pt x="4842399" y="-2039"/>
+                  <a:pt x="4850908" y="727"/>
+                </a:cubicBezTo>
+                <a:close/>
+              </a:path>
+            </a:pathLst>
+          </a:custGeom>
+          <a:solidFill>
+            <a:schemeClr val="bg2">
+              <a:alpha val="50000"/>
+            </a:schemeClr>
+          </a:solidFill>
+          <a:ln w="32707" cap="flat">
+            <a:noFill/>
+            <a:prstDash val="solid"/>
+            <a:miter/>
+          </a:ln>
+        </p:spPr>
+        <p:txBody>
+          <a:bodyPr wrap="square" rtlCol="0" anchor="ctr">
+            <a:noAutofit/>
+          </a:bodyPr>
+          <a:lstStyle/>
+          <a:p>
+            <a:pPr algn="ctr"/>
+            <a:endParaRPr lang="en-US">
+              <a:solidFill>
+                <a:schemeClr val="tx1"/>
+              </a:solidFill>
+            </a:endParaRPr>
+          </a:p>
+        </p:txBody>
+      </p:sp>
+      <p:sp>
+        <p:nvSpPr>
+          <p:cNvPr id="2" name="Title 1">
+            <a:extLst>
+              <a:ext uri="{FF2B5EF4-FFF2-40B4-BE49-F238E27FC236}">
+                <a16:creationId xmlns:a16="http://schemas.microsoft.com/office/drawing/2014/main" id="{C209C4B2-8AB1-CB3A-A743-7E1A32C4CE1B}"/>
+              </a:ext>
+            </a:extLst>
+          </p:cNvPr>
+          <p:cNvSpPr>
+            <a:spLocks noGrp="1"/>
+          </p:cNvSpPr>
+          <p:nvPr>
+            <p:ph type="title"/>
+          </p:nvPr>
+        </p:nvSpPr>
+        <p:spPr>
+          <a:xfrm>
+            <a:off x="1000941" y="685801"/>
+            <a:ext cx="3494859" cy="5491162"/>
+          </a:xfrm>
+        </p:spPr>
+        <p:txBody>
+          <a:bodyPr>
+            <a:normAutofit/>
+          </a:bodyPr>
+          <a:lstStyle/>
+          <a:p>
+            <a:r>
+              <a:rPr lang="en-GB" dirty="0"/>
+              <a:t>Objectives</a:t>
+            </a:r>
+            <a:endParaRPr lang="en-US" dirty="0"/>
+          </a:p>
+        </p:txBody>
+      </p:sp>
+      <p:graphicFrame>
+        <p:nvGraphicFramePr>
+          <p:cNvPr id="5" name="Content Placeholder 2">
+            <a:extLst>
+              <a:ext uri="{FF2B5EF4-FFF2-40B4-BE49-F238E27FC236}">
+                <a16:creationId xmlns:a16="http://schemas.microsoft.com/office/drawing/2014/main" id="{D0EB5F7F-6872-AEF0-1863-4BF7B9FD1A8A}"/>
+              </a:ext>
+            </a:extLst>
+          </p:cNvPr>
+          <p:cNvGraphicFramePr>
+            <a:graphicFrameLocks noGrp="1"/>
+          </p:cNvGraphicFramePr>
+          <p:nvPr>
+            <p:ph idx="1"/>
+            <p:extLst>
+              <p:ext uri="{D42A27DB-BD31-4B8C-83A1-F6EECF244321}">
+                <p14:modId xmlns:p14="http://schemas.microsoft.com/office/powerpoint/2010/main" val="2643381677"/>
+              </p:ext>
+            </p:extLst>
+          </p:nvPr>
+        </p:nvGraphicFramePr>
+        <p:xfrm>
+          <a:off x="4702547" y="838199"/>
+          <a:ext cx="6651253" cy="5338764"/>
+        </p:xfrm>
+        <a:graphic>
+          <a:graphicData uri="http://schemas.openxmlformats.org/drawingml/2006/diagram">
+            <dgm:relIds xmlns:dgm="http://schemas.openxmlformats.org/drawingml/2006/diagram" xmlns:r="http://schemas.openxmlformats.org/officeDocument/2006/relationships" r:dm="rId2" r:lo="rId3" r:qs="rId4" r:cs="rId5"/>
+          </a:graphicData>
+        </a:graphic>
+      </p:graphicFrame>
+    </p:spTree>
+    <p:extLst>
+      <p:ext uri="{BB962C8B-B14F-4D97-AF65-F5344CB8AC3E}">
+        <p14:creationId xmlns:p14="http://schemas.microsoft.com/office/powerpoint/2010/main" val="77808462"/>
+      </p:ext>
+    </p:extLst>
+  </p:cSld>
+  <p:clrMapOvr>
+    <a:masterClrMapping/>
+  </p:clrMapOvr>
+</p:sld>
+</file>
+
+<file path=ppt/slides/slide3.xml><?xml version="1.0" encoding="utf-8"?>
+<p:sld xmlns:a="http://schemas.openxmlformats.org/drawingml/2006/main" xmlns:r="http://schemas.openxmlformats.org/officeDocument/2006/relationships" xmlns:p="http://schemas.openxmlformats.org/presentationml/2006/main">
+  <p:cSld>
+    <p:bg>
+      <p:bgPr>
+        <a:solidFill>
+          <a:schemeClr val="bg1"/>
+        </a:solidFill>
+        <a:effectLst/>
+      </p:bgPr>
+    </p:bg>
+    <p:spTree>
+      <p:nvGrpSpPr>
+        <p:cNvPr id="1" name=""/>
+        <p:cNvGrpSpPr/>
+        <p:nvPr/>
+      </p:nvGrpSpPr>
+      <p:grpSpPr>
+        <a:xfrm>
+          <a:off x="0" y="0"/>
+          <a:ext cx="0" cy="0"/>
+          <a:chOff x="0" y="0"/>
+          <a:chExt cx="0" cy="0"/>
+        </a:xfrm>
+      </p:grpSpPr>
+      <p:sp useBgFill="1">
+        <p:nvSpPr>
+          <p:cNvPr id="24" name="Rectangle 23">
+            <a:extLst>
+              <a:ext uri="{FF2B5EF4-FFF2-40B4-BE49-F238E27FC236}">
+                <a16:creationId xmlns:a16="http://schemas.microsoft.com/office/drawing/2014/main" id="{45D37F4E-DDB4-456B-97E0-9937730A039F}"/>
+              </a:ext>
+              <a:ext uri="{C183D7F6-B498-43B3-948B-1728B52AA6E4}">
+                <adec:decorative xmlns:adec="http://schemas.microsoft.com/office/drawing/2017/decorative" val="1"/>
+              </a:ext>
+            </a:extLst>
+          </p:cNvPr>
+          <p:cNvSpPr>
+            <a:spLocks noGrp="1" noRot="1" noChangeAspect="1" noMove="1" noResize="1" noEditPoints="1" noAdjustHandles="1" noChangeArrowheads="1" noChangeShapeType="1" noTextEdit="1"/>
+          </p:cNvSpPr>
+          <p:nvPr>
+            <p:extLst>
+              <p:ext uri="{386F3935-93C4-4BCD-93E2-E3B085C9AB24}">
+                <p16:designElem xmlns:p16="http://schemas.microsoft.com/office/powerpoint/2015/main" val="1"/>
+              </p:ext>
+            </p:extLst>
+          </p:nvPr>
+        </p:nvSpPr>
+        <p:spPr>
+          <a:xfrm>
+            <a:off x="0" y="0"/>
+            <a:ext cx="12188952" cy="6858000"/>
+          </a:xfrm>
+          <a:prstGeom prst="rect">
+            <a:avLst/>
+          </a:prstGeom>
+          <a:ln>
+            <a:noFill/>
+          </a:ln>
+        </p:spPr>
+        <p:style>
+          <a:lnRef idx="2">
+            <a:schemeClr val="accent1">
+              <a:shade val="50000"/>
+            </a:schemeClr>
+          </a:lnRef>
+          <a:fillRef idx="1">
+            <a:schemeClr val="accent1"/>
+          </a:fillRef>
+          <a:effectRef idx="0">
+            <a:schemeClr val="accent1"/>
+          </a:effectRef>
+          <a:fontRef idx="minor">
+            <a:schemeClr val="lt1"/>
+          </a:fontRef>
+        </p:style>
+        <p:txBody>
+          <a:bodyPr rtlCol="0" anchor="ctr"/>
+          <a:lstStyle/>
+          <a:p>
+            <a:pPr algn="ctr"/>
+            <a:endParaRPr lang="en-US"/>
+          </a:p>
+        </p:txBody>
+      </p:sp>
+      <p:sp>
+        <p:nvSpPr>
+          <p:cNvPr id="2" name="Title 1">
+            <a:extLst>
+              <a:ext uri="{FF2B5EF4-FFF2-40B4-BE49-F238E27FC236}">
+                <a16:creationId xmlns:a16="http://schemas.microsoft.com/office/drawing/2014/main" id="{31BC6D9B-DE87-F81F-23D7-000790C11162}"/>
+              </a:ext>
+            </a:extLst>
+          </p:cNvPr>
+          <p:cNvSpPr>
+            <a:spLocks noGrp="1"/>
+          </p:cNvSpPr>
+          <p:nvPr>
+            <p:ph type="title"/>
+          </p:nvPr>
+        </p:nvSpPr>
+        <p:spPr>
+          <a:xfrm>
+            <a:off x="572493" y="238539"/>
+            <a:ext cx="11018520" cy="1434415"/>
+          </a:xfrm>
+        </p:spPr>
+        <p:txBody>
+          <a:bodyPr anchor="b">
+            <a:normAutofit/>
+          </a:bodyPr>
+          <a:lstStyle/>
+          <a:p>
+            <a:r>
+              <a:rPr lang="en-GB" sz="5400"/>
+              <a:t>Timeliness of deliveries</a:t>
+            </a:r>
+            <a:endParaRPr lang="en-US" sz="5400"/>
+          </a:p>
+        </p:txBody>
+      </p:sp>
+      <p:sp>
+        <p:nvSpPr>
+          <p:cNvPr id="26" name="sketchy line">
+            <a:extLst>
+              <a:ext uri="{FF2B5EF4-FFF2-40B4-BE49-F238E27FC236}">
+                <a16:creationId xmlns:a16="http://schemas.microsoft.com/office/drawing/2014/main" id="{B2DD41CD-8F47-4F56-AD12-4E2FF7696987}"/>
+              </a:ext>
+              <a:ext uri="{C183D7F6-B498-43B3-948B-1728B52AA6E4}">
+                <adec:decorative xmlns:adec="http://schemas.microsoft.com/office/drawing/2017/decorative" val="1"/>
+              </a:ext>
+            </a:extLst>
+          </p:cNvPr>
+          <p:cNvSpPr>
+            <a:spLocks noGrp="1" noRot="1" noChangeAspect="1" noMove="1" noResize="1" noEditPoints="1" noAdjustHandles="1" noChangeArrowheads="1" noChangeShapeType="1" noTextEdit="1"/>
+          </p:cNvSpPr>
+          <p:nvPr>
+            <p:extLst>
+              <p:ext uri="{386F3935-93C4-4BCD-93E2-E3B085C9AB24}">
+                <p16:designElem xmlns:p16="http://schemas.microsoft.com/office/powerpoint/2015/main" val="1"/>
+              </p:ext>
+            </p:extLst>
+          </p:nvPr>
+        </p:nvSpPr>
+        <p:spPr>
+          <a:xfrm>
+            <a:off x="572493" y="1681544"/>
+            <a:ext cx="10972800" cy="18288"/>
+          </a:xfrm>
+          <a:custGeom>
+            <a:avLst/>
+            <a:gdLst>
+              <a:gd name="connsiteX0" fmla="*/ 0 w 10972800"/>
+              <a:gd name="connsiteY0" fmla="*/ 0 h 18288"/>
+              <a:gd name="connsiteX1" fmla="*/ 356616 w 10972800"/>
+              <a:gd name="connsiteY1" fmla="*/ 0 h 18288"/>
+              <a:gd name="connsiteX2" fmla="*/ 1042416 w 10972800"/>
+              <a:gd name="connsiteY2" fmla="*/ 0 h 18288"/>
+              <a:gd name="connsiteX3" fmla="*/ 1947672 w 10972800"/>
+              <a:gd name="connsiteY3" fmla="*/ 0 h 18288"/>
+              <a:gd name="connsiteX4" fmla="*/ 2633472 w 10972800"/>
+              <a:gd name="connsiteY4" fmla="*/ 0 h 18288"/>
+              <a:gd name="connsiteX5" fmla="*/ 2990088 w 10972800"/>
+              <a:gd name="connsiteY5" fmla="*/ 0 h 18288"/>
+              <a:gd name="connsiteX6" fmla="*/ 3456432 w 10972800"/>
+              <a:gd name="connsiteY6" fmla="*/ 0 h 18288"/>
+              <a:gd name="connsiteX7" fmla="*/ 4361688 w 10972800"/>
+              <a:gd name="connsiteY7" fmla="*/ 0 h 18288"/>
+              <a:gd name="connsiteX8" fmla="*/ 5266944 w 10972800"/>
+              <a:gd name="connsiteY8" fmla="*/ 0 h 18288"/>
+              <a:gd name="connsiteX9" fmla="*/ 6172200 w 10972800"/>
+              <a:gd name="connsiteY9" fmla="*/ 0 h 18288"/>
+              <a:gd name="connsiteX10" fmla="*/ 6528816 w 10972800"/>
+              <a:gd name="connsiteY10" fmla="*/ 0 h 18288"/>
+              <a:gd name="connsiteX11" fmla="*/ 7214616 w 10972800"/>
+              <a:gd name="connsiteY11" fmla="*/ 0 h 18288"/>
+              <a:gd name="connsiteX12" fmla="*/ 7790688 w 10972800"/>
+              <a:gd name="connsiteY12" fmla="*/ 0 h 18288"/>
+              <a:gd name="connsiteX13" fmla="*/ 8147304 w 10972800"/>
+              <a:gd name="connsiteY13" fmla="*/ 0 h 18288"/>
+              <a:gd name="connsiteX14" fmla="*/ 9052560 w 10972800"/>
+              <a:gd name="connsiteY14" fmla="*/ 0 h 18288"/>
+              <a:gd name="connsiteX15" fmla="*/ 9409176 w 10972800"/>
+              <a:gd name="connsiteY15" fmla="*/ 0 h 18288"/>
+              <a:gd name="connsiteX16" fmla="*/ 9765792 w 10972800"/>
+              <a:gd name="connsiteY16" fmla="*/ 0 h 18288"/>
+              <a:gd name="connsiteX17" fmla="*/ 10341864 w 10972800"/>
+              <a:gd name="connsiteY17" fmla="*/ 0 h 18288"/>
+              <a:gd name="connsiteX18" fmla="*/ 10972800 w 10972800"/>
+              <a:gd name="connsiteY18" fmla="*/ 0 h 18288"/>
+              <a:gd name="connsiteX19" fmla="*/ 10972800 w 10972800"/>
+              <a:gd name="connsiteY19" fmla="*/ 18288 h 18288"/>
+              <a:gd name="connsiteX20" fmla="*/ 10177272 w 10972800"/>
+              <a:gd name="connsiteY20" fmla="*/ 18288 h 18288"/>
+              <a:gd name="connsiteX21" fmla="*/ 9820656 w 10972800"/>
+              <a:gd name="connsiteY21" fmla="*/ 18288 h 18288"/>
+              <a:gd name="connsiteX22" fmla="*/ 9464040 w 10972800"/>
+              <a:gd name="connsiteY22" fmla="*/ 18288 h 18288"/>
+              <a:gd name="connsiteX23" fmla="*/ 8778240 w 10972800"/>
+              <a:gd name="connsiteY23" fmla="*/ 18288 h 18288"/>
+              <a:gd name="connsiteX24" fmla="*/ 8421624 w 10972800"/>
+              <a:gd name="connsiteY24" fmla="*/ 18288 h 18288"/>
+              <a:gd name="connsiteX25" fmla="*/ 7735824 w 10972800"/>
+              <a:gd name="connsiteY25" fmla="*/ 18288 h 18288"/>
+              <a:gd name="connsiteX26" fmla="*/ 6940296 w 10972800"/>
+              <a:gd name="connsiteY26" fmla="*/ 18288 h 18288"/>
+              <a:gd name="connsiteX27" fmla="*/ 6254496 w 10972800"/>
+              <a:gd name="connsiteY27" fmla="*/ 18288 h 18288"/>
+              <a:gd name="connsiteX28" fmla="*/ 5458968 w 10972800"/>
+              <a:gd name="connsiteY28" fmla="*/ 18288 h 18288"/>
+              <a:gd name="connsiteX29" fmla="*/ 4663440 w 10972800"/>
+              <a:gd name="connsiteY29" fmla="*/ 18288 h 18288"/>
+              <a:gd name="connsiteX30" fmla="*/ 4306824 w 10972800"/>
+              <a:gd name="connsiteY30" fmla="*/ 18288 h 18288"/>
+              <a:gd name="connsiteX31" fmla="*/ 3840480 w 10972800"/>
+              <a:gd name="connsiteY31" fmla="*/ 18288 h 18288"/>
+              <a:gd name="connsiteX32" fmla="*/ 3264408 w 10972800"/>
+              <a:gd name="connsiteY32" fmla="*/ 18288 h 18288"/>
+              <a:gd name="connsiteX33" fmla="*/ 2578608 w 10972800"/>
+              <a:gd name="connsiteY33" fmla="*/ 18288 h 18288"/>
+              <a:gd name="connsiteX34" fmla="*/ 1673352 w 10972800"/>
+              <a:gd name="connsiteY34" fmla="*/ 18288 h 18288"/>
+              <a:gd name="connsiteX35" fmla="*/ 877824 w 10972800"/>
+              <a:gd name="connsiteY35" fmla="*/ 18288 h 18288"/>
+              <a:gd name="connsiteX36" fmla="*/ 0 w 10972800"/>
+              <a:gd name="connsiteY36" fmla="*/ 18288 h 18288"/>
+              <a:gd name="connsiteX37" fmla="*/ 0 w 10972800"/>
+              <a:gd name="connsiteY37" fmla="*/ 0 h 18288"/>
+            </a:gdLst>
+            <a:ahLst/>
+            <a:cxnLst>
+              <a:cxn ang="0">
+                <a:pos x="connsiteX0" y="connsiteY0"/>
+              </a:cxn>
+              <a:cxn ang="0">
+                <a:pos x="connsiteX1" y="connsiteY1"/>
+              </a:cxn>
+              <a:cxn ang="0">
+                <a:pos x="connsiteX2" y="connsiteY2"/>
+              </a:cxn>
+              <a:cxn ang="0">
+                <a:pos x="connsiteX3" y="connsiteY3"/>
+              </a:cxn>
+              <a:cxn ang="0">
+                <a:pos x="connsiteX4" y="connsiteY4"/>
+              </a:cxn>
+              <a:cxn ang="0">
+                <a:pos x="connsiteX5" y="connsiteY5"/>
+              </a:cxn>
+              <a:cxn ang="0">
+                <a:pos x="connsiteX6" y="connsiteY6"/>
+              </a:cxn>
+              <a:cxn ang="0">
+                <a:pos x="connsiteX7" y="connsiteY7"/>
+              </a:cxn>
+              <a:cxn ang="0">
+                <a:pos x="connsiteX8" y="connsiteY8"/>
+              </a:cxn>
+              <a:cxn ang="0">
+                <a:pos x="connsiteX9" y="connsiteY9"/>
+              </a:cxn>
+              <a:cxn ang="0">
+                <a:pos x="connsiteX10" y="connsiteY10"/>
+              </a:cxn>
+              <a:cxn ang="0">
+                <a:pos x="connsiteX11" y="connsiteY11"/>
+              </a:cxn>
+              <a:cxn ang="0">
+                <a:pos x="connsiteX12" y="connsiteY12"/>
+              </a:cxn>
+              <a:cxn ang="0">
+                <a:pos x="connsiteX13" y="connsiteY13"/>
+              </a:cxn>
+              <a:cxn ang="0">
+                <a:pos x="connsiteX14" y="connsiteY14"/>
+              </a:cxn>
+              <a:cxn ang="0">
+                <a:pos x="connsiteX15" y="connsiteY15"/>
+              </a:cxn>
+              <a:cxn ang="0">
+                <a:pos x="connsiteX16" y="connsiteY16"/>
+              </a:cxn>
+              <a:cxn ang="0">
+                <a:pos x="connsiteX17" y="connsiteY17"/>
+              </a:cxn>
+              <a:cxn ang="0">
+                <a:pos x="connsiteX18" y="connsiteY18"/>
+              </a:cxn>
+              <a:cxn ang="0">
+                <a:pos x="connsiteX19" y="connsiteY19"/>
+              </a:cxn>
+              <a:cxn ang="0">
+                <a:pos x="connsiteX20" y="connsiteY20"/>
+              </a:cxn>
+              <a:cxn ang="0">
+                <a:pos x="connsiteX21" y="connsiteY21"/>
+              </a:cxn>
+              <a:cxn ang="0">
+                <a:pos x="connsiteX22" y="connsiteY22"/>
+              </a:cxn>
+              <a:cxn ang="0">
+                <a:pos x="connsiteX23" y="connsiteY23"/>
+              </a:cxn>
+              <a:cxn ang="0">
+                <a:pos x="connsiteX24" y="connsiteY24"/>
+              </a:cxn>
+              <a:cxn ang="0">
+                <a:pos x="connsiteX25" y="connsiteY25"/>
+              </a:cxn>
+              <a:cxn ang="0">
+                <a:pos x="connsiteX26" y="connsiteY26"/>
+              </a:cxn>
+              <a:cxn ang="0">
+                <a:pos x="connsiteX27" y="connsiteY27"/>
+              </a:cxn>
+              <a:cxn ang="0">
+                <a:pos x="connsiteX28" y="connsiteY28"/>
+              </a:cxn>
+              <a:cxn ang="0">
+                <a:pos x="connsiteX29" y="connsiteY29"/>
+              </a:cxn>
+              <a:cxn ang="0">
+                <a:pos x="connsiteX30" y="connsiteY30"/>
+              </a:cxn>
+              <a:cxn ang="0">
+                <a:pos x="connsiteX31" y="connsiteY31"/>
+              </a:cxn>
+              <a:cxn ang="0">
+                <a:pos x="connsiteX32" y="connsiteY32"/>
+              </a:cxn>
+              <a:cxn ang="0">
+                <a:pos x="connsiteX33" y="connsiteY33"/>
+              </a:cxn>
+              <a:cxn ang="0">
+                <a:pos x="connsiteX34" y="connsiteY34"/>
+              </a:cxn>
+              <a:cxn ang="0">
+                <a:pos x="connsiteX35" y="connsiteY35"/>
+              </a:cxn>
+              <a:cxn ang="0">
+                <a:pos x="connsiteX36" y="connsiteY36"/>
+              </a:cxn>
+              <a:cxn ang="0">
+                <a:pos x="connsiteX37" y="connsiteY37"/>
+              </a:cxn>
+            </a:cxnLst>
+            <a:rect l="l" t="t" r="r" b="b"/>
+            <a:pathLst>
+              <a:path w="10972800" h="18288" fill="none" extrusionOk="0">
+                <a:moveTo>
+                  <a:pt x="0" y="0"/>
+                </a:moveTo>
+                <a:cubicBezTo>
+                  <a:pt x="165916" y="-1866"/>
+                  <a:pt x="188720" y="13756"/>
+                  <a:pt x="356616" y="0"/>
+                </a:cubicBezTo>
+                <a:cubicBezTo>
+                  <a:pt x="524512" y="-13756"/>
+                  <a:pt x="734781" y="8922"/>
+                  <a:pt x="1042416" y="0"/>
+                </a:cubicBezTo>
+                <a:cubicBezTo>
+                  <a:pt x="1350051" y="-8922"/>
+                  <a:pt x="1595982" y="-26315"/>
+                  <a:pt x="1947672" y="0"/>
+                </a:cubicBezTo>
+                <a:cubicBezTo>
+                  <a:pt x="2299362" y="26315"/>
+                  <a:pt x="2292691" y="-19526"/>
+                  <a:pt x="2633472" y="0"/>
+                </a:cubicBezTo>
+                <a:cubicBezTo>
+                  <a:pt x="2974253" y="19526"/>
+                  <a:pt x="2857309" y="10773"/>
+                  <a:pt x="2990088" y="0"/>
+                </a:cubicBezTo>
+                <a:cubicBezTo>
+                  <a:pt x="3122867" y="-10773"/>
+                  <a:pt x="3359343" y="7194"/>
+                  <a:pt x="3456432" y="0"/>
+                </a:cubicBezTo>
+                <a:cubicBezTo>
+                  <a:pt x="3553521" y="-7194"/>
+                  <a:pt x="4136258" y="5108"/>
+                  <a:pt x="4361688" y="0"/>
+                </a:cubicBezTo>
+                <a:cubicBezTo>
+                  <a:pt x="4587118" y="-5108"/>
+                  <a:pt x="4992424" y="-42958"/>
+                  <a:pt x="5266944" y="0"/>
+                </a:cubicBezTo>
+                <a:cubicBezTo>
+                  <a:pt x="5541464" y="42958"/>
+                  <a:pt x="5882966" y="-3430"/>
+                  <a:pt x="6172200" y="0"/>
+                </a:cubicBezTo>
+                <a:cubicBezTo>
+                  <a:pt x="6461434" y="3430"/>
+                  <a:pt x="6432127" y="6688"/>
+                  <a:pt x="6528816" y="0"/>
+                </a:cubicBezTo>
+                <a:cubicBezTo>
+                  <a:pt x="6625505" y="-6688"/>
+                  <a:pt x="6916805" y="-436"/>
+                  <a:pt x="7214616" y="0"/>
+                </a:cubicBezTo>
+                <a:cubicBezTo>
+                  <a:pt x="7512427" y="436"/>
+                  <a:pt x="7626159" y="-6909"/>
+                  <a:pt x="7790688" y="0"/>
+                </a:cubicBezTo>
+                <a:cubicBezTo>
+                  <a:pt x="7955217" y="6909"/>
+                  <a:pt x="8048891" y="15307"/>
+                  <a:pt x="8147304" y="0"/>
+                </a:cubicBezTo>
+                <a:cubicBezTo>
+                  <a:pt x="8245717" y="-15307"/>
+                  <a:pt x="8645618" y="-11734"/>
+                  <a:pt x="9052560" y="0"/>
+                </a:cubicBezTo>
+                <a:cubicBezTo>
+                  <a:pt x="9459502" y="11734"/>
+                  <a:pt x="9320584" y="8388"/>
+                  <a:pt x="9409176" y="0"/>
+                </a:cubicBezTo>
+                <a:cubicBezTo>
+                  <a:pt x="9497768" y="-8388"/>
+                  <a:pt x="9644192" y="8379"/>
+                  <a:pt x="9765792" y="0"/>
+                </a:cubicBezTo>
+                <a:cubicBezTo>
+                  <a:pt x="9887392" y="-8379"/>
+                  <a:pt x="10105220" y="-12663"/>
+                  <a:pt x="10341864" y="0"/>
+                </a:cubicBezTo>
+                <a:cubicBezTo>
+                  <a:pt x="10578508" y="12663"/>
+                  <a:pt x="10773103" y="-5786"/>
+                  <a:pt x="10972800" y="0"/>
+                </a:cubicBezTo>
+                <a:cubicBezTo>
+                  <a:pt x="10972146" y="8818"/>
+                  <a:pt x="10972240" y="13823"/>
+                  <a:pt x="10972800" y="18288"/>
+                </a:cubicBezTo>
+                <a:cubicBezTo>
+                  <a:pt x="10588778" y="31598"/>
+                  <a:pt x="10543381" y="-12698"/>
+                  <a:pt x="10177272" y="18288"/>
+                </a:cubicBezTo>
+                <a:cubicBezTo>
+                  <a:pt x="9811163" y="49274"/>
+                  <a:pt x="9996817" y="25662"/>
+                  <a:pt x="9820656" y="18288"/>
+                </a:cubicBezTo>
+                <a:cubicBezTo>
+                  <a:pt x="9644495" y="10914"/>
+                  <a:pt x="9607007" y="31631"/>
+                  <a:pt x="9464040" y="18288"/>
+                </a:cubicBezTo>
+                <a:cubicBezTo>
+                  <a:pt x="9321073" y="4945"/>
+                  <a:pt x="9114189" y="28940"/>
+                  <a:pt x="8778240" y="18288"/>
+                </a:cubicBezTo>
+                <a:cubicBezTo>
+                  <a:pt x="8442291" y="7636"/>
+                  <a:pt x="8594763" y="987"/>
+                  <a:pt x="8421624" y="18288"/>
+                </a:cubicBezTo>
+                <a:cubicBezTo>
+                  <a:pt x="8248485" y="35589"/>
+                  <a:pt x="7929515" y="37573"/>
+                  <a:pt x="7735824" y="18288"/>
+                </a:cubicBezTo>
+                <a:cubicBezTo>
+                  <a:pt x="7542133" y="-997"/>
+                  <a:pt x="7252504" y="33858"/>
+                  <a:pt x="6940296" y="18288"/>
+                </a:cubicBezTo>
+                <a:cubicBezTo>
+                  <a:pt x="6628088" y="2718"/>
+                  <a:pt x="6528503" y="48389"/>
+                  <a:pt x="6254496" y="18288"/>
+                </a:cubicBezTo>
+                <a:cubicBezTo>
+                  <a:pt x="5980489" y="-11813"/>
+                  <a:pt x="5695784" y="-3740"/>
+                  <a:pt x="5458968" y="18288"/>
+                </a:cubicBezTo>
+                <a:cubicBezTo>
+                  <a:pt x="5222152" y="40316"/>
+                  <a:pt x="5010751" y="19095"/>
+                  <a:pt x="4663440" y="18288"/>
+                </a:cubicBezTo>
+                <a:cubicBezTo>
+                  <a:pt x="4316129" y="17481"/>
+                  <a:pt x="4425552" y="1606"/>
+                  <a:pt x="4306824" y="18288"/>
+                </a:cubicBezTo>
+                <a:cubicBezTo>
+                  <a:pt x="4188096" y="34970"/>
+                  <a:pt x="3941535" y="7481"/>
+                  <a:pt x="3840480" y="18288"/>
+                </a:cubicBezTo>
+                <a:cubicBezTo>
+                  <a:pt x="3739425" y="29095"/>
+                  <a:pt x="3402388" y="17641"/>
+                  <a:pt x="3264408" y="18288"/>
+                </a:cubicBezTo>
+                <a:cubicBezTo>
+                  <a:pt x="3126428" y="18935"/>
+                  <a:pt x="2776779" y="9983"/>
+                  <a:pt x="2578608" y="18288"/>
+                </a:cubicBezTo>
+                <a:cubicBezTo>
+                  <a:pt x="2380437" y="26593"/>
+                  <a:pt x="1909468" y="25818"/>
+                  <a:pt x="1673352" y="18288"/>
+                </a:cubicBezTo>
+                <a:cubicBezTo>
+                  <a:pt x="1437236" y="10758"/>
+                  <a:pt x="1131180" y="49884"/>
+                  <a:pt x="877824" y="18288"/>
+                </a:cubicBezTo>
+                <a:cubicBezTo>
+                  <a:pt x="624468" y="-13308"/>
+                  <a:pt x="206753" y="2195"/>
+                  <a:pt x="0" y="18288"/>
+                </a:cubicBezTo>
+                <a:cubicBezTo>
+                  <a:pt x="313" y="10654"/>
+                  <a:pt x="-263" y="4056"/>
+                  <a:pt x="0" y="0"/>
+                </a:cubicBezTo>
+                <a:close/>
+              </a:path>
+              <a:path w="10972800" h="18288" stroke="0" extrusionOk="0">
+                <a:moveTo>
+                  <a:pt x="0" y="0"/>
+                </a:moveTo>
+                <a:cubicBezTo>
+                  <a:pt x="164017" y="-17675"/>
+                  <a:pt x="309425" y="9913"/>
+                  <a:pt x="466344" y="0"/>
+                </a:cubicBezTo>
+                <a:cubicBezTo>
+                  <a:pt x="623263" y="-9913"/>
+                  <a:pt x="659300" y="-14524"/>
+                  <a:pt x="822960" y="0"/>
+                </a:cubicBezTo>
+                <a:cubicBezTo>
+                  <a:pt x="986620" y="14524"/>
+                  <a:pt x="1105222" y="-16481"/>
+                  <a:pt x="1289304" y="0"/>
+                </a:cubicBezTo>
+                <a:cubicBezTo>
+                  <a:pt x="1473386" y="16481"/>
+                  <a:pt x="1693223" y="26161"/>
+                  <a:pt x="1975104" y="0"/>
+                </a:cubicBezTo>
+                <a:cubicBezTo>
+                  <a:pt x="2256985" y="-26161"/>
+                  <a:pt x="2435781" y="23061"/>
+                  <a:pt x="2770632" y="0"/>
+                </a:cubicBezTo>
+                <a:cubicBezTo>
+                  <a:pt x="3105483" y="-23061"/>
+                  <a:pt x="3247479" y="-44011"/>
+                  <a:pt x="3675888" y="0"/>
+                </a:cubicBezTo>
+                <a:cubicBezTo>
+                  <a:pt x="4104297" y="44011"/>
+                  <a:pt x="4280918" y="4017"/>
+                  <a:pt x="4581144" y="0"/>
+                </a:cubicBezTo>
+                <a:cubicBezTo>
+                  <a:pt x="4881370" y="-4017"/>
+                  <a:pt x="5021699" y="-11889"/>
+                  <a:pt x="5157216" y="0"/>
+                </a:cubicBezTo>
+                <a:cubicBezTo>
+                  <a:pt x="5292733" y="11889"/>
+                  <a:pt x="5603398" y="-17698"/>
+                  <a:pt x="5952744" y="0"/>
+                </a:cubicBezTo>
+                <a:cubicBezTo>
+                  <a:pt x="6302090" y="17698"/>
+                  <a:pt x="6353093" y="-11909"/>
+                  <a:pt x="6638544" y="0"/>
+                </a:cubicBezTo>
+                <a:cubicBezTo>
+                  <a:pt x="6923995" y="11909"/>
+                  <a:pt x="7053404" y="21630"/>
+                  <a:pt x="7214616" y="0"/>
+                </a:cubicBezTo>
+                <a:cubicBezTo>
+                  <a:pt x="7375828" y="-21630"/>
+                  <a:pt x="7837963" y="3886"/>
+                  <a:pt x="8010144" y="0"/>
+                </a:cubicBezTo>
+                <a:cubicBezTo>
+                  <a:pt x="8182325" y="-3886"/>
+                  <a:pt x="8224183" y="16009"/>
+                  <a:pt x="8366760" y="0"/>
+                </a:cubicBezTo>
+                <a:cubicBezTo>
+                  <a:pt x="8509337" y="-16009"/>
+                  <a:pt x="8687920" y="-5720"/>
+                  <a:pt x="8942832" y="0"/>
+                </a:cubicBezTo>
+                <a:cubicBezTo>
+                  <a:pt x="9197744" y="5720"/>
+                  <a:pt x="9368437" y="20479"/>
+                  <a:pt x="9628632" y="0"/>
+                </a:cubicBezTo>
+                <a:cubicBezTo>
+                  <a:pt x="9888827" y="-20479"/>
+                  <a:pt x="10560858" y="-20746"/>
+                  <a:pt x="10972800" y="0"/>
+                </a:cubicBezTo>
+                <a:cubicBezTo>
+                  <a:pt x="10972186" y="5722"/>
+                  <a:pt x="10972980" y="12495"/>
+                  <a:pt x="10972800" y="18288"/>
+                </a:cubicBezTo>
+                <a:cubicBezTo>
+                  <a:pt x="10786146" y="12536"/>
+                  <a:pt x="10623717" y="14033"/>
+                  <a:pt x="10506456" y="18288"/>
+                </a:cubicBezTo>
+                <a:cubicBezTo>
+                  <a:pt x="10389195" y="22543"/>
+                  <a:pt x="10296178" y="20107"/>
+                  <a:pt x="10149840" y="18288"/>
+                </a:cubicBezTo>
+                <a:cubicBezTo>
+                  <a:pt x="10003502" y="16469"/>
+                  <a:pt x="9767530" y="28891"/>
+                  <a:pt x="9464040" y="18288"/>
+                </a:cubicBezTo>
+                <a:cubicBezTo>
+                  <a:pt x="9160550" y="7685"/>
+                  <a:pt x="9229050" y="2659"/>
+                  <a:pt x="8997696" y="18288"/>
+                </a:cubicBezTo>
+                <a:cubicBezTo>
+                  <a:pt x="8766342" y="33917"/>
+                  <a:pt x="8340136" y="34864"/>
+                  <a:pt x="8092440" y="18288"/>
+                </a:cubicBezTo>
+                <a:cubicBezTo>
+                  <a:pt x="7844744" y="1712"/>
+                  <a:pt x="7863720" y="27405"/>
+                  <a:pt x="7735824" y="18288"/>
+                </a:cubicBezTo>
+                <a:cubicBezTo>
+                  <a:pt x="7607928" y="9171"/>
+                  <a:pt x="7323619" y="461"/>
+                  <a:pt x="7050024" y="18288"/>
+                </a:cubicBezTo>
+                <a:cubicBezTo>
+                  <a:pt x="6776429" y="36115"/>
+                  <a:pt x="6787899" y="28206"/>
+                  <a:pt x="6693408" y="18288"/>
+                </a:cubicBezTo>
+                <a:cubicBezTo>
+                  <a:pt x="6598917" y="8370"/>
+                  <a:pt x="6395231" y="19114"/>
+                  <a:pt x="6227064" y="18288"/>
+                </a:cubicBezTo>
+                <a:cubicBezTo>
+                  <a:pt x="6058897" y="17462"/>
+                  <a:pt x="5618582" y="1091"/>
+                  <a:pt x="5431536" y="18288"/>
+                </a:cubicBezTo>
+                <a:cubicBezTo>
+                  <a:pt x="5244490" y="35485"/>
+                  <a:pt x="4729797" y="-9650"/>
+                  <a:pt x="4526280" y="18288"/>
+                </a:cubicBezTo>
+                <a:cubicBezTo>
+                  <a:pt x="4322763" y="46226"/>
+                  <a:pt x="4216797" y="756"/>
+                  <a:pt x="4059936" y="18288"/>
+                </a:cubicBezTo>
+                <a:cubicBezTo>
+                  <a:pt x="3903075" y="35820"/>
+                  <a:pt x="3537912" y="42098"/>
+                  <a:pt x="3374136" y="18288"/>
+                </a:cubicBezTo>
+                <a:cubicBezTo>
+                  <a:pt x="3210360" y="-5522"/>
+                  <a:pt x="3126842" y="39135"/>
+                  <a:pt x="2907792" y="18288"/>
+                </a:cubicBezTo>
+                <a:cubicBezTo>
+                  <a:pt x="2688742" y="-2559"/>
+                  <a:pt x="2490436" y="34100"/>
+                  <a:pt x="2112264" y="18288"/>
+                </a:cubicBezTo>
+                <a:cubicBezTo>
+                  <a:pt x="1734092" y="2476"/>
+                  <a:pt x="1744622" y="-7274"/>
+                  <a:pt x="1536192" y="18288"/>
+                </a:cubicBezTo>
+                <a:cubicBezTo>
+                  <a:pt x="1327762" y="43850"/>
+                  <a:pt x="1189025" y="6435"/>
+                  <a:pt x="1069848" y="18288"/>
+                </a:cubicBezTo>
+                <a:cubicBezTo>
+                  <a:pt x="950671" y="30141"/>
+                  <a:pt x="858345" y="33684"/>
+                  <a:pt x="713232" y="18288"/>
+                </a:cubicBezTo>
+                <a:cubicBezTo>
+                  <a:pt x="568119" y="2892"/>
+                  <a:pt x="250292" y="5410"/>
+                  <a:pt x="0" y="18288"/>
+                </a:cubicBezTo>
+                <a:cubicBezTo>
+                  <a:pt x="465" y="13062"/>
+                  <a:pt x="-894" y="9029"/>
+                  <a:pt x="0" y="0"/>
+                </a:cubicBezTo>
+                <a:close/>
+              </a:path>
+            </a:pathLst>
+          </a:custGeom>
+          <a:solidFill>
+            <a:schemeClr val="accent2">
+              <a:alpha val="75000"/>
+            </a:schemeClr>
+          </a:solidFill>
+          <a:ln w="44450" cap="rnd">
+            <a:solidFill>
+              <a:schemeClr val="accent2">
+                <a:alpha val="75000"/>
+              </a:schemeClr>
+            </a:solidFill>
+            <a:round/>
+            <a:extLst>
+              <a:ext uri="{C807C97D-BFC1-408E-A445-0C87EB9F89A2}">
+                <ask:lineSketchStyleProps xmlns:ask="http://schemas.microsoft.com/office/drawing/2018/sketchyshapes" sd="2727557108">
+                  <a:prstGeom prst="rect">
+                    <a:avLst/>
+                  </a:prstGeom>
+                  <ask:type>
+                    <ask:lineSketchFreehand/>
+                  </ask:type>
+                </ask:lineSketchStyleProps>
+              </a:ext>
+            </a:extLst>
+          </a:ln>
+        </p:spPr>
+        <p:style>
+          <a:lnRef idx="2">
+            <a:schemeClr val="accent1">
+              <a:shade val="50000"/>
+            </a:schemeClr>
+          </a:lnRef>
+          <a:fillRef idx="1">
+            <a:schemeClr val="accent1"/>
+          </a:fillRef>
+          <a:effectRef idx="0">
+            <a:schemeClr val="accent1"/>
+          </a:effectRef>
+          <a:fontRef idx="minor">
+            <a:schemeClr val="lt1"/>
+          </a:fontRef>
+        </p:style>
+        <p:txBody>
+          <a:bodyPr rtlCol="0" anchor="ctr"/>
+          <a:lstStyle/>
+          <a:p>
+            <a:pPr algn="ctr"/>
+            <a:endParaRPr lang="en-US"/>
+          </a:p>
+        </p:txBody>
+      </p:sp>
+      <p:sp>
+        <p:nvSpPr>
+          <p:cNvPr id="21" name="Content Placeholder 20">
+            <a:extLst>
+              <a:ext uri="{FF2B5EF4-FFF2-40B4-BE49-F238E27FC236}">
+                <a16:creationId xmlns:a16="http://schemas.microsoft.com/office/drawing/2014/main" id="{336136D2-8CEB-BEC2-603E-BD4651813218}"/>
+              </a:ext>
+            </a:extLst>
+          </p:cNvPr>
+          <p:cNvSpPr>
+            <a:spLocks noGrp="1"/>
+          </p:cNvSpPr>
+          <p:nvPr>
+            <p:ph idx="1"/>
+          </p:nvPr>
+        </p:nvSpPr>
+        <p:spPr>
+          <a:xfrm>
+            <a:off x="572493" y="2071316"/>
+            <a:ext cx="6713552" cy="4119172"/>
+          </a:xfrm>
+        </p:spPr>
+        <p:txBody>
+          <a:bodyPr anchor="t">
+            <a:normAutofit/>
+          </a:bodyPr>
+          <a:lstStyle/>
+          <a:p>
+            <a:r>
+              <a:rPr lang="en-GB" sz="2200" dirty="0"/>
+              <a:t>84% of shipments met the on-time delivery threshold (arriving no later than 30 minutes past the last delivery scheduled time) between October 1</a:t>
+            </a:r>
+            <a:r>
+              <a:rPr lang="en-GB" sz="2200" baseline="30000" dirty="0"/>
+              <a:t>st</a:t>
+            </a:r>
+            <a:r>
+              <a:rPr lang="en-GB" sz="2200" dirty="0"/>
+              <a:t>  and December 31</a:t>
+            </a:r>
+            <a:r>
+              <a:rPr lang="en-GB" sz="2200" baseline="30000" dirty="0"/>
+              <a:t>st</a:t>
+            </a:r>
+            <a:r>
+              <a:rPr lang="en-GB" sz="2200" dirty="0"/>
+              <a:t> 2023</a:t>
+            </a:r>
+          </a:p>
+          <a:p>
+            <a:r>
+              <a:rPr lang="en-GB" sz="2200" dirty="0"/>
+              <a:t>There is also a consistent percentage of late and on-time deliveries between those months</a:t>
+            </a:r>
+          </a:p>
+          <a:p>
+            <a:r>
+              <a:rPr lang="en-GB" sz="2200" dirty="0"/>
+              <a:t>The analysis showed that geographical data and vehicle size were the most significant factors </a:t>
+            </a:r>
+            <a:endParaRPr lang="en-US" sz="2200" dirty="0"/>
+          </a:p>
+        </p:txBody>
+      </p:sp>
+      <p:pic>
+        <p:nvPicPr>
+          <p:cNvPr id="9" name="Content Placeholder 8" descr="A graph with blue and red bars&#10;&#10;Description automatically generated">
+            <a:extLst>
+              <a:ext uri="{FF2B5EF4-FFF2-40B4-BE49-F238E27FC236}">
+                <a16:creationId xmlns:a16="http://schemas.microsoft.com/office/drawing/2014/main" id="{976E6772-32DD-8068-E80B-43BB7D879296}"/>
+              </a:ext>
+            </a:extLst>
+          </p:cNvPr>
+          <p:cNvPicPr>
+            <a:picLocks noChangeAspect="1"/>
+          </p:cNvPicPr>
+          <p:nvPr/>
+        </p:nvPicPr>
+        <p:blipFill rotWithShape="1">
+          <a:blip r:embed="rId2">
+            <a:extLst>
+              <a:ext uri="{28A0092B-C50C-407E-A947-70E740481C1C}">
+                <a14:useLocalDpi xmlns:a14="http://schemas.microsoft.com/office/drawing/2010/main" val="0"/>
+              </a:ext>
+            </a:extLst>
+          </a:blip>
+          <a:srcRect l="901" r="2891" b="-3"/>
+          <a:stretch/>
+        </p:blipFill>
+        <p:spPr>
+          <a:xfrm>
+            <a:off x="7675658" y="2093976"/>
+            <a:ext cx="3941064" cy="4096512"/>
+          </a:xfrm>
+          <a:prstGeom prst="rect">
+            <a:avLst/>
+          </a:prstGeom>
+        </p:spPr>
+      </p:pic>
+    </p:spTree>
+    <p:extLst>
+      <p:ext uri="{BB962C8B-B14F-4D97-AF65-F5344CB8AC3E}">
+        <p14:creationId xmlns:p14="http://schemas.microsoft.com/office/powerpoint/2010/main" val="3901842482"/>
+      </p:ext>
+    </p:extLst>
+  </p:cSld>
+  <p:clrMapOvr>
+    <a:masterClrMapping/>
+  </p:clrMapOvr>
+</p:sld>
+</file>
+
+<file path=ppt/slides/slide4.xml><?xml version="1.0" encoding="utf-8"?>
+<p:sld xmlns:a="http://schemas.openxmlformats.org/drawingml/2006/main" xmlns:r="http://schemas.openxmlformats.org/officeDocument/2006/relationships" xmlns:p="http://schemas.openxmlformats.org/presentationml/2006/main">
+  <p:cSld>
+    <p:bg>
+      <p:bgPr>
+        <a:solidFill>
+          <a:schemeClr val="bg1"/>
+        </a:solidFill>
+        <a:effectLst/>
+      </p:bgPr>
+    </p:bg>
+    <p:spTree>
+      <p:nvGrpSpPr>
+        <p:cNvPr id="1" name=""/>
+        <p:cNvGrpSpPr/>
+        <p:nvPr/>
+      </p:nvGrpSpPr>
+      <p:grpSpPr>
+        <a:xfrm>
+          <a:off x="0" y="0"/>
+          <a:ext cx="0" cy="0"/>
+          <a:chOff x="0" y="0"/>
+          <a:chExt cx="0" cy="0"/>
+        </a:xfrm>
+      </p:grpSpPr>
+      <p:sp useBgFill="1">
+        <p:nvSpPr>
+          <p:cNvPr id="31" name="Rectangle 30">
+            <a:extLst>
+              <a:ext uri="{FF2B5EF4-FFF2-40B4-BE49-F238E27FC236}">
+                <a16:creationId xmlns:a16="http://schemas.microsoft.com/office/drawing/2014/main" id="{743AA782-23D1-4521-8CAD-47662984AA08}"/>
+              </a:ext>
+              <a:ext uri="{C183D7F6-B498-43B3-948B-1728B52AA6E4}">
+                <adec:decorative xmlns:adec="http://schemas.microsoft.com/office/drawing/2017/decorative" val="1"/>
+              </a:ext>
+            </a:extLst>
+          </p:cNvPr>
+          <p:cNvSpPr>
+            <a:spLocks noGrp="1" noRot="1" noChangeAspect="1" noMove="1" noResize="1" noEditPoints="1" noAdjustHandles="1" noChangeArrowheads="1" noChangeShapeType="1" noTextEdit="1"/>
+          </p:cNvSpPr>
+          <p:nvPr>
+            <p:extLst>
+              <p:ext uri="{386F3935-93C4-4BCD-93E2-E3B085C9AB24}">
+                <p16:designElem xmlns:p16="http://schemas.microsoft.com/office/powerpoint/2015/main" val="1"/>
+              </p:ext>
+            </p:extLst>
+          </p:nvPr>
+        </p:nvSpPr>
+        <p:spPr>
+          <a:xfrm>
+            <a:off x="0" y="0"/>
+            <a:ext cx="12192000" cy="6858000"/>
+          </a:xfrm>
+          <a:prstGeom prst="rect">
+            <a:avLst/>
+          </a:prstGeom>
+          <a:ln>
+            <a:noFill/>
+          </a:ln>
+        </p:spPr>
+        <p:style>
+          <a:lnRef idx="2">
+            <a:schemeClr val="accent1">
+              <a:shade val="50000"/>
+            </a:schemeClr>
+          </a:lnRef>
+          <a:fillRef idx="1">
+            <a:schemeClr val="accent1"/>
+          </a:fillRef>
+          <a:effectRef idx="0">
+            <a:schemeClr val="accent1"/>
+          </a:effectRef>
+          <a:fontRef idx="minor">
+            <a:schemeClr val="lt1"/>
+          </a:fontRef>
+        </p:style>
+        <p:txBody>
+          <a:bodyPr rtlCol="0" anchor="ctr"/>
+          <a:lstStyle/>
+          <a:p>
+            <a:pPr algn="ctr"/>
+            <a:endParaRPr lang="en-US"/>
+          </a:p>
+        </p:txBody>
+      </p:sp>
+      <p:sp>
+        <p:nvSpPr>
+          <p:cNvPr id="2" name="Title 1">
+            <a:extLst>
+              <a:ext uri="{FF2B5EF4-FFF2-40B4-BE49-F238E27FC236}">
+                <a16:creationId xmlns:a16="http://schemas.microsoft.com/office/drawing/2014/main" id="{31BC6D9B-DE87-F81F-23D7-000790C11162}"/>
+              </a:ext>
+            </a:extLst>
+          </p:cNvPr>
+          <p:cNvSpPr>
+            <a:spLocks noGrp="1"/>
+          </p:cNvSpPr>
+          <p:nvPr>
+            <p:ph type="title"/>
+          </p:nvPr>
+        </p:nvSpPr>
+        <p:spPr>
+          <a:xfrm>
+            <a:off x="630936" y="640080"/>
+            <a:ext cx="4818888" cy="1481328"/>
+          </a:xfrm>
+        </p:spPr>
+        <p:txBody>
+          <a:bodyPr anchor="b">
+            <a:normAutofit/>
+          </a:bodyPr>
+          <a:lstStyle/>
+          <a:p>
+            <a:r>
+              <a:rPr lang="en-GB" sz="5000"/>
+              <a:t>Analysing potential delays</a:t>
+            </a:r>
+            <a:endParaRPr lang="en-US" sz="5000"/>
+          </a:p>
+        </p:txBody>
+      </p:sp>
+      <p:sp>
+        <p:nvSpPr>
+          <p:cNvPr id="33" name="sketch line">
+            <a:extLst>
+              <a:ext uri="{FF2B5EF4-FFF2-40B4-BE49-F238E27FC236}">
+                <a16:creationId xmlns:a16="http://schemas.microsoft.com/office/drawing/2014/main" id="{650D18FE-0824-4A46-B22C-A86B52E5780A}"/>
+              </a:ext>
+              <a:ext uri="{C183D7F6-B498-43B3-948B-1728B52AA6E4}">
+                <adec:decorative xmlns:adec="http://schemas.microsoft.com/office/drawing/2017/decorative" val="1"/>
+              </a:ext>
+            </a:extLst>
+          </p:cNvPr>
+          <p:cNvSpPr>
+            <a:spLocks noGrp="1" noRot="1" noChangeAspect="1" noMove="1" noResize="1" noEditPoints="1" noAdjustHandles="1" noChangeArrowheads="1" noChangeShapeType="1" noTextEdit="1"/>
+          </p:cNvSpPr>
+          <p:nvPr>
+            <p:extLst>
+              <p:ext uri="{386F3935-93C4-4BCD-93E2-E3B085C9AB24}">
+                <p16:designElem xmlns:p16="http://schemas.microsoft.com/office/powerpoint/2015/main" val="1"/>
+              </p:ext>
+            </p:extLst>
+          </p:nvPr>
+        </p:nvSpPr>
+        <p:spPr>
+          <a:xfrm>
+            <a:off x="643278" y="2372868"/>
+            <a:ext cx="3255095" cy="18288"/>
+          </a:xfrm>
+          <a:custGeom>
+            <a:avLst/>
+            <a:gdLst>
+              <a:gd name="connsiteX0" fmla="*/ 0 w 3255095"/>
+              <a:gd name="connsiteY0" fmla="*/ 0 h 18288"/>
+              <a:gd name="connsiteX1" fmla="*/ 618468 w 3255095"/>
+              <a:gd name="connsiteY1" fmla="*/ 0 h 18288"/>
+              <a:gd name="connsiteX2" fmla="*/ 1269487 w 3255095"/>
+              <a:gd name="connsiteY2" fmla="*/ 0 h 18288"/>
+              <a:gd name="connsiteX3" fmla="*/ 1953057 w 3255095"/>
+              <a:gd name="connsiteY3" fmla="*/ 0 h 18288"/>
+              <a:gd name="connsiteX4" fmla="*/ 2636627 w 3255095"/>
+              <a:gd name="connsiteY4" fmla="*/ 0 h 18288"/>
+              <a:gd name="connsiteX5" fmla="*/ 3255095 w 3255095"/>
+              <a:gd name="connsiteY5" fmla="*/ 0 h 18288"/>
+              <a:gd name="connsiteX6" fmla="*/ 3255095 w 3255095"/>
+              <a:gd name="connsiteY6" fmla="*/ 18288 h 18288"/>
+              <a:gd name="connsiteX7" fmla="*/ 2538974 w 3255095"/>
+              <a:gd name="connsiteY7" fmla="*/ 18288 h 18288"/>
+              <a:gd name="connsiteX8" fmla="*/ 1822853 w 3255095"/>
+              <a:gd name="connsiteY8" fmla="*/ 18288 h 18288"/>
+              <a:gd name="connsiteX9" fmla="*/ 1171834 w 3255095"/>
+              <a:gd name="connsiteY9" fmla="*/ 18288 h 18288"/>
+              <a:gd name="connsiteX10" fmla="*/ 0 w 3255095"/>
+              <a:gd name="connsiteY10" fmla="*/ 18288 h 18288"/>
+              <a:gd name="connsiteX11" fmla="*/ 0 w 3255095"/>
+              <a:gd name="connsiteY11" fmla="*/ 0 h 18288"/>
+            </a:gdLst>
+            <a:ahLst/>
+            <a:cxnLst>
+              <a:cxn ang="0">
+                <a:pos x="connsiteX0" y="connsiteY0"/>
+              </a:cxn>
+              <a:cxn ang="0">
+                <a:pos x="connsiteX1" y="connsiteY1"/>
+              </a:cxn>
+              <a:cxn ang="0">
+                <a:pos x="connsiteX2" y="connsiteY2"/>
+              </a:cxn>
+              <a:cxn ang="0">
+                <a:pos x="connsiteX3" y="connsiteY3"/>
+              </a:cxn>
+              <a:cxn ang="0">
+                <a:pos x="connsiteX4" y="connsiteY4"/>
+              </a:cxn>
+              <a:cxn ang="0">
+                <a:pos x="connsiteX5" y="connsiteY5"/>
+              </a:cxn>
+              <a:cxn ang="0">
+                <a:pos x="connsiteX6" y="connsiteY6"/>
+              </a:cxn>
+              <a:cxn ang="0">
+                <a:pos x="connsiteX7" y="connsiteY7"/>
+              </a:cxn>
+              <a:cxn ang="0">
+                <a:pos x="connsiteX8" y="connsiteY8"/>
+              </a:cxn>
+              <a:cxn ang="0">
+                <a:pos x="connsiteX9" y="connsiteY9"/>
+              </a:cxn>
+              <a:cxn ang="0">
+                <a:pos x="connsiteX10" y="connsiteY10"/>
+              </a:cxn>
+              <a:cxn ang="0">
+                <a:pos x="connsiteX11" y="connsiteY11"/>
+              </a:cxn>
+            </a:cxnLst>
+            <a:rect l="l" t="t" r="r" b="b"/>
+            <a:pathLst>
+              <a:path w="3255095" h="18288" fill="none" extrusionOk="0">
+                <a:moveTo>
+                  <a:pt x="0" y="0"/>
+                </a:moveTo>
+                <a:cubicBezTo>
+                  <a:pt x="240201" y="-22123"/>
+                  <a:pt x="462021" y="-19623"/>
+                  <a:pt x="618468" y="0"/>
+                </a:cubicBezTo>
+                <a:cubicBezTo>
+                  <a:pt x="774915" y="19623"/>
+                  <a:pt x="974734" y="2035"/>
+                  <a:pt x="1269487" y="0"/>
+                </a:cubicBezTo>
+                <a:cubicBezTo>
+                  <a:pt x="1564240" y="-2035"/>
+                  <a:pt x="1733579" y="10639"/>
+                  <a:pt x="1953057" y="0"/>
+                </a:cubicBezTo>
+                <a:cubicBezTo>
+                  <a:pt x="2172535" y="-10639"/>
+                  <a:pt x="2453962" y="14018"/>
+                  <a:pt x="2636627" y="0"/>
+                </a:cubicBezTo>
+                <a:cubicBezTo>
+                  <a:pt x="2819292" y="-14018"/>
+                  <a:pt x="3121375" y="5399"/>
+                  <a:pt x="3255095" y="0"/>
+                </a:cubicBezTo>
+                <a:cubicBezTo>
+                  <a:pt x="3254386" y="8157"/>
+                  <a:pt x="3254682" y="12125"/>
+                  <a:pt x="3255095" y="18288"/>
+                </a:cubicBezTo>
+                <a:cubicBezTo>
+                  <a:pt x="3088545" y="23203"/>
+                  <a:pt x="2687475" y="7419"/>
+                  <a:pt x="2538974" y="18288"/>
+                </a:cubicBezTo>
+                <a:cubicBezTo>
+                  <a:pt x="2390473" y="29157"/>
+                  <a:pt x="2137381" y="-8959"/>
+                  <a:pt x="1822853" y="18288"/>
+                </a:cubicBezTo>
+                <a:cubicBezTo>
+                  <a:pt x="1508325" y="45535"/>
+                  <a:pt x="1466437" y="20385"/>
+                  <a:pt x="1171834" y="18288"/>
+                </a:cubicBezTo>
+                <a:cubicBezTo>
+                  <a:pt x="877231" y="16191"/>
+                  <a:pt x="561097" y="37643"/>
+                  <a:pt x="0" y="18288"/>
+                </a:cubicBezTo>
+                <a:cubicBezTo>
+                  <a:pt x="-46" y="12483"/>
+                  <a:pt x="-203" y="6491"/>
+                  <a:pt x="0" y="0"/>
+                </a:cubicBezTo>
+                <a:close/>
+              </a:path>
+              <a:path w="3255095" h="18288" stroke="0" extrusionOk="0">
+                <a:moveTo>
+                  <a:pt x="0" y="0"/>
+                </a:moveTo>
+                <a:cubicBezTo>
+                  <a:pt x="291965" y="19429"/>
+                  <a:pt x="363155" y="8568"/>
+                  <a:pt x="618468" y="0"/>
+                </a:cubicBezTo>
+                <a:cubicBezTo>
+                  <a:pt x="873781" y="-8568"/>
+                  <a:pt x="904459" y="-19505"/>
+                  <a:pt x="1171834" y="0"/>
+                </a:cubicBezTo>
+                <a:cubicBezTo>
+                  <a:pt x="1439209" y="19505"/>
+                  <a:pt x="1744369" y="9790"/>
+                  <a:pt x="1887955" y="0"/>
+                </a:cubicBezTo>
+                <a:cubicBezTo>
+                  <a:pt x="2031541" y="-9790"/>
+                  <a:pt x="2346378" y="21240"/>
+                  <a:pt x="2506423" y="0"/>
+                </a:cubicBezTo>
+                <a:cubicBezTo>
+                  <a:pt x="2666468" y="-21240"/>
+                  <a:pt x="2990257" y="30414"/>
+                  <a:pt x="3255095" y="0"/>
+                </a:cubicBezTo>
+                <a:cubicBezTo>
+                  <a:pt x="3254831" y="4493"/>
+                  <a:pt x="3255479" y="9472"/>
+                  <a:pt x="3255095" y="18288"/>
+                </a:cubicBezTo>
+                <a:cubicBezTo>
+                  <a:pt x="3120743" y="16690"/>
+                  <a:pt x="2759628" y="42462"/>
+                  <a:pt x="2604076" y="18288"/>
+                </a:cubicBezTo>
+                <a:cubicBezTo>
+                  <a:pt x="2448524" y="-5886"/>
+                  <a:pt x="2184336" y="19599"/>
+                  <a:pt x="1887955" y="18288"/>
+                </a:cubicBezTo>
+                <a:cubicBezTo>
+                  <a:pt x="1591574" y="16977"/>
+                  <a:pt x="1548845" y="6870"/>
+                  <a:pt x="1334589" y="18288"/>
+                </a:cubicBezTo>
+                <a:cubicBezTo>
+                  <a:pt x="1120333" y="29706"/>
+                  <a:pt x="996014" y="9662"/>
+                  <a:pt x="683570" y="18288"/>
+                </a:cubicBezTo>
+                <a:cubicBezTo>
+                  <a:pt x="371126" y="26914"/>
+                  <a:pt x="198687" y="16167"/>
+                  <a:pt x="0" y="18288"/>
+                </a:cubicBezTo>
+                <a:cubicBezTo>
+                  <a:pt x="843" y="9577"/>
+                  <a:pt x="371" y="6900"/>
+                  <a:pt x="0" y="0"/>
+                </a:cubicBezTo>
+                <a:close/>
+              </a:path>
+            </a:pathLst>
+          </a:custGeom>
+          <a:solidFill>
+            <a:schemeClr val="accent2"/>
+          </a:solidFill>
+          <a:ln w="38100" cap="rnd">
+            <a:solidFill>
+              <a:schemeClr val="accent2"/>
+            </a:solidFill>
+            <a:round/>
+            <a:extLst>
+              <a:ext uri="{C807C97D-BFC1-408E-A445-0C87EB9F89A2}">
+                <ask:lineSketchStyleProps xmlns:ask="http://schemas.microsoft.com/office/drawing/2018/sketchyshapes" sd="1219033472">
+                  <a:prstGeom prst="rect">
+                    <a:avLst/>
+                  </a:prstGeom>
+                  <ask:type>
+                    <ask:lineSketchFreehand/>
+                  </ask:type>
+                </ask:lineSketchStyleProps>
+              </a:ext>
+            </a:extLst>
+          </a:ln>
+        </p:spPr>
+        <p:style>
+          <a:lnRef idx="2">
+            <a:schemeClr val="accent1">
+              <a:shade val="50000"/>
+            </a:schemeClr>
+          </a:lnRef>
+          <a:fillRef idx="1">
+            <a:schemeClr val="accent1"/>
+          </a:fillRef>
+          <a:effectRef idx="0">
+            <a:schemeClr val="accent1"/>
+          </a:effectRef>
+          <a:fontRef idx="minor">
+            <a:schemeClr val="lt1"/>
+          </a:fontRef>
+        </p:style>
+        <p:txBody>
+          <a:bodyPr rtlCol="0" anchor="ctr"/>
+          <a:lstStyle/>
+          <a:p>
+            <a:pPr algn="ctr"/>
+            <a:endParaRPr lang="en-US"/>
+          </a:p>
+        </p:txBody>
+      </p:sp>
+      <p:sp>
+        <p:nvSpPr>
+          <p:cNvPr id="6" name="Content Placeholder 20">
+            <a:extLst>
+              <a:ext uri="{FF2B5EF4-FFF2-40B4-BE49-F238E27FC236}">
+                <a16:creationId xmlns:a16="http://schemas.microsoft.com/office/drawing/2014/main" id="{85DD22B4-73F5-2C8F-C1D5-ECFD1E3292C9}"/>
+              </a:ext>
+            </a:extLst>
+          </p:cNvPr>
+          <p:cNvSpPr>
+            <a:spLocks noGrp="1"/>
+          </p:cNvSpPr>
+          <p:nvPr>
+            <p:ph idx="1"/>
+          </p:nvPr>
+        </p:nvSpPr>
+        <p:spPr>
+          <a:xfrm>
+            <a:off x="630936" y="2660904"/>
+            <a:ext cx="4818888" cy="3547872"/>
+          </a:xfrm>
+        </p:spPr>
+        <p:txBody>
+          <a:bodyPr anchor="t">
+            <a:normAutofit/>
+          </a:bodyPr>
+          <a:lstStyle/>
+          <a:p>
+            <a:r>
+              <a:rPr lang="en-GB" sz="2000" dirty="0"/>
+              <a:t>There were reported significant delays of deliveries during the period between October 1</a:t>
+            </a:r>
+            <a:r>
+              <a:rPr lang="en-GB" sz="2000" baseline="30000" dirty="0"/>
+              <a:t>st</a:t>
+            </a:r>
+            <a:r>
+              <a:rPr lang="en-GB" sz="2000" dirty="0"/>
+              <a:t> and December 31</a:t>
+            </a:r>
+            <a:r>
+              <a:rPr lang="en-GB" sz="2000" baseline="30000" dirty="0"/>
+              <a:t>st</a:t>
+            </a:r>
+            <a:r>
+              <a:rPr lang="en-GB" sz="2000" dirty="0"/>
+              <a:t> 2023</a:t>
+            </a:r>
+          </a:p>
+          <a:p>
+            <a:r>
+              <a:rPr lang="en-GB" sz="2000" dirty="0"/>
+              <a:t>The average delay of shipments has shown to reduce by approximately a half between those months</a:t>
+            </a:r>
+          </a:p>
+          <a:p>
+            <a:r>
+              <a:rPr lang="en-GB" sz="2000" dirty="0"/>
+              <a:t>One key method of reducing the impact of potential delays is by notifying shippers in advance (30 minutes before the last scheduled time)</a:t>
+            </a:r>
+          </a:p>
+          <a:p>
+            <a:endParaRPr lang="en-US" sz="2000" dirty="0"/>
+          </a:p>
+        </p:txBody>
+      </p:sp>
+      <p:pic>
+        <p:nvPicPr>
+          <p:cNvPr id="5" name="Content Placeholder 8" descr="A graph of a number of black rectangular objects&#10;&#10;Description automatically generated with medium confidence">
+            <a:extLst>
+              <a:ext uri="{FF2B5EF4-FFF2-40B4-BE49-F238E27FC236}">
+                <a16:creationId xmlns:a16="http://schemas.microsoft.com/office/drawing/2014/main" id="{8E09A9F0-5040-A660-AE3A-DA09E6A2E8CB}"/>
+              </a:ext>
+            </a:extLst>
+          </p:cNvPr>
+          <p:cNvPicPr>
+            <a:picLocks noChangeAspect="1"/>
+          </p:cNvPicPr>
+          <p:nvPr/>
+        </p:nvPicPr>
+        <p:blipFill>
+          <a:blip r:embed="rId2">
+            <a:extLst>
+              <a:ext uri="{28A0092B-C50C-407E-A947-70E740481C1C}">
+                <a14:useLocalDpi xmlns:a14="http://schemas.microsoft.com/office/drawing/2010/main" val="0"/>
+              </a:ext>
+            </a:extLst>
+          </a:blip>
+          <a:stretch>
+            <a:fillRect/>
+          </a:stretch>
+        </p:blipFill>
+        <p:spPr>
+          <a:xfrm>
+            <a:off x="6099048" y="1743542"/>
+            <a:ext cx="5458968" cy="3370916"/>
+          </a:xfrm>
+          <a:prstGeom prst="rect">
+            <a:avLst/>
+          </a:prstGeom>
+        </p:spPr>
+      </p:pic>
+    </p:spTree>
+    <p:extLst>
+      <p:ext uri="{BB962C8B-B14F-4D97-AF65-F5344CB8AC3E}">
+        <p14:creationId xmlns:p14="http://schemas.microsoft.com/office/powerpoint/2010/main" val="3513134218"/>
+      </p:ext>
+    </p:extLst>
+  </p:cSld>
+  <p:clrMapOvr>
+    <a:masterClrMapping/>
+  </p:clrMapOvr>
+</p:sld>
+</file>
+
+<file path=ppt/slides/slide5.xml><?xml version="1.0" encoding="utf-8"?>
+<p:sld xmlns:a="http://schemas.openxmlformats.org/drawingml/2006/main" xmlns:r="http://schemas.openxmlformats.org/officeDocument/2006/relationships" xmlns:p="http://schemas.openxmlformats.org/presentationml/2006/main">
+  <p:cSld>
+    <p:bg>
+      <p:bgPr>
+        <a:solidFill>
+          <a:schemeClr val="bg1"/>
+        </a:solidFill>
+        <a:effectLst/>
+      </p:bgPr>
+    </p:bg>
+    <p:spTree>
+      <p:nvGrpSpPr>
+        <p:cNvPr id="1" name=""/>
+        <p:cNvGrpSpPr/>
+        <p:nvPr/>
+      </p:nvGrpSpPr>
+      <p:grpSpPr>
+        <a:xfrm>
+          <a:off x="0" y="0"/>
+          <a:ext cx="0" cy="0"/>
+          <a:chOff x="0" y="0"/>
+          <a:chExt cx="0" cy="0"/>
+        </a:xfrm>
+      </p:grpSpPr>
+      <p:sp useBgFill="1">
+        <p:nvSpPr>
+          <p:cNvPr id="40" name="Rectangle 39">
+            <a:extLst>
+              <a:ext uri="{FF2B5EF4-FFF2-40B4-BE49-F238E27FC236}">
+                <a16:creationId xmlns:a16="http://schemas.microsoft.com/office/drawing/2014/main" id="{69D47016-023F-44BD-981C-50E7A10A6609}"/>
+              </a:ext>
+              <a:ext uri="{C183D7F6-B498-43B3-948B-1728B52AA6E4}">
+                <adec:decorative xmlns:adec="http://schemas.microsoft.com/office/drawing/2017/decorative" val="1"/>
+              </a:ext>
+            </a:extLst>
+          </p:cNvPr>
+          <p:cNvSpPr>
+            <a:spLocks noGrp="1" noRot="1" noChangeAspect="1" noMove="1" noResize="1" noEditPoints="1" noAdjustHandles="1" noChangeArrowheads="1" noChangeShapeType="1" noTextEdit="1"/>
+          </p:cNvSpPr>
+          <p:nvPr>
+            <p:extLst>
+              <p:ext uri="{386F3935-93C4-4BCD-93E2-E3B085C9AB24}">
+                <p16:designElem xmlns:p16="http://schemas.microsoft.com/office/powerpoint/2015/main" val="1"/>
+              </p:ext>
+            </p:extLst>
+          </p:nvPr>
+        </p:nvSpPr>
+        <p:spPr>
+          <a:xfrm>
+            <a:off x="0" y="0"/>
+            <a:ext cx="12188952" cy="6858000"/>
+          </a:xfrm>
+          <a:prstGeom prst="rect">
+            <a:avLst/>
+          </a:prstGeom>
+          <a:ln>
+            <a:noFill/>
+          </a:ln>
+        </p:spPr>
+        <p:style>
+          <a:lnRef idx="2">
+            <a:schemeClr val="accent1">
+              <a:shade val="50000"/>
+            </a:schemeClr>
+          </a:lnRef>
+          <a:fillRef idx="1">
+            <a:schemeClr val="accent1"/>
+          </a:fillRef>
+          <a:effectRef idx="0">
+            <a:schemeClr val="accent1"/>
+          </a:effectRef>
+          <a:fontRef idx="minor">
+            <a:schemeClr val="lt1"/>
+          </a:fontRef>
+        </p:style>
+        <p:txBody>
+          <a:bodyPr rtlCol="0" anchor="ctr"/>
+          <a:lstStyle/>
+          <a:p>
+            <a:pPr algn="ctr"/>
+            <a:endParaRPr lang="en-US" dirty="0"/>
+          </a:p>
+        </p:txBody>
+      </p:sp>
+      <p:sp>
+        <p:nvSpPr>
+          <p:cNvPr id="2" name="Title 1">
+            <a:extLst>
+              <a:ext uri="{FF2B5EF4-FFF2-40B4-BE49-F238E27FC236}">
+                <a16:creationId xmlns:a16="http://schemas.microsoft.com/office/drawing/2014/main" id="{AB9F58CF-544E-62AE-CBD7-107D79D47B4D}"/>
+              </a:ext>
+            </a:extLst>
+          </p:cNvPr>
+          <p:cNvSpPr>
+            <a:spLocks noGrp="1"/>
+          </p:cNvSpPr>
+          <p:nvPr>
+            <p:ph type="title"/>
+          </p:nvPr>
+        </p:nvSpPr>
+        <p:spPr>
+          <a:xfrm>
+            <a:off x="630936" y="457200"/>
+            <a:ext cx="4343400" cy="1929384"/>
+          </a:xfrm>
+        </p:spPr>
+        <p:txBody>
+          <a:bodyPr anchor="ctr">
+            <a:normAutofit/>
+          </a:bodyPr>
+          <a:lstStyle/>
+          <a:p>
+            <a:r>
+              <a:rPr lang="en-GB"/>
+              <a:t>Predicting the likelihood of delay for shipments</a:t>
+            </a:r>
+            <a:endParaRPr lang="en-US"/>
+          </a:p>
+        </p:txBody>
+      </p:sp>
+      <p:sp>
+        <p:nvSpPr>
+          <p:cNvPr id="42" name="sketchy line">
+            <a:extLst>
+              <a:ext uri="{FF2B5EF4-FFF2-40B4-BE49-F238E27FC236}">
+                <a16:creationId xmlns:a16="http://schemas.microsoft.com/office/drawing/2014/main" id="{6D8B37B0-0682-433E-BC8D-498C04ABD9A7}"/>
+              </a:ext>
+              <a:ext uri="{C183D7F6-B498-43B3-948B-1728B52AA6E4}">
+                <adec:decorative xmlns:adec="http://schemas.microsoft.com/office/drawing/2017/decorative" val="1"/>
+              </a:ext>
+            </a:extLst>
+          </p:cNvPr>
+          <p:cNvSpPr>
+            <a:spLocks noGrp="1" noRot="1" noChangeAspect="1" noMove="1" noResize="1" noEditPoints="1" noAdjustHandles="1" noChangeArrowheads="1" noChangeShapeType="1" noTextEdit="1"/>
+          </p:cNvSpPr>
+          <p:nvPr>
+            <p:extLst>
+              <p:ext uri="{386F3935-93C4-4BCD-93E2-E3B085C9AB24}">
+                <p16:designElem xmlns:p16="http://schemas.microsoft.com/office/powerpoint/2015/main" val="1"/>
+              </p:ext>
+            </p:extLst>
+          </p:nvPr>
+        </p:nvSpPr>
+        <p:spPr>
+          <a:xfrm rot="5400000">
+            <a:off x="4471415" y="1412748"/>
+            <a:ext cx="1554480" cy="18288"/>
+          </a:xfrm>
+          <a:custGeom>
+            <a:avLst/>
+            <a:gdLst>
+              <a:gd name="connsiteX0" fmla="*/ 0 w 1554480"/>
+              <a:gd name="connsiteY0" fmla="*/ 0 h 18288"/>
+              <a:gd name="connsiteX1" fmla="*/ 549250 w 1554480"/>
+              <a:gd name="connsiteY1" fmla="*/ 0 h 18288"/>
+              <a:gd name="connsiteX2" fmla="*/ 1082954 w 1554480"/>
+              <a:gd name="connsiteY2" fmla="*/ 0 h 18288"/>
+              <a:gd name="connsiteX3" fmla="*/ 1554480 w 1554480"/>
+              <a:gd name="connsiteY3" fmla="*/ 0 h 18288"/>
+              <a:gd name="connsiteX4" fmla="*/ 1554480 w 1554480"/>
+              <a:gd name="connsiteY4" fmla="*/ 18288 h 18288"/>
+              <a:gd name="connsiteX5" fmla="*/ 1067410 w 1554480"/>
+              <a:gd name="connsiteY5" fmla="*/ 18288 h 18288"/>
+              <a:gd name="connsiteX6" fmla="*/ 549250 w 1554480"/>
+              <a:gd name="connsiteY6" fmla="*/ 18288 h 18288"/>
+              <a:gd name="connsiteX7" fmla="*/ 0 w 1554480"/>
+              <a:gd name="connsiteY7" fmla="*/ 18288 h 18288"/>
+              <a:gd name="connsiteX8" fmla="*/ 0 w 1554480"/>
+              <a:gd name="connsiteY8" fmla="*/ 0 h 18288"/>
+            </a:gdLst>
+            <a:ahLst/>
+            <a:cxnLst>
+              <a:cxn ang="0">
+                <a:pos x="connsiteX0" y="connsiteY0"/>
+              </a:cxn>
+              <a:cxn ang="0">
+                <a:pos x="connsiteX1" y="connsiteY1"/>
+              </a:cxn>
+              <a:cxn ang="0">
+                <a:pos x="connsiteX2" y="connsiteY2"/>
+              </a:cxn>
+              <a:cxn ang="0">
+                <a:pos x="connsiteX3" y="connsiteY3"/>
+              </a:cxn>
+              <a:cxn ang="0">
+                <a:pos x="connsiteX4" y="connsiteY4"/>
+              </a:cxn>
+              <a:cxn ang="0">
+                <a:pos x="connsiteX5" y="connsiteY5"/>
+              </a:cxn>
+              <a:cxn ang="0">
+                <a:pos x="connsiteX6" y="connsiteY6"/>
+              </a:cxn>
+              <a:cxn ang="0">
+                <a:pos x="connsiteX7" y="connsiteY7"/>
+              </a:cxn>
+              <a:cxn ang="0">
+                <a:pos x="connsiteX8" y="connsiteY8"/>
+              </a:cxn>
+            </a:cxnLst>
+            <a:rect l="l" t="t" r="r" b="b"/>
+            <a:pathLst>
+              <a:path w="1554480" h="18288" fill="none" extrusionOk="0">
+                <a:moveTo>
+                  <a:pt x="0" y="0"/>
+                </a:moveTo>
+                <a:cubicBezTo>
+                  <a:pt x="114141" y="-19864"/>
+                  <a:pt x="345055" y="-1657"/>
+                  <a:pt x="549250" y="0"/>
+                </a:cubicBezTo>
+                <a:cubicBezTo>
+                  <a:pt x="753445" y="1657"/>
+                  <a:pt x="862292" y="-5674"/>
+                  <a:pt x="1082954" y="0"/>
+                </a:cubicBezTo>
+                <a:cubicBezTo>
+                  <a:pt x="1303616" y="5674"/>
+                  <a:pt x="1363530" y="4537"/>
+                  <a:pt x="1554480" y="0"/>
+                </a:cubicBezTo>
+                <a:cubicBezTo>
+                  <a:pt x="1554963" y="7176"/>
+                  <a:pt x="1553909" y="13682"/>
+                  <a:pt x="1554480" y="18288"/>
+                </a:cubicBezTo>
+                <a:cubicBezTo>
+                  <a:pt x="1338847" y="6127"/>
+                  <a:pt x="1215066" y="37851"/>
+                  <a:pt x="1067410" y="18288"/>
+                </a:cubicBezTo>
+                <a:cubicBezTo>
+                  <a:pt x="919754" y="-1275"/>
+                  <a:pt x="800465" y="3080"/>
+                  <a:pt x="549250" y="18288"/>
+                </a:cubicBezTo>
+                <a:cubicBezTo>
+                  <a:pt x="298035" y="33496"/>
+                  <a:pt x="158868" y="22769"/>
+                  <a:pt x="0" y="18288"/>
+                </a:cubicBezTo>
+                <a:cubicBezTo>
+                  <a:pt x="-655" y="13237"/>
+                  <a:pt x="709" y="4645"/>
+                  <a:pt x="0" y="0"/>
+                </a:cubicBezTo>
+                <a:close/>
+              </a:path>
+              <a:path w="1554480" h="18288" stroke="0" extrusionOk="0">
+                <a:moveTo>
+                  <a:pt x="0" y="0"/>
+                </a:moveTo>
+                <a:cubicBezTo>
+                  <a:pt x="249941" y="-58"/>
+                  <a:pt x="367334" y="23448"/>
+                  <a:pt x="502615" y="0"/>
+                </a:cubicBezTo>
+                <a:cubicBezTo>
+                  <a:pt x="637897" y="-23448"/>
+                  <a:pt x="813653" y="-20418"/>
+                  <a:pt x="974141" y="0"/>
+                </a:cubicBezTo>
+                <a:cubicBezTo>
+                  <a:pt x="1134629" y="20418"/>
+                  <a:pt x="1268772" y="6288"/>
+                  <a:pt x="1554480" y="0"/>
+                </a:cubicBezTo>
+                <a:cubicBezTo>
+                  <a:pt x="1554917" y="7222"/>
+                  <a:pt x="1555359" y="13299"/>
+                  <a:pt x="1554480" y="18288"/>
+                </a:cubicBezTo>
+                <a:cubicBezTo>
+                  <a:pt x="1336087" y="12172"/>
+                  <a:pt x="1310024" y="19759"/>
+                  <a:pt x="1067410" y="18288"/>
+                </a:cubicBezTo>
+                <a:cubicBezTo>
+                  <a:pt x="824796" y="16818"/>
+                  <a:pt x="787902" y="34647"/>
+                  <a:pt x="518160" y="18288"/>
+                </a:cubicBezTo>
+                <a:cubicBezTo>
+                  <a:pt x="248418" y="1930"/>
+                  <a:pt x="133160" y="9205"/>
+                  <a:pt x="0" y="18288"/>
+                </a:cubicBezTo>
+                <a:cubicBezTo>
+                  <a:pt x="-643" y="9451"/>
+                  <a:pt x="-340" y="7114"/>
+                  <a:pt x="0" y="0"/>
+                </a:cubicBezTo>
+                <a:close/>
+              </a:path>
+            </a:pathLst>
+          </a:custGeom>
+          <a:solidFill>
+            <a:schemeClr val="accent2"/>
+          </a:solidFill>
+          <a:ln w="41275" cap="rnd">
+            <a:solidFill>
+              <a:schemeClr val="accent2"/>
+            </a:solidFill>
+            <a:round/>
+            <a:extLst>
+              <a:ext uri="{C807C97D-BFC1-408E-A445-0C87EB9F89A2}">
+                <ask:lineSketchStyleProps xmlns:ask="http://schemas.microsoft.com/office/drawing/2018/sketchyshapes" sd="1219033472">
+                  <a:prstGeom prst="rect">
+                    <a:avLst/>
+                  </a:prstGeom>
+                  <ask:type>
+                    <ask:lineSketchFreehand/>
+                  </ask:type>
+                </ask:lineSketchStyleProps>
+              </a:ext>
+            </a:extLst>
+          </a:ln>
+        </p:spPr>
+        <p:style>
+          <a:lnRef idx="2">
+            <a:schemeClr val="accent1">
+              <a:shade val="50000"/>
+            </a:schemeClr>
+          </a:lnRef>
+          <a:fillRef idx="1">
+            <a:schemeClr val="accent1"/>
+          </a:fillRef>
+          <a:effectRef idx="0">
+            <a:schemeClr val="accent1"/>
+          </a:effectRef>
+          <a:fontRef idx="minor">
+            <a:schemeClr val="lt1"/>
+          </a:fontRef>
+        </p:style>
+        <p:txBody>
+          <a:bodyPr rtlCol="0" anchor="ctr"/>
+          <a:lstStyle/>
+          <a:p>
+            <a:pPr algn="ctr"/>
+            <a:endParaRPr lang="en-US"/>
+          </a:p>
+        </p:txBody>
+      </p:sp>
+      <p:sp>
+        <p:nvSpPr>
+          <p:cNvPr id="13" name="Content Placeholder 12">
+            <a:extLst>
+              <a:ext uri="{FF2B5EF4-FFF2-40B4-BE49-F238E27FC236}">
+                <a16:creationId xmlns:a16="http://schemas.microsoft.com/office/drawing/2014/main" id="{E34AEB49-2E85-5D0A-57AE-7ECC65076C23}"/>
+              </a:ext>
+            </a:extLst>
+          </p:cNvPr>
+          <p:cNvSpPr>
+            <a:spLocks noGrp="1"/>
+          </p:cNvSpPr>
+          <p:nvPr>
+            <p:ph idx="1"/>
+          </p:nvPr>
+        </p:nvSpPr>
+        <p:spPr>
+          <a:xfrm>
+            <a:off x="5541263" y="457200"/>
+            <a:ext cx="6007608" cy="1929384"/>
+          </a:xfrm>
+        </p:spPr>
+        <p:txBody>
+          <a:bodyPr anchor="ctr">
+            <a:normAutofit fontScale="92500"/>
+          </a:bodyPr>
+          <a:lstStyle/>
+          <a:p>
+            <a:r>
+              <a:rPr lang="en-GB" sz="2200" dirty="0"/>
+              <a:t>A logistical regression model was fit on the shipment data to predict the likelihood of delay of shipments</a:t>
+            </a:r>
+          </a:p>
+          <a:p>
+            <a:r>
+              <a:rPr lang="en-GB" sz="2200" dirty="0"/>
+              <a:t>McFadden’s R squared of 0.12, AUC of 0.74</a:t>
+            </a:r>
+          </a:p>
+          <a:p>
+            <a:r>
+              <a:rPr lang="en-GB" sz="2200" dirty="0"/>
+              <a:t>The model was then tested out on new shipment bookings data</a:t>
+            </a:r>
+          </a:p>
+          <a:p>
+            <a:endParaRPr lang="en-US" sz="2200" dirty="0"/>
+          </a:p>
+        </p:txBody>
+      </p:sp>
+      <p:pic>
+        <p:nvPicPr>
+          <p:cNvPr id="11" name="Picture 10" descr="A screenshot of a computer&#10;&#10;Description automatically generated">
+            <a:extLst>
+              <a:ext uri="{FF2B5EF4-FFF2-40B4-BE49-F238E27FC236}">
+                <a16:creationId xmlns:a16="http://schemas.microsoft.com/office/drawing/2014/main" id="{A6A65F0B-6907-E6EB-6B9B-CD38FA83CF1F}"/>
+              </a:ext>
+            </a:extLst>
+          </p:cNvPr>
+          <p:cNvPicPr>
+            <a:picLocks noChangeAspect="1"/>
+          </p:cNvPicPr>
+          <p:nvPr/>
+        </p:nvPicPr>
+        <p:blipFill>
+          <a:blip r:embed="rId2"/>
+          <a:stretch>
+            <a:fillRect/>
+          </a:stretch>
+        </p:blipFill>
+        <p:spPr>
+          <a:xfrm>
+            <a:off x="466344" y="2624961"/>
+            <a:ext cx="5468112" cy="3567942"/>
+          </a:xfrm>
+          <a:prstGeom prst="rect">
+            <a:avLst/>
+          </a:prstGeom>
+        </p:spPr>
+      </p:pic>
+      <p:pic>
+        <p:nvPicPr>
+          <p:cNvPr id="9" name="Content Placeholder 8" descr="A graph of a graph&#10;&#10;Description automatically generated with medium confidence">
+            <a:extLst>
+              <a:ext uri="{FF2B5EF4-FFF2-40B4-BE49-F238E27FC236}">
+                <a16:creationId xmlns:a16="http://schemas.microsoft.com/office/drawing/2014/main" id="{F75443CD-44FB-87A5-079B-8B4DD010A810}"/>
+              </a:ext>
+            </a:extLst>
+          </p:cNvPr>
+          <p:cNvPicPr>
+            <a:picLocks noChangeAspect="1"/>
+          </p:cNvPicPr>
+          <p:nvPr/>
+        </p:nvPicPr>
+        <p:blipFill>
+          <a:blip r:embed="rId3"/>
+          <a:stretch>
+            <a:fillRect/>
+          </a:stretch>
+        </p:blipFill>
+        <p:spPr>
+          <a:xfrm>
+            <a:off x="6254496" y="2720653"/>
+            <a:ext cx="5468112" cy="3376558"/>
+          </a:xfrm>
+          <a:prstGeom prst="rect">
+            <a:avLst/>
+          </a:prstGeom>
+        </p:spPr>
+      </p:pic>
+    </p:spTree>
+    <p:extLst>
+      <p:ext uri="{BB962C8B-B14F-4D97-AF65-F5344CB8AC3E}">
+        <p14:creationId xmlns:p14="http://schemas.microsoft.com/office/powerpoint/2010/main" val="1900295113"/>
+      </p:ext>
+    </p:extLst>
+  </p:cSld>
+  <p:clrMapOvr>
+    <a:masterClrMapping/>
+  </p:clrMapOvr>
+</p:sld>
+</file>
+
+<file path=ppt/slides/slide6.xml><?xml version="1.0" encoding="utf-8"?>
+<p:sld xmlns:a="http://schemas.openxmlformats.org/drawingml/2006/main" xmlns:r="http://schemas.openxmlformats.org/officeDocument/2006/relationships" xmlns:p="http://schemas.openxmlformats.org/presentationml/2006/main">
+  <p:cSld>
+    <p:bg>
+      <p:bgPr>
+        <a:solidFill>
+          <a:schemeClr val="bg1"/>
+        </a:solidFill>
+        <a:effectLst/>
+      </p:bgPr>
+    </p:bg>
+    <p:spTree>
+      <p:nvGrpSpPr>
+        <p:cNvPr id="1" name=""/>
+        <p:cNvGrpSpPr/>
+        <p:nvPr/>
+      </p:nvGrpSpPr>
+      <p:grpSpPr>
+        <a:xfrm>
+          <a:off x="0" y="0"/>
+          <a:ext cx="0" cy="0"/>
+          <a:chOff x="0" y="0"/>
+          <a:chExt cx="0" cy="0"/>
+        </a:xfrm>
+      </p:grpSpPr>
+      <p:sp useBgFill="1">
+        <p:nvSpPr>
+          <p:cNvPr id="29" name="Rectangle 28">
+            <a:extLst>
+              <a:ext uri="{FF2B5EF4-FFF2-40B4-BE49-F238E27FC236}">
+                <a16:creationId xmlns:a16="http://schemas.microsoft.com/office/drawing/2014/main" id="{7B831B6F-405A-4B47-B9BB-5CA88F285844}"/>
+              </a:ext>
+              <a:ext uri="{C183D7F6-B498-43B3-948B-1728B52AA6E4}">
+                <adec:decorative xmlns:adec="http://schemas.microsoft.com/office/drawing/2017/decorative" val="1"/>
+              </a:ext>
+            </a:extLst>
+          </p:cNvPr>
+          <p:cNvSpPr>
+            <a:spLocks noGrp="1" noRot="1" noChangeAspect="1" noMove="1" noResize="1" noEditPoints="1" noAdjustHandles="1" noChangeArrowheads="1" noChangeShapeType="1" noTextEdit="1"/>
+          </p:cNvSpPr>
+          <p:nvPr>
+            <p:extLst>
+              <p:ext uri="{386F3935-93C4-4BCD-93E2-E3B085C9AB24}">
+                <p16:designElem xmlns:p16="http://schemas.microsoft.com/office/powerpoint/2015/main" val="1"/>
+              </p:ext>
+            </p:extLst>
+          </p:nvPr>
+        </p:nvSpPr>
+        <p:spPr>
+          <a:xfrm>
+            <a:off x="0" y="0"/>
+            <a:ext cx="12192000" cy="6858000"/>
+          </a:xfrm>
+          <a:prstGeom prst="rect">
+            <a:avLst/>
+          </a:prstGeom>
+          <a:ln>
+            <a:noFill/>
+          </a:ln>
+        </p:spPr>
+        <p:style>
+          <a:lnRef idx="2">
+            <a:schemeClr val="accent1">
+              <a:shade val="50000"/>
+            </a:schemeClr>
+          </a:lnRef>
+          <a:fillRef idx="1">
+            <a:schemeClr val="accent1"/>
+          </a:fillRef>
+          <a:effectRef idx="0">
+            <a:schemeClr val="accent1"/>
+          </a:effectRef>
+          <a:fontRef idx="minor">
+            <a:schemeClr val="lt1"/>
+          </a:fontRef>
+        </p:style>
+        <p:txBody>
+          <a:bodyPr rtlCol="0" anchor="ctr"/>
+          <a:lstStyle/>
+          <a:p>
+            <a:pPr algn="ctr"/>
+            <a:endParaRPr lang="en-US"/>
+          </a:p>
+        </p:txBody>
+      </p:sp>
+      <p:sp>
+        <p:nvSpPr>
+          <p:cNvPr id="2" name="Title 1">
+            <a:extLst>
+              <a:ext uri="{FF2B5EF4-FFF2-40B4-BE49-F238E27FC236}">
+                <a16:creationId xmlns:a16="http://schemas.microsoft.com/office/drawing/2014/main" id="{4A05932B-301B-5D5D-2024-CCC5A4F78558}"/>
+              </a:ext>
+            </a:extLst>
+          </p:cNvPr>
+          <p:cNvSpPr>
+            <a:spLocks noGrp="1"/>
+          </p:cNvSpPr>
+          <p:nvPr>
+            <p:ph type="title"/>
+          </p:nvPr>
+        </p:nvSpPr>
+        <p:spPr>
+          <a:xfrm>
+            <a:off x="6739128" y="638089"/>
+            <a:ext cx="4818888" cy="1476801"/>
+          </a:xfrm>
+        </p:spPr>
+        <p:txBody>
+          <a:bodyPr vert="horz" lIns="91440" tIns="45720" rIns="91440" bIns="45720" rtlCol="0" anchor="b">
+            <a:normAutofit/>
+          </a:bodyPr>
+          <a:lstStyle/>
+          <a:p>
+            <a:r>
+              <a:rPr lang="en-GB" sz="5400" dirty="0"/>
+              <a:t>K</a:t>
+            </a:r>
+            <a:r>
+              <a:rPr lang="en-US" sz="5400" dirty="0" err="1"/>
+              <a:t>ey</a:t>
+            </a:r>
+            <a:r>
+              <a:rPr lang="en-US" sz="5400" dirty="0"/>
+              <a:t> Takeaways</a:t>
+            </a:r>
+            <a:endParaRPr lang="en-US" sz="5400" kern="1200" dirty="0">
+              <a:latin typeface="+mj-lt"/>
+              <a:ea typeface="+mj-ea"/>
+              <a:cs typeface="+mj-cs"/>
+            </a:endParaRPr>
+          </a:p>
+        </p:txBody>
+      </p:sp>
+      <p:pic>
+        <p:nvPicPr>
+          <p:cNvPr id="7" name="Graphic 6" descr="Gavel">
+            <a:extLst>
+              <a:ext uri="{FF2B5EF4-FFF2-40B4-BE49-F238E27FC236}">
+                <a16:creationId xmlns:a16="http://schemas.microsoft.com/office/drawing/2014/main" id="{E74A9B8F-F659-1591-D18C-C5896FB37E6A}"/>
+              </a:ext>
+            </a:extLst>
+          </p:cNvPr>
+          <p:cNvPicPr>
+            <a:picLocks noChangeAspect="1"/>
+          </p:cNvPicPr>
+          <p:nvPr/>
+        </p:nvPicPr>
+        <p:blipFill>
+          <a:blip r:embed="rId2">
+            <a:extLst>
+              <a:ext uri="{28A0092B-C50C-407E-A947-70E740481C1C}">
+                <a14:useLocalDpi xmlns:a14="http://schemas.microsoft.com/office/drawing/2010/main" val="0"/>
+              </a:ext>
+              <a:ext uri="{96DAC541-7B7A-43D3-8B79-37D633B846F1}">
+                <asvg:svgBlip xmlns:asvg="http://schemas.microsoft.com/office/drawing/2016/SVG/main" r:embed="rId3"/>
+              </a:ext>
+            </a:extLst>
+          </a:blip>
+          <a:stretch>
+            <a:fillRect/>
+          </a:stretch>
+        </p:blipFill>
+        <p:spPr>
+          <a:xfrm>
+            <a:off x="630936" y="699516"/>
+            <a:ext cx="5458968" cy="5458968"/>
+          </a:xfrm>
+          <a:prstGeom prst="rect">
+            <a:avLst/>
+          </a:prstGeom>
+        </p:spPr>
+      </p:pic>
+      <p:sp>
+        <p:nvSpPr>
+          <p:cNvPr id="31" name="sketch line">
+            <a:extLst>
+              <a:ext uri="{FF2B5EF4-FFF2-40B4-BE49-F238E27FC236}">
+                <a16:creationId xmlns:a16="http://schemas.microsoft.com/office/drawing/2014/main" id="{953EE71A-6488-4203-A7C4-77102FD0DCCA}"/>
+              </a:ext>
+              <a:ext uri="{C183D7F6-B498-43B3-948B-1728B52AA6E4}">
+                <adec:decorative xmlns:adec="http://schemas.microsoft.com/office/drawing/2017/decorative" val="1"/>
+              </a:ext>
+            </a:extLst>
+          </p:cNvPr>
+          <p:cNvSpPr>
+            <a:spLocks noGrp="1" noRot="1" noChangeAspect="1" noMove="1" noResize="1" noEditPoints="1" noAdjustHandles="1" noChangeArrowheads="1" noChangeShapeType="1" noTextEdit="1"/>
+          </p:cNvSpPr>
+          <p:nvPr>
+            <p:extLst>
+              <p:ext uri="{386F3935-93C4-4BCD-93E2-E3B085C9AB24}">
+                <p16:designElem xmlns:p16="http://schemas.microsoft.com/office/powerpoint/2015/main" val="1"/>
+              </p:ext>
+            </p:extLst>
+          </p:nvPr>
+        </p:nvSpPr>
+        <p:spPr>
+          <a:xfrm>
+            <a:off x="6739128" y="2372868"/>
+            <a:ext cx="3255095" cy="18288"/>
+          </a:xfrm>
+          <a:custGeom>
+            <a:avLst/>
+            <a:gdLst>
+              <a:gd name="connsiteX0" fmla="*/ 0 w 3255095"/>
+              <a:gd name="connsiteY0" fmla="*/ 0 h 18288"/>
+              <a:gd name="connsiteX1" fmla="*/ 618468 w 3255095"/>
+              <a:gd name="connsiteY1" fmla="*/ 0 h 18288"/>
+              <a:gd name="connsiteX2" fmla="*/ 1269487 w 3255095"/>
+              <a:gd name="connsiteY2" fmla="*/ 0 h 18288"/>
+              <a:gd name="connsiteX3" fmla="*/ 1953057 w 3255095"/>
+              <a:gd name="connsiteY3" fmla="*/ 0 h 18288"/>
+              <a:gd name="connsiteX4" fmla="*/ 2636627 w 3255095"/>
+              <a:gd name="connsiteY4" fmla="*/ 0 h 18288"/>
+              <a:gd name="connsiteX5" fmla="*/ 3255095 w 3255095"/>
+              <a:gd name="connsiteY5" fmla="*/ 0 h 18288"/>
+              <a:gd name="connsiteX6" fmla="*/ 3255095 w 3255095"/>
+              <a:gd name="connsiteY6" fmla="*/ 18288 h 18288"/>
+              <a:gd name="connsiteX7" fmla="*/ 2538974 w 3255095"/>
+              <a:gd name="connsiteY7" fmla="*/ 18288 h 18288"/>
+              <a:gd name="connsiteX8" fmla="*/ 1822853 w 3255095"/>
+              <a:gd name="connsiteY8" fmla="*/ 18288 h 18288"/>
+              <a:gd name="connsiteX9" fmla="*/ 1171834 w 3255095"/>
+              <a:gd name="connsiteY9" fmla="*/ 18288 h 18288"/>
+              <a:gd name="connsiteX10" fmla="*/ 0 w 3255095"/>
+              <a:gd name="connsiteY10" fmla="*/ 18288 h 18288"/>
+              <a:gd name="connsiteX11" fmla="*/ 0 w 3255095"/>
+              <a:gd name="connsiteY11" fmla="*/ 0 h 18288"/>
+            </a:gdLst>
+            <a:ahLst/>
+            <a:cxnLst>
+              <a:cxn ang="0">
+                <a:pos x="connsiteX0" y="connsiteY0"/>
+              </a:cxn>
+              <a:cxn ang="0">
+                <a:pos x="connsiteX1" y="connsiteY1"/>
+              </a:cxn>
+              <a:cxn ang="0">
+                <a:pos x="connsiteX2" y="connsiteY2"/>
+              </a:cxn>
+              <a:cxn ang="0">
+                <a:pos x="connsiteX3" y="connsiteY3"/>
+              </a:cxn>
+              <a:cxn ang="0">
+                <a:pos x="connsiteX4" y="connsiteY4"/>
+              </a:cxn>
+              <a:cxn ang="0">
+                <a:pos x="connsiteX5" y="connsiteY5"/>
+              </a:cxn>
+              <a:cxn ang="0">
+                <a:pos x="connsiteX6" y="connsiteY6"/>
+              </a:cxn>
+              <a:cxn ang="0">
+                <a:pos x="connsiteX7" y="connsiteY7"/>
+              </a:cxn>
+              <a:cxn ang="0">
+                <a:pos x="connsiteX8" y="connsiteY8"/>
+              </a:cxn>
+              <a:cxn ang="0">
+                <a:pos x="connsiteX9" y="connsiteY9"/>
+              </a:cxn>
+              <a:cxn ang="0">
+                <a:pos x="connsiteX10" y="connsiteY10"/>
+              </a:cxn>
+              <a:cxn ang="0">
+                <a:pos x="connsiteX11" y="connsiteY11"/>
+              </a:cxn>
+            </a:cxnLst>
+            <a:rect l="l" t="t" r="r" b="b"/>
+            <a:pathLst>
+              <a:path w="3255095" h="18288" fill="none" extrusionOk="0">
+                <a:moveTo>
+                  <a:pt x="0" y="0"/>
+                </a:moveTo>
+                <a:cubicBezTo>
+                  <a:pt x="240201" y="-22123"/>
+                  <a:pt x="462021" y="-19623"/>
+                  <a:pt x="618468" y="0"/>
+                </a:cubicBezTo>
+                <a:cubicBezTo>
+                  <a:pt x="774915" y="19623"/>
+                  <a:pt x="974734" y="2035"/>
+                  <a:pt x="1269487" y="0"/>
+                </a:cubicBezTo>
+                <a:cubicBezTo>
+                  <a:pt x="1564240" y="-2035"/>
+                  <a:pt x="1733579" y="10639"/>
+                  <a:pt x="1953057" y="0"/>
+                </a:cubicBezTo>
+                <a:cubicBezTo>
+                  <a:pt x="2172535" y="-10639"/>
+                  <a:pt x="2453962" y="14018"/>
+                  <a:pt x="2636627" y="0"/>
+                </a:cubicBezTo>
+                <a:cubicBezTo>
+                  <a:pt x="2819292" y="-14018"/>
+                  <a:pt x="3121375" y="5399"/>
+                  <a:pt x="3255095" y="0"/>
+                </a:cubicBezTo>
+                <a:cubicBezTo>
+                  <a:pt x="3254386" y="8157"/>
+                  <a:pt x="3254682" y="12125"/>
+                  <a:pt x="3255095" y="18288"/>
+                </a:cubicBezTo>
+                <a:cubicBezTo>
+                  <a:pt x="3088545" y="23203"/>
+                  <a:pt x="2687475" y="7419"/>
+                  <a:pt x="2538974" y="18288"/>
+                </a:cubicBezTo>
+                <a:cubicBezTo>
+                  <a:pt x="2390473" y="29157"/>
+                  <a:pt x="2137381" y="-8959"/>
+                  <a:pt x="1822853" y="18288"/>
+                </a:cubicBezTo>
+                <a:cubicBezTo>
+                  <a:pt x="1508325" y="45535"/>
+                  <a:pt x="1466437" y="20385"/>
+                  <a:pt x="1171834" y="18288"/>
+                </a:cubicBezTo>
+                <a:cubicBezTo>
+                  <a:pt x="877231" y="16191"/>
+                  <a:pt x="561097" y="37643"/>
+                  <a:pt x="0" y="18288"/>
+                </a:cubicBezTo>
+                <a:cubicBezTo>
+                  <a:pt x="-46" y="12483"/>
+                  <a:pt x="-203" y="6491"/>
+                  <a:pt x="0" y="0"/>
+                </a:cubicBezTo>
+                <a:close/>
+              </a:path>
+              <a:path w="3255095" h="18288" stroke="0" extrusionOk="0">
+                <a:moveTo>
+                  <a:pt x="0" y="0"/>
+                </a:moveTo>
+                <a:cubicBezTo>
+                  <a:pt x="291965" y="19429"/>
+                  <a:pt x="363155" y="8568"/>
+                  <a:pt x="618468" y="0"/>
+                </a:cubicBezTo>
+                <a:cubicBezTo>
+                  <a:pt x="873781" y="-8568"/>
+                  <a:pt x="904459" y="-19505"/>
+                  <a:pt x="1171834" y="0"/>
+                </a:cubicBezTo>
+                <a:cubicBezTo>
+                  <a:pt x="1439209" y="19505"/>
+                  <a:pt x="1744369" y="9790"/>
+                  <a:pt x="1887955" y="0"/>
+                </a:cubicBezTo>
+                <a:cubicBezTo>
+                  <a:pt x="2031541" y="-9790"/>
+                  <a:pt x="2346378" y="21240"/>
+                  <a:pt x="2506423" y="0"/>
+                </a:cubicBezTo>
+                <a:cubicBezTo>
+                  <a:pt x="2666468" y="-21240"/>
+                  <a:pt x="2990257" y="30414"/>
+                  <a:pt x="3255095" y="0"/>
+                </a:cubicBezTo>
+                <a:cubicBezTo>
+                  <a:pt x="3254831" y="4493"/>
+                  <a:pt x="3255479" y="9472"/>
+                  <a:pt x="3255095" y="18288"/>
+                </a:cubicBezTo>
+                <a:cubicBezTo>
+                  <a:pt x="3120743" y="16690"/>
+                  <a:pt x="2759628" y="42462"/>
+                  <a:pt x="2604076" y="18288"/>
+                </a:cubicBezTo>
+                <a:cubicBezTo>
+                  <a:pt x="2448524" y="-5886"/>
+                  <a:pt x="2184336" y="19599"/>
+                  <a:pt x="1887955" y="18288"/>
+                </a:cubicBezTo>
+                <a:cubicBezTo>
+                  <a:pt x="1591574" y="16977"/>
+                  <a:pt x="1548845" y="6870"/>
+                  <a:pt x="1334589" y="18288"/>
+                </a:cubicBezTo>
+                <a:cubicBezTo>
+                  <a:pt x="1120333" y="29706"/>
+                  <a:pt x="996014" y="9662"/>
+                  <a:pt x="683570" y="18288"/>
+                </a:cubicBezTo>
+                <a:cubicBezTo>
+                  <a:pt x="371126" y="26914"/>
+                  <a:pt x="198687" y="16167"/>
+                  <a:pt x="0" y="18288"/>
+                </a:cubicBezTo>
+                <a:cubicBezTo>
+                  <a:pt x="843" y="9577"/>
+                  <a:pt x="371" y="6900"/>
+                  <a:pt x="0" y="0"/>
+                </a:cubicBezTo>
+                <a:close/>
+              </a:path>
+            </a:pathLst>
+          </a:custGeom>
+          <a:solidFill>
+            <a:schemeClr val="accent2"/>
+          </a:solidFill>
+          <a:ln w="38100" cap="rnd">
+            <a:solidFill>
+              <a:schemeClr val="accent2"/>
+            </a:solidFill>
+            <a:round/>
+            <a:extLst>
+              <a:ext uri="{C807C97D-BFC1-408E-A445-0C87EB9F89A2}">
+                <ask:lineSketchStyleProps xmlns:ask="http://schemas.microsoft.com/office/drawing/2018/sketchyshapes" sd="1219033472">
+                  <a:prstGeom prst="rect">
+                    <a:avLst/>
+                  </a:prstGeom>
+                  <ask:type>
+                    <ask:lineSketchFreehand/>
+                  </ask:type>
+                </ask:lineSketchStyleProps>
+              </a:ext>
+            </a:extLst>
+          </a:ln>
+        </p:spPr>
+        <p:style>
+          <a:lnRef idx="2">
+            <a:schemeClr val="accent1">
+              <a:shade val="50000"/>
+            </a:schemeClr>
+          </a:lnRef>
+          <a:fillRef idx="1">
+            <a:schemeClr val="accent1"/>
+          </a:fillRef>
+          <a:effectRef idx="0">
+            <a:schemeClr val="accent1"/>
+          </a:effectRef>
+          <a:fontRef idx="minor">
+            <a:schemeClr val="lt1"/>
+          </a:fontRef>
+        </p:style>
+        <p:txBody>
+          <a:bodyPr rtlCol="0" anchor="ctr"/>
+          <a:lstStyle/>
+          <a:p>
+            <a:pPr algn="ctr"/>
+            <a:endParaRPr lang="en-US"/>
+          </a:p>
+        </p:txBody>
+      </p:sp>
+      <p:sp>
+        <p:nvSpPr>
+          <p:cNvPr id="4" name="Content Placeholder 12">
+            <a:extLst>
+              <a:ext uri="{FF2B5EF4-FFF2-40B4-BE49-F238E27FC236}">
+                <a16:creationId xmlns:a16="http://schemas.microsoft.com/office/drawing/2014/main" id="{C78A91EE-0A9C-EA81-67D9-EADFC7F9616B}"/>
+              </a:ext>
+            </a:extLst>
+          </p:cNvPr>
+          <p:cNvSpPr>
+            <a:spLocks noGrp="1"/>
+          </p:cNvSpPr>
+          <p:nvPr>
+            <p:ph idx="1"/>
+          </p:nvPr>
+        </p:nvSpPr>
+        <p:spPr>
+          <a:xfrm>
+            <a:off x="6739128" y="2664886"/>
+            <a:ext cx="4818888" cy="3550789"/>
+          </a:xfrm>
+        </p:spPr>
+        <p:txBody>
+          <a:bodyPr anchor="t">
+            <a:normAutofit/>
+          </a:bodyPr>
+          <a:lstStyle/>
+          <a:p>
+            <a:r>
+              <a:rPr lang="en-GB" sz="2200" dirty="0"/>
+              <a:t>Evidential strong carrier performance of shipments with reduced delays over time</a:t>
+            </a:r>
+          </a:p>
+          <a:p>
+            <a:r>
+              <a:rPr lang="en-GB" sz="2200" dirty="0"/>
+              <a:t>Suggested next steps involve:</a:t>
+            </a:r>
+            <a:endParaRPr lang="en-GB" sz="1800" dirty="0"/>
+          </a:p>
+          <a:p>
+            <a:pPr lvl="1"/>
+            <a:r>
+              <a:rPr lang="en-GB" sz="1800" dirty="0"/>
+              <a:t>Improve the accuracy of the predictive model</a:t>
+            </a:r>
+          </a:p>
+          <a:p>
+            <a:pPr lvl="1"/>
+            <a:r>
+              <a:rPr lang="en-GB" sz="1800" dirty="0"/>
+              <a:t>Identify and implement methods to mitigate risks of delay, i.e. notifying shippers in advance</a:t>
+            </a:r>
+          </a:p>
+          <a:p>
+            <a:pPr lvl="1"/>
+            <a:r>
+              <a:rPr lang="en-GB" sz="1800" dirty="0"/>
+              <a:t>Analyse more historical data from previous years</a:t>
+            </a:r>
+          </a:p>
+        </p:txBody>
+      </p:sp>
+    </p:spTree>
+    <p:extLst>
+      <p:ext uri="{BB962C8B-B14F-4D97-AF65-F5344CB8AC3E}">
+        <p14:creationId xmlns:p14="http://schemas.microsoft.com/office/powerpoint/2010/main" val="121580605"/>
+      </p:ext>
+    </p:extLst>
+  </p:cSld>
+  <p:clrMapOvr>
+    <a:masterClrMapping/>
+  </p:clrMapOvr>
+</p:sld>
+</file>
+
 <file path=ppt/theme/theme1.xml><?xml version="1.0" encoding="utf-8"?>
 <a:theme xmlns:a="http://schemas.openxmlformats.org/drawingml/2006/main" name="Office Theme">
   <a:themeElements>

--- a/Shipment logistics analysis.pptx
+++ b/Shipment logistics analysis.pptx
@@ -7,10 +7,11 @@
   <p:sldIdLst>
     <p:sldId id="256" r:id="rId2"/>
     <p:sldId id="257" r:id="rId3"/>
-    <p:sldId id="258" r:id="rId4"/>
-    <p:sldId id="260" r:id="rId5"/>
-    <p:sldId id="261" r:id="rId6"/>
-    <p:sldId id="262" r:id="rId7"/>
+    <p:sldId id="263" r:id="rId4"/>
+    <p:sldId id="258" r:id="rId5"/>
+    <p:sldId id="260" r:id="rId6"/>
+    <p:sldId id="261" r:id="rId7"/>
+    <p:sldId id="262" r:id="rId8"/>
   </p:sldIdLst>
   <p:sldSz cx="12192000" cy="6858000"/>
   <p:notesSz cx="6858000" cy="9144000"/>
@@ -109,6 +110,11 @@
       </a:defRPr>
     </a:lvl9pPr>
   </p:defaultTextStyle>
+  <p:extLst>
+    <p:ext uri="{EFAFB233-063F-42B5-8137-9DF3F51BA10A}">
+      <p15:sldGuideLst xmlns:p15="http://schemas.microsoft.com/office/powerpoint/2012/main"/>
+    </p:ext>
+  </p:extLst>
 </p:presentation>
 </file>
 
@@ -1027,6 +1033,927 @@
     <dgm:txLinClrLst/>
     <dgm:txFillClrLst meth="repeat">
       <a:schemeClr val="bg1"/>
+    </dgm:txFillClrLst>
+    <dgm:txEffectClrLst/>
+  </dgm:styleLbl>
+</dgm:colorsDef>
+</file>
+
+<file path=ppt/diagrams/colors2.xml><?xml version="1.0" encoding="utf-8"?>
+<dgm:colorsDef xmlns:dgm="http://schemas.openxmlformats.org/drawingml/2006/diagram" xmlns:a="http://schemas.openxmlformats.org/drawingml/2006/main" uniqueId="urn:microsoft.com/office/officeart/2018/5/colors/Iconchunking_neutralbg_colorful1">
+  <dgm:title val=""/>
+  <dgm:desc val=""/>
+  <dgm:catLst>
+    <dgm:cat type="colorful" pri="10100"/>
+  </dgm:catLst>
+  <dgm:styleLbl name="node0">
+    <dgm:fillClrLst meth="repeat">
+      <a:schemeClr val="accent1"/>
+    </dgm:fillClrLst>
+    <dgm:linClrLst meth="repeat">
+      <a:schemeClr val="lt1"/>
+    </dgm:linClrLst>
+    <dgm:effectClrLst/>
+    <dgm:txLinClrLst/>
+    <dgm:txFillClrLst/>
+    <dgm:txEffectClrLst/>
+  </dgm:styleLbl>
+  <dgm:styleLbl name="node1">
+    <dgm:fillClrLst meth="repeat">
+      <a:schemeClr val="accent2"/>
+      <a:schemeClr val="accent3"/>
+      <a:schemeClr val="accent4"/>
+      <a:schemeClr val="accent5"/>
+      <a:schemeClr val="accent6"/>
+    </dgm:fillClrLst>
+    <dgm:linClrLst meth="repeat">
+      <a:schemeClr val="lt1">
+        <a:alpha val="0"/>
+      </a:schemeClr>
+    </dgm:linClrLst>
+    <dgm:effectClrLst/>
+    <dgm:txLinClrLst/>
+    <dgm:txFillClrLst/>
+    <dgm:txEffectClrLst/>
+  </dgm:styleLbl>
+  <dgm:styleLbl name="alignNode1">
+    <dgm:fillClrLst meth="repeat">
+      <a:schemeClr val="accent2"/>
+      <a:schemeClr val="accent3"/>
+      <a:schemeClr val="accent4"/>
+      <a:schemeClr val="accent5"/>
+      <a:schemeClr val="accent6"/>
+    </dgm:fillClrLst>
+    <dgm:linClrLst meth="repeat">
+      <a:schemeClr val="accent2"/>
+      <a:schemeClr val="accent3"/>
+      <a:schemeClr val="accent4"/>
+      <a:schemeClr val="accent5"/>
+      <a:schemeClr val="accent6"/>
+    </dgm:linClrLst>
+    <dgm:effectClrLst/>
+    <dgm:txLinClrLst/>
+    <dgm:txFillClrLst/>
+    <dgm:txEffectClrLst/>
+  </dgm:styleLbl>
+  <dgm:styleLbl name="lnNode1">
+    <dgm:fillClrLst meth="repeat">
+      <a:schemeClr val="accent2"/>
+      <a:schemeClr val="accent3"/>
+      <a:schemeClr val="accent4"/>
+      <a:schemeClr val="accent5"/>
+      <a:schemeClr val="accent6"/>
+    </dgm:fillClrLst>
+    <dgm:linClrLst meth="repeat">
+      <a:schemeClr val="lt1"/>
+    </dgm:linClrLst>
+    <dgm:effectClrLst/>
+    <dgm:txLinClrLst/>
+    <dgm:txFillClrLst/>
+    <dgm:txEffectClrLst/>
+  </dgm:styleLbl>
+  <dgm:styleLbl name="vennNode1">
+    <dgm:fillClrLst meth="repeat">
+      <a:schemeClr val="accent2">
+        <a:alpha val="50000"/>
+      </a:schemeClr>
+      <a:schemeClr val="accent3">
+        <a:alpha val="50000"/>
+      </a:schemeClr>
+      <a:schemeClr val="accent4">
+        <a:alpha val="50000"/>
+      </a:schemeClr>
+      <a:schemeClr val="accent5">
+        <a:alpha val="50000"/>
+      </a:schemeClr>
+      <a:schemeClr val="accent6">
+        <a:alpha val="50000"/>
+      </a:schemeClr>
+    </dgm:fillClrLst>
+    <dgm:linClrLst meth="repeat">
+      <a:schemeClr val="lt1"/>
+    </dgm:linClrLst>
+    <dgm:effectClrLst/>
+    <dgm:txLinClrLst/>
+    <dgm:txFillClrLst/>
+    <dgm:txEffectClrLst/>
+  </dgm:styleLbl>
+  <dgm:styleLbl name="node2">
+    <dgm:fillClrLst>
+      <a:schemeClr val="accent2"/>
+    </dgm:fillClrLst>
+    <dgm:linClrLst meth="repeat">
+      <a:schemeClr val="lt1"/>
+    </dgm:linClrLst>
+    <dgm:effectClrLst/>
+    <dgm:txLinClrLst/>
+    <dgm:txFillClrLst/>
+    <dgm:txEffectClrLst/>
+  </dgm:styleLbl>
+  <dgm:styleLbl name="node3">
+    <dgm:fillClrLst>
+      <a:schemeClr val="accent3"/>
+    </dgm:fillClrLst>
+    <dgm:linClrLst meth="repeat">
+      <a:schemeClr val="lt1"/>
+    </dgm:linClrLst>
+    <dgm:effectClrLst/>
+    <dgm:txLinClrLst/>
+    <dgm:txFillClrLst/>
+    <dgm:txEffectClrLst/>
+  </dgm:styleLbl>
+  <dgm:styleLbl name="node4">
+    <dgm:fillClrLst>
+      <a:schemeClr val="accent4"/>
+    </dgm:fillClrLst>
+    <dgm:linClrLst meth="repeat">
+      <a:schemeClr val="lt1"/>
+    </dgm:linClrLst>
+    <dgm:effectClrLst/>
+    <dgm:txLinClrLst/>
+    <dgm:txFillClrLst/>
+    <dgm:txEffectClrLst/>
+  </dgm:styleLbl>
+  <dgm:styleLbl name="fgImgPlace1">
+    <dgm:fillClrLst meth="repeat">
+      <a:schemeClr val="accent2">
+        <a:tint val="50000"/>
+      </a:schemeClr>
+      <a:schemeClr val="accent3">
+        <a:tint val="50000"/>
+      </a:schemeClr>
+      <a:schemeClr val="accent4">
+        <a:tint val="50000"/>
+      </a:schemeClr>
+      <a:schemeClr val="accent5">
+        <a:tint val="50000"/>
+      </a:schemeClr>
+      <a:schemeClr val="accent6">
+        <a:tint val="50000"/>
+      </a:schemeClr>
+    </dgm:fillClrLst>
+    <dgm:linClrLst meth="repeat">
+      <a:schemeClr val="lt1"/>
+    </dgm:linClrLst>
+    <dgm:effectClrLst/>
+    <dgm:txLinClrLst/>
+    <dgm:txFillClrLst meth="repeat">
+      <a:schemeClr val="lt1"/>
+    </dgm:txFillClrLst>
+    <dgm:txEffectClrLst/>
+  </dgm:styleLbl>
+  <dgm:styleLbl name="alignImgPlace1">
+    <dgm:fillClrLst>
+      <a:schemeClr val="accent1">
+        <a:tint val="50000"/>
+      </a:schemeClr>
+      <a:schemeClr val="accent2">
+        <a:tint val="20000"/>
+      </a:schemeClr>
+    </dgm:fillClrLst>
+    <dgm:linClrLst meth="repeat">
+      <a:schemeClr val="lt1"/>
+    </dgm:linClrLst>
+    <dgm:effectClrLst/>
+    <dgm:txLinClrLst/>
+    <dgm:txFillClrLst meth="repeat">
+      <a:schemeClr val="lt1"/>
+    </dgm:txFillClrLst>
+    <dgm:txEffectClrLst/>
+  </dgm:styleLbl>
+  <dgm:styleLbl name="bgImgPlace1">
+    <dgm:fillClrLst>
+      <a:schemeClr val="accent1">
+        <a:tint val="50000"/>
+      </a:schemeClr>
+      <a:schemeClr val="accent2">
+        <a:tint val="20000"/>
+      </a:schemeClr>
+    </dgm:fillClrLst>
+    <dgm:linClrLst meth="repeat">
+      <a:schemeClr val="lt1"/>
+    </dgm:linClrLst>
+    <dgm:effectClrLst/>
+    <dgm:txLinClrLst/>
+    <dgm:txFillClrLst meth="repeat">
+      <a:schemeClr val="lt1"/>
+    </dgm:txFillClrLst>
+    <dgm:txEffectClrLst/>
+  </dgm:styleLbl>
+  <dgm:styleLbl name="sibTrans2D1">
+    <dgm:fillClrLst meth="repeat">
+      <a:schemeClr val="accent2"/>
+      <a:schemeClr val="accent3"/>
+      <a:schemeClr val="accent4"/>
+      <a:schemeClr val="accent5"/>
+      <a:schemeClr val="accent6"/>
+    </dgm:fillClrLst>
+    <dgm:linClrLst meth="cycle">
+      <a:schemeClr val="lt1"/>
+    </dgm:linClrLst>
+    <dgm:effectClrLst/>
+    <dgm:txLinClrLst/>
+    <dgm:txFillClrLst/>
+    <dgm:txEffectClrLst/>
+  </dgm:styleLbl>
+  <dgm:styleLbl name="fgSibTrans2D1">
+    <dgm:fillClrLst meth="repeat">
+      <a:schemeClr val="accent2"/>
+      <a:schemeClr val="accent3"/>
+      <a:schemeClr val="accent4"/>
+      <a:schemeClr val="accent5"/>
+      <a:schemeClr val="accent6"/>
+    </dgm:fillClrLst>
+    <dgm:linClrLst meth="cycle">
+      <a:schemeClr val="lt1"/>
+    </dgm:linClrLst>
+    <dgm:effectClrLst/>
+    <dgm:txLinClrLst/>
+    <dgm:txFillClrLst meth="repeat">
+      <a:schemeClr val="lt1"/>
+    </dgm:txFillClrLst>
+    <dgm:txEffectClrLst/>
+  </dgm:styleLbl>
+  <dgm:styleLbl name="bgSibTrans2D1">
+    <dgm:fillClrLst meth="repeat">
+      <a:schemeClr val="accent2"/>
+      <a:schemeClr val="accent3"/>
+      <a:schemeClr val="accent4"/>
+      <a:schemeClr val="accent5"/>
+      <a:schemeClr val="accent6"/>
+    </dgm:fillClrLst>
+    <dgm:linClrLst meth="cycle">
+      <a:schemeClr val="lt1"/>
+    </dgm:linClrLst>
+    <dgm:effectClrLst/>
+    <dgm:txLinClrLst/>
+    <dgm:txFillClrLst meth="repeat">
+      <a:schemeClr val="lt1"/>
+    </dgm:txFillClrLst>
+    <dgm:txEffectClrLst/>
+  </dgm:styleLbl>
+  <dgm:styleLbl name="sibTrans1D1">
+    <dgm:fillClrLst meth="repeat">
+      <a:schemeClr val="accent2"/>
+      <a:schemeClr val="accent3"/>
+      <a:schemeClr val="accent4"/>
+      <a:schemeClr val="accent5"/>
+      <a:schemeClr val="accent6"/>
+    </dgm:fillClrLst>
+    <dgm:linClrLst meth="repeat">
+      <a:schemeClr val="accent2"/>
+      <a:schemeClr val="accent3"/>
+      <a:schemeClr val="accent4"/>
+      <a:schemeClr val="accent5"/>
+      <a:schemeClr val="accent6"/>
+    </dgm:linClrLst>
+    <dgm:effectClrLst/>
+    <dgm:txLinClrLst/>
+    <dgm:txFillClrLst meth="repeat">
+      <a:schemeClr val="tx1"/>
+    </dgm:txFillClrLst>
+    <dgm:txEffectClrLst/>
+  </dgm:styleLbl>
+  <dgm:styleLbl name="callout">
+    <dgm:fillClrLst meth="repeat">
+      <a:schemeClr val="accent2"/>
+    </dgm:fillClrLst>
+    <dgm:linClrLst meth="repeat">
+      <a:schemeClr val="accent2">
+        <a:tint val="50000"/>
+      </a:schemeClr>
+    </dgm:linClrLst>
+    <dgm:effectClrLst/>
+    <dgm:txLinClrLst/>
+    <dgm:txFillClrLst meth="repeat">
+      <a:schemeClr val="tx1"/>
+    </dgm:txFillClrLst>
+    <dgm:txEffectClrLst/>
+  </dgm:styleLbl>
+  <dgm:styleLbl name="asst0">
+    <dgm:fillClrLst meth="repeat">
+      <a:schemeClr val="accent1"/>
+    </dgm:fillClrLst>
+    <dgm:linClrLst meth="repeat">
+      <a:schemeClr val="lt1"/>
+    </dgm:linClrLst>
+    <dgm:effectClrLst/>
+    <dgm:txLinClrLst/>
+    <dgm:txFillClrLst/>
+    <dgm:txEffectClrLst/>
+  </dgm:styleLbl>
+  <dgm:styleLbl name="asst1">
+    <dgm:fillClrLst meth="repeat">
+      <a:schemeClr val="accent2"/>
+    </dgm:fillClrLst>
+    <dgm:linClrLst meth="repeat">
+      <a:schemeClr val="lt1"/>
+    </dgm:linClrLst>
+    <dgm:effectClrLst/>
+    <dgm:txLinClrLst/>
+    <dgm:txFillClrLst/>
+    <dgm:txEffectClrLst/>
+  </dgm:styleLbl>
+  <dgm:styleLbl name="asst2">
+    <dgm:fillClrLst>
+      <a:schemeClr val="accent3"/>
+    </dgm:fillClrLst>
+    <dgm:linClrLst meth="repeat">
+      <a:schemeClr val="lt1"/>
+    </dgm:linClrLst>
+    <dgm:effectClrLst/>
+    <dgm:txLinClrLst/>
+    <dgm:txFillClrLst/>
+    <dgm:txEffectClrLst/>
+  </dgm:styleLbl>
+  <dgm:styleLbl name="asst3">
+    <dgm:fillClrLst>
+      <a:schemeClr val="accent4"/>
+    </dgm:fillClrLst>
+    <dgm:linClrLst meth="repeat">
+      <a:schemeClr val="lt1"/>
+    </dgm:linClrLst>
+    <dgm:effectClrLst/>
+    <dgm:txLinClrLst/>
+    <dgm:txFillClrLst/>
+    <dgm:txEffectClrLst/>
+  </dgm:styleLbl>
+  <dgm:styleLbl name="asst4">
+    <dgm:fillClrLst>
+      <a:schemeClr val="accent5"/>
+    </dgm:fillClrLst>
+    <dgm:linClrLst meth="repeat">
+      <a:schemeClr val="lt1"/>
+    </dgm:linClrLst>
+    <dgm:effectClrLst/>
+    <dgm:txLinClrLst/>
+    <dgm:txFillClrLst/>
+    <dgm:txEffectClrLst/>
+  </dgm:styleLbl>
+  <dgm:styleLbl name="parChTrans2D1">
+    <dgm:fillClrLst meth="repeat">
+      <a:schemeClr val="accent2"/>
+    </dgm:fillClrLst>
+    <dgm:linClrLst meth="repeat">
+      <a:schemeClr val="lt1"/>
+    </dgm:linClrLst>
+    <dgm:effectClrLst/>
+    <dgm:txLinClrLst/>
+    <dgm:txFillClrLst meth="repeat">
+      <a:schemeClr val="lt1"/>
+    </dgm:txFillClrLst>
+    <dgm:txEffectClrLst/>
+  </dgm:styleLbl>
+  <dgm:styleLbl name="parChTrans2D2">
+    <dgm:fillClrLst meth="repeat">
+      <a:schemeClr val="accent3"/>
+    </dgm:fillClrLst>
+    <dgm:linClrLst meth="repeat">
+      <a:schemeClr val="lt1"/>
+    </dgm:linClrLst>
+    <dgm:effectClrLst/>
+    <dgm:txLinClrLst/>
+    <dgm:txFillClrLst/>
+    <dgm:txEffectClrLst/>
+  </dgm:styleLbl>
+  <dgm:styleLbl name="parChTrans2D3">
+    <dgm:fillClrLst meth="repeat">
+      <a:schemeClr val="accent4"/>
+    </dgm:fillClrLst>
+    <dgm:linClrLst meth="repeat">
+      <a:schemeClr val="lt1"/>
+    </dgm:linClrLst>
+    <dgm:effectClrLst/>
+    <dgm:txLinClrLst/>
+    <dgm:txFillClrLst/>
+    <dgm:txEffectClrLst/>
+  </dgm:styleLbl>
+  <dgm:styleLbl name="parChTrans2D4">
+    <dgm:fillClrLst meth="repeat">
+      <a:schemeClr val="accent5"/>
+    </dgm:fillClrLst>
+    <dgm:linClrLst meth="repeat">
+      <a:schemeClr val="lt1"/>
+    </dgm:linClrLst>
+    <dgm:effectClrLst/>
+    <dgm:txLinClrLst/>
+    <dgm:txFillClrLst meth="repeat">
+      <a:schemeClr val="lt1"/>
+    </dgm:txFillClrLst>
+    <dgm:txEffectClrLst/>
+  </dgm:styleLbl>
+  <dgm:styleLbl name="parChTrans1D1">
+    <dgm:fillClrLst meth="repeat">
+      <a:schemeClr val="accent2"/>
+    </dgm:fillClrLst>
+    <dgm:linClrLst meth="repeat">
+      <a:schemeClr val="accent1"/>
+    </dgm:linClrLst>
+    <dgm:effectClrLst/>
+    <dgm:txLinClrLst/>
+    <dgm:txFillClrLst meth="repeat">
+      <a:schemeClr val="tx1"/>
+    </dgm:txFillClrLst>
+    <dgm:txEffectClrLst/>
+  </dgm:styleLbl>
+  <dgm:styleLbl name="parChTrans1D2">
+    <dgm:fillClrLst meth="repeat">
+      <a:schemeClr val="accent3">
+        <a:tint val="90000"/>
+      </a:schemeClr>
+    </dgm:fillClrLst>
+    <dgm:linClrLst meth="repeat">
+      <a:schemeClr val="accent2"/>
+    </dgm:linClrLst>
+    <dgm:effectClrLst/>
+    <dgm:txLinClrLst/>
+    <dgm:txFillClrLst meth="repeat">
+      <a:schemeClr val="tx1"/>
+    </dgm:txFillClrLst>
+    <dgm:txEffectClrLst/>
+  </dgm:styleLbl>
+  <dgm:styleLbl name="parChTrans1D3">
+    <dgm:fillClrLst meth="repeat">
+      <a:schemeClr val="accent4">
+        <a:tint val="70000"/>
+      </a:schemeClr>
+    </dgm:fillClrLst>
+    <dgm:linClrLst meth="repeat">
+      <a:schemeClr val="accent3"/>
+    </dgm:linClrLst>
+    <dgm:effectClrLst/>
+    <dgm:txLinClrLst/>
+    <dgm:txFillClrLst meth="repeat">
+      <a:schemeClr val="tx1"/>
+    </dgm:txFillClrLst>
+    <dgm:txEffectClrLst/>
+  </dgm:styleLbl>
+  <dgm:styleLbl name="parChTrans1D4">
+    <dgm:fillClrLst meth="repeat">
+      <a:schemeClr val="accent5">
+        <a:tint val="50000"/>
+      </a:schemeClr>
+    </dgm:fillClrLst>
+    <dgm:linClrLst meth="repeat">
+      <a:schemeClr val="accent4"/>
+    </dgm:linClrLst>
+    <dgm:effectClrLst/>
+    <dgm:txLinClrLst/>
+    <dgm:txFillClrLst meth="repeat">
+      <a:schemeClr val="tx1"/>
+    </dgm:txFillClrLst>
+    <dgm:txEffectClrLst/>
+  </dgm:styleLbl>
+  <dgm:styleLbl name="fgAcc1">
+    <dgm:fillClrLst meth="repeat">
+      <a:schemeClr val="lt1">
+        <a:alpha val="90000"/>
+      </a:schemeClr>
+    </dgm:fillClrLst>
+    <dgm:linClrLst meth="repeat">
+      <a:schemeClr val="accent2"/>
+      <a:schemeClr val="accent3"/>
+      <a:schemeClr val="accent4"/>
+      <a:schemeClr val="accent5"/>
+      <a:schemeClr val="accent6"/>
+    </dgm:linClrLst>
+    <dgm:effectClrLst/>
+    <dgm:txLinClrLst/>
+    <dgm:txFillClrLst meth="repeat">
+      <a:schemeClr val="dk1"/>
+    </dgm:txFillClrLst>
+    <dgm:txEffectClrLst/>
+  </dgm:styleLbl>
+  <dgm:styleLbl name="conFgAcc1">
+    <dgm:fillClrLst meth="repeat">
+      <a:schemeClr val="lt1">
+        <a:alpha val="90000"/>
+      </a:schemeClr>
+    </dgm:fillClrLst>
+    <dgm:linClrLst meth="repeat">
+      <a:schemeClr val="accent2"/>
+      <a:schemeClr val="accent3"/>
+      <a:schemeClr val="accent4"/>
+      <a:schemeClr val="accent5"/>
+      <a:schemeClr val="accent6"/>
+    </dgm:linClrLst>
+    <dgm:effectClrLst/>
+    <dgm:txLinClrLst/>
+    <dgm:txFillClrLst meth="repeat">
+      <a:schemeClr val="dk1"/>
+    </dgm:txFillClrLst>
+    <dgm:txEffectClrLst/>
+  </dgm:styleLbl>
+  <dgm:styleLbl name="alignAcc1">
+    <dgm:fillClrLst meth="repeat">
+      <a:schemeClr val="lt1">
+        <a:alpha val="90000"/>
+      </a:schemeClr>
+    </dgm:fillClrLst>
+    <dgm:linClrLst meth="repeat">
+      <a:schemeClr val="accent2"/>
+      <a:schemeClr val="accent3"/>
+      <a:schemeClr val="accent4"/>
+      <a:schemeClr val="accent5"/>
+      <a:schemeClr val="accent6"/>
+    </dgm:linClrLst>
+    <dgm:effectClrLst/>
+    <dgm:txLinClrLst/>
+    <dgm:txFillClrLst meth="repeat">
+      <a:schemeClr val="dk1"/>
+    </dgm:txFillClrLst>
+    <dgm:txEffectClrLst/>
+  </dgm:styleLbl>
+  <dgm:styleLbl name="trAlignAcc1">
+    <dgm:fillClrLst meth="repeat">
+      <a:schemeClr val="lt1">
+        <a:alpha val="40000"/>
+      </a:schemeClr>
+    </dgm:fillClrLst>
+    <dgm:linClrLst meth="repeat">
+      <a:schemeClr val="accent1"/>
+    </dgm:linClrLst>
+    <dgm:effectClrLst/>
+    <dgm:txLinClrLst/>
+    <dgm:txFillClrLst meth="repeat">
+      <a:schemeClr val="dk1"/>
+    </dgm:txFillClrLst>
+    <dgm:txEffectClrLst/>
+  </dgm:styleLbl>
+  <dgm:styleLbl name="bgAcc1">
+    <dgm:fillClrLst meth="repeat">
+      <a:schemeClr val="lt1">
+        <a:alpha val="90000"/>
+      </a:schemeClr>
+    </dgm:fillClrLst>
+    <dgm:linClrLst meth="repeat">
+      <a:schemeClr val="accent2"/>
+      <a:schemeClr val="accent3"/>
+      <a:schemeClr val="accent4"/>
+      <a:schemeClr val="accent5"/>
+      <a:schemeClr val="accent6"/>
+    </dgm:linClrLst>
+    <dgm:effectClrLst/>
+    <dgm:txLinClrLst/>
+    <dgm:txFillClrLst meth="repeat">
+      <a:schemeClr val="dk1"/>
+    </dgm:txFillClrLst>
+    <dgm:txEffectClrLst/>
+  </dgm:styleLbl>
+  <dgm:styleLbl name="solidFgAcc1">
+    <dgm:fillClrLst meth="repeat">
+      <a:schemeClr val="lt1"/>
+    </dgm:fillClrLst>
+    <dgm:linClrLst meth="repeat">
+      <a:schemeClr val="accent2"/>
+      <a:schemeClr val="accent3"/>
+      <a:schemeClr val="accent4"/>
+      <a:schemeClr val="accent5"/>
+      <a:schemeClr val="accent6"/>
+    </dgm:linClrLst>
+    <dgm:effectClrLst/>
+    <dgm:txLinClrLst/>
+    <dgm:txFillClrLst meth="repeat">
+      <a:schemeClr val="dk1"/>
+    </dgm:txFillClrLst>
+    <dgm:txEffectClrLst/>
+  </dgm:styleLbl>
+  <dgm:styleLbl name="solidAlignAcc1">
+    <dgm:fillClrLst meth="repeat">
+      <a:schemeClr val="lt1"/>
+    </dgm:fillClrLst>
+    <dgm:linClrLst meth="repeat">
+      <a:schemeClr val="accent2"/>
+      <a:schemeClr val="accent3"/>
+      <a:schemeClr val="accent4"/>
+      <a:schemeClr val="accent5"/>
+      <a:schemeClr val="accent6"/>
+    </dgm:linClrLst>
+    <dgm:effectClrLst/>
+    <dgm:txLinClrLst/>
+    <dgm:txFillClrLst meth="repeat">
+      <a:schemeClr val="dk1"/>
+    </dgm:txFillClrLst>
+    <dgm:txEffectClrLst/>
+  </dgm:styleLbl>
+  <dgm:styleLbl name="solidBgAcc1">
+    <dgm:fillClrLst meth="repeat">
+      <a:schemeClr val="lt1"/>
+    </dgm:fillClrLst>
+    <dgm:linClrLst meth="repeat">
+      <a:schemeClr val="accent2"/>
+      <a:schemeClr val="accent3"/>
+      <a:schemeClr val="accent4"/>
+      <a:schemeClr val="accent5"/>
+      <a:schemeClr val="accent6"/>
+    </dgm:linClrLst>
+    <dgm:effectClrLst/>
+    <dgm:txLinClrLst/>
+    <dgm:txFillClrLst meth="repeat">
+      <a:schemeClr val="dk1"/>
+    </dgm:txFillClrLst>
+    <dgm:txEffectClrLst/>
+  </dgm:styleLbl>
+  <dgm:styleLbl name="fgAccFollowNode1">
+    <dgm:fillClrLst meth="repeat">
+      <a:schemeClr val="accent2">
+        <a:tint val="40000"/>
+        <a:alpha val="90000"/>
+      </a:schemeClr>
+      <a:schemeClr val="accent3">
+        <a:tint val="40000"/>
+        <a:alpha val="90000"/>
+      </a:schemeClr>
+      <a:schemeClr val="accent4">
+        <a:tint val="40000"/>
+        <a:alpha val="90000"/>
+      </a:schemeClr>
+      <a:schemeClr val="accent5">
+        <a:tint val="40000"/>
+        <a:alpha val="90000"/>
+      </a:schemeClr>
+      <a:schemeClr val="accent6">
+        <a:tint val="40000"/>
+        <a:alpha val="90000"/>
+      </a:schemeClr>
+    </dgm:fillClrLst>
+    <dgm:linClrLst meth="repeat">
+      <a:schemeClr val="accent2">
+        <a:tint val="40000"/>
+        <a:alpha val="90000"/>
+      </a:schemeClr>
+      <a:schemeClr val="accent3">
+        <a:tint val="40000"/>
+        <a:alpha val="90000"/>
+      </a:schemeClr>
+      <a:schemeClr val="accent4">
+        <a:tint val="40000"/>
+        <a:alpha val="90000"/>
+      </a:schemeClr>
+      <a:schemeClr val="accent5">
+        <a:tint val="40000"/>
+        <a:alpha val="90000"/>
+      </a:schemeClr>
+      <a:schemeClr val="accent6">
+        <a:tint val="40000"/>
+        <a:alpha val="90000"/>
+      </a:schemeClr>
+    </dgm:linClrLst>
+    <dgm:effectClrLst/>
+    <dgm:txLinClrLst/>
+    <dgm:txFillClrLst meth="repeat">
+      <a:schemeClr val="dk1"/>
+    </dgm:txFillClrLst>
+    <dgm:txEffectClrLst/>
+  </dgm:styleLbl>
+  <dgm:styleLbl name="alignAccFollowNode1">
+    <dgm:fillClrLst meth="repeat">
+      <a:schemeClr val="accent2">
+        <a:tint val="40000"/>
+        <a:alpha val="90000"/>
+      </a:schemeClr>
+      <a:schemeClr val="accent3">
+        <a:tint val="40000"/>
+        <a:alpha val="90000"/>
+      </a:schemeClr>
+      <a:schemeClr val="accent4">
+        <a:tint val="40000"/>
+        <a:alpha val="90000"/>
+      </a:schemeClr>
+      <a:schemeClr val="accent5">
+        <a:tint val="40000"/>
+        <a:alpha val="90000"/>
+      </a:schemeClr>
+      <a:schemeClr val="accent6">
+        <a:tint val="40000"/>
+        <a:alpha val="90000"/>
+      </a:schemeClr>
+    </dgm:fillClrLst>
+    <dgm:linClrLst meth="repeat">
+      <a:schemeClr val="accent2">
+        <a:tint val="40000"/>
+        <a:alpha val="90000"/>
+      </a:schemeClr>
+      <a:schemeClr val="accent3">
+        <a:tint val="40000"/>
+        <a:alpha val="90000"/>
+      </a:schemeClr>
+      <a:schemeClr val="accent4">
+        <a:tint val="40000"/>
+        <a:alpha val="90000"/>
+      </a:schemeClr>
+      <a:schemeClr val="accent5">
+        <a:tint val="40000"/>
+        <a:alpha val="90000"/>
+      </a:schemeClr>
+      <a:schemeClr val="accent6">
+        <a:tint val="40000"/>
+        <a:alpha val="90000"/>
+      </a:schemeClr>
+    </dgm:linClrLst>
+    <dgm:effectClrLst/>
+    <dgm:txLinClrLst/>
+    <dgm:txFillClrLst meth="repeat">
+      <a:schemeClr val="dk1"/>
+    </dgm:txFillClrLst>
+    <dgm:txEffectClrLst/>
+  </dgm:styleLbl>
+  <dgm:styleLbl name="bgAccFollowNode1">
+    <dgm:fillClrLst meth="repeat">
+      <a:schemeClr val="accent2">
+        <a:tint val="40000"/>
+        <a:alpha val="90000"/>
+      </a:schemeClr>
+      <a:schemeClr val="accent3">
+        <a:tint val="40000"/>
+        <a:alpha val="90000"/>
+      </a:schemeClr>
+      <a:schemeClr val="accent4">
+        <a:tint val="40000"/>
+        <a:alpha val="90000"/>
+      </a:schemeClr>
+      <a:schemeClr val="accent5">
+        <a:tint val="40000"/>
+        <a:alpha val="90000"/>
+      </a:schemeClr>
+      <a:schemeClr val="accent6">
+        <a:tint val="40000"/>
+        <a:alpha val="90000"/>
+      </a:schemeClr>
+    </dgm:fillClrLst>
+    <dgm:linClrLst meth="repeat">
+      <a:schemeClr val="accent2">
+        <a:tint val="40000"/>
+        <a:alpha val="90000"/>
+      </a:schemeClr>
+      <a:schemeClr val="accent3">
+        <a:tint val="40000"/>
+        <a:alpha val="90000"/>
+      </a:schemeClr>
+      <a:schemeClr val="accent4">
+        <a:tint val="40000"/>
+        <a:alpha val="90000"/>
+      </a:schemeClr>
+      <a:schemeClr val="accent5">
+        <a:tint val="40000"/>
+        <a:alpha val="90000"/>
+      </a:schemeClr>
+      <a:schemeClr val="accent6">
+        <a:tint val="40000"/>
+        <a:alpha val="90000"/>
+      </a:schemeClr>
+    </dgm:linClrLst>
+    <dgm:effectClrLst/>
+    <dgm:txLinClrLst/>
+    <dgm:txFillClrLst meth="repeat">
+      <a:schemeClr val="dk1"/>
+    </dgm:txFillClrLst>
+    <dgm:txEffectClrLst/>
+  </dgm:styleLbl>
+  <dgm:styleLbl name="fgAcc0">
+    <dgm:fillClrLst meth="repeat">
+      <a:schemeClr val="lt1">
+        <a:alpha val="90000"/>
+      </a:schemeClr>
+    </dgm:fillClrLst>
+    <dgm:linClrLst>
+      <a:schemeClr val="accent1"/>
+    </dgm:linClrLst>
+    <dgm:effectClrLst/>
+    <dgm:txLinClrLst/>
+    <dgm:txFillClrLst meth="repeat">
+      <a:schemeClr val="dk1"/>
+    </dgm:txFillClrLst>
+    <dgm:txEffectClrLst/>
+  </dgm:styleLbl>
+  <dgm:styleLbl name="fgAcc2">
+    <dgm:fillClrLst meth="repeat">
+      <a:schemeClr val="lt1">
+        <a:alpha val="90000"/>
+      </a:schemeClr>
+    </dgm:fillClrLst>
+    <dgm:linClrLst>
+      <a:schemeClr val="accent2"/>
+    </dgm:linClrLst>
+    <dgm:effectClrLst/>
+    <dgm:txLinClrLst/>
+    <dgm:txFillClrLst meth="repeat">
+      <a:schemeClr val="dk1"/>
+    </dgm:txFillClrLst>
+    <dgm:txEffectClrLst/>
+  </dgm:styleLbl>
+  <dgm:styleLbl name="fgAcc3">
+    <dgm:fillClrLst meth="repeat">
+      <a:schemeClr val="lt1">
+        <a:alpha val="90000"/>
+      </a:schemeClr>
+    </dgm:fillClrLst>
+    <dgm:linClrLst>
+      <a:schemeClr val="accent3"/>
+    </dgm:linClrLst>
+    <dgm:effectClrLst/>
+    <dgm:txLinClrLst/>
+    <dgm:txFillClrLst meth="repeat">
+      <a:schemeClr val="dk1"/>
+    </dgm:txFillClrLst>
+    <dgm:txEffectClrLst/>
+  </dgm:styleLbl>
+  <dgm:styleLbl name="fgAcc4">
+    <dgm:fillClrLst meth="repeat">
+      <a:schemeClr val="lt1">
+        <a:alpha val="90000"/>
+      </a:schemeClr>
+    </dgm:fillClrLst>
+    <dgm:linClrLst>
+      <a:schemeClr val="accent4"/>
+    </dgm:linClrLst>
+    <dgm:effectClrLst/>
+    <dgm:txLinClrLst/>
+    <dgm:txFillClrLst meth="repeat">
+      <a:schemeClr val="dk1"/>
+    </dgm:txFillClrLst>
+    <dgm:txEffectClrLst/>
+  </dgm:styleLbl>
+  <dgm:styleLbl name="bgShp">
+    <dgm:fillClrLst meth="repeat">
+      <a:schemeClr val="bg1">
+        <a:lumMod val="95000"/>
+      </a:schemeClr>
+    </dgm:fillClrLst>
+    <dgm:linClrLst meth="repeat">
+      <a:schemeClr val="dk1"/>
+    </dgm:linClrLst>
+    <dgm:effectClrLst/>
+    <dgm:txLinClrLst/>
+    <dgm:txFillClrLst meth="repeat">
+      <a:schemeClr val="dk1"/>
+    </dgm:txFillClrLst>
+    <dgm:txEffectClrLst/>
+  </dgm:styleLbl>
+  <dgm:styleLbl name="dkBgShp">
+    <dgm:fillClrLst meth="repeat">
+      <a:schemeClr val="accent2">
+        <a:shade val="90000"/>
+      </a:schemeClr>
+    </dgm:fillClrLst>
+    <dgm:linClrLst meth="repeat">
+      <a:schemeClr val="dk1"/>
+    </dgm:linClrLst>
+    <dgm:effectClrLst/>
+    <dgm:txLinClrLst/>
+    <dgm:txFillClrLst meth="repeat">
+      <a:schemeClr val="lt1"/>
+    </dgm:txFillClrLst>
+    <dgm:txEffectClrLst/>
+  </dgm:styleLbl>
+  <dgm:styleLbl name="trBgShp">
+    <dgm:fillClrLst meth="repeat">
+      <a:schemeClr val="accent1">
+        <a:tint val="50000"/>
+        <a:alpha val="40000"/>
+      </a:schemeClr>
+    </dgm:fillClrLst>
+    <dgm:linClrLst meth="repeat">
+      <a:schemeClr val="accent2"/>
+    </dgm:linClrLst>
+    <dgm:effectClrLst/>
+    <dgm:txLinClrLst/>
+    <dgm:txFillClrLst meth="repeat">
+      <a:schemeClr val="lt1"/>
+    </dgm:txFillClrLst>
+    <dgm:txEffectClrLst/>
+  </dgm:styleLbl>
+  <dgm:styleLbl name="fgShp">
+    <dgm:fillClrLst meth="repeat">
+      <a:schemeClr val="accent2">
+        <a:tint val="40000"/>
+      </a:schemeClr>
+    </dgm:fillClrLst>
+    <dgm:linClrLst meth="repeat">
+      <a:schemeClr val="lt1"/>
+    </dgm:linClrLst>
+    <dgm:effectClrLst/>
+    <dgm:txLinClrLst/>
+    <dgm:txFillClrLst meth="repeat">
+      <a:schemeClr val="dk1"/>
+    </dgm:txFillClrLst>
+    <dgm:txEffectClrLst/>
+  </dgm:styleLbl>
+  <dgm:styleLbl name="revTx">
+    <dgm:fillClrLst meth="repeat">
+      <a:schemeClr val="lt1">
+        <a:alpha val="0"/>
+      </a:schemeClr>
+    </dgm:fillClrLst>
+    <dgm:linClrLst meth="repeat">
+      <a:schemeClr val="dk1">
+        <a:alpha val="0"/>
+      </a:schemeClr>
+    </dgm:linClrLst>
+    <dgm:effectClrLst/>
+    <dgm:txLinClrLst/>
+    <dgm:txFillClrLst meth="repeat">
+      <a:schemeClr val="tx1"/>
     </dgm:txFillClrLst>
     <dgm:txEffectClrLst/>
   </dgm:styleLbl>
@@ -1348,6 +2275,317 @@
     <dgm:cxn modelId="{CB56D6B4-0816-4F0D-A9BC-98AB15779E26}" type="presParOf" srcId="{DFA741D7-7081-457B-ACB0-BE20DD0B2A6A}" destId="{C6E13996-D676-425F-9435-6B4619DE3884}" srcOrd="1" destOrd="0" presId="urn:microsoft.com/office/officeart/2018/2/layout/IconVerticalSolidList"/>
     <dgm:cxn modelId="{7E883D3B-3FC2-4163-8DD4-18D6F0AF8386}" type="presParOf" srcId="{DFA741D7-7081-457B-ACB0-BE20DD0B2A6A}" destId="{1EC06EDF-A360-4C2A-895C-A7C4A8AD9817}" srcOrd="2" destOrd="0" presId="urn:microsoft.com/office/officeart/2018/2/layout/IconVerticalSolidList"/>
     <dgm:cxn modelId="{4D79CCCD-197E-4157-8750-8D9C18FFDE3A}" type="presParOf" srcId="{DFA741D7-7081-457B-ACB0-BE20DD0B2A6A}" destId="{022692DA-80F1-4196-8F8D-B9DC42CE54D1}" srcOrd="3" destOrd="0" presId="urn:microsoft.com/office/officeart/2018/2/layout/IconVerticalSolidList"/>
+  </dgm:cxnLst>
+  <dgm:bg/>
+  <dgm:whole/>
+  <dgm:extLst>
+    <a:ext uri="http://schemas.microsoft.com/office/drawing/2008/diagram">
+      <dsp:dataModelExt xmlns:dsp="http://schemas.microsoft.com/office/drawing/2008/diagram" relId="rId6" minVer="http://schemas.openxmlformats.org/drawingml/2006/diagram"/>
+    </a:ext>
+  </dgm:extLst>
+</dgm:dataModel>
+</file>
+
+<file path=ppt/diagrams/data2.xml><?xml version="1.0" encoding="utf-8"?>
+<dgm:dataModel xmlns:dgm="http://schemas.openxmlformats.org/drawingml/2006/diagram" xmlns:a="http://schemas.openxmlformats.org/drawingml/2006/main">
+  <dgm:ptLst>
+    <dgm:pt modelId="{6DD50CDF-56A0-48F3-B25A-A03AA9595E7D}" type="doc">
+      <dgm:prSet loTypeId="urn:microsoft.com/office/officeart/2018/2/layout/IconLabelList" loCatId="icon" qsTypeId="urn:microsoft.com/office/officeart/2005/8/quickstyle/simple1" qsCatId="simple" csTypeId="urn:microsoft.com/office/officeart/2018/5/colors/Iconchunking_neutralbg_colorful1" csCatId="colorful" phldr="1"/>
+      <dgm:spPr/>
+      <dgm:t>
+        <a:bodyPr/>
+        <a:lstStyle/>
+        <a:p>
+          <a:endParaRPr lang="en-US"/>
+        </a:p>
+      </dgm:t>
+    </dgm:pt>
+    <dgm:pt modelId="{2071C760-2D49-4021-A0C9-422665D62120}">
+      <dgm:prSet/>
+      <dgm:spPr/>
+      <dgm:t>
+        <a:bodyPr/>
+        <a:lstStyle/>
+        <a:p>
+          <a:r>
+            <a:rPr lang="en-GB"/>
+            <a:t>GPS data</a:t>
+          </a:r>
+          <a:endParaRPr lang="en-US"/>
+        </a:p>
+      </dgm:t>
+    </dgm:pt>
+    <dgm:pt modelId="{A2A62615-E443-4F2A-907B-F2FBB6FC6B73}" type="parTrans" cxnId="{A6E31388-DF6B-4BFD-954D-1D27087C194E}">
+      <dgm:prSet/>
+      <dgm:spPr/>
+      <dgm:t>
+        <a:bodyPr/>
+        <a:lstStyle/>
+        <a:p>
+          <a:endParaRPr lang="en-US"/>
+        </a:p>
+      </dgm:t>
+    </dgm:pt>
+    <dgm:pt modelId="{EE9F58C3-0CD0-4D34-83A0-02198BE39B90}" type="sibTrans" cxnId="{A6E31388-DF6B-4BFD-954D-1D27087C194E}">
+      <dgm:prSet/>
+      <dgm:spPr/>
+      <dgm:t>
+        <a:bodyPr/>
+        <a:lstStyle/>
+        <a:p>
+          <a:endParaRPr lang="en-US"/>
+        </a:p>
+      </dgm:t>
+    </dgm:pt>
+    <dgm:pt modelId="{10283970-CF90-49DE-8696-1203267B1B23}">
+      <dgm:prSet/>
+      <dgm:spPr/>
+      <dgm:t>
+        <a:bodyPr/>
+        <a:lstStyle/>
+        <a:p>
+          <a:r>
+            <a:rPr lang="en-GB"/>
+            <a:t>Shipment bookings data</a:t>
+          </a:r>
+          <a:endParaRPr lang="en-US"/>
+        </a:p>
+      </dgm:t>
+    </dgm:pt>
+    <dgm:pt modelId="{FF70E13B-8AD2-4AA5-84ED-86D6F05B8BD8}" type="parTrans" cxnId="{90ABD680-76D4-4C24-8DDA-8810E4AAE61A}">
+      <dgm:prSet/>
+      <dgm:spPr/>
+      <dgm:t>
+        <a:bodyPr/>
+        <a:lstStyle/>
+        <a:p>
+          <a:endParaRPr lang="en-US"/>
+        </a:p>
+      </dgm:t>
+    </dgm:pt>
+    <dgm:pt modelId="{BDF4227E-C065-4653-92A1-1A20563C5F38}" type="sibTrans" cxnId="{90ABD680-76D4-4C24-8DDA-8810E4AAE61A}">
+      <dgm:prSet/>
+      <dgm:spPr/>
+      <dgm:t>
+        <a:bodyPr/>
+        <a:lstStyle/>
+        <a:p>
+          <a:endParaRPr lang="en-US"/>
+        </a:p>
+      </dgm:t>
+    </dgm:pt>
+    <dgm:pt modelId="{DB433742-3FF3-4875-9C2E-5042B8271353}">
+      <dgm:prSet/>
+      <dgm:spPr/>
+      <dgm:t>
+        <a:bodyPr/>
+        <a:lstStyle/>
+        <a:p>
+          <a:r>
+            <a:rPr lang="en-GB"/>
+            <a:t>New bookings data</a:t>
+          </a:r>
+          <a:endParaRPr lang="en-US"/>
+        </a:p>
+      </dgm:t>
+    </dgm:pt>
+    <dgm:pt modelId="{F85FD153-9FF7-4F70-AB89-FBDC3E3EC5B0}" type="parTrans" cxnId="{7B53505A-C141-4A01-94EC-A4C90FF2A3E4}">
+      <dgm:prSet/>
+      <dgm:spPr/>
+      <dgm:t>
+        <a:bodyPr/>
+        <a:lstStyle/>
+        <a:p>
+          <a:endParaRPr lang="en-US"/>
+        </a:p>
+      </dgm:t>
+    </dgm:pt>
+    <dgm:pt modelId="{1661445E-96FC-4B02-BA20-F9AB5BCAAA7C}" type="sibTrans" cxnId="{7B53505A-C141-4A01-94EC-A4C90FF2A3E4}">
+      <dgm:prSet/>
+      <dgm:spPr/>
+      <dgm:t>
+        <a:bodyPr/>
+        <a:lstStyle/>
+        <a:p>
+          <a:endParaRPr lang="en-US"/>
+        </a:p>
+      </dgm:t>
+    </dgm:pt>
+    <dgm:pt modelId="{B2C79982-503E-478F-96DA-6853767070FC}" type="pres">
+      <dgm:prSet presAssocID="{6DD50CDF-56A0-48F3-B25A-A03AA9595E7D}" presName="root" presStyleCnt="0">
+        <dgm:presLayoutVars>
+          <dgm:dir/>
+          <dgm:resizeHandles val="exact"/>
+        </dgm:presLayoutVars>
+      </dgm:prSet>
+      <dgm:spPr/>
+    </dgm:pt>
+    <dgm:pt modelId="{7155211C-184B-41AA-BCB3-63696E8D8403}" type="pres">
+      <dgm:prSet presAssocID="{2071C760-2D49-4021-A0C9-422665D62120}" presName="compNode" presStyleCnt="0"/>
+      <dgm:spPr/>
+    </dgm:pt>
+    <dgm:pt modelId="{BCD904C8-94AF-4320-B5C5-669C1C95C9AE}" type="pres">
+      <dgm:prSet presAssocID="{2071C760-2D49-4021-A0C9-422665D62120}" presName="iconRect" presStyleLbl="node1" presStyleIdx="0" presStyleCnt="3"/>
+      <dgm:spPr>
+        <a:blipFill>
+          <a:blip xmlns:r="http://schemas.openxmlformats.org/officeDocument/2006/relationships" r:embed="rId1">
+            <a:extLst>
+              <a:ext uri="{28A0092B-C50C-407E-A947-70E740481C1C}">
+                <a14:useLocalDpi xmlns:a14="http://schemas.microsoft.com/office/drawing/2010/main" val="0"/>
+              </a:ext>
+              <a:ext uri="{96DAC541-7B7A-43D3-8B79-37D633B846F1}">
+                <asvg:svgBlip xmlns:asvg="http://schemas.microsoft.com/office/drawing/2016/SVG/main" r:embed="rId2"/>
+              </a:ext>
+            </a:extLst>
+          </a:blip>
+          <a:stretch>
+            <a:fillRect/>
+          </a:stretch>
+        </a:blipFill>
+        <a:ln>
+          <a:noFill/>
+        </a:ln>
+      </dgm:spPr>
+      <dgm:extLst>
+        <a:ext uri="{E40237B7-FDA0-4F09-8148-C483321AD2D9}">
+          <dgm14:cNvPr xmlns:dgm14="http://schemas.microsoft.com/office/drawing/2010/diagram" id="0" name="" descr="Satellite"/>
+        </a:ext>
+      </dgm:extLst>
+    </dgm:pt>
+    <dgm:pt modelId="{4E71E2FD-98BB-4B05-BC8B-E94464F1C174}" type="pres">
+      <dgm:prSet presAssocID="{2071C760-2D49-4021-A0C9-422665D62120}" presName="spaceRect" presStyleCnt="0"/>
+      <dgm:spPr/>
+    </dgm:pt>
+    <dgm:pt modelId="{505EA25D-C394-4751-875D-DC41AAFACA89}" type="pres">
+      <dgm:prSet presAssocID="{2071C760-2D49-4021-A0C9-422665D62120}" presName="textRect" presStyleLbl="revTx" presStyleIdx="0" presStyleCnt="3">
+        <dgm:presLayoutVars>
+          <dgm:chMax val="1"/>
+          <dgm:chPref val="1"/>
+        </dgm:presLayoutVars>
+      </dgm:prSet>
+      <dgm:spPr/>
+    </dgm:pt>
+    <dgm:pt modelId="{129DB05E-61D2-4BC8-937F-E5FC5C2852EC}" type="pres">
+      <dgm:prSet presAssocID="{EE9F58C3-0CD0-4D34-83A0-02198BE39B90}" presName="sibTrans" presStyleCnt="0"/>
+      <dgm:spPr/>
+    </dgm:pt>
+    <dgm:pt modelId="{BD42E215-113F-4764-9750-59E55762F97A}" type="pres">
+      <dgm:prSet presAssocID="{10283970-CF90-49DE-8696-1203267B1B23}" presName="compNode" presStyleCnt="0"/>
+      <dgm:spPr/>
+    </dgm:pt>
+    <dgm:pt modelId="{65BD44DF-5C76-467B-A548-EAD113FD1E93}" type="pres">
+      <dgm:prSet presAssocID="{10283970-CF90-49DE-8696-1203267B1B23}" presName="iconRect" presStyleLbl="node1" presStyleIdx="1" presStyleCnt="3"/>
+      <dgm:spPr>
+        <a:blipFill>
+          <a:blip xmlns:r="http://schemas.openxmlformats.org/officeDocument/2006/relationships" r:embed="rId3">
+            <a:extLst>
+              <a:ext uri="{28A0092B-C50C-407E-A947-70E740481C1C}">
+                <a14:useLocalDpi xmlns:a14="http://schemas.microsoft.com/office/drawing/2010/main" val="0"/>
+              </a:ext>
+              <a:ext uri="{96DAC541-7B7A-43D3-8B79-37D633B846F1}">
+                <asvg:svgBlip xmlns:asvg="http://schemas.microsoft.com/office/drawing/2016/SVG/main" r:embed="rId4"/>
+              </a:ext>
+            </a:extLst>
+          </a:blip>
+          <a:stretch>
+            <a:fillRect/>
+          </a:stretch>
+        </a:blipFill>
+        <a:ln>
+          <a:noFill/>
+        </a:ln>
+      </dgm:spPr>
+      <dgm:extLst>
+        <a:ext uri="{E40237B7-FDA0-4F09-8148-C483321AD2D9}">
+          <dgm14:cNvPr xmlns:dgm14="http://schemas.microsoft.com/office/drawing/2010/diagram" id="0" name="" descr="Truck"/>
+        </a:ext>
+      </dgm:extLst>
+    </dgm:pt>
+    <dgm:pt modelId="{6B9EE48E-4291-4C9A-B3E6-8B1267BBB78C}" type="pres">
+      <dgm:prSet presAssocID="{10283970-CF90-49DE-8696-1203267B1B23}" presName="spaceRect" presStyleCnt="0"/>
+      <dgm:spPr/>
+    </dgm:pt>
+    <dgm:pt modelId="{38B8F935-21B0-4213-A6FD-4C971E3ADFE5}" type="pres">
+      <dgm:prSet presAssocID="{10283970-CF90-49DE-8696-1203267B1B23}" presName="textRect" presStyleLbl="revTx" presStyleIdx="1" presStyleCnt="3">
+        <dgm:presLayoutVars>
+          <dgm:chMax val="1"/>
+          <dgm:chPref val="1"/>
+        </dgm:presLayoutVars>
+      </dgm:prSet>
+      <dgm:spPr/>
+    </dgm:pt>
+    <dgm:pt modelId="{9461E101-04D7-4E7A-A3CF-6D5D278A1E25}" type="pres">
+      <dgm:prSet presAssocID="{BDF4227E-C065-4653-92A1-1A20563C5F38}" presName="sibTrans" presStyleCnt="0"/>
+      <dgm:spPr/>
+    </dgm:pt>
+    <dgm:pt modelId="{548521B0-5A06-4077-B86A-9DDB4CC348F5}" type="pres">
+      <dgm:prSet presAssocID="{DB433742-3FF3-4875-9C2E-5042B8271353}" presName="compNode" presStyleCnt="0"/>
+      <dgm:spPr/>
+    </dgm:pt>
+    <dgm:pt modelId="{AA26A15C-DCB1-467F-B0C1-DDF7290D3F43}" type="pres">
+      <dgm:prSet presAssocID="{DB433742-3FF3-4875-9C2E-5042B8271353}" presName="iconRect" presStyleLbl="node1" presStyleIdx="2" presStyleCnt="3"/>
+      <dgm:spPr>
+        <a:blipFill>
+          <a:blip xmlns:r="http://schemas.openxmlformats.org/officeDocument/2006/relationships" r:embed="rId5">
+            <a:extLst>
+              <a:ext uri="{28A0092B-C50C-407E-A947-70E740481C1C}">
+                <a14:useLocalDpi xmlns:a14="http://schemas.microsoft.com/office/drawing/2010/main" val="0"/>
+              </a:ext>
+              <a:ext uri="{96DAC541-7B7A-43D3-8B79-37D633B846F1}">
+                <asvg:svgBlip xmlns:asvg="http://schemas.microsoft.com/office/drawing/2016/SVG/main" r:embed="rId6"/>
+              </a:ext>
+            </a:extLst>
+          </a:blip>
+          <a:stretch>
+            <a:fillRect/>
+          </a:stretch>
+        </a:blipFill>
+        <a:ln>
+          <a:noFill/>
+        </a:ln>
+      </dgm:spPr>
+      <dgm:extLst>
+        <a:ext uri="{E40237B7-FDA0-4F09-8148-C483321AD2D9}">
+          <dgm14:cNvPr xmlns:dgm14="http://schemas.microsoft.com/office/drawing/2010/diagram" id="0" name="" descr="Bar chart"/>
+        </a:ext>
+      </dgm:extLst>
+    </dgm:pt>
+    <dgm:pt modelId="{A73644D7-EF5C-444D-8C4F-E625C51DFE23}" type="pres">
+      <dgm:prSet presAssocID="{DB433742-3FF3-4875-9C2E-5042B8271353}" presName="spaceRect" presStyleCnt="0"/>
+      <dgm:spPr/>
+    </dgm:pt>
+    <dgm:pt modelId="{B151F6F3-0B59-46BE-98AD-0BB9590F3324}" type="pres">
+      <dgm:prSet presAssocID="{DB433742-3FF3-4875-9C2E-5042B8271353}" presName="textRect" presStyleLbl="revTx" presStyleIdx="2" presStyleCnt="3">
+        <dgm:presLayoutVars>
+          <dgm:chMax val="1"/>
+          <dgm:chPref val="1"/>
+        </dgm:presLayoutVars>
+      </dgm:prSet>
+      <dgm:spPr/>
+    </dgm:pt>
+  </dgm:ptLst>
+  <dgm:cxnLst>
+    <dgm:cxn modelId="{7B53505A-C141-4A01-94EC-A4C90FF2A3E4}" srcId="{6DD50CDF-56A0-48F3-B25A-A03AA9595E7D}" destId="{DB433742-3FF3-4875-9C2E-5042B8271353}" srcOrd="2" destOrd="0" parTransId="{F85FD153-9FF7-4F70-AB89-FBDC3E3EC5B0}" sibTransId="{1661445E-96FC-4B02-BA20-F9AB5BCAAA7C}"/>
+    <dgm:cxn modelId="{90ABD680-76D4-4C24-8DDA-8810E4AAE61A}" srcId="{6DD50CDF-56A0-48F3-B25A-A03AA9595E7D}" destId="{10283970-CF90-49DE-8696-1203267B1B23}" srcOrd="1" destOrd="0" parTransId="{FF70E13B-8AD2-4AA5-84ED-86D6F05B8BD8}" sibTransId="{BDF4227E-C065-4653-92A1-1A20563C5F38}"/>
+    <dgm:cxn modelId="{27B25D86-AF5F-41DC-B098-1827161D0603}" type="presOf" srcId="{6DD50CDF-56A0-48F3-B25A-A03AA9595E7D}" destId="{B2C79982-503E-478F-96DA-6853767070FC}" srcOrd="0" destOrd="0" presId="urn:microsoft.com/office/officeart/2018/2/layout/IconLabelList"/>
+    <dgm:cxn modelId="{A6E31388-DF6B-4BFD-954D-1D27087C194E}" srcId="{6DD50CDF-56A0-48F3-B25A-A03AA9595E7D}" destId="{2071C760-2D49-4021-A0C9-422665D62120}" srcOrd="0" destOrd="0" parTransId="{A2A62615-E443-4F2A-907B-F2FBB6FC6B73}" sibTransId="{EE9F58C3-0CD0-4D34-83A0-02198BE39B90}"/>
+    <dgm:cxn modelId="{FB2104A7-197F-4346-9295-66953D93AD51}" type="presOf" srcId="{DB433742-3FF3-4875-9C2E-5042B8271353}" destId="{B151F6F3-0B59-46BE-98AD-0BB9590F3324}" srcOrd="0" destOrd="0" presId="urn:microsoft.com/office/officeart/2018/2/layout/IconLabelList"/>
+    <dgm:cxn modelId="{E63D6FDE-A8FC-4D0D-9B1B-179916921EC8}" type="presOf" srcId="{10283970-CF90-49DE-8696-1203267B1B23}" destId="{38B8F935-21B0-4213-A6FD-4C971E3ADFE5}" srcOrd="0" destOrd="0" presId="urn:microsoft.com/office/officeart/2018/2/layout/IconLabelList"/>
+    <dgm:cxn modelId="{456317F1-405A-4F45-88F3-5624E53FB995}" type="presOf" srcId="{2071C760-2D49-4021-A0C9-422665D62120}" destId="{505EA25D-C394-4751-875D-DC41AAFACA89}" srcOrd="0" destOrd="0" presId="urn:microsoft.com/office/officeart/2018/2/layout/IconLabelList"/>
+    <dgm:cxn modelId="{339C7775-9DA2-410E-85BA-2F4E0DE6AD63}" type="presParOf" srcId="{B2C79982-503E-478F-96DA-6853767070FC}" destId="{7155211C-184B-41AA-BCB3-63696E8D8403}" srcOrd="0" destOrd="0" presId="urn:microsoft.com/office/officeart/2018/2/layout/IconLabelList"/>
+    <dgm:cxn modelId="{1316CB8E-907A-4773-9AD4-B662847A2BE3}" type="presParOf" srcId="{7155211C-184B-41AA-BCB3-63696E8D8403}" destId="{BCD904C8-94AF-4320-B5C5-669C1C95C9AE}" srcOrd="0" destOrd="0" presId="urn:microsoft.com/office/officeart/2018/2/layout/IconLabelList"/>
+    <dgm:cxn modelId="{D6AFFCE4-25FC-4056-9301-C3B28B4A3708}" type="presParOf" srcId="{7155211C-184B-41AA-BCB3-63696E8D8403}" destId="{4E71E2FD-98BB-4B05-BC8B-E94464F1C174}" srcOrd="1" destOrd="0" presId="urn:microsoft.com/office/officeart/2018/2/layout/IconLabelList"/>
+    <dgm:cxn modelId="{B33BE653-A989-4730-AAD0-E37C45AA0BCF}" type="presParOf" srcId="{7155211C-184B-41AA-BCB3-63696E8D8403}" destId="{505EA25D-C394-4751-875D-DC41AAFACA89}" srcOrd="2" destOrd="0" presId="urn:microsoft.com/office/officeart/2018/2/layout/IconLabelList"/>
+    <dgm:cxn modelId="{FFA7815A-BF9B-4DD2-9197-68F5E6C267CE}" type="presParOf" srcId="{B2C79982-503E-478F-96DA-6853767070FC}" destId="{129DB05E-61D2-4BC8-937F-E5FC5C2852EC}" srcOrd="1" destOrd="0" presId="urn:microsoft.com/office/officeart/2018/2/layout/IconLabelList"/>
+    <dgm:cxn modelId="{F4F5CD15-DDE4-4951-B0C6-E3882608A328}" type="presParOf" srcId="{B2C79982-503E-478F-96DA-6853767070FC}" destId="{BD42E215-113F-4764-9750-59E55762F97A}" srcOrd="2" destOrd="0" presId="urn:microsoft.com/office/officeart/2018/2/layout/IconLabelList"/>
+    <dgm:cxn modelId="{97810F2E-CFCD-44B8-975B-D105A84776C8}" type="presParOf" srcId="{BD42E215-113F-4764-9750-59E55762F97A}" destId="{65BD44DF-5C76-467B-A548-EAD113FD1E93}" srcOrd="0" destOrd="0" presId="urn:microsoft.com/office/officeart/2018/2/layout/IconLabelList"/>
+    <dgm:cxn modelId="{30C5C79B-8CE6-4172-A238-FFB67DD089F6}" type="presParOf" srcId="{BD42E215-113F-4764-9750-59E55762F97A}" destId="{6B9EE48E-4291-4C9A-B3E6-8B1267BBB78C}" srcOrd="1" destOrd="0" presId="urn:microsoft.com/office/officeart/2018/2/layout/IconLabelList"/>
+    <dgm:cxn modelId="{31838105-32A5-4BD2-A487-24A153D0C632}" type="presParOf" srcId="{BD42E215-113F-4764-9750-59E55762F97A}" destId="{38B8F935-21B0-4213-A6FD-4C971E3ADFE5}" srcOrd="2" destOrd="0" presId="urn:microsoft.com/office/officeart/2018/2/layout/IconLabelList"/>
+    <dgm:cxn modelId="{B028581E-A027-44C2-9204-F668FB5B2014}" type="presParOf" srcId="{B2C79982-503E-478F-96DA-6853767070FC}" destId="{9461E101-04D7-4E7A-A3CF-6D5D278A1E25}" srcOrd="3" destOrd="0" presId="urn:microsoft.com/office/officeart/2018/2/layout/IconLabelList"/>
+    <dgm:cxn modelId="{88AEFF7F-06F6-4DED-9642-9522F65E9C4C}" type="presParOf" srcId="{B2C79982-503E-478F-96DA-6853767070FC}" destId="{548521B0-5A06-4077-B86A-9DDB4CC348F5}" srcOrd="4" destOrd="0" presId="urn:microsoft.com/office/officeart/2018/2/layout/IconLabelList"/>
+    <dgm:cxn modelId="{F827C77E-EA25-4DBF-9ED1-49987175E1AA}" type="presParOf" srcId="{548521B0-5A06-4077-B86A-9DDB4CC348F5}" destId="{AA26A15C-DCB1-467F-B0C1-DDF7290D3F43}" srcOrd="0" destOrd="0" presId="urn:microsoft.com/office/officeart/2018/2/layout/IconLabelList"/>
+    <dgm:cxn modelId="{7E7CFE6E-45ED-41DE-BDAE-366F107C6E1A}" type="presParOf" srcId="{548521B0-5A06-4077-B86A-9DDB4CC348F5}" destId="{A73644D7-EF5C-444D-8C4F-E625C51DFE23}" srcOrd="1" destOrd="0" presId="urn:microsoft.com/office/officeart/2018/2/layout/IconLabelList"/>
+    <dgm:cxn modelId="{90753805-4F6B-44E3-899C-6E70590B3EFF}" type="presParOf" srcId="{548521B0-5A06-4077-B86A-9DDB4CC348F5}" destId="{B151F6F3-0B59-46BE-98AD-0BB9590F3324}" srcOrd="2" destOrd="0" presId="urn:microsoft.com/office/officeart/2018/2/layout/IconLabelList"/>
   </dgm:cxnLst>
   <dgm:bg/>
   <dgm:whole/>
@@ -1827,6 +3065,351 @@
 </dsp:drawing>
 </file>
 
+<file path=ppt/diagrams/drawing2.xml><?xml version="1.0" encoding="utf-8"?>
+<dsp:drawing xmlns:dgm="http://schemas.openxmlformats.org/drawingml/2006/diagram" xmlns:dsp="http://schemas.microsoft.com/office/drawing/2008/diagram" xmlns:a="http://schemas.openxmlformats.org/drawingml/2006/main">
+  <dsp:spTree>
+    <dsp:nvGrpSpPr>
+      <dsp:cNvPr id="0" name=""/>
+      <dsp:cNvGrpSpPr/>
+    </dsp:nvGrpSpPr>
+    <dsp:grpSpPr/>
+    <dsp:sp modelId="{BCD904C8-94AF-4320-B5C5-669C1C95C9AE}">
+      <dsp:nvSpPr>
+        <dsp:cNvPr id="0" name=""/>
+        <dsp:cNvSpPr/>
+      </dsp:nvSpPr>
+      <dsp:spPr>
+        <a:xfrm>
+          <a:off x="947201" y="818755"/>
+          <a:ext cx="1451800" cy="1451800"/>
+        </a:xfrm>
+        <a:prstGeom prst="rect">
+          <a:avLst/>
+        </a:prstGeom>
+        <a:blipFill>
+          <a:blip xmlns:r="http://schemas.openxmlformats.org/officeDocument/2006/relationships" r:embed="rId1">
+            <a:extLst>
+              <a:ext uri="{28A0092B-C50C-407E-A947-70E740481C1C}">
+                <a14:useLocalDpi xmlns:a14="http://schemas.microsoft.com/office/drawing/2010/main" val="0"/>
+              </a:ext>
+              <a:ext uri="{96DAC541-7B7A-43D3-8B79-37D633B846F1}">
+                <asvg:svgBlip xmlns:asvg="http://schemas.microsoft.com/office/drawing/2016/SVG/main" r:embed="rId2"/>
+              </a:ext>
+            </a:extLst>
+          </a:blip>
+          <a:stretch>
+            <a:fillRect/>
+          </a:stretch>
+        </a:blipFill>
+        <a:ln w="12700" cap="flat" cmpd="sng" algn="ctr">
+          <a:noFill/>
+          <a:prstDash val="solid"/>
+          <a:miter lim="800000"/>
+        </a:ln>
+        <a:effectLst/>
+      </dsp:spPr>
+      <dsp:style>
+        <a:lnRef idx="2">
+          <a:scrgbClr r="0" g="0" b="0"/>
+        </a:lnRef>
+        <a:fillRef idx="1">
+          <a:scrgbClr r="0" g="0" b="0"/>
+        </a:fillRef>
+        <a:effectRef idx="0">
+          <a:scrgbClr r="0" g="0" b="0"/>
+        </a:effectRef>
+        <a:fontRef idx="minor">
+          <a:schemeClr val="lt1"/>
+        </a:fontRef>
+      </dsp:style>
+    </dsp:sp>
+    <dsp:sp modelId="{505EA25D-C394-4751-875D-DC41AAFACA89}">
+      <dsp:nvSpPr>
+        <dsp:cNvPr id="0" name=""/>
+        <dsp:cNvSpPr/>
+      </dsp:nvSpPr>
+      <dsp:spPr>
+        <a:xfrm>
+          <a:off x="59990" y="2654049"/>
+          <a:ext cx="3226223" cy="720000"/>
+        </a:xfrm>
+        <a:prstGeom prst="rect">
+          <a:avLst/>
+        </a:prstGeom>
+        <a:noFill/>
+        <a:ln>
+          <a:noFill/>
+        </a:ln>
+        <a:effectLst/>
+      </dsp:spPr>
+      <dsp:style>
+        <a:lnRef idx="0">
+          <a:scrgbClr r="0" g="0" b="0"/>
+        </a:lnRef>
+        <a:fillRef idx="0">
+          <a:scrgbClr r="0" g="0" b="0"/>
+        </a:fillRef>
+        <a:effectRef idx="0">
+          <a:scrgbClr r="0" g="0" b="0"/>
+        </a:effectRef>
+        <a:fontRef idx="minor"/>
+      </dsp:style>
+      <dsp:txBody>
+        <a:bodyPr spcFirstLastPara="0" vert="horz" wrap="square" lIns="0" tIns="0" rIns="0" bIns="0" numCol="1" spcCol="1270" anchor="t" anchorCtr="0">
+          <a:noAutofit/>
+        </a:bodyPr>
+        <a:lstStyle/>
+        <a:p>
+          <a:pPr marL="0" lvl="0" indent="0" algn="ctr" defTabSz="1111250">
+            <a:lnSpc>
+              <a:spcPct val="90000"/>
+            </a:lnSpc>
+            <a:spcBef>
+              <a:spcPct val="0"/>
+            </a:spcBef>
+            <a:spcAft>
+              <a:spcPct val="35000"/>
+            </a:spcAft>
+            <a:buNone/>
+          </a:pPr>
+          <a:r>
+            <a:rPr lang="en-GB" sz="2500" kern="1200"/>
+            <a:t>GPS data</a:t>
+          </a:r>
+          <a:endParaRPr lang="en-US" sz="2500" kern="1200"/>
+        </a:p>
+      </dsp:txBody>
+      <dsp:txXfrm>
+        <a:off x="59990" y="2654049"/>
+        <a:ext cx="3226223" cy="720000"/>
+      </dsp:txXfrm>
+    </dsp:sp>
+    <dsp:sp modelId="{65BD44DF-5C76-467B-A548-EAD113FD1E93}">
+      <dsp:nvSpPr>
+        <dsp:cNvPr id="0" name=""/>
+        <dsp:cNvSpPr/>
+      </dsp:nvSpPr>
+      <dsp:spPr>
+        <a:xfrm>
+          <a:off x="4738014" y="818755"/>
+          <a:ext cx="1451800" cy="1451800"/>
+        </a:xfrm>
+        <a:prstGeom prst="rect">
+          <a:avLst/>
+        </a:prstGeom>
+        <a:blipFill>
+          <a:blip xmlns:r="http://schemas.openxmlformats.org/officeDocument/2006/relationships" r:embed="rId3">
+            <a:extLst>
+              <a:ext uri="{28A0092B-C50C-407E-A947-70E740481C1C}">
+                <a14:useLocalDpi xmlns:a14="http://schemas.microsoft.com/office/drawing/2010/main" val="0"/>
+              </a:ext>
+              <a:ext uri="{96DAC541-7B7A-43D3-8B79-37D633B846F1}">
+                <asvg:svgBlip xmlns:asvg="http://schemas.microsoft.com/office/drawing/2016/SVG/main" r:embed="rId4"/>
+              </a:ext>
+            </a:extLst>
+          </a:blip>
+          <a:stretch>
+            <a:fillRect/>
+          </a:stretch>
+        </a:blipFill>
+        <a:ln w="12700" cap="flat" cmpd="sng" algn="ctr">
+          <a:noFill/>
+          <a:prstDash val="solid"/>
+          <a:miter lim="800000"/>
+        </a:ln>
+        <a:effectLst/>
+      </dsp:spPr>
+      <dsp:style>
+        <a:lnRef idx="2">
+          <a:scrgbClr r="0" g="0" b="0"/>
+        </a:lnRef>
+        <a:fillRef idx="1">
+          <a:scrgbClr r="0" g="0" b="0"/>
+        </a:fillRef>
+        <a:effectRef idx="0">
+          <a:scrgbClr r="0" g="0" b="0"/>
+        </a:effectRef>
+        <a:fontRef idx="minor">
+          <a:schemeClr val="lt1"/>
+        </a:fontRef>
+      </dsp:style>
+    </dsp:sp>
+    <dsp:sp modelId="{38B8F935-21B0-4213-A6FD-4C971E3ADFE5}">
+      <dsp:nvSpPr>
+        <dsp:cNvPr id="0" name=""/>
+        <dsp:cNvSpPr/>
+      </dsp:nvSpPr>
+      <dsp:spPr>
+        <a:xfrm>
+          <a:off x="3850802" y="2654049"/>
+          <a:ext cx="3226223" cy="720000"/>
+        </a:xfrm>
+        <a:prstGeom prst="rect">
+          <a:avLst/>
+        </a:prstGeom>
+        <a:noFill/>
+        <a:ln>
+          <a:noFill/>
+        </a:ln>
+        <a:effectLst/>
+      </dsp:spPr>
+      <dsp:style>
+        <a:lnRef idx="0">
+          <a:scrgbClr r="0" g="0" b="0"/>
+        </a:lnRef>
+        <a:fillRef idx="0">
+          <a:scrgbClr r="0" g="0" b="0"/>
+        </a:fillRef>
+        <a:effectRef idx="0">
+          <a:scrgbClr r="0" g="0" b="0"/>
+        </a:effectRef>
+        <a:fontRef idx="minor"/>
+      </dsp:style>
+      <dsp:txBody>
+        <a:bodyPr spcFirstLastPara="0" vert="horz" wrap="square" lIns="0" tIns="0" rIns="0" bIns="0" numCol="1" spcCol="1270" anchor="t" anchorCtr="0">
+          <a:noAutofit/>
+        </a:bodyPr>
+        <a:lstStyle/>
+        <a:p>
+          <a:pPr marL="0" lvl="0" indent="0" algn="ctr" defTabSz="1111250">
+            <a:lnSpc>
+              <a:spcPct val="90000"/>
+            </a:lnSpc>
+            <a:spcBef>
+              <a:spcPct val="0"/>
+            </a:spcBef>
+            <a:spcAft>
+              <a:spcPct val="35000"/>
+            </a:spcAft>
+            <a:buNone/>
+          </a:pPr>
+          <a:r>
+            <a:rPr lang="en-GB" sz="2500" kern="1200"/>
+            <a:t>Shipment bookings data</a:t>
+          </a:r>
+          <a:endParaRPr lang="en-US" sz="2500" kern="1200"/>
+        </a:p>
+      </dsp:txBody>
+      <dsp:txXfrm>
+        <a:off x="3850802" y="2654049"/>
+        <a:ext cx="3226223" cy="720000"/>
+      </dsp:txXfrm>
+    </dsp:sp>
+    <dsp:sp modelId="{AA26A15C-DCB1-467F-B0C1-DDF7290D3F43}">
+      <dsp:nvSpPr>
+        <dsp:cNvPr id="0" name=""/>
+        <dsp:cNvSpPr/>
+      </dsp:nvSpPr>
+      <dsp:spPr>
+        <a:xfrm>
+          <a:off x="8528826" y="818755"/>
+          <a:ext cx="1451800" cy="1451800"/>
+        </a:xfrm>
+        <a:prstGeom prst="rect">
+          <a:avLst/>
+        </a:prstGeom>
+        <a:blipFill>
+          <a:blip xmlns:r="http://schemas.openxmlformats.org/officeDocument/2006/relationships" r:embed="rId5">
+            <a:extLst>
+              <a:ext uri="{28A0092B-C50C-407E-A947-70E740481C1C}">
+                <a14:useLocalDpi xmlns:a14="http://schemas.microsoft.com/office/drawing/2010/main" val="0"/>
+              </a:ext>
+              <a:ext uri="{96DAC541-7B7A-43D3-8B79-37D633B846F1}">
+                <asvg:svgBlip xmlns:asvg="http://schemas.microsoft.com/office/drawing/2016/SVG/main" r:embed="rId6"/>
+              </a:ext>
+            </a:extLst>
+          </a:blip>
+          <a:stretch>
+            <a:fillRect/>
+          </a:stretch>
+        </a:blipFill>
+        <a:ln w="12700" cap="flat" cmpd="sng" algn="ctr">
+          <a:noFill/>
+          <a:prstDash val="solid"/>
+          <a:miter lim="800000"/>
+        </a:ln>
+        <a:effectLst/>
+      </dsp:spPr>
+      <dsp:style>
+        <a:lnRef idx="2">
+          <a:scrgbClr r="0" g="0" b="0"/>
+        </a:lnRef>
+        <a:fillRef idx="1">
+          <a:scrgbClr r="0" g="0" b="0"/>
+        </a:fillRef>
+        <a:effectRef idx="0">
+          <a:scrgbClr r="0" g="0" b="0"/>
+        </a:effectRef>
+        <a:fontRef idx="minor">
+          <a:schemeClr val="lt1"/>
+        </a:fontRef>
+      </dsp:style>
+    </dsp:sp>
+    <dsp:sp modelId="{B151F6F3-0B59-46BE-98AD-0BB9590F3324}">
+      <dsp:nvSpPr>
+        <dsp:cNvPr id="0" name=""/>
+        <dsp:cNvSpPr/>
+      </dsp:nvSpPr>
+      <dsp:spPr>
+        <a:xfrm>
+          <a:off x="7641615" y="2654049"/>
+          <a:ext cx="3226223" cy="720000"/>
+        </a:xfrm>
+        <a:prstGeom prst="rect">
+          <a:avLst/>
+        </a:prstGeom>
+        <a:noFill/>
+        <a:ln>
+          <a:noFill/>
+        </a:ln>
+        <a:effectLst/>
+      </dsp:spPr>
+      <dsp:style>
+        <a:lnRef idx="0">
+          <a:scrgbClr r="0" g="0" b="0"/>
+        </a:lnRef>
+        <a:fillRef idx="0">
+          <a:scrgbClr r="0" g="0" b="0"/>
+        </a:fillRef>
+        <a:effectRef idx="0">
+          <a:scrgbClr r="0" g="0" b="0"/>
+        </a:effectRef>
+        <a:fontRef idx="minor"/>
+      </dsp:style>
+      <dsp:txBody>
+        <a:bodyPr spcFirstLastPara="0" vert="horz" wrap="square" lIns="0" tIns="0" rIns="0" bIns="0" numCol="1" spcCol="1270" anchor="t" anchorCtr="0">
+          <a:noAutofit/>
+        </a:bodyPr>
+        <a:lstStyle/>
+        <a:p>
+          <a:pPr marL="0" lvl="0" indent="0" algn="ctr" defTabSz="1111250">
+            <a:lnSpc>
+              <a:spcPct val="90000"/>
+            </a:lnSpc>
+            <a:spcBef>
+              <a:spcPct val="0"/>
+            </a:spcBef>
+            <a:spcAft>
+              <a:spcPct val="35000"/>
+            </a:spcAft>
+            <a:buNone/>
+          </a:pPr>
+          <a:r>
+            <a:rPr lang="en-GB" sz="2500" kern="1200"/>
+            <a:t>New bookings data</a:t>
+          </a:r>
+          <a:endParaRPr lang="en-US" sz="2500" kern="1200"/>
+        </a:p>
+      </dsp:txBody>
+      <dsp:txXfrm>
+        <a:off x="7641615" y="2654049"/>
+        <a:ext cx="3226223" cy="720000"/>
+      </dsp:txXfrm>
+    </dsp:sp>
+  </dsp:spTree>
+</dsp:drawing>
+</file>
+
 <file path=ppt/diagrams/layout1.xml><?xml version="1.0" encoding="utf-8"?>
 <dgm:layoutDef xmlns:dgm="http://schemas.openxmlformats.org/drawingml/2006/diagram" xmlns:a="http://schemas.openxmlformats.org/drawingml/2006/main" uniqueId="urn:microsoft.com/office/officeart/2018/2/layout/IconVerticalSolidList">
   <dgm:title val="Icon Vertical Solid List"/>
@@ -2121,7 +3704,1231 @@
 </dgm:layoutDef>
 </file>
 
+<file path=ppt/diagrams/layout2.xml><?xml version="1.0" encoding="utf-8"?>
+<dgm:layoutDef xmlns:dgm="http://schemas.openxmlformats.org/drawingml/2006/diagram" xmlns:a="http://schemas.openxmlformats.org/drawingml/2006/main" uniqueId="urn:microsoft.com/office/officeart/2018/2/layout/IconLabelList">
+  <dgm:title val="Icon Label List"/>
+  <dgm:desc val="Use to show non-sequential or grouped chunks of information accompanied by a related visuals. Works best with icons or small pictures with short text captions."/>
+  <dgm:catLst>
+    <dgm:cat type="icon" pri="500"/>
+  </dgm:catLst>
+  <dgm:sampData useDef="1">
+    <dgm:dataModel>
+      <dgm:ptLst/>
+      <dgm:bg/>
+      <dgm:whole/>
+    </dgm:dataModel>
+  </dgm:sampData>
+  <dgm:styleData useDef="1">
+    <dgm:dataModel>
+      <dgm:ptLst/>
+      <dgm:bg/>
+      <dgm:whole/>
+    </dgm:dataModel>
+  </dgm:styleData>
+  <dgm:clrData useDef="1">
+    <dgm:dataModel>
+      <dgm:ptLst/>
+      <dgm:bg/>
+      <dgm:whole/>
+    </dgm:dataModel>
+  </dgm:clrData>
+  <dgm:layoutNode name="root">
+    <dgm:varLst>
+      <dgm:dir/>
+      <dgm:resizeHandles val="exact"/>
+    </dgm:varLst>
+    <dgm:choose name="Name0">
+      <dgm:if name="Name1" axis="self" func="var" arg="dir" op="equ" val="norm">
+        <dgm:alg type="snake">
+          <dgm:param type="grDir" val="tL"/>
+          <dgm:param type="flowDir" val="row"/>
+          <dgm:param type="contDir" val="sameDir"/>
+          <dgm:param type="off" val="ctr"/>
+          <dgm:param type="vertAlign" val="mid"/>
+          <dgm:param type="horzAlign" val="ctr"/>
+        </dgm:alg>
+      </dgm:if>
+      <dgm:else name="Name2">
+        <dgm:alg type="snake">
+          <dgm:param type="grDir" val="tR"/>
+          <dgm:param type="flowDir" val="row"/>
+          <dgm:param type="contDir" val="sameDir"/>
+          <dgm:param type="off" val="ctr"/>
+          <dgm:param type="vertAlign" val="mid"/>
+          <dgm:param type="horzAlign" val="ctr"/>
+        </dgm:alg>
+      </dgm:else>
+    </dgm:choose>
+    <dgm:shape xmlns:r="http://schemas.openxmlformats.org/officeDocument/2006/relationships" r:blip="">
+      <dgm:adjLst/>
+    </dgm:shape>
+    <dgm:presOf/>
+    <dgm:choose name="Name3">
+      <dgm:if name="Name4" axis="ch" ptType="node" func="cnt" op="lte" val="2">
+        <dgm:constrLst>
+          <dgm:constr type="h" for="ch" forName="compNode" refType="h" fact="0.4"/>
+          <dgm:constr type="w" for="ch" forName="compNode" val="120"/>
+          <dgm:constr type="w" for="ch" forName="sibTrans" refType="w" refFor="ch" refForName="compNode" fact="0.175"/>
+          <dgm:constr type="sp" refType="w" refFor="ch" refForName="compNode" op="equ" fact="0.25"/>
+          <dgm:constr type="primFontSz" for="des" ptType="node" op="equ" val="50"/>
+          <dgm:constr type="h" for="des" forName="compNode" op="equ"/>
+          <dgm:constr type="h" for="des" forName="textRect" op="equ"/>
+        </dgm:constrLst>
+      </dgm:if>
+      <dgm:if name="Name5" axis="ch" ptType="node" func="cnt" op="lte" val="4">
+        <dgm:constrLst>
+          <dgm:constr type="h" for="ch" forName="compNode" refType="h" fact="0.4"/>
+          <dgm:constr type="w" for="ch" forName="compNode" refType="w"/>
+          <dgm:constr type="w" for="ch" forName="sibTrans" refType="w" refFor="ch" refForName="compNode" fact="0.175"/>
+          <dgm:constr type="sp" refType="w" refFor="ch" refForName="compNode" op="equ" fact="0.25"/>
+          <dgm:constr type="primFontSz" for="des" ptType="node" op="equ" val="36"/>
+          <dgm:constr type="h" for="des" forName="compNode" op="equ"/>
+          <dgm:constr type="h" for="des" forName="textRect" op="equ"/>
+        </dgm:constrLst>
+      </dgm:if>
+      <dgm:else name="Name6">
+        <dgm:constrLst>
+          <dgm:constr type="h" for="ch" forName="compNode" refType="h" fact="0.4"/>
+          <dgm:constr type="w" for="ch" forName="compNode" refType="w"/>
+          <dgm:constr type="w" for="ch" forName="sibTrans" refType="w" refFor="ch" refForName="compNode" fact="0.175"/>
+          <dgm:constr type="sp" refType="w" refFor="ch" refForName="compNode" op="equ" fact="0.25"/>
+          <dgm:constr type="primFontSz" for="des" ptType="node" op="equ" val="24"/>
+          <dgm:constr type="h" for="des" forName="compNode" op="equ"/>
+          <dgm:constr type="h" for="des" forName="textRect" op="equ"/>
+        </dgm:constrLst>
+      </dgm:else>
+    </dgm:choose>
+    <dgm:ruleLst>
+      <dgm:rule type="w" for="ch" forName="compNode" val="50" fact="NaN" max="NaN"/>
+    </dgm:ruleLst>
+    <dgm:forEach name="Name7" axis="ch" ptType="node">
+      <dgm:layoutNode name="compNode">
+        <dgm:alg type="composite"/>
+        <dgm:shape xmlns:r="http://schemas.openxmlformats.org/officeDocument/2006/relationships" r:blip="">
+          <dgm:adjLst/>
+        </dgm:shape>
+        <dgm:presOf axis="self"/>
+        <dgm:constrLst>
+          <dgm:constr type="w" for="ch" forName="iconRect" refType="w" fact="0.45"/>
+          <dgm:constr type="h" for="ch" forName="iconRect" refType="w" refFor="ch" refForName="iconRect"/>
+          <dgm:constr type="ctrX" for="ch" forName="iconRect" refType="w" fact="0.5"/>
+          <dgm:constr type="t" for="ch" forName="iconRect"/>
+          <dgm:constr type="h" for="ch" forName="spaceRect" refType="h" fact="0.15"/>
+          <dgm:constr type="w" for="ch" forName="spaceRect" refType="w"/>
+          <dgm:constr type="l" for="ch" forName="spaceRect"/>
+          <dgm:constr type="t" for="ch" forName="spaceRect" refType="b" refFor="ch" refForName="iconRect"/>
+          <dgm:constr type="h" for="ch" forName="textRect" val="20"/>
+          <dgm:constr type="w" for="ch" forName="textRect" refType="w"/>
+          <dgm:constr type="l" for="ch" forName="textRect"/>
+          <dgm:constr type="t" for="ch" forName="textRect" refType="b" refFor="ch" refForName="spaceRect"/>
+        </dgm:constrLst>
+        <dgm:ruleLst>
+          <dgm:rule type="h" val="INF" fact="NaN" max="NaN"/>
+        </dgm:ruleLst>
+        <dgm:layoutNode name="iconRect" styleLbl="node1">
+          <dgm:alg type="sp"/>
+          <dgm:shape xmlns:r="http://schemas.openxmlformats.org/officeDocument/2006/relationships" type="rect" r:blip="" blipPhldr="1">
+            <dgm:adjLst/>
+          </dgm:shape>
+          <dgm:presOf/>
+          <dgm:constrLst/>
+          <dgm:ruleLst/>
+        </dgm:layoutNode>
+        <dgm:layoutNode name="spaceRect">
+          <dgm:alg type="sp"/>
+          <dgm:shape xmlns:r="http://schemas.openxmlformats.org/officeDocument/2006/relationships" r:blip="">
+            <dgm:adjLst/>
+          </dgm:shape>
+          <dgm:presOf/>
+          <dgm:constrLst/>
+          <dgm:ruleLst/>
+        </dgm:layoutNode>
+        <dgm:layoutNode name="textRect" styleLbl="revTx">
+          <dgm:varLst>
+            <dgm:chMax val="1"/>
+            <dgm:chPref val="1"/>
+          </dgm:varLst>
+          <dgm:alg type="tx">
+            <dgm:param type="txAnchorVert" val="t"/>
+          </dgm:alg>
+          <dgm:shape xmlns:r="http://schemas.openxmlformats.org/officeDocument/2006/relationships" type="rect" r:blip="">
+            <dgm:adjLst/>
+          </dgm:shape>
+          <dgm:presOf axis="self" ptType="node"/>
+          <dgm:constrLst>
+            <dgm:constr type="lMarg"/>
+            <dgm:constr type="rMarg"/>
+            <dgm:constr type="tMarg"/>
+            <dgm:constr type="bMarg"/>
+          </dgm:constrLst>
+          <dgm:ruleLst>
+            <dgm:rule type="primFontSz" val="11" fact="NaN" max="NaN"/>
+            <dgm:rule type="h" val="INF" fact="NaN" max="NaN"/>
+          </dgm:ruleLst>
+        </dgm:layoutNode>
+      </dgm:layoutNode>
+      <dgm:forEach name="Name8" axis="followSib" ptType="sibTrans" cnt="1">
+        <dgm:layoutNode name="sibTrans">
+          <dgm:alg type="sp"/>
+          <dgm:shape xmlns:r="http://schemas.openxmlformats.org/officeDocument/2006/relationships" r:blip="">
+            <dgm:adjLst/>
+          </dgm:shape>
+          <dgm:presOf axis="self"/>
+          <dgm:constrLst/>
+          <dgm:ruleLst/>
+        </dgm:layoutNode>
+      </dgm:forEach>
+    </dgm:forEach>
+  </dgm:layoutNode>
+  <dgm:extLst>
+    <a:ext uri="{68A01E43-0DF5-4B5B-8FA6-DAF915123BFB}">
+      <dgm1612:lstStyle xmlns:dgm1612="http://schemas.microsoft.com/office/drawing/2016/12/diagram">
+        <a:lvl1pPr>
+          <a:lnSpc>
+            <a:spcPct val="100000"/>
+          </a:lnSpc>
+        </a:lvl1pPr>
+      </dgm1612:lstStyle>
+    </a:ext>
+  </dgm:extLst>
+</dgm:layoutDef>
+</file>
+
 <file path=ppt/diagrams/quickStyle1.xml><?xml version="1.0" encoding="utf-8"?>
+<dgm:styleDef xmlns:dgm="http://schemas.openxmlformats.org/drawingml/2006/diagram" xmlns:a="http://schemas.openxmlformats.org/drawingml/2006/main" uniqueId="urn:microsoft.com/office/officeart/2005/8/quickstyle/simple1">
+  <dgm:title val=""/>
+  <dgm:desc val=""/>
+  <dgm:catLst>
+    <dgm:cat type="simple" pri="10100"/>
+  </dgm:catLst>
+  <dgm:scene3d>
+    <a:camera prst="orthographicFront"/>
+    <a:lightRig rig="threePt" dir="t"/>
+  </dgm:scene3d>
+  <dgm:styleLbl name="node0">
+    <dgm:scene3d>
+      <a:camera prst="orthographicFront"/>
+      <a:lightRig rig="threePt" dir="t"/>
+    </dgm:scene3d>
+    <dgm:sp3d/>
+    <dgm:txPr/>
+    <dgm:style>
+      <a:lnRef idx="2">
+        <a:scrgbClr r="0" g="0" b="0"/>
+      </a:lnRef>
+      <a:fillRef idx="1">
+        <a:scrgbClr r="0" g="0" b="0"/>
+      </a:fillRef>
+      <a:effectRef idx="0">
+        <a:scrgbClr r="0" g="0" b="0"/>
+      </a:effectRef>
+      <a:fontRef idx="minor">
+        <a:schemeClr val="lt1"/>
+      </a:fontRef>
+    </dgm:style>
+  </dgm:styleLbl>
+  <dgm:styleLbl name="lnNode1">
+    <dgm:scene3d>
+      <a:camera prst="orthographicFront"/>
+      <a:lightRig rig="threePt" dir="t"/>
+    </dgm:scene3d>
+    <dgm:sp3d/>
+    <dgm:txPr/>
+    <dgm:style>
+      <a:lnRef idx="2">
+        <a:scrgbClr r="0" g="0" b="0"/>
+      </a:lnRef>
+      <a:fillRef idx="1">
+        <a:scrgbClr r="0" g="0" b="0"/>
+      </a:fillRef>
+      <a:effectRef idx="0">
+        <a:scrgbClr r="0" g="0" b="0"/>
+      </a:effectRef>
+      <a:fontRef idx="minor">
+        <a:schemeClr val="lt1"/>
+      </a:fontRef>
+    </dgm:style>
+  </dgm:styleLbl>
+  <dgm:styleLbl name="vennNode1">
+    <dgm:scene3d>
+      <a:camera prst="orthographicFront"/>
+      <a:lightRig rig="threePt" dir="t"/>
+    </dgm:scene3d>
+    <dgm:sp3d/>
+    <dgm:txPr/>
+    <dgm:style>
+      <a:lnRef idx="2">
+        <a:scrgbClr r="0" g="0" b="0"/>
+      </a:lnRef>
+      <a:fillRef idx="1">
+        <a:scrgbClr r="0" g="0" b="0"/>
+      </a:fillRef>
+      <a:effectRef idx="0">
+        <a:scrgbClr r="0" g="0" b="0"/>
+      </a:effectRef>
+      <a:fontRef idx="minor">
+        <a:schemeClr val="tx1"/>
+      </a:fontRef>
+    </dgm:style>
+  </dgm:styleLbl>
+  <dgm:styleLbl name="alignNode1">
+    <dgm:scene3d>
+      <a:camera prst="orthographicFront"/>
+      <a:lightRig rig="threePt" dir="t"/>
+    </dgm:scene3d>
+    <dgm:sp3d/>
+    <dgm:txPr/>
+    <dgm:style>
+      <a:lnRef idx="2">
+        <a:scrgbClr r="0" g="0" b="0"/>
+      </a:lnRef>
+      <a:fillRef idx="1">
+        <a:scrgbClr r="0" g="0" b="0"/>
+      </a:fillRef>
+      <a:effectRef idx="0">
+        <a:scrgbClr r="0" g="0" b="0"/>
+      </a:effectRef>
+      <a:fontRef idx="minor">
+        <a:schemeClr val="lt1"/>
+      </a:fontRef>
+    </dgm:style>
+  </dgm:styleLbl>
+  <dgm:styleLbl name="node1">
+    <dgm:scene3d>
+      <a:camera prst="orthographicFront"/>
+      <a:lightRig rig="threePt" dir="t"/>
+    </dgm:scene3d>
+    <dgm:sp3d/>
+    <dgm:txPr/>
+    <dgm:style>
+      <a:lnRef idx="2">
+        <a:scrgbClr r="0" g="0" b="0"/>
+      </a:lnRef>
+      <a:fillRef idx="1">
+        <a:scrgbClr r="0" g="0" b="0"/>
+      </a:fillRef>
+      <a:effectRef idx="0">
+        <a:scrgbClr r="0" g="0" b="0"/>
+      </a:effectRef>
+      <a:fontRef idx="minor">
+        <a:schemeClr val="lt1"/>
+      </a:fontRef>
+    </dgm:style>
+  </dgm:styleLbl>
+  <dgm:styleLbl name="node2">
+    <dgm:scene3d>
+      <a:camera prst="orthographicFront"/>
+      <a:lightRig rig="threePt" dir="t"/>
+    </dgm:scene3d>
+    <dgm:sp3d/>
+    <dgm:txPr/>
+    <dgm:style>
+      <a:lnRef idx="2">
+        <a:scrgbClr r="0" g="0" b="0"/>
+      </a:lnRef>
+      <a:fillRef idx="1">
+        <a:scrgbClr r="0" g="0" b="0"/>
+      </a:fillRef>
+      <a:effectRef idx="0">
+        <a:scrgbClr r="0" g="0" b="0"/>
+      </a:effectRef>
+      <a:fontRef idx="minor">
+        <a:schemeClr val="lt1"/>
+      </a:fontRef>
+    </dgm:style>
+  </dgm:styleLbl>
+  <dgm:styleLbl name="node3">
+    <dgm:scene3d>
+      <a:camera prst="orthographicFront"/>
+      <a:lightRig rig="threePt" dir="t"/>
+    </dgm:scene3d>
+    <dgm:sp3d/>
+    <dgm:txPr/>
+    <dgm:style>
+      <a:lnRef idx="2">
+        <a:scrgbClr r="0" g="0" b="0"/>
+      </a:lnRef>
+      <a:fillRef idx="1">
+        <a:scrgbClr r="0" g="0" b="0"/>
+      </a:fillRef>
+      <a:effectRef idx="0">
+        <a:scrgbClr r="0" g="0" b="0"/>
+      </a:effectRef>
+      <a:fontRef idx="minor">
+        <a:schemeClr val="lt1"/>
+      </a:fontRef>
+    </dgm:style>
+  </dgm:styleLbl>
+  <dgm:styleLbl name="node4">
+    <dgm:scene3d>
+      <a:camera prst="orthographicFront"/>
+      <a:lightRig rig="threePt" dir="t"/>
+    </dgm:scene3d>
+    <dgm:sp3d/>
+    <dgm:txPr/>
+    <dgm:style>
+      <a:lnRef idx="2">
+        <a:scrgbClr r="0" g="0" b="0"/>
+      </a:lnRef>
+      <a:fillRef idx="1">
+        <a:scrgbClr r="0" g="0" b="0"/>
+      </a:fillRef>
+      <a:effectRef idx="0">
+        <a:scrgbClr r="0" g="0" b="0"/>
+      </a:effectRef>
+      <a:fontRef idx="minor">
+        <a:schemeClr val="lt1"/>
+      </a:fontRef>
+    </dgm:style>
+  </dgm:styleLbl>
+  <dgm:styleLbl name="fgImgPlace1">
+    <dgm:scene3d>
+      <a:camera prst="orthographicFront"/>
+      <a:lightRig rig="threePt" dir="t"/>
+    </dgm:scene3d>
+    <dgm:sp3d/>
+    <dgm:txPr/>
+    <dgm:style>
+      <a:lnRef idx="2">
+        <a:scrgbClr r="0" g="0" b="0"/>
+      </a:lnRef>
+      <a:fillRef idx="1">
+        <a:scrgbClr r="0" g="0" b="0"/>
+      </a:fillRef>
+      <a:effectRef idx="0">
+        <a:scrgbClr r="0" g="0" b="0"/>
+      </a:effectRef>
+      <a:fontRef idx="minor"/>
+    </dgm:style>
+  </dgm:styleLbl>
+  <dgm:styleLbl name="alignImgPlace1">
+    <dgm:scene3d>
+      <a:camera prst="orthographicFront"/>
+      <a:lightRig rig="threePt" dir="t"/>
+    </dgm:scene3d>
+    <dgm:sp3d/>
+    <dgm:txPr/>
+    <dgm:style>
+      <a:lnRef idx="2">
+        <a:scrgbClr r="0" g="0" b="0"/>
+      </a:lnRef>
+      <a:fillRef idx="1">
+        <a:scrgbClr r="0" g="0" b="0"/>
+      </a:fillRef>
+      <a:effectRef idx="0">
+        <a:scrgbClr r="0" g="0" b="0"/>
+      </a:effectRef>
+      <a:fontRef idx="minor"/>
+    </dgm:style>
+  </dgm:styleLbl>
+  <dgm:styleLbl name="bgImgPlace1">
+    <dgm:scene3d>
+      <a:camera prst="orthographicFront"/>
+      <a:lightRig rig="threePt" dir="t"/>
+    </dgm:scene3d>
+    <dgm:sp3d/>
+    <dgm:txPr/>
+    <dgm:style>
+      <a:lnRef idx="2">
+        <a:scrgbClr r="0" g="0" b="0"/>
+      </a:lnRef>
+      <a:fillRef idx="1">
+        <a:scrgbClr r="0" g="0" b="0"/>
+      </a:fillRef>
+      <a:effectRef idx="0">
+        <a:scrgbClr r="0" g="0" b="0"/>
+      </a:effectRef>
+      <a:fontRef idx="minor"/>
+    </dgm:style>
+  </dgm:styleLbl>
+  <dgm:styleLbl name="sibTrans2D1">
+    <dgm:scene3d>
+      <a:camera prst="orthographicFront"/>
+      <a:lightRig rig="threePt" dir="t"/>
+    </dgm:scene3d>
+    <dgm:sp3d/>
+    <dgm:txPr/>
+    <dgm:style>
+      <a:lnRef idx="0">
+        <a:scrgbClr r="0" g="0" b="0"/>
+      </a:lnRef>
+      <a:fillRef idx="1">
+        <a:scrgbClr r="0" g="0" b="0"/>
+      </a:fillRef>
+      <a:effectRef idx="0">
+        <a:scrgbClr r="0" g="0" b="0"/>
+      </a:effectRef>
+      <a:fontRef idx="minor">
+        <a:schemeClr val="lt1"/>
+      </a:fontRef>
+    </dgm:style>
+  </dgm:styleLbl>
+  <dgm:styleLbl name="fgSibTrans2D1">
+    <dgm:scene3d>
+      <a:camera prst="orthographicFront"/>
+      <a:lightRig rig="threePt" dir="t"/>
+    </dgm:scene3d>
+    <dgm:sp3d/>
+    <dgm:txPr/>
+    <dgm:style>
+      <a:lnRef idx="0">
+        <a:scrgbClr r="0" g="0" b="0"/>
+      </a:lnRef>
+      <a:fillRef idx="1">
+        <a:scrgbClr r="0" g="0" b="0"/>
+      </a:fillRef>
+      <a:effectRef idx="0">
+        <a:scrgbClr r="0" g="0" b="0"/>
+      </a:effectRef>
+      <a:fontRef idx="minor">
+        <a:schemeClr val="lt1"/>
+      </a:fontRef>
+    </dgm:style>
+  </dgm:styleLbl>
+  <dgm:styleLbl name="bgSibTrans2D1">
+    <dgm:scene3d>
+      <a:camera prst="orthographicFront"/>
+      <a:lightRig rig="threePt" dir="t"/>
+    </dgm:scene3d>
+    <dgm:sp3d/>
+    <dgm:txPr/>
+    <dgm:style>
+      <a:lnRef idx="0">
+        <a:scrgbClr r="0" g="0" b="0"/>
+      </a:lnRef>
+      <a:fillRef idx="1">
+        <a:scrgbClr r="0" g="0" b="0"/>
+      </a:fillRef>
+      <a:effectRef idx="0">
+        <a:scrgbClr r="0" g="0" b="0"/>
+      </a:effectRef>
+      <a:fontRef idx="minor">
+        <a:schemeClr val="lt1"/>
+      </a:fontRef>
+    </dgm:style>
+  </dgm:styleLbl>
+  <dgm:styleLbl name="sibTrans1D1">
+    <dgm:scene3d>
+      <a:camera prst="orthographicFront"/>
+      <a:lightRig rig="threePt" dir="t"/>
+    </dgm:scene3d>
+    <dgm:sp3d/>
+    <dgm:txPr/>
+    <dgm:style>
+      <a:lnRef idx="1">
+        <a:scrgbClr r="0" g="0" b="0"/>
+      </a:lnRef>
+      <a:fillRef idx="0">
+        <a:scrgbClr r="0" g="0" b="0"/>
+      </a:fillRef>
+      <a:effectRef idx="0">
+        <a:scrgbClr r="0" g="0" b="0"/>
+      </a:effectRef>
+      <a:fontRef idx="minor"/>
+    </dgm:style>
+  </dgm:styleLbl>
+  <dgm:styleLbl name="callout">
+    <dgm:scene3d>
+      <a:camera prst="orthographicFront"/>
+      <a:lightRig rig="threePt" dir="t"/>
+    </dgm:scene3d>
+    <dgm:sp3d/>
+    <dgm:txPr/>
+    <dgm:style>
+      <a:lnRef idx="2">
+        <a:scrgbClr r="0" g="0" b="0"/>
+      </a:lnRef>
+      <a:fillRef idx="1">
+        <a:scrgbClr r="0" g="0" b="0"/>
+      </a:fillRef>
+      <a:effectRef idx="0">
+        <a:scrgbClr r="0" g="0" b="0"/>
+      </a:effectRef>
+      <a:fontRef idx="minor"/>
+    </dgm:style>
+  </dgm:styleLbl>
+  <dgm:styleLbl name="asst0">
+    <dgm:scene3d>
+      <a:camera prst="orthographicFront"/>
+      <a:lightRig rig="threePt" dir="t"/>
+    </dgm:scene3d>
+    <dgm:sp3d/>
+    <dgm:txPr/>
+    <dgm:style>
+      <a:lnRef idx="2">
+        <a:scrgbClr r="0" g="0" b="0"/>
+      </a:lnRef>
+      <a:fillRef idx="1">
+        <a:scrgbClr r="0" g="0" b="0"/>
+      </a:fillRef>
+      <a:effectRef idx="0">
+        <a:scrgbClr r="0" g="0" b="0"/>
+      </a:effectRef>
+      <a:fontRef idx="minor">
+        <a:schemeClr val="lt1"/>
+      </a:fontRef>
+    </dgm:style>
+  </dgm:styleLbl>
+  <dgm:styleLbl name="asst1">
+    <dgm:scene3d>
+      <a:camera prst="orthographicFront"/>
+      <a:lightRig rig="threePt" dir="t"/>
+    </dgm:scene3d>
+    <dgm:sp3d/>
+    <dgm:txPr/>
+    <dgm:style>
+      <a:lnRef idx="2">
+        <a:scrgbClr r="0" g="0" b="0"/>
+      </a:lnRef>
+      <a:fillRef idx="1">
+        <a:scrgbClr r="0" g="0" b="0"/>
+      </a:fillRef>
+      <a:effectRef idx="0">
+        <a:scrgbClr r="0" g="0" b="0"/>
+      </a:effectRef>
+      <a:fontRef idx="minor">
+        <a:schemeClr val="lt1"/>
+      </a:fontRef>
+    </dgm:style>
+  </dgm:styleLbl>
+  <dgm:styleLbl name="asst2">
+    <dgm:scene3d>
+      <a:camera prst="orthographicFront"/>
+      <a:lightRig rig="threePt" dir="t"/>
+    </dgm:scene3d>
+    <dgm:sp3d/>
+    <dgm:txPr/>
+    <dgm:style>
+      <a:lnRef idx="2">
+        <a:scrgbClr r="0" g="0" b="0"/>
+      </a:lnRef>
+      <a:fillRef idx="1">
+        <a:scrgbClr r="0" g="0" b="0"/>
+      </a:fillRef>
+      <a:effectRef idx="0">
+        <a:scrgbClr r="0" g="0" b="0"/>
+      </a:effectRef>
+      <a:fontRef idx="minor">
+        <a:schemeClr val="lt1"/>
+      </a:fontRef>
+    </dgm:style>
+  </dgm:styleLbl>
+  <dgm:styleLbl name="asst3">
+    <dgm:scene3d>
+      <a:camera prst="orthographicFront"/>
+      <a:lightRig rig="threePt" dir="t"/>
+    </dgm:scene3d>
+    <dgm:sp3d/>
+    <dgm:txPr/>
+    <dgm:style>
+      <a:lnRef idx="2">
+        <a:scrgbClr r="0" g="0" b="0"/>
+      </a:lnRef>
+      <a:fillRef idx="1">
+        <a:scrgbClr r="0" g="0" b="0"/>
+      </a:fillRef>
+      <a:effectRef idx="0">
+        <a:scrgbClr r="0" g="0" b="0"/>
+      </a:effectRef>
+      <a:fontRef idx="minor">
+        <a:schemeClr val="lt1"/>
+      </a:fontRef>
+    </dgm:style>
+  </dgm:styleLbl>
+  <dgm:styleLbl name="asst4">
+    <dgm:scene3d>
+      <a:camera prst="orthographicFront"/>
+      <a:lightRig rig="threePt" dir="t"/>
+    </dgm:scene3d>
+    <dgm:sp3d/>
+    <dgm:txPr/>
+    <dgm:style>
+      <a:lnRef idx="2">
+        <a:scrgbClr r="0" g="0" b="0"/>
+      </a:lnRef>
+      <a:fillRef idx="1">
+        <a:scrgbClr r="0" g="0" b="0"/>
+      </a:fillRef>
+      <a:effectRef idx="0">
+        <a:scrgbClr r="0" g="0" b="0"/>
+      </a:effectRef>
+      <a:fontRef idx="minor">
+        <a:schemeClr val="lt1"/>
+      </a:fontRef>
+    </dgm:style>
+  </dgm:styleLbl>
+  <dgm:styleLbl name="parChTrans2D1">
+    <dgm:scene3d>
+      <a:camera prst="orthographicFront"/>
+      <a:lightRig rig="threePt" dir="t"/>
+    </dgm:scene3d>
+    <dgm:sp3d/>
+    <dgm:txPr/>
+    <dgm:style>
+      <a:lnRef idx="2">
+        <a:scrgbClr r="0" g="0" b="0"/>
+      </a:lnRef>
+      <a:fillRef idx="1">
+        <a:scrgbClr r="0" g="0" b="0"/>
+      </a:fillRef>
+      <a:effectRef idx="0">
+        <a:scrgbClr r="0" g="0" b="0"/>
+      </a:effectRef>
+      <a:fontRef idx="minor">
+        <a:schemeClr val="lt1"/>
+      </a:fontRef>
+    </dgm:style>
+  </dgm:styleLbl>
+  <dgm:styleLbl name="parChTrans2D2">
+    <dgm:scene3d>
+      <a:camera prst="orthographicFront"/>
+      <a:lightRig rig="threePt" dir="t"/>
+    </dgm:scene3d>
+    <dgm:sp3d/>
+    <dgm:txPr/>
+    <dgm:style>
+      <a:lnRef idx="2">
+        <a:scrgbClr r="0" g="0" b="0"/>
+      </a:lnRef>
+      <a:fillRef idx="1">
+        <a:scrgbClr r="0" g="0" b="0"/>
+      </a:fillRef>
+      <a:effectRef idx="0">
+        <a:scrgbClr r="0" g="0" b="0"/>
+      </a:effectRef>
+      <a:fontRef idx="minor">
+        <a:schemeClr val="lt1"/>
+      </a:fontRef>
+    </dgm:style>
+  </dgm:styleLbl>
+  <dgm:styleLbl name="parChTrans2D3">
+    <dgm:scene3d>
+      <a:camera prst="orthographicFront"/>
+      <a:lightRig rig="threePt" dir="t"/>
+    </dgm:scene3d>
+    <dgm:sp3d/>
+    <dgm:txPr/>
+    <dgm:style>
+      <a:lnRef idx="2">
+        <a:scrgbClr r="0" g="0" b="0"/>
+      </a:lnRef>
+      <a:fillRef idx="1">
+        <a:scrgbClr r="0" g="0" b="0"/>
+      </a:fillRef>
+      <a:effectRef idx="0">
+        <a:scrgbClr r="0" g="0" b="0"/>
+      </a:effectRef>
+      <a:fontRef idx="minor">
+        <a:schemeClr val="lt1"/>
+      </a:fontRef>
+    </dgm:style>
+  </dgm:styleLbl>
+  <dgm:styleLbl name="parChTrans2D4">
+    <dgm:scene3d>
+      <a:camera prst="orthographicFront"/>
+      <a:lightRig rig="threePt" dir="t"/>
+    </dgm:scene3d>
+    <dgm:sp3d/>
+    <dgm:txPr/>
+    <dgm:style>
+      <a:lnRef idx="2">
+        <a:scrgbClr r="0" g="0" b="0"/>
+      </a:lnRef>
+      <a:fillRef idx="1">
+        <a:scrgbClr r="0" g="0" b="0"/>
+      </a:fillRef>
+      <a:effectRef idx="0">
+        <a:scrgbClr r="0" g="0" b="0"/>
+      </a:effectRef>
+      <a:fontRef idx="minor">
+        <a:schemeClr val="lt1"/>
+      </a:fontRef>
+    </dgm:style>
+  </dgm:styleLbl>
+  <dgm:styleLbl name="parChTrans1D1">
+    <dgm:scene3d>
+      <a:camera prst="orthographicFront"/>
+      <a:lightRig rig="threePt" dir="t"/>
+    </dgm:scene3d>
+    <dgm:sp3d/>
+    <dgm:txPr/>
+    <dgm:style>
+      <a:lnRef idx="2">
+        <a:scrgbClr r="0" g="0" b="0"/>
+      </a:lnRef>
+      <a:fillRef idx="0">
+        <a:scrgbClr r="0" g="0" b="0"/>
+      </a:fillRef>
+      <a:effectRef idx="0">
+        <a:scrgbClr r="0" g="0" b="0"/>
+      </a:effectRef>
+      <a:fontRef idx="minor"/>
+    </dgm:style>
+  </dgm:styleLbl>
+  <dgm:styleLbl name="parChTrans1D2">
+    <dgm:scene3d>
+      <a:camera prst="orthographicFront"/>
+      <a:lightRig rig="threePt" dir="t"/>
+    </dgm:scene3d>
+    <dgm:sp3d/>
+    <dgm:txPr/>
+    <dgm:style>
+      <a:lnRef idx="2">
+        <a:scrgbClr r="0" g="0" b="0"/>
+      </a:lnRef>
+      <a:fillRef idx="0">
+        <a:scrgbClr r="0" g="0" b="0"/>
+      </a:fillRef>
+      <a:effectRef idx="0">
+        <a:scrgbClr r="0" g="0" b="0"/>
+      </a:effectRef>
+      <a:fontRef idx="minor"/>
+    </dgm:style>
+  </dgm:styleLbl>
+  <dgm:styleLbl name="parChTrans1D3">
+    <dgm:scene3d>
+      <a:camera prst="orthographicFront"/>
+      <a:lightRig rig="threePt" dir="t"/>
+    </dgm:scene3d>
+    <dgm:sp3d/>
+    <dgm:txPr/>
+    <dgm:style>
+      <a:lnRef idx="2">
+        <a:scrgbClr r="0" g="0" b="0"/>
+      </a:lnRef>
+      <a:fillRef idx="0">
+        <a:scrgbClr r="0" g="0" b="0"/>
+      </a:fillRef>
+      <a:effectRef idx="0">
+        <a:scrgbClr r="0" g="0" b="0"/>
+      </a:effectRef>
+      <a:fontRef idx="minor"/>
+    </dgm:style>
+  </dgm:styleLbl>
+  <dgm:styleLbl name="parChTrans1D4">
+    <dgm:scene3d>
+      <a:camera prst="orthographicFront"/>
+      <a:lightRig rig="threePt" dir="t"/>
+    </dgm:scene3d>
+    <dgm:sp3d/>
+    <dgm:txPr/>
+    <dgm:style>
+      <a:lnRef idx="2">
+        <a:scrgbClr r="0" g="0" b="0"/>
+      </a:lnRef>
+      <a:fillRef idx="0">
+        <a:scrgbClr r="0" g="0" b="0"/>
+      </a:fillRef>
+      <a:effectRef idx="0">
+        <a:scrgbClr r="0" g="0" b="0"/>
+      </a:effectRef>
+      <a:fontRef idx="minor"/>
+    </dgm:style>
+  </dgm:styleLbl>
+  <dgm:styleLbl name="fgAcc1">
+    <dgm:scene3d>
+      <a:camera prst="orthographicFront"/>
+      <a:lightRig rig="threePt" dir="t"/>
+    </dgm:scene3d>
+    <dgm:sp3d/>
+    <dgm:txPr/>
+    <dgm:style>
+      <a:lnRef idx="2">
+        <a:scrgbClr r="0" g="0" b="0"/>
+      </a:lnRef>
+      <a:fillRef idx="1">
+        <a:scrgbClr r="0" g="0" b="0"/>
+      </a:fillRef>
+      <a:effectRef idx="0">
+        <a:scrgbClr r="0" g="0" b="0"/>
+      </a:effectRef>
+      <a:fontRef idx="minor"/>
+    </dgm:style>
+  </dgm:styleLbl>
+  <dgm:styleLbl name="conFgAcc1">
+    <dgm:scene3d>
+      <a:camera prst="orthographicFront"/>
+      <a:lightRig rig="threePt" dir="t"/>
+    </dgm:scene3d>
+    <dgm:sp3d/>
+    <dgm:txPr/>
+    <dgm:style>
+      <a:lnRef idx="2">
+        <a:scrgbClr r="0" g="0" b="0"/>
+      </a:lnRef>
+      <a:fillRef idx="1">
+        <a:scrgbClr r="0" g="0" b="0"/>
+      </a:fillRef>
+      <a:effectRef idx="0">
+        <a:scrgbClr r="0" g="0" b="0"/>
+      </a:effectRef>
+      <a:fontRef idx="minor"/>
+    </dgm:style>
+  </dgm:styleLbl>
+  <dgm:styleLbl name="alignAcc1">
+    <dgm:scene3d>
+      <a:camera prst="orthographicFront"/>
+      <a:lightRig rig="threePt" dir="t"/>
+    </dgm:scene3d>
+    <dgm:sp3d/>
+    <dgm:txPr/>
+    <dgm:style>
+      <a:lnRef idx="2">
+        <a:scrgbClr r="0" g="0" b="0"/>
+      </a:lnRef>
+      <a:fillRef idx="1">
+        <a:scrgbClr r="0" g="0" b="0"/>
+      </a:fillRef>
+      <a:effectRef idx="0">
+        <a:scrgbClr r="0" g="0" b="0"/>
+      </a:effectRef>
+      <a:fontRef idx="minor"/>
+    </dgm:style>
+  </dgm:styleLbl>
+  <dgm:styleLbl name="trAlignAcc1">
+    <dgm:scene3d>
+      <a:camera prst="orthographicFront"/>
+      <a:lightRig rig="threePt" dir="t"/>
+    </dgm:scene3d>
+    <dgm:sp3d/>
+    <dgm:txPr/>
+    <dgm:style>
+      <a:lnRef idx="1">
+        <a:scrgbClr r="0" g="0" b="0"/>
+      </a:lnRef>
+      <a:fillRef idx="1">
+        <a:scrgbClr r="0" g="0" b="0"/>
+      </a:fillRef>
+      <a:effectRef idx="0">
+        <a:scrgbClr r="0" g="0" b="0"/>
+      </a:effectRef>
+      <a:fontRef idx="minor"/>
+    </dgm:style>
+  </dgm:styleLbl>
+  <dgm:styleLbl name="bgAcc1">
+    <dgm:scene3d>
+      <a:camera prst="orthographicFront"/>
+      <a:lightRig rig="threePt" dir="t"/>
+    </dgm:scene3d>
+    <dgm:sp3d/>
+    <dgm:txPr/>
+    <dgm:style>
+      <a:lnRef idx="2">
+        <a:scrgbClr r="0" g="0" b="0"/>
+      </a:lnRef>
+      <a:fillRef idx="1">
+        <a:scrgbClr r="0" g="0" b="0"/>
+      </a:fillRef>
+      <a:effectRef idx="0">
+        <a:scrgbClr r="0" g="0" b="0"/>
+      </a:effectRef>
+      <a:fontRef idx="minor"/>
+    </dgm:style>
+  </dgm:styleLbl>
+  <dgm:styleLbl name="solidFgAcc1">
+    <dgm:scene3d>
+      <a:camera prst="orthographicFront"/>
+      <a:lightRig rig="threePt" dir="t"/>
+    </dgm:scene3d>
+    <dgm:sp3d/>
+    <dgm:txPr/>
+    <dgm:style>
+      <a:lnRef idx="2">
+        <a:scrgbClr r="0" g="0" b="0"/>
+      </a:lnRef>
+      <a:fillRef idx="1">
+        <a:scrgbClr r="0" g="0" b="0"/>
+      </a:fillRef>
+      <a:effectRef idx="0">
+        <a:scrgbClr r="0" g="0" b="0"/>
+      </a:effectRef>
+      <a:fontRef idx="minor"/>
+    </dgm:style>
+  </dgm:styleLbl>
+  <dgm:styleLbl name="solidAlignAcc1">
+    <dgm:scene3d>
+      <a:camera prst="orthographicFront"/>
+      <a:lightRig rig="threePt" dir="t"/>
+    </dgm:scene3d>
+    <dgm:sp3d/>
+    <dgm:txPr/>
+    <dgm:style>
+      <a:lnRef idx="2">
+        <a:scrgbClr r="0" g="0" b="0"/>
+      </a:lnRef>
+      <a:fillRef idx="1">
+        <a:scrgbClr r="0" g="0" b="0"/>
+      </a:fillRef>
+      <a:effectRef idx="0">
+        <a:scrgbClr r="0" g="0" b="0"/>
+      </a:effectRef>
+      <a:fontRef idx="minor"/>
+    </dgm:style>
+  </dgm:styleLbl>
+  <dgm:styleLbl name="solidBgAcc1">
+    <dgm:scene3d>
+      <a:camera prst="orthographicFront"/>
+      <a:lightRig rig="threePt" dir="t"/>
+    </dgm:scene3d>
+    <dgm:sp3d/>
+    <dgm:txPr/>
+    <dgm:style>
+      <a:lnRef idx="2">
+        <a:scrgbClr r="0" g="0" b="0"/>
+      </a:lnRef>
+      <a:fillRef idx="1">
+        <a:scrgbClr r="0" g="0" b="0"/>
+      </a:fillRef>
+      <a:effectRef idx="0">
+        <a:scrgbClr r="0" g="0" b="0"/>
+      </a:effectRef>
+      <a:fontRef idx="minor"/>
+    </dgm:style>
+  </dgm:styleLbl>
+  <dgm:styleLbl name="fgAccFollowNode1">
+    <dgm:scene3d>
+      <a:camera prst="orthographicFront"/>
+      <a:lightRig rig="threePt" dir="t"/>
+    </dgm:scene3d>
+    <dgm:sp3d/>
+    <dgm:txPr/>
+    <dgm:style>
+      <a:lnRef idx="2">
+        <a:scrgbClr r="0" g="0" b="0"/>
+      </a:lnRef>
+      <a:fillRef idx="1">
+        <a:scrgbClr r="0" g="0" b="0"/>
+      </a:fillRef>
+      <a:effectRef idx="0">
+        <a:scrgbClr r="0" g="0" b="0"/>
+      </a:effectRef>
+      <a:fontRef idx="minor"/>
+    </dgm:style>
+  </dgm:styleLbl>
+  <dgm:styleLbl name="alignAccFollowNode1">
+    <dgm:scene3d>
+      <a:camera prst="orthographicFront"/>
+      <a:lightRig rig="threePt" dir="t"/>
+    </dgm:scene3d>
+    <dgm:sp3d/>
+    <dgm:txPr/>
+    <dgm:style>
+      <a:lnRef idx="2">
+        <a:scrgbClr r="0" g="0" b="0"/>
+      </a:lnRef>
+      <a:fillRef idx="1">
+        <a:scrgbClr r="0" g="0" b="0"/>
+      </a:fillRef>
+      <a:effectRef idx="0">
+        <a:scrgbClr r="0" g="0" b="0"/>
+      </a:effectRef>
+      <a:fontRef idx="minor"/>
+    </dgm:style>
+  </dgm:styleLbl>
+  <dgm:styleLbl name="bgAccFollowNode1">
+    <dgm:scene3d>
+      <a:camera prst="orthographicFront"/>
+      <a:lightRig rig="threePt" dir="t"/>
+    </dgm:scene3d>
+    <dgm:sp3d/>
+    <dgm:txPr/>
+    <dgm:style>
+      <a:lnRef idx="2">
+        <a:scrgbClr r="0" g="0" b="0"/>
+      </a:lnRef>
+      <a:fillRef idx="1">
+        <a:scrgbClr r="0" g="0" b="0"/>
+      </a:fillRef>
+      <a:effectRef idx="0">
+        <a:scrgbClr r="0" g="0" b="0"/>
+      </a:effectRef>
+      <a:fontRef idx="minor"/>
+    </dgm:style>
+  </dgm:styleLbl>
+  <dgm:styleLbl name="fgAcc0">
+    <dgm:scene3d>
+      <a:camera prst="orthographicFront"/>
+      <a:lightRig rig="threePt" dir="t"/>
+    </dgm:scene3d>
+    <dgm:sp3d/>
+    <dgm:txPr/>
+    <dgm:style>
+      <a:lnRef idx="2">
+        <a:scrgbClr r="0" g="0" b="0"/>
+      </a:lnRef>
+      <a:fillRef idx="1">
+        <a:scrgbClr r="0" g="0" b="0"/>
+      </a:fillRef>
+      <a:effectRef idx="0">
+        <a:scrgbClr r="0" g="0" b="0"/>
+      </a:effectRef>
+      <a:fontRef idx="minor"/>
+    </dgm:style>
+  </dgm:styleLbl>
+  <dgm:styleLbl name="fgAcc2">
+    <dgm:scene3d>
+      <a:camera prst="orthographicFront"/>
+      <a:lightRig rig="threePt" dir="t"/>
+    </dgm:scene3d>
+    <dgm:sp3d/>
+    <dgm:txPr/>
+    <dgm:style>
+      <a:lnRef idx="2">
+        <a:scrgbClr r="0" g="0" b="0"/>
+      </a:lnRef>
+      <a:fillRef idx="1">
+        <a:scrgbClr r="0" g="0" b="0"/>
+      </a:fillRef>
+      <a:effectRef idx="0">
+        <a:scrgbClr r="0" g="0" b="0"/>
+      </a:effectRef>
+      <a:fontRef idx="minor"/>
+    </dgm:style>
+  </dgm:styleLbl>
+  <dgm:styleLbl name="fgAcc3">
+    <dgm:scene3d>
+      <a:camera prst="orthographicFront"/>
+      <a:lightRig rig="threePt" dir="t"/>
+    </dgm:scene3d>
+    <dgm:sp3d/>
+    <dgm:txPr/>
+    <dgm:style>
+      <a:lnRef idx="2">
+        <a:scrgbClr r="0" g="0" b="0"/>
+      </a:lnRef>
+      <a:fillRef idx="1">
+        <a:scrgbClr r="0" g="0" b="0"/>
+      </a:fillRef>
+      <a:effectRef idx="0">
+        <a:scrgbClr r="0" g="0" b="0"/>
+      </a:effectRef>
+      <a:fontRef idx="minor"/>
+    </dgm:style>
+  </dgm:styleLbl>
+  <dgm:styleLbl name="fgAcc4">
+    <dgm:scene3d>
+      <a:camera prst="orthographicFront"/>
+      <a:lightRig rig="threePt" dir="t"/>
+    </dgm:scene3d>
+    <dgm:sp3d/>
+    <dgm:txPr/>
+    <dgm:style>
+      <a:lnRef idx="2">
+        <a:scrgbClr r="0" g="0" b="0"/>
+      </a:lnRef>
+      <a:fillRef idx="1">
+        <a:scrgbClr r="0" g="0" b="0"/>
+      </a:fillRef>
+      <a:effectRef idx="0">
+        <a:scrgbClr r="0" g="0" b="0"/>
+      </a:effectRef>
+      <a:fontRef idx="minor"/>
+    </dgm:style>
+  </dgm:styleLbl>
+  <dgm:styleLbl name="bgShp">
+    <dgm:scene3d>
+      <a:camera prst="orthographicFront"/>
+      <a:lightRig rig="threePt" dir="t"/>
+    </dgm:scene3d>
+    <dgm:sp3d/>
+    <dgm:txPr/>
+    <dgm:style>
+      <a:lnRef idx="0">
+        <a:scrgbClr r="0" g="0" b="0"/>
+      </a:lnRef>
+      <a:fillRef idx="1">
+        <a:scrgbClr r="0" g="0" b="0"/>
+      </a:fillRef>
+      <a:effectRef idx="0">
+        <a:scrgbClr r="0" g="0" b="0"/>
+      </a:effectRef>
+      <a:fontRef idx="minor"/>
+    </dgm:style>
+  </dgm:styleLbl>
+  <dgm:styleLbl name="dkBgShp">
+    <dgm:scene3d>
+      <a:camera prst="orthographicFront"/>
+      <a:lightRig rig="threePt" dir="t"/>
+    </dgm:scene3d>
+    <dgm:sp3d/>
+    <dgm:txPr/>
+    <dgm:style>
+      <a:lnRef idx="0">
+        <a:scrgbClr r="0" g="0" b="0"/>
+      </a:lnRef>
+      <a:fillRef idx="1">
+        <a:scrgbClr r="0" g="0" b="0"/>
+      </a:fillRef>
+      <a:effectRef idx="0">
+        <a:scrgbClr r="0" g="0" b="0"/>
+      </a:effectRef>
+      <a:fontRef idx="minor"/>
+    </dgm:style>
+  </dgm:styleLbl>
+  <dgm:styleLbl name="trBgShp">
+    <dgm:scene3d>
+      <a:camera prst="orthographicFront"/>
+      <a:lightRig rig="threePt" dir="t"/>
+    </dgm:scene3d>
+    <dgm:sp3d/>
+    <dgm:txPr/>
+    <dgm:style>
+      <a:lnRef idx="0">
+        <a:scrgbClr r="0" g="0" b="0"/>
+      </a:lnRef>
+      <a:fillRef idx="1">
+        <a:scrgbClr r="0" g="0" b="0"/>
+      </a:fillRef>
+      <a:effectRef idx="0">
+        <a:scrgbClr r="0" g="0" b="0"/>
+      </a:effectRef>
+      <a:fontRef idx="minor"/>
+    </dgm:style>
+  </dgm:styleLbl>
+  <dgm:styleLbl name="fgShp">
+    <dgm:scene3d>
+      <a:camera prst="orthographicFront"/>
+      <a:lightRig rig="threePt" dir="t"/>
+    </dgm:scene3d>
+    <dgm:sp3d/>
+    <dgm:txPr/>
+    <dgm:style>
+      <a:lnRef idx="2">
+        <a:scrgbClr r="0" g="0" b="0"/>
+      </a:lnRef>
+      <a:fillRef idx="1">
+        <a:scrgbClr r="0" g="0" b="0"/>
+      </a:fillRef>
+      <a:effectRef idx="0">
+        <a:scrgbClr r="0" g="0" b="0"/>
+      </a:effectRef>
+      <a:fontRef idx="minor"/>
+    </dgm:style>
+  </dgm:styleLbl>
+  <dgm:styleLbl name="revTx">
+    <dgm:scene3d>
+      <a:camera prst="orthographicFront"/>
+      <a:lightRig rig="threePt" dir="t"/>
+    </dgm:scene3d>
+    <dgm:sp3d/>
+    <dgm:txPr/>
+    <dgm:style>
+      <a:lnRef idx="0">
+        <a:scrgbClr r="0" g="0" b="0"/>
+      </a:lnRef>
+      <a:fillRef idx="0">
+        <a:scrgbClr r="0" g="0" b="0"/>
+      </a:fillRef>
+      <a:effectRef idx="0">
+        <a:scrgbClr r="0" g="0" b="0"/>
+      </a:effectRef>
+      <a:fontRef idx="minor"/>
+    </dgm:style>
+  </dgm:styleLbl>
+</dgm:styleDef>
+</file>
+
+<file path=ppt/diagrams/quickStyle2.xml><?xml version="1.0" encoding="utf-8"?>
 <dgm:styleDef xmlns:dgm="http://schemas.openxmlformats.org/drawingml/2006/diagram" xmlns:a="http://schemas.openxmlformats.org/drawingml/2006/main" uniqueId="urn:microsoft.com/office/officeart/2005/8/quickstyle/simple1">
   <dgm:title val=""/>
   <dgm:desc val=""/>
@@ -3302,7 +6109,7 @@
           <a:p>
             <a:fld id="{5DDE7566-3E63-4C74-9916-3780F4A1B0D1}" type="datetimeFigureOut">
               <a:rPr lang="en-US" smtClean="0"/>
-              <a:t>5/24/2024</a:t>
+              <a:t>5/26/2024</a:t>
             </a:fld>
             <a:endParaRPr lang="en-US"/>
           </a:p>
@@ -3500,7 +6307,7 @@
           <a:p>
             <a:fld id="{5DDE7566-3E63-4C74-9916-3780F4A1B0D1}" type="datetimeFigureOut">
               <a:rPr lang="en-US" smtClean="0"/>
-              <a:t>5/24/2024</a:t>
+              <a:t>5/26/2024</a:t>
             </a:fld>
             <a:endParaRPr lang="en-US"/>
           </a:p>
@@ -3708,7 +6515,7 @@
           <a:p>
             <a:fld id="{5DDE7566-3E63-4C74-9916-3780F4A1B0D1}" type="datetimeFigureOut">
               <a:rPr lang="en-US" smtClean="0"/>
-              <a:t>5/24/2024</a:t>
+              <a:t>5/26/2024</a:t>
             </a:fld>
             <a:endParaRPr lang="en-US"/>
           </a:p>
@@ -3906,7 +6713,7 @@
           <a:p>
             <a:fld id="{5DDE7566-3E63-4C74-9916-3780F4A1B0D1}" type="datetimeFigureOut">
               <a:rPr lang="en-US" smtClean="0"/>
-              <a:t>5/24/2024</a:t>
+              <a:t>5/26/2024</a:t>
             </a:fld>
             <a:endParaRPr lang="en-US"/>
           </a:p>
@@ -4181,7 +6988,7 @@
           <a:p>
             <a:fld id="{5DDE7566-3E63-4C74-9916-3780F4A1B0D1}" type="datetimeFigureOut">
               <a:rPr lang="en-US" smtClean="0"/>
-              <a:t>5/24/2024</a:t>
+              <a:t>5/26/2024</a:t>
             </a:fld>
             <a:endParaRPr lang="en-US"/>
           </a:p>
@@ -4446,7 +7253,7 @@
           <a:p>
             <a:fld id="{5DDE7566-3E63-4C74-9916-3780F4A1B0D1}" type="datetimeFigureOut">
               <a:rPr lang="en-US" smtClean="0"/>
-              <a:t>5/24/2024</a:t>
+              <a:t>5/26/2024</a:t>
             </a:fld>
             <a:endParaRPr lang="en-US"/>
           </a:p>
@@ -4858,7 +7665,7 @@
           <a:p>
             <a:fld id="{5DDE7566-3E63-4C74-9916-3780F4A1B0D1}" type="datetimeFigureOut">
               <a:rPr lang="en-US" smtClean="0"/>
-              <a:t>5/24/2024</a:t>
+              <a:t>5/26/2024</a:t>
             </a:fld>
             <a:endParaRPr lang="en-US"/>
           </a:p>
@@ -4999,7 +7806,7 @@
           <a:p>
             <a:fld id="{5DDE7566-3E63-4C74-9916-3780F4A1B0D1}" type="datetimeFigureOut">
               <a:rPr lang="en-US" smtClean="0"/>
-              <a:t>5/24/2024</a:t>
+              <a:t>5/26/2024</a:t>
             </a:fld>
             <a:endParaRPr lang="en-US"/>
           </a:p>
@@ -5112,7 +7919,7 @@
           <a:p>
             <a:fld id="{5DDE7566-3E63-4C74-9916-3780F4A1B0D1}" type="datetimeFigureOut">
               <a:rPr lang="en-US" smtClean="0"/>
-              <a:t>5/24/2024</a:t>
+              <a:t>5/26/2024</a:t>
             </a:fld>
             <a:endParaRPr lang="en-US"/>
           </a:p>
@@ -5423,7 +8230,7 @@
           <a:p>
             <a:fld id="{5DDE7566-3E63-4C74-9916-3780F4A1B0D1}" type="datetimeFigureOut">
               <a:rPr lang="en-US" smtClean="0"/>
-              <a:t>5/24/2024</a:t>
+              <a:t>5/26/2024</a:t>
             </a:fld>
             <a:endParaRPr lang="en-US"/>
           </a:p>
@@ -5711,7 +8518,7 @@
           <a:p>
             <a:fld id="{5DDE7566-3E63-4C74-9916-3780F4A1B0D1}" type="datetimeFigureOut">
               <a:rPr lang="en-US" smtClean="0"/>
-              <a:t>5/24/2024</a:t>
+              <a:t>5/26/2024</a:t>
             </a:fld>
             <a:endParaRPr lang="en-US"/>
           </a:p>
@@ -5952,7 +8759,7 @@
           <a:p>
             <a:fld id="{5DDE7566-3E63-4C74-9916-3780F4A1B0D1}" type="datetimeFigureOut">
               <a:rPr lang="en-US" smtClean="0"/>
-              <a:t>5/24/2024</a:t>
+              <a:t>5/26/2024</a:t>
             </a:fld>
             <a:endParaRPr lang="en-US"/>
           </a:p>
@@ -11529,6 +14336,421 @@
       </p:grpSpPr>
       <p:sp useBgFill="1">
         <p:nvSpPr>
+          <p:cNvPr id="9" name="Rectangle 8">
+            <a:extLst>
+              <a:ext uri="{FF2B5EF4-FFF2-40B4-BE49-F238E27FC236}">
+                <a16:creationId xmlns:a16="http://schemas.microsoft.com/office/drawing/2014/main" id="{BACC6370-2D7E-4714-9D71-7542949D7D5D}"/>
+              </a:ext>
+              <a:ext uri="{C183D7F6-B498-43B3-948B-1728B52AA6E4}">
+                <adec:decorative xmlns:adec="http://schemas.microsoft.com/office/drawing/2017/decorative" val="1"/>
+              </a:ext>
+            </a:extLst>
+          </p:cNvPr>
+          <p:cNvSpPr>
+            <a:spLocks noGrp="1" noRot="1" noChangeAspect="1" noMove="1" noResize="1" noEditPoints="1" noAdjustHandles="1" noChangeArrowheads="1" noChangeShapeType="1" noTextEdit="1"/>
+          </p:cNvSpPr>
+          <p:nvPr>
+            <p:extLst>
+              <p:ext uri="{386F3935-93C4-4BCD-93E2-E3B085C9AB24}">
+                <p16:designElem xmlns:p16="http://schemas.microsoft.com/office/powerpoint/2015/main" val="1"/>
+              </p:ext>
+            </p:extLst>
+          </p:nvPr>
+        </p:nvSpPr>
+        <p:spPr>
+          <a:xfrm>
+            <a:off x="0" y="0"/>
+            <a:ext cx="12192000" cy="6858000"/>
+          </a:xfrm>
+          <a:prstGeom prst="rect">
+            <a:avLst/>
+          </a:prstGeom>
+          <a:ln w="12700" cap="flat" cmpd="sng" algn="ctr">
+            <a:noFill/>
+            <a:prstDash val="solid"/>
+            <a:miter lim="800000"/>
+          </a:ln>
+          <a:effectLst/>
+          <a:extLst>
+            <a:ext uri="{91240B29-F687-4F45-9708-019B960494DF}">
+              <a14:hiddenLine xmlns:a14="http://schemas.microsoft.com/office/drawing/2010/main" w="12700" cap="flat" cmpd="sng" algn="ctr">
+                <a:solidFill>
+                  <a:schemeClr val="accent1">
+                    <a:shade val="50000"/>
+                  </a:schemeClr>
+                </a:solidFill>
+                <a:prstDash val="solid"/>
+                <a:miter lim="800000"/>
+              </a14:hiddenLine>
+            </a:ext>
+          </a:extLst>
+        </p:spPr>
+        <p:style>
+          <a:lnRef idx="2">
+            <a:schemeClr val="accent1">
+              <a:shade val="50000"/>
+            </a:schemeClr>
+          </a:lnRef>
+          <a:fillRef idx="1">
+            <a:schemeClr val="accent1"/>
+          </a:fillRef>
+          <a:effectRef idx="0">
+            <a:schemeClr val="accent1"/>
+          </a:effectRef>
+          <a:fontRef idx="minor">
+            <a:schemeClr val="lt1"/>
+          </a:fontRef>
+        </p:style>
+        <p:txBody>
+          <a:bodyPr rtlCol="0" anchor="ctr"/>
+          <a:lstStyle/>
+          <a:p>
+            <a:pPr algn="ctr"/>
+            <a:endParaRPr lang="en-US"/>
+          </a:p>
+        </p:txBody>
+      </p:sp>
+      <p:sp>
+        <p:nvSpPr>
+          <p:cNvPr id="11" name="Rectangle 10">
+            <a:extLst>
+              <a:ext uri="{FF2B5EF4-FFF2-40B4-BE49-F238E27FC236}">
+                <a16:creationId xmlns:a16="http://schemas.microsoft.com/office/drawing/2014/main" id="{F68B3F68-107C-434F-AA38-110D5EA91B85}"/>
+              </a:ext>
+              <a:ext uri="{C183D7F6-B498-43B3-948B-1728B52AA6E4}">
+                <adec:decorative xmlns:adec="http://schemas.microsoft.com/office/drawing/2017/decorative" val="1"/>
+              </a:ext>
+            </a:extLst>
+          </p:cNvPr>
+          <p:cNvSpPr>
+            <a:spLocks noGrp="1" noRot="1" noChangeAspect="1" noMove="1" noResize="1" noEditPoints="1" noAdjustHandles="1" noChangeArrowheads="1" noChangeShapeType="1" noTextEdit="1"/>
+          </p:cNvSpPr>
+          <p:nvPr>
+            <p:extLst>
+              <p:ext uri="{386F3935-93C4-4BCD-93E2-E3B085C9AB24}">
+                <p16:designElem xmlns:p16="http://schemas.microsoft.com/office/powerpoint/2015/main" val="1"/>
+              </p:ext>
+            </p:extLst>
+          </p:nvPr>
+        </p:nvSpPr>
+        <p:spPr>
+          <a:xfrm flipH="1">
+            <a:off x="2" y="0"/>
+            <a:ext cx="12191998" cy="1575955"/>
+          </a:xfrm>
+          <a:prstGeom prst="rect">
+            <a:avLst/>
+          </a:prstGeom>
+          <a:gradFill>
+            <a:gsLst>
+              <a:gs pos="0">
+                <a:srgbClr val="000000">
+                  <a:alpha val="96000"/>
+                </a:srgbClr>
+              </a:gs>
+              <a:gs pos="100000">
+                <a:schemeClr val="accent1">
+                  <a:lumMod val="75000"/>
+                </a:schemeClr>
+              </a:gs>
+            </a:gsLst>
+            <a:lin ang="8400000" scaled="0"/>
+          </a:gradFill>
+          <a:ln>
+            <a:noFill/>
+          </a:ln>
+        </p:spPr>
+        <p:style>
+          <a:lnRef idx="2">
+            <a:schemeClr val="accent1">
+              <a:shade val="50000"/>
+            </a:schemeClr>
+          </a:lnRef>
+          <a:fillRef idx="1">
+            <a:schemeClr val="accent1"/>
+          </a:fillRef>
+          <a:effectRef idx="0">
+            <a:schemeClr val="accent1"/>
+          </a:effectRef>
+          <a:fontRef idx="minor">
+            <a:schemeClr val="lt1"/>
+          </a:fontRef>
+        </p:style>
+        <p:txBody>
+          <a:bodyPr rtlCol="0" anchor="ctr"/>
+          <a:lstStyle/>
+          <a:p>
+            <a:pPr algn="ctr"/>
+            <a:endParaRPr lang="en-US"/>
+          </a:p>
+        </p:txBody>
+      </p:sp>
+      <p:sp>
+        <p:nvSpPr>
+          <p:cNvPr id="13" name="Rectangle 12">
+            <a:extLst>
+              <a:ext uri="{FF2B5EF4-FFF2-40B4-BE49-F238E27FC236}">
+                <a16:creationId xmlns:a16="http://schemas.microsoft.com/office/drawing/2014/main" id="{AAD0DBB9-1A4B-4391-81D4-CB19F9AB918A}"/>
+              </a:ext>
+              <a:ext uri="{C183D7F6-B498-43B3-948B-1728B52AA6E4}">
+                <adec:decorative xmlns:adec="http://schemas.microsoft.com/office/drawing/2017/decorative" val="1"/>
+              </a:ext>
+            </a:extLst>
+          </p:cNvPr>
+          <p:cNvSpPr>
+            <a:spLocks noGrp="1" noRot="1" noChangeAspect="1" noMove="1" noResize="1" noEditPoints="1" noAdjustHandles="1" noChangeArrowheads="1" noChangeShapeType="1" noTextEdit="1"/>
+          </p:cNvSpPr>
+          <p:nvPr>
+            <p:extLst>
+              <p:ext uri="{386F3935-93C4-4BCD-93E2-E3B085C9AB24}">
+                <p16:designElem xmlns:p16="http://schemas.microsoft.com/office/powerpoint/2015/main" val="1"/>
+              </p:ext>
+            </p:extLst>
+          </p:nvPr>
+        </p:nvSpPr>
+        <p:spPr>
+          <a:xfrm rot="10800000" flipH="1">
+            <a:off x="8128857" y="0"/>
+            <a:ext cx="4063143" cy="1576412"/>
+          </a:xfrm>
+          <a:prstGeom prst="rect">
+            <a:avLst/>
+          </a:prstGeom>
+          <a:gradFill>
+            <a:gsLst>
+              <a:gs pos="19000">
+                <a:schemeClr val="accent1">
+                  <a:lumMod val="50000"/>
+                  <a:alpha val="68000"/>
+                </a:schemeClr>
+              </a:gs>
+              <a:gs pos="100000">
+                <a:schemeClr val="accent1">
+                  <a:alpha val="79000"/>
+                </a:schemeClr>
+              </a:gs>
+            </a:gsLst>
+            <a:lin ang="19200000" scaled="0"/>
+          </a:gradFill>
+          <a:ln>
+            <a:noFill/>
+          </a:ln>
+        </p:spPr>
+        <p:style>
+          <a:lnRef idx="2">
+            <a:schemeClr val="accent1">
+              <a:shade val="50000"/>
+            </a:schemeClr>
+          </a:lnRef>
+          <a:fillRef idx="1">
+            <a:schemeClr val="accent1"/>
+          </a:fillRef>
+          <a:effectRef idx="0">
+            <a:schemeClr val="accent1"/>
+          </a:effectRef>
+          <a:fontRef idx="minor">
+            <a:schemeClr val="lt1"/>
+          </a:fontRef>
+        </p:style>
+        <p:txBody>
+          <a:bodyPr rtlCol="0" anchor="ctr"/>
+          <a:lstStyle/>
+          <a:p>
+            <a:pPr algn="ctr"/>
+            <a:endParaRPr lang="en-US"/>
+          </a:p>
+        </p:txBody>
+      </p:sp>
+      <p:sp>
+        <p:nvSpPr>
+          <p:cNvPr id="15" name="Rectangle 14">
+            <a:extLst>
+              <a:ext uri="{FF2B5EF4-FFF2-40B4-BE49-F238E27FC236}">
+                <a16:creationId xmlns:a16="http://schemas.microsoft.com/office/drawing/2014/main" id="{063BBA22-50EA-4C4D-BE05-F1CE4E63AA56}"/>
+              </a:ext>
+              <a:ext uri="{C183D7F6-B498-43B3-948B-1728B52AA6E4}">
+                <adec:decorative xmlns:adec="http://schemas.microsoft.com/office/drawing/2017/decorative" val="1"/>
+              </a:ext>
+            </a:extLst>
+          </p:cNvPr>
+          <p:cNvSpPr>
+            <a:spLocks noGrp="1" noRot="1" noChangeAspect="1" noMove="1" noResize="1" noEditPoints="1" noAdjustHandles="1" noChangeArrowheads="1" noChangeShapeType="1" noTextEdit="1"/>
+          </p:cNvSpPr>
+          <p:nvPr>
+            <p:extLst>
+              <p:ext uri="{386F3935-93C4-4BCD-93E2-E3B085C9AB24}">
+                <p16:designElem xmlns:p16="http://schemas.microsoft.com/office/powerpoint/2015/main" val="1"/>
+              </p:ext>
+            </p:extLst>
+          </p:nvPr>
+        </p:nvSpPr>
+        <p:spPr>
+          <a:xfrm rot="5400000">
+            <a:off x="5307777" y="-5307778"/>
+            <a:ext cx="1576446" cy="12192002"/>
+          </a:xfrm>
+          <a:prstGeom prst="rect">
+            <a:avLst/>
+          </a:prstGeom>
+          <a:gradFill>
+            <a:gsLst>
+              <a:gs pos="23000">
+                <a:schemeClr val="accent1">
+                  <a:alpha val="0"/>
+                </a:schemeClr>
+              </a:gs>
+              <a:gs pos="99000">
+                <a:srgbClr val="000000">
+                  <a:alpha val="74000"/>
+                </a:srgbClr>
+              </a:gs>
+            </a:gsLst>
+            <a:lin ang="20400000" scaled="0"/>
+          </a:gradFill>
+          <a:ln>
+            <a:noFill/>
+          </a:ln>
+        </p:spPr>
+        <p:style>
+          <a:lnRef idx="2">
+            <a:schemeClr val="accent1">
+              <a:shade val="50000"/>
+            </a:schemeClr>
+          </a:lnRef>
+          <a:fillRef idx="1">
+            <a:schemeClr val="accent1"/>
+          </a:fillRef>
+          <a:effectRef idx="0">
+            <a:schemeClr val="accent1"/>
+          </a:effectRef>
+          <a:fontRef idx="minor">
+            <a:schemeClr val="lt1"/>
+          </a:fontRef>
+        </p:style>
+        <p:txBody>
+          <a:bodyPr rtlCol="0" anchor="ctr"/>
+          <a:lstStyle/>
+          <a:p>
+            <a:pPr algn="ctr"/>
+            <a:endParaRPr lang="en-US" dirty="0"/>
+          </a:p>
+        </p:txBody>
+      </p:sp>
+      <p:sp>
+        <p:nvSpPr>
+          <p:cNvPr id="2" name="Title 1">
+            <a:extLst>
+              <a:ext uri="{FF2B5EF4-FFF2-40B4-BE49-F238E27FC236}">
+                <a16:creationId xmlns:a16="http://schemas.microsoft.com/office/drawing/2014/main" id="{7D815DAE-2298-9105-183A-BDBA8AED593E}"/>
+              </a:ext>
+            </a:extLst>
+          </p:cNvPr>
+          <p:cNvSpPr>
+            <a:spLocks noGrp="1"/>
+          </p:cNvSpPr>
+          <p:nvPr>
+            <p:ph type="title"/>
+          </p:nvPr>
+        </p:nvSpPr>
+        <p:spPr>
+          <a:xfrm>
+            <a:off x="1371597" y="348865"/>
+            <a:ext cx="10044023" cy="877729"/>
+          </a:xfrm>
+        </p:spPr>
+        <p:txBody>
+          <a:bodyPr anchor="ctr">
+            <a:normAutofit/>
+          </a:bodyPr>
+          <a:lstStyle/>
+          <a:p>
+            <a:r>
+              <a:rPr lang="en-GB" sz="4000">
+                <a:solidFill>
+                  <a:srgbClr val="FFFFFF"/>
+                </a:solidFill>
+              </a:rPr>
+              <a:t>Key Datasets for Analysis</a:t>
+            </a:r>
+            <a:endParaRPr lang="en-US" sz="4000">
+              <a:solidFill>
+                <a:srgbClr val="FFFFFF"/>
+              </a:solidFill>
+            </a:endParaRPr>
+          </a:p>
+        </p:txBody>
+      </p:sp>
+      <p:graphicFrame>
+        <p:nvGraphicFramePr>
+          <p:cNvPr id="5" name="Content Placeholder 2">
+            <a:extLst>
+              <a:ext uri="{FF2B5EF4-FFF2-40B4-BE49-F238E27FC236}">
+                <a16:creationId xmlns:a16="http://schemas.microsoft.com/office/drawing/2014/main" id="{40B2D353-D3E4-3077-45DC-2E3C3304776E}"/>
+              </a:ext>
+            </a:extLst>
+          </p:cNvPr>
+          <p:cNvGraphicFramePr>
+            <a:graphicFrameLocks noGrp="1"/>
+          </p:cNvGraphicFramePr>
+          <p:nvPr>
+            <p:ph idx="1"/>
+            <p:extLst>
+              <p:ext uri="{D42A27DB-BD31-4B8C-83A1-F6EECF244321}">
+                <p14:modId xmlns:p14="http://schemas.microsoft.com/office/powerpoint/2010/main" val="3666624687"/>
+              </p:ext>
+            </p:extLst>
+          </p:nvPr>
+        </p:nvGraphicFramePr>
+        <p:xfrm>
+          <a:off x="644056" y="2112579"/>
+          <a:ext cx="10927829" cy="4192805"/>
+        </p:xfrm>
+        <a:graphic>
+          <a:graphicData uri="http://schemas.openxmlformats.org/drawingml/2006/diagram">
+            <dgm:relIds xmlns:dgm="http://schemas.openxmlformats.org/drawingml/2006/diagram" xmlns:r="http://schemas.openxmlformats.org/officeDocument/2006/relationships" r:dm="rId2" r:lo="rId3" r:qs="rId4" r:cs="rId5"/>
+          </a:graphicData>
+        </a:graphic>
+      </p:graphicFrame>
+    </p:spTree>
+    <p:extLst>
+      <p:ext uri="{BB962C8B-B14F-4D97-AF65-F5344CB8AC3E}">
+        <p14:creationId xmlns:p14="http://schemas.microsoft.com/office/powerpoint/2010/main" val="1113204319"/>
+      </p:ext>
+    </p:extLst>
+  </p:cSld>
+  <p:clrMapOvr>
+    <a:masterClrMapping/>
+  </p:clrMapOvr>
+</p:sld>
+</file>
+
+<file path=ppt/slides/slide4.xml><?xml version="1.0" encoding="utf-8"?>
+<p:sld xmlns:a="http://schemas.openxmlformats.org/drawingml/2006/main" xmlns:r="http://schemas.openxmlformats.org/officeDocument/2006/relationships" xmlns:p="http://schemas.openxmlformats.org/presentationml/2006/main">
+  <p:cSld>
+    <p:bg>
+      <p:bgPr>
+        <a:solidFill>
+          <a:schemeClr val="bg1"/>
+        </a:solidFill>
+        <a:effectLst/>
+      </p:bgPr>
+    </p:bg>
+    <p:spTree>
+      <p:nvGrpSpPr>
+        <p:cNvPr id="1" name=""/>
+        <p:cNvGrpSpPr/>
+        <p:nvPr/>
+      </p:nvGrpSpPr>
+      <p:grpSpPr>
+        <a:xfrm>
+          <a:off x="0" y="0"/>
+          <a:ext cx="0" cy="0"/>
+          <a:chOff x="0" y="0"/>
+          <a:chExt cx="0" cy="0"/>
+        </a:xfrm>
+      </p:grpSpPr>
+      <p:sp useBgFill="1">
+        <p:nvSpPr>
           <p:cNvPr id="24" name="Rectangle 23">
             <a:extLst>
               <a:ext uri="{FF2B5EF4-FFF2-40B4-BE49-F238E27FC236}">
@@ -12397,7 +15619,7 @@
 </p:sld>
 </file>
 
-<file path=ppt/slides/slide4.xml><?xml version="1.0" encoding="utf-8"?>
+<file path=ppt/slides/slide5.xml><?xml version="1.0" encoding="utf-8"?>
 <p:sld xmlns:a="http://schemas.openxmlformats.org/drawingml/2006/main" xmlns:r="http://schemas.openxmlformats.org/officeDocument/2006/relationships" xmlns:p="http://schemas.openxmlformats.org/presentationml/2006/main">
   <p:cSld>
     <p:bg>
@@ -12906,7 +16128,7 @@
 </p:sld>
 </file>
 
-<file path=ppt/slides/slide5.xml><?xml version="1.0" encoding="utf-8"?>
+<file path=ppt/slides/slide6.xml><?xml version="1.0" encoding="utf-8"?>
 <p:sld xmlns:a="http://schemas.openxmlformats.org/drawingml/2006/main" xmlns:r="http://schemas.openxmlformats.org/officeDocument/2006/relationships" xmlns:p="http://schemas.openxmlformats.org/presentationml/2006/main">
   <p:cSld>
     <p:bg>
@@ -13373,7 +16595,7 @@
 </p:sld>
 </file>
 
-<file path=ppt/slides/slide6.xml><?xml version="1.0" encoding="utf-8"?>
+<file path=ppt/slides/slide7.xml><?xml version="1.0" encoding="utf-8"?>
 <p:sld xmlns:a="http://schemas.openxmlformats.org/drawingml/2006/main" xmlns:r="http://schemas.openxmlformats.org/officeDocument/2006/relationships" xmlns:p="http://schemas.openxmlformats.org/presentationml/2006/main">
   <p:cSld>
     <p:bg>
